--- a/ReciPro/image/Equations.pptx
+++ b/ReciPro/image/Equations.pptx
@@ -244,7 +244,7 @@
           <a:p>
             <a:fld id="{00049B58-F1AB-4907-83F9-54D176192ACA}" type="datetimeFigureOut">
               <a:rPr kumimoji="1" lang="ja-JP" altLang="en-US" smtClean="0"/>
-              <a:t>2023/3/25</a:t>
+              <a:t>2023/3/29</a:t>
             </a:fld>
             <a:endParaRPr kumimoji="1" lang="ja-JP" altLang="en-US"/>
           </a:p>
@@ -446,7 +446,7 @@
           <a:p>
             <a:fld id="{00049B58-F1AB-4907-83F9-54D176192ACA}" type="datetimeFigureOut">
               <a:rPr kumimoji="1" lang="ja-JP" altLang="en-US" smtClean="0"/>
-              <a:t>2023/3/25</a:t>
+              <a:t>2023/3/29</a:t>
             </a:fld>
             <a:endParaRPr kumimoji="1" lang="ja-JP" altLang="en-US"/>
           </a:p>
@@ -658,7 +658,7 @@
           <a:p>
             <a:fld id="{00049B58-F1AB-4907-83F9-54D176192ACA}" type="datetimeFigureOut">
               <a:rPr kumimoji="1" lang="ja-JP" altLang="en-US" smtClean="0"/>
-              <a:t>2023/3/25</a:t>
+              <a:t>2023/3/29</a:t>
             </a:fld>
             <a:endParaRPr kumimoji="1" lang="ja-JP" altLang="en-US"/>
           </a:p>
@@ -860,7 +860,7 @@
           <a:p>
             <a:fld id="{00049B58-F1AB-4907-83F9-54D176192ACA}" type="datetimeFigureOut">
               <a:rPr kumimoji="1" lang="ja-JP" altLang="en-US" smtClean="0"/>
-              <a:t>2023/3/25</a:t>
+              <a:t>2023/3/29</a:t>
             </a:fld>
             <a:endParaRPr kumimoji="1" lang="ja-JP" altLang="en-US"/>
           </a:p>
@@ -1106,7 +1106,7 @@
           <a:p>
             <a:fld id="{00049B58-F1AB-4907-83F9-54D176192ACA}" type="datetimeFigureOut">
               <a:rPr kumimoji="1" lang="ja-JP" altLang="en-US" smtClean="0"/>
-              <a:t>2023/3/25</a:t>
+              <a:t>2023/3/29</a:t>
             </a:fld>
             <a:endParaRPr kumimoji="1" lang="ja-JP" altLang="en-US"/>
           </a:p>
@@ -1402,7 +1402,7 @@
           <a:p>
             <a:fld id="{00049B58-F1AB-4907-83F9-54D176192ACA}" type="datetimeFigureOut">
               <a:rPr kumimoji="1" lang="ja-JP" altLang="en-US" smtClean="0"/>
-              <a:t>2023/3/25</a:t>
+              <a:t>2023/3/29</a:t>
             </a:fld>
             <a:endParaRPr kumimoji="1" lang="ja-JP" altLang="en-US"/>
           </a:p>
@@ -1833,7 +1833,7 @@
           <a:p>
             <a:fld id="{00049B58-F1AB-4907-83F9-54D176192ACA}" type="datetimeFigureOut">
               <a:rPr kumimoji="1" lang="ja-JP" altLang="en-US" smtClean="0"/>
-              <a:t>2023/3/25</a:t>
+              <a:t>2023/3/29</a:t>
             </a:fld>
             <a:endParaRPr kumimoji="1" lang="ja-JP" altLang="en-US"/>
           </a:p>
@@ -1951,7 +1951,7 @@
           <a:p>
             <a:fld id="{00049B58-F1AB-4907-83F9-54D176192ACA}" type="datetimeFigureOut">
               <a:rPr kumimoji="1" lang="ja-JP" altLang="en-US" smtClean="0"/>
-              <a:t>2023/3/25</a:t>
+              <a:t>2023/3/29</a:t>
             </a:fld>
             <a:endParaRPr kumimoji="1" lang="ja-JP" altLang="en-US"/>
           </a:p>
@@ -2046,7 +2046,7 @@
           <a:p>
             <a:fld id="{00049B58-F1AB-4907-83F9-54D176192ACA}" type="datetimeFigureOut">
               <a:rPr kumimoji="1" lang="ja-JP" altLang="en-US" smtClean="0"/>
-              <a:t>2023/3/25</a:t>
+              <a:t>2023/3/29</a:t>
             </a:fld>
             <a:endParaRPr kumimoji="1" lang="ja-JP" altLang="en-US"/>
           </a:p>
@@ -2355,7 +2355,7 @@
           <a:p>
             <a:fld id="{00049B58-F1AB-4907-83F9-54D176192ACA}" type="datetimeFigureOut">
               <a:rPr kumimoji="1" lang="ja-JP" altLang="en-US" smtClean="0"/>
-              <a:t>2023/3/25</a:t>
+              <a:t>2023/3/29</a:t>
             </a:fld>
             <a:endParaRPr kumimoji="1" lang="ja-JP" altLang="en-US"/>
           </a:p>
@@ -2612,7 +2612,7 @@
           <a:p>
             <a:fld id="{00049B58-F1AB-4907-83F9-54D176192ACA}" type="datetimeFigureOut">
               <a:rPr kumimoji="1" lang="ja-JP" altLang="en-US" smtClean="0"/>
-              <a:t>2023/3/25</a:t>
+              <a:t>2023/3/29</a:t>
             </a:fld>
             <a:endParaRPr kumimoji="1" lang="ja-JP" altLang="en-US"/>
           </a:p>
@@ -2857,7 +2857,7 @@
           <a:p>
             <a:fld id="{00049B58-F1AB-4907-83F9-54D176192ACA}" type="datetimeFigureOut">
               <a:rPr kumimoji="1" lang="ja-JP" altLang="en-US" smtClean="0"/>
-              <a:t>2023/3/25</a:t>
+              <a:t>2023/3/29</a:t>
             </a:fld>
             <a:endParaRPr kumimoji="1" lang="ja-JP" altLang="en-US"/>
           </a:p>
@@ -3262,8 +3262,8 @@
           <a:chExt cx="0" cy="0"/>
         </a:xfrm>
       </p:grpSpPr>
-      <mc:AlternateContent xmlns:mc="http://schemas.openxmlformats.org/markup-compatibility/2006">
-        <mc:Choice xmlns:a14="http://schemas.microsoft.com/office/drawing/2010/main" Requires="a14">
+      <mc:AlternateContent xmlns:mc="http://schemas.openxmlformats.org/markup-compatibility/2006" xmlns:a14="http://schemas.microsoft.com/office/drawing/2010/main">
+        <mc:Choice Requires="a14">
           <p:sp>
             <p:nvSpPr>
               <p:cNvPr id="6" name="正方形/長方形 5">
@@ -3688,7 +3688,7 @@
             </p:txBody>
           </p:sp>
         </mc:Choice>
-        <mc:Fallback>
+        <mc:Fallback xmlns="">
           <p:sp>
             <p:nvSpPr>
               <p:cNvPr id="6" name="正方形/長方形 5">
@@ -3733,8 +3733,8 @@
           </p:sp>
         </mc:Fallback>
       </mc:AlternateContent>
-      <mc:AlternateContent xmlns:mc="http://schemas.openxmlformats.org/markup-compatibility/2006">
-        <mc:Choice xmlns:a14="http://schemas.microsoft.com/office/drawing/2010/main" Requires="a14">
+      <mc:AlternateContent xmlns:mc="http://schemas.openxmlformats.org/markup-compatibility/2006" xmlns:a14="http://schemas.microsoft.com/office/drawing/2010/main">
+        <mc:Choice Requires="a14">
           <p:sp>
             <p:nvSpPr>
               <p:cNvPr id="7" name="正方形/長方形 6">
@@ -4224,7 +4224,7 @@
             </p:txBody>
           </p:sp>
         </mc:Choice>
-        <mc:Fallback>
+        <mc:Fallback xmlns="">
           <p:sp>
             <p:nvSpPr>
               <p:cNvPr id="7" name="正方形/長方形 6">
@@ -4269,8 +4269,8 @@
           </p:sp>
         </mc:Fallback>
       </mc:AlternateContent>
-      <mc:AlternateContent xmlns:mc="http://schemas.openxmlformats.org/markup-compatibility/2006">
-        <mc:Choice xmlns:a14="http://schemas.microsoft.com/office/drawing/2010/main" Requires="a14">
+      <mc:AlternateContent xmlns:mc="http://schemas.openxmlformats.org/markup-compatibility/2006" xmlns:a14="http://schemas.microsoft.com/office/drawing/2010/main">
+        <mc:Choice Requires="a14">
           <p:sp>
             <p:nvSpPr>
               <p:cNvPr id="11" name="正方形/長方形 10">
@@ -4711,7 +4711,7 @@
             </p:txBody>
           </p:sp>
         </mc:Choice>
-        <mc:Fallback>
+        <mc:Fallback xmlns="">
           <p:sp>
             <p:nvSpPr>
               <p:cNvPr id="11" name="正方形/長方形 10">
@@ -4756,8 +4756,8 @@
           </p:sp>
         </mc:Fallback>
       </mc:AlternateContent>
-      <mc:AlternateContent xmlns:mc="http://schemas.openxmlformats.org/markup-compatibility/2006">
-        <mc:Choice xmlns:a14="http://schemas.microsoft.com/office/drawing/2010/main" Requires="a14">
+      <mc:AlternateContent xmlns:mc="http://schemas.openxmlformats.org/markup-compatibility/2006" xmlns:a14="http://schemas.microsoft.com/office/drawing/2010/main">
+        <mc:Choice Requires="a14">
           <p:sp>
             <p:nvSpPr>
               <p:cNvPr id="13" name="正方形/長方形 12">
@@ -4826,16 +4826,7 @@
                           </a:solidFill>
                           <a:latin typeface="Cambria Math" panose="02040503050406030204" pitchFamily="18" charset="0"/>
                         </a:rPr>
-                        <m:t>)</m:t>
-                      </m:r>
-                      <m:r>
-                        <a:rPr lang="en-US" altLang="ja-JP" sz="1000" b="0" i="1" smtClean="0">
-                          <a:solidFill>
-                            <a:schemeClr val="tx1"/>
-                          </a:solidFill>
-                          <a:latin typeface="Cambria Math" panose="02040503050406030204" pitchFamily="18" charset="0"/>
-                        </a:rPr>
-                        <m:t>=</m:t>
+                        <m:t>)=</m:t>
                       </m:r>
                       <m:func>
                         <m:funcPr>
@@ -5063,7 +5054,7 @@
             </p:txBody>
           </p:sp>
         </mc:Choice>
-        <mc:Fallback>
+        <mc:Fallback xmlns="">
           <p:sp>
             <p:nvSpPr>
               <p:cNvPr id="13" name="正方形/長方形 12">
@@ -5224,8 +5215,8 @@
           </a:p>
         </p:txBody>
       </p:sp>
-      <mc:AlternateContent xmlns:mc="http://schemas.openxmlformats.org/markup-compatibility/2006">
-        <mc:Choice xmlns:a14="http://schemas.microsoft.com/office/drawing/2010/main" Requires="a14">
+      <mc:AlternateContent xmlns:mc="http://schemas.openxmlformats.org/markup-compatibility/2006" xmlns:a14="http://schemas.microsoft.com/office/drawing/2010/main">
+        <mc:Choice Requires="a14">
           <p:sp>
             <p:nvSpPr>
               <p:cNvPr id="21" name="テキスト ボックス 20">
@@ -5564,7 +5555,7 @@
             </p:txBody>
           </p:sp>
         </mc:Choice>
-        <mc:Fallback>
+        <mc:Fallback xmlns="">
           <p:sp>
             <p:nvSpPr>
               <p:cNvPr id="21" name="テキスト ボックス 20">
@@ -5609,8 +5600,8 @@
           </p:sp>
         </mc:Fallback>
       </mc:AlternateContent>
-      <mc:AlternateContent xmlns:mc="http://schemas.openxmlformats.org/markup-compatibility/2006">
-        <mc:Choice xmlns:a14="http://schemas.microsoft.com/office/drawing/2010/main" Requires="a14">
+      <mc:AlternateContent xmlns:mc="http://schemas.openxmlformats.org/markup-compatibility/2006" xmlns:a14="http://schemas.microsoft.com/office/drawing/2010/main">
+        <mc:Choice Requires="a14">
           <p:sp>
             <p:nvSpPr>
               <p:cNvPr id="22" name="テキスト ボックス 21">
@@ -6224,7 +6215,7 @@
             </p:txBody>
           </p:sp>
         </mc:Choice>
-        <mc:Fallback>
+        <mc:Fallback xmlns="">
           <p:sp>
             <p:nvSpPr>
               <p:cNvPr id="22" name="テキスト ボックス 21">
@@ -6374,8 +6365,8 @@
           </a:ln>
         </p:spPr>
       </p:pic>
-      <mc:AlternateContent xmlns:mc="http://schemas.openxmlformats.org/markup-compatibility/2006">
-        <mc:Choice xmlns:a14="http://schemas.microsoft.com/office/drawing/2010/main" Requires="a14">
+      <mc:AlternateContent xmlns:mc="http://schemas.openxmlformats.org/markup-compatibility/2006" xmlns:a14="http://schemas.microsoft.com/office/drawing/2010/main">
+        <mc:Choice Requires="a14">
           <p:sp>
             <p:nvSpPr>
               <p:cNvPr id="33" name="テキスト ボックス 32">
@@ -7139,7 +7130,7 @@
             </p:txBody>
           </p:sp>
         </mc:Choice>
-        <mc:Fallback>
+        <mc:Fallback xmlns="">
           <p:sp>
             <p:nvSpPr>
               <p:cNvPr id="33" name="テキスト ボックス 32">
@@ -7184,8 +7175,8 @@
           </p:sp>
         </mc:Fallback>
       </mc:AlternateContent>
-      <mc:AlternateContent xmlns:mc="http://schemas.openxmlformats.org/markup-compatibility/2006">
-        <mc:Choice xmlns:a14="http://schemas.microsoft.com/office/drawing/2010/main" Requires="a14">
+      <mc:AlternateContent xmlns:mc="http://schemas.openxmlformats.org/markup-compatibility/2006" xmlns:a14="http://schemas.microsoft.com/office/drawing/2010/main">
+        <mc:Choice Requires="a14">
           <p:sp>
             <p:nvSpPr>
               <p:cNvPr id="34" name="テキスト ボックス 33">
@@ -7214,7 +7205,6 @@
               </a:bodyPr>
               <a:lstStyle/>
               <a:p>
-                <a:pPr/>
                 <a:r>
                   <a:rPr lang="en-US" altLang="ja-JP" sz="1000" dirty="0"/>
                   <a:t>where </a:t>
@@ -7686,7 +7676,7 @@
             </p:txBody>
           </p:sp>
         </mc:Choice>
-        <mc:Fallback>
+        <mc:Fallback xmlns="">
           <p:sp>
             <p:nvSpPr>
               <p:cNvPr id="34" name="テキスト ボックス 33">
@@ -7839,8 +7829,8 @@
           </a:p>
         </p:txBody>
       </p:sp>
-      <mc:AlternateContent xmlns:mc="http://schemas.openxmlformats.org/markup-compatibility/2006">
-        <mc:Choice xmlns:a14="http://schemas.microsoft.com/office/drawing/2010/main" Requires="a14">
+      <mc:AlternateContent xmlns:mc="http://schemas.openxmlformats.org/markup-compatibility/2006" xmlns:a14="http://schemas.microsoft.com/office/drawing/2010/main">
+        <mc:Choice Requires="a14">
           <p:sp>
             <p:nvSpPr>
               <p:cNvPr id="40" name="テキスト ボックス 39">
@@ -8707,7 +8697,7 @@
             </p:txBody>
           </p:sp>
         </mc:Choice>
-        <mc:Fallback>
+        <mc:Fallback xmlns="">
           <p:sp>
             <p:nvSpPr>
               <p:cNvPr id="40" name="テキスト ボックス 39">
@@ -8817,477 +8807,6 @@
           <a:chExt cx="0" cy="0"/>
         </a:xfrm>
       </p:grpSpPr>
-      <mc:AlternateContent xmlns:mc="http://schemas.openxmlformats.org/markup-compatibility/2006">
-        <mc:Choice xmlns:a14="http://schemas.microsoft.com/office/drawing/2010/main" Requires="a14">
-          <p:sp>
-            <p:nvSpPr>
-              <p:cNvPr id="4" name="正方形/長方形 3">
-                <a:extLst>
-                  <a:ext uri="{FF2B5EF4-FFF2-40B4-BE49-F238E27FC236}">
-                    <a16:creationId xmlns:a16="http://schemas.microsoft.com/office/drawing/2014/main" id="{D862E475-F7AE-089A-98B2-CF0ED986C3E0}"/>
-                  </a:ext>
-                </a:extLst>
-              </p:cNvPr>
-              <p:cNvSpPr/>
-              <p:nvPr/>
-            </p:nvSpPr>
-            <p:spPr>
-              <a:xfrm>
-                <a:off x="367762" y="1145249"/>
-                <a:ext cx="664541" cy="46166"/>
-              </a:xfrm>
-              <a:prstGeom prst="rect">
-                <a:avLst/>
-              </a:prstGeom>
-            </p:spPr>
-            <p:txBody>
-              <a:bodyPr wrap="none" lIns="0" tIns="0" rIns="0" bIns="0">
-                <a:spAutoFit/>
-              </a:bodyPr>
-              <a:lstStyle/>
-              <a:p>
-                <a:pPr/>
-                <a14:m>
-                  <m:oMathPara xmlns:m="http://schemas.openxmlformats.org/officeDocument/2006/math">
-                    <m:oMathParaPr>
-                      <m:jc m:val="left"/>
-                    </m:oMathParaPr>
-                    <m:oMath xmlns:m="http://schemas.openxmlformats.org/officeDocument/2006/math">
-                      <m:func>
-                        <m:funcPr>
-                          <m:ctrlPr>
-                            <a:rPr lang="en-US" altLang="ja-JP" sz="300" i="1">
-                              <a:solidFill>
-                                <a:srgbClr val="0000FF"/>
-                              </a:solidFill>
-                              <a:latin typeface="Cambria Math" panose="02040503050406030204" pitchFamily="18" charset="0"/>
-                            </a:rPr>
-                          </m:ctrlPr>
-                        </m:funcPr>
-                        <m:fName>
-                          <m:r>
-                            <m:rPr>
-                              <m:sty m:val="p"/>
-                            </m:rPr>
-                            <a:rPr lang="en-US" altLang="ja-JP" sz="300">
-                              <a:solidFill>
-                                <a:srgbClr val="0000FF"/>
-                              </a:solidFill>
-                              <a:latin typeface="Cambria Math" panose="02040503050406030204" pitchFamily="18" charset="0"/>
-                            </a:rPr>
-                            <m:t>sin</m:t>
-                          </m:r>
-                        </m:fName>
-                        <m:e>
-                          <m:d>
-                            <m:dPr>
-                              <m:begChr m:val="["/>
-                              <m:endChr m:val="]"/>
-                              <m:ctrlPr>
-                                <a:rPr lang="en-US" altLang="ja-JP" sz="300" i="1">
-                                  <a:solidFill>
-                                    <a:srgbClr val="0000FF"/>
-                                  </a:solidFill>
-                                  <a:latin typeface="Cambria Math" panose="02040503050406030204" pitchFamily="18" charset="0"/>
-                                </a:rPr>
-                              </m:ctrlPr>
-                            </m:dPr>
-                            <m:e>
-                              <m:r>
-                                <a:rPr lang="ja-JP" altLang="en-US" sz="300" i="1">
-                                  <a:solidFill>
-                                    <a:srgbClr val="0000FF"/>
-                                  </a:solidFill>
-                                  <a:latin typeface="Cambria Math" panose="02040503050406030204" pitchFamily="18" charset="0"/>
-                                </a:rPr>
-                                <m:t>𝜒</m:t>
-                              </m:r>
-                              <m:d>
-                                <m:dPr>
-                                  <m:ctrlPr>
-                                    <a:rPr lang="en-US" altLang="ja-JP" sz="300" i="1">
-                                      <a:solidFill>
-                                        <a:srgbClr val="0000FF"/>
-                                      </a:solidFill>
-                                      <a:latin typeface="Cambria Math" panose="02040503050406030204" pitchFamily="18" charset="0"/>
-                                    </a:rPr>
-                                  </m:ctrlPr>
-                                </m:dPr>
-                                <m:e>
-                                  <m:r>
-                                    <a:rPr lang="en-US" altLang="ja-JP" sz="300" b="1">
-                                      <a:solidFill>
-                                        <a:srgbClr val="0000FF"/>
-                                      </a:solidFill>
-                                      <a:latin typeface="Cambria Math" panose="02040503050406030204" pitchFamily="18" charset="0"/>
-                                    </a:rPr>
-                                    <m:t>𝐮</m:t>
-                                  </m:r>
-                                </m:e>
-                              </m:d>
-                            </m:e>
-                          </m:d>
-                        </m:e>
-                      </m:func>
-                      <m:r>
-                        <a:rPr lang="en-US" altLang="ja-JP" sz="300" i="1">
-                          <a:solidFill>
-                            <a:srgbClr val="0000FF"/>
-                          </a:solidFill>
-                          <a:latin typeface="Cambria Math" panose="02040503050406030204" pitchFamily="18" charset="0"/>
-                        </a:rPr>
-                        <m:t>=</m:t>
-                      </m:r>
-                      <m:func>
-                        <m:funcPr>
-                          <m:ctrlPr>
-                            <a:rPr lang="en-US" altLang="ja-JP" sz="300" i="1">
-                              <a:solidFill>
-                                <a:srgbClr val="0000FF"/>
-                              </a:solidFill>
-                              <a:latin typeface="Cambria Math" panose="02040503050406030204" pitchFamily="18" charset="0"/>
-                            </a:rPr>
-                          </m:ctrlPr>
-                        </m:funcPr>
-                        <m:fName>
-                          <m:r>
-                            <m:rPr>
-                              <m:sty m:val="p"/>
-                            </m:rPr>
-                            <a:rPr lang="en-US" altLang="ja-JP" sz="300">
-                              <a:solidFill>
-                                <a:srgbClr val="0000FF"/>
-                              </a:solidFill>
-                              <a:latin typeface="Cambria Math" panose="02040503050406030204" pitchFamily="18" charset="0"/>
-                            </a:rPr>
-                            <m:t>sin</m:t>
-                          </m:r>
-                        </m:fName>
-                        <m:e>
-                          <m:d>
-                            <m:dPr>
-                              <m:begChr m:val="["/>
-                              <m:endChr m:val="]"/>
-                              <m:ctrlPr>
-                                <a:rPr lang="en-US" altLang="ja-JP" sz="300" i="1">
-                                  <a:solidFill>
-                                    <a:srgbClr val="0000FF"/>
-                                  </a:solidFill>
-                                  <a:latin typeface="Cambria Math" panose="02040503050406030204" pitchFamily="18" charset="0"/>
-                                </a:rPr>
-                              </m:ctrlPr>
-                            </m:dPr>
-                            <m:e>
-                              <m:r>
-                                <a:rPr lang="el-GR" altLang="ja-JP" sz="300" i="1">
-                                  <a:solidFill>
-                                    <a:srgbClr val="0000FF"/>
-                                  </a:solidFill>
-                                  <a:latin typeface="Cambria Math" panose="02040503050406030204" pitchFamily="18" charset="0"/>
-                                  <a:ea typeface="Cambria Math" panose="02040503050406030204" pitchFamily="18" charset="0"/>
-                                </a:rPr>
-                                <m:t>𝜋</m:t>
-                              </m:r>
-                              <m:r>
-                                <a:rPr lang="en-US" altLang="ja-JP" sz="300" i="1">
-                                  <a:solidFill>
-                                    <a:srgbClr val="0000FF"/>
-                                  </a:solidFill>
-                                  <a:latin typeface="Cambria Math" panose="02040503050406030204" pitchFamily="18" charset="0"/>
-                                  <a:ea typeface="Cambria Math" panose="02040503050406030204" pitchFamily="18" charset="0"/>
-                                </a:rPr>
-                                <m:t> </m:t>
-                              </m:r>
-                              <m:r>
-                                <a:rPr lang="ja-JP" altLang="el-GR" sz="300" i="1">
-                                  <a:solidFill>
-                                    <a:srgbClr val="0000FF"/>
-                                  </a:solidFill>
-                                  <a:latin typeface="Cambria Math" panose="02040503050406030204" pitchFamily="18" charset="0"/>
-                                  <a:ea typeface="Cambria Math" panose="02040503050406030204" pitchFamily="18" charset="0"/>
-                                </a:rPr>
-                                <m:t>𝜆</m:t>
-                              </m:r>
-                              <m:r>
-                                <a:rPr lang="en-US" altLang="ja-JP" sz="300" i="1">
-                                  <a:solidFill>
-                                    <a:srgbClr val="0000FF"/>
-                                  </a:solidFill>
-                                  <a:latin typeface="Cambria Math" panose="02040503050406030204" pitchFamily="18" charset="0"/>
-                                  <a:ea typeface="Cambria Math" panose="02040503050406030204" pitchFamily="18" charset="0"/>
-                                </a:rPr>
-                                <m:t> </m:t>
-                              </m:r>
-                              <m:sSup>
-                                <m:sSupPr>
-                                  <m:ctrlPr>
-                                    <a:rPr lang="en-US" altLang="ja-JP" sz="300" i="1">
-                                      <a:solidFill>
-                                        <a:srgbClr val="0000FF"/>
-                                      </a:solidFill>
-                                      <a:latin typeface="Cambria Math" panose="02040503050406030204" pitchFamily="18" charset="0"/>
-                                      <a:ea typeface="Cambria Math" panose="02040503050406030204" pitchFamily="18" charset="0"/>
-                                    </a:rPr>
-                                  </m:ctrlPr>
-                                </m:sSupPr>
-                                <m:e>
-                                  <m:r>
-                                    <a:rPr lang="en-US" altLang="ja-JP" sz="300" b="1">
-                                      <a:solidFill>
-                                        <a:srgbClr val="0000FF"/>
-                                      </a:solidFill>
-                                      <a:latin typeface="Cambria Math" panose="02040503050406030204" pitchFamily="18" charset="0"/>
-                                      <a:ea typeface="Cambria Math" panose="02040503050406030204" pitchFamily="18" charset="0"/>
-                                    </a:rPr>
-                                    <m:t>𝐮</m:t>
-                                  </m:r>
-                                </m:e>
-                                <m:sup>
-                                  <m:r>
-                                    <a:rPr lang="en-US" altLang="ja-JP" sz="300" i="1">
-                                      <a:solidFill>
-                                        <a:srgbClr val="0000FF"/>
-                                      </a:solidFill>
-                                      <a:latin typeface="Cambria Math" panose="02040503050406030204" pitchFamily="18" charset="0"/>
-                                      <a:ea typeface="Cambria Math" panose="02040503050406030204" pitchFamily="18" charset="0"/>
-                                    </a:rPr>
-                                    <m:t>2</m:t>
-                                  </m:r>
-                                </m:sup>
-                              </m:sSup>
-                              <m:d>
-                                <m:dPr>
-                                  <m:ctrlPr>
-                                    <a:rPr lang="en-US" altLang="ja-JP" sz="300" i="1">
-                                      <a:solidFill>
-                                        <a:srgbClr val="0000FF"/>
-                                      </a:solidFill>
-                                      <a:latin typeface="Cambria Math" panose="02040503050406030204" pitchFamily="18" charset="0"/>
-                                      <a:ea typeface="Cambria Math" panose="02040503050406030204" pitchFamily="18" charset="0"/>
-                                    </a:rPr>
-                                  </m:ctrlPr>
-                                </m:dPr>
-                                <m:e>
-                                  <m:r>
-                                    <m:rPr>
-                                      <m:sty m:val="p"/>
-                                    </m:rPr>
-                                    <a:rPr lang="el-GR" altLang="ja-JP" sz="300" i="1">
-                                      <a:solidFill>
-                                        <a:srgbClr val="0000FF"/>
-                                      </a:solidFill>
-                                      <a:latin typeface="Cambria Math" panose="02040503050406030204" pitchFamily="18" charset="0"/>
-                                      <a:ea typeface="Cambria Math" panose="02040503050406030204" pitchFamily="18" charset="0"/>
-                                    </a:rPr>
-                                    <m:t>Δ</m:t>
-                                  </m:r>
-                                  <m:r>
-                                    <a:rPr lang="en-US" altLang="ja-JP" sz="300" i="1">
-                                      <a:solidFill>
-                                        <a:srgbClr val="0000FF"/>
-                                      </a:solidFill>
-                                      <a:latin typeface="Cambria Math" panose="02040503050406030204" pitchFamily="18" charset="0"/>
-                                      <a:ea typeface="Cambria Math" panose="02040503050406030204" pitchFamily="18" charset="0"/>
-                                    </a:rPr>
-                                    <m:t>𝑓</m:t>
-                                  </m:r>
-                                  <m:r>
-                                    <a:rPr lang="en-US" altLang="ja-JP" sz="300" i="1">
-                                      <a:solidFill>
-                                        <a:srgbClr val="0000FF"/>
-                                      </a:solidFill>
-                                      <a:latin typeface="Cambria Math" panose="02040503050406030204" pitchFamily="18" charset="0"/>
-                                      <a:ea typeface="Cambria Math" panose="02040503050406030204" pitchFamily="18" charset="0"/>
-                                    </a:rPr>
-                                    <m:t>+</m:t>
-                                  </m:r>
-                                  <m:sSub>
-                                    <m:sSubPr>
-                                      <m:ctrlPr>
-                                        <a:rPr lang="en-US" altLang="ja-JP" sz="300" i="1">
-                                          <a:solidFill>
-                                            <a:srgbClr val="0000FF"/>
-                                          </a:solidFill>
-                                          <a:latin typeface="Cambria Math" panose="02040503050406030204" pitchFamily="18" charset="0"/>
-                                          <a:ea typeface="Cambria Math" panose="02040503050406030204" pitchFamily="18" charset="0"/>
-                                        </a:rPr>
-                                      </m:ctrlPr>
-                                    </m:sSubPr>
-                                    <m:e>
-                                      <m:r>
-                                        <a:rPr lang="en-US" altLang="ja-JP" sz="300" i="1">
-                                          <a:solidFill>
-                                            <a:srgbClr val="0000FF"/>
-                                          </a:solidFill>
-                                          <a:latin typeface="Cambria Math" panose="02040503050406030204" pitchFamily="18" charset="0"/>
-                                          <a:ea typeface="Cambria Math" panose="02040503050406030204" pitchFamily="18" charset="0"/>
-                                        </a:rPr>
-                                        <m:t>𝐶</m:t>
-                                      </m:r>
-                                    </m:e>
-                                    <m:sub>
-                                      <m:r>
-                                        <m:rPr>
-                                          <m:sty m:val="p"/>
-                                        </m:rPr>
-                                        <a:rPr lang="en-US" altLang="ja-JP" sz="300">
-                                          <a:solidFill>
-                                            <a:srgbClr val="0000FF"/>
-                                          </a:solidFill>
-                                          <a:latin typeface="Cambria Math" panose="02040503050406030204" pitchFamily="18" charset="0"/>
-                                          <a:ea typeface="Cambria Math" panose="02040503050406030204" pitchFamily="18" charset="0"/>
-                                        </a:rPr>
-                                        <m:t>s</m:t>
-                                      </m:r>
-                                    </m:sub>
-                                  </m:sSub>
-                                  <m:sSup>
-                                    <m:sSupPr>
-                                      <m:ctrlPr>
-                                        <a:rPr lang="en-US" altLang="ja-JP" sz="300" i="1">
-                                          <a:solidFill>
-                                            <a:srgbClr val="0000FF"/>
-                                          </a:solidFill>
-                                          <a:latin typeface="Cambria Math" panose="02040503050406030204" pitchFamily="18" charset="0"/>
-                                          <a:ea typeface="Cambria Math" panose="02040503050406030204" pitchFamily="18" charset="0"/>
-                                        </a:rPr>
-                                      </m:ctrlPr>
-                                    </m:sSupPr>
-                                    <m:e>
-                                      <m:r>
-                                        <a:rPr lang="en-US" altLang="ja-JP" sz="300" b="1">
-                                          <a:solidFill>
-                                            <a:srgbClr val="0000FF"/>
-                                          </a:solidFill>
-                                          <a:latin typeface="Cambria Math" panose="02040503050406030204" pitchFamily="18" charset="0"/>
-                                          <a:ea typeface="Cambria Math" panose="02040503050406030204" pitchFamily="18" charset="0"/>
-                                        </a:rPr>
-                                        <m:t>𝐮</m:t>
-                                      </m:r>
-                                    </m:e>
-                                    <m:sup>
-                                      <m:r>
-                                        <a:rPr lang="en-US" altLang="ja-JP" sz="300" i="1">
-                                          <a:solidFill>
-                                            <a:srgbClr val="0000FF"/>
-                                          </a:solidFill>
-                                          <a:latin typeface="Cambria Math" panose="02040503050406030204" pitchFamily="18" charset="0"/>
-                                          <a:ea typeface="Cambria Math" panose="02040503050406030204" pitchFamily="18" charset="0"/>
-                                        </a:rPr>
-                                        <m:t>2</m:t>
-                                      </m:r>
-                                    </m:sup>
-                                  </m:sSup>
-                                  <m:sSup>
-                                    <m:sSupPr>
-                                      <m:ctrlPr>
-                                        <a:rPr lang="en-US" altLang="ja-JP" sz="300" i="1">
-                                          <a:solidFill>
-                                            <a:srgbClr val="0000FF"/>
-                                          </a:solidFill>
-                                          <a:latin typeface="Cambria Math" panose="02040503050406030204" pitchFamily="18" charset="0"/>
-                                          <a:ea typeface="Cambria Math" panose="02040503050406030204" pitchFamily="18" charset="0"/>
-                                        </a:rPr>
-                                      </m:ctrlPr>
-                                    </m:sSupPr>
-                                    <m:e>
-                                      <m:r>
-                                        <a:rPr lang="ja-JP" altLang="en-US" sz="300" i="1">
-                                          <a:solidFill>
-                                            <a:srgbClr val="0000FF"/>
-                                          </a:solidFill>
-                                          <a:latin typeface="Cambria Math" panose="02040503050406030204" pitchFamily="18" charset="0"/>
-                                          <a:ea typeface="Cambria Math" panose="02040503050406030204" pitchFamily="18" charset="0"/>
-                                        </a:rPr>
-                                        <m:t>𝜆</m:t>
-                                      </m:r>
-                                    </m:e>
-                                    <m:sup>
-                                      <m:r>
-                                        <a:rPr lang="en-US" altLang="ja-JP" sz="300" i="1">
-                                          <a:solidFill>
-                                            <a:srgbClr val="0000FF"/>
-                                          </a:solidFill>
-                                          <a:latin typeface="Cambria Math" panose="02040503050406030204" pitchFamily="18" charset="0"/>
-                                          <a:ea typeface="Cambria Math" panose="02040503050406030204" pitchFamily="18" charset="0"/>
-                                        </a:rPr>
-                                        <m:t>2</m:t>
-                                      </m:r>
-                                    </m:sup>
-                                  </m:sSup>
-                                </m:e>
-                              </m:d>
-                              <m:r>
-                                <a:rPr lang="en-US" altLang="ja-JP" sz="300" i="1">
-                                  <a:solidFill>
-                                    <a:srgbClr val="0000FF"/>
-                                  </a:solidFill>
-                                  <a:latin typeface="Cambria Math" panose="02040503050406030204" pitchFamily="18" charset="0"/>
-                                  <a:ea typeface="Cambria Math" panose="02040503050406030204" pitchFamily="18" charset="0"/>
-                                </a:rPr>
-                                <m:t>/2</m:t>
-                              </m:r>
-                            </m:e>
-                          </m:d>
-                        </m:e>
-                      </m:func>
-                    </m:oMath>
-                  </m:oMathPara>
-                </a14:m>
-                <a:endParaRPr lang="ja-JP" altLang="en-US" sz="300" i="1" dirty="0">
-                  <a:solidFill>
-                    <a:srgbClr val="0000FF"/>
-                  </a:solidFill>
-                </a:endParaRPr>
-              </a:p>
-            </p:txBody>
-          </p:sp>
-        </mc:Choice>
-        <mc:Fallback>
-          <p:sp>
-            <p:nvSpPr>
-              <p:cNvPr id="4" name="正方形/長方形 3">
-                <a:extLst>
-                  <a:ext uri="{FF2B5EF4-FFF2-40B4-BE49-F238E27FC236}">
-                    <a16:creationId xmlns:a16="http://schemas.microsoft.com/office/drawing/2014/main" id="{D862E475-F7AE-089A-98B2-CF0ED986C3E0}"/>
-                  </a:ext>
-                </a:extLst>
-              </p:cNvPr>
-              <p:cNvSpPr>
-                <a:spLocks noRot="1" noChangeAspect="1" noMove="1" noResize="1" noEditPoints="1" noAdjustHandles="1" noChangeArrowheads="1" noChangeShapeType="1" noTextEdit="1"/>
-              </p:cNvSpPr>
-              <p:nvPr/>
-            </p:nvSpPr>
-            <p:spPr>
-              <a:xfrm>
-                <a:off x="367762" y="1145249"/>
-                <a:ext cx="664541" cy="46166"/>
-              </a:xfrm>
-              <a:prstGeom prst="rect">
-                <a:avLst/>
-              </a:prstGeom>
-              <a:blipFill>
-                <a:blip r:embed="rId2"/>
-                <a:stretch>
-                  <a:fillRect l="-1835" t="-14286" b="-71429"/>
-                </a:stretch>
-              </a:blipFill>
-            </p:spPr>
-            <p:txBody>
-              <a:bodyPr/>
-              <a:lstStyle/>
-              <a:p>
-                <a:r>
-                  <a:rPr lang="ja-JP" altLang="en-US">
-                    <a:noFill/>
-                  </a:rPr>
-                  <a:t> </a:t>
-                </a:r>
-              </a:p>
-            </p:txBody>
-          </p:sp>
-        </mc:Fallback>
-      </mc:AlternateContent>
       <p:sp>
         <p:nvSpPr>
           <p:cNvPr id="5" name="テキスト ボックス 4">
@@ -9341,7 +8860,7 @@
             <p:spPr>
               <a:xfrm>
                 <a:off x="346330" y="913775"/>
-                <a:ext cx="2228944" cy="153888"/>
+                <a:ext cx="2295180" cy="153888"/>
               </a:xfrm>
               <a:prstGeom prst="rect">
                 <a:avLst/>
@@ -9363,7 +8882,7 @@
                       <m:func>
                         <m:funcPr>
                           <m:ctrlPr>
-                            <a:rPr lang="en-US" altLang="ja-JP" sz="1000" i="1">
+                            <a:rPr lang="en-US" altLang="ja-JP" sz="1000" i="1" smtClean="0">
                               <a:solidFill>
                                 <a:srgbClr val="0000FF"/>
                               </a:solidFill>
@@ -9401,13 +8920,13 @@
                             </m:dPr>
                             <m:e>
                               <m:r>
-                                <a:rPr lang="ja-JP" altLang="en-US" sz="1000" i="1">
+                                <a:rPr lang="en-US" altLang="ja-JP" sz="1000" b="0" i="1" smtClean="0">
                                   <a:solidFill>
                                     <a:srgbClr val="0000FF"/>
                                   </a:solidFill>
                                   <a:latin typeface="Cambria Math" panose="02040503050406030204" pitchFamily="18" charset="0"/>
                                 </a:rPr>
-                                <m:t>𝜒</m:t>
+                                <m:t>𝑊</m:t>
                               </m:r>
                               <m:d>
                                 <m:dPr>
@@ -9768,15 +9287,15 @@
             <p:spPr>
               <a:xfrm>
                 <a:off x="346330" y="913775"/>
-                <a:ext cx="2228944" cy="153888"/>
+                <a:ext cx="2295180" cy="153888"/>
               </a:xfrm>
               <a:prstGeom prst="rect">
                 <a:avLst/>
               </a:prstGeom>
               <a:blipFill>
-                <a:blip r:embed="rId3"/>
+                <a:blip r:embed="rId2"/>
                 <a:stretch>
-                  <a:fillRect l="-2192" b="-36000"/>
+                  <a:fillRect l="-2128" b="-36000"/>
                 </a:stretch>
               </a:blipFill>
             </p:spPr>
@@ -9795,8 +9314,8 @@
           </p:sp>
         </mc:Fallback>
       </mc:AlternateContent>
-      <mc:AlternateContent xmlns:mc="http://schemas.openxmlformats.org/markup-compatibility/2006">
-        <mc:Choice xmlns:a14="http://schemas.microsoft.com/office/drawing/2010/main" Requires="a14">
+      <mc:AlternateContent xmlns:mc="http://schemas.openxmlformats.org/markup-compatibility/2006" xmlns:a14="http://schemas.microsoft.com/office/drawing/2010/main">
+        <mc:Choice Requires="a14">
           <p:sp>
             <p:nvSpPr>
               <p:cNvPr id="7" name="正方形/長方形 6">
@@ -10286,7 +9805,7 @@
             </p:txBody>
           </p:sp>
         </mc:Choice>
-        <mc:Fallback>
+        <mc:Fallback xmlns="">
           <p:sp>
             <p:nvSpPr>
               <p:cNvPr id="7" name="正方形/長方形 6">
@@ -10384,7 +9903,7 @@
             <p:spPr>
               <a:xfrm>
                 <a:off x="346330" y="1649039"/>
-                <a:ext cx="663387" cy="46166"/>
+                <a:ext cx="784254" cy="53861"/>
               </a:xfrm>
               <a:prstGeom prst="rect">
                 <a:avLst/>
@@ -10406,7 +9925,7 @@
                       <m:sSub>
                         <m:sSubPr>
                           <m:ctrlPr>
-                            <a:rPr lang="en-US" altLang="ja-JP" sz="300" b="0" i="1" smtClean="0">
+                            <a:rPr lang="en-US" altLang="ja-JP" sz="350" b="0" i="1" smtClean="0">
                               <a:solidFill>
                                 <a:srgbClr val="007D00"/>
                               </a:solidFill>
@@ -10416,7 +9935,7 @@
                         </m:sSubPr>
                         <m:e>
                           <m:r>
-                            <a:rPr lang="en-US" altLang="ja-JP" sz="300" i="1" smtClean="0">
+                            <a:rPr lang="en-US" altLang="ja-JP" sz="350" i="1" smtClean="0">
                               <a:solidFill>
                                 <a:srgbClr val="007D00"/>
                               </a:solidFill>
@@ -10427,7 +9946,7 @@
                         </m:e>
                         <m:sub>
                           <m:r>
-                            <a:rPr lang="en-US" altLang="ja-JP" sz="300" b="0" i="1" smtClean="0">
+                            <a:rPr lang="en-US" altLang="ja-JP" sz="350" b="0" i="1" smtClean="0">
                               <a:solidFill>
                                 <a:srgbClr val="007D00"/>
                               </a:solidFill>
@@ -10438,7 +9957,7 @@
                         </m:sub>
                       </m:sSub>
                       <m:r>
-                        <a:rPr lang="en-US" altLang="ja-JP" sz="300" b="0" i="0" smtClean="0">
+                        <a:rPr lang="en-US" altLang="ja-JP" sz="350" b="0" i="0" smtClean="0">
                           <a:solidFill>
                             <a:srgbClr val="007D00"/>
                           </a:solidFill>
@@ -10447,7 +9966,7 @@
                         <m:t>(</m:t>
                       </m:r>
                       <m:r>
-                        <a:rPr lang="en-US" altLang="ja-JP" sz="300" b="1" i="1" smtClean="0">
+                        <a:rPr lang="en-US" altLang="ja-JP" sz="350" b="1" i="1" smtClean="0">
                           <a:solidFill>
                             <a:srgbClr val="007D00"/>
                           </a:solidFill>
@@ -10456,7 +9975,7 @@
                         <m:t>𝒖</m:t>
                       </m:r>
                       <m:r>
-                        <a:rPr lang="en-US" altLang="ja-JP" sz="300" b="0" i="1" smtClean="0">
+                        <a:rPr lang="en-US" altLang="ja-JP" sz="350" b="0" i="1" smtClean="0">
                           <a:solidFill>
                             <a:srgbClr val="007D00"/>
                           </a:solidFill>
@@ -10465,7 +9984,7 @@
                         <m:t>)</m:t>
                       </m:r>
                       <m:r>
-                        <a:rPr lang="en-US" altLang="ja-JP" sz="300" i="1">
+                        <a:rPr lang="en-US" altLang="ja-JP" sz="350" i="1">
                           <a:solidFill>
                             <a:srgbClr val="007D00"/>
                           </a:solidFill>
@@ -10476,7 +9995,7 @@
                       <m:func>
                         <m:funcPr>
                           <m:ctrlPr>
-                            <a:rPr lang="en-US" altLang="ja-JP" sz="300" i="1">
+                            <a:rPr lang="en-US" altLang="ja-JP" sz="350" i="1">
                               <a:solidFill>
                                 <a:srgbClr val="007D00"/>
                               </a:solidFill>
@@ -10489,7 +10008,7 @@
                             <m:rPr>
                               <m:sty m:val="p"/>
                             </m:rPr>
-                            <a:rPr lang="en-US" altLang="ja-JP" sz="300" b="0" i="0" smtClean="0">
+                            <a:rPr lang="en-US" altLang="ja-JP" sz="350" b="0" i="0" smtClean="0">
                               <a:solidFill>
                                 <a:srgbClr val="007D00"/>
                               </a:solidFill>
@@ -10504,7 +10023,7 @@
                               <m:begChr m:val="["/>
                               <m:endChr m:val="]"/>
                               <m:ctrlPr>
-                                <a:rPr lang="en-US" altLang="ja-JP" sz="300" i="1">
+                                <a:rPr lang="en-US" altLang="ja-JP" sz="350" i="1">
                                   <a:solidFill>
                                     <a:srgbClr val="007D00"/>
                                   </a:solidFill>
@@ -10514,7 +10033,7 @@
                             </m:dPr>
                             <m:e>
                               <m:r>
-                                <a:rPr lang="en-US" altLang="ja-JP" sz="300" b="0" i="1" smtClean="0">
+                                <a:rPr lang="en-US" altLang="ja-JP" sz="350" b="0" i="1" smtClean="0">
                                   <a:solidFill>
                                     <a:srgbClr val="007D00"/>
                                   </a:solidFill>
@@ -10525,7 +10044,7 @@
                               <m:sSup>
                                 <m:sSupPr>
                                   <m:ctrlPr>
-                                    <a:rPr lang="en-US" altLang="ja-JP" sz="300" b="0" i="1" smtClean="0">
+                                    <a:rPr lang="en-US" altLang="ja-JP" sz="350" b="0" i="1" smtClean="0">
                                       <a:solidFill>
                                         <a:srgbClr val="007D00"/>
                                       </a:solidFill>
@@ -10536,7 +10055,7 @@
                                 </m:sSupPr>
                                 <m:e>
                                   <m:r>
-                                    <a:rPr lang="el-GR" altLang="ja-JP" sz="300" i="1">
+                                    <a:rPr lang="el-GR" altLang="ja-JP" sz="350" i="1">
                                       <a:solidFill>
                                         <a:srgbClr val="007D00"/>
                                       </a:solidFill>
@@ -10548,7 +10067,7 @@
                                 </m:e>
                                 <m:sup>
                                   <m:r>
-                                    <a:rPr lang="en-US" altLang="ja-JP" sz="300" b="0" i="1" smtClean="0">
+                                    <a:rPr lang="en-US" altLang="ja-JP" sz="350" b="0" i="1" smtClean="0">
                                       <a:solidFill>
                                         <a:srgbClr val="007D00"/>
                                       </a:solidFill>
@@ -10560,7 +10079,7 @@
                                 </m:sup>
                               </m:sSup>
                               <m:r>
-                                <a:rPr lang="en-US" altLang="ja-JP" sz="300" i="1">
+                                <a:rPr lang="en-US" altLang="ja-JP" sz="350" i="1">
                                   <a:solidFill>
                                     <a:srgbClr val="007D00"/>
                                   </a:solidFill>
@@ -10572,7 +10091,7 @@
                               <m:sSup>
                                 <m:sSupPr>
                                   <m:ctrlPr>
-                                    <a:rPr lang="en-US" altLang="ja-JP" sz="300" b="0" i="1" smtClean="0">
+                                    <a:rPr lang="en-US" altLang="ja-JP" sz="350" b="0" i="1" smtClean="0">
                                       <a:solidFill>
                                         <a:srgbClr val="007D00"/>
                                       </a:solidFill>
@@ -10583,7 +10102,7 @@
                                 </m:sSupPr>
                                 <m:e>
                                   <m:r>
-                                    <a:rPr lang="ja-JP" altLang="en-US" sz="300" i="1" smtClean="0">
+                                    <a:rPr lang="ja-JP" altLang="en-US" sz="350" i="1" smtClean="0">
                                       <a:solidFill>
                                         <a:srgbClr val="007D00"/>
                                       </a:solidFill>
@@ -10595,7 +10114,7 @@
                                 </m:e>
                                 <m:sup>
                                   <m:r>
-                                    <a:rPr lang="en-US" altLang="ja-JP" sz="300" b="0" i="1" smtClean="0">
+                                    <a:rPr lang="en-US" altLang="ja-JP" sz="350" b="0" i="1" smtClean="0">
                                       <a:solidFill>
                                         <a:srgbClr val="007D00"/>
                                       </a:solidFill>
@@ -10607,7 +10126,7 @@
                                 </m:sup>
                               </m:sSup>
                               <m:r>
-                                <a:rPr lang="en-US" altLang="ja-JP" sz="300" i="1">
+                                <a:rPr lang="en-US" altLang="ja-JP" sz="350" i="1">
                                   <a:solidFill>
                                     <a:srgbClr val="007D00"/>
                                   </a:solidFill>
@@ -10619,7 +10138,7 @@
                               <m:sSup>
                                 <m:sSupPr>
                                   <m:ctrlPr>
-                                    <a:rPr lang="en-US" altLang="ja-JP" sz="300" i="1">
+                                    <a:rPr lang="en-US" altLang="ja-JP" sz="350" i="1">
                                       <a:solidFill>
                                         <a:srgbClr val="007D00"/>
                                       </a:solidFill>
@@ -10630,7 +10149,7 @@
                                 </m:sSupPr>
                                 <m:e>
                                   <m:r>
-                                    <a:rPr lang="en-US" altLang="ja-JP" sz="300" b="1" i="1">
+                                    <a:rPr lang="en-US" altLang="ja-JP" sz="350" b="1" i="1">
                                       <a:solidFill>
                                         <a:srgbClr val="007D00"/>
                                       </a:solidFill>
@@ -10642,7 +10161,7 @@
                                 </m:e>
                                 <m:sup>
                                   <m:r>
-                                    <a:rPr lang="en-US" altLang="ja-JP" sz="300" i="1">
+                                    <a:rPr lang="en-US" altLang="ja-JP" sz="350" i="1">
                                       <a:solidFill>
                                         <a:srgbClr val="007D00"/>
                                       </a:solidFill>
@@ -10656,7 +10175,7 @@
                               <m:sSup>
                                 <m:sSupPr>
                                   <m:ctrlPr>
-                                    <a:rPr lang="en-US" altLang="ja-JP" sz="300" b="0" i="1" smtClean="0">
+                                    <a:rPr lang="en-US" altLang="ja-JP" sz="350" b="0" i="1" smtClean="0">
                                       <a:solidFill>
                                         <a:srgbClr val="007D00"/>
                                       </a:solidFill>
@@ -10669,7 +10188,7 @@
                                   <m:d>
                                     <m:dPr>
                                       <m:ctrlPr>
-                                        <a:rPr lang="en-US" altLang="ja-JP" sz="300" i="1">
+                                        <a:rPr lang="en-US" altLang="ja-JP" sz="350" i="1">
                                           <a:solidFill>
                                             <a:srgbClr val="007D00"/>
                                           </a:solidFill>
@@ -10683,7 +10202,7 @@
                                         <m:rPr>
                                           <m:sty m:val="p"/>
                                         </m:rPr>
-                                        <a:rPr lang="el-GR" altLang="ja-JP" sz="300" i="1">
+                                        <a:rPr lang="el-GR" altLang="ja-JP" sz="350" i="1">
                                           <a:solidFill>
                                             <a:srgbClr val="007D00"/>
                                           </a:solidFill>
@@ -10693,7 +10212,7 @@
                                         <m:t>Δ</m:t>
                                       </m:r>
                                       <m:r>
-                                        <a:rPr lang="en-US" altLang="ja-JP" sz="300" i="1">
+                                        <a:rPr lang="en-US" altLang="ja-JP" sz="350" i="1">
                                           <a:solidFill>
                                             <a:srgbClr val="007D00"/>
                                           </a:solidFill>
@@ -10703,7 +10222,7 @@
                                         <m:t>𝑓</m:t>
                                       </m:r>
                                       <m:r>
-                                        <a:rPr lang="en-US" altLang="ja-JP" sz="300" i="1">
+                                        <a:rPr lang="en-US" altLang="ja-JP" sz="350" i="1">
                                           <a:solidFill>
                                             <a:srgbClr val="007D00"/>
                                           </a:solidFill>
@@ -10715,7 +10234,7 @@
                                       <m:sSub>
                                         <m:sSubPr>
                                           <m:ctrlPr>
-                                            <a:rPr lang="en-US" altLang="ja-JP" sz="300" i="1">
+                                            <a:rPr lang="en-US" altLang="ja-JP" sz="350" i="1">
                                               <a:solidFill>
                                                 <a:srgbClr val="007D00"/>
                                               </a:solidFill>
@@ -10726,7 +10245,7 @@
                                         </m:sSubPr>
                                         <m:e>
                                           <m:r>
-                                            <a:rPr lang="en-US" altLang="ja-JP" sz="300" i="1">
+                                            <a:rPr lang="en-US" altLang="ja-JP" sz="350" i="1">
                                               <a:solidFill>
                                                 <a:srgbClr val="007D00"/>
                                               </a:solidFill>
@@ -10741,7 +10260,7 @@
                                             <m:rPr>
                                               <m:sty m:val="p"/>
                                             </m:rPr>
-                                            <a:rPr lang="en-US" altLang="ja-JP" sz="300">
+                                            <a:rPr lang="en-US" altLang="ja-JP" sz="350">
                                               <a:solidFill>
                                                 <a:srgbClr val="007D00"/>
                                               </a:solidFill>
@@ -10755,7 +10274,7 @@
                                       <m:sSup>
                                         <m:sSupPr>
                                           <m:ctrlPr>
-                                            <a:rPr lang="en-US" altLang="ja-JP" sz="300" i="1">
+                                            <a:rPr lang="en-US" altLang="ja-JP" sz="350" i="1">
                                               <a:solidFill>
                                                 <a:srgbClr val="007D00"/>
                                               </a:solidFill>
@@ -10766,7 +10285,7 @@
                                         </m:sSupPr>
                                         <m:e>
                                           <m:r>
-                                            <a:rPr lang="en-US" altLang="ja-JP" sz="300" b="1" i="1">
+                                            <a:rPr lang="en-US" altLang="ja-JP" sz="350" b="1" i="1">
                                               <a:solidFill>
                                                 <a:srgbClr val="007D00"/>
                                               </a:solidFill>
@@ -10778,7 +10297,7 @@
                                         </m:e>
                                         <m:sup>
                                           <m:r>
-                                            <a:rPr lang="en-US" altLang="ja-JP" sz="300" i="1">
+                                            <a:rPr lang="en-US" altLang="ja-JP" sz="350" i="1">
                                               <a:solidFill>
                                                 <a:srgbClr val="007D00"/>
                                               </a:solidFill>
@@ -10792,7 +10311,7 @@
                                       <m:sSup>
                                         <m:sSupPr>
                                           <m:ctrlPr>
-                                            <a:rPr lang="en-US" altLang="ja-JP" sz="300" i="1">
+                                            <a:rPr lang="en-US" altLang="ja-JP" sz="350" i="1">
                                               <a:solidFill>
                                                 <a:srgbClr val="007D00"/>
                                               </a:solidFill>
@@ -10803,7 +10322,7 @@
                                         </m:sSupPr>
                                         <m:e>
                                           <m:r>
-                                            <a:rPr lang="ja-JP" altLang="en-US" sz="300" i="1">
+                                            <a:rPr lang="ja-JP" altLang="en-US" sz="350" i="1">
                                               <a:solidFill>
                                                 <a:srgbClr val="007D00"/>
                                               </a:solidFill>
@@ -10815,7 +10334,7 @@
                                         </m:e>
                                         <m:sup>
                                           <m:r>
-                                            <a:rPr lang="en-US" altLang="ja-JP" sz="300" i="1">
+                                            <a:rPr lang="en-US" altLang="ja-JP" sz="350" i="1">
                                               <a:solidFill>
                                                 <a:srgbClr val="007D00"/>
                                               </a:solidFill>
@@ -10831,7 +10350,7 @@
                                 </m:e>
                                 <m:sup>
                                   <m:r>
-                                    <a:rPr lang="en-US" altLang="ja-JP" sz="300" b="0" i="1" smtClean="0">
+                                    <a:rPr lang="en-US" altLang="ja-JP" sz="350" b="0" i="1" smtClean="0">
                                       <a:solidFill>
                                         <a:srgbClr val="007D00"/>
                                       </a:solidFill>
@@ -10849,7 +10368,7 @@
                     </m:oMath>
                   </m:oMathPara>
                 </a14:m>
-                <a:endParaRPr lang="ja-JP" altLang="en-US" sz="300" i="1" dirty="0">
+                <a:endParaRPr lang="ja-JP" altLang="en-US" sz="350" i="1" dirty="0">
                   <a:solidFill>
                     <a:srgbClr val="007D00"/>
                   </a:solidFill>
@@ -10876,7 +10395,7 @@
             <p:spPr>
               <a:xfrm>
                 <a:off x="346330" y="1649039"/>
-                <a:ext cx="663387" cy="46166"/>
+                <a:ext cx="784254" cy="53861"/>
               </a:xfrm>
               <a:prstGeom prst="rect">
                 <a:avLst/>
@@ -10884,7 +10403,7 @@
               <a:blipFill>
                 <a:blip r:embed="rId5"/>
                 <a:stretch>
-                  <a:fillRect l="-2752" t="-28571" b="-71429"/>
+                  <a:fillRect l="-2344" t="-25000" b="-62500"/>
                 </a:stretch>
               </a:blipFill>
             </p:spPr>
@@ -10939,8 +10458,8 @@
           </a:p>
         </p:txBody>
       </p:sp>
-      <mc:AlternateContent xmlns:mc="http://schemas.openxmlformats.org/markup-compatibility/2006">
-        <mc:Choice xmlns:a14="http://schemas.microsoft.com/office/drawing/2010/main" Requires="a14">
+      <mc:AlternateContent xmlns:mc="http://schemas.openxmlformats.org/markup-compatibility/2006" xmlns:a14="http://schemas.microsoft.com/office/drawing/2010/main">
+        <mc:Choice Requires="a14">
           <p:sp>
             <p:nvSpPr>
               <p:cNvPr id="11" name="正方形/長方形 10">
@@ -11381,7 +10900,7 @@
             </p:txBody>
           </p:sp>
         </mc:Choice>
-        <mc:Fallback>
+        <mc:Fallback xmlns="">
           <p:sp>
             <p:nvSpPr>
               <p:cNvPr id="11" name="正方形/長方形 10">
@@ -11443,7 +10962,7 @@
             <p:spPr>
               <a:xfrm>
                 <a:off x="367762" y="2249013"/>
-                <a:ext cx="625684" cy="46166"/>
+                <a:ext cx="740459" cy="53861"/>
               </a:xfrm>
               <a:prstGeom prst="rect">
                 <a:avLst/>
@@ -11465,7 +10984,7 @@
                       <m:sSub>
                         <m:sSubPr>
                           <m:ctrlPr>
-                            <a:rPr lang="en-US" altLang="ja-JP" sz="300" b="0" i="1" smtClean="0">
+                            <a:rPr lang="en-US" altLang="ja-JP" sz="350" b="0" i="1" smtClean="0">
                               <a:solidFill>
                                 <a:srgbClr val="FF0000"/>
                               </a:solidFill>
@@ -11475,7 +10994,7 @@
                         </m:sSubPr>
                         <m:e>
                           <m:r>
-                            <a:rPr lang="en-US" altLang="ja-JP" sz="300" i="1" smtClean="0">
+                            <a:rPr lang="en-US" altLang="ja-JP" sz="350" i="1" smtClean="0">
                               <a:solidFill>
                                 <a:srgbClr val="FF0000"/>
                               </a:solidFill>
@@ -11486,7 +11005,7 @@
                         </m:e>
                         <m:sub>
                           <m:r>
-                            <a:rPr lang="en-US" altLang="ja-JP" sz="300" b="0" i="1" smtClean="0">
+                            <a:rPr lang="en-US" altLang="ja-JP" sz="350" b="0" i="1" smtClean="0">
                               <a:solidFill>
                                 <a:srgbClr val="FF0000"/>
                               </a:solidFill>
@@ -11497,7 +11016,7 @@
                         </m:sub>
                       </m:sSub>
                       <m:r>
-                        <a:rPr lang="en-US" altLang="ja-JP" sz="300" b="0" i="0" smtClean="0">
+                        <a:rPr lang="en-US" altLang="ja-JP" sz="350" b="0" i="0" smtClean="0">
                           <a:solidFill>
                             <a:srgbClr val="FF0000"/>
                           </a:solidFill>
@@ -11506,7 +11025,7 @@
                         <m:t>(</m:t>
                       </m:r>
                       <m:r>
-                        <a:rPr lang="en-US" altLang="ja-JP" sz="300" b="1" i="1" smtClean="0">
+                        <a:rPr lang="en-US" altLang="ja-JP" sz="350" b="1" i="1" smtClean="0">
                           <a:solidFill>
                             <a:srgbClr val="FF0000"/>
                           </a:solidFill>
@@ -11515,7 +11034,7 @@
                         <m:t>𝒖</m:t>
                       </m:r>
                       <m:r>
-                        <a:rPr lang="en-US" altLang="ja-JP" sz="300" b="0" i="1" smtClean="0">
+                        <a:rPr lang="en-US" altLang="ja-JP" sz="350" b="0" i="1" smtClean="0">
                           <a:solidFill>
                             <a:srgbClr val="FF0000"/>
                           </a:solidFill>
@@ -11524,7 +11043,7 @@
                         <m:t>)</m:t>
                       </m:r>
                       <m:r>
-                        <a:rPr lang="en-US" altLang="ja-JP" sz="300" i="1">
+                        <a:rPr lang="en-US" altLang="ja-JP" sz="350" i="1">
                           <a:solidFill>
                             <a:srgbClr val="FF0000"/>
                           </a:solidFill>
@@ -11535,7 +11054,7 @@
                       <m:func>
                         <m:funcPr>
                           <m:ctrlPr>
-                            <a:rPr lang="en-US" altLang="ja-JP" sz="300" i="1">
+                            <a:rPr lang="en-US" altLang="ja-JP" sz="350" i="1">
                               <a:solidFill>
                                 <a:srgbClr val="FF0000"/>
                               </a:solidFill>
@@ -11548,7 +11067,7 @@
                             <m:rPr>
                               <m:sty m:val="p"/>
                             </m:rPr>
-                            <a:rPr lang="en-US" altLang="ja-JP" sz="300" b="0" i="0" smtClean="0">
+                            <a:rPr lang="en-US" altLang="ja-JP" sz="350" b="0" i="0" smtClean="0">
                               <a:solidFill>
                                 <a:srgbClr val="FF0000"/>
                               </a:solidFill>
@@ -11563,7 +11082,7 @@
                               <m:begChr m:val="["/>
                               <m:endChr m:val="]"/>
                               <m:ctrlPr>
-                                <a:rPr lang="en-US" altLang="ja-JP" sz="300" i="1">
+                                <a:rPr lang="en-US" altLang="ja-JP" sz="350" i="1">
                                   <a:solidFill>
                                     <a:srgbClr val="FF0000"/>
                                   </a:solidFill>
@@ -11573,7 +11092,7 @@
                             </m:dPr>
                             <m:e>
                               <m:r>
-                                <a:rPr lang="en-US" altLang="ja-JP" sz="300" b="0" i="1" smtClean="0">
+                                <a:rPr lang="en-US" altLang="ja-JP" sz="350" b="0" i="1" smtClean="0">
                                   <a:solidFill>
                                     <a:srgbClr val="FF0000"/>
                                   </a:solidFill>
@@ -11584,7 +11103,7 @@
                               <m:sSup>
                                 <m:sSupPr>
                                   <m:ctrlPr>
-                                    <a:rPr lang="en-US" altLang="ja-JP" sz="300" b="0" i="1" smtClean="0">
+                                    <a:rPr lang="en-US" altLang="ja-JP" sz="350" b="0" i="1" smtClean="0">
                                       <a:solidFill>
                                         <a:srgbClr val="FF0000"/>
                                       </a:solidFill>
@@ -11595,7 +11114,7 @@
                                 </m:sSupPr>
                                 <m:e>
                                   <m:r>
-                                    <a:rPr lang="el-GR" altLang="ja-JP" sz="300" i="1">
+                                    <a:rPr lang="el-GR" altLang="ja-JP" sz="350" i="1">
                                       <a:solidFill>
                                         <a:srgbClr val="FF0000"/>
                                       </a:solidFill>
@@ -11607,7 +11126,7 @@
                                 </m:e>
                                 <m:sup>
                                   <m:r>
-                                    <a:rPr lang="en-US" altLang="ja-JP" sz="300" b="0" i="1" smtClean="0">
+                                    <a:rPr lang="en-US" altLang="ja-JP" sz="350" b="0" i="1" smtClean="0">
                                       <a:solidFill>
                                         <a:srgbClr val="FF0000"/>
                                       </a:solidFill>
@@ -11619,7 +11138,7 @@
                                 </m:sup>
                               </m:sSup>
                               <m:r>
-                                <a:rPr lang="en-US" altLang="ja-JP" sz="300" i="1">
+                                <a:rPr lang="en-US" altLang="ja-JP" sz="350" i="1">
                                   <a:solidFill>
                                     <a:srgbClr val="FF0000"/>
                                   </a:solidFill>
@@ -11631,7 +11150,7 @@
                               <m:sSup>
                                 <m:sSupPr>
                                   <m:ctrlPr>
-                                    <a:rPr lang="en-US" altLang="ja-JP" sz="300" b="0" i="1" smtClean="0">
+                                    <a:rPr lang="en-US" altLang="ja-JP" sz="350" b="0" i="1" smtClean="0">
                                       <a:solidFill>
                                         <a:srgbClr val="FF0000"/>
                                       </a:solidFill>
@@ -11642,7 +11161,7 @@
                                 </m:sSupPr>
                                 <m:e>
                                   <m:r>
-                                    <a:rPr lang="ja-JP" altLang="el-GR" sz="300" i="1">
+                                    <a:rPr lang="ja-JP" altLang="el-GR" sz="350" i="1">
                                       <a:solidFill>
                                         <a:srgbClr val="FF0000"/>
                                       </a:solidFill>
@@ -11654,7 +11173,7 @@
                                 </m:e>
                                 <m:sup>
                                   <m:r>
-                                    <a:rPr lang="en-US" altLang="ja-JP" sz="300" b="0" i="1" smtClean="0">
+                                    <a:rPr lang="en-US" altLang="ja-JP" sz="350" b="0" i="1" smtClean="0">
                                       <a:solidFill>
                                         <a:srgbClr val="FF0000"/>
                                       </a:solidFill>
@@ -11666,7 +11185,7 @@
                                 </m:sup>
                               </m:sSup>
                               <m:r>
-                                <a:rPr lang="en-US" altLang="ja-JP" sz="300" i="1">
+                                <a:rPr lang="en-US" altLang="ja-JP" sz="350" i="1">
                                   <a:solidFill>
                                     <a:srgbClr val="FF0000"/>
                                   </a:solidFill>
@@ -11678,7 +11197,7 @@
                               <m:sSup>
                                 <m:sSupPr>
                                   <m:ctrlPr>
-                                    <a:rPr lang="en-US" altLang="ja-JP" sz="300" i="1">
+                                    <a:rPr lang="en-US" altLang="ja-JP" sz="350" i="1">
                                       <a:solidFill>
                                         <a:srgbClr val="FF0000"/>
                                       </a:solidFill>
@@ -11691,7 +11210,7 @@
                                   <m:d>
                                     <m:dPr>
                                       <m:ctrlPr>
-                                        <a:rPr lang="en-US" altLang="ja-JP" sz="300" i="1">
+                                        <a:rPr lang="en-US" altLang="ja-JP" sz="350" i="1">
                                           <a:solidFill>
                                             <a:srgbClr val="FF0000"/>
                                           </a:solidFill>
@@ -11705,7 +11224,7 @@
                                         <m:fPr>
                                           <m:type m:val="lin"/>
                                           <m:ctrlPr>
-                                            <a:rPr lang="en-US" altLang="ja-JP" sz="300" i="1">
+                                            <a:rPr lang="en-US" altLang="ja-JP" sz="350" i="1">
                                               <a:solidFill>
                                                 <a:srgbClr val="FF0000"/>
                                               </a:solidFill>
@@ -11718,7 +11237,7 @@
                                           <m:sSub>
                                             <m:sSubPr>
                                               <m:ctrlPr>
-                                                <a:rPr lang="en-US" altLang="ja-JP" sz="300" i="1">
+                                                <a:rPr lang="en-US" altLang="ja-JP" sz="350" i="1">
                                                   <a:solidFill>
                                                     <a:srgbClr val="FF0000"/>
                                                   </a:solidFill>
@@ -11729,7 +11248,7 @@
                                             </m:sSubPr>
                                             <m:e>
                                               <m:r>
-                                                <a:rPr lang="en-US" altLang="ja-JP" sz="300" i="1">
+                                                <a:rPr lang="en-US" altLang="ja-JP" sz="350" i="1">
                                                   <a:solidFill>
                                                     <a:srgbClr val="FF0000"/>
                                                   </a:solidFill>
@@ -11741,7 +11260,7 @@
                                             </m:e>
                                             <m:sub>
                                               <m:r>
-                                                <a:rPr lang="en-US" altLang="ja-JP" sz="300" i="1">
+                                                <a:rPr lang="en-US" altLang="ja-JP" sz="350" i="1">
                                                   <a:solidFill>
                                                     <a:srgbClr val="FF0000"/>
                                                   </a:solidFill>
@@ -11756,7 +11275,7 @@
                                             <m:rPr>
                                               <m:sty m:val="p"/>
                                             </m:rPr>
-                                            <a:rPr lang="el-GR" altLang="ja-JP" sz="300" i="1">
+                                            <a:rPr lang="el-GR" altLang="ja-JP" sz="350" i="1">
                                               <a:solidFill>
                                                 <a:srgbClr val="FF0000"/>
                                               </a:solidFill>
@@ -11766,7 +11285,7 @@
                                             <m:t>Δ</m:t>
                                           </m:r>
                                           <m:r>
-                                            <a:rPr lang="en-US" altLang="ja-JP" sz="300" i="1">
+                                            <a:rPr lang="en-US" altLang="ja-JP" sz="350" i="1">
                                               <a:solidFill>
                                                 <a:srgbClr val="FF0000"/>
                                               </a:solidFill>
@@ -11778,7 +11297,7 @@
                                         </m:num>
                                         <m:den>
                                           <m:r>
-                                            <a:rPr lang="en-US" altLang="ja-JP" sz="300" i="1">
+                                            <a:rPr lang="en-US" altLang="ja-JP" sz="350" i="1">
                                               <a:solidFill>
                                                 <a:srgbClr val="FF0000"/>
                                               </a:solidFill>
@@ -11794,7 +11313,7 @@
                                 </m:e>
                                 <m:sup>
                                   <m:r>
-                                    <a:rPr lang="en-US" altLang="ja-JP" sz="300" i="1">
+                                    <a:rPr lang="en-US" altLang="ja-JP" sz="350" i="1">
                                       <a:solidFill>
                                         <a:srgbClr val="FF0000"/>
                                       </a:solidFill>
@@ -11808,7 +11327,7 @@
                               <m:sSup>
                                 <m:sSupPr>
                                   <m:ctrlPr>
-                                    <a:rPr lang="en-US" altLang="ja-JP" sz="300" i="1">
+                                    <a:rPr lang="en-US" altLang="ja-JP" sz="350" i="1">
                                       <a:solidFill>
                                         <a:srgbClr val="FF0000"/>
                                       </a:solidFill>
@@ -11819,7 +11338,7 @@
                                 </m:sSupPr>
                                 <m:e>
                                   <m:r>
-                                    <a:rPr lang="en-US" altLang="ja-JP" sz="300" b="1" i="1">
+                                    <a:rPr lang="en-US" altLang="ja-JP" sz="350" b="1" i="1">
                                       <a:solidFill>
                                         <a:srgbClr val="FF0000"/>
                                       </a:solidFill>
@@ -11831,7 +11350,7 @@
                                 </m:e>
                                 <m:sup>
                                   <m:r>
-                                    <a:rPr lang="en-US" altLang="ja-JP" sz="300" i="1">
+                                    <a:rPr lang="en-US" altLang="ja-JP" sz="350" i="1">
                                       <a:solidFill>
                                         <a:srgbClr val="FF0000"/>
                                       </a:solidFill>
@@ -11843,7 +11362,7 @@
                                 </m:sup>
                               </m:sSup>
                               <m:r>
-                                <a:rPr lang="en-US" altLang="ja-JP" sz="300" b="0" i="1" smtClean="0">
+                                <a:rPr lang="en-US" altLang="ja-JP" sz="350" b="0" i="1" smtClean="0">
                                   <a:solidFill>
                                     <a:srgbClr val="FF0000"/>
                                   </a:solidFill>
@@ -11859,7 +11378,7 @@
                     </m:oMath>
                   </m:oMathPara>
                 </a14:m>
-                <a:endParaRPr lang="ja-JP" altLang="en-US" sz="300" i="1" dirty="0">
+                <a:endParaRPr lang="ja-JP" altLang="en-US" sz="350" i="1" dirty="0">
                   <a:solidFill>
                     <a:srgbClr val="FF0000"/>
                   </a:solidFill>
@@ -11886,7 +11405,7 @@
             <p:spPr>
               <a:xfrm>
                 <a:off x="367762" y="2249013"/>
-                <a:ext cx="625684" cy="46166"/>
+                <a:ext cx="740459" cy="53861"/>
               </a:xfrm>
               <a:prstGeom prst="rect">
                 <a:avLst/>
@@ -11894,7 +11413,7 @@
               <a:blipFill>
                 <a:blip r:embed="rId7"/>
                 <a:stretch>
-                  <a:fillRect l="-1942" t="-212500" b="-312500"/>
+                  <a:fillRect l="-2459" t="-177778" b="-277778"/>
                 </a:stretch>
               </a:blipFill>
             </p:spPr>
@@ -11930,7 +11449,7 @@
             <p:spPr>
               <a:xfrm>
                 <a:off x="346330" y="2619473"/>
-                <a:ext cx="1879297" cy="153888"/>
+                <a:ext cx="2385012" cy="153888"/>
               </a:xfrm>
               <a:prstGeom prst="rect">
                 <a:avLst/>
@@ -11956,8 +11475,31 @@
                           </a:solidFill>
                           <a:latin typeface="Cambria Math" panose="02040503050406030204" pitchFamily="18" charset="0"/>
                         </a:rPr>
-                        <m:t>𝐶𝑇𝐹</m:t>
+                        <m:t>𝑇</m:t>
                       </m:r>
+                      <m:d>
+                        <m:dPr>
+                          <m:ctrlPr>
+                            <a:rPr lang="en-US" altLang="ja-JP" sz="1000" b="0" i="1" smtClean="0">
+                              <a:solidFill>
+                                <a:schemeClr val="tx1"/>
+                              </a:solidFill>
+                              <a:latin typeface="Cambria Math" panose="02040503050406030204" pitchFamily="18" charset="0"/>
+                            </a:rPr>
+                          </m:ctrlPr>
+                        </m:dPr>
+                        <m:e>
+                          <m:r>
+                            <a:rPr lang="en-US" altLang="ja-JP" sz="1000" b="1" i="1" smtClean="0">
+                              <a:solidFill>
+                                <a:schemeClr val="tx1"/>
+                              </a:solidFill>
+                              <a:latin typeface="Cambria Math" panose="02040503050406030204" pitchFamily="18" charset="0"/>
+                            </a:rPr>
+                            <m:t>𝒖</m:t>
+                          </m:r>
+                        </m:e>
+                      </m:d>
                       <m:r>
                         <a:rPr lang="en-US" altLang="ja-JP" sz="1000" b="0" i="1" smtClean="0">
                           <a:solidFill>
@@ -11979,6 +11521,45 @@
                           </m:ctrlPr>
                         </m:funcPr>
                         <m:fName>
+                          <m:r>
+                            <a:rPr lang="en-US" altLang="ja-JP" sz="1000" b="0" i="1" smtClean="0">
+                              <a:solidFill>
+                                <a:schemeClr val="tx1"/>
+                              </a:solidFill>
+                              <a:latin typeface="Cambria Math" panose="02040503050406030204" pitchFamily="18" charset="0"/>
+                            </a:rPr>
+                            <m:t>𝐴</m:t>
+                          </m:r>
+                          <m:d>
+                            <m:dPr>
+                              <m:ctrlPr>
+                                <a:rPr lang="en-US" altLang="ja-JP" sz="1000" i="1" smtClean="0">
+                                  <a:solidFill>
+                                    <a:schemeClr val="tx1"/>
+                                  </a:solidFill>
+                                  <a:latin typeface="Cambria Math" panose="02040503050406030204" pitchFamily="18" charset="0"/>
+                                </a:rPr>
+                              </m:ctrlPr>
+                            </m:dPr>
+                            <m:e>
+                              <m:r>
+                                <a:rPr lang="en-US" altLang="ja-JP" sz="1000" b="1" i="1" smtClean="0">
+                                  <a:solidFill>
+                                    <a:schemeClr val="tx1"/>
+                                  </a:solidFill>
+                                  <a:latin typeface="Cambria Math" panose="02040503050406030204" pitchFamily="18" charset="0"/>
+                                </a:rPr>
+                                <m:t>𝒖</m:t>
+                              </m:r>
+                            </m:e>
+                          </m:d>
+                          <m:r>
+                            <a:rPr lang="en-US" altLang="ja-JP" sz="1000" b="1" i="1">
+                              <a:latin typeface="Cambria Math" panose="02040503050406030204" pitchFamily="18" charset="0"/>
+                              <a:ea typeface="Cambria Math" panose="02040503050406030204" pitchFamily="18" charset="0"/>
+                            </a:rPr>
+                            <m:t>×</m:t>
+                          </m:r>
                           <m:r>
                             <m:rPr>
                               <m:sty m:val="p"/>
@@ -12008,13 +11589,13 @@
                             </m:dPr>
                             <m:e>
                               <m:r>
-                                <a:rPr lang="ja-JP" altLang="en-US" sz="1000" i="1">
+                                <a:rPr lang="en-US" altLang="ja-JP" sz="1000" b="0" i="1" smtClean="0">
                                   <a:solidFill>
                                     <a:srgbClr val="0000FF"/>
                                   </a:solidFill>
                                   <a:latin typeface="Cambria Math" panose="02040503050406030204" pitchFamily="18" charset="0"/>
                                 </a:rPr>
-                                <m:t>𝜒</m:t>
+                                <m:t>𝑊</m:t>
                               </m:r>
                               <m:d>
                                 <m:dPr>
@@ -12154,39 +11735,35 @@
                           </m:r>
                         </m:sub>
                       </m:sSub>
-                      <m:r>
-                        <a:rPr lang="en-US" altLang="ja-JP" sz="1000">
-                          <a:solidFill>
-                            <a:srgbClr val="FF0000"/>
-                          </a:solidFill>
-                          <a:latin typeface="Cambria Math" panose="02040503050406030204" pitchFamily="18" charset="0"/>
-                        </a:rPr>
-                        <m:t>(</m:t>
-                      </m:r>
-                      <m:r>
-                        <a:rPr lang="en-US" altLang="ja-JP" sz="1000" b="1" i="1">
-                          <a:solidFill>
-                            <a:srgbClr val="FF0000"/>
-                          </a:solidFill>
-                          <a:latin typeface="Cambria Math" panose="02040503050406030204" pitchFamily="18" charset="0"/>
-                        </a:rPr>
-                        <m:t>𝒖</m:t>
-                      </m:r>
-                      <m:r>
-                        <a:rPr lang="en-US" altLang="ja-JP" sz="1000" i="1">
-                          <a:solidFill>
-                            <a:srgbClr val="FF0000"/>
-                          </a:solidFill>
-                          <a:latin typeface="Cambria Math" panose="02040503050406030204" pitchFamily="18" charset="0"/>
-                        </a:rPr>
-                        <m:t>)</m:t>
-                      </m:r>
+                      <m:d>
+                        <m:dPr>
+                          <m:ctrlPr>
+                            <a:rPr lang="en-US" altLang="ja-JP" sz="1000" i="1">
+                              <a:solidFill>
+                                <a:srgbClr val="FF0000"/>
+                              </a:solidFill>
+                              <a:latin typeface="Cambria Math" panose="02040503050406030204" pitchFamily="18" charset="0"/>
+                            </a:rPr>
+                          </m:ctrlPr>
+                        </m:dPr>
+                        <m:e>
+                          <m:r>
+                            <a:rPr lang="en-US" altLang="ja-JP" sz="1000" b="1" i="1">
+                              <a:solidFill>
+                                <a:srgbClr val="FF0000"/>
+                              </a:solidFill>
+                              <a:latin typeface="Cambria Math" panose="02040503050406030204" pitchFamily="18" charset="0"/>
+                            </a:rPr>
+                            <m:t>𝒖</m:t>
+                          </m:r>
+                        </m:e>
+                      </m:d>
                     </m:oMath>
                   </m:oMathPara>
                 </a14:m>
-                <a:endParaRPr lang="ja-JP" altLang="en-US" sz="1000" i="1" dirty="0">
+                <a:endParaRPr lang="en-US" altLang="ja-JP" sz="1000" i="1" dirty="0">
                   <a:solidFill>
-                    <a:srgbClr val="0000FF"/>
+                    <a:srgbClr val="FF0000"/>
                   </a:solidFill>
                 </a:endParaRPr>
               </a:p>
@@ -12211,7 +11788,7 @@
             <p:spPr>
               <a:xfrm>
                 <a:off x="346330" y="2619473"/>
-                <a:ext cx="1879297" cy="153888"/>
+                <a:ext cx="2385012" cy="153888"/>
               </a:xfrm>
               <a:prstGeom prst="rect">
                 <a:avLst/>
@@ -12219,332 +11796,7 @@
               <a:blipFill>
                 <a:blip r:embed="rId8"/>
                 <a:stretch>
-                  <a:fillRect l="-2597" t="-4000" r="-1299" b="-40000"/>
-                </a:stretch>
-              </a:blipFill>
-            </p:spPr>
-            <p:txBody>
-              <a:bodyPr/>
-              <a:lstStyle/>
-              <a:p>
-                <a:r>
-                  <a:rPr lang="ja-JP" altLang="en-US">
-                    <a:noFill/>
-                  </a:rPr>
-                  <a:t> </a:t>
-                </a:r>
-              </a:p>
-            </p:txBody>
-          </p:sp>
-        </mc:Fallback>
-      </mc:AlternateContent>
-      <mc:AlternateContent xmlns:mc="http://schemas.openxmlformats.org/markup-compatibility/2006">
-        <mc:Choice xmlns:a14="http://schemas.microsoft.com/office/drawing/2010/main" Requires="a14">
-          <p:sp>
-            <p:nvSpPr>
-              <p:cNvPr id="14" name="正方形/長方形 13">
-                <a:extLst>
-                  <a:ext uri="{FF2B5EF4-FFF2-40B4-BE49-F238E27FC236}">
-                    <a16:creationId xmlns:a16="http://schemas.microsoft.com/office/drawing/2014/main" id="{4AA6B916-FD80-2E9E-376A-CA25F8F1351B}"/>
-                  </a:ext>
-                </a:extLst>
-              </p:cNvPr>
-              <p:cNvSpPr/>
-              <p:nvPr/>
-            </p:nvSpPr>
-            <p:spPr>
-              <a:xfrm>
-                <a:off x="367762" y="2836167"/>
-                <a:ext cx="559127" cy="46166"/>
-              </a:xfrm>
-              <a:prstGeom prst="rect">
-                <a:avLst/>
-              </a:prstGeom>
-            </p:spPr>
-            <p:txBody>
-              <a:bodyPr wrap="none" lIns="0" tIns="0" rIns="0" bIns="0">
-                <a:spAutoFit/>
-              </a:bodyPr>
-              <a:lstStyle/>
-              <a:p>
-                <a:pPr/>
-                <a14:m>
-                  <m:oMathPara xmlns:m="http://schemas.openxmlformats.org/officeDocument/2006/math">
-                    <m:oMathParaPr>
-                      <m:jc m:val="left"/>
-                    </m:oMathParaPr>
-                    <m:oMath xmlns:m="http://schemas.openxmlformats.org/officeDocument/2006/math">
-                      <m:r>
-                        <a:rPr lang="en-US" altLang="ja-JP" sz="300" b="0" i="1" smtClean="0">
-                          <a:solidFill>
-                            <a:schemeClr val="tx1"/>
-                          </a:solidFill>
-                          <a:latin typeface="Cambria Math" panose="02040503050406030204" pitchFamily="18" charset="0"/>
-                        </a:rPr>
-                        <m:t>𝐶𝑇𝐹</m:t>
-                      </m:r>
-                      <m:r>
-                        <a:rPr lang="en-US" altLang="ja-JP" sz="300" b="0" i="1" smtClean="0">
-                          <a:solidFill>
-                            <a:schemeClr val="tx1"/>
-                          </a:solidFill>
-                          <a:latin typeface="Cambria Math" panose="02040503050406030204" pitchFamily="18" charset="0"/>
-                        </a:rPr>
-                        <m:t>=</m:t>
-                      </m:r>
-                      <m:func>
-                        <m:funcPr>
-                          <m:ctrlPr>
-                            <a:rPr lang="en-US" altLang="ja-JP" sz="300" i="1" smtClean="0">
-                              <a:solidFill>
-                                <a:srgbClr val="0000FF"/>
-                              </a:solidFill>
-                              <a:latin typeface="Cambria Math" panose="02040503050406030204" pitchFamily="18" charset="0"/>
-                            </a:rPr>
-                          </m:ctrlPr>
-                        </m:funcPr>
-                        <m:fName>
-                          <m:r>
-                            <m:rPr>
-                              <m:sty m:val="p"/>
-                            </m:rPr>
-                            <a:rPr lang="en-US" altLang="ja-JP" sz="300">
-                              <a:solidFill>
-                                <a:srgbClr val="0000FF"/>
-                              </a:solidFill>
-                              <a:latin typeface="Cambria Math" panose="02040503050406030204" pitchFamily="18" charset="0"/>
-                            </a:rPr>
-                            <m:t>sin</m:t>
-                          </m:r>
-                        </m:fName>
-                        <m:e>
-                          <m:d>
-                            <m:dPr>
-                              <m:begChr m:val="["/>
-                              <m:endChr m:val="]"/>
-                              <m:ctrlPr>
-                                <a:rPr lang="en-US" altLang="ja-JP" sz="300" i="1">
-                                  <a:solidFill>
-                                    <a:srgbClr val="0000FF"/>
-                                  </a:solidFill>
-                                  <a:latin typeface="Cambria Math" panose="02040503050406030204" pitchFamily="18" charset="0"/>
-                                </a:rPr>
-                              </m:ctrlPr>
-                            </m:dPr>
-                            <m:e>
-                              <m:r>
-                                <a:rPr lang="ja-JP" altLang="en-US" sz="300" i="1">
-                                  <a:solidFill>
-                                    <a:srgbClr val="0000FF"/>
-                                  </a:solidFill>
-                                  <a:latin typeface="Cambria Math" panose="02040503050406030204" pitchFamily="18" charset="0"/>
-                                </a:rPr>
-                                <m:t>𝜒</m:t>
-                              </m:r>
-                              <m:d>
-                                <m:dPr>
-                                  <m:ctrlPr>
-                                    <a:rPr lang="en-US" altLang="ja-JP" sz="300" i="1">
-                                      <a:solidFill>
-                                        <a:srgbClr val="0000FF"/>
-                                      </a:solidFill>
-                                      <a:latin typeface="Cambria Math" panose="02040503050406030204" pitchFamily="18" charset="0"/>
-                                    </a:rPr>
-                                  </m:ctrlPr>
-                                </m:dPr>
-                                <m:e>
-                                  <m:r>
-                                    <a:rPr lang="en-US" altLang="ja-JP" sz="300" b="1" i="1">
-                                      <a:solidFill>
-                                        <a:srgbClr val="0000FF"/>
-                                      </a:solidFill>
-                                      <a:latin typeface="Cambria Math" panose="02040503050406030204" pitchFamily="18" charset="0"/>
-                                    </a:rPr>
-                                    <m:t>𝒖</m:t>
-                                  </m:r>
-                                </m:e>
-                              </m:d>
-                            </m:e>
-                          </m:d>
-                        </m:e>
-                      </m:func>
-                      <m:r>
-                        <a:rPr lang="en-US" altLang="ja-JP" sz="300" b="1" i="1" smtClean="0">
-                          <a:solidFill>
-                            <a:schemeClr val="tx1"/>
-                          </a:solidFill>
-                          <a:latin typeface="Cambria Math" panose="02040503050406030204" pitchFamily="18" charset="0"/>
-                          <a:ea typeface="Cambria Math" panose="02040503050406030204" pitchFamily="18" charset="0"/>
-                        </a:rPr>
-                        <m:t>×</m:t>
-                      </m:r>
-                      <m:sSub>
-                        <m:sSubPr>
-                          <m:ctrlPr>
-                            <a:rPr lang="en-US" altLang="ja-JP" sz="300" i="1">
-                              <a:solidFill>
-                                <a:srgbClr val="007D00"/>
-                              </a:solidFill>
-                              <a:latin typeface="Cambria Math" panose="02040503050406030204" pitchFamily="18" charset="0"/>
-                            </a:rPr>
-                          </m:ctrlPr>
-                        </m:sSubPr>
-                        <m:e>
-                          <m:r>
-                            <a:rPr lang="en-US" altLang="ja-JP" sz="300" i="1">
-                              <a:solidFill>
-                                <a:srgbClr val="007D00"/>
-                              </a:solidFill>
-                              <a:latin typeface="Cambria Math" panose="02040503050406030204" pitchFamily="18" charset="0"/>
-                            </a:rPr>
-                            <m:t>𝐸</m:t>
-                          </m:r>
-                        </m:e>
-                        <m:sub>
-                          <m:r>
-                            <a:rPr lang="en-US" altLang="ja-JP" sz="300" i="1">
-                              <a:solidFill>
-                                <a:srgbClr val="007D00"/>
-                              </a:solidFill>
-                              <a:latin typeface="Cambria Math" panose="02040503050406030204" pitchFamily="18" charset="0"/>
-                            </a:rPr>
-                            <m:t>𝑠</m:t>
-                          </m:r>
-                        </m:sub>
-                      </m:sSub>
-                      <m:d>
-                        <m:dPr>
-                          <m:ctrlPr>
-                            <a:rPr lang="en-US" altLang="ja-JP" sz="300" i="1">
-                              <a:solidFill>
-                                <a:srgbClr val="007D00"/>
-                              </a:solidFill>
-                              <a:latin typeface="Cambria Math" panose="02040503050406030204" pitchFamily="18" charset="0"/>
-                            </a:rPr>
-                          </m:ctrlPr>
-                        </m:dPr>
-                        <m:e>
-                          <m:r>
-                            <a:rPr lang="en-US" altLang="ja-JP" sz="300" b="1" i="1">
-                              <a:solidFill>
-                                <a:srgbClr val="007D00"/>
-                              </a:solidFill>
-                              <a:latin typeface="Cambria Math" panose="02040503050406030204" pitchFamily="18" charset="0"/>
-                            </a:rPr>
-                            <m:t>𝒖</m:t>
-                          </m:r>
-                        </m:e>
-                      </m:d>
-                      <m:r>
-                        <a:rPr lang="en-US" altLang="ja-JP" sz="300" b="1" i="1" smtClean="0">
-                          <a:solidFill>
-                            <a:schemeClr val="tx1"/>
-                          </a:solidFill>
-                          <a:latin typeface="Cambria Math" panose="02040503050406030204" pitchFamily="18" charset="0"/>
-                          <a:ea typeface="Cambria Math" panose="02040503050406030204" pitchFamily="18" charset="0"/>
-                        </a:rPr>
-                        <m:t>×</m:t>
-                      </m:r>
-                      <m:sSub>
-                        <m:sSubPr>
-                          <m:ctrlPr>
-                            <a:rPr lang="en-US" altLang="ja-JP" sz="300" i="1">
-                              <a:solidFill>
-                                <a:srgbClr val="FF0000"/>
-                              </a:solidFill>
-                              <a:latin typeface="Cambria Math" panose="02040503050406030204" pitchFamily="18" charset="0"/>
-                            </a:rPr>
-                          </m:ctrlPr>
-                        </m:sSubPr>
-                        <m:e>
-                          <m:r>
-                            <a:rPr lang="en-US" altLang="ja-JP" sz="300" i="1">
-                              <a:solidFill>
-                                <a:srgbClr val="FF0000"/>
-                              </a:solidFill>
-                              <a:latin typeface="Cambria Math" panose="02040503050406030204" pitchFamily="18" charset="0"/>
-                            </a:rPr>
-                            <m:t>𝐸</m:t>
-                          </m:r>
-                        </m:e>
-                        <m:sub>
-                          <m:r>
-                            <a:rPr lang="en-US" altLang="ja-JP" sz="300" i="1">
-                              <a:solidFill>
-                                <a:srgbClr val="FF0000"/>
-                              </a:solidFill>
-                              <a:latin typeface="Cambria Math" panose="02040503050406030204" pitchFamily="18" charset="0"/>
-                            </a:rPr>
-                            <m:t>𝑐</m:t>
-                          </m:r>
-                        </m:sub>
-                      </m:sSub>
-                      <m:r>
-                        <a:rPr lang="en-US" altLang="ja-JP" sz="300">
-                          <a:solidFill>
-                            <a:srgbClr val="FF0000"/>
-                          </a:solidFill>
-                          <a:latin typeface="Cambria Math" panose="02040503050406030204" pitchFamily="18" charset="0"/>
-                        </a:rPr>
-                        <m:t>(</m:t>
-                      </m:r>
-                      <m:r>
-                        <a:rPr lang="en-US" altLang="ja-JP" sz="300" b="1" i="1">
-                          <a:solidFill>
-                            <a:srgbClr val="FF0000"/>
-                          </a:solidFill>
-                          <a:latin typeface="Cambria Math" panose="02040503050406030204" pitchFamily="18" charset="0"/>
-                        </a:rPr>
-                        <m:t>𝒖</m:t>
-                      </m:r>
-                      <m:r>
-                        <a:rPr lang="en-US" altLang="ja-JP" sz="300" i="1">
-                          <a:solidFill>
-                            <a:srgbClr val="FF0000"/>
-                          </a:solidFill>
-                          <a:latin typeface="Cambria Math" panose="02040503050406030204" pitchFamily="18" charset="0"/>
-                        </a:rPr>
-                        <m:t>)</m:t>
-                      </m:r>
-                    </m:oMath>
-                  </m:oMathPara>
-                </a14:m>
-                <a:endParaRPr lang="ja-JP" altLang="en-US" sz="300" i="1" dirty="0">
-                  <a:solidFill>
-                    <a:srgbClr val="0000FF"/>
-                  </a:solidFill>
-                </a:endParaRPr>
-              </a:p>
-            </p:txBody>
-          </p:sp>
-        </mc:Choice>
-        <mc:Fallback>
-          <p:sp>
-            <p:nvSpPr>
-              <p:cNvPr id="14" name="正方形/長方形 13">
-                <a:extLst>
-                  <a:ext uri="{FF2B5EF4-FFF2-40B4-BE49-F238E27FC236}">
-                    <a16:creationId xmlns:a16="http://schemas.microsoft.com/office/drawing/2014/main" id="{4AA6B916-FD80-2E9E-376A-CA25F8F1351B}"/>
-                  </a:ext>
-                </a:extLst>
-              </p:cNvPr>
-              <p:cNvSpPr>
-                <a:spLocks noRot="1" noChangeAspect="1" noMove="1" noResize="1" noEditPoints="1" noAdjustHandles="1" noChangeArrowheads="1" noChangeShapeType="1" noTextEdit="1"/>
-              </p:cNvSpPr>
-              <p:nvPr/>
-            </p:nvSpPr>
-            <p:spPr>
-              <a:xfrm>
-                <a:off x="367762" y="2836167"/>
-                <a:ext cx="559127" cy="46166"/>
-              </a:xfrm>
-              <a:prstGeom prst="rect">
-                <a:avLst/>
-              </a:prstGeom>
-              <a:blipFill>
-                <a:blip r:embed="rId9"/>
-                <a:stretch>
-                  <a:fillRect l="-2174" t="-12500" r="-1087" b="-50000"/>
+                  <a:fillRect l="-2046" b="-12000"/>
                 </a:stretch>
               </a:blipFill>
             </p:spPr>
@@ -12599,537 +11851,6 @@
           </a:p>
         </p:txBody>
       </p:sp>
-      <mc:AlternateContent xmlns:mc="http://schemas.openxmlformats.org/markup-compatibility/2006">
-        <mc:Choice xmlns:a14="http://schemas.microsoft.com/office/drawing/2010/main" Requires="a14">
-          <p:sp>
-            <p:nvSpPr>
-              <p:cNvPr id="3" name="テキスト ボックス 2">
-                <a:extLst>
-                  <a:ext uri="{FF2B5EF4-FFF2-40B4-BE49-F238E27FC236}">
-                    <a16:creationId xmlns:a16="http://schemas.microsoft.com/office/drawing/2014/main" id="{947841C8-865D-4314-B269-C83646CE9359}"/>
-                  </a:ext>
-                </a:extLst>
-              </p:cNvPr>
-              <p:cNvSpPr txBox="1"/>
-              <p:nvPr/>
-            </p:nvSpPr>
-            <p:spPr>
-              <a:xfrm>
-                <a:off x="4628477" y="1945214"/>
-                <a:ext cx="3052775" cy="290016"/>
-              </a:xfrm>
-              <a:prstGeom prst="rect">
-                <a:avLst/>
-              </a:prstGeom>
-              <a:noFill/>
-            </p:spPr>
-            <p:txBody>
-              <a:bodyPr wrap="square" lIns="0" tIns="0" rIns="0" bIns="0" rtlCol="0">
-                <a:spAutoFit/>
-              </a:bodyPr>
-              <a:lstStyle/>
-              <a:p>
-                <a14:m>
-                  <m:oMath xmlns:m="http://schemas.openxmlformats.org/officeDocument/2006/math">
-                    <m:r>
-                      <a:rPr kumimoji="1" lang="en-US" altLang="ja-JP" sz="1000" b="0" i="1" smtClean="0">
-                        <a:latin typeface="Cambria Math" panose="02040503050406030204" pitchFamily="18" charset="0"/>
-                      </a:rPr>
-                      <m:t>𝑇</m:t>
-                    </m:r>
-                    <m:d>
-                      <m:dPr>
-                        <m:ctrlPr>
-                          <a:rPr kumimoji="1" lang="en-US" altLang="ja-JP" sz="1000" b="0" i="1" smtClean="0">
-                            <a:latin typeface="Cambria Math" panose="02040503050406030204" pitchFamily="18" charset="0"/>
-                          </a:rPr>
-                        </m:ctrlPr>
-                      </m:dPr>
-                      <m:e>
-                        <m:r>
-                          <a:rPr kumimoji="1" lang="en-US" altLang="ja-JP" sz="1000" b="1" i="0" smtClean="0">
-                            <a:latin typeface="Cambria Math" panose="02040503050406030204" pitchFamily="18" charset="0"/>
-                          </a:rPr>
-                          <m:t>𝐐</m:t>
-                        </m:r>
-                      </m:e>
-                    </m:d>
-                    <m:r>
-                      <m:rPr>
-                        <m:aln/>
-                      </m:rPr>
-                      <a:rPr kumimoji="1" lang="en-US" altLang="ja-JP" sz="1000" b="0" i="1" smtClean="0">
-                        <a:latin typeface="Cambria Math" panose="02040503050406030204" pitchFamily="18" charset="0"/>
-                      </a:rPr>
-                      <m:t>=</m:t>
-                    </m:r>
-                    <m:r>
-                      <a:rPr kumimoji="1" lang="en-US" altLang="ja-JP" sz="1000" i="1">
-                        <a:latin typeface="Cambria Math" panose="02040503050406030204" pitchFamily="18" charset="0"/>
-                      </a:rPr>
-                      <m:t>𝐴</m:t>
-                    </m:r>
-                    <m:d>
-                      <m:dPr>
-                        <m:ctrlPr>
-                          <a:rPr kumimoji="1" lang="en-US" altLang="ja-JP" sz="1000" i="1" smtClean="0">
-                            <a:latin typeface="Cambria Math" panose="02040503050406030204" pitchFamily="18" charset="0"/>
-                          </a:rPr>
-                        </m:ctrlPr>
-                      </m:dPr>
-                      <m:e>
-                        <m:r>
-                          <a:rPr kumimoji="1" lang="en-US" altLang="ja-JP" sz="1000" b="1">
-                            <a:latin typeface="Cambria Math" panose="02040503050406030204" pitchFamily="18" charset="0"/>
-                          </a:rPr>
-                          <m:t>𝐐</m:t>
-                        </m:r>
-                      </m:e>
-                    </m:d>
-                  </m:oMath>
-                </a14:m>
-                <a:r>
-                  <a:rPr kumimoji="1" lang="en-US" altLang="ja-JP" sz="1000" dirty="0"/>
-                  <a:t> </a:t>
-                </a:r>
-                <a14:m>
-                  <m:oMath xmlns:m="http://schemas.openxmlformats.org/officeDocument/2006/math">
-                    <m:func>
-                      <m:funcPr>
-                        <m:ctrlPr>
-                          <a:rPr kumimoji="1" lang="en-US" altLang="ja-JP" sz="1000" i="1">
-                            <a:latin typeface="Cambria Math" panose="02040503050406030204" pitchFamily="18" charset="0"/>
-                          </a:rPr>
-                        </m:ctrlPr>
-                      </m:funcPr>
-                      <m:fName>
-                        <m:r>
-                          <m:rPr>
-                            <m:sty m:val="p"/>
-                          </m:rPr>
-                          <a:rPr kumimoji="1" lang="en-US" altLang="ja-JP" sz="1000">
-                            <a:latin typeface="Cambria Math" panose="02040503050406030204" pitchFamily="18" charset="0"/>
-                          </a:rPr>
-                          <m:t>exp</m:t>
-                        </m:r>
-                      </m:fName>
-                      <m:e>
-                        <m:d>
-                          <m:dPr>
-                            <m:ctrlPr>
-                              <a:rPr kumimoji="1" lang="en-US" altLang="ja-JP" sz="1000" i="1">
-                                <a:latin typeface="Cambria Math" panose="02040503050406030204" pitchFamily="18" charset="0"/>
-                              </a:rPr>
-                            </m:ctrlPr>
-                          </m:dPr>
-                          <m:e>
-                            <m:r>
-                              <a:rPr kumimoji="1" lang="en-US" altLang="ja-JP" sz="1000" i="1">
-                                <a:latin typeface="Cambria Math" panose="02040503050406030204" pitchFamily="18" charset="0"/>
-                              </a:rPr>
-                              <m:t>−</m:t>
-                            </m:r>
-                            <m:r>
-                              <a:rPr kumimoji="1" lang="en-US" altLang="ja-JP" sz="1000" i="1">
-                                <a:latin typeface="Cambria Math" panose="02040503050406030204" pitchFamily="18" charset="0"/>
-                              </a:rPr>
-                              <m:t>𝑖𝑊</m:t>
-                            </m:r>
-                            <m:d>
-                              <m:dPr>
-                                <m:ctrlPr>
-                                  <a:rPr kumimoji="1" lang="en-US" altLang="ja-JP" sz="1000" i="1">
-                                    <a:latin typeface="Cambria Math" panose="02040503050406030204" pitchFamily="18" charset="0"/>
-                                  </a:rPr>
-                                </m:ctrlPr>
-                              </m:dPr>
-                              <m:e>
-                                <m:r>
-                                  <a:rPr kumimoji="1" lang="en-US" altLang="ja-JP" sz="1000" b="1" i="0" smtClean="0">
-                                    <a:latin typeface="Cambria Math" panose="02040503050406030204" pitchFamily="18" charset="0"/>
-                                  </a:rPr>
-                                  <m:t>𝐐</m:t>
-                                </m:r>
-                              </m:e>
-                            </m:d>
-                          </m:e>
-                        </m:d>
-                      </m:e>
-                    </m:func>
-                    <m:func>
-                      <m:funcPr>
-                        <m:ctrlPr>
-                          <a:rPr kumimoji="1" lang="en-US" altLang="ja-JP" sz="1000" i="1">
-                            <a:latin typeface="Cambria Math" panose="02040503050406030204" pitchFamily="18" charset="0"/>
-                          </a:rPr>
-                        </m:ctrlPr>
-                      </m:funcPr>
-                      <m:fName>
-                        <m:r>
-                          <m:rPr>
-                            <m:sty m:val="p"/>
-                          </m:rPr>
-                          <a:rPr kumimoji="1" lang="en-US" altLang="ja-JP" sz="1000">
-                            <a:latin typeface="Cambria Math" panose="02040503050406030204" pitchFamily="18" charset="0"/>
-                          </a:rPr>
-                          <m:t>exp</m:t>
-                        </m:r>
-                      </m:fName>
-                      <m:e>
-                        <m:d>
-                          <m:dPr>
-                            <m:begChr m:val="["/>
-                            <m:endChr m:val="]"/>
-                            <m:ctrlPr>
-                              <a:rPr kumimoji="1" lang="en-US" altLang="ja-JP" sz="1000" i="1">
-                                <a:latin typeface="Cambria Math" panose="02040503050406030204" pitchFamily="18" charset="0"/>
-                              </a:rPr>
-                            </m:ctrlPr>
-                          </m:dPr>
-                          <m:e>
-                            <m:r>
-                              <a:rPr kumimoji="1" lang="en-US" altLang="ja-JP" sz="1000" i="1">
-                                <a:latin typeface="Cambria Math" panose="02040503050406030204" pitchFamily="18" charset="0"/>
-                              </a:rPr>
-                              <m:t>−</m:t>
-                            </m:r>
-                            <m:f>
-                              <m:fPr>
-                                <m:ctrlPr>
-                                  <a:rPr kumimoji="1" lang="en-US" altLang="ja-JP" sz="1000" i="1">
-                                    <a:latin typeface="Cambria Math" panose="02040503050406030204" pitchFamily="18" charset="0"/>
-                                  </a:rPr>
-                                </m:ctrlPr>
-                              </m:fPr>
-                              <m:num>
-                                <m:sSup>
-                                  <m:sSupPr>
-                                    <m:ctrlPr>
-                                      <a:rPr kumimoji="1" lang="en-US" altLang="ja-JP" sz="1000" i="1">
-                                        <a:latin typeface="Cambria Math" panose="02040503050406030204" pitchFamily="18" charset="0"/>
-                                      </a:rPr>
-                                    </m:ctrlPr>
-                                  </m:sSupPr>
-                                  <m:e>
-                                    <m:r>
-                                      <a:rPr kumimoji="1" lang="en-US" altLang="ja-JP" sz="1000" i="1">
-                                        <a:latin typeface="Cambria Math" panose="02040503050406030204" pitchFamily="18" charset="0"/>
-                                      </a:rPr>
-                                      <m:t>𝜆</m:t>
-                                    </m:r>
-                                  </m:e>
-                                  <m:sup>
-                                    <m:r>
-                                      <a:rPr kumimoji="1" lang="en-US" altLang="ja-JP" sz="1000" i="1">
-                                        <a:latin typeface="Cambria Math" panose="02040503050406030204" pitchFamily="18" charset="0"/>
-                                      </a:rPr>
-                                      <m:t>2</m:t>
-                                    </m:r>
-                                  </m:sup>
-                                </m:sSup>
-                                <m:sSubSup>
-                                  <m:sSubSupPr>
-                                    <m:ctrlPr>
-                                      <a:rPr kumimoji="1" lang="en-US" altLang="ja-JP" sz="1000" i="1">
-                                        <a:latin typeface="Cambria Math" panose="02040503050406030204" pitchFamily="18" charset="0"/>
-                                      </a:rPr>
-                                    </m:ctrlPr>
-                                  </m:sSubSupPr>
-                                  <m:e>
-                                    <m:r>
-                                      <a:rPr kumimoji="1" lang="en-US" altLang="ja-JP" sz="1000" i="1">
-                                        <a:latin typeface="Cambria Math" panose="02040503050406030204" pitchFamily="18" charset="0"/>
-                                      </a:rPr>
-                                      <m:t>𝜎</m:t>
-                                    </m:r>
-                                  </m:e>
-                                  <m:sub>
-                                    <m:r>
-                                      <a:rPr kumimoji="1" lang="en-US" altLang="ja-JP" sz="1000" i="1">
-                                        <a:latin typeface="Cambria Math" panose="02040503050406030204" pitchFamily="18" charset="0"/>
-                                      </a:rPr>
-                                      <m:t>𝑓</m:t>
-                                    </m:r>
-                                  </m:sub>
-                                  <m:sup>
-                                    <m:r>
-                                      <a:rPr kumimoji="1" lang="en-US" altLang="ja-JP" sz="1000" i="1">
-                                        <a:latin typeface="Cambria Math" panose="02040503050406030204" pitchFamily="18" charset="0"/>
-                                      </a:rPr>
-                                      <m:t>2</m:t>
-                                    </m:r>
-                                  </m:sup>
-                                </m:sSubSup>
-                                <m:sSup>
-                                  <m:sSupPr>
-                                    <m:ctrlPr>
-                                      <a:rPr kumimoji="1" lang="en-US" altLang="ja-JP" sz="1000" i="1">
-                                        <a:latin typeface="Cambria Math" panose="02040503050406030204" pitchFamily="18" charset="0"/>
-                                      </a:rPr>
-                                    </m:ctrlPr>
-                                  </m:sSupPr>
-                                  <m:e>
-                                    <m:r>
-                                      <a:rPr kumimoji="1" lang="en-US" altLang="ja-JP" sz="1000" i="1" smtClean="0">
-                                        <a:latin typeface="Cambria Math" panose="02040503050406030204" pitchFamily="18" charset="0"/>
-                                      </a:rPr>
-                                      <m:t>𝑄</m:t>
-                                    </m:r>
-                                  </m:e>
-                                  <m:sup>
-                                    <m:r>
-                                      <a:rPr kumimoji="1" lang="en-US" altLang="ja-JP" sz="1000" b="0" i="1" smtClean="0">
-                                        <a:latin typeface="Cambria Math" panose="02040503050406030204" pitchFamily="18" charset="0"/>
-                                      </a:rPr>
-                                      <m:t>4</m:t>
-                                    </m:r>
-                                  </m:sup>
-                                </m:sSup>
-                              </m:num>
-                              <m:den>
-                                <m:r>
-                                  <a:rPr kumimoji="1" lang="en-US" altLang="ja-JP" sz="1000" i="1">
-                                    <a:latin typeface="Cambria Math" panose="02040503050406030204" pitchFamily="18" charset="0"/>
-                                  </a:rPr>
-                                  <m:t>32</m:t>
-                                </m:r>
-                                <m:sSup>
-                                  <m:sSupPr>
-                                    <m:ctrlPr>
-                                      <a:rPr kumimoji="1" lang="en-US" altLang="ja-JP" sz="1000" i="1">
-                                        <a:latin typeface="Cambria Math" panose="02040503050406030204" pitchFamily="18" charset="0"/>
-                                      </a:rPr>
-                                    </m:ctrlPr>
-                                  </m:sSupPr>
-                                  <m:e>
-                                    <m:r>
-                                      <a:rPr kumimoji="1" lang="en-US" altLang="ja-JP" sz="1000" i="1">
-                                        <a:latin typeface="Cambria Math" panose="02040503050406030204" pitchFamily="18" charset="0"/>
-                                      </a:rPr>
-                                      <m:t>𝜋</m:t>
-                                    </m:r>
-                                  </m:e>
-                                  <m:sup>
-                                    <m:r>
-                                      <a:rPr kumimoji="1" lang="en-US" altLang="ja-JP" sz="1000" i="1">
-                                        <a:latin typeface="Cambria Math" panose="02040503050406030204" pitchFamily="18" charset="0"/>
-                                      </a:rPr>
-                                      <m:t>2</m:t>
-                                    </m:r>
-                                  </m:sup>
-                                </m:sSup>
-                              </m:den>
-                            </m:f>
-                          </m:e>
-                        </m:d>
-                      </m:e>
-                    </m:func>
-                    <m:func>
-                      <m:funcPr>
-                        <m:ctrlPr>
-                          <a:rPr kumimoji="1" lang="en-US" altLang="ja-JP" sz="1000" b="0" i="1" smtClean="0">
-                            <a:latin typeface="Cambria Math" panose="02040503050406030204" pitchFamily="18" charset="0"/>
-                          </a:rPr>
-                        </m:ctrlPr>
-                      </m:funcPr>
-                      <m:fName>
-                        <m:r>
-                          <m:rPr>
-                            <m:sty m:val="p"/>
-                          </m:rPr>
-                          <a:rPr kumimoji="1" lang="en-US" altLang="ja-JP" sz="1000" b="0" i="0" smtClean="0">
-                            <a:latin typeface="Cambria Math" panose="02040503050406030204" pitchFamily="18" charset="0"/>
-                          </a:rPr>
-                          <m:t>exp</m:t>
-                        </m:r>
-                      </m:fName>
-                      <m:e>
-                        <m:d>
-                          <m:dPr>
-                            <m:begChr m:val="["/>
-                            <m:endChr m:val="]"/>
-                            <m:ctrlPr>
-                              <a:rPr kumimoji="1" lang="en-US" altLang="ja-JP" sz="1000" b="0" i="1" smtClean="0">
-                                <a:latin typeface="Cambria Math" panose="02040503050406030204" pitchFamily="18" charset="0"/>
-                              </a:rPr>
-                            </m:ctrlPr>
-                          </m:dPr>
-                          <m:e>
-                            <m:r>
-                              <a:rPr kumimoji="1" lang="en-US" altLang="ja-JP" sz="1000" b="0" i="1" smtClean="0">
-                                <a:latin typeface="Cambria Math" panose="02040503050406030204" pitchFamily="18" charset="0"/>
-                              </a:rPr>
-                              <m:t>−</m:t>
-                            </m:r>
-                            <m:f>
-                              <m:fPr>
-                                <m:ctrlPr>
-                                  <a:rPr kumimoji="1" lang="en-US" altLang="ja-JP" sz="1000" b="0" i="1" smtClean="0">
-                                    <a:latin typeface="Cambria Math" panose="02040503050406030204" pitchFamily="18" charset="0"/>
-                                  </a:rPr>
-                                </m:ctrlPr>
-                              </m:fPr>
-                              <m:num>
-                                <m:sSubSup>
-                                  <m:sSubSupPr>
-                                    <m:ctrlPr>
-                                      <a:rPr kumimoji="1" lang="en-US" altLang="ja-JP" sz="1000" b="0" i="1" smtClean="0">
-                                        <a:latin typeface="Cambria Math" panose="02040503050406030204" pitchFamily="18" charset="0"/>
-                                      </a:rPr>
-                                    </m:ctrlPr>
-                                  </m:sSubSupPr>
-                                  <m:e>
-                                    <m:r>
-                                      <a:rPr kumimoji="1" lang="en-US" altLang="ja-JP" sz="1000" b="0" i="1" smtClean="0">
-                                        <a:latin typeface="Cambria Math" panose="02040503050406030204" pitchFamily="18" charset="0"/>
-                                      </a:rPr>
-                                      <m:t>𝜎</m:t>
-                                    </m:r>
-                                  </m:e>
-                                  <m:sub>
-                                    <m:r>
-                                      <a:rPr kumimoji="1" lang="en-US" altLang="ja-JP" sz="1000" b="0" i="1" smtClean="0">
-                                        <a:latin typeface="Cambria Math" panose="02040503050406030204" pitchFamily="18" charset="0"/>
-                                      </a:rPr>
-                                      <m:t>𝑠</m:t>
-                                    </m:r>
-                                  </m:sub>
-                                  <m:sup>
-                                    <m:r>
-                                      <a:rPr kumimoji="1" lang="en-US" altLang="ja-JP" sz="1000" b="0" i="1" smtClean="0">
-                                        <a:latin typeface="Cambria Math" panose="02040503050406030204" pitchFamily="18" charset="0"/>
-                                      </a:rPr>
-                                      <m:t>2</m:t>
-                                    </m:r>
-                                  </m:sup>
-                                </m:sSubSup>
-                                <m:sSup>
-                                  <m:sSupPr>
-                                    <m:ctrlPr>
-                                      <a:rPr kumimoji="1" lang="en-US" altLang="ja-JP" sz="1000" b="0" i="1" smtClean="0">
-                                        <a:latin typeface="Cambria Math" panose="02040503050406030204" pitchFamily="18" charset="0"/>
-                                      </a:rPr>
-                                    </m:ctrlPr>
-                                  </m:sSupPr>
-                                  <m:e>
-                                    <m:r>
-                                      <a:rPr kumimoji="1" lang="en-US" altLang="ja-JP" sz="1000" b="0" i="1" smtClean="0">
-                                        <a:latin typeface="Cambria Math" panose="02040503050406030204" pitchFamily="18" charset="0"/>
-                                      </a:rPr>
-                                      <m:t>𝑄</m:t>
-                                    </m:r>
-                                  </m:e>
-                                  <m:sup>
-                                    <m:r>
-                                      <a:rPr kumimoji="1" lang="en-US" altLang="ja-JP" sz="1000" b="0" i="1" smtClean="0">
-                                        <a:latin typeface="Cambria Math" panose="02040503050406030204" pitchFamily="18" charset="0"/>
-                                      </a:rPr>
-                                      <m:t>2</m:t>
-                                    </m:r>
-                                  </m:sup>
-                                </m:sSup>
-                              </m:num>
-                              <m:den>
-                                <m:r>
-                                  <a:rPr kumimoji="1" lang="en-US" altLang="ja-JP" sz="1000" b="0" i="1" smtClean="0">
-                                    <a:latin typeface="Cambria Math" panose="02040503050406030204" pitchFamily="18" charset="0"/>
-                                  </a:rPr>
-                                  <m:t>2</m:t>
-                                </m:r>
-                              </m:den>
-                            </m:f>
-                          </m:e>
-                        </m:d>
-                      </m:e>
-                    </m:func>
-                  </m:oMath>
-                </a14:m>
-                <a:endParaRPr kumimoji="1" lang="en-US" altLang="ja-JP" sz="1000" b="0" dirty="0"/>
-              </a:p>
-            </p:txBody>
-          </p:sp>
-        </mc:Choice>
-        <mc:Fallback>
-          <p:sp>
-            <p:nvSpPr>
-              <p:cNvPr id="3" name="テキスト ボックス 2">
-                <a:extLst>
-                  <a:ext uri="{FF2B5EF4-FFF2-40B4-BE49-F238E27FC236}">
-                    <a16:creationId xmlns:a16="http://schemas.microsoft.com/office/drawing/2014/main" id="{947841C8-865D-4314-B269-C83646CE9359}"/>
-                  </a:ext>
-                </a:extLst>
-              </p:cNvPr>
-              <p:cNvSpPr txBox="1">
-                <a:spLocks noRot="1" noChangeAspect="1" noMove="1" noResize="1" noEditPoints="1" noAdjustHandles="1" noChangeArrowheads="1" noChangeShapeType="1" noTextEdit="1"/>
-              </p:cNvSpPr>
-              <p:nvPr/>
-            </p:nvSpPr>
-            <p:spPr>
-              <a:xfrm>
-                <a:off x="4628477" y="1945214"/>
-                <a:ext cx="3052775" cy="290016"/>
-              </a:xfrm>
-              <a:prstGeom prst="rect">
-                <a:avLst/>
-              </a:prstGeom>
-              <a:blipFill>
-                <a:blip r:embed="rId10"/>
-                <a:stretch>
-                  <a:fillRect l="-1397"/>
-                </a:stretch>
-              </a:blipFill>
-            </p:spPr>
-            <p:txBody>
-              <a:bodyPr/>
-              <a:lstStyle/>
-              <a:p>
-                <a:r>
-                  <a:rPr lang="ja-JP" altLang="en-US">
-                    <a:noFill/>
-                  </a:rPr>
-                  <a:t> </a:t>
-                </a:r>
-              </a:p>
-            </p:txBody>
-          </p:sp>
-        </mc:Fallback>
-      </mc:AlternateContent>
-      <p:sp>
-        <p:nvSpPr>
-          <p:cNvPr id="15" name="テキスト ボックス 14">
-            <a:extLst>
-              <a:ext uri="{FF2B5EF4-FFF2-40B4-BE49-F238E27FC236}">
-                <a16:creationId xmlns:a16="http://schemas.microsoft.com/office/drawing/2014/main" id="{4A81387A-6E35-4897-5A96-6521D2DBA8F0}"/>
-              </a:ext>
-            </a:extLst>
-          </p:cNvPr>
-          <p:cNvSpPr txBox="1"/>
-          <p:nvPr/>
-        </p:nvSpPr>
-        <p:spPr>
-          <a:xfrm>
-            <a:off x="4627363" y="1775562"/>
-            <a:ext cx="1527502" cy="153888"/>
-          </a:xfrm>
-          <a:prstGeom prst="rect">
-            <a:avLst/>
-          </a:prstGeom>
-          <a:noFill/>
-        </p:spPr>
-        <p:txBody>
-          <a:bodyPr wrap="square" lIns="0" tIns="0" rIns="0" bIns="0" rtlCol="0">
-            <a:spAutoFit/>
-          </a:bodyPr>
-          <a:lstStyle/>
-          <a:p>
-            <a:r>
-              <a:rPr lang="en-US" altLang="ja-JP" sz="1000" dirty="0"/>
-              <a:t>EquationCTF_STEM.png</a:t>
-            </a:r>
-            <a:endParaRPr lang="ja-JP" altLang="en-US" sz="1000" dirty="0"/>
-          </a:p>
-        </p:txBody>
-      </p:sp>
       <p:sp>
         <p:nvSpPr>
           <p:cNvPr id="16" name="テキスト ボックス 15">
@@ -13144,7 +11865,7 @@
         </p:nvSpPr>
         <p:spPr>
           <a:xfrm>
-            <a:off x="0" y="1818"/>
+            <a:off x="876236" y="1818"/>
             <a:ext cx="873316" cy="369332"/>
           </a:xfrm>
           <a:prstGeom prst="rect">
@@ -13210,6 +11931,6186 @@
           </a:p>
         </p:txBody>
       </p:sp>
+      <mc:AlternateContent xmlns:mc="http://schemas.openxmlformats.org/markup-compatibility/2006">
+        <mc:Choice xmlns:a14="http://schemas.microsoft.com/office/drawing/2010/main" Requires="a14">
+          <p:sp>
+            <p:nvSpPr>
+              <p:cNvPr id="17" name="テキスト ボックス 16">
+                <a:extLst>
+                  <a:ext uri="{FF2B5EF4-FFF2-40B4-BE49-F238E27FC236}">
+                    <a16:creationId xmlns:a16="http://schemas.microsoft.com/office/drawing/2014/main" id="{0825A6F2-89BD-E480-F6AA-4E8DF26A3183}"/>
+                  </a:ext>
+                </a:extLst>
+              </p:cNvPr>
+              <p:cNvSpPr txBox="1"/>
+              <p:nvPr/>
+            </p:nvSpPr>
+            <p:spPr>
+              <a:xfrm>
+                <a:off x="3245678" y="3029460"/>
+                <a:ext cx="5405123" cy="732573"/>
+              </a:xfrm>
+              <a:prstGeom prst="rect">
+                <a:avLst/>
+              </a:prstGeom>
+              <a:noFill/>
+            </p:spPr>
+            <p:txBody>
+              <a:bodyPr wrap="square" lIns="0" tIns="0" rIns="0" bIns="0" rtlCol="0">
+                <a:spAutoFit/>
+              </a:bodyPr>
+              <a:lstStyle/>
+              <a:p>
+                <a:pPr/>
+                <a14:m>
+                  <m:oMath xmlns:m="http://schemas.openxmlformats.org/officeDocument/2006/math">
+                    <m:r>
+                      <a:rPr kumimoji="1" lang="en-US" altLang="ja-JP" sz="1000" b="0" i="1" smtClean="0">
+                        <a:solidFill>
+                          <a:schemeClr val="tx1"/>
+                        </a:solidFill>
+                        <a:latin typeface="Cambria Math" panose="02040503050406030204" pitchFamily="18" charset="0"/>
+                      </a:rPr>
+                      <m:t>𝑇</m:t>
+                    </m:r>
+                    <m:d>
+                      <m:dPr>
+                        <m:ctrlPr>
+                          <a:rPr kumimoji="1" lang="en-US" altLang="ja-JP" sz="1000" b="0" i="1" smtClean="0">
+                            <a:solidFill>
+                              <a:schemeClr val="tx1"/>
+                            </a:solidFill>
+                            <a:latin typeface="Cambria Math" panose="02040503050406030204" pitchFamily="18" charset="0"/>
+                          </a:rPr>
+                        </m:ctrlPr>
+                      </m:dPr>
+                      <m:e>
+                        <m:r>
+                          <a:rPr kumimoji="1" lang="en-US" altLang="ja-JP" sz="1000" b="1" i="1" smtClean="0">
+                            <a:solidFill>
+                              <a:schemeClr val="tx1"/>
+                            </a:solidFill>
+                            <a:latin typeface="Cambria Math" panose="02040503050406030204" pitchFamily="18" charset="0"/>
+                          </a:rPr>
+                          <m:t>𝒖</m:t>
+                        </m:r>
+                      </m:e>
+                    </m:d>
+                    <m:r>
+                      <m:rPr>
+                        <m:aln/>
+                      </m:rPr>
+                      <a:rPr kumimoji="1" lang="en-US" altLang="ja-JP" sz="1000" b="0" i="1" smtClean="0">
+                        <a:solidFill>
+                          <a:schemeClr val="tx1"/>
+                        </a:solidFill>
+                        <a:latin typeface="Cambria Math" panose="02040503050406030204" pitchFamily="18" charset="0"/>
+                      </a:rPr>
+                      <m:t>=</m:t>
+                    </m:r>
+                  </m:oMath>
+                </a14:m>
+                <a:r>
+                  <a:rPr kumimoji="1" lang="en-US" altLang="ja-JP" sz="1000" dirty="0">
+                    <a:solidFill>
+                      <a:schemeClr val="tx1"/>
+                    </a:solidFill>
+                  </a:rPr>
+                  <a:t> </a:t>
+                </a:r>
+                <a14:m>
+                  <m:oMath xmlns:m="http://schemas.openxmlformats.org/officeDocument/2006/math">
+                    <m:nary>
+                      <m:naryPr>
+                        <m:subHide m:val="on"/>
+                        <m:supHide m:val="on"/>
+                        <m:ctrlPr>
+                          <a:rPr kumimoji="1" lang="en-US" altLang="ja-JP" sz="1000" i="1">
+                            <a:solidFill>
+                              <a:schemeClr val="tx1"/>
+                            </a:solidFill>
+                            <a:latin typeface="Cambria Math" panose="02040503050406030204" pitchFamily="18" charset="0"/>
+                          </a:rPr>
+                        </m:ctrlPr>
+                      </m:naryPr>
+                      <m:sub/>
+                      <m:sup/>
+                      <m:e>
+                        <m:r>
+                          <a:rPr kumimoji="1" lang="en-US" altLang="ja-JP" sz="1000" i="1">
+                            <a:solidFill>
+                              <a:schemeClr val="tx1"/>
+                            </a:solidFill>
+                            <a:latin typeface="Cambria Math" panose="02040503050406030204" pitchFamily="18" charset="0"/>
+                          </a:rPr>
+                          <m:t>𝐴</m:t>
+                        </m:r>
+                        <m:d>
+                          <m:dPr>
+                            <m:ctrlPr>
+                              <a:rPr kumimoji="1" lang="en-US" altLang="ja-JP" sz="1000" i="1">
+                                <a:solidFill>
+                                  <a:schemeClr val="tx1"/>
+                                </a:solidFill>
+                                <a:latin typeface="Cambria Math" panose="02040503050406030204" pitchFamily="18" charset="0"/>
+                              </a:rPr>
+                            </m:ctrlPr>
+                          </m:dPr>
+                          <m:e>
+                            <m:r>
+                              <a:rPr kumimoji="1" lang="en-US" altLang="ja-JP" sz="1000" b="1">
+                                <a:solidFill>
+                                  <a:schemeClr val="tx1"/>
+                                </a:solidFill>
+                                <a:latin typeface="Cambria Math" panose="02040503050406030204" pitchFamily="18" charset="0"/>
+                              </a:rPr>
+                              <m:t>𝐊</m:t>
+                            </m:r>
+                          </m:e>
+                        </m:d>
+                        <m:r>
+                          <a:rPr kumimoji="1" lang="en-US" altLang="ja-JP" sz="1000" i="1">
+                            <a:solidFill>
+                              <a:schemeClr val="tx1"/>
+                            </a:solidFill>
+                            <a:latin typeface="Cambria Math" panose="02040503050406030204" pitchFamily="18" charset="0"/>
+                          </a:rPr>
+                          <m:t>𝐴</m:t>
+                        </m:r>
+                        <m:d>
+                          <m:dPr>
+                            <m:ctrlPr>
+                              <a:rPr kumimoji="1" lang="en-US" altLang="ja-JP" sz="1000" i="1">
+                                <a:solidFill>
+                                  <a:schemeClr val="tx1"/>
+                                </a:solidFill>
+                                <a:latin typeface="Cambria Math" panose="02040503050406030204" pitchFamily="18" charset="0"/>
+                              </a:rPr>
+                            </m:ctrlPr>
+                          </m:dPr>
+                          <m:e>
+                            <m:r>
+                              <a:rPr kumimoji="1" lang="en-US" altLang="ja-JP" sz="1000" b="1">
+                                <a:solidFill>
+                                  <a:schemeClr val="tx1"/>
+                                </a:solidFill>
+                                <a:latin typeface="Cambria Math" panose="02040503050406030204" pitchFamily="18" charset="0"/>
+                              </a:rPr>
+                              <m:t>𝐊</m:t>
+                            </m:r>
+                            <m:r>
+                              <a:rPr kumimoji="1" lang="en-US" altLang="ja-JP" sz="1000" i="1">
+                                <a:solidFill>
+                                  <a:schemeClr val="tx1"/>
+                                </a:solidFill>
+                                <a:latin typeface="Cambria Math" panose="02040503050406030204" pitchFamily="18" charset="0"/>
+                              </a:rPr>
+                              <m:t>−</m:t>
+                            </m:r>
+                            <m:r>
+                              <a:rPr kumimoji="1" lang="en-US" altLang="ja-JP" sz="1000" b="1" i="1">
+                                <a:solidFill>
+                                  <a:schemeClr val="tx1"/>
+                                </a:solidFill>
+                                <a:latin typeface="Cambria Math" panose="02040503050406030204" pitchFamily="18" charset="0"/>
+                              </a:rPr>
+                              <m:t>𝒖</m:t>
+                            </m:r>
+                          </m:e>
+                        </m:d>
+                        <m:func>
+                          <m:funcPr>
+                            <m:ctrlPr>
+                              <a:rPr kumimoji="1" lang="en-US" altLang="ja-JP" sz="1000" i="1">
+                                <a:solidFill>
+                                  <a:schemeClr val="tx1"/>
+                                </a:solidFill>
+                                <a:latin typeface="Cambria Math" panose="02040503050406030204" pitchFamily="18" charset="0"/>
+                              </a:rPr>
+                            </m:ctrlPr>
+                          </m:funcPr>
+                          <m:fName>
+                            <m:r>
+                              <m:rPr>
+                                <m:sty m:val="p"/>
+                              </m:rPr>
+                              <a:rPr kumimoji="1" lang="en-US" altLang="ja-JP" sz="1000">
+                                <a:solidFill>
+                                  <a:schemeClr val="tx1"/>
+                                </a:solidFill>
+                                <a:latin typeface="Cambria Math" panose="02040503050406030204" pitchFamily="18" charset="0"/>
+                              </a:rPr>
+                              <m:t>exp</m:t>
+                            </m:r>
+                          </m:fName>
+                          <m:e>
+                            <m:d>
+                              <m:dPr>
+                                <m:ctrlPr>
+                                  <a:rPr kumimoji="1" lang="en-US" altLang="ja-JP" sz="1000" i="1">
+                                    <a:solidFill>
+                                      <a:schemeClr val="tx1"/>
+                                    </a:solidFill>
+                                    <a:latin typeface="Cambria Math" panose="02040503050406030204" pitchFamily="18" charset="0"/>
+                                  </a:rPr>
+                                </m:ctrlPr>
+                              </m:dPr>
+                              <m:e>
+                                <m:r>
+                                  <a:rPr kumimoji="1" lang="en-US" altLang="ja-JP" sz="1000" i="1">
+                                    <a:solidFill>
+                                      <a:schemeClr val="tx1"/>
+                                    </a:solidFill>
+                                    <a:latin typeface="Cambria Math" panose="02040503050406030204" pitchFamily="18" charset="0"/>
+                                  </a:rPr>
+                                  <m:t>−</m:t>
+                                </m:r>
+                                <m:r>
+                                  <a:rPr kumimoji="1" lang="en-US" altLang="ja-JP" sz="1000" i="1">
+                                    <a:solidFill>
+                                      <a:schemeClr val="tx1"/>
+                                    </a:solidFill>
+                                    <a:latin typeface="Cambria Math" panose="02040503050406030204" pitchFamily="18" charset="0"/>
+                                  </a:rPr>
+                                  <m:t>𝑖𝑊</m:t>
+                                </m:r>
+                                <m:d>
+                                  <m:dPr>
+                                    <m:ctrlPr>
+                                      <a:rPr kumimoji="1" lang="en-US" altLang="ja-JP" sz="1000" i="1">
+                                        <a:solidFill>
+                                          <a:schemeClr val="tx1"/>
+                                        </a:solidFill>
+                                        <a:latin typeface="Cambria Math" panose="02040503050406030204" pitchFamily="18" charset="0"/>
+                                      </a:rPr>
+                                    </m:ctrlPr>
+                                  </m:dPr>
+                                  <m:e>
+                                    <m:r>
+                                      <a:rPr kumimoji="1" lang="en-US" altLang="ja-JP" sz="1000" b="1" i="0">
+                                        <a:solidFill>
+                                          <a:schemeClr val="tx1"/>
+                                        </a:solidFill>
+                                        <a:latin typeface="Cambria Math" panose="02040503050406030204" pitchFamily="18" charset="0"/>
+                                      </a:rPr>
+                                      <m:t>𝐊</m:t>
+                                    </m:r>
+                                  </m:e>
+                                </m:d>
+                                <m:r>
+                                  <a:rPr kumimoji="1" lang="en-US" altLang="ja-JP" sz="1000" i="1">
+                                    <a:solidFill>
+                                      <a:schemeClr val="tx1"/>
+                                    </a:solidFill>
+                                    <a:latin typeface="Cambria Math" panose="02040503050406030204" pitchFamily="18" charset="0"/>
+                                  </a:rPr>
+                                  <m:t>+</m:t>
+                                </m:r>
+                                <m:r>
+                                  <a:rPr kumimoji="1" lang="en-US" altLang="ja-JP" sz="1000" i="1">
+                                    <a:solidFill>
+                                      <a:schemeClr val="tx1"/>
+                                    </a:solidFill>
+                                    <a:latin typeface="Cambria Math" panose="02040503050406030204" pitchFamily="18" charset="0"/>
+                                  </a:rPr>
+                                  <m:t>𝑖𝑊</m:t>
+                                </m:r>
+                                <m:d>
+                                  <m:dPr>
+                                    <m:ctrlPr>
+                                      <a:rPr kumimoji="1" lang="en-US" altLang="ja-JP" sz="1000" i="1">
+                                        <a:solidFill>
+                                          <a:schemeClr val="tx1"/>
+                                        </a:solidFill>
+                                        <a:latin typeface="Cambria Math" panose="02040503050406030204" pitchFamily="18" charset="0"/>
+                                      </a:rPr>
+                                    </m:ctrlPr>
+                                  </m:dPr>
+                                  <m:e>
+                                    <m:r>
+                                      <a:rPr kumimoji="1" lang="en-US" altLang="ja-JP" sz="1000" b="1" i="0">
+                                        <a:solidFill>
+                                          <a:schemeClr val="tx1"/>
+                                        </a:solidFill>
+                                        <a:latin typeface="Cambria Math" panose="02040503050406030204" pitchFamily="18" charset="0"/>
+                                      </a:rPr>
+                                      <m:t>𝐊</m:t>
+                                    </m:r>
+                                    <m:r>
+                                      <a:rPr kumimoji="1" lang="en-US" altLang="ja-JP" sz="1000" b="1">
+                                        <a:solidFill>
+                                          <a:schemeClr val="tx1"/>
+                                        </a:solidFill>
+                                        <a:latin typeface="Cambria Math" panose="02040503050406030204" pitchFamily="18" charset="0"/>
+                                      </a:rPr>
+                                      <m:t>−</m:t>
+                                    </m:r>
+                                    <m:r>
+                                      <a:rPr kumimoji="1" lang="en-US" altLang="ja-JP" sz="1000" b="1" i="1">
+                                        <a:solidFill>
+                                          <a:schemeClr val="tx1"/>
+                                        </a:solidFill>
+                                        <a:latin typeface="Cambria Math" panose="02040503050406030204" pitchFamily="18" charset="0"/>
+                                      </a:rPr>
+                                      <m:t>𝒖</m:t>
+                                    </m:r>
+                                  </m:e>
+                                </m:d>
+                              </m:e>
+                            </m:d>
+                          </m:e>
+                        </m:func>
+                      </m:e>
+                    </m:nary>
+                    <m:func>
+                      <m:funcPr>
+                        <m:ctrlPr>
+                          <a:rPr kumimoji="1" lang="en-US" altLang="ja-JP" sz="1000" i="1">
+                            <a:solidFill>
+                              <a:schemeClr val="tx1"/>
+                            </a:solidFill>
+                            <a:latin typeface="Cambria Math" panose="02040503050406030204" pitchFamily="18" charset="0"/>
+                          </a:rPr>
+                        </m:ctrlPr>
+                      </m:funcPr>
+                      <m:fName>
+                        <m:r>
+                          <m:rPr>
+                            <m:sty m:val="p"/>
+                          </m:rPr>
+                          <a:rPr kumimoji="1" lang="en-US" altLang="ja-JP" sz="1000">
+                            <a:solidFill>
+                              <a:schemeClr val="tx1"/>
+                            </a:solidFill>
+                            <a:latin typeface="Cambria Math" panose="02040503050406030204" pitchFamily="18" charset="0"/>
+                          </a:rPr>
+                          <m:t>exp</m:t>
+                        </m:r>
+                      </m:fName>
+                      <m:e>
+                        <m:d>
+                          <m:dPr>
+                            <m:begChr m:val="["/>
+                            <m:endChr m:val="]"/>
+                            <m:ctrlPr>
+                              <a:rPr kumimoji="1" lang="en-US" altLang="ja-JP" sz="1000" i="1">
+                                <a:solidFill>
+                                  <a:schemeClr val="tx1"/>
+                                </a:solidFill>
+                                <a:latin typeface="Cambria Math" panose="02040503050406030204" pitchFamily="18" charset="0"/>
+                              </a:rPr>
+                            </m:ctrlPr>
+                          </m:dPr>
+                          <m:e>
+                            <m:r>
+                              <a:rPr kumimoji="1" lang="en-US" altLang="ja-JP" sz="1000" i="1">
+                                <a:solidFill>
+                                  <a:schemeClr val="tx1"/>
+                                </a:solidFill>
+                                <a:latin typeface="Cambria Math" panose="02040503050406030204" pitchFamily="18" charset="0"/>
+                              </a:rPr>
+                              <m:t>−</m:t>
+                            </m:r>
+                            <m:sSup>
+                              <m:sSupPr>
+                                <m:ctrlPr>
+                                  <a:rPr kumimoji="1" lang="en-US" altLang="ja-JP" sz="1000" i="1">
+                                    <a:latin typeface="Cambria Math" panose="02040503050406030204" pitchFamily="18" charset="0"/>
+                                  </a:rPr>
+                                </m:ctrlPr>
+                              </m:sSupPr>
+                              <m:e>
+                                <m:d>
+                                  <m:dPr>
+                                    <m:ctrlPr>
+                                      <a:rPr kumimoji="1" lang="en-US" altLang="ja-JP" sz="1000" i="1">
+                                        <a:latin typeface="Cambria Math" panose="02040503050406030204" pitchFamily="18" charset="0"/>
+                                      </a:rPr>
+                                    </m:ctrlPr>
+                                  </m:dPr>
+                                  <m:e>
+                                    <m:r>
+                                      <a:rPr kumimoji="1" lang="en-US" altLang="ja-JP" sz="1000" i="1">
+                                        <a:latin typeface="Cambria Math" panose="02040503050406030204" pitchFamily="18" charset="0"/>
+                                      </a:rPr>
+                                      <m:t>𝜋𝜆</m:t>
+                                    </m:r>
+                                    <m:sSub>
+                                      <m:sSubPr>
+                                        <m:ctrlPr>
+                                          <a:rPr kumimoji="1" lang="en-US" altLang="ja-JP" sz="1000" i="1">
+                                            <a:latin typeface="Cambria Math" panose="02040503050406030204" pitchFamily="18" charset="0"/>
+                                          </a:rPr>
+                                        </m:ctrlPr>
+                                      </m:sSubPr>
+                                      <m:e>
+                                        <m:r>
+                                          <a:rPr kumimoji="1" lang="en-US" altLang="ja-JP" sz="1000" i="1">
+                                            <a:latin typeface="Cambria Math" panose="02040503050406030204" pitchFamily="18" charset="0"/>
+                                          </a:rPr>
+                                          <m:t>𝜎</m:t>
+                                        </m:r>
+                                      </m:e>
+                                      <m:sub>
+                                        <m:r>
+                                          <a:rPr kumimoji="1" lang="en-US" altLang="ja-JP" sz="1000" i="1">
+                                            <a:latin typeface="Cambria Math" panose="02040503050406030204" pitchFamily="18" charset="0"/>
+                                          </a:rPr>
+                                          <m:t>𝑓</m:t>
+                                        </m:r>
+                                      </m:sub>
+                                    </m:sSub>
+                                  </m:e>
+                                </m:d>
+                              </m:e>
+                              <m:sup>
+                                <m:r>
+                                  <a:rPr kumimoji="1" lang="en-US" altLang="ja-JP" sz="1000" i="1">
+                                    <a:latin typeface="Cambria Math" panose="02040503050406030204" pitchFamily="18" charset="0"/>
+                                  </a:rPr>
+                                  <m:t>2</m:t>
+                                </m:r>
+                              </m:sup>
+                            </m:sSup>
+                            <m:sSup>
+                              <m:sSupPr>
+                                <m:ctrlPr>
+                                  <a:rPr kumimoji="1" lang="en-US" altLang="ja-JP" sz="1000" i="1">
+                                    <a:latin typeface="Cambria Math" panose="02040503050406030204" pitchFamily="18" charset="0"/>
+                                  </a:rPr>
+                                </m:ctrlPr>
+                              </m:sSupPr>
+                              <m:e>
+                                <m:d>
+                                  <m:dPr>
+                                    <m:begChr m:val="{"/>
+                                    <m:endChr m:val="}"/>
+                                    <m:ctrlPr>
+                                      <a:rPr kumimoji="1" lang="en-US" altLang="ja-JP" sz="1000" i="1">
+                                        <a:latin typeface="Cambria Math" panose="02040503050406030204" pitchFamily="18" charset="0"/>
+                                      </a:rPr>
+                                    </m:ctrlPr>
+                                  </m:dPr>
+                                  <m:e>
+                                    <m:sSup>
+                                      <m:sSupPr>
+                                        <m:ctrlPr>
+                                          <a:rPr kumimoji="1" lang="en-US" altLang="ja-JP" sz="1000" i="1">
+                                            <a:latin typeface="Cambria Math" panose="02040503050406030204" pitchFamily="18" charset="0"/>
+                                          </a:rPr>
+                                        </m:ctrlPr>
+                                      </m:sSupPr>
+                                      <m:e>
+                                        <m:sSup>
+                                          <m:sSupPr>
+                                            <m:ctrlPr>
+                                              <a:rPr kumimoji="1" lang="en-US" altLang="ja-JP" sz="1000" i="1">
+                                                <a:latin typeface="Cambria Math" panose="02040503050406030204" pitchFamily="18" charset="0"/>
+                                              </a:rPr>
+                                            </m:ctrlPr>
+                                          </m:sSupPr>
+                                          <m:e>
+                                            <m:r>
+                                              <a:rPr kumimoji="1" lang="en-US" altLang="ja-JP" sz="1000" b="1">
+                                                <a:latin typeface="Cambria Math" panose="02040503050406030204" pitchFamily="18" charset="0"/>
+                                              </a:rPr>
+                                              <m:t>𝐊</m:t>
+                                            </m:r>
+                                          </m:e>
+                                          <m:sup>
+                                            <m:r>
+                                              <a:rPr kumimoji="1" lang="en-US" altLang="ja-JP" sz="1000" i="1">
+                                                <a:latin typeface="Cambria Math" panose="02040503050406030204" pitchFamily="18" charset="0"/>
+                                              </a:rPr>
+                                              <m:t>2</m:t>
+                                            </m:r>
+                                          </m:sup>
+                                        </m:sSup>
+                                        <m:r>
+                                          <a:rPr kumimoji="1" lang="en-US" altLang="ja-JP" sz="1000" i="1">
+                                            <a:latin typeface="Cambria Math" panose="02040503050406030204" pitchFamily="18" charset="0"/>
+                                          </a:rPr>
+                                          <m:t>−</m:t>
+                                        </m:r>
+                                        <m:d>
+                                          <m:dPr>
+                                            <m:ctrlPr>
+                                              <a:rPr kumimoji="1" lang="en-US" altLang="ja-JP" sz="1000" i="1">
+                                                <a:latin typeface="Cambria Math" panose="02040503050406030204" pitchFamily="18" charset="0"/>
+                                              </a:rPr>
+                                            </m:ctrlPr>
+                                          </m:dPr>
+                                          <m:e>
+                                            <m:r>
+                                              <a:rPr kumimoji="1" lang="en-US" altLang="ja-JP" sz="1000" b="1">
+                                                <a:latin typeface="Cambria Math" panose="02040503050406030204" pitchFamily="18" charset="0"/>
+                                              </a:rPr>
+                                              <m:t>𝐊</m:t>
+                                            </m:r>
+                                            <m:r>
+                                              <a:rPr kumimoji="1" lang="en-US" altLang="ja-JP" sz="1000" b="1">
+                                                <a:latin typeface="Cambria Math" panose="02040503050406030204" pitchFamily="18" charset="0"/>
+                                              </a:rPr>
+                                              <m:t>−</m:t>
+                                            </m:r>
+                                            <m:r>
+                                              <a:rPr kumimoji="1" lang="en-US" altLang="ja-JP" sz="1000" b="1" i="1">
+                                                <a:latin typeface="Cambria Math" panose="02040503050406030204" pitchFamily="18" charset="0"/>
+                                              </a:rPr>
+                                              <m:t>𝒖</m:t>
+                                            </m:r>
+                                          </m:e>
+                                        </m:d>
+                                      </m:e>
+                                      <m:sup>
+                                        <m:r>
+                                          <a:rPr kumimoji="1" lang="en-US" altLang="ja-JP" sz="1000" i="1">
+                                            <a:latin typeface="Cambria Math" panose="02040503050406030204" pitchFamily="18" charset="0"/>
+                                          </a:rPr>
+                                          <m:t>2</m:t>
+                                        </m:r>
+                                      </m:sup>
+                                    </m:sSup>
+                                  </m:e>
+                                </m:d>
+                              </m:e>
+                              <m:sup>
+                                <m:r>
+                                  <a:rPr kumimoji="1" lang="en-US" altLang="ja-JP" sz="1000" i="1">
+                                    <a:latin typeface="Cambria Math" panose="02040503050406030204" pitchFamily="18" charset="0"/>
+                                  </a:rPr>
+                                  <m:t>2</m:t>
+                                </m:r>
+                              </m:sup>
+                            </m:sSup>
+                            <m:r>
+                              <a:rPr kumimoji="1" lang="en-US" altLang="ja-JP" sz="1000" b="0" i="1" smtClean="0">
+                                <a:latin typeface="Cambria Math" panose="02040503050406030204" pitchFamily="18" charset="0"/>
+                              </a:rPr>
+                              <m:t>/2</m:t>
+                            </m:r>
+                          </m:e>
+                        </m:d>
+                      </m:e>
+                    </m:func>
+                    <m:sSub>
+                      <m:sSubPr>
+                        <m:ctrlPr>
+                          <a:rPr lang="en-US" altLang="ja-JP" sz="1000" i="1">
+                            <a:solidFill>
+                              <a:schemeClr val="tx1"/>
+                            </a:solidFill>
+                            <a:latin typeface="Cambria Math" panose="02040503050406030204" pitchFamily="18" charset="0"/>
+                          </a:rPr>
+                        </m:ctrlPr>
+                      </m:sSubPr>
+                      <m:e>
+                        <m:r>
+                          <a:rPr lang="en-US" altLang="ja-JP" sz="1000" i="1">
+                            <a:solidFill>
+                              <a:schemeClr val="tx1"/>
+                            </a:solidFill>
+                            <a:latin typeface="Cambria Math" panose="02040503050406030204" pitchFamily="18" charset="0"/>
+                          </a:rPr>
+                          <m:t>𝐸</m:t>
+                        </m:r>
+                      </m:e>
+                      <m:sub>
+                        <m:r>
+                          <a:rPr lang="en-US" altLang="ja-JP" sz="1000" i="1">
+                            <a:solidFill>
+                              <a:schemeClr val="tx1"/>
+                            </a:solidFill>
+                            <a:latin typeface="Cambria Math" panose="02040503050406030204" pitchFamily="18" charset="0"/>
+                          </a:rPr>
+                          <m:t>𝑠</m:t>
+                        </m:r>
+                      </m:sub>
+                    </m:sSub>
+                    <m:d>
+                      <m:dPr>
+                        <m:ctrlPr>
+                          <a:rPr lang="en-US" altLang="ja-JP" sz="1000" i="1">
+                            <a:solidFill>
+                              <a:schemeClr val="tx1"/>
+                            </a:solidFill>
+                            <a:latin typeface="Cambria Math" panose="02040503050406030204" pitchFamily="18" charset="0"/>
+                          </a:rPr>
+                        </m:ctrlPr>
+                      </m:dPr>
+                      <m:e>
+                        <m:r>
+                          <a:rPr lang="en-US" altLang="ja-JP" sz="1000" b="1" i="1">
+                            <a:solidFill>
+                              <a:schemeClr val="tx1"/>
+                            </a:solidFill>
+                            <a:latin typeface="Cambria Math" panose="02040503050406030204" pitchFamily="18" charset="0"/>
+                          </a:rPr>
+                          <m:t>𝒖</m:t>
+                        </m:r>
+                      </m:e>
+                    </m:d>
+                    <m:r>
+                      <a:rPr kumimoji="1" lang="en-US" altLang="ja-JP" sz="1000" i="1">
+                        <a:solidFill>
+                          <a:schemeClr val="tx1"/>
+                        </a:solidFill>
+                        <a:latin typeface="Cambria Math" panose="02040503050406030204" pitchFamily="18" charset="0"/>
+                      </a:rPr>
+                      <m:t>𝑑</m:t>
+                    </m:r>
+                    <m:r>
+                      <a:rPr kumimoji="1" lang="en-US" altLang="ja-JP" sz="1000" b="1" i="0">
+                        <a:solidFill>
+                          <a:schemeClr val="tx1"/>
+                        </a:solidFill>
+                        <a:latin typeface="Cambria Math" panose="02040503050406030204" pitchFamily="18" charset="0"/>
+                      </a:rPr>
+                      <m:t>𝐊</m:t>
+                    </m:r>
+                  </m:oMath>
+                </a14:m>
+                <a:endParaRPr kumimoji="1" lang="en-US" altLang="ja-JP" sz="1000" b="1" dirty="0">
+                  <a:solidFill>
+                    <a:schemeClr val="tx1"/>
+                  </a:solidFill>
+                </a:endParaRPr>
+              </a:p>
+              <a:p>
+                <a:pPr/>
+                <a:r>
+                  <a:rPr lang="en-US" altLang="ja-JP" sz="1000" b="0" dirty="0">
+                    <a:solidFill>
+                      <a:schemeClr val="tx1"/>
+                    </a:solidFill>
+                  </a:rPr>
+                  <a:t>	</a:t>
+                </a:r>
+                <a14:m>
+                  <m:oMath xmlns:m="http://schemas.openxmlformats.org/officeDocument/2006/math">
+                    <m:r>
+                      <m:rPr>
+                        <m:sty m:val="p"/>
+                      </m:rPr>
+                      <a:rPr lang="en-US" altLang="ja-JP" sz="1000" b="0" i="0" smtClean="0">
+                        <a:solidFill>
+                          <a:schemeClr val="tx1"/>
+                        </a:solidFill>
+                        <a:latin typeface="Cambria Math" panose="02040503050406030204" pitchFamily="18" charset="0"/>
+                      </a:rPr>
+                      <m:t>where</m:t>
+                    </m:r>
+                    <m:r>
+                      <a:rPr lang="en-US" altLang="ja-JP" sz="1000" b="0" i="0" smtClean="0">
+                        <a:solidFill>
+                          <a:schemeClr val="tx1"/>
+                        </a:solidFill>
+                        <a:latin typeface="Cambria Math" panose="02040503050406030204" pitchFamily="18" charset="0"/>
+                      </a:rPr>
+                      <m:t> </m:t>
+                    </m:r>
+                    <m:r>
+                      <a:rPr lang="en-US" altLang="ja-JP" sz="1000" i="1" smtClean="0">
+                        <a:solidFill>
+                          <a:schemeClr val="tx1"/>
+                        </a:solidFill>
+                        <a:latin typeface="Cambria Math" panose="02040503050406030204" pitchFamily="18" charset="0"/>
+                      </a:rPr>
+                      <m:t>𝐴</m:t>
+                    </m:r>
+                    <m:d>
+                      <m:dPr>
+                        <m:ctrlPr>
+                          <a:rPr lang="en-US" altLang="ja-JP" sz="1000" i="1">
+                            <a:solidFill>
+                              <a:schemeClr val="tx1"/>
+                            </a:solidFill>
+                            <a:latin typeface="Cambria Math" panose="02040503050406030204" pitchFamily="18" charset="0"/>
+                          </a:rPr>
+                        </m:ctrlPr>
+                      </m:dPr>
+                      <m:e>
+                        <m:r>
+                          <a:rPr lang="en-US" altLang="ja-JP" sz="1000" b="1" i="1" smtClean="0">
+                            <a:solidFill>
+                              <a:schemeClr val="tx1"/>
+                            </a:solidFill>
+                            <a:latin typeface="Cambria Math" panose="02040503050406030204" pitchFamily="18" charset="0"/>
+                          </a:rPr>
+                          <m:t>𝒖</m:t>
+                        </m:r>
+                      </m:e>
+                    </m:d>
+                    <m:r>
+                      <a:rPr lang="en-US" altLang="ja-JP" sz="1000" b="1" i="1">
+                        <a:solidFill>
+                          <a:schemeClr val="tx1"/>
+                        </a:solidFill>
+                        <a:latin typeface="Cambria Math" panose="02040503050406030204" pitchFamily="18" charset="0"/>
+                      </a:rPr>
+                      <m:t>= </m:t>
+                    </m:r>
+                    <m:d>
+                      <m:dPr>
+                        <m:begChr m:val="{"/>
+                        <m:endChr m:val=""/>
+                        <m:ctrlPr>
+                          <a:rPr lang="en-US" altLang="ja-JP" sz="1000" b="0" i="1" smtClean="0">
+                            <a:solidFill>
+                              <a:schemeClr val="tx1"/>
+                            </a:solidFill>
+                            <a:latin typeface="Cambria Math" panose="02040503050406030204" pitchFamily="18" charset="0"/>
+                          </a:rPr>
+                        </m:ctrlPr>
+                      </m:dPr>
+                      <m:e>
+                        <m:eqArr>
+                          <m:eqArrPr>
+                            <m:ctrlPr>
+                              <a:rPr lang="en-US" altLang="ja-JP" sz="1000" b="0" i="1" smtClean="0">
+                                <a:solidFill>
+                                  <a:schemeClr val="tx1"/>
+                                </a:solidFill>
+                                <a:latin typeface="Cambria Math" panose="02040503050406030204" pitchFamily="18" charset="0"/>
+                              </a:rPr>
+                            </m:ctrlPr>
+                          </m:eqArrPr>
+                          <m:e>
+                            <m:r>
+                              <a:rPr lang="en-US" altLang="ja-JP" sz="1000" b="0" i="1" smtClean="0">
+                                <a:solidFill>
+                                  <a:schemeClr val="tx1"/>
+                                </a:solidFill>
+                                <a:latin typeface="Cambria Math" panose="02040503050406030204" pitchFamily="18" charset="0"/>
+                              </a:rPr>
+                              <m:t>1 (</m:t>
+                            </m:r>
+                            <m:r>
+                              <a:rPr lang="en-US" altLang="ja-JP" sz="1000" b="0" i="1" smtClean="0">
+                                <a:solidFill>
+                                  <a:schemeClr val="tx1"/>
+                                </a:solidFill>
+                                <a:latin typeface="Cambria Math" panose="02040503050406030204" pitchFamily="18" charset="0"/>
+                              </a:rPr>
+                              <m:t>𝑢</m:t>
+                            </m:r>
+                            <m:r>
+                              <a:rPr lang="en-US" altLang="ja-JP" sz="1000" b="0" i="1" smtClean="0">
+                                <a:solidFill>
+                                  <a:schemeClr val="tx1"/>
+                                </a:solidFill>
+                                <a:latin typeface="Cambria Math" panose="02040503050406030204" pitchFamily="18" charset="0"/>
+                                <a:ea typeface="Cambria Math" panose="02040503050406030204" pitchFamily="18" charset="0"/>
+                              </a:rPr>
+                              <m:t>≤</m:t>
+                            </m:r>
+                            <m:r>
+                              <a:rPr lang="ja-JP" altLang="en-US" sz="1000" b="0" i="1" smtClean="0">
+                                <a:solidFill>
+                                  <a:schemeClr val="tx1"/>
+                                </a:solidFill>
+                                <a:latin typeface="Cambria Math" panose="02040503050406030204" pitchFamily="18" charset="0"/>
+                                <a:ea typeface="Cambria Math" panose="02040503050406030204" pitchFamily="18" charset="0"/>
+                              </a:rPr>
+                              <m:t>𝛼</m:t>
+                            </m:r>
+                            <m:r>
+                              <a:rPr lang="en-US" altLang="ja-JP" sz="1000" b="0" i="1" smtClean="0">
+                                <a:solidFill>
+                                  <a:schemeClr val="tx1"/>
+                                </a:solidFill>
+                                <a:latin typeface="Cambria Math" panose="02040503050406030204" pitchFamily="18" charset="0"/>
+                              </a:rPr>
+                              <m:t>)</m:t>
+                            </m:r>
+                          </m:e>
+                          <m:e>
+                            <m:r>
+                              <a:rPr lang="en-US" altLang="ja-JP" sz="1000" b="0" i="1" smtClean="0">
+                                <a:solidFill>
+                                  <a:schemeClr val="tx1"/>
+                                </a:solidFill>
+                                <a:latin typeface="Cambria Math" panose="02040503050406030204" pitchFamily="18" charset="0"/>
+                              </a:rPr>
+                              <m:t>0</m:t>
+                            </m:r>
+                            <m:r>
+                              <a:rPr lang="en-US" altLang="ja-JP" sz="1000" i="1">
+                                <a:solidFill>
+                                  <a:schemeClr val="tx1"/>
+                                </a:solidFill>
+                                <a:latin typeface="Cambria Math" panose="02040503050406030204" pitchFamily="18" charset="0"/>
+                              </a:rPr>
+                              <m:t> (</m:t>
+                            </m:r>
+                            <m:r>
+                              <a:rPr lang="en-US" altLang="ja-JP" sz="1000" i="1">
+                                <a:solidFill>
+                                  <a:schemeClr val="tx1"/>
+                                </a:solidFill>
+                                <a:latin typeface="Cambria Math" panose="02040503050406030204" pitchFamily="18" charset="0"/>
+                              </a:rPr>
+                              <m:t>𝑢</m:t>
+                            </m:r>
+                            <m:r>
+                              <a:rPr lang="en-US" altLang="ja-JP" sz="1000" i="1" smtClean="0">
+                                <a:solidFill>
+                                  <a:schemeClr val="tx1"/>
+                                </a:solidFill>
+                                <a:latin typeface="Cambria Math" panose="02040503050406030204" pitchFamily="18" charset="0"/>
+                              </a:rPr>
+                              <m:t>&gt;</m:t>
+                            </m:r>
+                            <m:r>
+                              <a:rPr lang="ja-JP" altLang="en-US" sz="1000" i="1">
+                                <a:solidFill>
+                                  <a:schemeClr val="tx1"/>
+                                </a:solidFill>
+                                <a:latin typeface="Cambria Math" panose="02040503050406030204" pitchFamily="18" charset="0"/>
+                                <a:ea typeface="Cambria Math" panose="02040503050406030204" pitchFamily="18" charset="0"/>
+                              </a:rPr>
+                              <m:t>𝛼</m:t>
+                            </m:r>
+                            <m:r>
+                              <a:rPr lang="en-US" altLang="ja-JP" sz="1000" i="1">
+                                <a:solidFill>
+                                  <a:schemeClr val="tx1"/>
+                                </a:solidFill>
+                                <a:latin typeface="Cambria Math" panose="02040503050406030204" pitchFamily="18" charset="0"/>
+                              </a:rPr>
+                              <m:t>)</m:t>
+                            </m:r>
+                          </m:e>
+                        </m:eqArr>
+                      </m:e>
+                    </m:d>
+                    <m:r>
+                      <a:rPr lang="en-US" altLang="ja-JP" sz="1000" b="0" i="1" smtClean="0">
+                        <a:solidFill>
+                          <a:schemeClr val="tx1"/>
+                        </a:solidFill>
+                        <a:latin typeface="Cambria Math" panose="02040503050406030204" pitchFamily="18" charset="0"/>
+                      </a:rPr>
+                      <m:t> ,</m:t>
+                    </m:r>
+                    <m:r>
+                      <a:rPr lang="en-US" altLang="ja-JP" sz="1000" i="1">
+                        <a:solidFill>
+                          <a:schemeClr val="tx1"/>
+                        </a:solidFill>
+                        <a:latin typeface="Cambria Math" panose="02040503050406030204" pitchFamily="18" charset="0"/>
+                      </a:rPr>
+                      <m:t>𝑊</m:t>
+                    </m:r>
+                    <m:d>
+                      <m:dPr>
+                        <m:ctrlPr>
+                          <a:rPr lang="en-US" altLang="ja-JP" sz="1000" i="1">
+                            <a:solidFill>
+                              <a:schemeClr val="tx1"/>
+                            </a:solidFill>
+                            <a:latin typeface="Cambria Math" panose="02040503050406030204" pitchFamily="18" charset="0"/>
+                          </a:rPr>
+                        </m:ctrlPr>
+                      </m:dPr>
+                      <m:e>
+                        <m:r>
+                          <a:rPr lang="en-US" altLang="ja-JP" sz="1000" b="1" i="1">
+                            <a:solidFill>
+                              <a:schemeClr val="tx1"/>
+                            </a:solidFill>
+                            <a:latin typeface="Cambria Math" panose="02040503050406030204" pitchFamily="18" charset="0"/>
+                          </a:rPr>
+                          <m:t>𝒖</m:t>
+                        </m:r>
+                      </m:e>
+                    </m:d>
+                    <m:r>
+                      <a:rPr lang="en-US" altLang="ja-JP" sz="1000" b="0" i="1" smtClean="0">
+                        <a:solidFill>
+                          <a:schemeClr val="tx1"/>
+                        </a:solidFill>
+                        <a:latin typeface="Cambria Math" panose="02040503050406030204" pitchFamily="18" charset="0"/>
+                      </a:rPr>
+                      <m:t>=</m:t>
+                    </m:r>
+                    <m:f>
+                      <m:fPr>
+                        <m:ctrlPr>
+                          <a:rPr lang="en-US" altLang="ja-JP" sz="1000" b="0" i="1" smtClean="0">
+                            <a:solidFill>
+                              <a:schemeClr val="tx1"/>
+                            </a:solidFill>
+                            <a:latin typeface="Cambria Math" panose="02040503050406030204" pitchFamily="18" charset="0"/>
+                          </a:rPr>
+                        </m:ctrlPr>
+                      </m:fPr>
+                      <m:num>
+                        <m:r>
+                          <a:rPr lang="el-GR" altLang="ja-JP" sz="1000" i="1">
+                            <a:latin typeface="Cambria Math" panose="02040503050406030204" pitchFamily="18" charset="0"/>
+                            <a:ea typeface="Cambria Math" panose="02040503050406030204" pitchFamily="18" charset="0"/>
+                          </a:rPr>
+                          <m:t>𝜋</m:t>
+                        </m:r>
+                        <m:r>
+                          <a:rPr lang="en-US" altLang="ja-JP" sz="1000" i="1">
+                            <a:latin typeface="Cambria Math" panose="02040503050406030204" pitchFamily="18" charset="0"/>
+                            <a:ea typeface="Cambria Math" panose="02040503050406030204" pitchFamily="18" charset="0"/>
+                          </a:rPr>
+                          <m:t> </m:t>
+                        </m:r>
+                        <m:r>
+                          <a:rPr lang="ja-JP" altLang="el-GR" sz="1000" i="1">
+                            <a:latin typeface="Cambria Math" panose="02040503050406030204" pitchFamily="18" charset="0"/>
+                            <a:ea typeface="Cambria Math" panose="02040503050406030204" pitchFamily="18" charset="0"/>
+                          </a:rPr>
+                          <m:t>𝜆</m:t>
+                        </m:r>
+                        <m:r>
+                          <a:rPr lang="en-US" altLang="ja-JP" sz="1000" i="1">
+                            <a:latin typeface="Cambria Math" panose="02040503050406030204" pitchFamily="18" charset="0"/>
+                            <a:ea typeface="Cambria Math" panose="02040503050406030204" pitchFamily="18" charset="0"/>
+                          </a:rPr>
+                          <m:t> </m:t>
+                        </m:r>
+                        <m:sSup>
+                          <m:sSupPr>
+                            <m:ctrlPr>
+                              <a:rPr lang="en-US" altLang="ja-JP" sz="1000" i="1">
+                                <a:latin typeface="Cambria Math" panose="02040503050406030204" pitchFamily="18" charset="0"/>
+                                <a:ea typeface="Cambria Math" panose="02040503050406030204" pitchFamily="18" charset="0"/>
+                              </a:rPr>
+                            </m:ctrlPr>
+                          </m:sSupPr>
+                          <m:e>
+                            <m:r>
+                              <a:rPr lang="en-US" altLang="ja-JP" sz="1000" b="1" i="1">
+                                <a:latin typeface="Cambria Math" panose="02040503050406030204" pitchFamily="18" charset="0"/>
+                                <a:ea typeface="Cambria Math" panose="02040503050406030204" pitchFamily="18" charset="0"/>
+                              </a:rPr>
+                              <m:t>𝒖</m:t>
+                            </m:r>
+                          </m:e>
+                          <m:sup>
+                            <m:r>
+                              <a:rPr lang="en-US" altLang="ja-JP" sz="1000" i="1">
+                                <a:latin typeface="Cambria Math" panose="02040503050406030204" pitchFamily="18" charset="0"/>
+                                <a:ea typeface="Cambria Math" panose="02040503050406030204" pitchFamily="18" charset="0"/>
+                              </a:rPr>
+                              <m:t>2</m:t>
+                            </m:r>
+                          </m:sup>
+                        </m:sSup>
+                        <m:d>
+                          <m:dPr>
+                            <m:ctrlPr>
+                              <a:rPr lang="en-US" altLang="ja-JP" sz="1000" i="1">
+                                <a:latin typeface="Cambria Math" panose="02040503050406030204" pitchFamily="18" charset="0"/>
+                                <a:ea typeface="Cambria Math" panose="02040503050406030204" pitchFamily="18" charset="0"/>
+                              </a:rPr>
+                            </m:ctrlPr>
+                          </m:dPr>
+                          <m:e>
+                            <m:r>
+                              <m:rPr>
+                                <m:sty m:val="p"/>
+                              </m:rPr>
+                              <a:rPr lang="el-GR" altLang="ja-JP" sz="1000" i="1">
+                                <a:latin typeface="Cambria Math" panose="02040503050406030204" pitchFamily="18" charset="0"/>
+                                <a:ea typeface="Cambria Math" panose="02040503050406030204" pitchFamily="18" charset="0"/>
+                              </a:rPr>
+                              <m:t>Δ</m:t>
+                            </m:r>
+                            <m:r>
+                              <a:rPr lang="en-US" altLang="ja-JP" sz="1000" i="1">
+                                <a:latin typeface="Cambria Math" panose="02040503050406030204" pitchFamily="18" charset="0"/>
+                                <a:ea typeface="Cambria Math" panose="02040503050406030204" pitchFamily="18" charset="0"/>
+                              </a:rPr>
+                              <m:t>𝑓</m:t>
+                            </m:r>
+                            <m:r>
+                              <a:rPr lang="en-US" altLang="ja-JP" sz="1000" i="1">
+                                <a:latin typeface="Cambria Math" panose="02040503050406030204" pitchFamily="18" charset="0"/>
+                                <a:ea typeface="Cambria Math" panose="02040503050406030204" pitchFamily="18" charset="0"/>
+                              </a:rPr>
+                              <m:t>+</m:t>
+                            </m:r>
+                            <m:sSub>
+                              <m:sSubPr>
+                                <m:ctrlPr>
+                                  <a:rPr lang="en-US" altLang="ja-JP" sz="1000" i="1">
+                                    <a:latin typeface="Cambria Math" panose="02040503050406030204" pitchFamily="18" charset="0"/>
+                                    <a:ea typeface="Cambria Math" panose="02040503050406030204" pitchFamily="18" charset="0"/>
+                                  </a:rPr>
+                                </m:ctrlPr>
+                              </m:sSubPr>
+                              <m:e>
+                                <m:r>
+                                  <a:rPr lang="en-US" altLang="ja-JP" sz="1000" i="1">
+                                    <a:latin typeface="Cambria Math" panose="02040503050406030204" pitchFamily="18" charset="0"/>
+                                    <a:ea typeface="Cambria Math" panose="02040503050406030204" pitchFamily="18" charset="0"/>
+                                  </a:rPr>
+                                  <m:t>𝐶</m:t>
+                                </m:r>
+                              </m:e>
+                              <m:sub>
+                                <m:r>
+                                  <m:rPr>
+                                    <m:sty m:val="p"/>
+                                  </m:rPr>
+                                  <a:rPr lang="en-US" altLang="ja-JP" sz="1000">
+                                    <a:latin typeface="Cambria Math" panose="02040503050406030204" pitchFamily="18" charset="0"/>
+                                    <a:ea typeface="Cambria Math" panose="02040503050406030204" pitchFamily="18" charset="0"/>
+                                  </a:rPr>
+                                  <m:t>s</m:t>
+                                </m:r>
+                              </m:sub>
+                            </m:sSub>
+                            <m:sSup>
+                              <m:sSupPr>
+                                <m:ctrlPr>
+                                  <a:rPr lang="en-US" altLang="ja-JP" sz="1000" i="1">
+                                    <a:latin typeface="Cambria Math" panose="02040503050406030204" pitchFamily="18" charset="0"/>
+                                    <a:ea typeface="Cambria Math" panose="02040503050406030204" pitchFamily="18" charset="0"/>
+                                  </a:rPr>
+                                </m:ctrlPr>
+                              </m:sSupPr>
+                              <m:e>
+                                <m:r>
+                                  <a:rPr lang="en-US" altLang="ja-JP" sz="1000" b="1" i="1">
+                                    <a:latin typeface="Cambria Math" panose="02040503050406030204" pitchFamily="18" charset="0"/>
+                                    <a:ea typeface="Cambria Math" panose="02040503050406030204" pitchFamily="18" charset="0"/>
+                                  </a:rPr>
+                                  <m:t>𝒖</m:t>
+                                </m:r>
+                              </m:e>
+                              <m:sup>
+                                <m:r>
+                                  <a:rPr lang="en-US" altLang="ja-JP" sz="1000" i="1">
+                                    <a:latin typeface="Cambria Math" panose="02040503050406030204" pitchFamily="18" charset="0"/>
+                                    <a:ea typeface="Cambria Math" panose="02040503050406030204" pitchFamily="18" charset="0"/>
+                                  </a:rPr>
+                                  <m:t>2</m:t>
+                                </m:r>
+                              </m:sup>
+                            </m:sSup>
+                            <m:sSup>
+                              <m:sSupPr>
+                                <m:ctrlPr>
+                                  <a:rPr lang="en-US" altLang="ja-JP" sz="1000" i="1">
+                                    <a:latin typeface="Cambria Math" panose="02040503050406030204" pitchFamily="18" charset="0"/>
+                                    <a:ea typeface="Cambria Math" panose="02040503050406030204" pitchFamily="18" charset="0"/>
+                                  </a:rPr>
+                                </m:ctrlPr>
+                              </m:sSupPr>
+                              <m:e>
+                                <m:r>
+                                  <a:rPr lang="ja-JP" altLang="en-US" sz="1000" i="1">
+                                    <a:latin typeface="Cambria Math" panose="02040503050406030204" pitchFamily="18" charset="0"/>
+                                    <a:ea typeface="Cambria Math" panose="02040503050406030204" pitchFamily="18" charset="0"/>
+                                  </a:rPr>
+                                  <m:t>𝜆</m:t>
+                                </m:r>
+                              </m:e>
+                              <m:sup>
+                                <m:r>
+                                  <a:rPr lang="en-US" altLang="ja-JP" sz="1000" i="1">
+                                    <a:latin typeface="Cambria Math" panose="02040503050406030204" pitchFamily="18" charset="0"/>
+                                    <a:ea typeface="Cambria Math" panose="02040503050406030204" pitchFamily="18" charset="0"/>
+                                  </a:rPr>
+                                  <m:t>2</m:t>
+                                </m:r>
+                              </m:sup>
+                            </m:sSup>
+                          </m:e>
+                        </m:d>
+                      </m:num>
+                      <m:den>
+                        <m:r>
+                          <a:rPr lang="en-US" altLang="ja-JP" sz="1000" b="0" i="1" smtClean="0">
+                            <a:solidFill>
+                              <a:schemeClr val="tx1"/>
+                            </a:solidFill>
+                            <a:latin typeface="Cambria Math" panose="02040503050406030204" pitchFamily="18" charset="0"/>
+                          </a:rPr>
+                          <m:t>2</m:t>
+                        </m:r>
+                      </m:den>
+                    </m:f>
+                    <m:r>
+                      <a:rPr lang="en-US" altLang="ja-JP" sz="1000" b="0" i="1" smtClean="0">
+                        <a:solidFill>
+                          <a:schemeClr val="tx1"/>
+                        </a:solidFill>
+                        <a:latin typeface="Cambria Math" panose="02040503050406030204" pitchFamily="18" charset="0"/>
+                        <a:ea typeface="Cambria Math" panose="02040503050406030204" pitchFamily="18" charset="0"/>
+                      </a:rPr>
+                      <m:t>,</m:t>
+                    </m:r>
+                    <m:r>
+                      <a:rPr lang="ja-JP" altLang="en-US" sz="1000" i="1">
+                        <a:solidFill>
+                          <a:schemeClr val="tx1"/>
+                        </a:solidFill>
+                        <a:latin typeface="Cambria Math" panose="02040503050406030204" pitchFamily="18" charset="0"/>
+                      </a:rPr>
+                      <m:t>　</m:t>
+                    </m:r>
+                    <m:sSub>
+                      <m:sSubPr>
+                        <m:ctrlPr>
+                          <a:rPr lang="en-US" altLang="ja-JP" sz="1000" i="1">
+                            <a:solidFill>
+                              <a:schemeClr val="tx1"/>
+                            </a:solidFill>
+                            <a:latin typeface="Cambria Math" panose="02040503050406030204" pitchFamily="18" charset="0"/>
+                          </a:rPr>
+                        </m:ctrlPr>
+                      </m:sSubPr>
+                      <m:e>
+                        <m:r>
+                          <a:rPr lang="en-US" altLang="ja-JP" sz="1000" i="1">
+                            <a:solidFill>
+                              <a:schemeClr val="tx1"/>
+                            </a:solidFill>
+                            <a:latin typeface="Cambria Math" panose="02040503050406030204" pitchFamily="18" charset="0"/>
+                          </a:rPr>
+                          <m:t>𝐸</m:t>
+                        </m:r>
+                      </m:e>
+                      <m:sub>
+                        <m:r>
+                          <a:rPr lang="en-US" altLang="ja-JP" sz="1000" i="1">
+                            <a:solidFill>
+                              <a:schemeClr val="tx1"/>
+                            </a:solidFill>
+                            <a:latin typeface="Cambria Math" panose="02040503050406030204" pitchFamily="18" charset="0"/>
+                          </a:rPr>
+                          <m:t>𝑠</m:t>
+                        </m:r>
+                      </m:sub>
+                    </m:sSub>
+                    <m:d>
+                      <m:dPr>
+                        <m:ctrlPr>
+                          <a:rPr lang="en-US" altLang="ja-JP" sz="1000" i="1">
+                            <a:solidFill>
+                              <a:schemeClr val="tx1"/>
+                            </a:solidFill>
+                            <a:latin typeface="Cambria Math" panose="02040503050406030204" pitchFamily="18" charset="0"/>
+                          </a:rPr>
+                        </m:ctrlPr>
+                      </m:dPr>
+                      <m:e>
+                        <m:r>
+                          <a:rPr lang="en-US" altLang="ja-JP" sz="1000" b="1" i="1">
+                            <a:solidFill>
+                              <a:schemeClr val="tx1"/>
+                            </a:solidFill>
+                            <a:latin typeface="Cambria Math" panose="02040503050406030204" pitchFamily="18" charset="0"/>
+                          </a:rPr>
+                          <m:t>𝒖</m:t>
+                        </m:r>
+                      </m:e>
+                    </m:d>
+                    <m:r>
+                      <a:rPr lang="en-US" altLang="ja-JP" sz="1000" i="1">
+                        <a:solidFill>
+                          <a:schemeClr val="tx1"/>
+                        </a:solidFill>
+                        <a:latin typeface="Cambria Math" panose="02040503050406030204" pitchFamily="18" charset="0"/>
+                      </a:rPr>
+                      <m:t>=</m:t>
+                    </m:r>
+                    <m:func>
+                      <m:funcPr>
+                        <m:ctrlPr>
+                          <a:rPr lang="en-US" altLang="ja-JP" sz="1000" i="1">
+                            <a:solidFill>
+                              <a:schemeClr val="tx1"/>
+                            </a:solidFill>
+                            <a:latin typeface="Cambria Math" panose="02040503050406030204" pitchFamily="18" charset="0"/>
+                          </a:rPr>
+                        </m:ctrlPr>
+                      </m:funcPr>
+                      <m:fName>
+                        <m:r>
+                          <m:rPr>
+                            <m:sty m:val="p"/>
+                          </m:rPr>
+                          <a:rPr lang="en-US" altLang="ja-JP" sz="1000">
+                            <a:solidFill>
+                              <a:schemeClr val="tx1"/>
+                            </a:solidFill>
+                            <a:latin typeface="Cambria Math" panose="02040503050406030204" pitchFamily="18" charset="0"/>
+                          </a:rPr>
+                          <m:t>exp</m:t>
+                        </m:r>
+                      </m:fName>
+                      <m:e>
+                        <m:d>
+                          <m:dPr>
+                            <m:begChr m:val="["/>
+                            <m:endChr m:val="]"/>
+                            <m:ctrlPr>
+                              <a:rPr lang="en-US" altLang="ja-JP" sz="1000" i="1">
+                                <a:solidFill>
+                                  <a:schemeClr val="tx1"/>
+                                </a:solidFill>
+                                <a:latin typeface="Cambria Math" panose="02040503050406030204" pitchFamily="18" charset="0"/>
+                              </a:rPr>
+                            </m:ctrlPr>
+                          </m:dPr>
+                          <m:e>
+                            <m:r>
+                              <a:rPr kumimoji="1" lang="en-US" altLang="ja-JP" sz="1000" i="1">
+                                <a:solidFill>
+                                  <a:schemeClr val="tx1"/>
+                                </a:solidFill>
+                                <a:latin typeface="Cambria Math" panose="02040503050406030204" pitchFamily="18" charset="0"/>
+                              </a:rPr>
+                              <m:t>−</m:t>
+                            </m:r>
+                            <m:sSup>
+                              <m:sSupPr>
+                                <m:ctrlPr>
+                                  <a:rPr kumimoji="1" lang="en-US" altLang="ja-JP" sz="1000" i="1">
+                                    <a:solidFill>
+                                      <a:schemeClr val="tx1"/>
+                                    </a:solidFill>
+                                    <a:latin typeface="Cambria Math" panose="02040503050406030204" pitchFamily="18" charset="0"/>
+                                  </a:rPr>
+                                </m:ctrlPr>
+                              </m:sSupPr>
+                              <m:e>
+                                <m:r>
+                                  <a:rPr kumimoji="1" lang="en-US" altLang="ja-JP" sz="1000" i="1">
+                                    <a:solidFill>
+                                      <a:schemeClr val="tx1"/>
+                                    </a:solidFill>
+                                    <a:latin typeface="Cambria Math" panose="02040503050406030204" pitchFamily="18" charset="0"/>
+                                  </a:rPr>
+                                  <m:t>2</m:t>
+                                </m:r>
+                                <m:r>
+                                  <a:rPr kumimoji="1" lang="en-US" altLang="ja-JP" sz="1000" i="1">
+                                    <a:solidFill>
+                                      <a:schemeClr val="tx1"/>
+                                    </a:solidFill>
+                                    <a:latin typeface="Cambria Math" panose="02040503050406030204" pitchFamily="18" charset="0"/>
+                                  </a:rPr>
+                                  <m:t>𝜋</m:t>
+                                </m:r>
+                              </m:e>
+                              <m:sup>
+                                <m:r>
+                                  <a:rPr kumimoji="1" lang="en-US" altLang="ja-JP" sz="1000" i="1">
+                                    <a:solidFill>
+                                      <a:schemeClr val="tx1"/>
+                                    </a:solidFill>
+                                    <a:latin typeface="Cambria Math" panose="02040503050406030204" pitchFamily="18" charset="0"/>
+                                  </a:rPr>
+                                  <m:t>2</m:t>
+                                </m:r>
+                              </m:sup>
+                            </m:sSup>
+                            <m:sSubSup>
+                              <m:sSubSupPr>
+                                <m:ctrlPr>
+                                  <a:rPr kumimoji="1" lang="en-US" altLang="ja-JP" sz="1000" i="1">
+                                    <a:solidFill>
+                                      <a:schemeClr val="tx1"/>
+                                    </a:solidFill>
+                                    <a:latin typeface="Cambria Math" panose="02040503050406030204" pitchFamily="18" charset="0"/>
+                                  </a:rPr>
+                                </m:ctrlPr>
+                              </m:sSubSupPr>
+                              <m:e>
+                                <m:r>
+                                  <a:rPr kumimoji="1" lang="en-US" altLang="ja-JP" sz="1000" i="1">
+                                    <a:solidFill>
+                                      <a:schemeClr val="tx1"/>
+                                    </a:solidFill>
+                                    <a:latin typeface="Cambria Math" panose="02040503050406030204" pitchFamily="18" charset="0"/>
+                                  </a:rPr>
+                                  <m:t>𝜎</m:t>
+                                </m:r>
+                              </m:e>
+                              <m:sub>
+                                <m:r>
+                                  <a:rPr kumimoji="1" lang="en-US" altLang="ja-JP" sz="1000" i="1">
+                                    <a:solidFill>
+                                      <a:schemeClr val="tx1"/>
+                                    </a:solidFill>
+                                    <a:latin typeface="Cambria Math" panose="02040503050406030204" pitchFamily="18" charset="0"/>
+                                  </a:rPr>
+                                  <m:t>𝑠</m:t>
+                                </m:r>
+                              </m:sub>
+                              <m:sup>
+                                <m:r>
+                                  <a:rPr kumimoji="1" lang="en-US" altLang="ja-JP" sz="1000" i="1">
+                                    <a:solidFill>
+                                      <a:schemeClr val="tx1"/>
+                                    </a:solidFill>
+                                    <a:latin typeface="Cambria Math" panose="02040503050406030204" pitchFamily="18" charset="0"/>
+                                  </a:rPr>
+                                  <m:t>2</m:t>
+                                </m:r>
+                              </m:sup>
+                            </m:sSubSup>
+                            <m:sSup>
+                              <m:sSupPr>
+                                <m:ctrlPr>
+                                  <a:rPr kumimoji="1" lang="en-US" altLang="ja-JP" sz="1000" i="1">
+                                    <a:solidFill>
+                                      <a:schemeClr val="tx1"/>
+                                    </a:solidFill>
+                                    <a:latin typeface="Cambria Math" panose="02040503050406030204" pitchFamily="18" charset="0"/>
+                                  </a:rPr>
+                                </m:ctrlPr>
+                              </m:sSupPr>
+                              <m:e>
+                                <m:r>
+                                  <a:rPr kumimoji="1" lang="en-US" altLang="ja-JP" sz="1000" b="1" i="1">
+                                    <a:solidFill>
+                                      <a:schemeClr val="tx1"/>
+                                    </a:solidFill>
+                                    <a:latin typeface="Cambria Math" panose="02040503050406030204" pitchFamily="18" charset="0"/>
+                                  </a:rPr>
+                                  <m:t>𝒖</m:t>
+                                </m:r>
+                              </m:e>
+                              <m:sup>
+                                <m:r>
+                                  <a:rPr kumimoji="1" lang="en-US" altLang="ja-JP" sz="1000" i="1">
+                                    <a:solidFill>
+                                      <a:schemeClr val="tx1"/>
+                                    </a:solidFill>
+                                    <a:latin typeface="Cambria Math" panose="02040503050406030204" pitchFamily="18" charset="0"/>
+                                  </a:rPr>
+                                  <m:t>2</m:t>
+                                </m:r>
+                              </m:sup>
+                            </m:sSup>
+                          </m:e>
+                        </m:d>
+                      </m:e>
+                    </m:func>
+                    <m:r>
+                      <a:rPr kumimoji="1" lang="en-US" altLang="ja-JP" sz="1000" b="0" i="1" smtClean="0">
+                        <a:solidFill>
+                          <a:schemeClr val="tx1"/>
+                        </a:solidFill>
+                        <a:latin typeface="Cambria Math" panose="02040503050406030204" pitchFamily="18" charset="0"/>
+                      </a:rPr>
+                      <m:t>  </m:t>
+                    </m:r>
+                  </m:oMath>
+                </a14:m>
+                <a:endParaRPr lang="ja-JP" altLang="en-US" sz="1000" dirty="0">
+                  <a:solidFill>
+                    <a:schemeClr val="tx1"/>
+                  </a:solidFill>
+                </a:endParaRPr>
+              </a:p>
+              <a:p>
+                <a:pPr/>
+                <a:endParaRPr kumimoji="1" lang="ja-JP" altLang="en-US" sz="1000" b="1" i="1" dirty="0">
+                  <a:solidFill>
+                    <a:schemeClr val="tx1"/>
+                  </a:solidFill>
+                </a:endParaRPr>
+              </a:p>
+            </p:txBody>
+          </p:sp>
+        </mc:Choice>
+        <mc:Fallback>
+          <p:sp>
+            <p:nvSpPr>
+              <p:cNvPr id="17" name="テキスト ボックス 16">
+                <a:extLst>
+                  <a:ext uri="{FF2B5EF4-FFF2-40B4-BE49-F238E27FC236}">
+                    <a16:creationId xmlns:a16="http://schemas.microsoft.com/office/drawing/2014/main" id="{0825A6F2-89BD-E480-F6AA-4E8DF26A3183}"/>
+                  </a:ext>
+                </a:extLst>
+              </p:cNvPr>
+              <p:cNvSpPr txBox="1">
+                <a:spLocks noRot="1" noChangeAspect="1" noMove="1" noResize="1" noEditPoints="1" noAdjustHandles="1" noChangeArrowheads="1" noChangeShapeType="1" noTextEdit="1"/>
+              </p:cNvSpPr>
+              <p:nvPr/>
+            </p:nvSpPr>
+            <p:spPr>
+              <a:xfrm>
+                <a:off x="3245678" y="3029460"/>
+                <a:ext cx="5405123" cy="732573"/>
+              </a:xfrm>
+              <a:prstGeom prst="rect">
+                <a:avLst/>
+              </a:prstGeom>
+              <a:blipFill>
+                <a:blip r:embed="rId9"/>
+                <a:stretch>
+                  <a:fillRect l="-789" t="-80000" b="-135833"/>
+                </a:stretch>
+              </a:blipFill>
+            </p:spPr>
+            <p:txBody>
+              <a:bodyPr/>
+              <a:lstStyle/>
+              <a:p>
+                <a:r>
+                  <a:rPr lang="ja-JP" altLang="en-US">
+                    <a:noFill/>
+                  </a:rPr>
+                  <a:t> </a:t>
+                </a:r>
+              </a:p>
+            </p:txBody>
+          </p:sp>
+        </mc:Fallback>
+      </mc:AlternateContent>
+      <mc:AlternateContent xmlns:mc="http://schemas.openxmlformats.org/markup-compatibility/2006">
+        <mc:Choice xmlns:a14="http://schemas.microsoft.com/office/drawing/2010/main" Requires="a14">
+          <p:sp>
+            <p:nvSpPr>
+              <p:cNvPr id="20" name="正方形/長方形 19">
+                <a:extLst>
+                  <a:ext uri="{FF2B5EF4-FFF2-40B4-BE49-F238E27FC236}">
+                    <a16:creationId xmlns:a16="http://schemas.microsoft.com/office/drawing/2014/main" id="{127E0E77-3C63-6901-83CE-E178DB05CA75}"/>
+                  </a:ext>
+                </a:extLst>
+              </p:cNvPr>
+              <p:cNvSpPr/>
+              <p:nvPr/>
+            </p:nvSpPr>
+            <p:spPr>
+              <a:xfrm>
+                <a:off x="3053233" y="1433858"/>
+                <a:ext cx="1384738" cy="153888"/>
+              </a:xfrm>
+              <a:prstGeom prst="rect">
+                <a:avLst/>
+              </a:prstGeom>
+            </p:spPr>
+            <p:txBody>
+              <a:bodyPr wrap="none" lIns="0" tIns="0" rIns="0" bIns="0">
+                <a:spAutoFit/>
+              </a:bodyPr>
+              <a:lstStyle/>
+              <a:p>
+                <a:pPr/>
+                <a14:m>
+                  <m:oMathPara xmlns:m="http://schemas.openxmlformats.org/officeDocument/2006/math">
+                    <m:oMathParaPr>
+                      <m:jc m:val="left"/>
+                    </m:oMathParaPr>
+                    <m:oMath xmlns:m="http://schemas.openxmlformats.org/officeDocument/2006/math">
+                      <m:sSub>
+                        <m:sSubPr>
+                          <m:ctrlPr>
+                            <a:rPr lang="en-US" altLang="ja-JP" sz="1000" b="0" i="1" smtClean="0">
+                              <a:solidFill>
+                                <a:srgbClr val="007D00"/>
+                              </a:solidFill>
+                              <a:latin typeface="Cambria Math" panose="02040503050406030204" pitchFamily="18" charset="0"/>
+                            </a:rPr>
+                          </m:ctrlPr>
+                        </m:sSubPr>
+                        <m:e>
+                          <m:r>
+                            <a:rPr lang="en-US" altLang="ja-JP" sz="1000" i="1" smtClean="0">
+                              <a:solidFill>
+                                <a:srgbClr val="007D00"/>
+                              </a:solidFill>
+                              <a:latin typeface="Cambria Math" panose="02040503050406030204" pitchFamily="18" charset="0"/>
+                            </a:rPr>
+                            <m:t>𝐸</m:t>
+                          </m:r>
+                        </m:e>
+                        <m:sub>
+                          <m:r>
+                            <a:rPr lang="en-US" altLang="ja-JP" sz="1000" b="0" i="1" smtClean="0">
+                              <a:solidFill>
+                                <a:srgbClr val="007D00"/>
+                              </a:solidFill>
+                              <a:latin typeface="Cambria Math" panose="02040503050406030204" pitchFamily="18" charset="0"/>
+                            </a:rPr>
+                            <m:t>𝑠</m:t>
+                          </m:r>
+                        </m:sub>
+                      </m:sSub>
+                      <m:r>
+                        <a:rPr lang="en-US" altLang="ja-JP" sz="1000" b="0" i="0" smtClean="0">
+                          <a:solidFill>
+                            <a:srgbClr val="007D00"/>
+                          </a:solidFill>
+                          <a:latin typeface="Cambria Math" panose="02040503050406030204" pitchFamily="18" charset="0"/>
+                        </a:rPr>
+                        <m:t>(</m:t>
+                      </m:r>
+                      <m:r>
+                        <a:rPr lang="en-US" altLang="ja-JP" sz="1000" b="1" i="1" smtClean="0">
+                          <a:solidFill>
+                            <a:srgbClr val="007D00"/>
+                          </a:solidFill>
+                          <a:latin typeface="Cambria Math" panose="02040503050406030204" pitchFamily="18" charset="0"/>
+                        </a:rPr>
+                        <m:t>𝒖</m:t>
+                      </m:r>
+                      <m:r>
+                        <a:rPr lang="en-US" altLang="ja-JP" sz="1000" b="0" i="1" smtClean="0">
+                          <a:solidFill>
+                            <a:srgbClr val="007D00"/>
+                          </a:solidFill>
+                          <a:latin typeface="Cambria Math" panose="02040503050406030204" pitchFamily="18" charset="0"/>
+                        </a:rPr>
+                        <m:t>)</m:t>
+                      </m:r>
+                      <m:r>
+                        <a:rPr lang="en-US" altLang="ja-JP" sz="1000" i="1">
+                          <a:solidFill>
+                            <a:srgbClr val="007D00"/>
+                          </a:solidFill>
+                          <a:latin typeface="Cambria Math" panose="02040503050406030204" pitchFamily="18" charset="0"/>
+                        </a:rPr>
+                        <m:t>=</m:t>
+                      </m:r>
+                      <m:func>
+                        <m:funcPr>
+                          <m:ctrlPr>
+                            <a:rPr lang="en-US" altLang="ja-JP" sz="1000" i="1">
+                              <a:solidFill>
+                                <a:srgbClr val="007D00"/>
+                              </a:solidFill>
+                              <a:latin typeface="Cambria Math" panose="02040503050406030204" pitchFamily="18" charset="0"/>
+                            </a:rPr>
+                          </m:ctrlPr>
+                        </m:funcPr>
+                        <m:fName>
+                          <m:r>
+                            <m:rPr>
+                              <m:sty m:val="p"/>
+                            </m:rPr>
+                            <a:rPr lang="en-US" altLang="ja-JP" sz="1000" b="0" i="0" smtClean="0">
+                              <a:solidFill>
+                                <a:srgbClr val="007D00"/>
+                              </a:solidFill>
+                              <a:latin typeface="Cambria Math" panose="02040503050406030204" pitchFamily="18" charset="0"/>
+                            </a:rPr>
+                            <m:t>exp</m:t>
+                          </m:r>
+                        </m:fName>
+                        <m:e>
+                          <m:d>
+                            <m:dPr>
+                              <m:begChr m:val="["/>
+                              <m:endChr m:val="]"/>
+                              <m:ctrlPr>
+                                <a:rPr lang="en-US" altLang="ja-JP" sz="1000" i="1">
+                                  <a:solidFill>
+                                    <a:srgbClr val="007D00"/>
+                                  </a:solidFill>
+                                  <a:latin typeface="Cambria Math" panose="02040503050406030204" pitchFamily="18" charset="0"/>
+                                </a:rPr>
+                              </m:ctrlPr>
+                            </m:dPr>
+                            <m:e>
+                              <m:r>
+                                <a:rPr kumimoji="1" lang="en-US" altLang="ja-JP" sz="1000" i="1">
+                                  <a:solidFill>
+                                    <a:srgbClr val="007D00"/>
+                                  </a:solidFill>
+                                  <a:latin typeface="Cambria Math" panose="02040503050406030204" pitchFamily="18" charset="0"/>
+                                </a:rPr>
+                                <m:t>−</m:t>
+                              </m:r>
+                              <m:sSup>
+                                <m:sSupPr>
+                                  <m:ctrlPr>
+                                    <a:rPr kumimoji="1" lang="en-US" altLang="ja-JP" sz="1000" i="1">
+                                      <a:solidFill>
+                                        <a:srgbClr val="007D00"/>
+                                      </a:solidFill>
+                                      <a:latin typeface="Cambria Math" panose="02040503050406030204" pitchFamily="18" charset="0"/>
+                                    </a:rPr>
+                                  </m:ctrlPr>
+                                </m:sSupPr>
+                                <m:e>
+                                  <m:r>
+                                    <a:rPr kumimoji="1" lang="en-US" altLang="ja-JP" sz="1000" i="1">
+                                      <a:solidFill>
+                                        <a:srgbClr val="007D00"/>
+                                      </a:solidFill>
+                                      <a:latin typeface="Cambria Math" panose="02040503050406030204" pitchFamily="18" charset="0"/>
+                                    </a:rPr>
+                                    <m:t>2</m:t>
+                                  </m:r>
+                                  <m:r>
+                                    <a:rPr kumimoji="1" lang="en-US" altLang="ja-JP" sz="1000" i="1">
+                                      <a:solidFill>
+                                        <a:srgbClr val="007D00"/>
+                                      </a:solidFill>
+                                      <a:latin typeface="Cambria Math" panose="02040503050406030204" pitchFamily="18" charset="0"/>
+                                    </a:rPr>
+                                    <m:t>𝜋</m:t>
+                                  </m:r>
+                                </m:e>
+                                <m:sup>
+                                  <m:r>
+                                    <a:rPr kumimoji="1" lang="en-US" altLang="ja-JP" sz="1000" i="1">
+                                      <a:solidFill>
+                                        <a:srgbClr val="007D00"/>
+                                      </a:solidFill>
+                                      <a:latin typeface="Cambria Math" panose="02040503050406030204" pitchFamily="18" charset="0"/>
+                                    </a:rPr>
+                                    <m:t>2</m:t>
+                                  </m:r>
+                                </m:sup>
+                              </m:sSup>
+                              <m:sSubSup>
+                                <m:sSubSupPr>
+                                  <m:ctrlPr>
+                                    <a:rPr kumimoji="1" lang="en-US" altLang="ja-JP" sz="1000" i="1">
+                                      <a:solidFill>
+                                        <a:srgbClr val="007D00"/>
+                                      </a:solidFill>
+                                      <a:latin typeface="Cambria Math" panose="02040503050406030204" pitchFamily="18" charset="0"/>
+                                    </a:rPr>
+                                  </m:ctrlPr>
+                                </m:sSubSupPr>
+                                <m:e>
+                                  <m:r>
+                                    <a:rPr kumimoji="1" lang="en-US" altLang="ja-JP" sz="1000" i="1">
+                                      <a:solidFill>
+                                        <a:srgbClr val="007D00"/>
+                                      </a:solidFill>
+                                      <a:latin typeface="Cambria Math" panose="02040503050406030204" pitchFamily="18" charset="0"/>
+                                    </a:rPr>
+                                    <m:t>𝜎</m:t>
+                                  </m:r>
+                                </m:e>
+                                <m:sub>
+                                  <m:r>
+                                    <a:rPr kumimoji="1" lang="en-US" altLang="ja-JP" sz="1000" i="1">
+                                      <a:solidFill>
+                                        <a:srgbClr val="007D00"/>
+                                      </a:solidFill>
+                                      <a:latin typeface="Cambria Math" panose="02040503050406030204" pitchFamily="18" charset="0"/>
+                                    </a:rPr>
+                                    <m:t>𝑠</m:t>
+                                  </m:r>
+                                </m:sub>
+                                <m:sup>
+                                  <m:r>
+                                    <a:rPr kumimoji="1" lang="en-US" altLang="ja-JP" sz="1000" i="1">
+                                      <a:solidFill>
+                                        <a:srgbClr val="007D00"/>
+                                      </a:solidFill>
+                                      <a:latin typeface="Cambria Math" panose="02040503050406030204" pitchFamily="18" charset="0"/>
+                                    </a:rPr>
+                                    <m:t>2</m:t>
+                                  </m:r>
+                                </m:sup>
+                              </m:sSubSup>
+                              <m:sSup>
+                                <m:sSupPr>
+                                  <m:ctrlPr>
+                                    <a:rPr kumimoji="1" lang="en-US" altLang="ja-JP" sz="1000" i="1">
+                                      <a:solidFill>
+                                        <a:srgbClr val="007D00"/>
+                                      </a:solidFill>
+                                      <a:latin typeface="Cambria Math" panose="02040503050406030204" pitchFamily="18" charset="0"/>
+                                    </a:rPr>
+                                  </m:ctrlPr>
+                                </m:sSupPr>
+                                <m:e>
+                                  <m:r>
+                                    <a:rPr kumimoji="1" lang="en-US" altLang="ja-JP" sz="1000" b="1" i="1">
+                                      <a:solidFill>
+                                        <a:srgbClr val="007D00"/>
+                                      </a:solidFill>
+                                      <a:latin typeface="Cambria Math" panose="02040503050406030204" pitchFamily="18" charset="0"/>
+                                    </a:rPr>
+                                    <m:t>𝒖</m:t>
+                                  </m:r>
+                                </m:e>
+                                <m:sup>
+                                  <m:r>
+                                    <a:rPr kumimoji="1" lang="en-US" altLang="ja-JP" sz="1000" i="1">
+                                      <a:solidFill>
+                                        <a:srgbClr val="007D00"/>
+                                      </a:solidFill>
+                                      <a:latin typeface="Cambria Math" panose="02040503050406030204" pitchFamily="18" charset="0"/>
+                                    </a:rPr>
+                                    <m:t>2</m:t>
+                                  </m:r>
+                                </m:sup>
+                              </m:sSup>
+                            </m:e>
+                          </m:d>
+                        </m:e>
+                      </m:func>
+                    </m:oMath>
+                  </m:oMathPara>
+                </a14:m>
+                <a:endParaRPr lang="ja-JP" altLang="en-US" sz="1000" i="1" dirty="0">
+                  <a:solidFill>
+                    <a:srgbClr val="007D00"/>
+                  </a:solidFill>
+                </a:endParaRPr>
+              </a:p>
+            </p:txBody>
+          </p:sp>
+        </mc:Choice>
+        <mc:Fallback>
+          <p:sp>
+            <p:nvSpPr>
+              <p:cNvPr id="20" name="正方形/長方形 19">
+                <a:extLst>
+                  <a:ext uri="{FF2B5EF4-FFF2-40B4-BE49-F238E27FC236}">
+                    <a16:creationId xmlns:a16="http://schemas.microsoft.com/office/drawing/2014/main" id="{127E0E77-3C63-6901-83CE-E178DB05CA75}"/>
+                  </a:ext>
+                </a:extLst>
+              </p:cNvPr>
+              <p:cNvSpPr>
+                <a:spLocks noRot="1" noChangeAspect="1" noMove="1" noResize="1" noEditPoints="1" noAdjustHandles="1" noChangeArrowheads="1" noChangeShapeType="1" noTextEdit="1"/>
+              </p:cNvSpPr>
+              <p:nvPr/>
+            </p:nvSpPr>
+            <p:spPr>
+              <a:xfrm>
+                <a:off x="3053233" y="1433858"/>
+                <a:ext cx="1384738" cy="153888"/>
+              </a:xfrm>
+              <a:prstGeom prst="rect">
+                <a:avLst/>
+              </a:prstGeom>
+              <a:blipFill>
+                <a:blip r:embed="rId10"/>
+                <a:stretch>
+                  <a:fillRect l="-3524" b="-44000"/>
+                </a:stretch>
+              </a:blipFill>
+            </p:spPr>
+            <p:txBody>
+              <a:bodyPr/>
+              <a:lstStyle/>
+              <a:p>
+                <a:r>
+                  <a:rPr lang="ja-JP" altLang="en-US">
+                    <a:noFill/>
+                  </a:rPr>
+                  <a:t> </a:t>
+                </a:r>
+              </a:p>
+            </p:txBody>
+          </p:sp>
+        </mc:Fallback>
+      </mc:AlternateContent>
+      <mc:AlternateContent xmlns:mc="http://schemas.openxmlformats.org/markup-compatibility/2006">
+        <mc:Choice xmlns:a14="http://schemas.microsoft.com/office/drawing/2010/main" Requires="a14">
+          <p:sp>
+            <p:nvSpPr>
+              <p:cNvPr id="21" name="正方形/長方形 20">
+                <a:extLst>
+                  <a:ext uri="{FF2B5EF4-FFF2-40B4-BE49-F238E27FC236}">
+                    <a16:creationId xmlns:a16="http://schemas.microsoft.com/office/drawing/2014/main" id="{6609B262-ED5B-4533-CF1A-D9F3CEC273C3}"/>
+                  </a:ext>
+                </a:extLst>
+              </p:cNvPr>
+              <p:cNvSpPr/>
+              <p:nvPr/>
+            </p:nvSpPr>
+            <p:spPr>
+              <a:xfrm>
+                <a:off x="346330" y="1146015"/>
+                <a:ext cx="805285" cy="53861"/>
+              </a:xfrm>
+              <a:prstGeom prst="rect">
+                <a:avLst/>
+              </a:prstGeom>
+            </p:spPr>
+            <p:txBody>
+              <a:bodyPr wrap="none" lIns="0" tIns="0" rIns="0" bIns="0">
+                <a:spAutoFit/>
+              </a:bodyPr>
+              <a:lstStyle/>
+              <a:p>
+                <a:pPr/>
+                <a14:m>
+                  <m:oMathPara xmlns:m="http://schemas.openxmlformats.org/officeDocument/2006/math">
+                    <m:oMathParaPr>
+                      <m:jc m:val="left"/>
+                    </m:oMathParaPr>
+                    <m:oMath xmlns:m="http://schemas.openxmlformats.org/officeDocument/2006/math">
+                      <m:func>
+                        <m:funcPr>
+                          <m:ctrlPr>
+                            <a:rPr lang="en-US" altLang="ja-JP" sz="350" i="1" smtClean="0">
+                              <a:solidFill>
+                                <a:srgbClr val="0000FF"/>
+                              </a:solidFill>
+                              <a:latin typeface="Cambria Math" panose="02040503050406030204" pitchFamily="18" charset="0"/>
+                            </a:rPr>
+                          </m:ctrlPr>
+                        </m:funcPr>
+                        <m:fName>
+                          <m:r>
+                            <m:rPr>
+                              <m:sty m:val="p"/>
+                            </m:rPr>
+                            <a:rPr lang="en-US" altLang="ja-JP" sz="350">
+                              <a:solidFill>
+                                <a:srgbClr val="0000FF"/>
+                              </a:solidFill>
+                              <a:latin typeface="Cambria Math" panose="02040503050406030204" pitchFamily="18" charset="0"/>
+                            </a:rPr>
+                            <m:t>sin</m:t>
+                          </m:r>
+                        </m:fName>
+                        <m:e>
+                          <m:d>
+                            <m:dPr>
+                              <m:begChr m:val="["/>
+                              <m:endChr m:val="]"/>
+                              <m:ctrlPr>
+                                <a:rPr lang="en-US" altLang="ja-JP" sz="350" i="1">
+                                  <a:solidFill>
+                                    <a:srgbClr val="0000FF"/>
+                                  </a:solidFill>
+                                  <a:latin typeface="Cambria Math" panose="02040503050406030204" pitchFamily="18" charset="0"/>
+                                </a:rPr>
+                              </m:ctrlPr>
+                            </m:dPr>
+                            <m:e>
+                              <m:r>
+                                <a:rPr lang="en-US" altLang="ja-JP" sz="350" b="0" i="1" smtClean="0">
+                                  <a:solidFill>
+                                    <a:srgbClr val="0000FF"/>
+                                  </a:solidFill>
+                                  <a:latin typeface="Cambria Math" panose="02040503050406030204" pitchFamily="18" charset="0"/>
+                                </a:rPr>
+                                <m:t>𝑊</m:t>
+                              </m:r>
+                              <m:d>
+                                <m:dPr>
+                                  <m:ctrlPr>
+                                    <a:rPr lang="en-US" altLang="ja-JP" sz="350" i="1">
+                                      <a:solidFill>
+                                        <a:srgbClr val="0000FF"/>
+                                      </a:solidFill>
+                                      <a:latin typeface="Cambria Math" panose="02040503050406030204" pitchFamily="18" charset="0"/>
+                                    </a:rPr>
+                                  </m:ctrlPr>
+                                </m:dPr>
+                                <m:e>
+                                  <m:r>
+                                    <a:rPr lang="en-US" altLang="ja-JP" sz="350" b="1" i="1">
+                                      <a:solidFill>
+                                        <a:srgbClr val="0000FF"/>
+                                      </a:solidFill>
+                                      <a:latin typeface="Cambria Math" panose="02040503050406030204" pitchFamily="18" charset="0"/>
+                                    </a:rPr>
+                                    <m:t>𝒖</m:t>
+                                  </m:r>
+                                </m:e>
+                              </m:d>
+                            </m:e>
+                          </m:d>
+                        </m:e>
+                      </m:func>
+                      <m:r>
+                        <a:rPr lang="en-US" altLang="ja-JP" sz="350" i="1">
+                          <a:solidFill>
+                            <a:srgbClr val="0000FF"/>
+                          </a:solidFill>
+                          <a:latin typeface="Cambria Math" panose="02040503050406030204" pitchFamily="18" charset="0"/>
+                        </a:rPr>
+                        <m:t>=</m:t>
+                      </m:r>
+                      <m:func>
+                        <m:funcPr>
+                          <m:ctrlPr>
+                            <a:rPr lang="en-US" altLang="ja-JP" sz="350" i="1">
+                              <a:solidFill>
+                                <a:srgbClr val="0000FF"/>
+                              </a:solidFill>
+                              <a:latin typeface="Cambria Math" panose="02040503050406030204" pitchFamily="18" charset="0"/>
+                            </a:rPr>
+                          </m:ctrlPr>
+                        </m:funcPr>
+                        <m:fName>
+                          <m:r>
+                            <m:rPr>
+                              <m:sty m:val="p"/>
+                            </m:rPr>
+                            <a:rPr lang="en-US" altLang="ja-JP" sz="350">
+                              <a:solidFill>
+                                <a:srgbClr val="0000FF"/>
+                              </a:solidFill>
+                              <a:latin typeface="Cambria Math" panose="02040503050406030204" pitchFamily="18" charset="0"/>
+                            </a:rPr>
+                            <m:t>sin</m:t>
+                          </m:r>
+                        </m:fName>
+                        <m:e>
+                          <m:d>
+                            <m:dPr>
+                              <m:begChr m:val="["/>
+                              <m:endChr m:val="]"/>
+                              <m:ctrlPr>
+                                <a:rPr lang="en-US" altLang="ja-JP" sz="350" i="1">
+                                  <a:solidFill>
+                                    <a:srgbClr val="0000FF"/>
+                                  </a:solidFill>
+                                  <a:latin typeface="Cambria Math" panose="02040503050406030204" pitchFamily="18" charset="0"/>
+                                </a:rPr>
+                              </m:ctrlPr>
+                            </m:dPr>
+                            <m:e>
+                              <m:r>
+                                <a:rPr lang="el-GR" altLang="ja-JP" sz="350" i="1">
+                                  <a:solidFill>
+                                    <a:srgbClr val="0000FF"/>
+                                  </a:solidFill>
+                                  <a:latin typeface="Cambria Math" panose="02040503050406030204" pitchFamily="18" charset="0"/>
+                                  <a:ea typeface="Cambria Math" panose="02040503050406030204" pitchFamily="18" charset="0"/>
+                                </a:rPr>
+                                <m:t>𝜋</m:t>
+                              </m:r>
+                              <m:r>
+                                <a:rPr lang="en-US" altLang="ja-JP" sz="350" i="1">
+                                  <a:solidFill>
+                                    <a:srgbClr val="0000FF"/>
+                                  </a:solidFill>
+                                  <a:latin typeface="Cambria Math" panose="02040503050406030204" pitchFamily="18" charset="0"/>
+                                  <a:ea typeface="Cambria Math" panose="02040503050406030204" pitchFamily="18" charset="0"/>
+                                </a:rPr>
+                                <m:t> </m:t>
+                              </m:r>
+                              <m:r>
+                                <a:rPr lang="ja-JP" altLang="el-GR" sz="350" i="1">
+                                  <a:solidFill>
+                                    <a:srgbClr val="0000FF"/>
+                                  </a:solidFill>
+                                  <a:latin typeface="Cambria Math" panose="02040503050406030204" pitchFamily="18" charset="0"/>
+                                  <a:ea typeface="Cambria Math" panose="02040503050406030204" pitchFamily="18" charset="0"/>
+                                </a:rPr>
+                                <m:t>𝜆</m:t>
+                              </m:r>
+                              <m:r>
+                                <a:rPr lang="en-US" altLang="ja-JP" sz="350" i="1">
+                                  <a:solidFill>
+                                    <a:srgbClr val="0000FF"/>
+                                  </a:solidFill>
+                                  <a:latin typeface="Cambria Math" panose="02040503050406030204" pitchFamily="18" charset="0"/>
+                                  <a:ea typeface="Cambria Math" panose="02040503050406030204" pitchFamily="18" charset="0"/>
+                                </a:rPr>
+                                <m:t> </m:t>
+                              </m:r>
+                              <m:sSup>
+                                <m:sSupPr>
+                                  <m:ctrlPr>
+                                    <a:rPr lang="en-US" altLang="ja-JP" sz="350" i="1">
+                                      <a:solidFill>
+                                        <a:srgbClr val="0000FF"/>
+                                      </a:solidFill>
+                                      <a:latin typeface="Cambria Math" panose="02040503050406030204" pitchFamily="18" charset="0"/>
+                                      <a:ea typeface="Cambria Math" panose="02040503050406030204" pitchFamily="18" charset="0"/>
+                                    </a:rPr>
+                                  </m:ctrlPr>
+                                </m:sSupPr>
+                                <m:e>
+                                  <m:r>
+                                    <a:rPr lang="en-US" altLang="ja-JP" sz="350" b="1" i="1">
+                                      <a:solidFill>
+                                        <a:srgbClr val="0000FF"/>
+                                      </a:solidFill>
+                                      <a:latin typeface="Cambria Math" panose="02040503050406030204" pitchFamily="18" charset="0"/>
+                                      <a:ea typeface="Cambria Math" panose="02040503050406030204" pitchFamily="18" charset="0"/>
+                                    </a:rPr>
+                                    <m:t>𝒖</m:t>
+                                  </m:r>
+                                </m:e>
+                                <m:sup>
+                                  <m:r>
+                                    <a:rPr lang="en-US" altLang="ja-JP" sz="350" i="1">
+                                      <a:solidFill>
+                                        <a:srgbClr val="0000FF"/>
+                                      </a:solidFill>
+                                      <a:latin typeface="Cambria Math" panose="02040503050406030204" pitchFamily="18" charset="0"/>
+                                      <a:ea typeface="Cambria Math" panose="02040503050406030204" pitchFamily="18" charset="0"/>
+                                    </a:rPr>
+                                    <m:t>2</m:t>
+                                  </m:r>
+                                </m:sup>
+                              </m:sSup>
+                              <m:d>
+                                <m:dPr>
+                                  <m:ctrlPr>
+                                    <a:rPr lang="en-US" altLang="ja-JP" sz="350" i="1">
+                                      <a:solidFill>
+                                        <a:srgbClr val="0000FF"/>
+                                      </a:solidFill>
+                                      <a:latin typeface="Cambria Math" panose="02040503050406030204" pitchFamily="18" charset="0"/>
+                                      <a:ea typeface="Cambria Math" panose="02040503050406030204" pitchFamily="18" charset="0"/>
+                                    </a:rPr>
+                                  </m:ctrlPr>
+                                </m:dPr>
+                                <m:e>
+                                  <m:r>
+                                    <m:rPr>
+                                      <m:sty m:val="p"/>
+                                    </m:rPr>
+                                    <a:rPr lang="el-GR" altLang="ja-JP" sz="350" i="1">
+                                      <a:solidFill>
+                                        <a:srgbClr val="0000FF"/>
+                                      </a:solidFill>
+                                      <a:latin typeface="Cambria Math" panose="02040503050406030204" pitchFamily="18" charset="0"/>
+                                      <a:ea typeface="Cambria Math" panose="02040503050406030204" pitchFamily="18" charset="0"/>
+                                    </a:rPr>
+                                    <m:t>Δ</m:t>
+                                  </m:r>
+                                  <m:r>
+                                    <a:rPr lang="en-US" altLang="ja-JP" sz="350" i="1">
+                                      <a:solidFill>
+                                        <a:srgbClr val="0000FF"/>
+                                      </a:solidFill>
+                                      <a:latin typeface="Cambria Math" panose="02040503050406030204" pitchFamily="18" charset="0"/>
+                                      <a:ea typeface="Cambria Math" panose="02040503050406030204" pitchFamily="18" charset="0"/>
+                                    </a:rPr>
+                                    <m:t>𝑓</m:t>
+                                  </m:r>
+                                  <m:r>
+                                    <a:rPr lang="en-US" altLang="ja-JP" sz="350" i="1">
+                                      <a:solidFill>
+                                        <a:srgbClr val="0000FF"/>
+                                      </a:solidFill>
+                                      <a:latin typeface="Cambria Math" panose="02040503050406030204" pitchFamily="18" charset="0"/>
+                                      <a:ea typeface="Cambria Math" panose="02040503050406030204" pitchFamily="18" charset="0"/>
+                                    </a:rPr>
+                                    <m:t>+</m:t>
+                                  </m:r>
+                                  <m:sSub>
+                                    <m:sSubPr>
+                                      <m:ctrlPr>
+                                        <a:rPr lang="en-US" altLang="ja-JP" sz="350" i="1">
+                                          <a:solidFill>
+                                            <a:srgbClr val="0000FF"/>
+                                          </a:solidFill>
+                                          <a:latin typeface="Cambria Math" panose="02040503050406030204" pitchFamily="18" charset="0"/>
+                                          <a:ea typeface="Cambria Math" panose="02040503050406030204" pitchFamily="18" charset="0"/>
+                                        </a:rPr>
+                                      </m:ctrlPr>
+                                    </m:sSubPr>
+                                    <m:e>
+                                      <m:r>
+                                        <a:rPr lang="en-US" altLang="ja-JP" sz="350" i="1">
+                                          <a:solidFill>
+                                            <a:srgbClr val="0000FF"/>
+                                          </a:solidFill>
+                                          <a:latin typeface="Cambria Math" panose="02040503050406030204" pitchFamily="18" charset="0"/>
+                                          <a:ea typeface="Cambria Math" panose="02040503050406030204" pitchFamily="18" charset="0"/>
+                                        </a:rPr>
+                                        <m:t>𝐶</m:t>
+                                      </m:r>
+                                    </m:e>
+                                    <m:sub>
+                                      <m:r>
+                                        <m:rPr>
+                                          <m:sty m:val="p"/>
+                                        </m:rPr>
+                                        <a:rPr lang="en-US" altLang="ja-JP" sz="350">
+                                          <a:solidFill>
+                                            <a:srgbClr val="0000FF"/>
+                                          </a:solidFill>
+                                          <a:latin typeface="Cambria Math" panose="02040503050406030204" pitchFamily="18" charset="0"/>
+                                          <a:ea typeface="Cambria Math" panose="02040503050406030204" pitchFamily="18" charset="0"/>
+                                        </a:rPr>
+                                        <m:t>s</m:t>
+                                      </m:r>
+                                    </m:sub>
+                                  </m:sSub>
+                                  <m:sSup>
+                                    <m:sSupPr>
+                                      <m:ctrlPr>
+                                        <a:rPr lang="en-US" altLang="ja-JP" sz="350" i="1">
+                                          <a:solidFill>
+                                            <a:srgbClr val="0000FF"/>
+                                          </a:solidFill>
+                                          <a:latin typeface="Cambria Math" panose="02040503050406030204" pitchFamily="18" charset="0"/>
+                                          <a:ea typeface="Cambria Math" panose="02040503050406030204" pitchFamily="18" charset="0"/>
+                                        </a:rPr>
+                                      </m:ctrlPr>
+                                    </m:sSupPr>
+                                    <m:e>
+                                      <m:r>
+                                        <a:rPr lang="en-US" altLang="ja-JP" sz="350" b="1" i="1">
+                                          <a:solidFill>
+                                            <a:srgbClr val="0000FF"/>
+                                          </a:solidFill>
+                                          <a:latin typeface="Cambria Math" panose="02040503050406030204" pitchFamily="18" charset="0"/>
+                                          <a:ea typeface="Cambria Math" panose="02040503050406030204" pitchFamily="18" charset="0"/>
+                                        </a:rPr>
+                                        <m:t>𝒖</m:t>
+                                      </m:r>
+                                    </m:e>
+                                    <m:sup>
+                                      <m:r>
+                                        <a:rPr lang="en-US" altLang="ja-JP" sz="350" i="1">
+                                          <a:solidFill>
+                                            <a:srgbClr val="0000FF"/>
+                                          </a:solidFill>
+                                          <a:latin typeface="Cambria Math" panose="02040503050406030204" pitchFamily="18" charset="0"/>
+                                          <a:ea typeface="Cambria Math" panose="02040503050406030204" pitchFamily="18" charset="0"/>
+                                        </a:rPr>
+                                        <m:t>2</m:t>
+                                      </m:r>
+                                    </m:sup>
+                                  </m:sSup>
+                                  <m:sSup>
+                                    <m:sSupPr>
+                                      <m:ctrlPr>
+                                        <a:rPr lang="en-US" altLang="ja-JP" sz="350" i="1">
+                                          <a:solidFill>
+                                            <a:srgbClr val="0000FF"/>
+                                          </a:solidFill>
+                                          <a:latin typeface="Cambria Math" panose="02040503050406030204" pitchFamily="18" charset="0"/>
+                                          <a:ea typeface="Cambria Math" panose="02040503050406030204" pitchFamily="18" charset="0"/>
+                                        </a:rPr>
+                                      </m:ctrlPr>
+                                    </m:sSupPr>
+                                    <m:e>
+                                      <m:r>
+                                        <a:rPr lang="ja-JP" altLang="en-US" sz="350" i="1">
+                                          <a:solidFill>
+                                            <a:srgbClr val="0000FF"/>
+                                          </a:solidFill>
+                                          <a:latin typeface="Cambria Math" panose="02040503050406030204" pitchFamily="18" charset="0"/>
+                                          <a:ea typeface="Cambria Math" panose="02040503050406030204" pitchFamily="18" charset="0"/>
+                                        </a:rPr>
+                                        <m:t>𝜆</m:t>
+                                      </m:r>
+                                    </m:e>
+                                    <m:sup>
+                                      <m:r>
+                                        <a:rPr lang="en-US" altLang="ja-JP" sz="350" i="1">
+                                          <a:solidFill>
+                                            <a:srgbClr val="0000FF"/>
+                                          </a:solidFill>
+                                          <a:latin typeface="Cambria Math" panose="02040503050406030204" pitchFamily="18" charset="0"/>
+                                          <a:ea typeface="Cambria Math" panose="02040503050406030204" pitchFamily="18" charset="0"/>
+                                        </a:rPr>
+                                        <m:t>2</m:t>
+                                      </m:r>
+                                    </m:sup>
+                                  </m:sSup>
+                                </m:e>
+                              </m:d>
+                              <m:r>
+                                <a:rPr lang="en-US" altLang="ja-JP" sz="350" i="1">
+                                  <a:solidFill>
+                                    <a:srgbClr val="0000FF"/>
+                                  </a:solidFill>
+                                  <a:latin typeface="Cambria Math" panose="02040503050406030204" pitchFamily="18" charset="0"/>
+                                  <a:ea typeface="Cambria Math" panose="02040503050406030204" pitchFamily="18" charset="0"/>
+                                </a:rPr>
+                                <m:t>/2</m:t>
+                              </m:r>
+                            </m:e>
+                          </m:d>
+                        </m:e>
+                      </m:func>
+                    </m:oMath>
+                  </m:oMathPara>
+                </a14:m>
+                <a:endParaRPr lang="ja-JP" altLang="en-US" sz="350" i="1" dirty="0">
+                  <a:solidFill>
+                    <a:srgbClr val="0000FF"/>
+                  </a:solidFill>
+                </a:endParaRPr>
+              </a:p>
+            </p:txBody>
+          </p:sp>
+        </mc:Choice>
+        <mc:Fallback>
+          <p:sp>
+            <p:nvSpPr>
+              <p:cNvPr id="21" name="正方形/長方形 20">
+                <a:extLst>
+                  <a:ext uri="{FF2B5EF4-FFF2-40B4-BE49-F238E27FC236}">
+                    <a16:creationId xmlns:a16="http://schemas.microsoft.com/office/drawing/2014/main" id="{6609B262-ED5B-4533-CF1A-D9F3CEC273C3}"/>
+                  </a:ext>
+                </a:extLst>
+              </p:cNvPr>
+              <p:cNvSpPr>
+                <a:spLocks noRot="1" noChangeAspect="1" noMove="1" noResize="1" noEditPoints="1" noAdjustHandles="1" noChangeArrowheads="1" noChangeShapeType="1" noTextEdit="1"/>
+              </p:cNvSpPr>
+              <p:nvPr/>
+            </p:nvSpPr>
+            <p:spPr>
+              <a:xfrm>
+                <a:off x="346330" y="1146015"/>
+                <a:ext cx="805285" cy="53861"/>
+              </a:xfrm>
+              <a:prstGeom prst="rect">
+                <a:avLst/>
+              </a:prstGeom>
+              <a:blipFill>
+                <a:blip r:embed="rId11"/>
+                <a:stretch>
+                  <a:fillRect l="-2273" t="-22222" b="-44444"/>
+                </a:stretch>
+              </a:blipFill>
+            </p:spPr>
+            <p:txBody>
+              <a:bodyPr/>
+              <a:lstStyle/>
+              <a:p>
+                <a:r>
+                  <a:rPr lang="ja-JP" altLang="en-US">
+                    <a:noFill/>
+                  </a:rPr>
+                  <a:t> </a:t>
+                </a:r>
+              </a:p>
+            </p:txBody>
+          </p:sp>
+        </mc:Fallback>
+      </mc:AlternateContent>
+      <p:sp>
+        <p:nvSpPr>
+          <p:cNvPr id="25" name="テキスト ボックス 24">
+            <a:extLst>
+              <a:ext uri="{FF2B5EF4-FFF2-40B4-BE49-F238E27FC236}">
+                <a16:creationId xmlns:a16="http://schemas.microsoft.com/office/drawing/2014/main" id="{FF77BA6B-C654-E83C-97CC-0CEB14AF2D8A}"/>
+              </a:ext>
+            </a:extLst>
+          </p:cNvPr>
+          <p:cNvSpPr txBox="1"/>
+          <p:nvPr/>
+        </p:nvSpPr>
+        <p:spPr>
+          <a:xfrm>
+            <a:off x="3308944" y="1818"/>
+            <a:ext cx="710451" cy="369332"/>
+          </a:xfrm>
+          <a:prstGeom prst="rect">
+            <a:avLst/>
+          </a:prstGeom>
+          <a:noFill/>
+        </p:spPr>
+        <p:txBody>
+          <a:bodyPr wrap="none" rtlCol="0">
+            <a:spAutoFit/>
+          </a:bodyPr>
+          <a:lstStyle/>
+          <a:p>
+            <a:r>
+              <a:rPr kumimoji="1" lang="en-US" altLang="ja-JP" dirty="0"/>
+              <a:t>STEM</a:t>
+            </a:r>
+            <a:endParaRPr kumimoji="1" lang="ja-JP" altLang="en-US" dirty="0"/>
+          </a:p>
+        </p:txBody>
+      </p:sp>
+      <mc:AlternateContent xmlns:mc="http://schemas.openxmlformats.org/markup-compatibility/2006">
+        <mc:Choice xmlns:a14="http://schemas.microsoft.com/office/drawing/2010/main" Requires="a14">
+          <p:sp>
+            <p:nvSpPr>
+              <p:cNvPr id="26" name="正方形/長方形 25">
+                <a:extLst>
+                  <a:ext uri="{FF2B5EF4-FFF2-40B4-BE49-F238E27FC236}">
+                    <a16:creationId xmlns:a16="http://schemas.microsoft.com/office/drawing/2014/main" id="{F6D6B941-26E1-4CE0-A3C0-B5E9E6D13BE1}"/>
+                  </a:ext>
+                </a:extLst>
+              </p:cNvPr>
+              <p:cNvSpPr/>
+              <p:nvPr/>
+            </p:nvSpPr>
+            <p:spPr>
+              <a:xfrm>
+                <a:off x="3088158" y="1672926"/>
+                <a:ext cx="488211" cy="53861"/>
+              </a:xfrm>
+              <a:prstGeom prst="rect">
+                <a:avLst/>
+              </a:prstGeom>
+            </p:spPr>
+            <p:txBody>
+              <a:bodyPr wrap="none" lIns="0" tIns="0" rIns="0" bIns="0">
+                <a:spAutoFit/>
+              </a:bodyPr>
+              <a:lstStyle/>
+              <a:p>
+                <a:pPr/>
+                <a14:m>
+                  <m:oMathPara xmlns:m="http://schemas.openxmlformats.org/officeDocument/2006/math">
+                    <m:oMathParaPr>
+                      <m:jc m:val="left"/>
+                    </m:oMathParaPr>
+                    <m:oMath xmlns:m="http://schemas.openxmlformats.org/officeDocument/2006/math">
+                      <m:sSub>
+                        <m:sSubPr>
+                          <m:ctrlPr>
+                            <a:rPr lang="en-US" altLang="ja-JP" sz="350" b="0" i="1" smtClean="0">
+                              <a:solidFill>
+                                <a:srgbClr val="007D00"/>
+                              </a:solidFill>
+                              <a:latin typeface="Cambria Math" panose="02040503050406030204" pitchFamily="18" charset="0"/>
+                            </a:rPr>
+                          </m:ctrlPr>
+                        </m:sSubPr>
+                        <m:e>
+                          <m:r>
+                            <a:rPr lang="en-US" altLang="ja-JP" sz="350" i="1" smtClean="0">
+                              <a:solidFill>
+                                <a:srgbClr val="007D00"/>
+                              </a:solidFill>
+                              <a:latin typeface="Cambria Math" panose="02040503050406030204" pitchFamily="18" charset="0"/>
+                            </a:rPr>
+                            <m:t>𝐸</m:t>
+                          </m:r>
+                        </m:e>
+                        <m:sub>
+                          <m:r>
+                            <a:rPr lang="en-US" altLang="ja-JP" sz="350" b="0" i="1" smtClean="0">
+                              <a:solidFill>
+                                <a:srgbClr val="007D00"/>
+                              </a:solidFill>
+                              <a:latin typeface="Cambria Math" panose="02040503050406030204" pitchFamily="18" charset="0"/>
+                            </a:rPr>
+                            <m:t>𝑠</m:t>
+                          </m:r>
+                        </m:sub>
+                      </m:sSub>
+                      <m:r>
+                        <a:rPr lang="en-US" altLang="ja-JP" sz="350" b="0" i="0" smtClean="0">
+                          <a:solidFill>
+                            <a:srgbClr val="007D00"/>
+                          </a:solidFill>
+                          <a:latin typeface="Cambria Math" panose="02040503050406030204" pitchFamily="18" charset="0"/>
+                        </a:rPr>
+                        <m:t>(</m:t>
+                      </m:r>
+                      <m:r>
+                        <a:rPr lang="en-US" altLang="ja-JP" sz="350" b="1" i="1" smtClean="0">
+                          <a:solidFill>
+                            <a:srgbClr val="007D00"/>
+                          </a:solidFill>
+                          <a:latin typeface="Cambria Math" panose="02040503050406030204" pitchFamily="18" charset="0"/>
+                        </a:rPr>
+                        <m:t>𝒖</m:t>
+                      </m:r>
+                      <m:r>
+                        <a:rPr lang="en-US" altLang="ja-JP" sz="350" b="0" i="1" smtClean="0">
+                          <a:solidFill>
+                            <a:srgbClr val="007D00"/>
+                          </a:solidFill>
+                          <a:latin typeface="Cambria Math" panose="02040503050406030204" pitchFamily="18" charset="0"/>
+                        </a:rPr>
+                        <m:t>)</m:t>
+                      </m:r>
+                      <m:r>
+                        <a:rPr lang="en-US" altLang="ja-JP" sz="350" i="1">
+                          <a:solidFill>
+                            <a:srgbClr val="007D00"/>
+                          </a:solidFill>
+                          <a:latin typeface="Cambria Math" panose="02040503050406030204" pitchFamily="18" charset="0"/>
+                        </a:rPr>
+                        <m:t>=</m:t>
+                      </m:r>
+                      <m:func>
+                        <m:funcPr>
+                          <m:ctrlPr>
+                            <a:rPr lang="en-US" altLang="ja-JP" sz="350" i="1">
+                              <a:solidFill>
+                                <a:srgbClr val="007D00"/>
+                              </a:solidFill>
+                              <a:latin typeface="Cambria Math" panose="02040503050406030204" pitchFamily="18" charset="0"/>
+                            </a:rPr>
+                          </m:ctrlPr>
+                        </m:funcPr>
+                        <m:fName>
+                          <m:r>
+                            <m:rPr>
+                              <m:sty m:val="p"/>
+                            </m:rPr>
+                            <a:rPr lang="en-US" altLang="ja-JP" sz="350" b="0" i="0" smtClean="0">
+                              <a:solidFill>
+                                <a:srgbClr val="007D00"/>
+                              </a:solidFill>
+                              <a:latin typeface="Cambria Math" panose="02040503050406030204" pitchFamily="18" charset="0"/>
+                            </a:rPr>
+                            <m:t>exp</m:t>
+                          </m:r>
+                        </m:fName>
+                        <m:e>
+                          <m:d>
+                            <m:dPr>
+                              <m:begChr m:val="["/>
+                              <m:endChr m:val="]"/>
+                              <m:ctrlPr>
+                                <a:rPr lang="en-US" altLang="ja-JP" sz="350" i="1">
+                                  <a:solidFill>
+                                    <a:srgbClr val="007D00"/>
+                                  </a:solidFill>
+                                  <a:latin typeface="Cambria Math" panose="02040503050406030204" pitchFamily="18" charset="0"/>
+                                </a:rPr>
+                              </m:ctrlPr>
+                            </m:dPr>
+                            <m:e>
+                              <m:r>
+                                <a:rPr kumimoji="1" lang="en-US" altLang="ja-JP" sz="350" i="1">
+                                  <a:solidFill>
+                                    <a:srgbClr val="007D00"/>
+                                  </a:solidFill>
+                                  <a:latin typeface="Cambria Math" panose="02040503050406030204" pitchFamily="18" charset="0"/>
+                                </a:rPr>
+                                <m:t>−</m:t>
+                              </m:r>
+                              <m:sSup>
+                                <m:sSupPr>
+                                  <m:ctrlPr>
+                                    <a:rPr kumimoji="1" lang="en-US" altLang="ja-JP" sz="350" i="1">
+                                      <a:solidFill>
+                                        <a:srgbClr val="007D00"/>
+                                      </a:solidFill>
+                                      <a:latin typeface="Cambria Math" panose="02040503050406030204" pitchFamily="18" charset="0"/>
+                                    </a:rPr>
+                                  </m:ctrlPr>
+                                </m:sSupPr>
+                                <m:e>
+                                  <m:r>
+                                    <a:rPr kumimoji="1" lang="en-US" altLang="ja-JP" sz="350" i="1">
+                                      <a:solidFill>
+                                        <a:srgbClr val="007D00"/>
+                                      </a:solidFill>
+                                      <a:latin typeface="Cambria Math" panose="02040503050406030204" pitchFamily="18" charset="0"/>
+                                    </a:rPr>
+                                    <m:t>2</m:t>
+                                  </m:r>
+                                  <m:r>
+                                    <a:rPr kumimoji="1" lang="en-US" altLang="ja-JP" sz="350" i="1">
+                                      <a:solidFill>
+                                        <a:srgbClr val="007D00"/>
+                                      </a:solidFill>
+                                      <a:latin typeface="Cambria Math" panose="02040503050406030204" pitchFamily="18" charset="0"/>
+                                    </a:rPr>
+                                    <m:t>𝜋</m:t>
+                                  </m:r>
+                                </m:e>
+                                <m:sup>
+                                  <m:r>
+                                    <a:rPr kumimoji="1" lang="en-US" altLang="ja-JP" sz="350" i="1">
+                                      <a:solidFill>
+                                        <a:srgbClr val="007D00"/>
+                                      </a:solidFill>
+                                      <a:latin typeface="Cambria Math" panose="02040503050406030204" pitchFamily="18" charset="0"/>
+                                    </a:rPr>
+                                    <m:t>2</m:t>
+                                  </m:r>
+                                </m:sup>
+                              </m:sSup>
+                              <m:sSubSup>
+                                <m:sSubSupPr>
+                                  <m:ctrlPr>
+                                    <a:rPr kumimoji="1" lang="en-US" altLang="ja-JP" sz="350" i="1">
+                                      <a:solidFill>
+                                        <a:srgbClr val="007D00"/>
+                                      </a:solidFill>
+                                      <a:latin typeface="Cambria Math" panose="02040503050406030204" pitchFamily="18" charset="0"/>
+                                    </a:rPr>
+                                  </m:ctrlPr>
+                                </m:sSubSupPr>
+                                <m:e>
+                                  <m:r>
+                                    <a:rPr kumimoji="1" lang="en-US" altLang="ja-JP" sz="350" i="1">
+                                      <a:solidFill>
+                                        <a:srgbClr val="007D00"/>
+                                      </a:solidFill>
+                                      <a:latin typeface="Cambria Math" panose="02040503050406030204" pitchFamily="18" charset="0"/>
+                                    </a:rPr>
+                                    <m:t>𝜎</m:t>
+                                  </m:r>
+                                </m:e>
+                                <m:sub>
+                                  <m:r>
+                                    <a:rPr kumimoji="1" lang="en-US" altLang="ja-JP" sz="350" i="1">
+                                      <a:solidFill>
+                                        <a:srgbClr val="007D00"/>
+                                      </a:solidFill>
+                                      <a:latin typeface="Cambria Math" panose="02040503050406030204" pitchFamily="18" charset="0"/>
+                                    </a:rPr>
+                                    <m:t>𝑠</m:t>
+                                  </m:r>
+                                </m:sub>
+                                <m:sup>
+                                  <m:r>
+                                    <a:rPr kumimoji="1" lang="en-US" altLang="ja-JP" sz="350" i="1">
+                                      <a:solidFill>
+                                        <a:srgbClr val="007D00"/>
+                                      </a:solidFill>
+                                      <a:latin typeface="Cambria Math" panose="02040503050406030204" pitchFamily="18" charset="0"/>
+                                    </a:rPr>
+                                    <m:t>2</m:t>
+                                  </m:r>
+                                </m:sup>
+                              </m:sSubSup>
+                              <m:sSup>
+                                <m:sSupPr>
+                                  <m:ctrlPr>
+                                    <a:rPr kumimoji="1" lang="en-US" altLang="ja-JP" sz="350" i="1">
+                                      <a:solidFill>
+                                        <a:srgbClr val="007D00"/>
+                                      </a:solidFill>
+                                      <a:latin typeface="Cambria Math" panose="02040503050406030204" pitchFamily="18" charset="0"/>
+                                    </a:rPr>
+                                  </m:ctrlPr>
+                                </m:sSupPr>
+                                <m:e>
+                                  <m:r>
+                                    <a:rPr kumimoji="1" lang="en-US" altLang="ja-JP" sz="350" i="1">
+                                      <a:solidFill>
+                                        <a:srgbClr val="007D00"/>
+                                      </a:solidFill>
+                                      <a:latin typeface="Cambria Math" panose="02040503050406030204" pitchFamily="18" charset="0"/>
+                                    </a:rPr>
+                                    <m:t>𝑢</m:t>
+                                  </m:r>
+                                </m:e>
+                                <m:sup>
+                                  <m:r>
+                                    <a:rPr kumimoji="1" lang="en-US" altLang="ja-JP" sz="350" i="1">
+                                      <a:solidFill>
+                                        <a:srgbClr val="007D00"/>
+                                      </a:solidFill>
+                                      <a:latin typeface="Cambria Math" panose="02040503050406030204" pitchFamily="18" charset="0"/>
+                                    </a:rPr>
+                                    <m:t>2</m:t>
+                                  </m:r>
+                                </m:sup>
+                              </m:sSup>
+                            </m:e>
+                          </m:d>
+                        </m:e>
+                      </m:func>
+                    </m:oMath>
+                  </m:oMathPara>
+                </a14:m>
+                <a:endParaRPr lang="ja-JP" altLang="en-US" sz="350" i="1" dirty="0">
+                  <a:solidFill>
+                    <a:srgbClr val="007D00"/>
+                  </a:solidFill>
+                </a:endParaRPr>
+              </a:p>
+            </p:txBody>
+          </p:sp>
+        </mc:Choice>
+        <mc:Fallback>
+          <p:sp>
+            <p:nvSpPr>
+              <p:cNvPr id="26" name="正方形/長方形 25">
+                <a:extLst>
+                  <a:ext uri="{FF2B5EF4-FFF2-40B4-BE49-F238E27FC236}">
+                    <a16:creationId xmlns:a16="http://schemas.microsoft.com/office/drawing/2014/main" id="{F6D6B941-26E1-4CE0-A3C0-B5E9E6D13BE1}"/>
+                  </a:ext>
+                </a:extLst>
+              </p:cNvPr>
+              <p:cNvSpPr>
+                <a:spLocks noRot="1" noChangeAspect="1" noMove="1" noResize="1" noEditPoints="1" noAdjustHandles="1" noChangeArrowheads="1" noChangeShapeType="1" noTextEdit="1"/>
+              </p:cNvSpPr>
+              <p:nvPr/>
+            </p:nvSpPr>
+            <p:spPr>
+              <a:xfrm>
+                <a:off x="3088158" y="1672926"/>
+                <a:ext cx="488211" cy="53861"/>
+              </a:xfrm>
+              <a:prstGeom prst="rect">
+                <a:avLst/>
+              </a:prstGeom>
+              <a:blipFill>
+                <a:blip r:embed="rId12"/>
+                <a:stretch>
+                  <a:fillRect l="-3750" t="-11111" b="-44444"/>
+                </a:stretch>
+              </a:blipFill>
+            </p:spPr>
+            <p:txBody>
+              <a:bodyPr/>
+              <a:lstStyle/>
+              <a:p>
+                <a:r>
+                  <a:rPr lang="ja-JP" altLang="en-US">
+                    <a:noFill/>
+                  </a:rPr>
+                  <a:t> </a:t>
+                </a:r>
+              </a:p>
+            </p:txBody>
+          </p:sp>
+        </mc:Fallback>
+      </mc:AlternateContent>
+      <mc:AlternateContent xmlns:mc="http://schemas.openxmlformats.org/markup-compatibility/2006">
+        <mc:Choice xmlns:a14="http://schemas.microsoft.com/office/drawing/2010/main" Requires="a14">
+          <p:sp>
+            <p:nvSpPr>
+              <p:cNvPr id="33" name="正方形/長方形 32">
+                <a:extLst>
+                  <a:ext uri="{FF2B5EF4-FFF2-40B4-BE49-F238E27FC236}">
+                    <a16:creationId xmlns:a16="http://schemas.microsoft.com/office/drawing/2014/main" id="{B8E469F1-487F-363D-8754-0FA2EFFE961D}"/>
+                  </a:ext>
+                </a:extLst>
+              </p:cNvPr>
+              <p:cNvSpPr/>
+              <p:nvPr/>
+            </p:nvSpPr>
+            <p:spPr>
+              <a:xfrm>
+                <a:off x="493199" y="3127341"/>
+                <a:ext cx="833946" cy="157800"/>
+              </a:xfrm>
+              <a:prstGeom prst="rect">
+                <a:avLst/>
+              </a:prstGeom>
+            </p:spPr>
+            <p:txBody>
+              <a:bodyPr wrap="none" lIns="0" tIns="0" rIns="0" bIns="0">
+                <a:spAutoFit/>
+              </a:bodyPr>
+              <a:lstStyle/>
+              <a:p>
+                <a:pPr/>
+                <a14:m>
+                  <m:oMathPara xmlns:m="http://schemas.openxmlformats.org/officeDocument/2006/math">
+                    <m:oMathParaPr>
+                      <m:jc m:val="left"/>
+                    </m:oMathParaPr>
+                    <m:oMath xmlns:m="http://schemas.openxmlformats.org/officeDocument/2006/math">
+                      <m:r>
+                        <a:rPr lang="en-US" altLang="ja-JP" sz="350" b="0" i="1" smtClean="0">
+                          <a:solidFill>
+                            <a:schemeClr val="tx1"/>
+                          </a:solidFill>
+                          <a:latin typeface="Cambria Math" panose="02040503050406030204" pitchFamily="18" charset="0"/>
+                        </a:rPr>
+                        <m:t>𝑇</m:t>
+                      </m:r>
+                      <m:d>
+                        <m:dPr>
+                          <m:ctrlPr>
+                            <a:rPr lang="en-US" altLang="ja-JP" sz="350" b="0" i="1" smtClean="0">
+                              <a:solidFill>
+                                <a:schemeClr val="tx1"/>
+                              </a:solidFill>
+                              <a:latin typeface="Cambria Math" panose="02040503050406030204" pitchFamily="18" charset="0"/>
+                            </a:rPr>
+                          </m:ctrlPr>
+                        </m:dPr>
+                        <m:e>
+                          <m:r>
+                            <a:rPr lang="en-US" altLang="ja-JP" sz="350" b="1" i="1" smtClean="0">
+                              <a:solidFill>
+                                <a:schemeClr val="tx1"/>
+                              </a:solidFill>
+                              <a:latin typeface="Cambria Math" panose="02040503050406030204" pitchFamily="18" charset="0"/>
+                            </a:rPr>
+                            <m:t>𝒖</m:t>
+                          </m:r>
+                        </m:e>
+                      </m:d>
+                      <m:r>
+                        <a:rPr lang="en-US" altLang="ja-JP" sz="350" b="0" i="1" smtClean="0">
+                          <a:solidFill>
+                            <a:schemeClr val="tx1"/>
+                          </a:solidFill>
+                          <a:latin typeface="Cambria Math" panose="02040503050406030204" pitchFamily="18" charset="0"/>
+                        </a:rPr>
+                        <m:t>=</m:t>
+                      </m:r>
+                      <m:func>
+                        <m:funcPr>
+                          <m:ctrlPr>
+                            <a:rPr lang="en-US" altLang="ja-JP" sz="350" i="1" smtClean="0">
+                              <a:solidFill>
+                                <a:srgbClr val="0000FF"/>
+                              </a:solidFill>
+                              <a:latin typeface="Cambria Math" panose="02040503050406030204" pitchFamily="18" charset="0"/>
+                            </a:rPr>
+                          </m:ctrlPr>
+                        </m:funcPr>
+                        <m:fName>
+                          <m:r>
+                            <a:rPr lang="en-US" altLang="ja-JP" sz="350" b="0" i="1" smtClean="0">
+                              <a:solidFill>
+                                <a:schemeClr val="tx1"/>
+                              </a:solidFill>
+                              <a:latin typeface="Cambria Math" panose="02040503050406030204" pitchFamily="18" charset="0"/>
+                            </a:rPr>
+                            <m:t>𝐴</m:t>
+                          </m:r>
+                          <m:d>
+                            <m:dPr>
+                              <m:ctrlPr>
+                                <a:rPr lang="en-US" altLang="ja-JP" sz="350" i="1" smtClean="0">
+                                  <a:solidFill>
+                                    <a:schemeClr val="tx1"/>
+                                  </a:solidFill>
+                                  <a:latin typeface="Cambria Math" panose="02040503050406030204" pitchFamily="18" charset="0"/>
+                                </a:rPr>
+                              </m:ctrlPr>
+                            </m:dPr>
+                            <m:e>
+                              <m:r>
+                                <a:rPr lang="en-US" altLang="ja-JP" sz="350" b="1" i="1" smtClean="0">
+                                  <a:solidFill>
+                                    <a:schemeClr val="tx1"/>
+                                  </a:solidFill>
+                                  <a:latin typeface="Cambria Math" panose="02040503050406030204" pitchFamily="18" charset="0"/>
+                                </a:rPr>
+                                <m:t>𝒖</m:t>
+                              </m:r>
+                            </m:e>
+                          </m:d>
+                          <m:r>
+                            <a:rPr lang="en-US" altLang="ja-JP" sz="350" b="1" i="1">
+                              <a:latin typeface="Cambria Math" panose="02040503050406030204" pitchFamily="18" charset="0"/>
+                              <a:ea typeface="Cambria Math" panose="02040503050406030204" pitchFamily="18" charset="0"/>
+                            </a:rPr>
+                            <m:t>×</m:t>
+                          </m:r>
+                          <m:r>
+                            <m:rPr>
+                              <m:sty m:val="p"/>
+                            </m:rPr>
+                            <a:rPr lang="en-US" altLang="ja-JP" sz="350">
+                              <a:solidFill>
+                                <a:srgbClr val="0000FF"/>
+                              </a:solidFill>
+                              <a:latin typeface="Cambria Math" panose="02040503050406030204" pitchFamily="18" charset="0"/>
+                            </a:rPr>
+                            <m:t>sin</m:t>
+                          </m:r>
+                        </m:fName>
+                        <m:e>
+                          <m:d>
+                            <m:dPr>
+                              <m:begChr m:val="["/>
+                              <m:endChr m:val="]"/>
+                              <m:ctrlPr>
+                                <a:rPr lang="en-US" altLang="ja-JP" sz="350" i="1">
+                                  <a:solidFill>
+                                    <a:srgbClr val="0000FF"/>
+                                  </a:solidFill>
+                                  <a:latin typeface="Cambria Math" panose="02040503050406030204" pitchFamily="18" charset="0"/>
+                                </a:rPr>
+                              </m:ctrlPr>
+                            </m:dPr>
+                            <m:e>
+                              <m:r>
+                                <a:rPr lang="en-US" altLang="ja-JP" sz="350" b="0" i="1" smtClean="0">
+                                  <a:solidFill>
+                                    <a:srgbClr val="0000FF"/>
+                                  </a:solidFill>
+                                  <a:latin typeface="Cambria Math" panose="02040503050406030204" pitchFamily="18" charset="0"/>
+                                </a:rPr>
+                                <m:t>𝑊</m:t>
+                              </m:r>
+                              <m:d>
+                                <m:dPr>
+                                  <m:ctrlPr>
+                                    <a:rPr lang="en-US" altLang="ja-JP" sz="350" i="1">
+                                      <a:solidFill>
+                                        <a:srgbClr val="0000FF"/>
+                                      </a:solidFill>
+                                      <a:latin typeface="Cambria Math" panose="02040503050406030204" pitchFamily="18" charset="0"/>
+                                    </a:rPr>
+                                  </m:ctrlPr>
+                                </m:dPr>
+                                <m:e>
+                                  <m:r>
+                                    <a:rPr lang="en-US" altLang="ja-JP" sz="350" b="1" i="1">
+                                      <a:solidFill>
+                                        <a:srgbClr val="0000FF"/>
+                                      </a:solidFill>
+                                      <a:latin typeface="Cambria Math" panose="02040503050406030204" pitchFamily="18" charset="0"/>
+                                    </a:rPr>
+                                    <m:t>𝒖</m:t>
+                                  </m:r>
+                                </m:e>
+                              </m:d>
+                            </m:e>
+                          </m:d>
+                        </m:e>
+                      </m:func>
+                      <m:r>
+                        <a:rPr lang="en-US" altLang="ja-JP" sz="350" b="1" i="1" smtClean="0">
+                          <a:solidFill>
+                            <a:schemeClr val="tx1"/>
+                          </a:solidFill>
+                          <a:latin typeface="Cambria Math" panose="02040503050406030204" pitchFamily="18" charset="0"/>
+                          <a:ea typeface="Cambria Math" panose="02040503050406030204" pitchFamily="18" charset="0"/>
+                        </a:rPr>
+                        <m:t>×</m:t>
+                      </m:r>
+                      <m:sSub>
+                        <m:sSubPr>
+                          <m:ctrlPr>
+                            <a:rPr lang="en-US" altLang="ja-JP" sz="350" i="1">
+                              <a:solidFill>
+                                <a:srgbClr val="007D00"/>
+                              </a:solidFill>
+                              <a:latin typeface="Cambria Math" panose="02040503050406030204" pitchFamily="18" charset="0"/>
+                            </a:rPr>
+                          </m:ctrlPr>
+                        </m:sSubPr>
+                        <m:e>
+                          <m:r>
+                            <a:rPr lang="en-US" altLang="ja-JP" sz="350" i="1">
+                              <a:solidFill>
+                                <a:srgbClr val="007D00"/>
+                              </a:solidFill>
+                              <a:latin typeface="Cambria Math" panose="02040503050406030204" pitchFamily="18" charset="0"/>
+                            </a:rPr>
+                            <m:t>𝐸</m:t>
+                          </m:r>
+                        </m:e>
+                        <m:sub>
+                          <m:r>
+                            <a:rPr lang="en-US" altLang="ja-JP" sz="350" i="1">
+                              <a:solidFill>
+                                <a:srgbClr val="007D00"/>
+                              </a:solidFill>
+                              <a:latin typeface="Cambria Math" panose="02040503050406030204" pitchFamily="18" charset="0"/>
+                            </a:rPr>
+                            <m:t>𝑠</m:t>
+                          </m:r>
+                        </m:sub>
+                      </m:sSub>
+                      <m:d>
+                        <m:dPr>
+                          <m:ctrlPr>
+                            <a:rPr lang="en-US" altLang="ja-JP" sz="350" i="1">
+                              <a:solidFill>
+                                <a:srgbClr val="007D00"/>
+                              </a:solidFill>
+                              <a:latin typeface="Cambria Math" panose="02040503050406030204" pitchFamily="18" charset="0"/>
+                            </a:rPr>
+                          </m:ctrlPr>
+                        </m:dPr>
+                        <m:e>
+                          <m:r>
+                            <a:rPr lang="en-US" altLang="ja-JP" sz="350" b="1" i="1">
+                              <a:solidFill>
+                                <a:srgbClr val="007D00"/>
+                              </a:solidFill>
+                              <a:latin typeface="Cambria Math" panose="02040503050406030204" pitchFamily="18" charset="0"/>
+                            </a:rPr>
+                            <m:t>𝒖</m:t>
+                          </m:r>
+                        </m:e>
+                      </m:d>
+                      <m:r>
+                        <a:rPr lang="en-US" altLang="ja-JP" sz="350" b="1" i="1" smtClean="0">
+                          <a:solidFill>
+                            <a:schemeClr val="tx1"/>
+                          </a:solidFill>
+                          <a:latin typeface="Cambria Math" panose="02040503050406030204" pitchFamily="18" charset="0"/>
+                          <a:ea typeface="Cambria Math" panose="02040503050406030204" pitchFamily="18" charset="0"/>
+                        </a:rPr>
+                        <m:t>×</m:t>
+                      </m:r>
+                      <m:sSub>
+                        <m:sSubPr>
+                          <m:ctrlPr>
+                            <a:rPr lang="en-US" altLang="ja-JP" sz="350" i="1">
+                              <a:solidFill>
+                                <a:srgbClr val="FF0000"/>
+                              </a:solidFill>
+                              <a:latin typeface="Cambria Math" panose="02040503050406030204" pitchFamily="18" charset="0"/>
+                            </a:rPr>
+                          </m:ctrlPr>
+                        </m:sSubPr>
+                        <m:e>
+                          <m:r>
+                            <a:rPr lang="en-US" altLang="ja-JP" sz="350" i="1">
+                              <a:solidFill>
+                                <a:srgbClr val="FF0000"/>
+                              </a:solidFill>
+                              <a:latin typeface="Cambria Math" panose="02040503050406030204" pitchFamily="18" charset="0"/>
+                            </a:rPr>
+                            <m:t>𝐸</m:t>
+                          </m:r>
+                        </m:e>
+                        <m:sub>
+                          <m:r>
+                            <a:rPr lang="en-US" altLang="ja-JP" sz="350" i="1">
+                              <a:solidFill>
+                                <a:srgbClr val="FF0000"/>
+                              </a:solidFill>
+                              <a:latin typeface="Cambria Math" panose="02040503050406030204" pitchFamily="18" charset="0"/>
+                            </a:rPr>
+                            <m:t>𝑐</m:t>
+                          </m:r>
+                        </m:sub>
+                      </m:sSub>
+                      <m:d>
+                        <m:dPr>
+                          <m:ctrlPr>
+                            <a:rPr lang="en-US" altLang="ja-JP" sz="350" i="1">
+                              <a:solidFill>
+                                <a:srgbClr val="FF0000"/>
+                              </a:solidFill>
+                              <a:latin typeface="Cambria Math" panose="02040503050406030204" pitchFamily="18" charset="0"/>
+                            </a:rPr>
+                          </m:ctrlPr>
+                        </m:dPr>
+                        <m:e>
+                          <m:r>
+                            <a:rPr lang="en-US" altLang="ja-JP" sz="350" b="1" i="1">
+                              <a:solidFill>
+                                <a:srgbClr val="FF0000"/>
+                              </a:solidFill>
+                              <a:latin typeface="Cambria Math" panose="02040503050406030204" pitchFamily="18" charset="0"/>
+                            </a:rPr>
+                            <m:t>𝒖</m:t>
+                          </m:r>
+                        </m:e>
+                      </m:d>
+                    </m:oMath>
+                  </m:oMathPara>
+                </a14:m>
+                <a:endParaRPr lang="en-US" altLang="ja-JP" sz="350" i="1" dirty="0">
+                  <a:solidFill>
+                    <a:srgbClr val="FF0000"/>
+                  </a:solidFill>
+                </a:endParaRPr>
+              </a:p>
+              <a:p>
+                <a:pPr/>
+                <a14:m>
+                  <m:oMathPara xmlns:m="http://schemas.openxmlformats.org/officeDocument/2006/math">
+                    <m:oMathParaPr>
+                      <m:jc m:val="left"/>
+                    </m:oMathParaPr>
+                    <m:oMath xmlns:m="http://schemas.openxmlformats.org/officeDocument/2006/math">
+                      <m:r>
+                        <a:rPr lang="ja-JP" altLang="en-US" sz="350" b="0" i="1" dirty="0">
+                          <a:solidFill>
+                            <a:srgbClr val="FF0000"/>
+                          </a:solidFill>
+                          <a:latin typeface="Cambria Math" panose="02040503050406030204" pitchFamily="18" charset="0"/>
+                        </a:rPr>
+                        <m:t>　</m:t>
+                      </m:r>
+                      <m:r>
+                        <a:rPr lang="ja-JP" altLang="en-US" sz="350" i="1" dirty="0" smtClean="0">
+                          <a:solidFill>
+                            <a:srgbClr val="FF0000"/>
+                          </a:solidFill>
+                          <a:latin typeface="Cambria Math" panose="02040503050406030204" pitchFamily="18" charset="0"/>
+                        </a:rPr>
+                        <m:t>　</m:t>
+                      </m:r>
+                      <m:r>
+                        <m:rPr>
+                          <m:sty m:val="p"/>
+                        </m:rPr>
+                        <a:rPr lang="en-US" altLang="ja-JP" sz="300" b="0" i="0" smtClean="0">
+                          <a:latin typeface="Cambria Math" panose="02040503050406030204" pitchFamily="18" charset="0"/>
+                        </a:rPr>
+                        <m:t>where</m:t>
+                      </m:r>
+                      <m:r>
+                        <a:rPr lang="en-US" altLang="ja-JP" sz="300" b="0" i="0" smtClean="0">
+                          <a:latin typeface="Cambria Math" panose="02040503050406030204" pitchFamily="18" charset="0"/>
+                        </a:rPr>
+                        <m:t> </m:t>
+                      </m:r>
+                      <m:r>
+                        <a:rPr lang="en-US" altLang="ja-JP" sz="300" i="1" smtClean="0">
+                          <a:latin typeface="Cambria Math" panose="02040503050406030204" pitchFamily="18" charset="0"/>
+                        </a:rPr>
+                        <m:t>𝐴</m:t>
+                      </m:r>
+                      <m:d>
+                        <m:dPr>
+                          <m:ctrlPr>
+                            <a:rPr lang="en-US" altLang="ja-JP" sz="300" i="1">
+                              <a:latin typeface="Cambria Math" panose="02040503050406030204" pitchFamily="18" charset="0"/>
+                            </a:rPr>
+                          </m:ctrlPr>
+                        </m:dPr>
+                        <m:e>
+                          <m:r>
+                            <a:rPr lang="en-US" altLang="ja-JP" sz="300" b="1" i="1">
+                              <a:latin typeface="Cambria Math" panose="02040503050406030204" pitchFamily="18" charset="0"/>
+                            </a:rPr>
+                            <m:t>𝒖</m:t>
+                          </m:r>
+                        </m:e>
+                      </m:d>
+                      <m:r>
+                        <a:rPr lang="en-US" altLang="ja-JP" sz="300" b="1" i="1">
+                          <a:latin typeface="Cambria Math" panose="02040503050406030204" pitchFamily="18" charset="0"/>
+                        </a:rPr>
+                        <m:t>= </m:t>
+                      </m:r>
+                      <m:d>
+                        <m:dPr>
+                          <m:begChr m:val="{"/>
+                          <m:endChr m:val=""/>
+                          <m:ctrlPr>
+                            <a:rPr lang="en-US" altLang="ja-JP" sz="300" b="0" i="1" smtClean="0">
+                              <a:solidFill>
+                                <a:schemeClr val="tx1"/>
+                              </a:solidFill>
+                              <a:latin typeface="Cambria Math" panose="02040503050406030204" pitchFamily="18" charset="0"/>
+                            </a:rPr>
+                          </m:ctrlPr>
+                        </m:dPr>
+                        <m:e>
+                          <m:eqArr>
+                            <m:eqArrPr>
+                              <m:ctrlPr>
+                                <a:rPr lang="en-US" altLang="ja-JP" sz="300" b="0" i="1" smtClean="0">
+                                  <a:solidFill>
+                                    <a:schemeClr val="tx1"/>
+                                  </a:solidFill>
+                                  <a:latin typeface="Cambria Math" panose="02040503050406030204" pitchFamily="18" charset="0"/>
+                                </a:rPr>
+                              </m:ctrlPr>
+                            </m:eqArrPr>
+                            <m:e>
+                              <m:r>
+                                <a:rPr lang="en-US" altLang="ja-JP" sz="300" b="0" i="1" smtClean="0">
+                                  <a:solidFill>
+                                    <a:schemeClr val="tx1"/>
+                                  </a:solidFill>
+                                  <a:latin typeface="Cambria Math" panose="02040503050406030204" pitchFamily="18" charset="0"/>
+                                </a:rPr>
+                                <m:t>1 (</m:t>
+                              </m:r>
+                              <m:r>
+                                <a:rPr lang="en-US" altLang="ja-JP" sz="300" b="0" i="1" smtClean="0">
+                                  <a:solidFill>
+                                    <a:schemeClr val="tx1"/>
+                                  </a:solidFill>
+                                  <a:latin typeface="Cambria Math" panose="02040503050406030204" pitchFamily="18" charset="0"/>
+                                </a:rPr>
+                                <m:t>𝑢</m:t>
+                              </m:r>
+                              <m:r>
+                                <a:rPr lang="en-US" altLang="ja-JP" sz="300" i="1">
+                                  <a:latin typeface="Cambria Math" panose="02040503050406030204" pitchFamily="18" charset="0"/>
+                                  <a:ea typeface="Cambria Math" panose="02040503050406030204" pitchFamily="18" charset="0"/>
+                                </a:rPr>
+                                <m:t>≤</m:t>
+                              </m:r>
+                              <m:r>
+                                <m:rPr>
+                                  <m:sty m:val="p"/>
+                                </m:rPr>
+                                <a:rPr lang="en-US" altLang="ja-JP" sz="300" b="0" i="0" smtClean="0">
+                                  <a:solidFill>
+                                    <a:schemeClr val="tx1"/>
+                                  </a:solidFill>
+                                  <a:latin typeface="Cambria Math" panose="02040503050406030204" pitchFamily="18" charset="0"/>
+                                </a:rPr>
+                                <m:t>objective</m:t>
+                              </m:r>
+                              <m:r>
+                                <a:rPr lang="en-US" altLang="ja-JP" sz="300" b="0" i="0" smtClean="0">
+                                  <a:solidFill>
+                                    <a:schemeClr val="tx1"/>
+                                  </a:solidFill>
+                                  <a:latin typeface="Cambria Math" panose="02040503050406030204" pitchFamily="18" charset="0"/>
+                                </a:rPr>
+                                <m:t> </m:t>
+                              </m:r>
+                              <m:r>
+                                <m:rPr>
+                                  <m:sty m:val="p"/>
+                                </m:rPr>
+                                <a:rPr lang="en-US" altLang="ja-JP" sz="300" b="0" i="0" smtClean="0">
+                                  <a:solidFill>
+                                    <a:schemeClr val="tx1"/>
+                                  </a:solidFill>
+                                  <a:latin typeface="Cambria Math" panose="02040503050406030204" pitchFamily="18" charset="0"/>
+                                </a:rPr>
+                                <m:t>aperture</m:t>
+                              </m:r>
+                              <m:r>
+                                <a:rPr lang="en-US" altLang="ja-JP" sz="300" b="0" i="1" smtClean="0">
+                                  <a:solidFill>
+                                    <a:schemeClr val="tx1"/>
+                                  </a:solidFill>
+                                  <a:latin typeface="Cambria Math" panose="02040503050406030204" pitchFamily="18" charset="0"/>
+                                </a:rPr>
+                                <m:t>)</m:t>
+                              </m:r>
+                            </m:e>
+                            <m:e>
+                              <m:r>
+                                <a:rPr lang="en-US" altLang="ja-JP" sz="300" b="0" i="1" smtClean="0">
+                                  <a:latin typeface="Cambria Math" panose="02040503050406030204" pitchFamily="18" charset="0"/>
+                                </a:rPr>
+                                <m:t>0</m:t>
+                              </m:r>
+                              <m:r>
+                                <a:rPr lang="en-US" altLang="ja-JP" sz="300" i="1">
+                                  <a:latin typeface="Cambria Math" panose="02040503050406030204" pitchFamily="18" charset="0"/>
+                                </a:rPr>
+                                <m:t> (</m:t>
+                              </m:r>
+                              <m:r>
+                                <a:rPr lang="en-US" altLang="ja-JP" sz="300" i="1">
+                                  <a:latin typeface="Cambria Math" panose="02040503050406030204" pitchFamily="18" charset="0"/>
+                                </a:rPr>
+                                <m:t>𝑢</m:t>
+                              </m:r>
+                              <m:r>
+                                <a:rPr lang="en-US" altLang="ja-JP" sz="300" i="1" smtClean="0">
+                                  <a:latin typeface="Cambria Math" panose="02040503050406030204" pitchFamily="18" charset="0"/>
+                                </a:rPr>
+                                <m:t>&gt;</m:t>
+                              </m:r>
+                              <m:r>
+                                <m:rPr>
+                                  <m:sty m:val="p"/>
+                                </m:rPr>
+                                <a:rPr lang="en-US" altLang="ja-JP" sz="300" b="0" i="0" smtClean="0">
+                                  <a:latin typeface="Cambria Math" panose="02040503050406030204" pitchFamily="18" charset="0"/>
+                                </a:rPr>
+                                <m:t>o</m:t>
+                              </m:r>
+                              <m:r>
+                                <m:rPr>
+                                  <m:sty m:val="p"/>
+                                </m:rPr>
+                                <a:rPr lang="en-US" altLang="ja-JP" sz="300" i="0">
+                                  <a:latin typeface="Cambria Math" panose="02040503050406030204" pitchFamily="18" charset="0"/>
+                                </a:rPr>
+                                <m:t>bjective</m:t>
+                              </m:r>
+                              <m:r>
+                                <a:rPr lang="en-US" altLang="ja-JP" sz="300" i="0">
+                                  <a:latin typeface="Cambria Math" panose="02040503050406030204" pitchFamily="18" charset="0"/>
+                                </a:rPr>
+                                <m:t> </m:t>
+                              </m:r>
+                              <m:r>
+                                <m:rPr>
+                                  <m:sty m:val="p"/>
+                                </m:rPr>
+                                <a:rPr lang="en-US" altLang="ja-JP" sz="300" i="0">
+                                  <a:latin typeface="Cambria Math" panose="02040503050406030204" pitchFamily="18" charset="0"/>
+                                </a:rPr>
+                                <m:t>aperture</m:t>
+                              </m:r>
+                              <m:r>
+                                <a:rPr lang="en-US" altLang="ja-JP" sz="300" i="1">
+                                  <a:latin typeface="Cambria Math" panose="02040503050406030204" pitchFamily="18" charset="0"/>
+                                </a:rPr>
+                                <m:t>)</m:t>
+                              </m:r>
+                            </m:e>
+                          </m:eqArr>
+                        </m:e>
+                      </m:d>
+                    </m:oMath>
+                  </m:oMathPara>
+                </a14:m>
+                <a:endParaRPr lang="ja-JP" altLang="en-US" sz="300" i="1" dirty="0">
+                  <a:solidFill>
+                    <a:srgbClr val="0000FF"/>
+                  </a:solidFill>
+                </a:endParaRPr>
+              </a:p>
+            </p:txBody>
+          </p:sp>
+        </mc:Choice>
+        <mc:Fallback>
+          <p:sp>
+            <p:nvSpPr>
+              <p:cNvPr id="33" name="正方形/長方形 32">
+                <a:extLst>
+                  <a:ext uri="{FF2B5EF4-FFF2-40B4-BE49-F238E27FC236}">
+                    <a16:creationId xmlns:a16="http://schemas.microsoft.com/office/drawing/2014/main" id="{B8E469F1-487F-363D-8754-0FA2EFFE961D}"/>
+                  </a:ext>
+                </a:extLst>
+              </p:cNvPr>
+              <p:cNvSpPr>
+                <a:spLocks noRot="1" noChangeAspect="1" noMove="1" noResize="1" noEditPoints="1" noAdjustHandles="1" noChangeArrowheads="1" noChangeShapeType="1" noTextEdit="1"/>
+              </p:cNvSpPr>
+              <p:nvPr/>
+            </p:nvSpPr>
+            <p:spPr>
+              <a:xfrm>
+                <a:off x="493199" y="3127341"/>
+                <a:ext cx="833946" cy="157800"/>
+              </a:xfrm>
+              <a:prstGeom prst="rect">
+                <a:avLst/>
+              </a:prstGeom>
+              <a:blipFill>
+                <a:blip r:embed="rId13"/>
+                <a:stretch>
+                  <a:fillRect l="-2190" t="-115385" b="-219231"/>
+                </a:stretch>
+              </a:blipFill>
+            </p:spPr>
+            <p:txBody>
+              <a:bodyPr/>
+              <a:lstStyle/>
+              <a:p>
+                <a:r>
+                  <a:rPr lang="ja-JP" altLang="en-US">
+                    <a:noFill/>
+                  </a:rPr>
+                  <a:t> </a:t>
+                </a:r>
+              </a:p>
+            </p:txBody>
+          </p:sp>
+        </mc:Fallback>
+      </mc:AlternateContent>
+      <mc:AlternateContent xmlns:mc="http://schemas.openxmlformats.org/markup-compatibility/2006">
+        <mc:Choice xmlns:a14="http://schemas.microsoft.com/office/drawing/2010/main" Requires="a14">
+          <p:sp>
+            <p:nvSpPr>
+              <p:cNvPr id="36" name="テキスト ボックス 35">
+                <a:extLst>
+                  <a:ext uri="{FF2B5EF4-FFF2-40B4-BE49-F238E27FC236}">
+                    <a16:creationId xmlns:a16="http://schemas.microsoft.com/office/drawing/2014/main" id="{18529D0D-CD6D-8627-B4B8-75A7033CB60F}"/>
+                  </a:ext>
+                </a:extLst>
+              </p:cNvPr>
+              <p:cNvSpPr txBox="1"/>
+              <p:nvPr/>
+            </p:nvSpPr>
+            <p:spPr>
+              <a:xfrm>
+                <a:off x="284163" y="3677567"/>
+                <a:ext cx="2589212" cy="435632"/>
+              </a:xfrm>
+              <a:prstGeom prst="rect">
+                <a:avLst/>
+              </a:prstGeom>
+              <a:noFill/>
+            </p:spPr>
+            <p:txBody>
+              <a:bodyPr wrap="square">
+                <a:spAutoFit/>
+              </a:bodyPr>
+              <a:lstStyle/>
+              <a:p>
+                <a:pPr/>
+                <a14:m>
+                  <m:oMathPara xmlns:m="http://schemas.openxmlformats.org/officeDocument/2006/math">
+                    <m:oMathParaPr>
+                      <m:jc m:val="centerGroup"/>
+                    </m:oMathParaPr>
+                    <m:oMath xmlns:m="http://schemas.openxmlformats.org/officeDocument/2006/math">
+                      <m:r>
+                        <m:rPr>
+                          <m:sty m:val="p"/>
+                        </m:rPr>
+                        <a:rPr lang="en-US" altLang="ja-JP" sz="1000" b="0" i="0" smtClean="0">
+                          <a:latin typeface="Cambria Math" panose="02040503050406030204" pitchFamily="18" charset="0"/>
+                        </a:rPr>
+                        <m:t>where</m:t>
+                      </m:r>
+                      <m:r>
+                        <a:rPr lang="en-US" altLang="ja-JP" sz="1000" b="0" i="0" smtClean="0">
+                          <a:latin typeface="Cambria Math" panose="02040503050406030204" pitchFamily="18" charset="0"/>
+                        </a:rPr>
+                        <m:t> </m:t>
+                      </m:r>
+                      <m:r>
+                        <a:rPr lang="en-US" altLang="ja-JP" sz="1000" i="1" smtClean="0">
+                          <a:latin typeface="Cambria Math" panose="02040503050406030204" pitchFamily="18" charset="0"/>
+                        </a:rPr>
+                        <m:t>𝐴</m:t>
+                      </m:r>
+                      <m:d>
+                        <m:dPr>
+                          <m:ctrlPr>
+                            <a:rPr lang="en-US" altLang="ja-JP" sz="1000" i="1">
+                              <a:latin typeface="Cambria Math" panose="02040503050406030204" pitchFamily="18" charset="0"/>
+                            </a:rPr>
+                          </m:ctrlPr>
+                        </m:dPr>
+                        <m:e>
+                          <m:r>
+                            <a:rPr lang="en-US" altLang="ja-JP" sz="1000" b="1" i="1">
+                              <a:latin typeface="Cambria Math" panose="02040503050406030204" pitchFamily="18" charset="0"/>
+                            </a:rPr>
+                            <m:t>𝒖</m:t>
+                          </m:r>
+                        </m:e>
+                      </m:d>
+                      <m:r>
+                        <a:rPr lang="en-US" altLang="ja-JP" sz="1000" b="1" i="1">
+                          <a:latin typeface="Cambria Math" panose="02040503050406030204" pitchFamily="18" charset="0"/>
+                        </a:rPr>
+                        <m:t>= </m:t>
+                      </m:r>
+                      <m:d>
+                        <m:dPr>
+                          <m:begChr m:val="{"/>
+                          <m:endChr m:val=""/>
+                          <m:ctrlPr>
+                            <a:rPr lang="en-US" altLang="ja-JP" sz="1000" b="0" i="1" smtClean="0">
+                              <a:solidFill>
+                                <a:schemeClr val="tx1"/>
+                              </a:solidFill>
+                              <a:latin typeface="Cambria Math" panose="02040503050406030204" pitchFamily="18" charset="0"/>
+                            </a:rPr>
+                          </m:ctrlPr>
+                        </m:dPr>
+                        <m:e>
+                          <m:eqArr>
+                            <m:eqArrPr>
+                              <m:ctrlPr>
+                                <a:rPr lang="en-US" altLang="ja-JP" sz="1000" b="0" i="1" smtClean="0">
+                                  <a:solidFill>
+                                    <a:schemeClr val="tx1"/>
+                                  </a:solidFill>
+                                  <a:latin typeface="Cambria Math" panose="02040503050406030204" pitchFamily="18" charset="0"/>
+                                </a:rPr>
+                              </m:ctrlPr>
+                            </m:eqArrPr>
+                            <m:e>
+                              <m:r>
+                                <a:rPr lang="en-US" altLang="ja-JP" sz="1000" b="0" i="1" smtClean="0">
+                                  <a:solidFill>
+                                    <a:schemeClr val="tx1"/>
+                                  </a:solidFill>
+                                  <a:latin typeface="Cambria Math" panose="02040503050406030204" pitchFamily="18" charset="0"/>
+                                </a:rPr>
+                                <m:t>1 (</m:t>
+                              </m:r>
+                              <m:r>
+                                <a:rPr lang="en-US" altLang="ja-JP" sz="1000" b="0" i="1" smtClean="0">
+                                  <a:solidFill>
+                                    <a:schemeClr val="tx1"/>
+                                  </a:solidFill>
+                                  <a:latin typeface="Cambria Math" panose="02040503050406030204" pitchFamily="18" charset="0"/>
+                                </a:rPr>
+                                <m:t>𝑢</m:t>
+                              </m:r>
+                              <m:r>
+                                <a:rPr lang="en-US" altLang="ja-JP" sz="1000" i="1">
+                                  <a:latin typeface="Cambria Math" panose="02040503050406030204" pitchFamily="18" charset="0"/>
+                                  <a:ea typeface="Cambria Math" panose="02040503050406030204" pitchFamily="18" charset="0"/>
+                                </a:rPr>
+                                <m:t>≤</m:t>
+                              </m:r>
+                              <m:r>
+                                <m:rPr>
+                                  <m:sty m:val="p"/>
+                                </m:rPr>
+                                <a:rPr lang="en-US" altLang="ja-JP" sz="1000" b="0" i="0" smtClean="0">
+                                  <a:solidFill>
+                                    <a:schemeClr val="tx1"/>
+                                  </a:solidFill>
+                                  <a:latin typeface="Cambria Math" panose="02040503050406030204" pitchFamily="18" charset="0"/>
+                                </a:rPr>
+                                <m:t>objective</m:t>
+                              </m:r>
+                              <m:r>
+                                <a:rPr lang="en-US" altLang="ja-JP" sz="1000" b="0" i="0" smtClean="0">
+                                  <a:solidFill>
+                                    <a:schemeClr val="tx1"/>
+                                  </a:solidFill>
+                                  <a:latin typeface="Cambria Math" panose="02040503050406030204" pitchFamily="18" charset="0"/>
+                                </a:rPr>
+                                <m:t> </m:t>
+                              </m:r>
+                              <m:r>
+                                <m:rPr>
+                                  <m:sty m:val="p"/>
+                                </m:rPr>
+                                <a:rPr lang="en-US" altLang="ja-JP" sz="1000" b="0" i="0" smtClean="0">
+                                  <a:solidFill>
+                                    <a:schemeClr val="tx1"/>
+                                  </a:solidFill>
+                                  <a:latin typeface="Cambria Math" panose="02040503050406030204" pitchFamily="18" charset="0"/>
+                                </a:rPr>
+                                <m:t>aperture</m:t>
+                              </m:r>
+                              <m:r>
+                                <a:rPr lang="en-US" altLang="ja-JP" sz="1000" b="0" i="1" smtClean="0">
+                                  <a:solidFill>
+                                    <a:schemeClr val="tx1"/>
+                                  </a:solidFill>
+                                  <a:latin typeface="Cambria Math" panose="02040503050406030204" pitchFamily="18" charset="0"/>
+                                </a:rPr>
+                                <m:t>)</m:t>
+                              </m:r>
+                            </m:e>
+                            <m:e>
+                              <m:r>
+                                <a:rPr lang="en-US" altLang="ja-JP" sz="1000" b="0" i="1" smtClean="0">
+                                  <a:latin typeface="Cambria Math" panose="02040503050406030204" pitchFamily="18" charset="0"/>
+                                </a:rPr>
+                                <m:t>0</m:t>
+                              </m:r>
+                              <m:r>
+                                <a:rPr lang="en-US" altLang="ja-JP" sz="1000" i="1">
+                                  <a:latin typeface="Cambria Math" panose="02040503050406030204" pitchFamily="18" charset="0"/>
+                                </a:rPr>
+                                <m:t> (</m:t>
+                              </m:r>
+                              <m:r>
+                                <a:rPr lang="en-US" altLang="ja-JP" sz="1000" i="1">
+                                  <a:latin typeface="Cambria Math" panose="02040503050406030204" pitchFamily="18" charset="0"/>
+                                </a:rPr>
+                                <m:t>𝑢</m:t>
+                              </m:r>
+                              <m:r>
+                                <a:rPr lang="en-US" altLang="ja-JP" sz="1000" i="1" smtClean="0">
+                                  <a:latin typeface="Cambria Math" panose="02040503050406030204" pitchFamily="18" charset="0"/>
+                                </a:rPr>
+                                <m:t>&gt;</m:t>
+                              </m:r>
+                              <m:r>
+                                <m:rPr>
+                                  <m:sty m:val="p"/>
+                                </m:rPr>
+                                <a:rPr lang="en-US" altLang="ja-JP" sz="1000" b="0" i="0" smtClean="0">
+                                  <a:latin typeface="Cambria Math" panose="02040503050406030204" pitchFamily="18" charset="0"/>
+                                </a:rPr>
+                                <m:t>o</m:t>
+                              </m:r>
+                              <m:r>
+                                <m:rPr>
+                                  <m:sty m:val="p"/>
+                                </m:rPr>
+                                <a:rPr lang="en-US" altLang="ja-JP" sz="1000" i="0">
+                                  <a:latin typeface="Cambria Math" panose="02040503050406030204" pitchFamily="18" charset="0"/>
+                                </a:rPr>
+                                <m:t>bjective</m:t>
+                              </m:r>
+                              <m:r>
+                                <a:rPr lang="en-US" altLang="ja-JP" sz="1000" i="0">
+                                  <a:latin typeface="Cambria Math" panose="02040503050406030204" pitchFamily="18" charset="0"/>
+                                </a:rPr>
+                                <m:t> </m:t>
+                              </m:r>
+                              <m:r>
+                                <m:rPr>
+                                  <m:sty m:val="p"/>
+                                </m:rPr>
+                                <a:rPr lang="en-US" altLang="ja-JP" sz="1000" i="0">
+                                  <a:latin typeface="Cambria Math" panose="02040503050406030204" pitchFamily="18" charset="0"/>
+                                </a:rPr>
+                                <m:t>aperture</m:t>
+                              </m:r>
+                              <m:r>
+                                <a:rPr lang="en-US" altLang="ja-JP" sz="1000" i="1">
+                                  <a:latin typeface="Cambria Math" panose="02040503050406030204" pitchFamily="18" charset="0"/>
+                                </a:rPr>
+                                <m:t>)</m:t>
+                              </m:r>
+                            </m:e>
+                          </m:eqArr>
+                        </m:e>
+                      </m:d>
+                    </m:oMath>
+                  </m:oMathPara>
+                </a14:m>
+                <a:endParaRPr lang="ja-JP" altLang="en-US" sz="1000" dirty="0"/>
+              </a:p>
+            </p:txBody>
+          </p:sp>
+        </mc:Choice>
+        <mc:Fallback>
+          <p:sp>
+            <p:nvSpPr>
+              <p:cNvPr id="36" name="テキスト ボックス 35">
+                <a:extLst>
+                  <a:ext uri="{FF2B5EF4-FFF2-40B4-BE49-F238E27FC236}">
+                    <a16:creationId xmlns:a16="http://schemas.microsoft.com/office/drawing/2014/main" id="{18529D0D-CD6D-8627-B4B8-75A7033CB60F}"/>
+                  </a:ext>
+                </a:extLst>
+              </p:cNvPr>
+              <p:cNvSpPr txBox="1">
+                <a:spLocks noRot="1" noChangeAspect="1" noMove="1" noResize="1" noEditPoints="1" noAdjustHandles="1" noChangeArrowheads="1" noChangeShapeType="1" noTextEdit="1"/>
+              </p:cNvSpPr>
+              <p:nvPr/>
+            </p:nvSpPr>
+            <p:spPr>
+              <a:xfrm>
+                <a:off x="284163" y="3677567"/>
+                <a:ext cx="2589212" cy="435632"/>
+              </a:xfrm>
+              <a:prstGeom prst="rect">
+                <a:avLst/>
+              </a:prstGeom>
+              <a:blipFill>
+                <a:blip r:embed="rId14"/>
+                <a:stretch>
+                  <a:fillRect t="-175000" b="-251389"/>
+                </a:stretch>
+              </a:blipFill>
+            </p:spPr>
+            <p:txBody>
+              <a:bodyPr/>
+              <a:lstStyle/>
+              <a:p>
+                <a:r>
+                  <a:rPr lang="ja-JP" altLang="en-US">
+                    <a:noFill/>
+                  </a:rPr>
+                  <a:t> </a:t>
+                </a:r>
+              </a:p>
+            </p:txBody>
+          </p:sp>
+        </mc:Fallback>
+      </mc:AlternateContent>
+      <mc:AlternateContent xmlns:mc="http://schemas.openxmlformats.org/markup-compatibility/2006">
+        <mc:Choice xmlns:a14="http://schemas.microsoft.com/office/drawing/2010/main" Requires="a14">
+          <p:sp>
+            <p:nvSpPr>
+              <p:cNvPr id="38" name="テキスト ボックス 37">
+                <a:extLst>
+                  <a:ext uri="{FF2B5EF4-FFF2-40B4-BE49-F238E27FC236}">
+                    <a16:creationId xmlns:a16="http://schemas.microsoft.com/office/drawing/2014/main" id="{8A4FC559-E976-77F4-7FEC-56AD60E5DEF2}"/>
+                  </a:ext>
+                </a:extLst>
+              </p:cNvPr>
+              <p:cNvSpPr txBox="1"/>
+              <p:nvPr/>
+            </p:nvSpPr>
+            <p:spPr>
+              <a:xfrm>
+                <a:off x="3308944" y="2529044"/>
+                <a:ext cx="669675" cy="195310"/>
+              </a:xfrm>
+              <a:prstGeom prst="rect">
+                <a:avLst/>
+              </a:prstGeom>
+              <a:noFill/>
+            </p:spPr>
+            <p:txBody>
+              <a:bodyPr wrap="square">
+                <a:spAutoFit/>
+              </a:bodyPr>
+              <a:lstStyle/>
+              <a:p>
+                <a:pPr/>
+                <a14:m>
+                  <m:oMathPara xmlns:m="http://schemas.openxmlformats.org/officeDocument/2006/math">
+                    <m:oMathParaPr>
+                      <m:jc m:val="centerGroup"/>
+                    </m:oMathParaPr>
+                    <m:oMath xmlns:m="http://schemas.openxmlformats.org/officeDocument/2006/math">
+                      <m:r>
+                        <m:rPr>
+                          <m:sty m:val="p"/>
+                        </m:rPr>
+                        <a:rPr lang="en-US" altLang="ja-JP" sz="300" b="0" i="0" smtClean="0">
+                          <a:latin typeface="Cambria Math" panose="02040503050406030204" pitchFamily="18" charset="0"/>
+                        </a:rPr>
+                        <m:t>where</m:t>
+                      </m:r>
+                      <m:r>
+                        <a:rPr lang="en-US" altLang="ja-JP" sz="300" b="0" i="0" smtClean="0">
+                          <a:latin typeface="Cambria Math" panose="02040503050406030204" pitchFamily="18" charset="0"/>
+                        </a:rPr>
+                        <m:t> </m:t>
+                      </m:r>
+                      <m:r>
+                        <a:rPr lang="en-US" altLang="ja-JP" sz="300" i="1" smtClean="0">
+                          <a:latin typeface="Cambria Math" panose="02040503050406030204" pitchFamily="18" charset="0"/>
+                        </a:rPr>
+                        <m:t>𝐴</m:t>
+                      </m:r>
+                      <m:d>
+                        <m:dPr>
+                          <m:ctrlPr>
+                            <a:rPr lang="en-US" altLang="ja-JP" sz="300" i="1">
+                              <a:latin typeface="Cambria Math" panose="02040503050406030204" pitchFamily="18" charset="0"/>
+                            </a:rPr>
+                          </m:ctrlPr>
+                        </m:dPr>
+                        <m:e>
+                          <m:r>
+                            <a:rPr lang="en-US" altLang="ja-JP" sz="300" b="1" i="1">
+                              <a:latin typeface="Cambria Math" panose="02040503050406030204" pitchFamily="18" charset="0"/>
+                            </a:rPr>
+                            <m:t>𝒖</m:t>
+                          </m:r>
+                        </m:e>
+                      </m:d>
+                      <m:r>
+                        <a:rPr lang="en-US" altLang="ja-JP" sz="300" b="1" i="1">
+                          <a:latin typeface="Cambria Math" panose="02040503050406030204" pitchFamily="18" charset="0"/>
+                        </a:rPr>
+                        <m:t>=</m:t>
+                      </m:r>
+                      <m:r>
+                        <a:rPr lang="en-US" altLang="ja-JP" sz="300" b="1" i="1" smtClean="0">
+                          <a:latin typeface="Cambria Math" panose="02040503050406030204" pitchFamily="18" charset="0"/>
+                        </a:rPr>
+                        <m:t> </m:t>
+                      </m:r>
+                      <m:d>
+                        <m:dPr>
+                          <m:begChr m:val="{"/>
+                          <m:endChr m:val=""/>
+                          <m:ctrlPr>
+                            <a:rPr lang="en-US" altLang="ja-JP" sz="300" b="0" i="1" smtClean="0">
+                              <a:solidFill>
+                                <a:schemeClr val="tx1"/>
+                              </a:solidFill>
+                              <a:latin typeface="Cambria Math" panose="02040503050406030204" pitchFamily="18" charset="0"/>
+                            </a:rPr>
+                          </m:ctrlPr>
+                        </m:dPr>
+                        <m:e>
+                          <m:eqArr>
+                            <m:eqArrPr>
+                              <m:ctrlPr>
+                                <a:rPr lang="en-US" altLang="ja-JP" sz="300" b="0" i="1" smtClean="0">
+                                  <a:solidFill>
+                                    <a:schemeClr val="tx1"/>
+                                  </a:solidFill>
+                                  <a:latin typeface="Cambria Math" panose="02040503050406030204" pitchFamily="18" charset="0"/>
+                                </a:rPr>
+                              </m:ctrlPr>
+                            </m:eqArrPr>
+                            <m:e>
+                              <m:r>
+                                <a:rPr lang="en-US" altLang="ja-JP" sz="300" b="0" i="1" smtClean="0">
+                                  <a:solidFill>
+                                    <a:schemeClr val="tx1"/>
+                                  </a:solidFill>
+                                  <a:latin typeface="Cambria Math" panose="02040503050406030204" pitchFamily="18" charset="0"/>
+                                </a:rPr>
+                                <m:t>1 (</m:t>
+                              </m:r>
+                              <m:r>
+                                <a:rPr lang="en-US" altLang="ja-JP" sz="300" b="0" i="1" smtClean="0">
+                                  <a:solidFill>
+                                    <a:schemeClr val="tx1"/>
+                                  </a:solidFill>
+                                  <a:latin typeface="Cambria Math" panose="02040503050406030204" pitchFamily="18" charset="0"/>
+                                </a:rPr>
+                                <m:t>𝑢</m:t>
+                              </m:r>
+                              <m:r>
+                                <a:rPr lang="en-US" altLang="ja-JP" sz="300" b="0" i="1" smtClean="0">
+                                  <a:solidFill>
+                                    <a:schemeClr val="tx1"/>
+                                  </a:solidFill>
+                                  <a:latin typeface="Cambria Math" panose="02040503050406030204" pitchFamily="18" charset="0"/>
+                                  <a:ea typeface="Cambria Math" panose="02040503050406030204" pitchFamily="18" charset="0"/>
+                                </a:rPr>
+                                <m:t>≤</m:t>
+                              </m:r>
+                              <m:r>
+                                <a:rPr lang="ja-JP" altLang="en-US" sz="300" b="0" i="1" smtClean="0">
+                                  <a:solidFill>
+                                    <a:schemeClr val="tx1"/>
+                                  </a:solidFill>
+                                  <a:latin typeface="Cambria Math" panose="02040503050406030204" pitchFamily="18" charset="0"/>
+                                  <a:ea typeface="Cambria Math" panose="02040503050406030204" pitchFamily="18" charset="0"/>
+                                </a:rPr>
+                                <m:t>𝛼</m:t>
+                              </m:r>
+                              <m:r>
+                                <a:rPr lang="en-US" altLang="ja-JP" sz="300" b="0" i="1" smtClean="0">
+                                  <a:solidFill>
+                                    <a:schemeClr val="tx1"/>
+                                  </a:solidFill>
+                                  <a:latin typeface="Cambria Math" panose="02040503050406030204" pitchFamily="18" charset="0"/>
+                                </a:rPr>
+                                <m:t>)</m:t>
+                              </m:r>
+                            </m:e>
+                            <m:e>
+                              <m:r>
+                                <a:rPr lang="en-US" altLang="ja-JP" sz="300" b="0" i="1" smtClean="0">
+                                  <a:latin typeface="Cambria Math" panose="02040503050406030204" pitchFamily="18" charset="0"/>
+                                </a:rPr>
+                                <m:t>0</m:t>
+                              </m:r>
+                              <m:r>
+                                <a:rPr lang="en-US" altLang="ja-JP" sz="300" i="1">
+                                  <a:latin typeface="Cambria Math" panose="02040503050406030204" pitchFamily="18" charset="0"/>
+                                </a:rPr>
+                                <m:t> (</m:t>
+                              </m:r>
+                              <m:r>
+                                <a:rPr lang="en-US" altLang="ja-JP" sz="300" i="1">
+                                  <a:latin typeface="Cambria Math" panose="02040503050406030204" pitchFamily="18" charset="0"/>
+                                </a:rPr>
+                                <m:t>𝑢</m:t>
+                              </m:r>
+                              <m:r>
+                                <a:rPr lang="en-US" altLang="ja-JP" sz="300" i="1" smtClean="0">
+                                  <a:latin typeface="Cambria Math" panose="02040503050406030204" pitchFamily="18" charset="0"/>
+                                </a:rPr>
+                                <m:t>&gt;</m:t>
+                              </m:r>
+                              <m:r>
+                                <a:rPr lang="ja-JP" altLang="en-US" sz="300" i="1">
+                                  <a:latin typeface="Cambria Math" panose="02040503050406030204" pitchFamily="18" charset="0"/>
+                                  <a:ea typeface="Cambria Math" panose="02040503050406030204" pitchFamily="18" charset="0"/>
+                                </a:rPr>
+                                <m:t>𝛼</m:t>
+                              </m:r>
+                              <m:r>
+                                <a:rPr lang="en-US" altLang="ja-JP" sz="300" i="1">
+                                  <a:latin typeface="Cambria Math" panose="02040503050406030204" pitchFamily="18" charset="0"/>
+                                </a:rPr>
+                                <m:t>)</m:t>
+                              </m:r>
+                            </m:e>
+                          </m:eqArr>
+                        </m:e>
+                      </m:d>
+                    </m:oMath>
+                  </m:oMathPara>
+                </a14:m>
+                <a:endParaRPr lang="ja-JP" altLang="en-US" sz="300" dirty="0"/>
+              </a:p>
+            </p:txBody>
+          </p:sp>
+        </mc:Choice>
+        <mc:Fallback>
+          <p:sp>
+            <p:nvSpPr>
+              <p:cNvPr id="38" name="テキスト ボックス 37">
+                <a:extLst>
+                  <a:ext uri="{FF2B5EF4-FFF2-40B4-BE49-F238E27FC236}">
+                    <a16:creationId xmlns:a16="http://schemas.microsoft.com/office/drawing/2014/main" id="{8A4FC559-E976-77F4-7FEC-56AD60E5DEF2}"/>
+                  </a:ext>
+                </a:extLst>
+              </p:cNvPr>
+              <p:cNvSpPr txBox="1">
+                <a:spLocks noRot="1" noChangeAspect="1" noMove="1" noResize="1" noEditPoints="1" noAdjustHandles="1" noChangeArrowheads="1" noChangeShapeType="1" noTextEdit="1"/>
+              </p:cNvSpPr>
+              <p:nvPr/>
+            </p:nvSpPr>
+            <p:spPr>
+              <a:xfrm>
+                <a:off x="3308944" y="2529044"/>
+                <a:ext cx="669675" cy="195310"/>
+              </a:xfrm>
+              <a:prstGeom prst="rect">
+                <a:avLst/>
+              </a:prstGeom>
+              <a:blipFill>
+                <a:blip r:embed="rId15"/>
+                <a:stretch>
+                  <a:fillRect t="-100000" b="-153125"/>
+                </a:stretch>
+              </a:blipFill>
+            </p:spPr>
+            <p:txBody>
+              <a:bodyPr/>
+              <a:lstStyle/>
+              <a:p>
+                <a:r>
+                  <a:rPr lang="ja-JP" altLang="en-US">
+                    <a:noFill/>
+                  </a:rPr>
+                  <a:t> </a:t>
+                </a:r>
+              </a:p>
+            </p:txBody>
+          </p:sp>
+        </mc:Fallback>
+      </mc:AlternateContent>
+      <mc:AlternateContent xmlns:mc="http://schemas.openxmlformats.org/markup-compatibility/2006">
+        <mc:Choice xmlns:a14="http://schemas.microsoft.com/office/drawing/2010/main" Requires="a14">
+          <p:sp>
+            <p:nvSpPr>
+              <p:cNvPr id="39" name="正方形/長方形 38">
+                <a:extLst>
+                  <a:ext uri="{FF2B5EF4-FFF2-40B4-BE49-F238E27FC236}">
+                    <a16:creationId xmlns:a16="http://schemas.microsoft.com/office/drawing/2014/main" id="{C83B9329-72C1-8177-0E3F-9F1243B832F0}"/>
+                  </a:ext>
+                </a:extLst>
+              </p:cNvPr>
+              <p:cNvSpPr/>
+              <p:nvPr/>
+            </p:nvSpPr>
+            <p:spPr>
+              <a:xfrm>
+                <a:off x="346330" y="2838200"/>
+                <a:ext cx="833946" cy="53861"/>
+              </a:xfrm>
+              <a:prstGeom prst="rect">
+                <a:avLst/>
+              </a:prstGeom>
+            </p:spPr>
+            <p:txBody>
+              <a:bodyPr wrap="none" lIns="0" tIns="0" rIns="0" bIns="0">
+                <a:spAutoFit/>
+              </a:bodyPr>
+              <a:lstStyle/>
+              <a:p>
+                <a:pPr/>
+                <a14:m>
+                  <m:oMathPara xmlns:m="http://schemas.openxmlformats.org/officeDocument/2006/math">
+                    <m:oMathParaPr>
+                      <m:jc m:val="left"/>
+                    </m:oMathParaPr>
+                    <m:oMath xmlns:m="http://schemas.openxmlformats.org/officeDocument/2006/math">
+                      <m:r>
+                        <a:rPr lang="en-US" altLang="ja-JP" sz="350" b="0" i="1" smtClean="0">
+                          <a:solidFill>
+                            <a:schemeClr val="tx1"/>
+                          </a:solidFill>
+                          <a:latin typeface="Cambria Math" panose="02040503050406030204" pitchFamily="18" charset="0"/>
+                        </a:rPr>
+                        <m:t>𝑇</m:t>
+                      </m:r>
+                      <m:d>
+                        <m:dPr>
+                          <m:ctrlPr>
+                            <a:rPr lang="en-US" altLang="ja-JP" sz="350" b="0" i="1" smtClean="0">
+                              <a:solidFill>
+                                <a:schemeClr val="tx1"/>
+                              </a:solidFill>
+                              <a:latin typeface="Cambria Math" panose="02040503050406030204" pitchFamily="18" charset="0"/>
+                            </a:rPr>
+                          </m:ctrlPr>
+                        </m:dPr>
+                        <m:e>
+                          <m:r>
+                            <a:rPr lang="en-US" altLang="ja-JP" sz="350" b="1" i="1" smtClean="0">
+                              <a:solidFill>
+                                <a:schemeClr val="tx1"/>
+                              </a:solidFill>
+                              <a:latin typeface="Cambria Math" panose="02040503050406030204" pitchFamily="18" charset="0"/>
+                            </a:rPr>
+                            <m:t>𝒖</m:t>
+                          </m:r>
+                        </m:e>
+                      </m:d>
+                      <m:r>
+                        <a:rPr lang="en-US" altLang="ja-JP" sz="350" b="0" i="1" smtClean="0">
+                          <a:solidFill>
+                            <a:schemeClr val="tx1"/>
+                          </a:solidFill>
+                          <a:latin typeface="Cambria Math" panose="02040503050406030204" pitchFamily="18" charset="0"/>
+                        </a:rPr>
+                        <m:t>=</m:t>
+                      </m:r>
+                      <m:func>
+                        <m:funcPr>
+                          <m:ctrlPr>
+                            <a:rPr lang="en-US" altLang="ja-JP" sz="350" i="1" smtClean="0">
+                              <a:solidFill>
+                                <a:srgbClr val="0000FF"/>
+                              </a:solidFill>
+                              <a:latin typeface="Cambria Math" panose="02040503050406030204" pitchFamily="18" charset="0"/>
+                            </a:rPr>
+                          </m:ctrlPr>
+                        </m:funcPr>
+                        <m:fName>
+                          <m:r>
+                            <a:rPr lang="en-US" altLang="ja-JP" sz="350" b="0" i="1" smtClean="0">
+                              <a:solidFill>
+                                <a:schemeClr val="tx1"/>
+                              </a:solidFill>
+                              <a:latin typeface="Cambria Math" panose="02040503050406030204" pitchFamily="18" charset="0"/>
+                            </a:rPr>
+                            <m:t>𝐴</m:t>
+                          </m:r>
+                          <m:d>
+                            <m:dPr>
+                              <m:ctrlPr>
+                                <a:rPr lang="en-US" altLang="ja-JP" sz="350" i="1" smtClean="0">
+                                  <a:solidFill>
+                                    <a:schemeClr val="tx1"/>
+                                  </a:solidFill>
+                                  <a:latin typeface="Cambria Math" panose="02040503050406030204" pitchFamily="18" charset="0"/>
+                                </a:rPr>
+                              </m:ctrlPr>
+                            </m:dPr>
+                            <m:e>
+                              <m:r>
+                                <a:rPr lang="en-US" altLang="ja-JP" sz="350" b="1" i="1" smtClean="0">
+                                  <a:solidFill>
+                                    <a:schemeClr val="tx1"/>
+                                  </a:solidFill>
+                                  <a:latin typeface="Cambria Math" panose="02040503050406030204" pitchFamily="18" charset="0"/>
+                                </a:rPr>
+                                <m:t>𝒖</m:t>
+                              </m:r>
+                            </m:e>
+                          </m:d>
+                          <m:r>
+                            <a:rPr lang="en-US" altLang="ja-JP" sz="350" b="1" i="1">
+                              <a:latin typeface="Cambria Math" panose="02040503050406030204" pitchFamily="18" charset="0"/>
+                              <a:ea typeface="Cambria Math" panose="02040503050406030204" pitchFamily="18" charset="0"/>
+                            </a:rPr>
+                            <m:t>×</m:t>
+                          </m:r>
+                          <m:r>
+                            <m:rPr>
+                              <m:sty m:val="p"/>
+                            </m:rPr>
+                            <a:rPr lang="en-US" altLang="ja-JP" sz="350">
+                              <a:solidFill>
+                                <a:srgbClr val="0000FF"/>
+                              </a:solidFill>
+                              <a:latin typeface="Cambria Math" panose="02040503050406030204" pitchFamily="18" charset="0"/>
+                            </a:rPr>
+                            <m:t>sin</m:t>
+                          </m:r>
+                        </m:fName>
+                        <m:e>
+                          <m:d>
+                            <m:dPr>
+                              <m:begChr m:val="["/>
+                              <m:endChr m:val="]"/>
+                              <m:ctrlPr>
+                                <a:rPr lang="en-US" altLang="ja-JP" sz="350" i="1">
+                                  <a:solidFill>
+                                    <a:srgbClr val="0000FF"/>
+                                  </a:solidFill>
+                                  <a:latin typeface="Cambria Math" panose="02040503050406030204" pitchFamily="18" charset="0"/>
+                                </a:rPr>
+                              </m:ctrlPr>
+                            </m:dPr>
+                            <m:e>
+                              <m:r>
+                                <a:rPr lang="en-US" altLang="ja-JP" sz="350" b="0" i="1" smtClean="0">
+                                  <a:solidFill>
+                                    <a:srgbClr val="0000FF"/>
+                                  </a:solidFill>
+                                  <a:latin typeface="Cambria Math" panose="02040503050406030204" pitchFamily="18" charset="0"/>
+                                </a:rPr>
+                                <m:t>𝑊</m:t>
+                              </m:r>
+                              <m:d>
+                                <m:dPr>
+                                  <m:ctrlPr>
+                                    <a:rPr lang="en-US" altLang="ja-JP" sz="350" i="1">
+                                      <a:solidFill>
+                                        <a:srgbClr val="0000FF"/>
+                                      </a:solidFill>
+                                      <a:latin typeface="Cambria Math" panose="02040503050406030204" pitchFamily="18" charset="0"/>
+                                    </a:rPr>
+                                  </m:ctrlPr>
+                                </m:dPr>
+                                <m:e>
+                                  <m:r>
+                                    <a:rPr lang="en-US" altLang="ja-JP" sz="350" b="1" i="1">
+                                      <a:solidFill>
+                                        <a:srgbClr val="0000FF"/>
+                                      </a:solidFill>
+                                      <a:latin typeface="Cambria Math" panose="02040503050406030204" pitchFamily="18" charset="0"/>
+                                    </a:rPr>
+                                    <m:t>𝒖</m:t>
+                                  </m:r>
+                                </m:e>
+                              </m:d>
+                            </m:e>
+                          </m:d>
+                        </m:e>
+                      </m:func>
+                      <m:r>
+                        <a:rPr lang="en-US" altLang="ja-JP" sz="350" b="1" i="1" smtClean="0">
+                          <a:solidFill>
+                            <a:schemeClr val="tx1"/>
+                          </a:solidFill>
+                          <a:latin typeface="Cambria Math" panose="02040503050406030204" pitchFamily="18" charset="0"/>
+                          <a:ea typeface="Cambria Math" panose="02040503050406030204" pitchFamily="18" charset="0"/>
+                        </a:rPr>
+                        <m:t>×</m:t>
+                      </m:r>
+                      <m:sSub>
+                        <m:sSubPr>
+                          <m:ctrlPr>
+                            <a:rPr lang="en-US" altLang="ja-JP" sz="350" i="1">
+                              <a:solidFill>
+                                <a:srgbClr val="007D00"/>
+                              </a:solidFill>
+                              <a:latin typeface="Cambria Math" panose="02040503050406030204" pitchFamily="18" charset="0"/>
+                            </a:rPr>
+                          </m:ctrlPr>
+                        </m:sSubPr>
+                        <m:e>
+                          <m:r>
+                            <a:rPr lang="en-US" altLang="ja-JP" sz="350" i="1">
+                              <a:solidFill>
+                                <a:srgbClr val="007D00"/>
+                              </a:solidFill>
+                              <a:latin typeface="Cambria Math" panose="02040503050406030204" pitchFamily="18" charset="0"/>
+                            </a:rPr>
+                            <m:t>𝐸</m:t>
+                          </m:r>
+                        </m:e>
+                        <m:sub>
+                          <m:r>
+                            <a:rPr lang="en-US" altLang="ja-JP" sz="350" i="1">
+                              <a:solidFill>
+                                <a:srgbClr val="007D00"/>
+                              </a:solidFill>
+                              <a:latin typeface="Cambria Math" panose="02040503050406030204" pitchFamily="18" charset="0"/>
+                            </a:rPr>
+                            <m:t>𝑠</m:t>
+                          </m:r>
+                        </m:sub>
+                      </m:sSub>
+                      <m:d>
+                        <m:dPr>
+                          <m:ctrlPr>
+                            <a:rPr lang="en-US" altLang="ja-JP" sz="350" i="1">
+                              <a:solidFill>
+                                <a:srgbClr val="007D00"/>
+                              </a:solidFill>
+                              <a:latin typeface="Cambria Math" panose="02040503050406030204" pitchFamily="18" charset="0"/>
+                            </a:rPr>
+                          </m:ctrlPr>
+                        </m:dPr>
+                        <m:e>
+                          <m:r>
+                            <a:rPr lang="en-US" altLang="ja-JP" sz="350" b="1" i="1">
+                              <a:solidFill>
+                                <a:srgbClr val="007D00"/>
+                              </a:solidFill>
+                              <a:latin typeface="Cambria Math" panose="02040503050406030204" pitchFamily="18" charset="0"/>
+                            </a:rPr>
+                            <m:t>𝒖</m:t>
+                          </m:r>
+                        </m:e>
+                      </m:d>
+                      <m:r>
+                        <a:rPr lang="en-US" altLang="ja-JP" sz="350" b="1" i="1" smtClean="0">
+                          <a:solidFill>
+                            <a:schemeClr val="tx1"/>
+                          </a:solidFill>
+                          <a:latin typeface="Cambria Math" panose="02040503050406030204" pitchFamily="18" charset="0"/>
+                          <a:ea typeface="Cambria Math" panose="02040503050406030204" pitchFamily="18" charset="0"/>
+                        </a:rPr>
+                        <m:t>×</m:t>
+                      </m:r>
+                      <m:sSub>
+                        <m:sSubPr>
+                          <m:ctrlPr>
+                            <a:rPr lang="en-US" altLang="ja-JP" sz="350" i="1">
+                              <a:solidFill>
+                                <a:srgbClr val="FF0000"/>
+                              </a:solidFill>
+                              <a:latin typeface="Cambria Math" panose="02040503050406030204" pitchFamily="18" charset="0"/>
+                            </a:rPr>
+                          </m:ctrlPr>
+                        </m:sSubPr>
+                        <m:e>
+                          <m:r>
+                            <a:rPr lang="en-US" altLang="ja-JP" sz="350" i="1">
+                              <a:solidFill>
+                                <a:srgbClr val="FF0000"/>
+                              </a:solidFill>
+                              <a:latin typeface="Cambria Math" panose="02040503050406030204" pitchFamily="18" charset="0"/>
+                            </a:rPr>
+                            <m:t>𝐸</m:t>
+                          </m:r>
+                        </m:e>
+                        <m:sub>
+                          <m:r>
+                            <a:rPr lang="en-US" altLang="ja-JP" sz="350" i="1">
+                              <a:solidFill>
+                                <a:srgbClr val="FF0000"/>
+                              </a:solidFill>
+                              <a:latin typeface="Cambria Math" panose="02040503050406030204" pitchFamily="18" charset="0"/>
+                            </a:rPr>
+                            <m:t>𝑐</m:t>
+                          </m:r>
+                        </m:sub>
+                      </m:sSub>
+                      <m:d>
+                        <m:dPr>
+                          <m:ctrlPr>
+                            <a:rPr lang="en-US" altLang="ja-JP" sz="350" i="1">
+                              <a:solidFill>
+                                <a:srgbClr val="FF0000"/>
+                              </a:solidFill>
+                              <a:latin typeface="Cambria Math" panose="02040503050406030204" pitchFamily="18" charset="0"/>
+                            </a:rPr>
+                          </m:ctrlPr>
+                        </m:dPr>
+                        <m:e>
+                          <m:r>
+                            <a:rPr lang="en-US" altLang="ja-JP" sz="350" b="1" i="1">
+                              <a:solidFill>
+                                <a:srgbClr val="FF0000"/>
+                              </a:solidFill>
+                              <a:latin typeface="Cambria Math" panose="02040503050406030204" pitchFamily="18" charset="0"/>
+                            </a:rPr>
+                            <m:t>𝒖</m:t>
+                          </m:r>
+                        </m:e>
+                      </m:d>
+                    </m:oMath>
+                  </m:oMathPara>
+                </a14:m>
+                <a:endParaRPr lang="en-US" altLang="ja-JP" sz="350" i="1" dirty="0">
+                  <a:solidFill>
+                    <a:srgbClr val="FF0000"/>
+                  </a:solidFill>
+                </a:endParaRPr>
+              </a:p>
+            </p:txBody>
+          </p:sp>
+        </mc:Choice>
+        <mc:Fallback>
+          <p:sp>
+            <p:nvSpPr>
+              <p:cNvPr id="39" name="正方形/長方形 38">
+                <a:extLst>
+                  <a:ext uri="{FF2B5EF4-FFF2-40B4-BE49-F238E27FC236}">
+                    <a16:creationId xmlns:a16="http://schemas.microsoft.com/office/drawing/2014/main" id="{C83B9329-72C1-8177-0E3F-9F1243B832F0}"/>
+                  </a:ext>
+                </a:extLst>
+              </p:cNvPr>
+              <p:cNvSpPr>
+                <a:spLocks noRot="1" noChangeAspect="1" noMove="1" noResize="1" noEditPoints="1" noAdjustHandles="1" noChangeArrowheads="1" noChangeShapeType="1" noTextEdit="1"/>
+              </p:cNvSpPr>
+              <p:nvPr/>
+            </p:nvSpPr>
+            <p:spPr>
+              <a:xfrm>
+                <a:off x="346330" y="2838200"/>
+                <a:ext cx="833946" cy="53861"/>
+              </a:xfrm>
+              <a:prstGeom prst="rect">
+                <a:avLst/>
+              </a:prstGeom>
+              <a:blipFill>
+                <a:blip r:embed="rId16"/>
+                <a:stretch>
+                  <a:fillRect l="-2190" b="-25000"/>
+                </a:stretch>
+              </a:blipFill>
+            </p:spPr>
+            <p:txBody>
+              <a:bodyPr/>
+              <a:lstStyle/>
+              <a:p>
+                <a:r>
+                  <a:rPr lang="ja-JP" altLang="en-US">
+                    <a:noFill/>
+                  </a:rPr>
+                  <a:t> </a:t>
+                </a:r>
+              </a:p>
+            </p:txBody>
+          </p:sp>
+        </mc:Fallback>
+      </mc:AlternateContent>
+      <mc:AlternateContent xmlns:mc="http://schemas.openxmlformats.org/markup-compatibility/2006">
+        <mc:Choice xmlns:a14="http://schemas.microsoft.com/office/drawing/2010/main" Requires="a14">
+          <p:sp>
+            <p:nvSpPr>
+              <p:cNvPr id="40" name="テキスト ボックス 39">
+                <a:extLst>
+                  <a:ext uri="{FF2B5EF4-FFF2-40B4-BE49-F238E27FC236}">
+                    <a16:creationId xmlns:a16="http://schemas.microsoft.com/office/drawing/2014/main" id="{70507389-8BBB-6F31-CB23-1437FAEF22D7}"/>
+                  </a:ext>
+                </a:extLst>
+              </p:cNvPr>
+              <p:cNvSpPr txBox="1"/>
+              <p:nvPr/>
+            </p:nvSpPr>
+            <p:spPr>
+              <a:xfrm>
+                <a:off x="284163" y="4200662"/>
+                <a:ext cx="1074737" cy="195310"/>
+              </a:xfrm>
+              <a:prstGeom prst="rect">
+                <a:avLst/>
+              </a:prstGeom>
+              <a:noFill/>
+            </p:spPr>
+            <p:txBody>
+              <a:bodyPr wrap="square">
+                <a:spAutoFit/>
+              </a:bodyPr>
+              <a:lstStyle/>
+              <a:p>
+                <a:pPr/>
+                <a14:m>
+                  <m:oMathPara xmlns:m="http://schemas.openxmlformats.org/officeDocument/2006/math">
+                    <m:oMathParaPr>
+                      <m:jc m:val="centerGroup"/>
+                    </m:oMathParaPr>
+                    <m:oMath xmlns:m="http://schemas.openxmlformats.org/officeDocument/2006/math">
+                      <m:r>
+                        <m:rPr>
+                          <m:sty m:val="p"/>
+                        </m:rPr>
+                        <a:rPr lang="en-US" altLang="ja-JP" sz="300" b="0" i="0" smtClean="0">
+                          <a:latin typeface="Cambria Math" panose="02040503050406030204" pitchFamily="18" charset="0"/>
+                        </a:rPr>
+                        <m:t>where</m:t>
+                      </m:r>
+                      <m:r>
+                        <a:rPr lang="en-US" altLang="ja-JP" sz="300" b="0" i="0" smtClean="0">
+                          <a:latin typeface="Cambria Math" panose="02040503050406030204" pitchFamily="18" charset="0"/>
+                        </a:rPr>
+                        <m:t> </m:t>
+                      </m:r>
+                      <m:r>
+                        <a:rPr lang="en-US" altLang="ja-JP" sz="300" i="1" smtClean="0">
+                          <a:latin typeface="Cambria Math" panose="02040503050406030204" pitchFamily="18" charset="0"/>
+                        </a:rPr>
+                        <m:t>𝐴</m:t>
+                      </m:r>
+                      <m:d>
+                        <m:dPr>
+                          <m:ctrlPr>
+                            <a:rPr lang="en-US" altLang="ja-JP" sz="300" i="1">
+                              <a:latin typeface="Cambria Math" panose="02040503050406030204" pitchFamily="18" charset="0"/>
+                            </a:rPr>
+                          </m:ctrlPr>
+                        </m:dPr>
+                        <m:e>
+                          <m:r>
+                            <a:rPr lang="en-US" altLang="ja-JP" sz="300" b="1" i="1">
+                              <a:latin typeface="Cambria Math" panose="02040503050406030204" pitchFamily="18" charset="0"/>
+                            </a:rPr>
+                            <m:t>𝒖</m:t>
+                          </m:r>
+                        </m:e>
+                      </m:d>
+                      <m:r>
+                        <a:rPr lang="en-US" altLang="ja-JP" sz="300" b="1" i="1">
+                          <a:latin typeface="Cambria Math" panose="02040503050406030204" pitchFamily="18" charset="0"/>
+                        </a:rPr>
+                        <m:t>= </m:t>
+                      </m:r>
+                      <m:d>
+                        <m:dPr>
+                          <m:begChr m:val="{"/>
+                          <m:endChr m:val=""/>
+                          <m:ctrlPr>
+                            <a:rPr lang="en-US" altLang="ja-JP" sz="300" b="0" i="1" smtClean="0">
+                              <a:solidFill>
+                                <a:schemeClr val="tx1"/>
+                              </a:solidFill>
+                              <a:latin typeface="Cambria Math" panose="02040503050406030204" pitchFamily="18" charset="0"/>
+                            </a:rPr>
+                          </m:ctrlPr>
+                        </m:dPr>
+                        <m:e>
+                          <m:eqArr>
+                            <m:eqArrPr>
+                              <m:ctrlPr>
+                                <a:rPr lang="en-US" altLang="ja-JP" sz="300" b="0" i="1" smtClean="0">
+                                  <a:solidFill>
+                                    <a:schemeClr val="tx1"/>
+                                  </a:solidFill>
+                                  <a:latin typeface="Cambria Math" panose="02040503050406030204" pitchFamily="18" charset="0"/>
+                                </a:rPr>
+                              </m:ctrlPr>
+                            </m:eqArrPr>
+                            <m:e>
+                              <m:r>
+                                <a:rPr lang="en-US" altLang="ja-JP" sz="300" b="0" i="1" smtClean="0">
+                                  <a:solidFill>
+                                    <a:schemeClr val="tx1"/>
+                                  </a:solidFill>
+                                  <a:latin typeface="Cambria Math" panose="02040503050406030204" pitchFamily="18" charset="0"/>
+                                </a:rPr>
+                                <m:t>1 (</m:t>
+                              </m:r>
+                              <m:r>
+                                <a:rPr lang="en-US" altLang="ja-JP" sz="300" b="0" i="1" smtClean="0">
+                                  <a:solidFill>
+                                    <a:schemeClr val="tx1"/>
+                                  </a:solidFill>
+                                  <a:latin typeface="Cambria Math" panose="02040503050406030204" pitchFamily="18" charset="0"/>
+                                </a:rPr>
+                                <m:t>𝑢</m:t>
+                              </m:r>
+                              <m:r>
+                                <a:rPr lang="en-US" altLang="ja-JP" sz="300" i="1">
+                                  <a:latin typeface="Cambria Math" panose="02040503050406030204" pitchFamily="18" charset="0"/>
+                                  <a:ea typeface="Cambria Math" panose="02040503050406030204" pitchFamily="18" charset="0"/>
+                                </a:rPr>
+                                <m:t>≤</m:t>
+                              </m:r>
+                              <m:r>
+                                <m:rPr>
+                                  <m:sty m:val="p"/>
+                                </m:rPr>
+                                <a:rPr lang="en-US" altLang="ja-JP" sz="300" b="0" i="0" smtClean="0">
+                                  <a:solidFill>
+                                    <a:schemeClr val="tx1"/>
+                                  </a:solidFill>
+                                  <a:latin typeface="Cambria Math" panose="02040503050406030204" pitchFamily="18" charset="0"/>
+                                </a:rPr>
+                                <m:t>objective</m:t>
+                              </m:r>
+                              <m:r>
+                                <a:rPr lang="en-US" altLang="ja-JP" sz="300" b="0" i="0" smtClean="0">
+                                  <a:solidFill>
+                                    <a:schemeClr val="tx1"/>
+                                  </a:solidFill>
+                                  <a:latin typeface="Cambria Math" panose="02040503050406030204" pitchFamily="18" charset="0"/>
+                                </a:rPr>
+                                <m:t> </m:t>
+                              </m:r>
+                              <m:r>
+                                <m:rPr>
+                                  <m:sty m:val="p"/>
+                                </m:rPr>
+                                <a:rPr lang="en-US" altLang="ja-JP" sz="300" b="0" i="0" smtClean="0">
+                                  <a:solidFill>
+                                    <a:schemeClr val="tx1"/>
+                                  </a:solidFill>
+                                  <a:latin typeface="Cambria Math" panose="02040503050406030204" pitchFamily="18" charset="0"/>
+                                </a:rPr>
+                                <m:t>aperture</m:t>
+                              </m:r>
+                              <m:r>
+                                <a:rPr lang="en-US" altLang="ja-JP" sz="300" b="0" i="1" smtClean="0">
+                                  <a:solidFill>
+                                    <a:schemeClr val="tx1"/>
+                                  </a:solidFill>
+                                  <a:latin typeface="Cambria Math" panose="02040503050406030204" pitchFamily="18" charset="0"/>
+                                </a:rPr>
+                                <m:t>)</m:t>
+                              </m:r>
+                            </m:e>
+                            <m:e>
+                              <m:r>
+                                <a:rPr lang="en-US" altLang="ja-JP" sz="300" b="0" i="1" smtClean="0">
+                                  <a:latin typeface="Cambria Math" panose="02040503050406030204" pitchFamily="18" charset="0"/>
+                                </a:rPr>
+                                <m:t>0</m:t>
+                              </m:r>
+                              <m:r>
+                                <a:rPr lang="en-US" altLang="ja-JP" sz="300" i="1">
+                                  <a:latin typeface="Cambria Math" panose="02040503050406030204" pitchFamily="18" charset="0"/>
+                                </a:rPr>
+                                <m:t> (</m:t>
+                              </m:r>
+                              <m:r>
+                                <a:rPr lang="en-US" altLang="ja-JP" sz="300" i="1">
+                                  <a:latin typeface="Cambria Math" panose="02040503050406030204" pitchFamily="18" charset="0"/>
+                                </a:rPr>
+                                <m:t>𝑢</m:t>
+                              </m:r>
+                              <m:r>
+                                <a:rPr lang="en-US" altLang="ja-JP" sz="300" i="1" smtClean="0">
+                                  <a:latin typeface="Cambria Math" panose="02040503050406030204" pitchFamily="18" charset="0"/>
+                                </a:rPr>
+                                <m:t>&gt;</m:t>
+                              </m:r>
+                              <m:r>
+                                <m:rPr>
+                                  <m:sty m:val="p"/>
+                                </m:rPr>
+                                <a:rPr lang="en-US" altLang="ja-JP" sz="300" b="0" i="0" smtClean="0">
+                                  <a:latin typeface="Cambria Math" panose="02040503050406030204" pitchFamily="18" charset="0"/>
+                                </a:rPr>
+                                <m:t>o</m:t>
+                              </m:r>
+                              <m:r>
+                                <m:rPr>
+                                  <m:sty m:val="p"/>
+                                </m:rPr>
+                                <a:rPr lang="en-US" altLang="ja-JP" sz="300" i="0">
+                                  <a:latin typeface="Cambria Math" panose="02040503050406030204" pitchFamily="18" charset="0"/>
+                                </a:rPr>
+                                <m:t>bjective</m:t>
+                              </m:r>
+                              <m:r>
+                                <a:rPr lang="en-US" altLang="ja-JP" sz="300" i="0">
+                                  <a:latin typeface="Cambria Math" panose="02040503050406030204" pitchFamily="18" charset="0"/>
+                                </a:rPr>
+                                <m:t> </m:t>
+                              </m:r>
+                              <m:r>
+                                <m:rPr>
+                                  <m:sty m:val="p"/>
+                                </m:rPr>
+                                <a:rPr lang="en-US" altLang="ja-JP" sz="300" i="0">
+                                  <a:latin typeface="Cambria Math" panose="02040503050406030204" pitchFamily="18" charset="0"/>
+                                </a:rPr>
+                                <m:t>aperture</m:t>
+                              </m:r>
+                              <m:r>
+                                <a:rPr lang="en-US" altLang="ja-JP" sz="300" i="1">
+                                  <a:latin typeface="Cambria Math" panose="02040503050406030204" pitchFamily="18" charset="0"/>
+                                </a:rPr>
+                                <m:t>)</m:t>
+                              </m:r>
+                            </m:e>
+                          </m:eqArr>
+                        </m:e>
+                      </m:d>
+                    </m:oMath>
+                  </m:oMathPara>
+                </a14:m>
+                <a:endParaRPr lang="ja-JP" altLang="en-US" sz="300" dirty="0"/>
+              </a:p>
+            </p:txBody>
+          </p:sp>
+        </mc:Choice>
+        <mc:Fallback>
+          <p:sp>
+            <p:nvSpPr>
+              <p:cNvPr id="40" name="テキスト ボックス 39">
+                <a:extLst>
+                  <a:ext uri="{FF2B5EF4-FFF2-40B4-BE49-F238E27FC236}">
+                    <a16:creationId xmlns:a16="http://schemas.microsoft.com/office/drawing/2014/main" id="{70507389-8BBB-6F31-CB23-1437FAEF22D7}"/>
+                  </a:ext>
+                </a:extLst>
+              </p:cNvPr>
+              <p:cNvSpPr txBox="1">
+                <a:spLocks noRot="1" noChangeAspect="1" noMove="1" noResize="1" noEditPoints="1" noAdjustHandles="1" noChangeArrowheads="1" noChangeShapeType="1" noTextEdit="1"/>
+              </p:cNvSpPr>
+              <p:nvPr/>
+            </p:nvSpPr>
+            <p:spPr>
+              <a:xfrm>
+                <a:off x="284163" y="4200662"/>
+                <a:ext cx="1074737" cy="195310"/>
+              </a:xfrm>
+              <a:prstGeom prst="rect">
+                <a:avLst/>
+              </a:prstGeom>
+              <a:blipFill>
+                <a:blip r:embed="rId17"/>
+                <a:stretch>
+                  <a:fillRect t="-100000" b="-153125"/>
+                </a:stretch>
+              </a:blipFill>
+            </p:spPr>
+            <p:txBody>
+              <a:bodyPr/>
+              <a:lstStyle/>
+              <a:p>
+                <a:r>
+                  <a:rPr lang="ja-JP" altLang="en-US">
+                    <a:noFill/>
+                  </a:rPr>
+                  <a:t> </a:t>
+                </a:r>
+              </a:p>
+            </p:txBody>
+          </p:sp>
+        </mc:Fallback>
+      </mc:AlternateContent>
+      <mc:AlternateContent xmlns:mc="http://schemas.openxmlformats.org/markup-compatibility/2006">
+        <mc:Choice xmlns:a14="http://schemas.microsoft.com/office/drawing/2010/main" Requires="a14">
+          <p:sp>
+            <p:nvSpPr>
+              <p:cNvPr id="42" name="テキスト ボックス 41">
+                <a:extLst>
+                  <a:ext uri="{FF2B5EF4-FFF2-40B4-BE49-F238E27FC236}">
+                    <a16:creationId xmlns:a16="http://schemas.microsoft.com/office/drawing/2014/main" id="{035520DC-513E-A99B-449F-894A91F96C4D}"/>
+                  </a:ext>
+                </a:extLst>
+              </p:cNvPr>
+              <p:cNvSpPr txBox="1"/>
+              <p:nvPr/>
+            </p:nvSpPr>
+            <p:spPr>
+              <a:xfrm>
+                <a:off x="3153946" y="2106068"/>
+                <a:ext cx="1693517" cy="435632"/>
+              </a:xfrm>
+              <a:prstGeom prst="rect">
+                <a:avLst/>
+              </a:prstGeom>
+              <a:noFill/>
+            </p:spPr>
+            <p:txBody>
+              <a:bodyPr wrap="square">
+                <a:spAutoFit/>
+              </a:bodyPr>
+              <a:lstStyle/>
+              <a:p>
+                <a:pPr/>
+                <a14:m>
+                  <m:oMathPara xmlns:m="http://schemas.openxmlformats.org/officeDocument/2006/math">
+                    <m:oMathParaPr>
+                      <m:jc m:val="centerGroup"/>
+                    </m:oMathParaPr>
+                    <m:oMath xmlns:m="http://schemas.openxmlformats.org/officeDocument/2006/math">
+                      <m:r>
+                        <m:rPr>
+                          <m:sty m:val="p"/>
+                        </m:rPr>
+                        <a:rPr lang="en-US" altLang="ja-JP" sz="1000" b="0" i="0" smtClean="0">
+                          <a:latin typeface="Cambria Math" panose="02040503050406030204" pitchFamily="18" charset="0"/>
+                        </a:rPr>
+                        <m:t>where</m:t>
+                      </m:r>
+                      <m:r>
+                        <a:rPr lang="en-US" altLang="ja-JP" sz="1000" b="0" i="0" smtClean="0">
+                          <a:latin typeface="Cambria Math" panose="02040503050406030204" pitchFamily="18" charset="0"/>
+                        </a:rPr>
+                        <m:t> </m:t>
+                      </m:r>
+                      <m:r>
+                        <a:rPr lang="en-US" altLang="ja-JP" sz="1000" i="1" smtClean="0">
+                          <a:latin typeface="Cambria Math" panose="02040503050406030204" pitchFamily="18" charset="0"/>
+                        </a:rPr>
+                        <m:t>𝐴</m:t>
+                      </m:r>
+                      <m:d>
+                        <m:dPr>
+                          <m:ctrlPr>
+                            <a:rPr lang="en-US" altLang="ja-JP" sz="1000" i="1">
+                              <a:latin typeface="Cambria Math" panose="02040503050406030204" pitchFamily="18" charset="0"/>
+                            </a:rPr>
+                          </m:ctrlPr>
+                        </m:dPr>
+                        <m:e>
+                          <m:r>
+                            <a:rPr lang="en-US" altLang="ja-JP" sz="1000" b="1" i="1">
+                              <a:latin typeface="Cambria Math" panose="02040503050406030204" pitchFamily="18" charset="0"/>
+                            </a:rPr>
+                            <m:t>𝒖</m:t>
+                          </m:r>
+                        </m:e>
+                      </m:d>
+                      <m:r>
+                        <a:rPr lang="en-US" altLang="ja-JP" sz="1000" b="1" i="1">
+                          <a:latin typeface="Cambria Math" panose="02040503050406030204" pitchFamily="18" charset="0"/>
+                        </a:rPr>
+                        <m:t>=</m:t>
+                      </m:r>
+                      <m:r>
+                        <a:rPr lang="en-US" altLang="ja-JP" sz="1000" b="1" i="1" smtClean="0">
+                          <a:latin typeface="Cambria Math" panose="02040503050406030204" pitchFamily="18" charset="0"/>
+                        </a:rPr>
+                        <m:t> </m:t>
+                      </m:r>
+                      <m:d>
+                        <m:dPr>
+                          <m:begChr m:val="{"/>
+                          <m:endChr m:val=""/>
+                          <m:ctrlPr>
+                            <a:rPr lang="en-US" altLang="ja-JP" sz="1000" b="0" i="1" smtClean="0">
+                              <a:solidFill>
+                                <a:schemeClr val="tx1"/>
+                              </a:solidFill>
+                              <a:latin typeface="Cambria Math" panose="02040503050406030204" pitchFamily="18" charset="0"/>
+                            </a:rPr>
+                          </m:ctrlPr>
+                        </m:dPr>
+                        <m:e>
+                          <m:eqArr>
+                            <m:eqArrPr>
+                              <m:ctrlPr>
+                                <a:rPr lang="en-US" altLang="ja-JP" sz="1000" b="0" i="1" smtClean="0">
+                                  <a:solidFill>
+                                    <a:schemeClr val="tx1"/>
+                                  </a:solidFill>
+                                  <a:latin typeface="Cambria Math" panose="02040503050406030204" pitchFamily="18" charset="0"/>
+                                </a:rPr>
+                              </m:ctrlPr>
+                            </m:eqArrPr>
+                            <m:e>
+                              <m:r>
+                                <a:rPr lang="en-US" altLang="ja-JP" sz="1000" b="0" i="1" smtClean="0">
+                                  <a:solidFill>
+                                    <a:schemeClr val="tx1"/>
+                                  </a:solidFill>
+                                  <a:latin typeface="Cambria Math" panose="02040503050406030204" pitchFamily="18" charset="0"/>
+                                </a:rPr>
+                                <m:t>1 (</m:t>
+                              </m:r>
+                              <m:r>
+                                <a:rPr lang="en-US" altLang="ja-JP" sz="1000" b="0" i="1" smtClean="0">
+                                  <a:solidFill>
+                                    <a:schemeClr val="tx1"/>
+                                  </a:solidFill>
+                                  <a:latin typeface="Cambria Math" panose="02040503050406030204" pitchFamily="18" charset="0"/>
+                                </a:rPr>
+                                <m:t>𝑢</m:t>
+                              </m:r>
+                              <m:r>
+                                <a:rPr lang="en-US" altLang="ja-JP" sz="1000" b="0" i="1" smtClean="0">
+                                  <a:solidFill>
+                                    <a:schemeClr val="tx1"/>
+                                  </a:solidFill>
+                                  <a:latin typeface="Cambria Math" panose="02040503050406030204" pitchFamily="18" charset="0"/>
+                                  <a:ea typeface="Cambria Math" panose="02040503050406030204" pitchFamily="18" charset="0"/>
+                                </a:rPr>
+                                <m:t>≤</m:t>
+                              </m:r>
+                              <m:r>
+                                <a:rPr lang="ja-JP" altLang="en-US" sz="1000" b="0" i="1" smtClean="0">
+                                  <a:solidFill>
+                                    <a:schemeClr val="tx1"/>
+                                  </a:solidFill>
+                                  <a:latin typeface="Cambria Math" panose="02040503050406030204" pitchFamily="18" charset="0"/>
+                                  <a:ea typeface="Cambria Math" panose="02040503050406030204" pitchFamily="18" charset="0"/>
+                                </a:rPr>
+                                <m:t>𝛼</m:t>
+                              </m:r>
+                              <m:r>
+                                <a:rPr lang="en-US" altLang="ja-JP" sz="1000" b="0" i="1" smtClean="0">
+                                  <a:solidFill>
+                                    <a:schemeClr val="tx1"/>
+                                  </a:solidFill>
+                                  <a:latin typeface="Cambria Math" panose="02040503050406030204" pitchFamily="18" charset="0"/>
+                                </a:rPr>
+                                <m:t>)</m:t>
+                              </m:r>
+                            </m:e>
+                            <m:e>
+                              <m:r>
+                                <a:rPr lang="en-US" altLang="ja-JP" sz="1000" b="0" i="1" smtClean="0">
+                                  <a:latin typeface="Cambria Math" panose="02040503050406030204" pitchFamily="18" charset="0"/>
+                                </a:rPr>
+                                <m:t>0</m:t>
+                              </m:r>
+                              <m:r>
+                                <a:rPr lang="en-US" altLang="ja-JP" sz="1000" i="1">
+                                  <a:latin typeface="Cambria Math" panose="02040503050406030204" pitchFamily="18" charset="0"/>
+                                </a:rPr>
+                                <m:t> (</m:t>
+                              </m:r>
+                              <m:r>
+                                <a:rPr lang="en-US" altLang="ja-JP" sz="1000" i="1">
+                                  <a:latin typeface="Cambria Math" panose="02040503050406030204" pitchFamily="18" charset="0"/>
+                                </a:rPr>
+                                <m:t>𝑢</m:t>
+                              </m:r>
+                              <m:r>
+                                <a:rPr lang="en-US" altLang="ja-JP" sz="1000" i="1" smtClean="0">
+                                  <a:latin typeface="Cambria Math" panose="02040503050406030204" pitchFamily="18" charset="0"/>
+                                </a:rPr>
+                                <m:t>&gt;</m:t>
+                              </m:r>
+                              <m:r>
+                                <a:rPr lang="ja-JP" altLang="en-US" sz="1000" i="1">
+                                  <a:latin typeface="Cambria Math" panose="02040503050406030204" pitchFamily="18" charset="0"/>
+                                  <a:ea typeface="Cambria Math" panose="02040503050406030204" pitchFamily="18" charset="0"/>
+                                </a:rPr>
+                                <m:t>𝛼</m:t>
+                              </m:r>
+                              <m:r>
+                                <a:rPr lang="en-US" altLang="ja-JP" sz="1000" i="1">
+                                  <a:latin typeface="Cambria Math" panose="02040503050406030204" pitchFamily="18" charset="0"/>
+                                </a:rPr>
+                                <m:t>)</m:t>
+                              </m:r>
+                            </m:e>
+                          </m:eqArr>
+                        </m:e>
+                      </m:d>
+                    </m:oMath>
+                  </m:oMathPara>
+                </a14:m>
+                <a:endParaRPr lang="ja-JP" altLang="en-US" sz="1000" dirty="0"/>
+              </a:p>
+            </p:txBody>
+          </p:sp>
+        </mc:Choice>
+        <mc:Fallback>
+          <p:sp>
+            <p:nvSpPr>
+              <p:cNvPr id="42" name="テキスト ボックス 41">
+                <a:extLst>
+                  <a:ext uri="{FF2B5EF4-FFF2-40B4-BE49-F238E27FC236}">
+                    <a16:creationId xmlns:a16="http://schemas.microsoft.com/office/drawing/2014/main" id="{035520DC-513E-A99B-449F-894A91F96C4D}"/>
+                  </a:ext>
+                </a:extLst>
+              </p:cNvPr>
+              <p:cNvSpPr txBox="1">
+                <a:spLocks noRot="1" noChangeAspect="1" noMove="1" noResize="1" noEditPoints="1" noAdjustHandles="1" noChangeArrowheads="1" noChangeShapeType="1" noTextEdit="1"/>
+              </p:cNvSpPr>
+              <p:nvPr/>
+            </p:nvSpPr>
+            <p:spPr>
+              <a:xfrm>
+                <a:off x="3153946" y="2106068"/>
+                <a:ext cx="1693517" cy="435632"/>
+              </a:xfrm>
+              <a:prstGeom prst="rect">
+                <a:avLst/>
+              </a:prstGeom>
+              <a:blipFill>
+                <a:blip r:embed="rId18"/>
+                <a:stretch>
+                  <a:fillRect t="-175000" r="-9353" b="-251389"/>
+                </a:stretch>
+              </a:blipFill>
+            </p:spPr>
+            <p:txBody>
+              <a:bodyPr/>
+              <a:lstStyle/>
+              <a:p>
+                <a:r>
+                  <a:rPr lang="ja-JP" altLang="en-US">
+                    <a:noFill/>
+                  </a:rPr>
+                  <a:t> </a:t>
+                </a:r>
+              </a:p>
+            </p:txBody>
+          </p:sp>
+        </mc:Fallback>
+      </mc:AlternateContent>
+      <mc:AlternateContent xmlns:mc="http://schemas.openxmlformats.org/markup-compatibility/2006">
+        <mc:Choice xmlns:a14="http://schemas.microsoft.com/office/drawing/2010/main" Requires="a14">
+          <p:sp>
+            <p:nvSpPr>
+              <p:cNvPr id="43" name="テキスト ボックス 42">
+                <a:extLst>
+                  <a:ext uri="{FF2B5EF4-FFF2-40B4-BE49-F238E27FC236}">
+                    <a16:creationId xmlns:a16="http://schemas.microsoft.com/office/drawing/2014/main" id="{B63045FA-1A38-6963-7DC5-72FB58922A9F}"/>
+                  </a:ext>
+                </a:extLst>
+              </p:cNvPr>
+              <p:cNvSpPr txBox="1"/>
+              <p:nvPr/>
+            </p:nvSpPr>
+            <p:spPr>
+              <a:xfrm>
+                <a:off x="3891296" y="3873838"/>
+                <a:ext cx="2056943" cy="239361"/>
+              </a:xfrm>
+              <a:prstGeom prst="rect">
+                <a:avLst/>
+              </a:prstGeom>
+              <a:noFill/>
+            </p:spPr>
+            <p:txBody>
+              <a:bodyPr wrap="square" lIns="0" tIns="0" rIns="0" bIns="0" rtlCol="0">
+                <a:spAutoFit/>
+              </a:bodyPr>
+              <a:lstStyle/>
+              <a:p>
+                <a:pPr/>
+                <a14:m>
+                  <m:oMath xmlns:m="http://schemas.openxmlformats.org/officeDocument/2006/math">
+                    <m:r>
+                      <a:rPr kumimoji="1" lang="en-US" altLang="ja-JP" sz="350" b="0" i="1" smtClean="0">
+                        <a:solidFill>
+                          <a:schemeClr val="tx1"/>
+                        </a:solidFill>
+                        <a:latin typeface="Cambria Math" panose="02040503050406030204" pitchFamily="18" charset="0"/>
+                      </a:rPr>
+                      <m:t>𝑇</m:t>
+                    </m:r>
+                    <m:d>
+                      <m:dPr>
+                        <m:ctrlPr>
+                          <a:rPr kumimoji="1" lang="en-US" altLang="ja-JP" sz="350" b="0" i="1" smtClean="0">
+                            <a:solidFill>
+                              <a:schemeClr val="tx1"/>
+                            </a:solidFill>
+                            <a:latin typeface="Cambria Math" panose="02040503050406030204" pitchFamily="18" charset="0"/>
+                          </a:rPr>
+                        </m:ctrlPr>
+                      </m:dPr>
+                      <m:e>
+                        <m:r>
+                          <a:rPr kumimoji="1" lang="en-US" altLang="ja-JP" sz="350" b="1" i="1" smtClean="0">
+                            <a:solidFill>
+                              <a:schemeClr val="tx1"/>
+                            </a:solidFill>
+                            <a:latin typeface="Cambria Math" panose="02040503050406030204" pitchFamily="18" charset="0"/>
+                          </a:rPr>
+                          <m:t>𝒖</m:t>
+                        </m:r>
+                      </m:e>
+                    </m:d>
+                    <m:r>
+                      <m:rPr>
+                        <m:aln/>
+                      </m:rPr>
+                      <a:rPr kumimoji="1" lang="en-US" altLang="ja-JP" sz="350" b="0" i="1" smtClean="0">
+                        <a:solidFill>
+                          <a:schemeClr val="tx1"/>
+                        </a:solidFill>
+                        <a:latin typeface="Cambria Math" panose="02040503050406030204" pitchFamily="18" charset="0"/>
+                      </a:rPr>
+                      <m:t>=</m:t>
+                    </m:r>
+                  </m:oMath>
+                </a14:m>
+                <a:r>
+                  <a:rPr kumimoji="1" lang="en-US" altLang="ja-JP" sz="350" dirty="0">
+                    <a:solidFill>
+                      <a:schemeClr val="tx1"/>
+                    </a:solidFill>
+                  </a:rPr>
+                  <a:t> </a:t>
+                </a:r>
+                <a14:m>
+                  <m:oMath xmlns:m="http://schemas.openxmlformats.org/officeDocument/2006/math">
+                    <m:nary>
+                      <m:naryPr>
+                        <m:subHide m:val="on"/>
+                        <m:supHide m:val="on"/>
+                        <m:ctrlPr>
+                          <a:rPr kumimoji="1" lang="en-US" altLang="ja-JP" sz="350" i="1">
+                            <a:solidFill>
+                              <a:schemeClr val="tx1"/>
+                            </a:solidFill>
+                            <a:latin typeface="Cambria Math" panose="02040503050406030204" pitchFamily="18" charset="0"/>
+                          </a:rPr>
+                        </m:ctrlPr>
+                      </m:naryPr>
+                      <m:sub/>
+                      <m:sup/>
+                      <m:e>
+                        <m:r>
+                          <a:rPr kumimoji="1" lang="en-US" altLang="ja-JP" sz="350" i="1">
+                            <a:solidFill>
+                              <a:schemeClr val="tx1"/>
+                            </a:solidFill>
+                            <a:latin typeface="Cambria Math" panose="02040503050406030204" pitchFamily="18" charset="0"/>
+                          </a:rPr>
+                          <m:t>𝐴</m:t>
+                        </m:r>
+                        <m:d>
+                          <m:dPr>
+                            <m:ctrlPr>
+                              <a:rPr kumimoji="1" lang="en-US" altLang="ja-JP" sz="350" i="1">
+                                <a:solidFill>
+                                  <a:schemeClr val="tx1"/>
+                                </a:solidFill>
+                                <a:latin typeface="Cambria Math" panose="02040503050406030204" pitchFamily="18" charset="0"/>
+                              </a:rPr>
+                            </m:ctrlPr>
+                          </m:dPr>
+                          <m:e>
+                            <m:r>
+                              <a:rPr kumimoji="1" lang="en-US" altLang="ja-JP" sz="350" b="1">
+                                <a:solidFill>
+                                  <a:schemeClr val="tx1"/>
+                                </a:solidFill>
+                                <a:latin typeface="Cambria Math" panose="02040503050406030204" pitchFamily="18" charset="0"/>
+                              </a:rPr>
+                              <m:t>𝐊</m:t>
+                            </m:r>
+                          </m:e>
+                        </m:d>
+                        <m:r>
+                          <a:rPr kumimoji="1" lang="en-US" altLang="ja-JP" sz="350" i="1">
+                            <a:solidFill>
+                              <a:schemeClr val="tx1"/>
+                            </a:solidFill>
+                            <a:latin typeface="Cambria Math" panose="02040503050406030204" pitchFamily="18" charset="0"/>
+                          </a:rPr>
+                          <m:t>𝐴</m:t>
+                        </m:r>
+                        <m:d>
+                          <m:dPr>
+                            <m:ctrlPr>
+                              <a:rPr kumimoji="1" lang="en-US" altLang="ja-JP" sz="350" i="1">
+                                <a:solidFill>
+                                  <a:schemeClr val="tx1"/>
+                                </a:solidFill>
+                                <a:latin typeface="Cambria Math" panose="02040503050406030204" pitchFamily="18" charset="0"/>
+                              </a:rPr>
+                            </m:ctrlPr>
+                          </m:dPr>
+                          <m:e>
+                            <m:r>
+                              <a:rPr kumimoji="1" lang="en-US" altLang="ja-JP" sz="350" b="1">
+                                <a:solidFill>
+                                  <a:schemeClr val="tx1"/>
+                                </a:solidFill>
+                                <a:latin typeface="Cambria Math" panose="02040503050406030204" pitchFamily="18" charset="0"/>
+                              </a:rPr>
+                              <m:t>𝐊</m:t>
+                            </m:r>
+                            <m:r>
+                              <a:rPr kumimoji="1" lang="en-US" altLang="ja-JP" sz="350" i="1">
+                                <a:solidFill>
+                                  <a:schemeClr val="tx1"/>
+                                </a:solidFill>
+                                <a:latin typeface="Cambria Math" panose="02040503050406030204" pitchFamily="18" charset="0"/>
+                              </a:rPr>
+                              <m:t>−</m:t>
+                            </m:r>
+                            <m:r>
+                              <a:rPr kumimoji="1" lang="en-US" altLang="ja-JP" sz="350" b="1" i="1">
+                                <a:solidFill>
+                                  <a:schemeClr val="tx1"/>
+                                </a:solidFill>
+                                <a:latin typeface="Cambria Math" panose="02040503050406030204" pitchFamily="18" charset="0"/>
+                              </a:rPr>
+                              <m:t>𝒖</m:t>
+                            </m:r>
+                          </m:e>
+                        </m:d>
+                        <m:func>
+                          <m:funcPr>
+                            <m:ctrlPr>
+                              <a:rPr kumimoji="1" lang="en-US" altLang="ja-JP" sz="350" i="1">
+                                <a:solidFill>
+                                  <a:schemeClr val="tx1"/>
+                                </a:solidFill>
+                                <a:latin typeface="Cambria Math" panose="02040503050406030204" pitchFamily="18" charset="0"/>
+                              </a:rPr>
+                            </m:ctrlPr>
+                          </m:funcPr>
+                          <m:fName>
+                            <m:r>
+                              <m:rPr>
+                                <m:sty m:val="p"/>
+                              </m:rPr>
+                              <a:rPr kumimoji="1" lang="en-US" altLang="ja-JP" sz="350">
+                                <a:solidFill>
+                                  <a:schemeClr val="tx1"/>
+                                </a:solidFill>
+                                <a:latin typeface="Cambria Math" panose="02040503050406030204" pitchFamily="18" charset="0"/>
+                              </a:rPr>
+                              <m:t>exp</m:t>
+                            </m:r>
+                          </m:fName>
+                          <m:e>
+                            <m:d>
+                              <m:dPr>
+                                <m:ctrlPr>
+                                  <a:rPr kumimoji="1" lang="en-US" altLang="ja-JP" sz="350" i="1">
+                                    <a:solidFill>
+                                      <a:schemeClr val="tx1"/>
+                                    </a:solidFill>
+                                    <a:latin typeface="Cambria Math" panose="02040503050406030204" pitchFamily="18" charset="0"/>
+                                  </a:rPr>
+                                </m:ctrlPr>
+                              </m:dPr>
+                              <m:e>
+                                <m:r>
+                                  <a:rPr kumimoji="1" lang="en-US" altLang="ja-JP" sz="350" i="1">
+                                    <a:solidFill>
+                                      <a:schemeClr val="tx1"/>
+                                    </a:solidFill>
+                                    <a:latin typeface="Cambria Math" panose="02040503050406030204" pitchFamily="18" charset="0"/>
+                                  </a:rPr>
+                                  <m:t>−</m:t>
+                                </m:r>
+                                <m:r>
+                                  <a:rPr kumimoji="1" lang="en-US" altLang="ja-JP" sz="350" i="1">
+                                    <a:solidFill>
+                                      <a:schemeClr val="tx1"/>
+                                    </a:solidFill>
+                                    <a:latin typeface="Cambria Math" panose="02040503050406030204" pitchFamily="18" charset="0"/>
+                                  </a:rPr>
+                                  <m:t>𝑖𝑊</m:t>
+                                </m:r>
+                                <m:d>
+                                  <m:dPr>
+                                    <m:ctrlPr>
+                                      <a:rPr kumimoji="1" lang="en-US" altLang="ja-JP" sz="350" i="1">
+                                        <a:solidFill>
+                                          <a:schemeClr val="tx1"/>
+                                        </a:solidFill>
+                                        <a:latin typeface="Cambria Math" panose="02040503050406030204" pitchFamily="18" charset="0"/>
+                                      </a:rPr>
+                                    </m:ctrlPr>
+                                  </m:dPr>
+                                  <m:e>
+                                    <m:r>
+                                      <a:rPr kumimoji="1" lang="en-US" altLang="ja-JP" sz="350" b="1" i="0">
+                                        <a:solidFill>
+                                          <a:schemeClr val="tx1"/>
+                                        </a:solidFill>
+                                        <a:latin typeface="Cambria Math" panose="02040503050406030204" pitchFamily="18" charset="0"/>
+                                      </a:rPr>
+                                      <m:t>𝐊</m:t>
+                                    </m:r>
+                                  </m:e>
+                                </m:d>
+                                <m:r>
+                                  <a:rPr kumimoji="1" lang="en-US" altLang="ja-JP" sz="350" i="1">
+                                    <a:solidFill>
+                                      <a:schemeClr val="tx1"/>
+                                    </a:solidFill>
+                                    <a:latin typeface="Cambria Math" panose="02040503050406030204" pitchFamily="18" charset="0"/>
+                                  </a:rPr>
+                                  <m:t>+</m:t>
+                                </m:r>
+                                <m:r>
+                                  <a:rPr kumimoji="1" lang="en-US" altLang="ja-JP" sz="350" i="1">
+                                    <a:solidFill>
+                                      <a:schemeClr val="tx1"/>
+                                    </a:solidFill>
+                                    <a:latin typeface="Cambria Math" panose="02040503050406030204" pitchFamily="18" charset="0"/>
+                                  </a:rPr>
+                                  <m:t>𝑖𝑊</m:t>
+                                </m:r>
+                                <m:d>
+                                  <m:dPr>
+                                    <m:ctrlPr>
+                                      <a:rPr kumimoji="1" lang="en-US" altLang="ja-JP" sz="350" i="1">
+                                        <a:solidFill>
+                                          <a:schemeClr val="tx1"/>
+                                        </a:solidFill>
+                                        <a:latin typeface="Cambria Math" panose="02040503050406030204" pitchFamily="18" charset="0"/>
+                                      </a:rPr>
+                                    </m:ctrlPr>
+                                  </m:dPr>
+                                  <m:e>
+                                    <m:r>
+                                      <a:rPr kumimoji="1" lang="en-US" altLang="ja-JP" sz="350" b="1" i="0">
+                                        <a:solidFill>
+                                          <a:schemeClr val="tx1"/>
+                                        </a:solidFill>
+                                        <a:latin typeface="Cambria Math" panose="02040503050406030204" pitchFamily="18" charset="0"/>
+                                      </a:rPr>
+                                      <m:t>𝐊</m:t>
+                                    </m:r>
+                                    <m:r>
+                                      <a:rPr kumimoji="1" lang="en-US" altLang="ja-JP" sz="350" b="1">
+                                        <a:solidFill>
+                                          <a:schemeClr val="tx1"/>
+                                        </a:solidFill>
+                                        <a:latin typeface="Cambria Math" panose="02040503050406030204" pitchFamily="18" charset="0"/>
+                                      </a:rPr>
+                                      <m:t>−</m:t>
+                                    </m:r>
+                                    <m:r>
+                                      <a:rPr kumimoji="1" lang="en-US" altLang="ja-JP" sz="350" b="1" i="1">
+                                        <a:solidFill>
+                                          <a:schemeClr val="tx1"/>
+                                        </a:solidFill>
+                                        <a:latin typeface="Cambria Math" panose="02040503050406030204" pitchFamily="18" charset="0"/>
+                                      </a:rPr>
+                                      <m:t>𝒖</m:t>
+                                    </m:r>
+                                  </m:e>
+                                </m:d>
+                              </m:e>
+                            </m:d>
+                          </m:e>
+                        </m:func>
+                      </m:e>
+                    </m:nary>
+                    <m:func>
+                      <m:funcPr>
+                        <m:ctrlPr>
+                          <a:rPr kumimoji="1" lang="en-US" altLang="ja-JP" sz="350" i="1">
+                            <a:solidFill>
+                              <a:schemeClr val="tx1"/>
+                            </a:solidFill>
+                            <a:latin typeface="Cambria Math" panose="02040503050406030204" pitchFamily="18" charset="0"/>
+                          </a:rPr>
+                        </m:ctrlPr>
+                      </m:funcPr>
+                      <m:fName>
+                        <m:r>
+                          <m:rPr>
+                            <m:sty m:val="p"/>
+                          </m:rPr>
+                          <a:rPr kumimoji="1" lang="en-US" altLang="ja-JP" sz="350">
+                            <a:solidFill>
+                              <a:schemeClr val="tx1"/>
+                            </a:solidFill>
+                            <a:latin typeface="Cambria Math" panose="02040503050406030204" pitchFamily="18" charset="0"/>
+                          </a:rPr>
+                          <m:t>exp</m:t>
+                        </m:r>
+                      </m:fName>
+                      <m:e>
+                        <m:d>
+                          <m:dPr>
+                            <m:begChr m:val="["/>
+                            <m:endChr m:val="]"/>
+                            <m:ctrlPr>
+                              <a:rPr kumimoji="1" lang="en-US" altLang="ja-JP" sz="350" i="1">
+                                <a:solidFill>
+                                  <a:schemeClr val="tx1"/>
+                                </a:solidFill>
+                                <a:latin typeface="Cambria Math" panose="02040503050406030204" pitchFamily="18" charset="0"/>
+                              </a:rPr>
+                            </m:ctrlPr>
+                          </m:dPr>
+                          <m:e>
+                            <m:r>
+                              <a:rPr kumimoji="1" lang="en-US" altLang="ja-JP" sz="350" i="1">
+                                <a:solidFill>
+                                  <a:schemeClr val="tx1"/>
+                                </a:solidFill>
+                                <a:latin typeface="Cambria Math" panose="02040503050406030204" pitchFamily="18" charset="0"/>
+                              </a:rPr>
+                              <m:t>−</m:t>
+                            </m:r>
+                            <m:sSup>
+                              <m:sSupPr>
+                                <m:ctrlPr>
+                                  <a:rPr kumimoji="1" lang="en-US" altLang="ja-JP" sz="350" i="1">
+                                    <a:latin typeface="Cambria Math" panose="02040503050406030204" pitchFamily="18" charset="0"/>
+                                  </a:rPr>
+                                </m:ctrlPr>
+                              </m:sSupPr>
+                              <m:e>
+                                <m:d>
+                                  <m:dPr>
+                                    <m:ctrlPr>
+                                      <a:rPr kumimoji="1" lang="en-US" altLang="ja-JP" sz="350" i="1">
+                                        <a:latin typeface="Cambria Math" panose="02040503050406030204" pitchFamily="18" charset="0"/>
+                                      </a:rPr>
+                                    </m:ctrlPr>
+                                  </m:dPr>
+                                  <m:e>
+                                    <m:r>
+                                      <a:rPr kumimoji="1" lang="en-US" altLang="ja-JP" sz="350" i="1">
+                                        <a:latin typeface="Cambria Math" panose="02040503050406030204" pitchFamily="18" charset="0"/>
+                                      </a:rPr>
+                                      <m:t>𝜋𝜆</m:t>
+                                    </m:r>
+                                    <m:sSub>
+                                      <m:sSubPr>
+                                        <m:ctrlPr>
+                                          <a:rPr kumimoji="1" lang="en-US" altLang="ja-JP" sz="350" i="1">
+                                            <a:latin typeface="Cambria Math" panose="02040503050406030204" pitchFamily="18" charset="0"/>
+                                          </a:rPr>
+                                        </m:ctrlPr>
+                                      </m:sSubPr>
+                                      <m:e>
+                                        <m:r>
+                                          <a:rPr kumimoji="1" lang="en-US" altLang="ja-JP" sz="350" i="1">
+                                            <a:latin typeface="Cambria Math" panose="02040503050406030204" pitchFamily="18" charset="0"/>
+                                          </a:rPr>
+                                          <m:t>𝜎</m:t>
+                                        </m:r>
+                                      </m:e>
+                                      <m:sub>
+                                        <m:r>
+                                          <a:rPr kumimoji="1" lang="en-US" altLang="ja-JP" sz="350" i="1">
+                                            <a:latin typeface="Cambria Math" panose="02040503050406030204" pitchFamily="18" charset="0"/>
+                                          </a:rPr>
+                                          <m:t>𝑓</m:t>
+                                        </m:r>
+                                      </m:sub>
+                                    </m:sSub>
+                                  </m:e>
+                                </m:d>
+                              </m:e>
+                              <m:sup>
+                                <m:r>
+                                  <a:rPr kumimoji="1" lang="en-US" altLang="ja-JP" sz="350" i="1">
+                                    <a:latin typeface="Cambria Math" panose="02040503050406030204" pitchFamily="18" charset="0"/>
+                                  </a:rPr>
+                                  <m:t>2</m:t>
+                                </m:r>
+                              </m:sup>
+                            </m:sSup>
+                            <m:sSup>
+                              <m:sSupPr>
+                                <m:ctrlPr>
+                                  <a:rPr kumimoji="1" lang="en-US" altLang="ja-JP" sz="350" i="1">
+                                    <a:latin typeface="Cambria Math" panose="02040503050406030204" pitchFamily="18" charset="0"/>
+                                  </a:rPr>
+                                </m:ctrlPr>
+                              </m:sSupPr>
+                              <m:e>
+                                <m:d>
+                                  <m:dPr>
+                                    <m:begChr m:val="{"/>
+                                    <m:endChr m:val="}"/>
+                                    <m:ctrlPr>
+                                      <a:rPr kumimoji="1" lang="en-US" altLang="ja-JP" sz="350" i="1">
+                                        <a:latin typeface="Cambria Math" panose="02040503050406030204" pitchFamily="18" charset="0"/>
+                                      </a:rPr>
+                                    </m:ctrlPr>
+                                  </m:dPr>
+                                  <m:e>
+                                    <m:sSup>
+                                      <m:sSupPr>
+                                        <m:ctrlPr>
+                                          <a:rPr kumimoji="1" lang="en-US" altLang="ja-JP" sz="350" i="1">
+                                            <a:latin typeface="Cambria Math" panose="02040503050406030204" pitchFamily="18" charset="0"/>
+                                          </a:rPr>
+                                        </m:ctrlPr>
+                                      </m:sSupPr>
+                                      <m:e>
+                                        <m:sSup>
+                                          <m:sSupPr>
+                                            <m:ctrlPr>
+                                              <a:rPr kumimoji="1" lang="en-US" altLang="ja-JP" sz="350" i="1">
+                                                <a:latin typeface="Cambria Math" panose="02040503050406030204" pitchFamily="18" charset="0"/>
+                                              </a:rPr>
+                                            </m:ctrlPr>
+                                          </m:sSupPr>
+                                          <m:e>
+                                            <m:r>
+                                              <a:rPr kumimoji="1" lang="en-US" altLang="ja-JP" sz="350" b="1">
+                                                <a:latin typeface="Cambria Math" panose="02040503050406030204" pitchFamily="18" charset="0"/>
+                                              </a:rPr>
+                                              <m:t>𝐊</m:t>
+                                            </m:r>
+                                          </m:e>
+                                          <m:sup>
+                                            <m:r>
+                                              <a:rPr kumimoji="1" lang="en-US" altLang="ja-JP" sz="350" i="1">
+                                                <a:latin typeface="Cambria Math" panose="02040503050406030204" pitchFamily="18" charset="0"/>
+                                              </a:rPr>
+                                              <m:t>2</m:t>
+                                            </m:r>
+                                          </m:sup>
+                                        </m:sSup>
+                                        <m:r>
+                                          <a:rPr kumimoji="1" lang="en-US" altLang="ja-JP" sz="350" i="1">
+                                            <a:latin typeface="Cambria Math" panose="02040503050406030204" pitchFamily="18" charset="0"/>
+                                          </a:rPr>
+                                          <m:t>−</m:t>
+                                        </m:r>
+                                        <m:d>
+                                          <m:dPr>
+                                            <m:ctrlPr>
+                                              <a:rPr kumimoji="1" lang="en-US" altLang="ja-JP" sz="350" i="1">
+                                                <a:latin typeface="Cambria Math" panose="02040503050406030204" pitchFamily="18" charset="0"/>
+                                              </a:rPr>
+                                            </m:ctrlPr>
+                                          </m:dPr>
+                                          <m:e>
+                                            <m:r>
+                                              <a:rPr kumimoji="1" lang="en-US" altLang="ja-JP" sz="350" b="1">
+                                                <a:latin typeface="Cambria Math" panose="02040503050406030204" pitchFamily="18" charset="0"/>
+                                              </a:rPr>
+                                              <m:t>𝐊</m:t>
+                                            </m:r>
+                                            <m:r>
+                                              <a:rPr kumimoji="1" lang="en-US" altLang="ja-JP" sz="350" b="1">
+                                                <a:latin typeface="Cambria Math" panose="02040503050406030204" pitchFamily="18" charset="0"/>
+                                              </a:rPr>
+                                              <m:t>−</m:t>
+                                            </m:r>
+                                            <m:r>
+                                              <a:rPr kumimoji="1" lang="en-US" altLang="ja-JP" sz="350" b="1" i="1">
+                                                <a:latin typeface="Cambria Math" panose="02040503050406030204" pitchFamily="18" charset="0"/>
+                                              </a:rPr>
+                                              <m:t>𝒖</m:t>
+                                            </m:r>
+                                          </m:e>
+                                        </m:d>
+                                      </m:e>
+                                      <m:sup>
+                                        <m:r>
+                                          <a:rPr kumimoji="1" lang="en-US" altLang="ja-JP" sz="350" i="1">
+                                            <a:latin typeface="Cambria Math" panose="02040503050406030204" pitchFamily="18" charset="0"/>
+                                          </a:rPr>
+                                          <m:t>2</m:t>
+                                        </m:r>
+                                      </m:sup>
+                                    </m:sSup>
+                                  </m:e>
+                                </m:d>
+                              </m:e>
+                              <m:sup>
+                                <m:r>
+                                  <a:rPr kumimoji="1" lang="en-US" altLang="ja-JP" sz="350" i="1">
+                                    <a:latin typeface="Cambria Math" panose="02040503050406030204" pitchFamily="18" charset="0"/>
+                                  </a:rPr>
+                                  <m:t>2</m:t>
+                                </m:r>
+                              </m:sup>
+                            </m:sSup>
+                            <m:r>
+                              <a:rPr kumimoji="1" lang="en-US" altLang="ja-JP" sz="350" b="0" i="1" smtClean="0">
+                                <a:latin typeface="Cambria Math" panose="02040503050406030204" pitchFamily="18" charset="0"/>
+                              </a:rPr>
+                              <m:t>/2</m:t>
+                            </m:r>
+                          </m:e>
+                        </m:d>
+                      </m:e>
+                    </m:func>
+                    <m:sSub>
+                      <m:sSubPr>
+                        <m:ctrlPr>
+                          <a:rPr lang="en-US" altLang="ja-JP" sz="350" i="1">
+                            <a:solidFill>
+                              <a:schemeClr val="tx1"/>
+                            </a:solidFill>
+                            <a:latin typeface="Cambria Math" panose="02040503050406030204" pitchFamily="18" charset="0"/>
+                          </a:rPr>
+                        </m:ctrlPr>
+                      </m:sSubPr>
+                      <m:e>
+                        <m:r>
+                          <a:rPr lang="en-US" altLang="ja-JP" sz="350" i="1">
+                            <a:solidFill>
+                              <a:schemeClr val="tx1"/>
+                            </a:solidFill>
+                            <a:latin typeface="Cambria Math" panose="02040503050406030204" pitchFamily="18" charset="0"/>
+                          </a:rPr>
+                          <m:t>𝐸</m:t>
+                        </m:r>
+                      </m:e>
+                      <m:sub>
+                        <m:r>
+                          <a:rPr lang="en-US" altLang="ja-JP" sz="350" i="1">
+                            <a:solidFill>
+                              <a:schemeClr val="tx1"/>
+                            </a:solidFill>
+                            <a:latin typeface="Cambria Math" panose="02040503050406030204" pitchFamily="18" charset="0"/>
+                          </a:rPr>
+                          <m:t>𝑠</m:t>
+                        </m:r>
+                      </m:sub>
+                    </m:sSub>
+                    <m:d>
+                      <m:dPr>
+                        <m:ctrlPr>
+                          <a:rPr lang="en-US" altLang="ja-JP" sz="350" i="1">
+                            <a:solidFill>
+                              <a:schemeClr val="tx1"/>
+                            </a:solidFill>
+                            <a:latin typeface="Cambria Math" panose="02040503050406030204" pitchFamily="18" charset="0"/>
+                          </a:rPr>
+                        </m:ctrlPr>
+                      </m:dPr>
+                      <m:e>
+                        <m:r>
+                          <a:rPr lang="en-US" altLang="ja-JP" sz="350" b="1" i="1">
+                            <a:solidFill>
+                              <a:schemeClr val="tx1"/>
+                            </a:solidFill>
+                            <a:latin typeface="Cambria Math" panose="02040503050406030204" pitchFamily="18" charset="0"/>
+                          </a:rPr>
+                          <m:t>𝒖</m:t>
+                        </m:r>
+                      </m:e>
+                    </m:d>
+                    <m:r>
+                      <a:rPr kumimoji="1" lang="en-US" altLang="ja-JP" sz="350" i="1">
+                        <a:solidFill>
+                          <a:schemeClr val="tx1"/>
+                        </a:solidFill>
+                        <a:latin typeface="Cambria Math" panose="02040503050406030204" pitchFamily="18" charset="0"/>
+                      </a:rPr>
+                      <m:t>𝑑</m:t>
+                    </m:r>
+                    <m:r>
+                      <a:rPr kumimoji="1" lang="en-US" altLang="ja-JP" sz="350" b="1" i="0">
+                        <a:solidFill>
+                          <a:schemeClr val="tx1"/>
+                        </a:solidFill>
+                        <a:latin typeface="Cambria Math" panose="02040503050406030204" pitchFamily="18" charset="0"/>
+                      </a:rPr>
+                      <m:t>𝐊</m:t>
+                    </m:r>
+                  </m:oMath>
+                </a14:m>
+                <a:endParaRPr kumimoji="1" lang="en-US" altLang="ja-JP" sz="350" b="1" dirty="0">
+                  <a:solidFill>
+                    <a:schemeClr val="tx1"/>
+                  </a:solidFill>
+                </a:endParaRPr>
+              </a:p>
+              <a:p>
+                <a:pPr/>
+                <a14:m>
+                  <m:oMathPara xmlns:m="http://schemas.openxmlformats.org/officeDocument/2006/math">
+                    <m:oMathParaPr>
+                      <m:jc m:val="left"/>
+                    </m:oMathParaPr>
+                    <m:oMath xmlns:m="http://schemas.openxmlformats.org/officeDocument/2006/math">
+                      <m:r>
+                        <a:rPr lang="en-US" altLang="ja-JP" sz="300" b="0" i="0" smtClean="0">
+                          <a:solidFill>
+                            <a:schemeClr val="tx1"/>
+                          </a:solidFill>
+                          <a:latin typeface="Cambria Math" panose="02040503050406030204" pitchFamily="18" charset="0"/>
+                        </a:rPr>
+                        <m:t>      </m:t>
+                      </m:r>
+                      <m:r>
+                        <m:rPr>
+                          <m:sty m:val="p"/>
+                        </m:rPr>
+                        <a:rPr lang="en-US" altLang="ja-JP" sz="300" b="0" i="0" smtClean="0">
+                          <a:solidFill>
+                            <a:schemeClr val="tx1"/>
+                          </a:solidFill>
+                          <a:latin typeface="Cambria Math" panose="02040503050406030204" pitchFamily="18" charset="0"/>
+                        </a:rPr>
+                        <m:t>where</m:t>
+                      </m:r>
+                      <m:r>
+                        <a:rPr lang="en-US" altLang="ja-JP" sz="300" b="0" i="0" smtClean="0">
+                          <a:solidFill>
+                            <a:schemeClr val="tx1"/>
+                          </a:solidFill>
+                          <a:latin typeface="Cambria Math" panose="02040503050406030204" pitchFamily="18" charset="0"/>
+                        </a:rPr>
+                        <m:t> </m:t>
+                      </m:r>
+                      <m:r>
+                        <a:rPr lang="en-US" altLang="ja-JP" sz="300" i="1" smtClean="0">
+                          <a:solidFill>
+                            <a:schemeClr val="tx1"/>
+                          </a:solidFill>
+                          <a:latin typeface="Cambria Math" panose="02040503050406030204" pitchFamily="18" charset="0"/>
+                        </a:rPr>
+                        <m:t>𝐴</m:t>
+                      </m:r>
+                      <m:d>
+                        <m:dPr>
+                          <m:ctrlPr>
+                            <a:rPr lang="en-US" altLang="ja-JP" sz="300" i="1">
+                              <a:solidFill>
+                                <a:schemeClr val="tx1"/>
+                              </a:solidFill>
+                              <a:latin typeface="Cambria Math" panose="02040503050406030204" pitchFamily="18" charset="0"/>
+                            </a:rPr>
+                          </m:ctrlPr>
+                        </m:dPr>
+                        <m:e>
+                          <m:r>
+                            <a:rPr lang="en-US" altLang="ja-JP" sz="300" b="1" i="1" smtClean="0">
+                              <a:solidFill>
+                                <a:schemeClr val="tx1"/>
+                              </a:solidFill>
+                              <a:latin typeface="Cambria Math" panose="02040503050406030204" pitchFamily="18" charset="0"/>
+                            </a:rPr>
+                            <m:t>𝒖</m:t>
+                          </m:r>
+                        </m:e>
+                      </m:d>
+                      <m:r>
+                        <a:rPr lang="en-US" altLang="ja-JP" sz="300" b="1" i="1">
+                          <a:solidFill>
+                            <a:schemeClr val="tx1"/>
+                          </a:solidFill>
+                          <a:latin typeface="Cambria Math" panose="02040503050406030204" pitchFamily="18" charset="0"/>
+                        </a:rPr>
+                        <m:t>= </m:t>
+                      </m:r>
+                      <m:d>
+                        <m:dPr>
+                          <m:begChr m:val="{"/>
+                          <m:endChr m:val=""/>
+                          <m:ctrlPr>
+                            <a:rPr lang="en-US" altLang="ja-JP" sz="300" b="0" i="1" smtClean="0">
+                              <a:solidFill>
+                                <a:schemeClr val="tx1"/>
+                              </a:solidFill>
+                              <a:latin typeface="Cambria Math" panose="02040503050406030204" pitchFamily="18" charset="0"/>
+                            </a:rPr>
+                          </m:ctrlPr>
+                        </m:dPr>
+                        <m:e>
+                          <m:eqArr>
+                            <m:eqArrPr>
+                              <m:ctrlPr>
+                                <a:rPr lang="en-US" altLang="ja-JP" sz="300" b="0" i="1" smtClean="0">
+                                  <a:solidFill>
+                                    <a:schemeClr val="tx1"/>
+                                  </a:solidFill>
+                                  <a:latin typeface="Cambria Math" panose="02040503050406030204" pitchFamily="18" charset="0"/>
+                                </a:rPr>
+                              </m:ctrlPr>
+                            </m:eqArrPr>
+                            <m:e>
+                              <m:r>
+                                <a:rPr lang="en-US" altLang="ja-JP" sz="300" b="0" i="1" smtClean="0">
+                                  <a:solidFill>
+                                    <a:schemeClr val="tx1"/>
+                                  </a:solidFill>
+                                  <a:latin typeface="Cambria Math" panose="02040503050406030204" pitchFamily="18" charset="0"/>
+                                </a:rPr>
+                                <m:t>1 (</m:t>
+                              </m:r>
+                              <m:r>
+                                <a:rPr lang="en-US" altLang="ja-JP" sz="300" b="0" i="1" smtClean="0">
+                                  <a:solidFill>
+                                    <a:schemeClr val="tx1"/>
+                                  </a:solidFill>
+                                  <a:latin typeface="Cambria Math" panose="02040503050406030204" pitchFamily="18" charset="0"/>
+                                </a:rPr>
+                                <m:t>𝑢</m:t>
+                              </m:r>
+                              <m:r>
+                                <a:rPr lang="en-US" altLang="ja-JP" sz="300" b="0" i="1" smtClean="0">
+                                  <a:solidFill>
+                                    <a:schemeClr val="tx1"/>
+                                  </a:solidFill>
+                                  <a:latin typeface="Cambria Math" panose="02040503050406030204" pitchFamily="18" charset="0"/>
+                                  <a:ea typeface="Cambria Math" panose="02040503050406030204" pitchFamily="18" charset="0"/>
+                                </a:rPr>
+                                <m:t>≤</m:t>
+                              </m:r>
+                              <m:r>
+                                <a:rPr lang="ja-JP" altLang="en-US" sz="300" b="0" i="1" smtClean="0">
+                                  <a:solidFill>
+                                    <a:schemeClr val="tx1"/>
+                                  </a:solidFill>
+                                  <a:latin typeface="Cambria Math" panose="02040503050406030204" pitchFamily="18" charset="0"/>
+                                  <a:ea typeface="Cambria Math" panose="02040503050406030204" pitchFamily="18" charset="0"/>
+                                </a:rPr>
+                                <m:t>𝛼</m:t>
+                              </m:r>
+                              <m:r>
+                                <a:rPr lang="en-US" altLang="ja-JP" sz="300" b="0" i="1" smtClean="0">
+                                  <a:solidFill>
+                                    <a:schemeClr val="tx1"/>
+                                  </a:solidFill>
+                                  <a:latin typeface="Cambria Math" panose="02040503050406030204" pitchFamily="18" charset="0"/>
+                                </a:rPr>
+                                <m:t>)</m:t>
+                              </m:r>
+                            </m:e>
+                            <m:e>
+                              <m:r>
+                                <a:rPr lang="en-US" altLang="ja-JP" sz="300" b="0" i="1" smtClean="0">
+                                  <a:solidFill>
+                                    <a:schemeClr val="tx1"/>
+                                  </a:solidFill>
+                                  <a:latin typeface="Cambria Math" panose="02040503050406030204" pitchFamily="18" charset="0"/>
+                                </a:rPr>
+                                <m:t>0</m:t>
+                              </m:r>
+                              <m:r>
+                                <a:rPr lang="en-US" altLang="ja-JP" sz="300" i="1">
+                                  <a:solidFill>
+                                    <a:schemeClr val="tx1"/>
+                                  </a:solidFill>
+                                  <a:latin typeface="Cambria Math" panose="02040503050406030204" pitchFamily="18" charset="0"/>
+                                </a:rPr>
+                                <m:t> (</m:t>
+                              </m:r>
+                              <m:r>
+                                <a:rPr lang="en-US" altLang="ja-JP" sz="300" i="1">
+                                  <a:solidFill>
+                                    <a:schemeClr val="tx1"/>
+                                  </a:solidFill>
+                                  <a:latin typeface="Cambria Math" panose="02040503050406030204" pitchFamily="18" charset="0"/>
+                                </a:rPr>
+                                <m:t>𝑢</m:t>
+                              </m:r>
+                              <m:r>
+                                <a:rPr lang="en-US" altLang="ja-JP" sz="300" i="1" smtClean="0">
+                                  <a:solidFill>
+                                    <a:schemeClr val="tx1"/>
+                                  </a:solidFill>
+                                  <a:latin typeface="Cambria Math" panose="02040503050406030204" pitchFamily="18" charset="0"/>
+                                </a:rPr>
+                                <m:t>&gt;</m:t>
+                              </m:r>
+                              <m:r>
+                                <a:rPr lang="ja-JP" altLang="en-US" sz="300" i="1">
+                                  <a:solidFill>
+                                    <a:schemeClr val="tx1"/>
+                                  </a:solidFill>
+                                  <a:latin typeface="Cambria Math" panose="02040503050406030204" pitchFamily="18" charset="0"/>
+                                  <a:ea typeface="Cambria Math" panose="02040503050406030204" pitchFamily="18" charset="0"/>
+                                </a:rPr>
+                                <m:t>𝛼</m:t>
+                              </m:r>
+                              <m:r>
+                                <a:rPr lang="en-US" altLang="ja-JP" sz="300" i="1">
+                                  <a:solidFill>
+                                    <a:schemeClr val="tx1"/>
+                                  </a:solidFill>
+                                  <a:latin typeface="Cambria Math" panose="02040503050406030204" pitchFamily="18" charset="0"/>
+                                </a:rPr>
+                                <m:t>)</m:t>
+                              </m:r>
+                            </m:e>
+                          </m:eqArr>
+                        </m:e>
+                      </m:d>
+                      <m:r>
+                        <a:rPr lang="en-US" altLang="ja-JP" sz="300" b="0" i="1" smtClean="0">
+                          <a:solidFill>
+                            <a:schemeClr val="tx1"/>
+                          </a:solidFill>
+                          <a:latin typeface="Cambria Math" panose="02040503050406030204" pitchFamily="18" charset="0"/>
+                        </a:rPr>
+                        <m:t> ,</m:t>
+                      </m:r>
+                      <m:r>
+                        <a:rPr lang="en-US" altLang="ja-JP" sz="300" i="1">
+                          <a:solidFill>
+                            <a:schemeClr val="tx1"/>
+                          </a:solidFill>
+                          <a:latin typeface="Cambria Math" panose="02040503050406030204" pitchFamily="18" charset="0"/>
+                        </a:rPr>
+                        <m:t>𝑊</m:t>
+                      </m:r>
+                      <m:d>
+                        <m:dPr>
+                          <m:ctrlPr>
+                            <a:rPr lang="en-US" altLang="ja-JP" sz="300" i="1">
+                              <a:solidFill>
+                                <a:schemeClr val="tx1"/>
+                              </a:solidFill>
+                              <a:latin typeface="Cambria Math" panose="02040503050406030204" pitchFamily="18" charset="0"/>
+                            </a:rPr>
+                          </m:ctrlPr>
+                        </m:dPr>
+                        <m:e>
+                          <m:r>
+                            <a:rPr lang="en-US" altLang="ja-JP" sz="300" b="1" i="1">
+                              <a:solidFill>
+                                <a:schemeClr val="tx1"/>
+                              </a:solidFill>
+                              <a:latin typeface="Cambria Math" panose="02040503050406030204" pitchFamily="18" charset="0"/>
+                            </a:rPr>
+                            <m:t>𝒖</m:t>
+                          </m:r>
+                        </m:e>
+                      </m:d>
+                      <m:r>
+                        <a:rPr lang="en-US" altLang="ja-JP" sz="300" b="0" i="1" smtClean="0">
+                          <a:solidFill>
+                            <a:schemeClr val="tx1"/>
+                          </a:solidFill>
+                          <a:latin typeface="Cambria Math" panose="02040503050406030204" pitchFamily="18" charset="0"/>
+                        </a:rPr>
+                        <m:t>=</m:t>
+                      </m:r>
+                      <m:f>
+                        <m:fPr>
+                          <m:ctrlPr>
+                            <a:rPr lang="en-US" altLang="ja-JP" sz="300" b="0" i="1" smtClean="0">
+                              <a:solidFill>
+                                <a:schemeClr val="tx1"/>
+                              </a:solidFill>
+                              <a:latin typeface="Cambria Math" panose="02040503050406030204" pitchFamily="18" charset="0"/>
+                            </a:rPr>
+                          </m:ctrlPr>
+                        </m:fPr>
+                        <m:num>
+                          <m:r>
+                            <a:rPr lang="el-GR" altLang="ja-JP" sz="300" i="1">
+                              <a:latin typeface="Cambria Math" panose="02040503050406030204" pitchFamily="18" charset="0"/>
+                              <a:ea typeface="Cambria Math" panose="02040503050406030204" pitchFamily="18" charset="0"/>
+                            </a:rPr>
+                            <m:t>𝜋</m:t>
+                          </m:r>
+                          <m:r>
+                            <a:rPr lang="en-US" altLang="ja-JP" sz="300" i="1">
+                              <a:latin typeface="Cambria Math" panose="02040503050406030204" pitchFamily="18" charset="0"/>
+                              <a:ea typeface="Cambria Math" panose="02040503050406030204" pitchFamily="18" charset="0"/>
+                            </a:rPr>
+                            <m:t> </m:t>
+                          </m:r>
+                          <m:r>
+                            <a:rPr lang="ja-JP" altLang="el-GR" sz="300" i="1">
+                              <a:latin typeface="Cambria Math" panose="02040503050406030204" pitchFamily="18" charset="0"/>
+                              <a:ea typeface="Cambria Math" panose="02040503050406030204" pitchFamily="18" charset="0"/>
+                            </a:rPr>
+                            <m:t>𝜆</m:t>
+                          </m:r>
+                          <m:r>
+                            <a:rPr lang="en-US" altLang="ja-JP" sz="300" i="1">
+                              <a:latin typeface="Cambria Math" panose="02040503050406030204" pitchFamily="18" charset="0"/>
+                              <a:ea typeface="Cambria Math" panose="02040503050406030204" pitchFamily="18" charset="0"/>
+                            </a:rPr>
+                            <m:t> </m:t>
+                          </m:r>
+                          <m:sSup>
+                            <m:sSupPr>
+                              <m:ctrlPr>
+                                <a:rPr lang="en-US" altLang="ja-JP" sz="300" i="1">
+                                  <a:latin typeface="Cambria Math" panose="02040503050406030204" pitchFamily="18" charset="0"/>
+                                  <a:ea typeface="Cambria Math" panose="02040503050406030204" pitchFamily="18" charset="0"/>
+                                </a:rPr>
+                              </m:ctrlPr>
+                            </m:sSupPr>
+                            <m:e>
+                              <m:r>
+                                <a:rPr lang="en-US" altLang="ja-JP" sz="300" b="1" i="1">
+                                  <a:latin typeface="Cambria Math" panose="02040503050406030204" pitchFamily="18" charset="0"/>
+                                  <a:ea typeface="Cambria Math" panose="02040503050406030204" pitchFamily="18" charset="0"/>
+                                </a:rPr>
+                                <m:t>𝒖</m:t>
+                              </m:r>
+                            </m:e>
+                            <m:sup>
+                              <m:r>
+                                <a:rPr lang="en-US" altLang="ja-JP" sz="300" i="1">
+                                  <a:latin typeface="Cambria Math" panose="02040503050406030204" pitchFamily="18" charset="0"/>
+                                  <a:ea typeface="Cambria Math" panose="02040503050406030204" pitchFamily="18" charset="0"/>
+                                </a:rPr>
+                                <m:t>2</m:t>
+                              </m:r>
+                            </m:sup>
+                          </m:sSup>
+                          <m:d>
+                            <m:dPr>
+                              <m:ctrlPr>
+                                <a:rPr lang="en-US" altLang="ja-JP" sz="300" i="1">
+                                  <a:latin typeface="Cambria Math" panose="02040503050406030204" pitchFamily="18" charset="0"/>
+                                  <a:ea typeface="Cambria Math" panose="02040503050406030204" pitchFamily="18" charset="0"/>
+                                </a:rPr>
+                              </m:ctrlPr>
+                            </m:dPr>
+                            <m:e>
+                              <m:r>
+                                <m:rPr>
+                                  <m:sty m:val="p"/>
+                                </m:rPr>
+                                <a:rPr lang="el-GR" altLang="ja-JP" sz="300" i="1">
+                                  <a:latin typeface="Cambria Math" panose="02040503050406030204" pitchFamily="18" charset="0"/>
+                                  <a:ea typeface="Cambria Math" panose="02040503050406030204" pitchFamily="18" charset="0"/>
+                                </a:rPr>
+                                <m:t>Δ</m:t>
+                              </m:r>
+                              <m:r>
+                                <a:rPr lang="en-US" altLang="ja-JP" sz="300" i="1">
+                                  <a:latin typeface="Cambria Math" panose="02040503050406030204" pitchFamily="18" charset="0"/>
+                                  <a:ea typeface="Cambria Math" panose="02040503050406030204" pitchFamily="18" charset="0"/>
+                                </a:rPr>
+                                <m:t>𝑓</m:t>
+                              </m:r>
+                              <m:r>
+                                <a:rPr lang="en-US" altLang="ja-JP" sz="300" i="1">
+                                  <a:latin typeface="Cambria Math" panose="02040503050406030204" pitchFamily="18" charset="0"/>
+                                  <a:ea typeface="Cambria Math" panose="02040503050406030204" pitchFamily="18" charset="0"/>
+                                </a:rPr>
+                                <m:t>+</m:t>
+                              </m:r>
+                              <m:sSub>
+                                <m:sSubPr>
+                                  <m:ctrlPr>
+                                    <a:rPr lang="en-US" altLang="ja-JP" sz="300" i="1">
+                                      <a:latin typeface="Cambria Math" panose="02040503050406030204" pitchFamily="18" charset="0"/>
+                                      <a:ea typeface="Cambria Math" panose="02040503050406030204" pitchFamily="18" charset="0"/>
+                                    </a:rPr>
+                                  </m:ctrlPr>
+                                </m:sSubPr>
+                                <m:e>
+                                  <m:r>
+                                    <a:rPr lang="en-US" altLang="ja-JP" sz="300" i="1">
+                                      <a:latin typeface="Cambria Math" panose="02040503050406030204" pitchFamily="18" charset="0"/>
+                                      <a:ea typeface="Cambria Math" panose="02040503050406030204" pitchFamily="18" charset="0"/>
+                                    </a:rPr>
+                                    <m:t>𝐶</m:t>
+                                  </m:r>
+                                </m:e>
+                                <m:sub>
+                                  <m:r>
+                                    <m:rPr>
+                                      <m:sty m:val="p"/>
+                                    </m:rPr>
+                                    <a:rPr lang="en-US" altLang="ja-JP" sz="300">
+                                      <a:latin typeface="Cambria Math" panose="02040503050406030204" pitchFamily="18" charset="0"/>
+                                      <a:ea typeface="Cambria Math" panose="02040503050406030204" pitchFamily="18" charset="0"/>
+                                    </a:rPr>
+                                    <m:t>s</m:t>
+                                  </m:r>
+                                </m:sub>
+                              </m:sSub>
+                              <m:sSup>
+                                <m:sSupPr>
+                                  <m:ctrlPr>
+                                    <a:rPr lang="en-US" altLang="ja-JP" sz="300" i="1">
+                                      <a:latin typeface="Cambria Math" panose="02040503050406030204" pitchFamily="18" charset="0"/>
+                                      <a:ea typeface="Cambria Math" panose="02040503050406030204" pitchFamily="18" charset="0"/>
+                                    </a:rPr>
+                                  </m:ctrlPr>
+                                </m:sSupPr>
+                                <m:e>
+                                  <m:r>
+                                    <a:rPr lang="en-US" altLang="ja-JP" sz="300" b="1" i="1">
+                                      <a:latin typeface="Cambria Math" panose="02040503050406030204" pitchFamily="18" charset="0"/>
+                                      <a:ea typeface="Cambria Math" panose="02040503050406030204" pitchFamily="18" charset="0"/>
+                                    </a:rPr>
+                                    <m:t>𝒖</m:t>
+                                  </m:r>
+                                </m:e>
+                                <m:sup>
+                                  <m:r>
+                                    <a:rPr lang="en-US" altLang="ja-JP" sz="300" i="1">
+                                      <a:latin typeface="Cambria Math" panose="02040503050406030204" pitchFamily="18" charset="0"/>
+                                      <a:ea typeface="Cambria Math" panose="02040503050406030204" pitchFamily="18" charset="0"/>
+                                    </a:rPr>
+                                    <m:t>2</m:t>
+                                  </m:r>
+                                </m:sup>
+                              </m:sSup>
+                              <m:sSup>
+                                <m:sSupPr>
+                                  <m:ctrlPr>
+                                    <a:rPr lang="en-US" altLang="ja-JP" sz="300" i="1">
+                                      <a:latin typeface="Cambria Math" panose="02040503050406030204" pitchFamily="18" charset="0"/>
+                                      <a:ea typeface="Cambria Math" panose="02040503050406030204" pitchFamily="18" charset="0"/>
+                                    </a:rPr>
+                                  </m:ctrlPr>
+                                </m:sSupPr>
+                                <m:e>
+                                  <m:r>
+                                    <a:rPr lang="ja-JP" altLang="en-US" sz="300" i="1">
+                                      <a:latin typeface="Cambria Math" panose="02040503050406030204" pitchFamily="18" charset="0"/>
+                                      <a:ea typeface="Cambria Math" panose="02040503050406030204" pitchFamily="18" charset="0"/>
+                                    </a:rPr>
+                                    <m:t>𝜆</m:t>
+                                  </m:r>
+                                </m:e>
+                                <m:sup>
+                                  <m:r>
+                                    <a:rPr lang="en-US" altLang="ja-JP" sz="300" i="1">
+                                      <a:latin typeface="Cambria Math" panose="02040503050406030204" pitchFamily="18" charset="0"/>
+                                      <a:ea typeface="Cambria Math" panose="02040503050406030204" pitchFamily="18" charset="0"/>
+                                    </a:rPr>
+                                    <m:t>2</m:t>
+                                  </m:r>
+                                </m:sup>
+                              </m:sSup>
+                            </m:e>
+                          </m:d>
+                        </m:num>
+                        <m:den>
+                          <m:r>
+                            <a:rPr lang="en-US" altLang="ja-JP" sz="300" b="0" i="1" smtClean="0">
+                              <a:solidFill>
+                                <a:schemeClr val="tx1"/>
+                              </a:solidFill>
+                              <a:latin typeface="Cambria Math" panose="02040503050406030204" pitchFamily="18" charset="0"/>
+                            </a:rPr>
+                            <m:t>2</m:t>
+                          </m:r>
+                        </m:den>
+                      </m:f>
+                      <m:r>
+                        <a:rPr lang="en-US" altLang="ja-JP" sz="300" b="0" i="1" smtClean="0">
+                          <a:solidFill>
+                            <a:schemeClr val="tx1"/>
+                          </a:solidFill>
+                          <a:latin typeface="Cambria Math" panose="02040503050406030204" pitchFamily="18" charset="0"/>
+                          <a:ea typeface="Cambria Math" panose="02040503050406030204" pitchFamily="18" charset="0"/>
+                        </a:rPr>
+                        <m:t>,</m:t>
+                      </m:r>
+                      <m:r>
+                        <a:rPr lang="ja-JP" altLang="en-US" sz="300" i="1">
+                          <a:solidFill>
+                            <a:schemeClr val="tx1"/>
+                          </a:solidFill>
+                          <a:latin typeface="Cambria Math" panose="02040503050406030204" pitchFamily="18" charset="0"/>
+                        </a:rPr>
+                        <m:t>　</m:t>
+                      </m:r>
+                      <m:sSub>
+                        <m:sSubPr>
+                          <m:ctrlPr>
+                            <a:rPr lang="en-US" altLang="ja-JP" sz="300" i="1">
+                              <a:solidFill>
+                                <a:schemeClr val="tx1"/>
+                              </a:solidFill>
+                              <a:latin typeface="Cambria Math" panose="02040503050406030204" pitchFamily="18" charset="0"/>
+                            </a:rPr>
+                          </m:ctrlPr>
+                        </m:sSubPr>
+                        <m:e>
+                          <m:r>
+                            <a:rPr lang="en-US" altLang="ja-JP" sz="300" i="1">
+                              <a:solidFill>
+                                <a:schemeClr val="tx1"/>
+                              </a:solidFill>
+                              <a:latin typeface="Cambria Math" panose="02040503050406030204" pitchFamily="18" charset="0"/>
+                            </a:rPr>
+                            <m:t>𝐸</m:t>
+                          </m:r>
+                        </m:e>
+                        <m:sub>
+                          <m:r>
+                            <a:rPr lang="en-US" altLang="ja-JP" sz="300" i="1">
+                              <a:solidFill>
+                                <a:schemeClr val="tx1"/>
+                              </a:solidFill>
+                              <a:latin typeface="Cambria Math" panose="02040503050406030204" pitchFamily="18" charset="0"/>
+                            </a:rPr>
+                            <m:t>𝑠</m:t>
+                          </m:r>
+                        </m:sub>
+                      </m:sSub>
+                      <m:d>
+                        <m:dPr>
+                          <m:ctrlPr>
+                            <a:rPr lang="en-US" altLang="ja-JP" sz="300" i="1">
+                              <a:solidFill>
+                                <a:schemeClr val="tx1"/>
+                              </a:solidFill>
+                              <a:latin typeface="Cambria Math" panose="02040503050406030204" pitchFamily="18" charset="0"/>
+                            </a:rPr>
+                          </m:ctrlPr>
+                        </m:dPr>
+                        <m:e>
+                          <m:r>
+                            <a:rPr lang="en-US" altLang="ja-JP" sz="300" b="1" i="1">
+                              <a:solidFill>
+                                <a:schemeClr val="tx1"/>
+                              </a:solidFill>
+                              <a:latin typeface="Cambria Math" panose="02040503050406030204" pitchFamily="18" charset="0"/>
+                            </a:rPr>
+                            <m:t>𝒖</m:t>
+                          </m:r>
+                        </m:e>
+                      </m:d>
+                      <m:r>
+                        <a:rPr lang="en-US" altLang="ja-JP" sz="300" i="1">
+                          <a:solidFill>
+                            <a:schemeClr val="tx1"/>
+                          </a:solidFill>
+                          <a:latin typeface="Cambria Math" panose="02040503050406030204" pitchFamily="18" charset="0"/>
+                        </a:rPr>
+                        <m:t>=</m:t>
+                      </m:r>
+                      <m:func>
+                        <m:funcPr>
+                          <m:ctrlPr>
+                            <a:rPr lang="en-US" altLang="ja-JP" sz="300" i="1">
+                              <a:solidFill>
+                                <a:schemeClr val="tx1"/>
+                              </a:solidFill>
+                              <a:latin typeface="Cambria Math" panose="02040503050406030204" pitchFamily="18" charset="0"/>
+                            </a:rPr>
+                          </m:ctrlPr>
+                        </m:funcPr>
+                        <m:fName>
+                          <m:r>
+                            <m:rPr>
+                              <m:sty m:val="p"/>
+                            </m:rPr>
+                            <a:rPr lang="en-US" altLang="ja-JP" sz="300">
+                              <a:solidFill>
+                                <a:schemeClr val="tx1"/>
+                              </a:solidFill>
+                              <a:latin typeface="Cambria Math" panose="02040503050406030204" pitchFamily="18" charset="0"/>
+                            </a:rPr>
+                            <m:t>exp</m:t>
+                          </m:r>
+                        </m:fName>
+                        <m:e>
+                          <m:d>
+                            <m:dPr>
+                              <m:begChr m:val="["/>
+                              <m:endChr m:val="]"/>
+                              <m:ctrlPr>
+                                <a:rPr lang="en-US" altLang="ja-JP" sz="300" i="1">
+                                  <a:solidFill>
+                                    <a:schemeClr val="tx1"/>
+                                  </a:solidFill>
+                                  <a:latin typeface="Cambria Math" panose="02040503050406030204" pitchFamily="18" charset="0"/>
+                                </a:rPr>
+                              </m:ctrlPr>
+                            </m:dPr>
+                            <m:e>
+                              <m:r>
+                                <a:rPr kumimoji="1" lang="en-US" altLang="ja-JP" sz="300" i="1">
+                                  <a:solidFill>
+                                    <a:schemeClr val="tx1"/>
+                                  </a:solidFill>
+                                  <a:latin typeface="Cambria Math" panose="02040503050406030204" pitchFamily="18" charset="0"/>
+                                </a:rPr>
+                                <m:t>−</m:t>
+                              </m:r>
+                              <m:sSup>
+                                <m:sSupPr>
+                                  <m:ctrlPr>
+                                    <a:rPr kumimoji="1" lang="en-US" altLang="ja-JP" sz="300" i="1">
+                                      <a:solidFill>
+                                        <a:schemeClr val="tx1"/>
+                                      </a:solidFill>
+                                      <a:latin typeface="Cambria Math" panose="02040503050406030204" pitchFamily="18" charset="0"/>
+                                    </a:rPr>
+                                  </m:ctrlPr>
+                                </m:sSupPr>
+                                <m:e>
+                                  <m:r>
+                                    <a:rPr kumimoji="1" lang="en-US" altLang="ja-JP" sz="300" i="1">
+                                      <a:solidFill>
+                                        <a:schemeClr val="tx1"/>
+                                      </a:solidFill>
+                                      <a:latin typeface="Cambria Math" panose="02040503050406030204" pitchFamily="18" charset="0"/>
+                                    </a:rPr>
+                                    <m:t>2</m:t>
+                                  </m:r>
+                                  <m:r>
+                                    <a:rPr kumimoji="1" lang="en-US" altLang="ja-JP" sz="300" i="1">
+                                      <a:solidFill>
+                                        <a:schemeClr val="tx1"/>
+                                      </a:solidFill>
+                                      <a:latin typeface="Cambria Math" panose="02040503050406030204" pitchFamily="18" charset="0"/>
+                                    </a:rPr>
+                                    <m:t>𝜋</m:t>
+                                  </m:r>
+                                </m:e>
+                                <m:sup>
+                                  <m:r>
+                                    <a:rPr kumimoji="1" lang="en-US" altLang="ja-JP" sz="300" i="1">
+                                      <a:solidFill>
+                                        <a:schemeClr val="tx1"/>
+                                      </a:solidFill>
+                                      <a:latin typeface="Cambria Math" panose="02040503050406030204" pitchFamily="18" charset="0"/>
+                                    </a:rPr>
+                                    <m:t>2</m:t>
+                                  </m:r>
+                                </m:sup>
+                              </m:sSup>
+                              <m:sSubSup>
+                                <m:sSubSupPr>
+                                  <m:ctrlPr>
+                                    <a:rPr kumimoji="1" lang="en-US" altLang="ja-JP" sz="300" i="1">
+                                      <a:solidFill>
+                                        <a:schemeClr val="tx1"/>
+                                      </a:solidFill>
+                                      <a:latin typeface="Cambria Math" panose="02040503050406030204" pitchFamily="18" charset="0"/>
+                                    </a:rPr>
+                                  </m:ctrlPr>
+                                </m:sSubSupPr>
+                                <m:e>
+                                  <m:r>
+                                    <a:rPr kumimoji="1" lang="en-US" altLang="ja-JP" sz="300" i="1">
+                                      <a:solidFill>
+                                        <a:schemeClr val="tx1"/>
+                                      </a:solidFill>
+                                      <a:latin typeface="Cambria Math" panose="02040503050406030204" pitchFamily="18" charset="0"/>
+                                    </a:rPr>
+                                    <m:t>𝜎</m:t>
+                                  </m:r>
+                                </m:e>
+                                <m:sub>
+                                  <m:r>
+                                    <a:rPr kumimoji="1" lang="en-US" altLang="ja-JP" sz="300" i="1">
+                                      <a:solidFill>
+                                        <a:schemeClr val="tx1"/>
+                                      </a:solidFill>
+                                      <a:latin typeface="Cambria Math" panose="02040503050406030204" pitchFamily="18" charset="0"/>
+                                    </a:rPr>
+                                    <m:t>𝑠</m:t>
+                                  </m:r>
+                                </m:sub>
+                                <m:sup>
+                                  <m:r>
+                                    <a:rPr kumimoji="1" lang="en-US" altLang="ja-JP" sz="300" i="1">
+                                      <a:solidFill>
+                                        <a:schemeClr val="tx1"/>
+                                      </a:solidFill>
+                                      <a:latin typeface="Cambria Math" panose="02040503050406030204" pitchFamily="18" charset="0"/>
+                                    </a:rPr>
+                                    <m:t>2</m:t>
+                                  </m:r>
+                                </m:sup>
+                              </m:sSubSup>
+                              <m:sSup>
+                                <m:sSupPr>
+                                  <m:ctrlPr>
+                                    <a:rPr kumimoji="1" lang="en-US" altLang="ja-JP" sz="300" i="1">
+                                      <a:solidFill>
+                                        <a:schemeClr val="tx1"/>
+                                      </a:solidFill>
+                                      <a:latin typeface="Cambria Math" panose="02040503050406030204" pitchFamily="18" charset="0"/>
+                                    </a:rPr>
+                                  </m:ctrlPr>
+                                </m:sSupPr>
+                                <m:e>
+                                  <m:r>
+                                    <a:rPr kumimoji="1" lang="en-US" altLang="ja-JP" sz="300" b="1" i="1">
+                                      <a:solidFill>
+                                        <a:schemeClr val="tx1"/>
+                                      </a:solidFill>
+                                      <a:latin typeface="Cambria Math" panose="02040503050406030204" pitchFamily="18" charset="0"/>
+                                    </a:rPr>
+                                    <m:t>𝒖</m:t>
+                                  </m:r>
+                                </m:e>
+                                <m:sup>
+                                  <m:r>
+                                    <a:rPr kumimoji="1" lang="en-US" altLang="ja-JP" sz="300" i="1">
+                                      <a:solidFill>
+                                        <a:schemeClr val="tx1"/>
+                                      </a:solidFill>
+                                      <a:latin typeface="Cambria Math" panose="02040503050406030204" pitchFamily="18" charset="0"/>
+                                    </a:rPr>
+                                    <m:t>2</m:t>
+                                  </m:r>
+                                </m:sup>
+                              </m:sSup>
+                            </m:e>
+                          </m:d>
+                        </m:e>
+                      </m:func>
+                      <m:r>
+                        <a:rPr kumimoji="1" lang="en-US" altLang="ja-JP" sz="300" b="0" i="1" smtClean="0">
+                          <a:solidFill>
+                            <a:schemeClr val="tx1"/>
+                          </a:solidFill>
+                          <a:latin typeface="Cambria Math" panose="02040503050406030204" pitchFamily="18" charset="0"/>
+                        </a:rPr>
+                        <m:t>  </m:t>
+                      </m:r>
+                    </m:oMath>
+                  </m:oMathPara>
+                </a14:m>
+                <a:endParaRPr lang="ja-JP" altLang="en-US" sz="300" dirty="0">
+                  <a:solidFill>
+                    <a:schemeClr val="tx1"/>
+                  </a:solidFill>
+                </a:endParaRPr>
+              </a:p>
+              <a:p>
+                <a:pPr/>
+                <a:endParaRPr kumimoji="1" lang="ja-JP" altLang="en-US" sz="350" b="1" i="1" dirty="0">
+                  <a:solidFill>
+                    <a:schemeClr val="tx1"/>
+                  </a:solidFill>
+                </a:endParaRPr>
+              </a:p>
+            </p:txBody>
+          </p:sp>
+        </mc:Choice>
+        <mc:Fallback>
+          <p:sp>
+            <p:nvSpPr>
+              <p:cNvPr id="43" name="テキスト ボックス 42">
+                <a:extLst>
+                  <a:ext uri="{FF2B5EF4-FFF2-40B4-BE49-F238E27FC236}">
+                    <a16:creationId xmlns:a16="http://schemas.microsoft.com/office/drawing/2014/main" id="{B63045FA-1A38-6963-7DC5-72FB58922A9F}"/>
+                  </a:ext>
+                </a:extLst>
+              </p:cNvPr>
+              <p:cNvSpPr txBox="1">
+                <a:spLocks noRot="1" noChangeAspect="1" noMove="1" noResize="1" noEditPoints="1" noAdjustHandles="1" noChangeArrowheads="1" noChangeShapeType="1" noTextEdit="1"/>
+              </p:cNvSpPr>
+              <p:nvPr/>
+            </p:nvSpPr>
+            <p:spPr>
+              <a:xfrm>
+                <a:off x="3891296" y="3873838"/>
+                <a:ext cx="2056943" cy="239361"/>
+              </a:xfrm>
+              <a:prstGeom prst="rect">
+                <a:avLst/>
+              </a:prstGeom>
+              <a:blipFill>
+                <a:blip r:embed="rId19"/>
+                <a:stretch>
+                  <a:fillRect l="-888" t="-65000" b="-117500"/>
+                </a:stretch>
+              </a:blipFill>
+            </p:spPr>
+            <p:txBody>
+              <a:bodyPr/>
+              <a:lstStyle/>
+              <a:p>
+                <a:r>
+                  <a:rPr lang="ja-JP" altLang="en-US">
+                    <a:noFill/>
+                  </a:rPr>
+                  <a:t> </a:t>
+                </a:r>
+              </a:p>
+            </p:txBody>
+          </p:sp>
+        </mc:Fallback>
+      </mc:AlternateContent>
     </p:spTree>
     <p:extLst>
       <p:ext uri="{BB962C8B-B14F-4D97-AF65-F5344CB8AC3E}">

--- a/ReciPro/image/Equations.pptx
+++ b/ReciPro/image/Equations.pptx
@@ -244,7 +244,7 @@
           <a:p>
             <a:fld id="{00049B58-F1AB-4907-83F9-54D176192ACA}" type="datetimeFigureOut">
               <a:rPr kumimoji="1" lang="ja-JP" altLang="en-US" smtClean="0"/>
-              <a:t>2023/3/29</a:t>
+              <a:t>2023/3/30</a:t>
             </a:fld>
             <a:endParaRPr kumimoji="1" lang="ja-JP" altLang="en-US"/>
           </a:p>
@@ -446,7 +446,7 @@
           <a:p>
             <a:fld id="{00049B58-F1AB-4907-83F9-54D176192ACA}" type="datetimeFigureOut">
               <a:rPr kumimoji="1" lang="ja-JP" altLang="en-US" smtClean="0"/>
-              <a:t>2023/3/29</a:t>
+              <a:t>2023/3/30</a:t>
             </a:fld>
             <a:endParaRPr kumimoji="1" lang="ja-JP" altLang="en-US"/>
           </a:p>
@@ -658,7 +658,7 @@
           <a:p>
             <a:fld id="{00049B58-F1AB-4907-83F9-54D176192ACA}" type="datetimeFigureOut">
               <a:rPr kumimoji="1" lang="ja-JP" altLang="en-US" smtClean="0"/>
-              <a:t>2023/3/29</a:t>
+              <a:t>2023/3/30</a:t>
             </a:fld>
             <a:endParaRPr kumimoji="1" lang="ja-JP" altLang="en-US"/>
           </a:p>
@@ -860,7 +860,7 @@
           <a:p>
             <a:fld id="{00049B58-F1AB-4907-83F9-54D176192ACA}" type="datetimeFigureOut">
               <a:rPr kumimoji="1" lang="ja-JP" altLang="en-US" smtClean="0"/>
-              <a:t>2023/3/29</a:t>
+              <a:t>2023/3/30</a:t>
             </a:fld>
             <a:endParaRPr kumimoji="1" lang="ja-JP" altLang="en-US"/>
           </a:p>
@@ -1106,7 +1106,7 @@
           <a:p>
             <a:fld id="{00049B58-F1AB-4907-83F9-54D176192ACA}" type="datetimeFigureOut">
               <a:rPr kumimoji="1" lang="ja-JP" altLang="en-US" smtClean="0"/>
-              <a:t>2023/3/29</a:t>
+              <a:t>2023/3/30</a:t>
             </a:fld>
             <a:endParaRPr kumimoji="1" lang="ja-JP" altLang="en-US"/>
           </a:p>
@@ -1402,7 +1402,7 @@
           <a:p>
             <a:fld id="{00049B58-F1AB-4907-83F9-54D176192ACA}" type="datetimeFigureOut">
               <a:rPr kumimoji="1" lang="ja-JP" altLang="en-US" smtClean="0"/>
-              <a:t>2023/3/29</a:t>
+              <a:t>2023/3/30</a:t>
             </a:fld>
             <a:endParaRPr kumimoji="1" lang="ja-JP" altLang="en-US"/>
           </a:p>
@@ -1833,7 +1833,7 @@
           <a:p>
             <a:fld id="{00049B58-F1AB-4907-83F9-54D176192ACA}" type="datetimeFigureOut">
               <a:rPr kumimoji="1" lang="ja-JP" altLang="en-US" smtClean="0"/>
-              <a:t>2023/3/29</a:t>
+              <a:t>2023/3/30</a:t>
             </a:fld>
             <a:endParaRPr kumimoji="1" lang="ja-JP" altLang="en-US"/>
           </a:p>
@@ -1951,7 +1951,7 @@
           <a:p>
             <a:fld id="{00049B58-F1AB-4907-83F9-54D176192ACA}" type="datetimeFigureOut">
               <a:rPr kumimoji="1" lang="ja-JP" altLang="en-US" smtClean="0"/>
-              <a:t>2023/3/29</a:t>
+              <a:t>2023/3/30</a:t>
             </a:fld>
             <a:endParaRPr kumimoji="1" lang="ja-JP" altLang="en-US"/>
           </a:p>
@@ -2046,7 +2046,7 @@
           <a:p>
             <a:fld id="{00049B58-F1AB-4907-83F9-54D176192ACA}" type="datetimeFigureOut">
               <a:rPr kumimoji="1" lang="ja-JP" altLang="en-US" smtClean="0"/>
-              <a:t>2023/3/29</a:t>
+              <a:t>2023/3/30</a:t>
             </a:fld>
             <a:endParaRPr kumimoji="1" lang="ja-JP" altLang="en-US"/>
           </a:p>
@@ -2355,7 +2355,7 @@
           <a:p>
             <a:fld id="{00049B58-F1AB-4907-83F9-54D176192ACA}" type="datetimeFigureOut">
               <a:rPr kumimoji="1" lang="ja-JP" altLang="en-US" smtClean="0"/>
-              <a:t>2023/3/29</a:t>
+              <a:t>2023/3/30</a:t>
             </a:fld>
             <a:endParaRPr kumimoji="1" lang="ja-JP" altLang="en-US"/>
           </a:p>
@@ -2612,7 +2612,7 @@
           <a:p>
             <a:fld id="{00049B58-F1AB-4907-83F9-54D176192ACA}" type="datetimeFigureOut">
               <a:rPr kumimoji="1" lang="ja-JP" altLang="en-US" smtClean="0"/>
-              <a:t>2023/3/29</a:t>
+              <a:t>2023/3/30</a:t>
             </a:fld>
             <a:endParaRPr kumimoji="1" lang="ja-JP" altLang="en-US"/>
           </a:p>
@@ -2857,7 +2857,7 @@
           <a:p>
             <a:fld id="{00049B58-F1AB-4907-83F9-54D176192ACA}" type="datetimeFigureOut">
               <a:rPr kumimoji="1" lang="ja-JP" altLang="en-US" smtClean="0"/>
-              <a:t>2023/3/29</a:t>
+              <a:t>2023/3/30</a:t>
             </a:fld>
             <a:endParaRPr kumimoji="1" lang="ja-JP" altLang="en-US"/>
           </a:p>
@@ -8822,7 +8822,7 @@
         <p:spPr>
           <a:xfrm>
             <a:off x="222050" y="693989"/>
-            <a:ext cx="849592" cy="153888"/>
+            <a:ext cx="961802" cy="153888"/>
           </a:xfrm>
           <a:prstGeom prst="rect">
             <a:avLst/>
@@ -8837,7 +8837,7 @@
           <a:p>
             <a:r>
               <a:rPr lang="en-US" altLang="ja-JP" sz="1000" dirty="0"/>
-              <a:t>EquationKai.png</a:t>
+              <a:t>EquationSinW.png</a:t>
             </a:r>
             <a:endParaRPr lang="ja-JP" altLang="en-US" sz="1000" dirty="0"/>
           </a:p>
@@ -8956,9 +8956,9 @@
                         </m:e>
                       </m:func>
                       <m:r>
-                        <a:rPr lang="en-US" altLang="ja-JP" sz="1000" i="1">
+                        <a:rPr lang="en-US" altLang="ja-JP" sz="1000" i="1" smtClean="0">
                           <a:solidFill>
-                            <a:srgbClr val="0000FF"/>
+                            <a:schemeClr val="tx1"/>
                           </a:solidFill>
                           <a:latin typeface="Cambria Math" panose="02040503050406030204" pitchFamily="18" charset="0"/>
                         </a:rPr>
@@ -8969,7 +8969,7 @@
                           <m:ctrlPr>
                             <a:rPr lang="en-US" altLang="ja-JP" sz="1000" i="1">
                               <a:solidFill>
-                                <a:srgbClr val="0000FF"/>
+                                <a:schemeClr val="tx1"/>
                               </a:solidFill>
                               <a:latin typeface="Cambria Math" panose="02040503050406030204" pitchFamily="18" charset="0"/>
                             </a:rPr>
@@ -8982,7 +8982,7 @@
                             </m:rPr>
                             <a:rPr lang="en-US" altLang="ja-JP" sz="1000">
                               <a:solidFill>
-                                <a:srgbClr val="0000FF"/>
+                                <a:schemeClr val="tx1"/>
                               </a:solidFill>
                               <a:latin typeface="Cambria Math" panose="02040503050406030204" pitchFamily="18" charset="0"/>
                             </a:rPr>
@@ -8997,7 +8997,7 @@
                               <m:ctrlPr>
                                 <a:rPr lang="en-US" altLang="ja-JP" sz="1000" i="1">
                                   <a:solidFill>
-                                    <a:srgbClr val="0000FF"/>
+                                    <a:schemeClr val="tx1"/>
                                   </a:solidFill>
                                   <a:latin typeface="Cambria Math" panose="02040503050406030204" pitchFamily="18" charset="0"/>
                                 </a:rPr>
@@ -9007,7 +9007,7 @@
                               <m:r>
                                 <a:rPr lang="el-GR" altLang="ja-JP" sz="1000" i="1">
                                   <a:solidFill>
-                                    <a:srgbClr val="0000FF"/>
+                                    <a:schemeClr val="tx1"/>
                                   </a:solidFill>
                                   <a:latin typeface="Cambria Math" panose="02040503050406030204" pitchFamily="18" charset="0"/>
                                   <a:ea typeface="Cambria Math" panose="02040503050406030204" pitchFamily="18" charset="0"/>
@@ -9017,7 +9017,7 @@
                               <m:r>
                                 <a:rPr lang="en-US" altLang="ja-JP" sz="1000" i="1">
                                   <a:solidFill>
-                                    <a:srgbClr val="0000FF"/>
+                                    <a:schemeClr val="tx1"/>
                                   </a:solidFill>
                                   <a:latin typeface="Cambria Math" panose="02040503050406030204" pitchFamily="18" charset="0"/>
                                   <a:ea typeface="Cambria Math" panose="02040503050406030204" pitchFamily="18" charset="0"/>
@@ -9027,7 +9027,7 @@
                               <m:r>
                                 <a:rPr lang="ja-JP" altLang="el-GR" sz="1000" i="1">
                                   <a:solidFill>
-                                    <a:srgbClr val="0000FF"/>
+                                    <a:schemeClr val="tx1"/>
                                   </a:solidFill>
                                   <a:latin typeface="Cambria Math" panose="02040503050406030204" pitchFamily="18" charset="0"/>
                                   <a:ea typeface="Cambria Math" panose="02040503050406030204" pitchFamily="18" charset="0"/>
@@ -9037,7 +9037,7 @@
                               <m:r>
                                 <a:rPr lang="en-US" altLang="ja-JP" sz="1000" i="1">
                                   <a:solidFill>
-                                    <a:srgbClr val="0000FF"/>
+                                    <a:schemeClr val="tx1"/>
                                   </a:solidFill>
                                   <a:latin typeface="Cambria Math" panose="02040503050406030204" pitchFamily="18" charset="0"/>
                                   <a:ea typeface="Cambria Math" panose="02040503050406030204" pitchFamily="18" charset="0"/>
@@ -9049,7 +9049,7 @@
                                   <m:ctrlPr>
                                     <a:rPr lang="en-US" altLang="ja-JP" sz="1000" i="1">
                                       <a:solidFill>
-                                        <a:srgbClr val="0000FF"/>
+                                        <a:schemeClr val="tx1"/>
                                       </a:solidFill>
                                       <a:latin typeface="Cambria Math" panose="02040503050406030204" pitchFamily="18" charset="0"/>
                                       <a:ea typeface="Cambria Math" panose="02040503050406030204" pitchFamily="18" charset="0"/>
@@ -9060,7 +9060,7 @@
                                   <m:r>
                                     <a:rPr lang="en-US" altLang="ja-JP" sz="1000" b="1" i="1">
                                       <a:solidFill>
-                                        <a:srgbClr val="0000FF"/>
+                                        <a:schemeClr val="tx1"/>
                                       </a:solidFill>
                                       <a:latin typeface="Cambria Math" panose="02040503050406030204" pitchFamily="18" charset="0"/>
                                       <a:ea typeface="Cambria Math" panose="02040503050406030204" pitchFamily="18" charset="0"/>
@@ -9072,7 +9072,7 @@
                                   <m:r>
                                     <a:rPr lang="en-US" altLang="ja-JP" sz="1000" i="1">
                                       <a:solidFill>
-                                        <a:srgbClr val="0000FF"/>
+                                        <a:schemeClr val="tx1"/>
                                       </a:solidFill>
                                       <a:latin typeface="Cambria Math" panose="02040503050406030204" pitchFamily="18" charset="0"/>
                                       <a:ea typeface="Cambria Math" panose="02040503050406030204" pitchFamily="18" charset="0"/>
@@ -9086,7 +9086,7 @@
                                   <m:ctrlPr>
                                     <a:rPr lang="en-US" altLang="ja-JP" sz="1000" i="1">
                                       <a:solidFill>
-                                        <a:srgbClr val="0000FF"/>
+                                        <a:schemeClr val="tx1"/>
                                       </a:solidFill>
                                       <a:latin typeface="Cambria Math" panose="02040503050406030204" pitchFamily="18" charset="0"/>
                                       <a:ea typeface="Cambria Math" panose="02040503050406030204" pitchFamily="18" charset="0"/>
@@ -9100,7 +9100,7 @@
                                     </m:rPr>
                                     <a:rPr lang="el-GR" altLang="ja-JP" sz="1000" i="1">
                                       <a:solidFill>
-                                        <a:srgbClr val="0000FF"/>
+                                        <a:schemeClr val="tx1"/>
                                       </a:solidFill>
                                       <a:latin typeface="Cambria Math" panose="02040503050406030204" pitchFamily="18" charset="0"/>
                                       <a:ea typeface="Cambria Math" panose="02040503050406030204" pitchFamily="18" charset="0"/>
@@ -9110,7 +9110,7 @@
                                   <m:r>
                                     <a:rPr lang="en-US" altLang="ja-JP" sz="1000" i="1">
                                       <a:solidFill>
-                                        <a:srgbClr val="0000FF"/>
+                                        <a:schemeClr val="tx1"/>
                                       </a:solidFill>
                                       <a:latin typeface="Cambria Math" panose="02040503050406030204" pitchFamily="18" charset="0"/>
                                       <a:ea typeface="Cambria Math" panose="02040503050406030204" pitchFamily="18" charset="0"/>
@@ -9120,7 +9120,7 @@
                                   <m:r>
                                     <a:rPr lang="en-US" altLang="ja-JP" sz="1000" i="1">
                                       <a:solidFill>
-                                        <a:srgbClr val="0000FF"/>
+                                        <a:schemeClr val="tx1"/>
                                       </a:solidFill>
                                       <a:latin typeface="Cambria Math" panose="02040503050406030204" pitchFamily="18" charset="0"/>
                                       <a:ea typeface="Cambria Math" panose="02040503050406030204" pitchFamily="18" charset="0"/>
@@ -9132,7 +9132,7 @@
                                       <m:ctrlPr>
                                         <a:rPr lang="en-US" altLang="ja-JP" sz="1000" i="1">
                                           <a:solidFill>
-                                            <a:srgbClr val="0000FF"/>
+                                            <a:schemeClr val="tx1"/>
                                           </a:solidFill>
                                           <a:latin typeface="Cambria Math" panose="02040503050406030204" pitchFamily="18" charset="0"/>
                                           <a:ea typeface="Cambria Math" panose="02040503050406030204" pitchFamily="18" charset="0"/>
@@ -9143,7 +9143,7 @@
                                       <m:r>
                                         <a:rPr lang="en-US" altLang="ja-JP" sz="1000" i="1">
                                           <a:solidFill>
-                                            <a:srgbClr val="0000FF"/>
+                                            <a:schemeClr val="tx1"/>
                                           </a:solidFill>
                                           <a:latin typeface="Cambria Math" panose="02040503050406030204" pitchFamily="18" charset="0"/>
                                           <a:ea typeface="Cambria Math" panose="02040503050406030204" pitchFamily="18" charset="0"/>
@@ -9158,7 +9158,7 @@
                                         </m:rPr>
                                         <a:rPr lang="en-US" altLang="ja-JP" sz="1000">
                                           <a:solidFill>
-                                            <a:srgbClr val="0000FF"/>
+                                            <a:schemeClr val="tx1"/>
                                           </a:solidFill>
                                           <a:latin typeface="Cambria Math" panose="02040503050406030204" pitchFamily="18" charset="0"/>
                                           <a:ea typeface="Cambria Math" panose="02040503050406030204" pitchFamily="18" charset="0"/>
@@ -9172,7 +9172,7 @@
                                       <m:ctrlPr>
                                         <a:rPr lang="en-US" altLang="ja-JP" sz="1000" i="1">
                                           <a:solidFill>
-                                            <a:srgbClr val="0000FF"/>
+                                            <a:schemeClr val="tx1"/>
                                           </a:solidFill>
                                           <a:latin typeface="Cambria Math" panose="02040503050406030204" pitchFamily="18" charset="0"/>
                                           <a:ea typeface="Cambria Math" panose="02040503050406030204" pitchFamily="18" charset="0"/>
@@ -9183,7 +9183,7 @@
                                       <m:r>
                                         <a:rPr lang="en-US" altLang="ja-JP" sz="1000" b="1" i="1">
                                           <a:solidFill>
-                                            <a:srgbClr val="0000FF"/>
+                                            <a:schemeClr val="tx1"/>
                                           </a:solidFill>
                                           <a:latin typeface="Cambria Math" panose="02040503050406030204" pitchFamily="18" charset="0"/>
                                           <a:ea typeface="Cambria Math" panose="02040503050406030204" pitchFamily="18" charset="0"/>
@@ -9195,7 +9195,7 @@
                                       <m:r>
                                         <a:rPr lang="en-US" altLang="ja-JP" sz="1000" i="1">
                                           <a:solidFill>
-                                            <a:srgbClr val="0000FF"/>
+                                            <a:schemeClr val="tx1"/>
                                           </a:solidFill>
                                           <a:latin typeface="Cambria Math" panose="02040503050406030204" pitchFamily="18" charset="0"/>
                                           <a:ea typeface="Cambria Math" panose="02040503050406030204" pitchFamily="18" charset="0"/>
@@ -9209,7 +9209,7 @@
                                       <m:ctrlPr>
                                         <a:rPr lang="en-US" altLang="ja-JP" sz="1000" i="1">
                                           <a:solidFill>
-                                            <a:srgbClr val="0000FF"/>
+                                            <a:schemeClr val="tx1"/>
                                           </a:solidFill>
                                           <a:latin typeface="Cambria Math" panose="02040503050406030204" pitchFamily="18" charset="0"/>
                                           <a:ea typeface="Cambria Math" panose="02040503050406030204" pitchFamily="18" charset="0"/>
@@ -9220,7 +9220,7 @@
                                       <m:r>
                                         <a:rPr lang="ja-JP" altLang="en-US" sz="1000" i="1">
                                           <a:solidFill>
-                                            <a:srgbClr val="0000FF"/>
+                                            <a:schemeClr val="tx1"/>
                                           </a:solidFill>
                                           <a:latin typeface="Cambria Math" panose="02040503050406030204" pitchFamily="18" charset="0"/>
                                           <a:ea typeface="Cambria Math" panose="02040503050406030204" pitchFamily="18" charset="0"/>
@@ -9232,7 +9232,7 @@
                                       <m:r>
                                         <a:rPr lang="en-US" altLang="ja-JP" sz="1000" i="1">
                                           <a:solidFill>
-                                            <a:srgbClr val="0000FF"/>
+                                            <a:schemeClr val="tx1"/>
                                           </a:solidFill>
                                           <a:latin typeface="Cambria Math" panose="02040503050406030204" pitchFamily="18" charset="0"/>
                                           <a:ea typeface="Cambria Math" panose="02040503050406030204" pitchFamily="18" charset="0"/>
@@ -9246,7 +9246,7 @@
                               <m:r>
                                 <a:rPr lang="en-US" altLang="ja-JP" sz="1000" i="1">
                                   <a:solidFill>
-                                    <a:srgbClr val="0000FF"/>
+                                    <a:schemeClr val="tx1"/>
                                   </a:solidFill>
                                   <a:latin typeface="Cambria Math" panose="02040503050406030204" pitchFamily="18" charset="0"/>
                                   <a:ea typeface="Cambria Math" panose="02040503050406030204" pitchFamily="18" charset="0"/>
@@ -9314,8 +9314,8 @@
           </p:sp>
         </mc:Fallback>
       </mc:AlternateContent>
-      <mc:AlternateContent xmlns:mc="http://schemas.openxmlformats.org/markup-compatibility/2006" xmlns:a14="http://schemas.microsoft.com/office/drawing/2010/main">
-        <mc:Choice Requires="a14">
+      <mc:AlternateContent xmlns:mc="http://schemas.openxmlformats.org/markup-compatibility/2006">
+        <mc:Choice xmlns:a14="http://schemas.microsoft.com/office/drawing/2010/main" Requires="a14">
           <p:sp>
             <p:nvSpPr>
               <p:cNvPr id="7" name="正方形/長方形 6">
@@ -9330,7 +9330,7 @@
             </p:nvSpPr>
             <p:spPr>
               <a:xfrm>
-                <a:off x="346330" y="1438449"/>
+                <a:off x="346330" y="1893965"/>
                 <a:ext cx="2316275" cy="153888"/>
               </a:xfrm>
               <a:prstGeom prst="rect">
@@ -9412,9 +9412,9 @@
                         <m:t>)</m:t>
                       </m:r>
                       <m:r>
-                        <a:rPr lang="en-US" altLang="ja-JP" sz="1000" i="1">
+                        <a:rPr lang="en-US" altLang="ja-JP" sz="1000" i="1" smtClean="0">
                           <a:solidFill>
-                            <a:srgbClr val="007D00"/>
+                            <a:schemeClr val="tx1"/>
                           </a:solidFill>
                           <a:latin typeface="Cambria Math" panose="02040503050406030204" pitchFamily="18" charset="0"/>
                         </a:rPr>
@@ -9425,7 +9425,7 @@
                           <m:ctrlPr>
                             <a:rPr lang="en-US" altLang="ja-JP" sz="1000" i="1">
                               <a:solidFill>
-                                <a:srgbClr val="007D00"/>
+                                <a:schemeClr val="tx1"/>
                               </a:solidFill>
                               <a:latin typeface="Cambria Math" panose="02040503050406030204" pitchFamily="18" charset="0"/>
                             </a:rPr>
@@ -9438,7 +9438,7 @@
                             </m:rPr>
                             <a:rPr lang="en-US" altLang="ja-JP" sz="1000" b="0" i="0" smtClean="0">
                               <a:solidFill>
-                                <a:srgbClr val="007D00"/>
+                                <a:schemeClr val="tx1"/>
                               </a:solidFill>
                               <a:latin typeface="Cambria Math" panose="02040503050406030204" pitchFamily="18" charset="0"/>
                             </a:rPr>
@@ -9453,7 +9453,7 @@
                               <m:ctrlPr>
                                 <a:rPr lang="en-US" altLang="ja-JP" sz="1000" i="1">
                                   <a:solidFill>
-                                    <a:srgbClr val="007D00"/>
+                                    <a:schemeClr val="tx1"/>
                                   </a:solidFill>
                                   <a:latin typeface="Cambria Math" panose="02040503050406030204" pitchFamily="18" charset="0"/>
                                 </a:rPr>
@@ -9463,7 +9463,7 @@
                               <m:r>
                                 <a:rPr lang="en-US" altLang="ja-JP" sz="1000" b="0" i="1" smtClean="0">
                                   <a:solidFill>
-                                    <a:srgbClr val="007D00"/>
+                                    <a:schemeClr val="tx1"/>
                                   </a:solidFill>
                                   <a:latin typeface="Cambria Math" panose="02040503050406030204" pitchFamily="18" charset="0"/>
                                 </a:rPr>
@@ -9474,7 +9474,7 @@
                                   <m:ctrlPr>
                                     <a:rPr lang="en-US" altLang="ja-JP" sz="1000" b="0" i="1" smtClean="0">
                                       <a:solidFill>
-                                        <a:srgbClr val="007D00"/>
+                                        <a:schemeClr val="tx1"/>
                                       </a:solidFill>
                                       <a:latin typeface="Cambria Math" panose="02040503050406030204" pitchFamily="18" charset="0"/>
                                       <a:ea typeface="Cambria Math" panose="02040503050406030204" pitchFamily="18" charset="0"/>
@@ -9485,7 +9485,7 @@
                                   <m:r>
                                     <a:rPr lang="el-GR" altLang="ja-JP" sz="1000" i="1">
                                       <a:solidFill>
-                                        <a:srgbClr val="007D00"/>
+                                        <a:schemeClr val="tx1"/>
                                       </a:solidFill>
                                       <a:latin typeface="Cambria Math" panose="02040503050406030204" pitchFamily="18" charset="0"/>
                                       <a:ea typeface="Cambria Math" panose="02040503050406030204" pitchFamily="18" charset="0"/>
@@ -9497,7 +9497,7 @@
                                   <m:r>
                                     <a:rPr lang="en-US" altLang="ja-JP" sz="1000" b="0" i="1" smtClean="0">
                                       <a:solidFill>
-                                        <a:srgbClr val="007D00"/>
+                                        <a:schemeClr val="tx1"/>
                                       </a:solidFill>
                                       <a:latin typeface="Cambria Math" panose="02040503050406030204" pitchFamily="18" charset="0"/>
                                       <a:ea typeface="Cambria Math" panose="02040503050406030204" pitchFamily="18" charset="0"/>
@@ -9509,7 +9509,7 @@
                               <m:r>
                                 <a:rPr lang="en-US" altLang="ja-JP" sz="1000" i="1">
                                   <a:solidFill>
-                                    <a:srgbClr val="007D00"/>
+                                    <a:schemeClr val="tx1"/>
                                   </a:solidFill>
                                   <a:latin typeface="Cambria Math" panose="02040503050406030204" pitchFamily="18" charset="0"/>
                                   <a:ea typeface="Cambria Math" panose="02040503050406030204" pitchFamily="18" charset="0"/>
@@ -9521,7 +9521,7 @@
                                   <m:ctrlPr>
                                     <a:rPr lang="en-US" altLang="ja-JP" sz="1000" b="0" i="1" smtClean="0">
                                       <a:solidFill>
-                                        <a:srgbClr val="007D00"/>
+                                        <a:schemeClr val="tx1"/>
                                       </a:solidFill>
                                       <a:latin typeface="Cambria Math" panose="02040503050406030204" pitchFamily="18" charset="0"/>
                                       <a:ea typeface="Cambria Math" panose="02040503050406030204" pitchFamily="18" charset="0"/>
@@ -9532,7 +9532,7 @@
                                   <m:r>
                                     <a:rPr lang="ja-JP" altLang="en-US" sz="1000" i="1" smtClean="0">
                                       <a:solidFill>
-                                        <a:srgbClr val="007D00"/>
+                                        <a:schemeClr val="tx1"/>
                                       </a:solidFill>
                                       <a:latin typeface="Cambria Math" panose="02040503050406030204" pitchFamily="18" charset="0"/>
                                       <a:ea typeface="Cambria Math" panose="02040503050406030204" pitchFamily="18" charset="0"/>
@@ -9544,7 +9544,7 @@
                                   <m:r>
                                     <a:rPr lang="en-US" altLang="ja-JP" sz="1000" b="0" i="1" smtClean="0">
                                       <a:solidFill>
-                                        <a:srgbClr val="007D00"/>
+                                        <a:schemeClr val="tx1"/>
                                       </a:solidFill>
                                       <a:latin typeface="Cambria Math" panose="02040503050406030204" pitchFamily="18" charset="0"/>
                                       <a:ea typeface="Cambria Math" panose="02040503050406030204" pitchFamily="18" charset="0"/>
@@ -9556,7 +9556,7 @@
                               <m:r>
                                 <a:rPr lang="en-US" altLang="ja-JP" sz="1000" i="1">
                                   <a:solidFill>
-                                    <a:srgbClr val="007D00"/>
+                                    <a:schemeClr val="tx1"/>
                                   </a:solidFill>
                                   <a:latin typeface="Cambria Math" panose="02040503050406030204" pitchFamily="18" charset="0"/>
                                   <a:ea typeface="Cambria Math" panose="02040503050406030204" pitchFamily="18" charset="0"/>
@@ -9568,7 +9568,7 @@
                                   <m:ctrlPr>
                                     <a:rPr lang="en-US" altLang="ja-JP" sz="1000" i="1">
                                       <a:solidFill>
-                                        <a:srgbClr val="007D00"/>
+                                        <a:schemeClr val="tx1"/>
                                       </a:solidFill>
                                       <a:latin typeface="Cambria Math" panose="02040503050406030204" pitchFamily="18" charset="0"/>
                                       <a:ea typeface="Cambria Math" panose="02040503050406030204" pitchFamily="18" charset="0"/>
@@ -9579,7 +9579,7 @@
                                   <m:r>
                                     <a:rPr lang="en-US" altLang="ja-JP" sz="1000" b="1" i="1">
                                       <a:solidFill>
-                                        <a:srgbClr val="007D00"/>
+                                        <a:schemeClr val="tx1"/>
                                       </a:solidFill>
                                       <a:latin typeface="Cambria Math" panose="02040503050406030204" pitchFamily="18" charset="0"/>
                                       <a:ea typeface="Cambria Math" panose="02040503050406030204" pitchFamily="18" charset="0"/>
@@ -9591,7 +9591,7 @@
                                   <m:r>
                                     <a:rPr lang="en-US" altLang="ja-JP" sz="1000" i="1">
                                       <a:solidFill>
-                                        <a:srgbClr val="007D00"/>
+                                        <a:schemeClr val="tx1"/>
                                       </a:solidFill>
                                       <a:latin typeface="Cambria Math" panose="02040503050406030204" pitchFamily="18" charset="0"/>
                                       <a:ea typeface="Cambria Math" panose="02040503050406030204" pitchFamily="18" charset="0"/>
@@ -9605,7 +9605,7 @@
                                   <m:ctrlPr>
                                     <a:rPr lang="en-US" altLang="ja-JP" sz="1000" b="0" i="1" smtClean="0">
                                       <a:solidFill>
-                                        <a:srgbClr val="007D00"/>
+                                        <a:schemeClr val="tx1"/>
                                       </a:solidFill>
                                       <a:latin typeface="Cambria Math" panose="02040503050406030204" pitchFamily="18" charset="0"/>
                                       <a:ea typeface="Cambria Math" panose="02040503050406030204" pitchFamily="18" charset="0"/>
@@ -9618,7 +9618,7 @@
                                       <m:ctrlPr>
                                         <a:rPr lang="en-US" altLang="ja-JP" sz="1000" i="1">
                                           <a:solidFill>
-                                            <a:srgbClr val="007D00"/>
+                                            <a:schemeClr val="tx1"/>
                                           </a:solidFill>
                                           <a:latin typeface="Cambria Math" panose="02040503050406030204" pitchFamily="18" charset="0"/>
                                           <a:ea typeface="Cambria Math" panose="02040503050406030204" pitchFamily="18" charset="0"/>
@@ -9632,7 +9632,7 @@
                                         </m:rPr>
                                         <a:rPr lang="el-GR" altLang="ja-JP" sz="1000" i="1">
                                           <a:solidFill>
-                                            <a:srgbClr val="007D00"/>
+                                            <a:schemeClr val="tx1"/>
                                           </a:solidFill>
                                           <a:latin typeface="Cambria Math" panose="02040503050406030204" pitchFamily="18" charset="0"/>
                                           <a:ea typeface="Cambria Math" panose="02040503050406030204" pitchFamily="18" charset="0"/>
@@ -9642,7 +9642,7 @@
                                       <m:r>
                                         <a:rPr lang="en-US" altLang="ja-JP" sz="1000" i="1">
                                           <a:solidFill>
-                                            <a:srgbClr val="007D00"/>
+                                            <a:schemeClr val="tx1"/>
                                           </a:solidFill>
                                           <a:latin typeface="Cambria Math" panose="02040503050406030204" pitchFamily="18" charset="0"/>
                                           <a:ea typeface="Cambria Math" panose="02040503050406030204" pitchFamily="18" charset="0"/>
@@ -9652,7 +9652,7 @@
                                       <m:r>
                                         <a:rPr lang="en-US" altLang="ja-JP" sz="1000" i="1">
                                           <a:solidFill>
-                                            <a:srgbClr val="007D00"/>
+                                            <a:schemeClr val="tx1"/>
                                           </a:solidFill>
                                           <a:latin typeface="Cambria Math" panose="02040503050406030204" pitchFamily="18" charset="0"/>
                                           <a:ea typeface="Cambria Math" panose="02040503050406030204" pitchFamily="18" charset="0"/>
@@ -9664,7 +9664,7 @@
                                           <m:ctrlPr>
                                             <a:rPr lang="en-US" altLang="ja-JP" sz="1000" i="1">
                                               <a:solidFill>
-                                                <a:srgbClr val="007D00"/>
+                                                <a:schemeClr val="tx1"/>
                                               </a:solidFill>
                                               <a:latin typeface="Cambria Math" panose="02040503050406030204" pitchFamily="18" charset="0"/>
                                               <a:ea typeface="Cambria Math" panose="02040503050406030204" pitchFamily="18" charset="0"/>
@@ -9675,7 +9675,7 @@
                                           <m:r>
                                             <a:rPr lang="en-US" altLang="ja-JP" sz="1000" i="1">
                                               <a:solidFill>
-                                                <a:srgbClr val="007D00"/>
+                                                <a:schemeClr val="tx1"/>
                                               </a:solidFill>
                                               <a:latin typeface="Cambria Math" panose="02040503050406030204" pitchFamily="18" charset="0"/>
                                               <a:ea typeface="Cambria Math" panose="02040503050406030204" pitchFamily="18" charset="0"/>
@@ -9690,7 +9690,7 @@
                                             </m:rPr>
                                             <a:rPr lang="en-US" altLang="ja-JP" sz="1000">
                                               <a:solidFill>
-                                                <a:srgbClr val="007D00"/>
+                                                <a:schemeClr val="tx1"/>
                                               </a:solidFill>
                                               <a:latin typeface="Cambria Math" panose="02040503050406030204" pitchFamily="18" charset="0"/>
                                               <a:ea typeface="Cambria Math" panose="02040503050406030204" pitchFamily="18" charset="0"/>
@@ -9704,7 +9704,7 @@
                                           <m:ctrlPr>
                                             <a:rPr lang="en-US" altLang="ja-JP" sz="1000" i="1">
                                               <a:solidFill>
-                                                <a:srgbClr val="007D00"/>
+                                                <a:schemeClr val="tx1"/>
                                               </a:solidFill>
                                               <a:latin typeface="Cambria Math" panose="02040503050406030204" pitchFamily="18" charset="0"/>
                                               <a:ea typeface="Cambria Math" panose="02040503050406030204" pitchFamily="18" charset="0"/>
@@ -9715,7 +9715,7 @@
                                           <m:r>
                                             <a:rPr lang="en-US" altLang="ja-JP" sz="1000" b="1" i="1">
                                               <a:solidFill>
-                                                <a:srgbClr val="007D00"/>
+                                                <a:schemeClr val="tx1"/>
                                               </a:solidFill>
                                               <a:latin typeface="Cambria Math" panose="02040503050406030204" pitchFamily="18" charset="0"/>
                                               <a:ea typeface="Cambria Math" panose="02040503050406030204" pitchFamily="18" charset="0"/>
@@ -9727,7 +9727,7 @@
                                           <m:r>
                                             <a:rPr lang="en-US" altLang="ja-JP" sz="1000" i="1">
                                               <a:solidFill>
-                                                <a:srgbClr val="007D00"/>
+                                                <a:schemeClr val="tx1"/>
                                               </a:solidFill>
                                               <a:latin typeface="Cambria Math" panose="02040503050406030204" pitchFamily="18" charset="0"/>
                                               <a:ea typeface="Cambria Math" panose="02040503050406030204" pitchFamily="18" charset="0"/>
@@ -9741,7 +9741,7 @@
                                           <m:ctrlPr>
                                             <a:rPr lang="en-US" altLang="ja-JP" sz="1000" i="1">
                                               <a:solidFill>
-                                                <a:srgbClr val="007D00"/>
+                                                <a:schemeClr val="tx1"/>
                                               </a:solidFill>
                                               <a:latin typeface="Cambria Math" panose="02040503050406030204" pitchFamily="18" charset="0"/>
                                               <a:ea typeface="Cambria Math" panose="02040503050406030204" pitchFamily="18" charset="0"/>
@@ -9752,7 +9752,7 @@
                                           <m:r>
                                             <a:rPr lang="ja-JP" altLang="en-US" sz="1000" i="1">
                                               <a:solidFill>
-                                                <a:srgbClr val="007D00"/>
+                                                <a:schemeClr val="tx1"/>
                                               </a:solidFill>
                                               <a:latin typeface="Cambria Math" panose="02040503050406030204" pitchFamily="18" charset="0"/>
                                               <a:ea typeface="Cambria Math" panose="02040503050406030204" pitchFamily="18" charset="0"/>
@@ -9764,7 +9764,7 @@
                                           <m:r>
                                             <a:rPr lang="en-US" altLang="ja-JP" sz="1000" i="1">
                                               <a:solidFill>
-                                                <a:srgbClr val="007D00"/>
+                                                <a:schemeClr val="tx1"/>
                                               </a:solidFill>
                                               <a:latin typeface="Cambria Math" panose="02040503050406030204" pitchFamily="18" charset="0"/>
                                               <a:ea typeface="Cambria Math" panose="02040503050406030204" pitchFamily="18" charset="0"/>
@@ -9780,7 +9780,7 @@
                                   <m:r>
                                     <a:rPr lang="en-US" altLang="ja-JP" sz="1000" b="0" i="1" smtClean="0">
                                       <a:solidFill>
-                                        <a:srgbClr val="007D00"/>
+                                        <a:schemeClr val="tx1"/>
                                       </a:solidFill>
                                       <a:latin typeface="Cambria Math" panose="02040503050406030204" pitchFamily="18" charset="0"/>
                                       <a:ea typeface="Cambria Math" panose="02040503050406030204" pitchFamily="18" charset="0"/>
@@ -9805,7 +9805,7 @@
             </p:txBody>
           </p:sp>
         </mc:Choice>
-        <mc:Fallback xmlns="">
+        <mc:Fallback>
           <p:sp>
             <p:nvSpPr>
               <p:cNvPr id="7" name="正方形/長方形 6">
@@ -9822,14 +9822,14 @@
             </p:nvSpPr>
             <p:spPr>
               <a:xfrm>
-                <a:off x="346330" y="1438449"/>
+                <a:off x="346330" y="1893965"/>
                 <a:ext cx="2316275" cy="153888"/>
               </a:xfrm>
               <a:prstGeom prst="rect">
                 <a:avLst/>
               </a:prstGeom>
               <a:blipFill>
-                <a:blip r:embed="rId4"/>
+                <a:blip r:embed="rId3"/>
                 <a:stretch>
                   <a:fillRect l="-2105" t="-4000" b="-40000"/>
                 </a:stretch>
@@ -9864,8 +9864,8 @@
         </p:nvSpPr>
         <p:spPr>
           <a:xfrm>
-            <a:off x="222050" y="1248117"/>
-            <a:ext cx="804707" cy="153888"/>
+            <a:off x="222050" y="1742753"/>
+            <a:ext cx="1251946" cy="153888"/>
           </a:xfrm>
           <a:prstGeom prst="rect">
             <a:avLst/>
@@ -9880,548 +9880,12 @@
           <a:p>
             <a:r>
               <a:rPr lang="en-US" altLang="ja-JP" sz="1000" dirty="0"/>
-              <a:t>EquationEs.png</a:t>
+              <a:t>EquationEs_HRTEM.png</a:t>
             </a:r>
             <a:endParaRPr lang="ja-JP" altLang="en-US" sz="1000" dirty="0"/>
           </a:p>
         </p:txBody>
       </p:sp>
-      <mc:AlternateContent xmlns:mc="http://schemas.openxmlformats.org/markup-compatibility/2006">
-        <mc:Choice xmlns:a14="http://schemas.microsoft.com/office/drawing/2010/main" Requires="a14">
-          <p:sp>
-            <p:nvSpPr>
-              <p:cNvPr id="9" name="正方形/長方形 8">
-                <a:extLst>
-                  <a:ext uri="{FF2B5EF4-FFF2-40B4-BE49-F238E27FC236}">
-                    <a16:creationId xmlns:a16="http://schemas.microsoft.com/office/drawing/2014/main" id="{6C000067-252D-C96F-9153-04AD8C87C41B}"/>
-                  </a:ext>
-                </a:extLst>
-              </p:cNvPr>
-              <p:cNvSpPr/>
-              <p:nvPr/>
-            </p:nvSpPr>
-            <p:spPr>
-              <a:xfrm>
-                <a:off x="346330" y="1649039"/>
-                <a:ext cx="784254" cy="53861"/>
-              </a:xfrm>
-              <a:prstGeom prst="rect">
-                <a:avLst/>
-              </a:prstGeom>
-            </p:spPr>
-            <p:txBody>
-              <a:bodyPr wrap="none" lIns="0" tIns="0" rIns="0" bIns="0">
-                <a:spAutoFit/>
-              </a:bodyPr>
-              <a:lstStyle/>
-              <a:p>
-                <a:pPr/>
-                <a14:m>
-                  <m:oMathPara xmlns:m="http://schemas.openxmlformats.org/officeDocument/2006/math">
-                    <m:oMathParaPr>
-                      <m:jc m:val="left"/>
-                    </m:oMathParaPr>
-                    <m:oMath xmlns:m="http://schemas.openxmlformats.org/officeDocument/2006/math">
-                      <m:sSub>
-                        <m:sSubPr>
-                          <m:ctrlPr>
-                            <a:rPr lang="en-US" altLang="ja-JP" sz="350" b="0" i="1" smtClean="0">
-                              <a:solidFill>
-                                <a:srgbClr val="007D00"/>
-                              </a:solidFill>
-                              <a:latin typeface="Cambria Math" panose="02040503050406030204" pitchFamily="18" charset="0"/>
-                            </a:rPr>
-                          </m:ctrlPr>
-                        </m:sSubPr>
-                        <m:e>
-                          <m:r>
-                            <a:rPr lang="en-US" altLang="ja-JP" sz="350" i="1" smtClean="0">
-                              <a:solidFill>
-                                <a:srgbClr val="007D00"/>
-                              </a:solidFill>
-                              <a:latin typeface="Cambria Math" panose="02040503050406030204" pitchFamily="18" charset="0"/>
-                            </a:rPr>
-                            <m:t>𝐸</m:t>
-                          </m:r>
-                        </m:e>
-                        <m:sub>
-                          <m:r>
-                            <a:rPr lang="en-US" altLang="ja-JP" sz="350" b="0" i="1" smtClean="0">
-                              <a:solidFill>
-                                <a:srgbClr val="007D00"/>
-                              </a:solidFill>
-                              <a:latin typeface="Cambria Math" panose="02040503050406030204" pitchFamily="18" charset="0"/>
-                            </a:rPr>
-                            <m:t>𝑠</m:t>
-                          </m:r>
-                        </m:sub>
-                      </m:sSub>
-                      <m:r>
-                        <a:rPr lang="en-US" altLang="ja-JP" sz="350" b="0" i="0" smtClean="0">
-                          <a:solidFill>
-                            <a:srgbClr val="007D00"/>
-                          </a:solidFill>
-                          <a:latin typeface="Cambria Math" panose="02040503050406030204" pitchFamily="18" charset="0"/>
-                        </a:rPr>
-                        <m:t>(</m:t>
-                      </m:r>
-                      <m:r>
-                        <a:rPr lang="en-US" altLang="ja-JP" sz="350" b="1" i="1" smtClean="0">
-                          <a:solidFill>
-                            <a:srgbClr val="007D00"/>
-                          </a:solidFill>
-                          <a:latin typeface="Cambria Math" panose="02040503050406030204" pitchFamily="18" charset="0"/>
-                        </a:rPr>
-                        <m:t>𝒖</m:t>
-                      </m:r>
-                      <m:r>
-                        <a:rPr lang="en-US" altLang="ja-JP" sz="350" b="0" i="1" smtClean="0">
-                          <a:solidFill>
-                            <a:srgbClr val="007D00"/>
-                          </a:solidFill>
-                          <a:latin typeface="Cambria Math" panose="02040503050406030204" pitchFamily="18" charset="0"/>
-                        </a:rPr>
-                        <m:t>)</m:t>
-                      </m:r>
-                      <m:r>
-                        <a:rPr lang="en-US" altLang="ja-JP" sz="350" i="1">
-                          <a:solidFill>
-                            <a:srgbClr val="007D00"/>
-                          </a:solidFill>
-                          <a:latin typeface="Cambria Math" panose="02040503050406030204" pitchFamily="18" charset="0"/>
-                        </a:rPr>
-                        <m:t>=</m:t>
-                      </m:r>
-                      <m:func>
-                        <m:funcPr>
-                          <m:ctrlPr>
-                            <a:rPr lang="en-US" altLang="ja-JP" sz="350" i="1">
-                              <a:solidFill>
-                                <a:srgbClr val="007D00"/>
-                              </a:solidFill>
-                              <a:latin typeface="Cambria Math" panose="02040503050406030204" pitchFamily="18" charset="0"/>
-                            </a:rPr>
-                          </m:ctrlPr>
-                        </m:funcPr>
-                        <m:fName>
-                          <m:r>
-                            <m:rPr>
-                              <m:sty m:val="p"/>
-                            </m:rPr>
-                            <a:rPr lang="en-US" altLang="ja-JP" sz="350" b="0" i="0" smtClean="0">
-                              <a:solidFill>
-                                <a:srgbClr val="007D00"/>
-                              </a:solidFill>
-                              <a:latin typeface="Cambria Math" panose="02040503050406030204" pitchFamily="18" charset="0"/>
-                            </a:rPr>
-                            <m:t>exp</m:t>
-                          </m:r>
-                        </m:fName>
-                        <m:e>
-                          <m:d>
-                            <m:dPr>
-                              <m:begChr m:val="["/>
-                              <m:endChr m:val="]"/>
-                              <m:ctrlPr>
-                                <a:rPr lang="en-US" altLang="ja-JP" sz="350" i="1">
-                                  <a:solidFill>
-                                    <a:srgbClr val="007D00"/>
-                                  </a:solidFill>
-                                  <a:latin typeface="Cambria Math" panose="02040503050406030204" pitchFamily="18" charset="0"/>
-                                </a:rPr>
-                              </m:ctrlPr>
-                            </m:dPr>
-                            <m:e>
-                              <m:r>
-                                <a:rPr lang="en-US" altLang="ja-JP" sz="350" b="0" i="1" smtClean="0">
-                                  <a:solidFill>
-                                    <a:srgbClr val="007D00"/>
-                                  </a:solidFill>
-                                  <a:latin typeface="Cambria Math" panose="02040503050406030204" pitchFamily="18" charset="0"/>
-                                </a:rPr>
-                                <m:t>−</m:t>
-                              </m:r>
-                              <m:sSup>
-                                <m:sSupPr>
-                                  <m:ctrlPr>
-                                    <a:rPr lang="en-US" altLang="ja-JP" sz="350" b="0" i="1" smtClean="0">
-                                      <a:solidFill>
-                                        <a:srgbClr val="007D00"/>
-                                      </a:solidFill>
-                                      <a:latin typeface="Cambria Math" panose="02040503050406030204" pitchFamily="18" charset="0"/>
-                                      <a:ea typeface="Cambria Math" panose="02040503050406030204" pitchFamily="18" charset="0"/>
-                                    </a:rPr>
-                                  </m:ctrlPr>
-                                </m:sSupPr>
-                                <m:e>
-                                  <m:r>
-                                    <a:rPr lang="el-GR" altLang="ja-JP" sz="350" i="1">
-                                      <a:solidFill>
-                                        <a:srgbClr val="007D00"/>
-                                      </a:solidFill>
-                                      <a:latin typeface="Cambria Math" panose="02040503050406030204" pitchFamily="18" charset="0"/>
-                                      <a:ea typeface="Cambria Math" panose="02040503050406030204" pitchFamily="18" charset="0"/>
-                                    </a:rPr>
-                                    <m:t>𝜋</m:t>
-                                  </m:r>
-                                </m:e>
-                                <m:sup>
-                                  <m:r>
-                                    <a:rPr lang="en-US" altLang="ja-JP" sz="350" b="0" i="1" smtClean="0">
-                                      <a:solidFill>
-                                        <a:srgbClr val="007D00"/>
-                                      </a:solidFill>
-                                      <a:latin typeface="Cambria Math" panose="02040503050406030204" pitchFamily="18" charset="0"/>
-                                      <a:ea typeface="Cambria Math" panose="02040503050406030204" pitchFamily="18" charset="0"/>
-                                    </a:rPr>
-                                    <m:t>2</m:t>
-                                  </m:r>
-                                </m:sup>
-                              </m:sSup>
-                              <m:r>
-                                <a:rPr lang="en-US" altLang="ja-JP" sz="350" i="1">
-                                  <a:solidFill>
-                                    <a:srgbClr val="007D00"/>
-                                  </a:solidFill>
-                                  <a:latin typeface="Cambria Math" panose="02040503050406030204" pitchFamily="18" charset="0"/>
-                                  <a:ea typeface="Cambria Math" panose="02040503050406030204" pitchFamily="18" charset="0"/>
-                                </a:rPr>
-                                <m:t> </m:t>
-                              </m:r>
-                              <m:sSup>
-                                <m:sSupPr>
-                                  <m:ctrlPr>
-                                    <a:rPr lang="en-US" altLang="ja-JP" sz="350" b="0" i="1" smtClean="0">
-                                      <a:solidFill>
-                                        <a:srgbClr val="007D00"/>
-                                      </a:solidFill>
-                                      <a:latin typeface="Cambria Math" panose="02040503050406030204" pitchFamily="18" charset="0"/>
-                                      <a:ea typeface="Cambria Math" panose="02040503050406030204" pitchFamily="18" charset="0"/>
-                                    </a:rPr>
-                                  </m:ctrlPr>
-                                </m:sSupPr>
-                                <m:e>
-                                  <m:r>
-                                    <a:rPr lang="ja-JP" altLang="en-US" sz="350" i="1" smtClean="0">
-                                      <a:solidFill>
-                                        <a:srgbClr val="007D00"/>
-                                      </a:solidFill>
-                                      <a:latin typeface="Cambria Math" panose="02040503050406030204" pitchFamily="18" charset="0"/>
-                                      <a:ea typeface="Cambria Math" panose="02040503050406030204" pitchFamily="18" charset="0"/>
-                                    </a:rPr>
-                                    <m:t>𝛽</m:t>
-                                  </m:r>
-                                </m:e>
-                                <m:sup>
-                                  <m:r>
-                                    <a:rPr lang="en-US" altLang="ja-JP" sz="350" b="0" i="1" smtClean="0">
-                                      <a:solidFill>
-                                        <a:srgbClr val="007D00"/>
-                                      </a:solidFill>
-                                      <a:latin typeface="Cambria Math" panose="02040503050406030204" pitchFamily="18" charset="0"/>
-                                      <a:ea typeface="Cambria Math" panose="02040503050406030204" pitchFamily="18" charset="0"/>
-                                    </a:rPr>
-                                    <m:t>2</m:t>
-                                  </m:r>
-                                </m:sup>
-                              </m:sSup>
-                              <m:r>
-                                <a:rPr lang="en-US" altLang="ja-JP" sz="350" i="1">
-                                  <a:solidFill>
-                                    <a:srgbClr val="007D00"/>
-                                  </a:solidFill>
-                                  <a:latin typeface="Cambria Math" panose="02040503050406030204" pitchFamily="18" charset="0"/>
-                                  <a:ea typeface="Cambria Math" panose="02040503050406030204" pitchFamily="18" charset="0"/>
-                                </a:rPr>
-                                <m:t> </m:t>
-                              </m:r>
-                              <m:sSup>
-                                <m:sSupPr>
-                                  <m:ctrlPr>
-                                    <a:rPr lang="en-US" altLang="ja-JP" sz="350" i="1">
-                                      <a:solidFill>
-                                        <a:srgbClr val="007D00"/>
-                                      </a:solidFill>
-                                      <a:latin typeface="Cambria Math" panose="02040503050406030204" pitchFamily="18" charset="0"/>
-                                      <a:ea typeface="Cambria Math" panose="02040503050406030204" pitchFamily="18" charset="0"/>
-                                    </a:rPr>
-                                  </m:ctrlPr>
-                                </m:sSupPr>
-                                <m:e>
-                                  <m:r>
-                                    <a:rPr lang="en-US" altLang="ja-JP" sz="350" b="1" i="1">
-                                      <a:solidFill>
-                                        <a:srgbClr val="007D00"/>
-                                      </a:solidFill>
-                                      <a:latin typeface="Cambria Math" panose="02040503050406030204" pitchFamily="18" charset="0"/>
-                                      <a:ea typeface="Cambria Math" panose="02040503050406030204" pitchFamily="18" charset="0"/>
-                                    </a:rPr>
-                                    <m:t>𝒖</m:t>
-                                  </m:r>
-                                </m:e>
-                                <m:sup>
-                                  <m:r>
-                                    <a:rPr lang="en-US" altLang="ja-JP" sz="350" i="1">
-                                      <a:solidFill>
-                                        <a:srgbClr val="007D00"/>
-                                      </a:solidFill>
-                                      <a:latin typeface="Cambria Math" panose="02040503050406030204" pitchFamily="18" charset="0"/>
-                                      <a:ea typeface="Cambria Math" panose="02040503050406030204" pitchFamily="18" charset="0"/>
-                                    </a:rPr>
-                                    <m:t>2</m:t>
-                                  </m:r>
-                                </m:sup>
-                              </m:sSup>
-                              <m:sSup>
-                                <m:sSupPr>
-                                  <m:ctrlPr>
-                                    <a:rPr lang="en-US" altLang="ja-JP" sz="350" b="0" i="1" smtClean="0">
-                                      <a:solidFill>
-                                        <a:srgbClr val="007D00"/>
-                                      </a:solidFill>
-                                      <a:latin typeface="Cambria Math" panose="02040503050406030204" pitchFamily="18" charset="0"/>
-                                      <a:ea typeface="Cambria Math" panose="02040503050406030204" pitchFamily="18" charset="0"/>
-                                    </a:rPr>
-                                  </m:ctrlPr>
-                                </m:sSupPr>
-                                <m:e>
-                                  <m:d>
-                                    <m:dPr>
-                                      <m:ctrlPr>
-                                        <a:rPr lang="en-US" altLang="ja-JP" sz="350" i="1">
-                                          <a:solidFill>
-                                            <a:srgbClr val="007D00"/>
-                                          </a:solidFill>
-                                          <a:latin typeface="Cambria Math" panose="02040503050406030204" pitchFamily="18" charset="0"/>
-                                          <a:ea typeface="Cambria Math" panose="02040503050406030204" pitchFamily="18" charset="0"/>
-                                        </a:rPr>
-                                      </m:ctrlPr>
-                                    </m:dPr>
-                                    <m:e>
-                                      <m:r>
-                                        <m:rPr>
-                                          <m:sty m:val="p"/>
-                                        </m:rPr>
-                                        <a:rPr lang="el-GR" altLang="ja-JP" sz="350" i="1">
-                                          <a:solidFill>
-                                            <a:srgbClr val="007D00"/>
-                                          </a:solidFill>
-                                          <a:latin typeface="Cambria Math" panose="02040503050406030204" pitchFamily="18" charset="0"/>
-                                          <a:ea typeface="Cambria Math" panose="02040503050406030204" pitchFamily="18" charset="0"/>
-                                        </a:rPr>
-                                        <m:t>Δ</m:t>
-                                      </m:r>
-                                      <m:r>
-                                        <a:rPr lang="en-US" altLang="ja-JP" sz="350" i="1">
-                                          <a:solidFill>
-                                            <a:srgbClr val="007D00"/>
-                                          </a:solidFill>
-                                          <a:latin typeface="Cambria Math" panose="02040503050406030204" pitchFamily="18" charset="0"/>
-                                          <a:ea typeface="Cambria Math" panose="02040503050406030204" pitchFamily="18" charset="0"/>
-                                        </a:rPr>
-                                        <m:t>𝑓</m:t>
-                                      </m:r>
-                                      <m:r>
-                                        <a:rPr lang="en-US" altLang="ja-JP" sz="350" i="1">
-                                          <a:solidFill>
-                                            <a:srgbClr val="007D00"/>
-                                          </a:solidFill>
-                                          <a:latin typeface="Cambria Math" panose="02040503050406030204" pitchFamily="18" charset="0"/>
-                                          <a:ea typeface="Cambria Math" panose="02040503050406030204" pitchFamily="18" charset="0"/>
-                                        </a:rPr>
-                                        <m:t>+</m:t>
-                                      </m:r>
-                                      <m:sSub>
-                                        <m:sSubPr>
-                                          <m:ctrlPr>
-                                            <a:rPr lang="en-US" altLang="ja-JP" sz="350" i="1">
-                                              <a:solidFill>
-                                                <a:srgbClr val="007D00"/>
-                                              </a:solidFill>
-                                              <a:latin typeface="Cambria Math" panose="02040503050406030204" pitchFamily="18" charset="0"/>
-                                              <a:ea typeface="Cambria Math" panose="02040503050406030204" pitchFamily="18" charset="0"/>
-                                            </a:rPr>
-                                          </m:ctrlPr>
-                                        </m:sSubPr>
-                                        <m:e>
-                                          <m:r>
-                                            <a:rPr lang="en-US" altLang="ja-JP" sz="350" i="1">
-                                              <a:solidFill>
-                                                <a:srgbClr val="007D00"/>
-                                              </a:solidFill>
-                                              <a:latin typeface="Cambria Math" panose="02040503050406030204" pitchFamily="18" charset="0"/>
-                                              <a:ea typeface="Cambria Math" panose="02040503050406030204" pitchFamily="18" charset="0"/>
-                                            </a:rPr>
-                                            <m:t>𝐶</m:t>
-                                          </m:r>
-                                        </m:e>
-                                        <m:sub>
-                                          <m:r>
-                                            <m:rPr>
-                                              <m:sty m:val="p"/>
-                                            </m:rPr>
-                                            <a:rPr lang="en-US" altLang="ja-JP" sz="350">
-                                              <a:solidFill>
-                                                <a:srgbClr val="007D00"/>
-                                              </a:solidFill>
-                                              <a:latin typeface="Cambria Math" panose="02040503050406030204" pitchFamily="18" charset="0"/>
-                                              <a:ea typeface="Cambria Math" panose="02040503050406030204" pitchFamily="18" charset="0"/>
-                                            </a:rPr>
-                                            <m:t>s</m:t>
-                                          </m:r>
-                                        </m:sub>
-                                      </m:sSub>
-                                      <m:sSup>
-                                        <m:sSupPr>
-                                          <m:ctrlPr>
-                                            <a:rPr lang="en-US" altLang="ja-JP" sz="350" i="1">
-                                              <a:solidFill>
-                                                <a:srgbClr val="007D00"/>
-                                              </a:solidFill>
-                                              <a:latin typeface="Cambria Math" panose="02040503050406030204" pitchFamily="18" charset="0"/>
-                                              <a:ea typeface="Cambria Math" panose="02040503050406030204" pitchFamily="18" charset="0"/>
-                                            </a:rPr>
-                                          </m:ctrlPr>
-                                        </m:sSupPr>
-                                        <m:e>
-                                          <m:r>
-                                            <a:rPr lang="en-US" altLang="ja-JP" sz="350" b="1" i="1">
-                                              <a:solidFill>
-                                                <a:srgbClr val="007D00"/>
-                                              </a:solidFill>
-                                              <a:latin typeface="Cambria Math" panose="02040503050406030204" pitchFamily="18" charset="0"/>
-                                              <a:ea typeface="Cambria Math" panose="02040503050406030204" pitchFamily="18" charset="0"/>
-                                            </a:rPr>
-                                            <m:t>𝒖</m:t>
-                                          </m:r>
-                                        </m:e>
-                                        <m:sup>
-                                          <m:r>
-                                            <a:rPr lang="en-US" altLang="ja-JP" sz="350" i="1">
-                                              <a:solidFill>
-                                                <a:srgbClr val="007D00"/>
-                                              </a:solidFill>
-                                              <a:latin typeface="Cambria Math" panose="02040503050406030204" pitchFamily="18" charset="0"/>
-                                              <a:ea typeface="Cambria Math" panose="02040503050406030204" pitchFamily="18" charset="0"/>
-                                            </a:rPr>
-                                            <m:t>2</m:t>
-                                          </m:r>
-                                        </m:sup>
-                                      </m:sSup>
-                                      <m:sSup>
-                                        <m:sSupPr>
-                                          <m:ctrlPr>
-                                            <a:rPr lang="en-US" altLang="ja-JP" sz="350" i="1">
-                                              <a:solidFill>
-                                                <a:srgbClr val="007D00"/>
-                                              </a:solidFill>
-                                              <a:latin typeface="Cambria Math" panose="02040503050406030204" pitchFamily="18" charset="0"/>
-                                              <a:ea typeface="Cambria Math" panose="02040503050406030204" pitchFamily="18" charset="0"/>
-                                            </a:rPr>
-                                          </m:ctrlPr>
-                                        </m:sSupPr>
-                                        <m:e>
-                                          <m:r>
-                                            <a:rPr lang="ja-JP" altLang="en-US" sz="350" i="1">
-                                              <a:solidFill>
-                                                <a:srgbClr val="007D00"/>
-                                              </a:solidFill>
-                                              <a:latin typeface="Cambria Math" panose="02040503050406030204" pitchFamily="18" charset="0"/>
-                                              <a:ea typeface="Cambria Math" panose="02040503050406030204" pitchFamily="18" charset="0"/>
-                                            </a:rPr>
-                                            <m:t>𝜆</m:t>
-                                          </m:r>
-                                        </m:e>
-                                        <m:sup>
-                                          <m:r>
-                                            <a:rPr lang="en-US" altLang="ja-JP" sz="350" i="1">
-                                              <a:solidFill>
-                                                <a:srgbClr val="007D00"/>
-                                              </a:solidFill>
-                                              <a:latin typeface="Cambria Math" panose="02040503050406030204" pitchFamily="18" charset="0"/>
-                                              <a:ea typeface="Cambria Math" panose="02040503050406030204" pitchFamily="18" charset="0"/>
-                                            </a:rPr>
-                                            <m:t>2</m:t>
-                                          </m:r>
-                                        </m:sup>
-                                      </m:sSup>
-                                    </m:e>
-                                  </m:d>
-                                </m:e>
-                                <m:sup>
-                                  <m:r>
-                                    <a:rPr lang="en-US" altLang="ja-JP" sz="350" b="0" i="1" smtClean="0">
-                                      <a:solidFill>
-                                        <a:srgbClr val="007D00"/>
-                                      </a:solidFill>
-                                      <a:latin typeface="Cambria Math" panose="02040503050406030204" pitchFamily="18" charset="0"/>
-                                      <a:ea typeface="Cambria Math" panose="02040503050406030204" pitchFamily="18" charset="0"/>
-                                    </a:rPr>
-                                    <m:t>2</m:t>
-                                  </m:r>
-                                </m:sup>
-                              </m:sSup>
-                            </m:e>
-                          </m:d>
-                        </m:e>
-                      </m:func>
-                    </m:oMath>
-                  </m:oMathPara>
-                </a14:m>
-                <a:endParaRPr lang="ja-JP" altLang="en-US" sz="350" i="1" dirty="0">
-                  <a:solidFill>
-                    <a:srgbClr val="007D00"/>
-                  </a:solidFill>
-                </a:endParaRPr>
-              </a:p>
-            </p:txBody>
-          </p:sp>
-        </mc:Choice>
-        <mc:Fallback>
-          <p:sp>
-            <p:nvSpPr>
-              <p:cNvPr id="9" name="正方形/長方形 8">
-                <a:extLst>
-                  <a:ext uri="{FF2B5EF4-FFF2-40B4-BE49-F238E27FC236}">
-                    <a16:creationId xmlns:a16="http://schemas.microsoft.com/office/drawing/2014/main" id="{6C000067-252D-C96F-9153-04AD8C87C41B}"/>
-                  </a:ext>
-                </a:extLst>
-              </p:cNvPr>
-              <p:cNvSpPr>
-                <a:spLocks noRot="1" noChangeAspect="1" noMove="1" noResize="1" noEditPoints="1" noAdjustHandles="1" noChangeArrowheads="1" noChangeShapeType="1" noTextEdit="1"/>
-              </p:cNvSpPr>
-              <p:nvPr/>
-            </p:nvSpPr>
-            <p:spPr>
-              <a:xfrm>
-                <a:off x="346330" y="1649039"/>
-                <a:ext cx="784254" cy="53861"/>
-              </a:xfrm>
-              <a:prstGeom prst="rect">
-                <a:avLst/>
-              </a:prstGeom>
-              <a:blipFill>
-                <a:blip r:embed="rId5"/>
-                <a:stretch>
-                  <a:fillRect l="-2344" t="-25000" b="-62500"/>
-                </a:stretch>
-              </a:blipFill>
-            </p:spPr>
-            <p:txBody>
-              <a:bodyPr/>
-              <a:lstStyle/>
-              <a:p>
-                <a:r>
-                  <a:rPr lang="ja-JP" altLang="en-US">
-                    <a:noFill/>
-                  </a:rPr>
-                  <a:t> </a:t>
-                </a:r>
-              </a:p>
-            </p:txBody>
-          </p:sp>
-        </mc:Fallback>
-      </mc:AlternateContent>
       <p:sp>
         <p:nvSpPr>
           <p:cNvPr id="10" name="テキスト ボックス 9">
@@ -10436,7 +9900,7 @@
         </p:nvSpPr>
         <p:spPr>
           <a:xfrm>
-            <a:off x="222050" y="1809235"/>
+            <a:off x="222050" y="2279421"/>
             <a:ext cx="804707" cy="153888"/>
           </a:xfrm>
           <a:prstGeom prst="rect">
@@ -10458,8 +9922,8 @@
           </a:p>
         </p:txBody>
       </p:sp>
-      <mc:AlternateContent xmlns:mc="http://schemas.openxmlformats.org/markup-compatibility/2006" xmlns:a14="http://schemas.microsoft.com/office/drawing/2010/main">
-        <mc:Choice Requires="a14">
+      <mc:AlternateContent xmlns:mc="http://schemas.openxmlformats.org/markup-compatibility/2006">
+        <mc:Choice xmlns:a14="http://schemas.microsoft.com/office/drawing/2010/main" Requires="a14">
           <p:sp>
             <p:nvSpPr>
               <p:cNvPr id="11" name="正方形/長方形 10">
@@ -10474,7 +9938,7 @@
             </p:nvSpPr>
             <p:spPr>
               <a:xfrm>
-                <a:off x="346330" y="2029124"/>
+                <a:off x="346330" y="2430850"/>
                 <a:ext cx="2101729" cy="153888"/>
               </a:xfrm>
               <a:prstGeom prst="rect">
@@ -10556,9 +10020,9 @@
                         <m:t>)</m:t>
                       </m:r>
                       <m:r>
-                        <a:rPr lang="en-US" altLang="ja-JP" sz="1000" i="1">
+                        <a:rPr lang="en-US" altLang="ja-JP" sz="1000" i="1" smtClean="0">
                           <a:solidFill>
-                            <a:srgbClr val="FF0000"/>
+                            <a:schemeClr val="tx1"/>
                           </a:solidFill>
                           <a:latin typeface="Cambria Math" panose="02040503050406030204" pitchFamily="18" charset="0"/>
                         </a:rPr>
@@ -10569,7 +10033,7 @@
                           <m:ctrlPr>
                             <a:rPr lang="en-US" altLang="ja-JP" sz="1000" i="1">
                               <a:solidFill>
-                                <a:srgbClr val="FF0000"/>
+                                <a:schemeClr val="tx1"/>
                               </a:solidFill>
                               <a:latin typeface="Cambria Math" panose="02040503050406030204" pitchFamily="18" charset="0"/>
                             </a:rPr>
@@ -10582,7 +10046,7 @@
                             </m:rPr>
                             <a:rPr lang="en-US" altLang="ja-JP" sz="1000" b="0" i="0" smtClean="0">
                               <a:solidFill>
-                                <a:srgbClr val="FF0000"/>
+                                <a:schemeClr val="tx1"/>
                               </a:solidFill>
                               <a:latin typeface="Cambria Math" panose="02040503050406030204" pitchFamily="18" charset="0"/>
                             </a:rPr>
@@ -10597,7 +10061,7 @@
                               <m:ctrlPr>
                                 <a:rPr lang="en-US" altLang="ja-JP" sz="1000" i="1">
                                   <a:solidFill>
-                                    <a:srgbClr val="FF0000"/>
+                                    <a:schemeClr val="tx1"/>
                                   </a:solidFill>
                                   <a:latin typeface="Cambria Math" panose="02040503050406030204" pitchFamily="18" charset="0"/>
                                 </a:rPr>
@@ -10607,7 +10071,7 @@
                               <m:r>
                                 <a:rPr lang="en-US" altLang="ja-JP" sz="1000" b="0" i="1" smtClean="0">
                                   <a:solidFill>
-                                    <a:srgbClr val="FF0000"/>
+                                    <a:schemeClr val="tx1"/>
                                   </a:solidFill>
                                   <a:latin typeface="Cambria Math" panose="02040503050406030204" pitchFamily="18" charset="0"/>
                                 </a:rPr>
@@ -10618,7 +10082,7 @@
                                   <m:ctrlPr>
                                     <a:rPr lang="en-US" altLang="ja-JP" sz="1000" b="0" i="1" smtClean="0">
                                       <a:solidFill>
-                                        <a:srgbClr val="FF0000"/>
+                                        <a:schemeClr val="tx1"/>
                                       </a:solidFill>
                                       <a:latin typeface="Cambria Math" panose="02040503050406030204" pitchFamily="18" charset="0"/>
                                       <a:ea typeface="Cambria Math" panose="02040503050406030204" pitchFamily="18" charset="0"/>
@@ -10629,7 +10093,7 @@
                                   <m:r>
                                     <a:rPr lang="el-GR" altLang="ja-JP" sz="1000" i="1">
                                       <a:solidFill>
-                                        <a:srgbClr val="FF0000"/>
+                                        <a:schemeClr val="tx1"/>
                                       </a:solidFill>
                                       <a:latin typeface="Cambria Math" panose="02040503050406030204" pitchFamily="18" charset="0"/>
                                       <a:ea typeface="Cambria Math" panose="02040503050406030204" pitchFamily="18" charset="0"/>
@@ -10641,7 +10105,7 @@
                                   <m:r>
                                     <a:rPr lang="en-US" altLang="ja-JP" sz="1000" b="0" i="1" smtClean="0">
                                       <a:solidFill>
-                                        <a:srgbClr val="FF0000"/>
+                                        <a:schemeClr val="tx1"/>
                                       </a:solidFill>
                                       <a:latin typeface="Cambria Math" panose="02040503050406030204" pitchFamily="18" charset="0"/>
                                       <a:ea typeface="Cambria Math" panose="02040503050406030204" pitchFamily="18" charset="0"/>
@@ -10653,7 +10117,7 @@
                               <m:r>
                                 <a:rPr lang="en-US" altLang="ja-JP" sz="1000" i="1">
                                   <a:solidFill>
-                                    <a:srgbClr val="FF0000"/>
+                                    <a:schemeClr val="tx1"/>
                                   </a:solidFill>
                                   <a:latin typeface="Cambria Math" panose="02040503050406030204" pitchFamily="18" charset="0"/>
                                   <a:ea typeface="Cambria Math" panose="02040503050406030204" pitchFamily="18" charset="0"/>
@@ -10665,7 +10129,7 @@
                                   <m:ctrlPr>
                                     <a:rPr lang="en-US" altLang="ja-JP" sz="1000" b="0" i="1" smtClean="0">
                                       <a:solidFill>
-                                        <a:srgbClr val="FF0000"/>
+                                        <a:schemeClr val="tx1"/>
                                       </a:solidFill>
                                       <a:latin typeface="Cambria Math" panose="02040503050406030204" pitchFamily="18" charset="0"/>
                                       <a:ea typeface="Cambria Math" panose="02040503050406030204" pitchFamily="18" charset="0"/>
@@ -10676,7 +10140,7 @@
                                   <m:r>
                                     <a:rPr lang="ja-JP" altLang="el-GR" sz="1000" i="1">
                                       <a:solidFill>
-                                        <a:srgbClr val="FF0000"/>
+                                        <a:schemeClr val="tx1"/>
                                       </a:solidFill>
                                       <a:latin typeface="Cambria Math" panose="02040503050406030204" pitchFamily="18" charset="0"/>
                                       <a:ea typeface="Cambria Math" panose="02040503050406030204" pitchFamily="18" charset="0"/>
@@ -10688,7 +10152,7 @@
                                   <m:r>
                                     <a:rPr lang="en-US" altLang="ja-JP" sz="1000" b="0" i="1" smtClean="0">
                                       <a:solidFill>
-                                        <a:srgbClr val="FF0000"/>
+                                        <a:schemeClr val="tx1"/>
                                       </a:solidFill>
                                       <a:latin typeface="Cambria Math" panose="02040503050406030204" pitchFamily="18" charset="0"/>
                                       <a:ea typeface="Cambria Math" panose="02040503050406030204" pitchFamily="18" charset="0"/>
@@ -10700,7 +10164,7 @@
                               <m:r>
                                 <a:rPr lang="en-US" altLang="ja-JP" sz="1000" i="1">
                                   <a:solidFill>
-                                    <a:srgbClr val="FF0000"/>
+                                    <a:schemeClr val="tx1"/>
                                   </a:solidFill>
                                   <a:latin typeface="Cambria Math" panose="02040503050406030204" pitchFamily="18" charset="0"/>
                                   <a:ea typeface="Cambria Math" panose="02040503050406030204" pitchFamily="18" charset="0"/>
@@ -10712,7 +10176,7 @@
                                   <m:ctrlPr>
                                     <a:rPr lang="en-US" altLang="ja-JP" sz="1000" i="1">
                                       <a:solidFill>
-                                        <a:srgbClr val="FF0000"/>
+                                        <a:schemeClr val="tx1"/>
                                       </a:solidFill>
                                       <a:latin typeface="Cambria Math" panose="02040503050406030204" pitchFamily="18" charset="0"/>
                                       <a:ea typeface="Cambria Math" panose="02040503050406030204" pitchFamily="18" charset="0"/>
@@ -10725,7 +10189,7 @@
                                       <m:ctrlPr>
                                         <a:rPr lang="en-US" altLang="ja-JP" sz="1000" i="1">
                                           <a:solidFill>
-                                            <a:srgbClr val="FF0000"/>
+                                            <a:schemeClr val="tx1"/>
                                           </a:solidFill>
                                           <a:latin typeface="Cambria Math" panose="02040503050406030204" pitchFamily="18" charset="0"/>
                                           <a:ea typeface="Cambria Math" panose="02040503050406030204" pitchFamily="18" charset="0"/>
@@ -10739,7 +10203,7 @@
                                           <m:ctrlPr>
                                             <a:rPr lang="en-US" altLang="ja-JP" sz="1000" i="1">
                                               <a:solidFill>
-                                                <a:srgbClr val="FF0000"/>
+                                                <a:schemeClr val="tx1"/>
                                               </a:solidFill>
                                               <a:latin typeface="Cambria Math" panose="02040503050406030204" pitchFamily="18" charset="0"/>
                                               <a:ea typeface="Cambria Math" panose="02040503050406030204" pitchFamily="18" charset="0"/>
@@ -10752,7 +10216,7 @@
                                               <m:ctrlPr>
                                                 <a:rPr lang="en-US" altLang="ja-JP" sz="1000" i="1">
                                                   <a:solidFill>
-                                                    <a:srgbClr val="FF0000"/>
+                                                    <a:schemeClr val="tx1"/>
                                                   </a:solidFill>
                                                   <a:latin typeface="Cambria Math" panose="02040503050406030204" pitchFamily="18" charset="0"/>
                                                   <a:ea typeface="Cambria Math" panose="02040503050406030204" pitchFamily="18" charset="0"/>
@@ -10763,7 +10227,7 @@
                                               <m:r>
                                                 <a:rPr lang="en-US" altLang="ja-JP" sz="1000" i="1">
                                                   <a:solidFill>
-                                                    <a:srgbClr val="FF0000"/>
+                                                    <a:schemeClr val="tx1"/>
                                                   </a:solidFill>
                                                   <a:latin typeface="Cambria Math" panose="02040503050406030204" pitchFamily="18" charset="0"/>
                                                   <a:ea typeface="Cambria Math" panose="02040503050406030204" pitchFamily="18" charset="0"/>
@@ -10775,7 +10239,7 @@
                                               <m:r>
                                                 <a:rPr lang="en-US" altLang="ja-JP" sz="1000" i="1">
                                                   <a:solidFill>
-                                                    <a:srgbClr val="FF0000"/>
+                                                    <a:schemeClr val="tx1"/>
                                                   </a:solidFill>
                                                   <a:latin typeface="Cambria Math" panose="02040503050406030204" pitchFamily="18" charset="0"/>
                                                   <a:ea typeface="Cambria Math" panose="02040503050406030204" pitchFamily="18" charset="0"/>
@@ -10790,7 +10254,7 @@
                                             </m:rPr>
                                             <a:rPr lang="el-GR" altLang="ja-JP" sz="1000" i="1">
                                               <a:solidFill>
-                                                <a:srgbClr val="FF0000"/>
+                                                <a:schemeClr val="tx1"/>
                                               </a:solidFill>
                                               <a:latin typeface="Cambria Math" panose="02040503050406030204" pitchFamily="18" charset="0"/>
                                               <a:ea typeface="Cambria Math" panose="02040503050406030204" pitchFamily="18" charset="0"/>
@@ -10800,7 +10264,7 @@
                                           <m:r>
                                             <a:rPr lang="en-US" altLang="ja-JP" sz="1000" i="1">
                                               <a:solidFill>
-                                                <a:srgbClr val="FF0000"/>
+                                                <a:schemeClr val="tx1"/>
                                               </a:solidFill>
                                               <a:latin typeface="Cambria Math" panose="02040503050406030204" pitchFamily="18" charset="0"/>
                                               <a:ea typeface="Cambria Math" panose="02040503050406030204" pitchFamily="18" charset="0"/>
@@ -10812,7 +10276,7 @@
                                           <m:r>
                                             <a:rPr lang="en-US" altLang="ja-JP" sz="1000" i="1">
                                               <a:solidFill>
-                                                <a:srgbClr val="FF0000"/>
+                                                <a:schemeClr val="tx1"/>
                                               </a:solidFill>
                                               <a:latin typeface="Cambria Math" panose="02040503050406030204" pitchFamily="18" charset="0"/>
                                               <a:ea typeface="Cambria Math" panose="02040503050406030204" pitchFamily="18" charset="0"/>
@@ -10828,7 +10292,7 @@
                                   <m:r>
                                     <a:rPr lang="en-US" altLang="ja-JP" sz="1000" i="1">
                                       <a:solidFill>
-                                        <a:srgbClr val="FF0000"/>
+                                        <a:schemeClr val="tx1"/>
                                       </a:solidFill>
                                       <a:latin typeface="Cambria Math" panose="02040503050406030204" pitchFamily="18" charset="0"/>
                                       <a:ea typeface="Cambria Math" panose="02040503050406030204" pitchFamily="18" charset="0"/>
@@ -10842,7 +10306,7 @@
                                   <m:ctrlPr>
                                     <a:rPr lang="en-US" altLang="ja-JP" sz="1000" i="1">
                                       <a:solidFill>
-                                        <a:srgbClr val="FF0000"/>
+                                        <a:schemeClr val="tx1"/>
                                       </a:solidFill>
                                       <a:latin typeface="Cambria Math" panose="02040503050406030204" pitchFamily="18" charset="0"/>
                                       <a:ea typeface="Cambria Math" panose="02040503050406030204" pitchFamily="18" charset="0"/>
@@ -10853,7 +10317,7 @@
                                   <m:r>
                                     <a:rPr lang="en-US" altLang="ja-JP" sz="1000" b="1" i="1">
                                       <a:solidFill>
-                                        <a:srgbClr val="FF0000"/>
+                                        <a:schemeClr val="tx1"/>
                                       </a:solidFill>
                                       <a:latin typeface="Cambria Math" panose="02040503050406030204" pitchFamily="18" charset="0"/>
                                       <a:ea typeface="Cambria Math" panose="02040503050406030204" pitchFamily="18" charset="0"/>
@@ -10865,7 +10329,7 @@
                                   <m:r>
                                     <a:rPr lang="en-US" altLang="ja-JP" sz="1000" i="1">
                                       <a:solidFill>
-                                        <a:srgbClr val="FF0000"/>
+                                        <a:schemeClr val="tx1"/>
                                       </a:solidFill>
                                       <a:latin typeface="Cambria Math" panose="02040503050406030204" pitchFamily="18" charset="0"/>
                                       <a:ea typeface="Cambria Math" panose="02040503050406030204" pitchFamily="18" charset="0"/>
@@ -10877,7 +10341,7 @@
                               <m:r>
                                 <a:rPr lang="en-US" altLang="ja-JP" sz="1000" b="0" i="1" smtClean="0">
                                   <a:solidFill>
-                                    <a:srgbClr val="FF0000"/>
+                                    <a:schemeClr val="tx1"/>
                                   </a:solidFill>
                                   <a:latin typeface="Cambria Math" panose="02040503050406030204" pitchFamily="18" charset="0"/>
                                   <a:ea typeface="Cambria Math" panose="02040503050406030204" pitchFamily="18" charset="0"/>
@@ -10900,7 +10364,7 @@
             </p:txBody>
           </p:sp>
         </mc:Choice>
-        <mc:Fallback xmlns="">
+        <mc:Fallback>
           <p:sp>
             <p:nvSpPr>
               <p:cNvPr id="11" name="正方形/長方形 10">
@@ -10917,503 +10381,16 @@
             </p:nvSpPr>
             <p:spPr>
               <a:xfrm>
-                <a:off x="346330" y="2029124"/>
+                <a:off x="346330" y="2430850"/>
                 <a:ext cx="2101729" cy="153888"/>
               </a:xfrm>
               <a:prstGeom prst="rect">
                 <a:avLst/>
               </a:prstGeom>
               <a:blipFill>
-                <a:blip r:embed="rId6"/>
+                <a:blip r:embed="rId4"/>
                 <a:stretch>
                   <a:fillRect l="-2319" t="-164000" b="-244000"/>
-                </a:stretch>
-              </a:blipFill>
-            </p:spPr>
-            <p:txBody>
-              <a:bodyPr/>
-              <a:lstStyle/>
-              <a:p>
-                <a:r>
-                  <a:rPr lang="ja-JP" altLang="en-US">
-                    <a:noFill/>
-                  </a:rPr>
-                  <a:t> </a:t>
-                </a:r>
-              </a:p>
-            </p:txBody>
-          </p:sp>
-        </mc:Fallback>
-      </mc:AlternateContent>
-      <mc:AlternateContent xmlns:mc="http://schemas.openxmlformats.org/markup-compatibility/2006">
-        <mc:Choice xmlns:a14="http://schemas.microsoft.com/office/drawing/2010/main" Requires="a14">
-          <p:sp>
-            <p:nvSpPr>
-              <p:cNvPr id="12" name="正方形/長方形 11">
-                <a:extLst>
-                  <a:ext uri="{FF2B5EF4-FFF2-40B4-BE49-F238E27FC236}">
-                    <a16:creationId xmlns:a16="http://schemas.microsoft.com/office/drawing/2014/main" id="{E6C6939A-BD43-30B3-1053-CDC8BDBDCF20}"/>
-                  </a:ext>
-                </a:extLst>
-              </p:cNvPr>
-              <p:cNvSpPr/>
-              <p:nvPr/>
-            </p:nvSpPr>
-            <p:spPr>
-              <a:xfrm>
-                <a:off x="367762" y="2249013"/>
-                <a:ext cx="740459" cy="53861"/>
-              </a:xfrm>
-              <a:prstGeom prst="rect">
-                <a:avLst/>
-              </a:prstGeom>
-            </p:spPr>
-            <p:txBody>
-              <a:bodyPr wrap="none" lIns="0" tIns="0" rIns="0" bIns="0">
-                <a:spAutoFit/>
-              </a:bodyPr>
-              <a:lstStyle/>
-              <a:p>
-                <a:pPr/>
-                <a14:m>
-                  <m:oMathPara xmlns:m="http://schemas.openxmlformats.org/officeDocument/2006/math">
-                    <m:oMathParaPr>
-                      <m:jc m:val="left"/>
-                    </m:oMathParaPr>
-                    <m:oMath xmlns:m="http://schemas.openxmlformats.org/officeDocument/2006/math">
-                      <m:sSub>
-                        <m:sSubPr>
-                          <m:ctrlPr>
-                            <a:rPr lang="en-US" altLang="ja-JP" sz="350" b="0" i="1" smtClean="0">
-                              <a:solidFill>
-                                <a:srgbClr val="FF0000"/>
-                              </a:solidFill>
-                              <a:latin typeface="Cambria Math" panose="02040503050406030204" pitchFamily="18" charset="0"/>
-                            </a:rPr>
-                          </m:ctrlPr>
-                        </m:sSubPr>
-                        <m:e>
-                          <m:r>
-                            <a:rPr lang="en-US" altLang="ja-JP" sz="350" i="1" smtClean="0">
-                              <a:solidFill>
-                                <a:srgbClr val="FF0000"/>
-                              </a:solidFill>
-                              <a:latin typeface="Cambria Math" panose="02040503050406030204" pitchFamily="18" charset="0"/>
-                            </a:rPr>
-                            <m:t>𝐸</m:t>
-                          </m:r>
-                        </m:e>
-                        <m:sub>
-                          <m:r>
-                            <a:rPr lang="en-US" altLang="ja-JP" sz="350" b="0" i="1" smtClean="0">
-                              <a:solidFill>
-                                <a:srgbClr val="FF0000"/>
-                              </a:solidFill>
-                              <a:latin typeface="Cambria Math" panose="02040503050406030204" pitchFamily="18" charset="0"/>
-                            </a:rPr>
-                            <m:t>𝑐</m:t>
-                          </m:r>
-                        </m:sub>
-                      </m:sSub>
-                      <m:r>
-                        <a:rPr lang="en-US" altLang="ja-JP" sz="350" b="0" i="0" smtClean="0">
-                          <a:solidFill>
-                            <a:srgbClr val="FF0000"/>
-                          </a:solidFill>
-                          <a:latin typeface="Cambria Math" panose="02040503050406030204" pitchFamily="18" charset="0"/>
-                        </a:rPr>
-                        <m:t>(</m:t>
-                      </m:r>
-                      <m:r>
-                        <a:rPr lang="en-US" altLang="ja-JP" sz="350" b="1" i="1" smtClean="0">
-                          <a:solidFill>
-                            <a:srgbClr val="FF0000"/>
-                          </a:solidFill>
-                          <a:latin typeface="Cambria Math" panose="02040503050406030204" pitchFamily="18" charset="0"/>
-                        </a:rPr>
-                        <m:t>𝒖</m:t>
-                      </m:r>
-                      <m:r>
-                        <a:rPr lang="en-US" altLang="ja-JP" sz="350" b="0" i="1" smtClean="0">
-                          <a:solidFill>
-                            <a:srgbClr val="FF0000"/>
-                          </a:solidFill>
-                          <a:latin typeface="Cambria Math" panose="02040503050406030204" pitchFamily="18" charset="0"/>
-                        </a:rPr>
-                        <m:t>)</m:t>
-                      </m:r>
-                      <m:r>
-                        <a:rPr lang="en-US" altLang="ja-JP" sz="350" i="1">
-                          <a:solidFill>
-                            <a:srgbClr val="FF0000"/>
-                          </a:solidFill>
-                          <a:latin typeface="Cambria Math" panose="02040503050406030204" pitchFamily="18" charset="0"/>
-                        </a:rPr>
-                        <m:t>=</m:t>
-                      </m:r>
-                      <m:func>
-                        <m:funcPr>
-                          <m:ctrlPr>
-                            <a:rPr lang="en-US" altLang="ja-JP" sz="350" i="1">
-                              <a:solidFill>
-                                <a:srgbClr val="FF0000"/>
-                              </a:solidFill>
-                              <a:latin typeface="Cambria Math" panose="02040503050406030204" pitchFamily="18" charset="0"/>
-                            </a:rPr>
-                          </m:ctrlPr>
-                        </m:funcPr>
-                        <m:fName>
-                          <m:r>
-                            <m:rPr>
-                              <m:sty m:val="p"/>
-                            </m:rPr>
-                            <a:rPr lang="en-US" altLang="ja-JP" sz="350" b="0" i="0" smtClean="0">
-                              <a:solidFill>
-                                <a:srgbClr val="FF0000"/>
-                              </a:solidFill>
-                              <a:latin typeface="Cambria Math" panose="02040503050406030204" pitchFamily="18" charset="0"/>
-                            </a:rPr>
-                            <m:t>exp</m:t>
-                          </m:r>
-                        </m:fName>
-                        <m:e>
-                          <m:d>
-                            <m:dPr>
-                              <m:begChr m:val="["/>
-                              <m:endChr m:val="]"/>
-                              <m:ctrlPr>
-                                <a:rPr lang="en-US" altLang="ja-JP" sz="350" i="1">
-                                  <a:solidFill>
-                                    <a:srgbClr val="FF0000"/>
-                                  </a:solidFill>
-                                  <a:latin typeface="Cambria Math" panose="02040503050406030204" pitchFamily="18" charset="0"/>
-                                </a:rPr>
-                              </m:ctrlPr>
-                            </m:dPr>
-                            <m:e>
-                              <m:r>
-                                <a:rPr lang="en-US" altLang="ja-JP" sz="350" b="0" i="1" smtClean="0">
-                                  <a:solidFill>
-                                    <a:srgbClr val="FF0000"/>
-                                  </a:solidFill>
-                                  <a:latin typeface="Cambria Math" panose="02040503050406030204" pitchFamily="18" charset="0"/>
-                                </a:rPr>
-                                <m:t>−</m:t>
-                              </m:r>
-                              <m:sSup>
-                                <m:sSupPr>
-                                  <m:ctrlPr>
-                                    <a:rPr lang="en-US" altLang="ja-JP" sz="350" b="0" i="1" smtClean="0">
-                                      <a:solidFill>
-                                        <a:srgbClr val="FF0000"/>
-                                      </a:solidFill>
-                                      <a:latin typeface="Cambria Math" panose="02040503050406030204" pitchFamily="18" charset="0"/>
-                                      <a:ea typeface="Cambria Math" panose="02040503050406030204" pitchFamily="18" charset="0"/>
-                                    </a:rPr>
-                                  </m:ctrlPr>
-                                </m:sSupPr>
-                                <m:e>
-                                  <m:r>
-                                    <a:rPr lang="el-GR" altLang="ja-JP" sz="350" i="1">
-                                      <a:solidFill>
-                                        <a:srgbClr val="FF0000"/>
-                                      </a:solidFill>
-                                      <a:latin typeface="Cambria Math" panose="02040503050406030204" pitchFamily="18" charset="0"/>
-                                      <a:ea typeface="Cambria Math" panose="02040503050406030204" pitchFamily="18" charset="0"/>
-                                    </a:rPr>
-                                    <m:t>𝜋</m:t>
-                                  </m:r>
-                                </m:e>
-                                <m:sup>
-                                  <m:r>
-                                    <a:rPr lang="en-US" altLang="ja-JP" sz="350" b="0" i="1" smtClean="0">
-                                      <a:solidFill>
-                                        <a:srgbClr val="FF0000"/>
-                                      </a:solidFill>
-                                      <a:latin typeface="Cambria Math" panose="02040503050406030204" pitchFamily="18" charset="0"/>
-                                      <a:ea typeface="Cambria Math" panose="02040503050406030204" pitchFamily="18" charset="0"/>
-                                    </a:rPr>
-                                    <m:t>2</m:t>
-                                  </m:r>
-                                </m:sup>
-                              </m:sSup>
-                              <m:r>
-                                <a:rPr lang="en-US" altLang="ja-JP" sz="350" i="1">
-                                  <a:solidFill>
-                                    <a:srgbClr val="FF0000"/>
-                                  </a:solidFill>
-                                  <a:latin typeface="Cambria Math" panose="02040503050406030204" pitchFamily="18" charset="0"/>
-                                  <a:ea typeface="Cambria Math" panose="02040503050406030204" pitchFamily="18" charset="0"/>
-                                </a:rPr>
-                                <m:t> </m:t>
-                              </m:r>
-                              <m:sSup>
-                                <m:sSupPr>
-                                  <m:ctrlPr>
-                                    <a:rPr lang="en-US" altLang="ja-JP" sz="350" b="0" i="1" smtClean="0">
-                                      <a:solidFill>
-                                        <a:srgbClr val="FF0000"/>
-                                      </a:solidFill>
-                                      <a:latin typeface="Cambria Math" panose="02040503050406030204" pitchFamily="18" charset="0"/>
-                                      <a:ea typeface="Cambria Math" panose="02040503050406030204" pitchFamily="18" charset="0"/>
-                                    </a:rPr>
-                                  </m:ctrlPr>
-                                </m:sSupPr>
-                                <m:e>
-                                  <m:r>
-                                    <a:rPr lang="ja-JP" altLang="el-GR" sz="350" i="1">
-                                      <a:solidFill>
-                                        <a:srgbClr val="FF0000"/>
-                                      </a:solidFill>
-                                      <a:latin typeface="Cambria Math" panose="02040503050406030204" pitchFamily="18" charset="0"/>
-                                      <a:ea typeface="Cambria Math" panose="02040503050406030204" pitchFamily="18" charset="0"/>
-                                    </a:rPr>
-                                    <m:t>𝜆</m:t>
-                                  </m:r>
-                                </m:e>
-                                <m:sup>
-                                  <m:r>
-                                    <a:rPr lang="en-US" altLang="ja-JP" sz="350" b="0" i="1" smtClean="0">
-                                      <a:solidFill>
-                                        <a:srgbClr val="FF0000"/>
-                                      </a:solidFill>
-                                      <a:latin typeface="Cambria Math" panose="02040503050406030204" pitchFamily="18" charset="0"/>
-                                      <a:ea typeface="Cambria Math" panose="02040503050406030204" pitchFamily="18" charset="0"/>
-                                    </a:rPr>
-                                    <m:t>2</m:t>
-                                  </m:r>
-                                </m:sup>
-                              </m:sSup>
-                              <m:r>
-                                <a:rPr lang="en-US" altLang="ja-JP" sz="350" i="1">
-                                  <a:solidFill>
-                                    <a:srgbClr val="FF0000"/>
-                                  </a:solidFill>
-                                  <a:latin typeface="Cambria Math" panose="02040503050406030204" pitchFamily="18" charset="0"/>
-                                  <a:ea typeface="Cambria Math" panose="02040503050406030204" pitchFamily="18" charset="0"/>
-                                </a:rPr>
-                                <m:t> </m:t>
-                              </m:r>
-                              <m:sSup>
-                                <m:sSupPr>
-                                  <m:ctrlPr>
-                                    <a:rPr lang="en-US" altLang="ja-JP" sz="350" i="1">
-                                      <a:solidFill>
-                                        <a:srgbClr val="FF0000"/>
-                                      </a:solidFill>
-                                      <a:latin typeface="Cambria Math" panose="02040503050406030204" pitchFamily="18" charset="0"/>
-                                      <a:ea typeface="Cambria Math" panose="02040503050406030204" pitchFamily="18" charset="0"/>
-                                    </a:rPr>
-                                  </m:ctrlPr>
-                                </m:sSupPr>
-                                <m:e>
-                                  <m:d>
-                                    <m:dPr>
-                                      <m:ctrlPr>
-                                        <a:rPr lang="en-US" altLang="ja-JP" sz="350" i="1">
-                                          <a:solidFill>
-                                            <a:srgbClr val="FF0000"/>
-                                          </a:solidFill>
-                                          <a:latin typeface="Cambria Math" panose="02040503050406030204" pitchFamily="18" charset="0"/>
-                                          <a:ea typeface="Cambria Math" panose="02040503050406030204" pitchFamily="18" charset="0"/>
-                                        </a:rPr>
-                                      </m:ctrlPr>
-                                    </m:dPr>
-                                    <m:e>
-                                      <m:f>
-                                        <m:fPr>
-                                          <m:type m:val="lin"/>
-                                          <m:ctrlPr>
-                                            <a:rPr lang="en-US" altLang="ja-JP" sz="350" i="1">
-                                              <a:solidFill>
-                                                <a:srgbClr val="FF0000"/>
-                                              </a:solidFill>
-                                              <a:latin typeface="Cambria Math" panose="02040503050406030204" pitchFamily="18" charset="0"/>
-                                              <a:ea typeface="Cambria Math" panose="02040503050406030204" pitchFamily="18" charset="0"/>
-                                            </a:rPr>
-                                          </m:ctrlPr>
-                                        </m:fPr>
-                                        <m:num>
-                                          <m:sSub>
-                                            <m:sSubPr>
-                                              <m:ctrlPr>
-                                                <a:rPr lang="en-US" altLang="ja-JP" sz="350" i="1">
-                                                  <a:solidFill>
-                                                    <a:srgbClr val="FF0000"/>
-                                                  </a:solidFill>
-                                                  <a:latin typeface="Cambria Math" panose="02040503050406030204" pitchFamily="18" charset="0"/>
-                                                  <a:ea typeface="Cambria Math" panose="02040503050406030204" pitchFamily="18" charset="0"/>
-                                                </a:rPr>
-                                              </m:ctrlPr>
-                                            </m:sSubPr>
-                                            <m:e>
-                                              <m:r>
-                                                <a:rPr lang="en-US" altLang="ja-JP" sz="350" i="1">
-                                                  <a:solidFill>
-                                                    <a:srgbClr val="FF0000"/>
-                                                  </a:solidFill>
-                                                  <a:latin typeface="Cambria Math" panose="02040503050406030204" pitchFamily="18" charset="0"/>
-                                                  <a:ea typeface="Cambria Math" panose="02040503050406030204" pitchFamily="18" charset="0"/>
-                                                </a:rPr>
-                                                <m:t>𝐶</m:t>
-                                              </m:r>
-                                            </m:e>
-                                            <m:sub>
-                                              <m:r>
-                                                <a:rPr lang="en-US" altLang="ja-JP" sz="350" i="1">
-                                                  <a:solidFill>
-                                                    <a:srgbClr val="FF0000"/>
-                                                  </a:solidFill>
-                                                  <a:latin typeface="Cambria Math" panose="02040503050406030204" pitchFamily="18" charset="0"/>
-                                                  <a:ea typeface="Cambria Math" panose="02040503050406030204" pitchFamily="18" charset="0"/>
-                                                </a:rPr>
-                                                <m:t>𝑐</m:t>
-                                              </m:r>
-                                            </m:sub>
-                                          </m:sSub>
-                                          <m:r>
-                                            <m:rPr>
-                                              <m:sty m:val="p"/>
-                                            </m:rPr>
-                                            <a:rPr lang="el-GR" altLang="ja-JP" sz="350" i="1">
-                                              <a:solidFill>
-                                                <a:srgbClr val="FF0000"/>
-                                              </a:solidFill>
-                                              <a:latin typeface="Cambria Math" panose="02040503050406030204" pitchFamily="18" charset="0"/>
-                                              <a:ea typeface="Cambria Math" panose="02040503050406030204" pitchFamily="18" charset="0"/>
-                                            </a:rPr>
-                                            <m:t>Δ</m:t>
-                                          </m:r>
-                                          <m:r>
-                                            <a:rPr lang="en-US" altLang="ja-JP" sz="350" i="1">
-                                              <a:solidFill>
-                                                <a:srgbClr val="FF0000"/>
-                                              </a:solidFill>
-                                              <a:latin typeface="Cambria Math" panose="02040503050406030204" pitchFamily="18" charset="0"/>
-                                              <a:ea typeface="Cambria Math" panose="02040503050406030204" pitchFamily="18" charset="0"/>
-                                            </a:rPr>
-                                            <m:t>𝑉</m:t>
-                                          </m:r>
-                                        </m:num>
-                                        <m:den>
-                                          <m:r>
-                                            <a:rPr lang="en-US" altLang="ja-JP" sz="350" i="1">
-                                              <a:solidFill>
-                                                <a:srgbClr val="FF0000"/>
-                                              </a:solidFill>
-                                              <a:latin typeface="Cambria Math" panose="02040503050406030204" pitchFamily="18" charset="0"/>
-                                              <a:ea typeface="Cambria Math" panose="02040503050406030204" pitchFamily="18" charset="0"/>
-                                            </a:rPr>
-                                            <m:t>𝑉</m:t>
-                                          </m:r>
-                                        </m:den>
-                                      </m:f>
-                                    </m:e>
-                                  </m:d>
-                                </m:e>
-                                <m:sup>
-                                  <m:r>
-                                    <a:rPr lang="en-US" altLang="ja-JP" sz="350" i="1">
-                                      <a:solidFill>
-                                        <a:srgbClr val="FF0000"/>
-                                      </a:solidFill>
-                                      <a:latin typeface="Cambria Math" panose="02040503050406030204" pitchFamily="18" charset="0"/>
-                                      <a:ea typeface="Cambria Math" panose="02040503050406030204" pitchFamily="18" charset="0"/>
-                                    </a:rPr>
-                                    <m:t>2</m:t>
-                                  </m:r>
-                                </m:sup>
-                              </m:sSup>
-                              <m:sSup>
-                                <m:sSupPr>
-                                  <m:ctrlPr>
-                                    <a:rPr lang="en-US" altLang="ja-JP" sz="350" i="1">
-                                      <a:solidFill>
-                                        <a:srgbClr val="FF0000"/>
-                                      </a:solidFill>
-                                      <a:latin typeface="Cambria Math" panose="02040503050406030204" pitchFamily="18" charset="0"/>
-                                      <a:ea typeface="Cambria Math" panose="02040503050406030204" pitchFamily="18" charset="0"/>
-                                    </a:rPr>
-                                  </m:ctrlPr>
-                                </m:sSupPr>
-                                <m:e>
-                                  <m:r>
-                                    <a:rPr lang="en-US" altLang="ja-JP" sz="350" b="1" i="1">
-                                      <a:solidFill>
-                                        <a:srgbClr val="FF0000"/>
-                                      </a:solidFill>
-                                      <a:latin typeface="Cambria Math" panose="02040503050406030204" pitchFamily="18" charset="0"/>
-                                      <a:ea typeface="Cambria Math" panose="02040503050406030204" pitchFamily="18" charset="0"/>
-                                    </a:rPr>
-                                    <m:t>𝒖</m:t>
-                                  </m:r>
-                                </m:e>
-                                <m:sup>
-                                  <m:r>
-                                    <a:rPr lang="en-US" altLang="ja-JP" sz="350" i="1">
-                                      <a:solidFill>
-                                        <a:srgbClr val="FF0000"/>
-                                      </a:solidFill>
-                                      <a:latin typeface="Cambria Math" panose="02040503050406030204" pitchFamily="18" charset="0"/>
-                                      <a:ea typeface="Cambria Math" panose="02040503050406030204" pitchFamily="18" charset="0"/>
-                                    </a:rPr>
-                                    <m:t>4</m:t>
-                                  </m:r>
-                                </m:sup>
-                              </m:sSup>
-                              <m:r>
-                                <a:rPr lang="en-US" altLang="ja-JP" sz="350" b="0" i="1" smtClean="0">
-                                  <a:solidFill>
-                                    <a:srgbClr val="FF0000"/>
-                                  </a:solidFill>
-                                  <a:latin typeface="Cambria Math" panose="02040503050406030204" pitchFamily="18" charset="0"/>
-                                  <a:ea typeface="Cambria Math" panose="02040503050406030204" pitchFamily="18" charset="0"/>
-                                </a:rPr>
-                                <m:t>/2</m:t>
-                              </m:r>
-                            </m:e>
-                          </m:d>
-                        </m:e>
-                      </m:func>
-                    </m:oMath>
-                  </m:oMathPara>
-                </a14:m>
-                <a:endParaRPr lang="ja-JP" altLang="en-US" sz="350" i="1" dirty="0">
-                  <a:solidFill>
-                    <a:srgbClr val="FF0000"/>
-                  </a:solidFill>
-                </a:endParaRPr>
-              </a:p>
-            </p:txBody>
-          </p:sp>
-        </mc:Choice>
-        <mc:Fallback>
-          <p:sp>
-            <p:nvSpPr>
-              <p:cNvPr id="12" name="正方形/長方形 11">
-                <a:extLst>
-                  <a:ext uri="{FF2B5EF4-FFF2-40B4-BE49-F238E27FC236}">
-                    <a16:creationId xmlns:a16="http://schemas.microsoft.com/office/drawing/2014/main" id="{E6C6939A-BD43-30B3-1053-CDC8BDBDCF20}"/>
-                  </a:ext>
-                </a:extLst>
-              </p:cNvPr>
-              <p:cNvSpPr>
-                <a:spLocks noRot="1" noChangeAspect="1" noMove="1" noResize="1" noEditPoints="1" noAdjustHandles="1" noChangeArrowheads="1" noChangeShapeType="1" noTextEdit="1"/>
-              </p:cNvSpPr>
-              <p:nvPr/>
-            </p:nvSpPr>
-            <p:spPr>
-              <a:xfrm>
-                <a:off x="367762" y="2249013"/>
-                <a:ext cx="740459" cy="53861"/>
-              </a:xfrm>
-              <a:prstGeom prst="rect">
-                <a:avLst/>
-              </a:prstGeom>
-              <a:blipFill>
-                <a:blip r:embed="rId7"/>
-                <a:stretch>
-                  <a:fillRect l="-2459" t="-177778" b="-277778"/>
                 </a:stretch>
               </a:blipFill>
             </p:spPr>
@@ -11448,8 +10425,8 @@
             </p:nvSpPr>
             <p:spPr>
               <a:xfrm>
-                <a:off x="346330" y="2619473"/>
-                <a:ext cx="2385012" cy="153888"/>
+                <a:off x="346330" y="3021199"/>
+                <a:ext cx="2593787" cy="153888"/>
               </a:xfrm>
               <a:prstGeom prst="rect">
                 <a:avLst/>
@@ -11469,20 +10446,23 @@
                     </m:oMathParaPr>
                     <m:oMath xmlns:m="http://schemas.openxmlformats.org/officeDocument/2006/math">
                       <m:r>
-                        <a:rPr lang="en-US" altLang="ja-JP" sz="1000" b="0" i="1" smtClean="0">
+                        <m:rPr>
+                          <m:sty m:val="p"/>
+                        </m:rPr>
+                        <a:rPr lang="en-US" altLang="ja-JP" sz="1000" b="0" i="0" smtClean="0">
                           <a:solidFill>
-                            <a:schemeClr val="tx1"/>
+                            <a:srgbClr val="004080"/>
                           </a:solidFill>
                           <a:latin typeface="Cambria Math" panose="02040503050406030204" pitchFamily="18" charset="0"/>
                         </a:rPr>
-                        <m:t>𝑇</m:t>
+                        <m:t>PCTF</m:t>
                       </m:r>
                       <m:d>
                         <m:dPr>
                           <m:ctrlPr>
                             <a:rPr lang="en-US" altLang="ja-JP" sz="1000" b="0" i="1" smtClean="0">
                               <a:solidFill>
-                                <a:schemeClr val="tx1"/>
+                                <a:srgbClr val="004080"/>
                               </a:solidFill>
                               <a:latin typeface="Cambria Math" panose="02040503050406030204" pitchFamily="18" charset="0"/>
                             </a:rPr>
@@ -11492,7 +10472,7 @@
                           <m:r>
                             <a:rPr lang="en-US" altLang="ja-JP" sz="1000" b="1" i="1" smtClean="0">
                               <a:solidFill>
-                                <a:schemeClr val="tx1"/>
+                                <a:srgbClr val="004080"/>
                               </a:solidFill>
                               <a:latin typeface="Cambria Math" panose="02040503050406030204" pitchFamily="18" charset="0"/>
                             </a:rPr>
@@ -11509,6 +10489,36 @@
                         </a:rPr>
                         <m:t>=</m:t>
                       </m:r>
+                      <m:r>
+                        <a:rPr lang="en-US" altLang="ja-JP" sz="1000" i="1">
+                          <a:latin typeface="Cambria Math" panose="02040503050406030204" pitchFamily="18" charset="0"/>
+                        </a:rPr>
+                        <m:t>𝐴</m:t>
+                      </m:r>
+                      <m:d>
+                        <m:dPr>
+                          <m:ctrlPr>
+                            <a:rPr lang="en-US" altLang="ja-JP" sz="1000" i="1">
+                              <a:latin typeface="Cambria Math" panose="02040503050406030204" pitchFamily="18" charset="0"/>
+                            </a:rPr>
+                          </m:ctrlPr>
+                        </m:dPr>
+                        <m:e>
+                          <m:r>
+                            <a:rPr lang="en-US" altLang="ja-JP" sz="1000" b="1" i="1">
+                              <a:latin typeface="Cambria Math" panose="02040503050406030204" pitchFamily="18" charset="0"/>
+                            </a:rPr>
+                            <m:t>𝒖</m:t>
+                          </m:r>
+                        </m:e>
+                      </m:d>
+                      <m:r>
+                        <a:rPr lang="en-US" altLang="ja-JP" sz="1000" b="1" i="1">
+                          <a:latin typeface="Cambria Math" panose="02040503050406030204" pitchFamily="18" charset="0"/>
+                          <a:ea typeface="Cambria Math" panose="02040503050406030204" pitchFamily="18" charset="0"/>
+                        </a:rPr>
+                        <m:t>×</m:t>
+                      </m:r>
                       <m:func>
                         <m:funcPr>
                           <m:ctrlPr>
@@ -11521,45 +10531,6 @@
                           </m:ctrlPr>
                         </m:funcPr>
                         <m:fName>
-                          <m:r>
-                            <a:rPr lang="en-US" altLang="ja-JP" sz="1000" b="0" i="1" smtClean="0">
-                              <a:solidFill>
-                                <a:schemeClr val="tx1"/>
-                              </a:solidFill>
-                              <a:latin typeface="Cambria Math" panose="02040503050406030204" pitchFamily="18" charset="0"/>
-                            </a:rPr>
-                            <m:t>𝐴</m:t>
-                          </m:r>
-                          <m:d>
-                            <m:dPr>
-                              <m:ctrlPr>
-                                <a:rPr lang="en-US" altLang="ja-JP" sz="1000" i="1" smtClean="0">
-                                  <a:solidFill>
-                                    <a:schemeClr val="tx1"/>
-                                  </a:solidFill>
-                                  <a:latin typeface="Cambria Math" panose="02040503050406030204" pitchFamily="18" charset="0"/>
-                                </a:rPr>
-                              </m:ctrlPr>
-                            </m:dPr>
-                            <m:e>
-                              <m:r>
-                                <a:rPr lang="en-US" altLang="ja-JP" sz="1000" b="1" i="1" smtClean="0">
-                                  <a:solidFill>
-                                    <a:schemeClr val="tx1"/>
-                                  </a:solidFill>
-                                  <a:latin typeface="Cambria Math" panose="02040503050406030204" pitchFamily="18" charset="0"/>
-                                </a:rPr>
-                                <m:t>𝒖</m:t>
-                              </m:r>
-                            </m:e>
-                          </m:d>
-                          <m:r>
-                            <a:rPr lang="en-US" altLang="ja-JP" sz="1000" b="1" i="1">
-                              <a:latin typeface="Cambria Math" panose="02040503050406030204" pitchFamily="18" charset="0"/>
-                              <a:ea typeface="Cambria Math" panose="02040503050406030204" pitchFamily="18" charset="0"/>
-                            </a:rPr>
-                            <m:t>×</m:t>
-                          </m:r>
                           <m:r>
                             <m:rPr>
                               <m:sty m:val="p"/>
@@ -11787,16 +10758,16 @@
             </p:nvSpPr>
             <p:spPr>
               <a:xfrm>
-                <a:off x="346330" y="2619473"/>
-                <a:ext cx="2385012" cy="153888"/>
+                <a:off x="346330" y="3021199"/>
+                <a:ext cx="2593787" cy="153888"/>
               </a:xfrm>
               <a:prstGeom prst="rect">
                 <a:avLst/>
               </a:prstGeom>
               <a:blipFill>
-                <a:blip r:embed="rId8"/>
+                <a:blip r:embed="rId5"/>
                 <a:stretch>
-                  <a:fillRect l="-2046" b="-12000"/>
+                  <a:fillRect l="-1882" b="-12000"/>
                 </a:stretch>
               </a:blipFill>
             </p:spPr>
@@ -11829,7 +10800,7 @@
         </p:nvSpPr>
         <p:spPr>
           <a:xfrm>
-            <a:off x="222050" y="2413518"/>
+            <a:off x="222050" y="2815244"/>
             <a:ext cx="1527502" cy="153888"/>
           </a:xfrm>
           <a:prstGeom prst="rect">
@@ -11931,8 +10902,8 @@
           </a:p>
         </p:txBody>
       </p:sp>
-      <mc:AlternateContent xmlns:mc="http://schemas.openxmlformats.org/markup-compatibility/2006">
-        <mc:Choice xmlns:a14="http://schemas.microsoft.com/office/drawing/2010/main" Requires="a14">
+      <mc:AlternateContent xmlns:mc="http://schemas.openxmlformats.org/markup-compatibility/2006" xmlns:a14="http://schemas.microsoft.com/office/drawing/2010/main">
+        <mc:Choice Requires="a14">
           <p:sp>
             <p:nvSpPr>
               <p:cNvPr id="17" name="テキスト ボックス 16">
@@ -11961,7 +10932,6 @@
               </a:bodyPr>
               <a:lstStyle/>
               <a:p>
-                <a:pPr/>
                 <a14:m>
                   <m:oMath xmlns:m="http://schemas.openxmlformats.org/officeDocument/2006/math">
                     <m:r>
@@ -12577,7 +11547,6 @@
                 </a:endParaRPr>
               </a:p>
               <a:p>
-                <a:pPr/>
                 <a:r>
                   <a:rPr lang="en-US" altLang="ja-JP" sz="1000" b="0" dirty="0">
                     <a:solidFill>
@@ -13316,7 +12285,6 @@
                 </a:endParaRPr>
               </a:p>
               <a:p>
-                <a:pPr/>
                 <a:endParaRPr kumimoji="1" lang="ja-JP" altLang="en-US" sz="1000" b="1" i="1" dirty="0">
                   <a:solidFill>
                     <a:schemeClr val="tx1"/>
@@ -13326,7 +12294,7 @@
             </p:txBody>
           </p:sp>
         </mc:Choice>
-        <mc:Fallback>
+        <mc:Fallback xmlns="">
           <p:sp>
             <p:nvSpPr>
               <p:cNvPr id="17" name="テキスト ボックス 16">
@@ -13469,9 +12437,9 @@
                         <m:t>)</m:t>
                       </m:r>
                       <m:r>
-                        <a:rPr lang="en-US" altLang="ja-JP" sz="1000" i="1">
+                        <a:rPr lang="en-US" altLang="ja-JP" sz="1000" i="1" smtClean="0">
                           <a:solidFill>
-                            <a:srgbClr val="007D00"/>
+                            <a:schemeClr val="tx1"/>
                           </a:solidFill>
                           <a:latin typeface="Cambria Math" panose="02040503050406030204" pitchFamily="18" charset="0"/>
                         </a:rPr>
@@ -13482,7 +12450,7 @@
                           <m:ctrlPr>
                             <a:rPr lang="en-US" altLang="ja-JP" sz="1000" i="1">
                               <a:solidFill>
-                                <a:srgbClr val="007D00"/>
+                                <a:schemeClr val="tx1"/>
                               </a:solidFill>
                               <a:latin typeface="Cambria Math" panose="02040503050406030204" pitchFamily="18" charset="0"/>
                             </a:rPr>
@@ -13495,7 +12463,7 @@
                             </m:rPr>
                             <a:rPr lang="en-US" altLang="ja-JP" sz="1000" b="0" i="0" smtClean="0">
                               <a:solidFill>
-                                <a:srgbClr val="007D00"/>
+                                <a:schemeClr val="tx1"/>
                               </a:solidFill>
                               <a:latin typeface="Cambria Math" panose="02040503050406030204" pitchFamily="18" charset="0"/>
                             </a:rPr>
@@ -13510,7 +12478,7 @@
                               <m:ctrlPr>
                                 <a:rPr lang="en-US" altLang="ja-JP" sz="1000" i="1">
                                   <a:solidFill>
-                                    <a:srgbClr val="007D00"/>
+                                    <a:schemeClr val="tx1"/>
                                   </a:solidFill>
                                   <a:latin typeface="Cambria Math" panose="02040503050406030204" pitchFamily="18" charset="0"/>
                                 </a:rPr>
@@ -13520,7 +12488,7 @@
                               <m:r>
                                 <a:rPr kumimoji="1" lang="en-US" altLang="ja-JP" sz="1000" i="1">
                                   <a:solidFill>
-                                    <a:srgbClr val="007D00"/>
+                                    <a:schemeClr val="tx1"/>
                                   </a:solidFill>
                                   <a:latin typeface="Cambria Math" panose="02040503050406030204" pitchFamily="18" charset="0"/>
                                 </a:rPr>
@@ -13531,7 +12499,7 @@
                                   <m:ctrlPr>
                                     <a:rPr kumimoji="1" lang="en-US" altLang="ja-JP" sz="1000" i="1">
                                       <a:solidFill>
-                                        <a:srgbClr val="007D00"/>
+                                        <a:schemeClr val="tx1"/>
                                       </a:solidFill>
                                       <a:latin typeface="Cambria Math" panose="02040503050406030204" pitchFamily="18" charset="0"/>
                                     </a:rPr>
@@ -13541,7 +12509,7 @@
                                   <m:r>
                                     <a:rPr kumimoji="1" lang="en-US" altLang="ja-JP" sz="1000" i="1">
                                       <a:solidFill>
-                                        <a:srgbClr val="007D00"/>
+                                        <a:schemeClr val="tx1"/>
                                       </a:solidFill>
                                       <a:latin typeface="Cambria Math" panose="02040503050406030204" pitchFamily="18" charset="0"/>
                                     </a:rPr>
@@ -13550,7 +12518,7 @@
                                   <m:r>
                                     <a:rPr kumimoji="1" lang="en-US" altLang="ja-JP" sz="1000" i="1">
                                       <a:solidFill>
-                                        <a:srgbClr val="007D00"/>
+                                        <a:schemeClr val="tx1"/>
                                       </a:solidFill>
                                       <a:latin typeface="Cambria Math" panose="02040503050406030204" pitchFamily="18" charset="0"/>
                                     </a:rPr>
@@ -13561,7 +12529,7 @@
                                   <m:r>
                                     <a:rPr kumimoji="1" lang="en-US" altLang="ja-JP" sz="1000" i="1">
                                       <a:solidFill>
-                                        <a:srgbClr val="007D00"/>
+                                        <a:schemeClr val="tx1"/>
                                       </a:solidFill>
                                       <a:latin typeface="Cambria Math" panose="02040503050406030204" pitchFamily="18" charset="0"/>
                                     </a:rPr>
@@ -13574,7 +12542,7 @@
                                   <m:ctrlPr>
                                     <a:rPr kumimoji="1" lang="en-US" altLang="ja-JP" sz="1000" i="1">
                                       <a:solidFill>
-                                        <a:srgbClr val="007D00"/>
+                                        <a:schemeClr val="tx1"/>
                                       </a:solidFill>
                                       <a:latin typeface="Cambria Math" panose="02040503050406030204" pitchFamily="18" charset="0"/>
                                     </a:rPr>
@@ -13584,7 +12552,7 @@
                                   <m:r>
                                     <a:rPr kumimoji="1" lang="en-US" altLang="ja-JP" sz="1000" i="1">
                                       <a:solidFill>
-                                        <a:srgbClr val="007D00"/>
+                                        <a:schemeClr val="tx1"/>
                                       </a:solidFill>
                                       <a:latin typeface="Cambria Math" panose="02040503050406030204" pitchFamily="18" charset="0"/>
                                     </a:rPr>
@@ -13595,7 +12563,7 @@
                                   <m:r>
                                     <a:rPr kumimoji="1" lang="en-US" altLang="ja-JP" sz="1000" i="1">
                                       <a:solidFill>
-                                        <a:srgbClr val="007D00"/>
+                                        <a:schemeClr val="tx1"/>
                                       </a:solidFill>
                                       <a:latin typeface="Cambria Math" panose="02040503050406030204" pitchFamily="18" charset="0"/>
                                     </a:rPr>
@@ -13606,7 +12574,7 @@
                                   <m:r>
                                     <a:rPr kumimoji="1" lang="en-US" altLang="ja-JP" sz="1000" i="1">
                                       <a:solidFill>
-                                        <a:srgbClr val="007D00"/>
+                                        <a:schemeClr val="tx1"/>
                                       </a:solidFill>
                                       <a:latin typeface="Cambria Math" panose="02040503050406030204" pitchFamily="18" charset="0"/>
                                     </a:rPr>
@@ -13619,7 +12587,7 @@
                                   <m:ctrlPr>
                                     <a:rPr kumimoji="1" lang="en-US" altLang="ja-JP" sz="1000" i="1">
                                       <a:solidFill>
-                                        <a:srgbClr val="007D00"/>
+                                        <a:schemeClr val="tx1"/>
                                       </a:solidFill>
                                       <a:latin typeface="Cambria Math" panose="02040503050406030204" pitchFamily="18" charset="0"/>
                                     </a:rPr>
@@ -13629,7 +12597,7 @@
                                   <m:r>
                                     <a:rPr kumimoji="1" lang="en-US" altLang="ja-JP" sz="1000" b="1" i="1">
                                       <a:solidFill>
-                                        <a:srgbClr val="007D00"/>
+                                        <a:schemeClr val="tx1"/>
                                       </a:solidFill>
                                       <a:latin typeface="Cambria Math" panose="02040503050406030204" pitchFamily="18" charset="0"/>
                                     </a:rPr>
@@ -13640,7 +12608,7 @@
                                   <m:r>
                                     <a:rPr kumimoji="1" lang="en-US" altLang="ja-JP" sz="1000" i="1">
                                       <a:solidFill>
-                                        <a:srgbClr val="007D00"/>
+                                        <a:schemeClr val="tx1"/>
                                       </a:solidFill>
                                       <a:latin typeface="Cambria Math" panose="02040503050406030204" pitchFamily="18" charset="0"/>
                                     </a:rPr>
@@ -13657,7 +12625,7 @@
                 </a14:m>
                 <a:endParaRPr lang="ja-JP" altLang="en-US" sz="1000" i="1" dirty="0">
                   <a:solidFill>
-                    <a:srgbClr val="007D00"/>
+                    <a:schemeClr val="tx1"/>
                   </a:solidFill>
                 </a:endParaRPr>
               </a:p>
@@ -13691,477 +12659,6 @@
                 <a:blip r:embed="rId10"/>
                 <a:stretch>
                   <a:fillRect l="-3524" b="-44000"/>
-                </a:stretch>
-              </a:blipFill>
-            </p:spPr>
-            <p:txBody>
-              <a:bodyPr/>
-              <a:lstStyle/>
-              <a:p>
-                <a:r>
-                  <a:rPr lang="ja-JP" altLang="en-US">
-                    <a:noFill/>
-                  </a:rPr>
-                  <a:t> </a:t>
-                </a:r>
-              </a:p>
-            </p:txBody>
-          </p:sp>
-        </mc:Fallback>
-      </mc:AlternateContent>
-      <mc:AlternateContent xmlns:mc="http://schemas.openxmlformats.org/markup-compatibility/2006">
-        <mc:Choice xmlns:a14="http://schemas.microsoft.com/office/drawing/2010/main" Requires="a14">
-          <p:sp>
-            <p:nvSpPr>
-              <p:cNvPr id="21" name="正方形/長方形 20">
-                <a:extLst>
-                  <a:ext uri="{FF2B5EF4-FFF2-40B4-BE49-F238E27FC236}">
-                    <a16:creationId xmlns:a16="http://schemas.microsoft.com/office/drawing/2014/main" id="{6609B262-ED5B-4533-CF1A-D9F3CEC273C3}"/>
-                  </a:ext>
-                </a:extLst>
-              </p:cNvPr>
-              <p:cNvSpPr/>
-              <p:nvPr/>
-            </p:nvSpPr>
-            <p:spPr>
-              <a:xfrm>
-                <a:off x="346330" y="1146015"/>
-                <a:ext cx="805285" cy="53861"/>
-              </a:xfrm>
-              <a:prstGeom prst="rect">
-                <a:avLst/>
-              </a:prstGeom>
-            </p:spPr>
-            <p:txBody>
-              <a:bodyPr wrap="none" lIns="0" tIns="0" rIns="0" bIns="0">
-                <a:spAutoFit/>
-              </a:bodyPr>
-              <a:lstStyle/>
-              <a:p>
-                <a:pPr/>
-                <a14:m>
-                  <m:oMathPara xmlns:m="http://schemas.openxmlformats.org/officeDocument/2006/math">
-                    <m:oMathParaPr>
-                      <m:jc m:val="left"/>
-                    </m:oMathParaPr>
-                    <m:oMath xmlns:m="http://schemas.openxmlformats.org/officeDocument/2006/math">
-                      <m:func>
-                        <m:funcPr>
-                          <m:ctrlPr>
-                            <a:rPr lang="en-US" altLang="ja-JP" sz="350" i="1" smtClean="0">
-                              <a:solidFill>
-                                <a:srgbClr val="0000FF"/>
-                              </a:solidFill>
-                              <a:latin typeface="Cambria Math" panose="02040503050406030204" pitchFamily="18" charset="0"/>
-                            </a:rPr>
-                          </m:ctrlPr>
-                        </m:funcPr>
-                        <m:fName>
-                          <m:r>
-                            <m:rPr>
-                              <m:sty m:val="p"/>
-                            </m:rPr>
-                            <a:rPr lang="en-US" altLang="ja-JP" sz="350">
-                              <a:solidFill>
-                                <a:srgbClr val="0000FF"/>
-                              </a:solidFill>
-                              <a:latin typeface="Cambria Math" panose="02040503050406030204" pitchFamily="18" charset="0"/>
-                            </a:rPr>
-                            <m:t>sin</m:t>
-                          </m:r>
-                        </m:fName>
-                        <m:e>
-                          <m:d>
-                            <m:dPr>
-                              <m:begChr m:val="["/>
-                              <m:endChr m:val="]"/>
-                              <m:ctrlPr>
-                                <a:rPr lang="en-US" altLang="ja-JP" sz="350" i="1">
-                                  <a:solidFill>
-                                    <a:srgbClr val="0000FF"/>
-                                  </a:solidFill>
-                                  <a:latin typeface="Cambria Math" panose="02040503050406030204" pitchFamily="18" charset="0"/>
-                                </a:rPr>
-                              </m:ctrlPr>
-                            </m:dPr>
-                            <m:e>
-                              <m:r>
-                                <a:rPr lang="en-US" altLang="ja-JP" sz="350" b="0" i="1" smtClean="0">
-                                  <a:solidFill>
-                                    <a:srgbClr val="0000FF"/>
-                                  </a:solidFill>
-                                  <a:latin typeface="Cambria Math" panose="02040503050406030204" pitchFamily="18" charset="0"/>
-                                </a:rPr>
-                                <m:t>𝑊</m:t>
-                              </m:r>
-                              <m:d>
-                                <m:dPr>
-                                  <m:ctrlPr>
-                                    <a:rPr lang="en-US" altLang="ja-JP" sz="350" i="1">
-                                      <a:solidFill>
-                                        <a:srgbClr val="0000FF"/>
-                                      </a:solidFill>
-                                      <a:latin typeface="Cambria Math" panose="02040503050406030204" pitchFamily="18" charset="0"/>
-                                    </a:rPr>
-                                  </m:ctrlPr>
-                                </m:dPr>
-                                <m:e>
-                                  <m:r>
-                                    <a:rPr lang="en-US" altLang="ja-JP" sz="350" b="1" i="1">
-                                      <a:solidFill>
-                                        <a:srgbClr val="0000FF"/>
-                                      </a:solidFill>
-                                      <a:latin typeface="Cambria Math" panose="02040503050406030204" pitchFamily="18" charset="0"/>
-                                    </a:rPr>
-                                    <m:t>𝒖</m:t>
-                                  </m:r>
-                                </m:e>
-                              </m:d>
-                            </m:e>
-                          </m:d>
-                        </m:e>
-                      </m:func>
-                      <m:r>
-                        <a:rPr lang="en-US" altLang="ja-JP" sz="350" i="1">
-                          <a:solidFill>
-                            <a:srgbClr val="0000FF"/>
-                          </a:solidFill>
-                          <a:latin typeface="Cambria Math" panose="02040503050406030204" pitchFamily="18" charset="0"/>
-                        </a:rPr>
-                        <m:t>=</m:t>
-                      </m:r>
-                      <m:func>
-                        <m:funcPr>
-                          <m:ctrlPr>
-                            <a:rPr lang="en-US" altLang="ja-JP" sz="350" i="1">
-                              <a:solidFill>
-                                <a:srgbClr val="0000FF"/>
-                              </a:solidFill>
-                              <a:latin typeface="Cambria Math" panose="02040503050406030204" pitchFamily="18" charset="0"/>
-                            </a:rPr>
-                          </m:ctrlPr>
-                        </m:funcPr>
-                        <m:fName>
-                          <m:r>
-                            <m:rPr>
-                              <m:sty m:val="p"/>
-                            </m:rPr>
-                            <a:rPr lang="en-US" altLang="ja-JP" sz="350">
-                              <a:solidFill>
-                                <a:srgbClr val="0000FF"/>
-                              </a:solidFill>
-                              <a:latin typeface="Cambria Math" panose="02040503050406030204" pitchFamily="18" charset="0"/>
-                            </a:rPr>
-                            <m:t>sin</m:t>
-                          </m:r>
-                        </m:fName>
-                        <m:e>
-                          <m:d>
-                            <m:dPr>
-                              <m:begChr m:val="["/>
-                              <m:endChr m:val="]"/>
-                              <m:ctrlPr>
-                                <a:rPr lang="en-US" altLang="ja-JP" sz="350" i="1">
-                                  <a:solidFill>
-                                    <a:srgbClr val="0000FF"/>
-                                  </a:solidFill>
-                                  <a:latin typeface="Cambria Math" panose="02040503050406030204" pitchFamily="18" charset="0"/>
-                                </a:rPr>
-                              </m:ctrlPr>
-                            </m:dPr>
-                            <m:e>
-                              <m:r>
-                                <a:rPr lang="el-GR" altLang="ja-JP" sz="350" i="1">
-                                  <a:solidFill>
-                                    <a:srgbClr val="0000FF"/>
-                                  </a:solidFill>
-                                  <a:latin typeface="Cambria Math" panose="02040503050406030204" pitchFamily="18" charset="0"/>
-                                  <a:ea typeface="Cambria Math" panose="02040503050406030204" pitchFamily="18" charset="0"/>
-                                </a:rPr>
-                                <m:t>𝜋</m:t>
-                              </m:r>
-                              <m:r>
-                                <a:rPr lang="en-US" altLang="ja-JP" sz="350" i="1">
-                                  <a:solidFill>
-                                    <a:srgbClr val="0000FF"/>
-                                  </a:solidFill>
-                                  <a:latin typeface="Cambria Math" panose="02040503050406030204" pitchFamily="18" charset="0"/>
-                                  <a:ea typeface="Cambria Math" panose="02040503050406030204" pitchFamily="18" charset="0"/>
-                                </a:rPr>
-                                <m:t> </m:t>
-                              </m:r>
-                              <m:r>
-                                <a:rPr lang="ja-JP" altLang="el-GR" sz="350" i="1">
-                                  <a:solidFill>
-                                    <a:srgbClr val="0000FF"/>
-                                  </a:solidFill>
-                                  <a:latin typeface="Cambria Math" panose="02040503050406030204" pitchFamily="18" charset="0"/>
-                                  <a:ea typeface="Cambria Math" panose="02040503050406030204" pitchFamily="18" charset="0"/>
-                                </a:rPr>
-                                <m:t>𝜆</m:t>
-                              </m:r>
-                              <m:r>
-                                <a:rPr lang="en-US" altLang="ja-JP" sz="350" i="1">
-                                  <a:solidFill>
-                                    <a:srgbClr val="0000FF"/>
-                                  </a:solidFill>
-                                  <a:latin typeface="Cambria Math" panose="02040503050406030204" pitchFamily="18" charset="0"/>
-                                  <a:ea typeface="Cambria Math" panose="02040503050406030204" pitchFamily="18" charset="0"/>
-                                </a:rPr>
-                                <m:t> </m:t>
-                              </m:r>
-                              <m:sSup>
-                                <m:sSupPr>
-                                  <m:ctrlPr>
-                                    <a:rPr lang="en-US" altLang="ja-JP" sz="350" i="1">
-                                      <a:solidFill>
-                                        <a:srgbClr val="0000FF"/>
-                                      </a:solidFill>
-                                      <a:latin typeface="Cambria Math" panose="02040503050406030204" pitchFamily="18" charset="0"/>
-                                      <a:ea typeface="Cambria Math" panose="02040503050406030204" pitchFamily="18" charset="0"/>
-                                    </a:rPr>
-                                  </m:ctrlPr>
-                                </m:sSupPr>
-                                <m:e>
-                                  <m:r>
-                                    <a:rPr lang="en-US" altLang="ja-JP" sz="350" b="1" i="1">
-                                      <a:solidFill>
-                                        <a:srgbClr val="0000FF"/>
-                                      </a:solidFill>
-                                      <a:latin typeface="Cambria Math" panose="02040503050406030204" pitchFamily="18" charset="0"/>
-                                      <a:ea typeface="Cambria Math" panose="02040503050406030204" pitchFamily="18" charset="0"/>
-                                    </a:rPr>
-                                    <m:t>𝒖</m:t>
-                                  </m:r>
-                                </m:e>
-                                <m:sup>
-                                  <m:r>
-                                    <a:rPr lang="en-US" altLang="ja-JP" sz="350" i="1">
-                                      <a:solidFill>
-                                        <a:srgbClr val="0000FF"/>
-                                      </a:solidFill>
-                                      <a:latin typeface="Cambria Math" panose="02040503050406030204" pitchFamily="18" charset="0"/>
-                                      <a:ea typeface="Cambria Math" panose="02040503050406030204" pitchFamily="18" charset="0"/>
-                                    </a:rPr>
-                                    <m:t>2</m:t>
-                                  </m:r>
-                                </m:sup>
-                              </m:sSup>
-                              <m:d>
-                                <m:dPr>
-                                  <m:ctrlPr>
-                                    <a:rPr lang="en-US" altLang="ja-JP" sz="350" i="1">
-                                      <a:solidFill>
-                                        <a:srgbClr val="0000FF"/>
-                                      </a:solidFill>
-                                      <a:latin typeface="Cambria Math" panose="02040503050406030204" pitchFamily="18" charset="0"/>
-                                      <a:ea typeface="Cambria Math" panose="02040503050406030204" pitchFamily="18" charset="0"/>
-                                    </a:rPr>
-                                  </m:ctrlPr>
-                                </m:dPr>
-                                <m:e>
-                                  <m:r>
-                                    <m:rPr>
-                                      <m:sty m:val="p"/>
-                                    </m:rPr>
-                                    <a:rPr lang="el-GR" altLang="ja-JP" sz="350" i="1">
-                                      <a:solidFill>
-                                        <a:srgbClr val="0000FF"/>
-                                      </a:solidFill>
-                                      <a:latin typeface="Cambria Math" panose="02040503050406030204" pitchFamily="18" charset="0"/>
-                                      <a:ea typeface="Cambria Math" panose="02040503050406030204" pitchFamily="18" charset="0"/>
-                                    </a:rPr>
-                                    <m:t>Δ</m:t>
-                                  </m:r>
-                                  <m:r>
-                                    <a:rPr lang="en-US" altLang="ja-JP" sz="350" i="1">
-                                      <a:solidFill>
-                                        <a:srgbClr val="0000FF"/>
-                                      </a:solidFill>
-                                      <a:latin typeface="Cambria Math" panose="02040503050406030204" pitchFamily="18" charset="0"/>
-                                      <a:ea typeface="Cambria Math" panose="02040503050406030204" pitchFamily="18" charset="0"/>
-                                    </a:rPr>
-                                    <m:t>𝑓</m:t>
-                                  </m:r>
-                                  <m:r>
-                                    <a:rPr lang="en-US" altLang="ja-JP" sz="350" i="1">
-                                      <a:solidFill>
-                                        <a:srgbClr val="0000FF"/>
-                                      </a:solidFill>
-                                      <a:latin typeface="Cambria Math" panose="02040503050406030204" pitchFamily="18" charset="0"/>
-                                      <a:ea typeface="Cambria Math" panose="02040503050406030204" pitchFamily="18" charset="0"/>
-                                    </a:rPr>
-                                    <m:t>+</m:t>
-                                  </m:r>
-                                  <m:sSub>
-                                    <m:sSubPr>
-                                      <m:ctrlPr>
-                                        <a:rPr lang="en-US" altLang="ja-JP" sz="350" i="1">
-                                          <a:solidFill>
-                                            <a:srgbClr val="0000FF"/>
-                                          </a:solidFill>
-                                          <a:latin typeface="Cambria Math" panose="02040503050406030204" pitchFamily="18" charset="0"/>
-                                          <a:ea typeface="Cambria Math" panose="02040503050406030204" pitchFamily="18" charset="0"/>
-                                        </a:rPr>
-                                      </m:ctrlPr>
-                                    </m:sSubPr>
-                                    <m:e>
-                                      <m:r>
-                                        <a:rPr lang="en-US" altLang="ja-JP" sz="350" i="1">
-                                          <a:solidFill>
-                                            <a:srgbClr val="0000FF"/>
-                                          </a:solidFill>
-                                          <a:latin typeface="Cambria Math" panose="02040503050406030204" pitchFamily="18" charset="0"/>
-                                          <a:ea typeface="Cambria Math" panose="02040503050406030204" pitchFamily="18" charset="0"/>
-                                        </a:rPr>
-                                        <m:t>𝐶</m:t>
-                                      </m:r>
-                                    </m:e>
-                                    <m:sub>
-                                      <m:r>
-                                        <m:rPr>
-                                          <m:sty m:val="p"/>
-                                        </m:rPr>
-                                        <a:rPr lang="en-US" altLang="ja-JP" sz="350">
-                                          <a:solidFill>
-                                            <a:srgbClr val="0000FF"/>
-                                          </a:solidFill>
-                                          <a:latin typeface="Cambria Math" panose="02040503050406030204" pitchFamily="18" charset="0"/>
-                                          <a:ea typeface="Cambria Math" panose="02040503050406030204" pitchFamily="18" charset="0"/>
-                                        </a:rPr>
-                                        <m:t>s</m:t>
-                                      </m:r>
-                                    </m:sub>
-                                  </m:sSub>
-                                  <m:sSup>
-                                    <m:sSupPr>
-                                      <m:ctrlPr>
-                                        <a:rPr lang="en-US" altLang="ja-JP" sz="350" i="1">
-                                          <a:solidFill>
-                                            <a:srgbClr val="0000FF"/>
-                                          </a:solidFill>
-                                          <a:latin typeface="Cambria Math" panose="02040503050406030204" pitchFamily="18" charset="0"/>
-                                          <a:ea typeface="Cambria Math" panose="02040503050406030204" pitchFamily="18" charset="0"/>
-                                        </a:rPr>
-                                      </m:ctrlPr>
-                                    </m:sSupPr>
-                                    <m:e>
-                                      <m:r>
-                                        <a:rPr lang="en-US" altLang="ja-JP" sz="350" b="1" i="1">
-                                          <a:solidFill>
-                                            <a:srgbClr val="0000FF"/>
-                                          </a:solidFill>
-                                          <a:latin typeface="Cambria Math" panose="02040503050406030204" pitchFamily="18" charset="0"/>
-                                          <a:ea typeface="Cambria Math" panose="02040503050406030204" pitchFamily="18" charset="0"/>
-                                        </a:rPr>
-                                        <m:t>𝒖</m:t>
-                                      </m:r>
-                                    </m:e>
-                                    <m:sup>
-                                      <m:r>
-                                        <a:rPr lang="en-US" altLang="ja-JP" sz="350" i="1">
-                                          <a:solidFill>
-                                            <a:srgbClr val="0000FF"/>
-                                          </a:solidFill>
-                                          <a:latin typeface="Cambria Math" panose="02040503050406030204" pitchFamily="18" charset="0"/>
-                                          <a:ea typeface="Cambria Math" panose="02040503050406030204" pitchFamily="18" charset="0"/>
-                                        </a:rPr>
-                                        <m:t>2</m:t>
-                                      </m:r>
-                                    </m:sup>
-                                  </m:sSup>
-                                  <m:sSup>
-                                    <m:sSupPr>
-                                      <m:ctrlPr>
-                                        <a:rPr lang="en-US" altLang="ja-JP" sz="350" i="1">
-                                          <a:solidFill>
-                                            <a:srgbClr val="0000FF"/>
-                                          </a:solidFill>
-                                          <a:latin typeface="Cambria Math" panose="02040503050406030204" pitchFamily="18" charset="0"/>
-                                          <a:ea typeface="Cambria Math" panose="02040503050406030204" pitchFamily="18" charset="0"/>
-                                        </a:rPr>
-                                      </m:ctrlPr>
-                                    </m:sSupPr>
-                                    <m:e>
-                                      <m:r>
-                                        <a:rPr lang="ja-JP" altLang="en-US" sz="350" i="1">
-                                          <a:solidFill>
-                                            <a:srgbClr val="0000FF"/>
-                                          </a:solidFill>
-                                          <a:latin typeface="Cambria Math" panose="02040503050406030204" pitchFamily="18" charset="0"/>
-                                          <a:ea typeface="Cambria Math" panose="02040503050406030204" pitchFamily="18" charset="0"/>
-                                        </a:rPr>
-                                        <m:t>𝜆</m:t>
-                                      </m:r>
-                                    </m:e>
-                                    <m:sup>
-                                      <m:r>
-                                        <a:rPr lang="en-US" altLang="ja-JP" sz="350" i="1">
-                                          <a:solidFill>
-                                            <a:srgbClr val="0000FF"/>
-                                          </a:solidFill>
-                                          <a:latin typeface="Cambria Math" panose="02040503050406030204" pitchFamily="18" charset="0"/>
-                                          <a:ea typeface="Cambria Math" panose="02040503050406030204" pitchFamily="18" charset="0"/>
-                                        </a:rPr>
-                                        <m:t>2</m:t>
-                                      </m:r>
-                                    </m:sup>
-                                  </m:sSup>
-                                </m:e>
-                              </m:d>
-                              <m:r>
-                                <a:rPr lang="en-US" altLang="ja-JP" sz="350" i="1">
-                                  <a:solidFill>
-                                    <a:srgbClr val="0000FF"/>
-                                  </a:solidFill>
-                                  <a:latin typeface="Cambria Math" panose="02040503050406030204" pitchFamily="18" charset="0"/>
-                                  <a:ea typeface="Cambria Math" panose="02040503050406030204" pitchFamily="18" charset="0"/>
-                                </a:rPr>
-                                <m:t>/2</m:t>
-                              </m:r>
-                            </m:e>
-                          </m:d>
-                        </m:e>
-                      </m:func>
-                    </m:oMath>
-                  </m:oMathPara>
-                </a14:m>
-                <a:endParaRPr lang="ja-JP" altLang="en-US" sz="350" i="1" dirty="0">
-                  <a:solidFill>
-                    <a:srgbClr val="0000FF"/>
-                  </a:solidFill>
-                </a:endParaRPr>
-              </a:p>
-            </p:txBody>
-          </p:sp>
-        </mc:Choice>
-        <mc:Fallback>
-          <p:sp>
-            <p:nvSpPr>
-              <p:cNvPr id="21" name="正方形/長方形 20">
-                <a:extLst>
-                  <a:ext uri="{FF2B5EF4-FFF2-40B4-BE49-F238E27FC236}">
-                    <a16:creationId xmlns:a16="http://schemas.microsoft.com/office/drawing/2014/main" id="{6609B262-ED5B-4533-CF1A-D9F3CEC273C3}"/>
-                  </a:ext>
-                </a:extLst>
-              </p:cNvPr>
-              <p:cNvSpPr>
-                <a:spLocks noRot="1" noChangeAspect="1" noMove="1" noResize="1" noEditPoints="1" noAdjustHandles="1" noChangeArrowheads="1" noChangeShapeType="1" noTextEdit="1"/>
-              </p:cNvSpPr>
-              <p:nvPr/>
-            </p:nvSpPr>
-            <p:spPr>
-              <a:xfrm>
-                <a:off x="346330" y="1146015"/>
-                <a:ext cx="805285" cy="53861"/>
-              </a:xfrm>
-              <a:prstGeom prst="rect">
-                <a:avLst/>
-              </a:prstGeom>
-              <a:blipFill>
-                <a:blip r:embed="rId11"/>
-                <a:stretch>
-                  <a:fillRect l="-2273" t="-22222" b="-44444"/>
                 </a:stretch>
               </a:blipFill>
             </p:spPr>
@@ -14232,7 +12729,7 @@
             </p:nvSpPr>
             <p:spPr>
               <a:xfrm>
-                <a:off x="3088158" y="1672926"/>
+                <a:off x="3065682" y="1603844"/>
                 <a:ext cx="488211" cy="53861"/>
               </a:xfrm>
               <a:prstGeom prst="rect">
@@ -14314,9 +12811,9 @@
                         <m:t>)</m:t>
                       </m:r>
                       <m:r>
-                        <a:rPr lang="en-US" altLang="ja-JP" sz="350" i="1">
+                        <a:rPr lang="en-US" altLang="ja-JP" sz="350" i="1" smtClean="0">
                           <a:solidFill>
-                            <a:srgbClr val="007D00"/>
+                            <a:schemeClr val="tx1"/>
                           </a:solidFill>
                           <a:latin typeface="Cambria Math" panose="02040503050406030204" pitchFamily="18" charset="0"/>
                         </a:rPr>
@@ -14327,7 +12824,7 @@
                           <m:ctrlPr>
                             <a:rPr lang="en-US" altLang="ja-JP" sz="350" i="1">
                               <a:solidFill>
-                                <a:srgbClr val="007D00"/>
+                                <a:schemeClr val="tx1"/>
                               </a:solidFill>
                               <a:latin typeface="Cambria Math" panose="02040503050406030204" pitchFamily="18" charset="0"/>
                             </a:rPr>
@@ -14340,7 +12837,7 @@
                             </m:rPr>
                             <a:rPr lang="en-US" altLang="ja-JP" sz="350" b="0" i="0" smtClean="0">
                               <a:solidFill>
-                                <a:srgbClr val="007D00"/>
+                                <a:schemeClr val="tx1"/>
                               </a:solidFill>
                               <a:latin typeface="Cambria Math" panose="02040503050406030204" pitchFamily="18" charset="0"/>
                             </a:rPr>
@@ -14355,7 +12852,7 @@
                               <m:ctrlPr>
                                 <a:rPr lang="en-US" altLang="ja-JP" sz="350" i="1">
                                   <a:solidFill>
-                                    <a:srgbClr val="007D00"/>
+                                    <a:schemeClr val="tx1"/>
                                   </a:solidFill>
                                   <a:latin typeface="Cambria Math" panose="02040503050406030204" pitchFamily="18" charset="0"/>
                                 </a:rPr>
@@ -14365,7 +12862,7 @@
                               <m:r>
                                 <a:rPr kumimoji="1" lang="en-US" altLang="ja-JP" sz="350" i="1">
                                   <a:solidFill>
-                                    <a:srgbClr val="007D00"/>
+                                    <a:schemeClr val="tx1"/>
                                   </a:solidFill>
                                   <a:latin typeface="Cambria Math" panose="02040503050406030204" pitchFamily="18" charset="0"/>
                                 </a:rPr>
@@ -14376,7 +12873,7 @@
                                   <m:ctrlPr>
                                     <a:rPr kumimoji="1" lang="en-US" altLang="ja-JP" sz="350" i="1">
                                       <a:solidFill>
-                                        <a:srgbClr val="007D00"/>
+                                        <a:schemeClr val="tx1"/>
                                       </a:solidFill>
                                       <a:latin typeface="Cambria Math" panose="02040503050406030204" pitchFamily="18" charset="0"/>
                                     </a:rPr>
@@ -14386,7 +12883,7 @@
                                   <m:r>
                                     <a:rPr kumimoji="1" lang="en-US" altLang="ja-JP" sz="350" i="1">
                                       <a:solidFill>
-                                        <a:srgbClr val="007D00"/>
+                                        <a:schemeClr val="tx1"/>
                                       </a:solidFill>
                                       <a:latin typeface="Cambria Math" panose="02040503050406030204" pitchFamily="18" charset="0"/>
                                     </a:rPr>
@@ -14395,7 +12892,7 @@
                                   <m:r>
                                     <a:rPr kumimoji="1" lang="en-US" altLang="ja-JP" sz="350" i="1">
                                       <a:solidFill>
-                                        <a:srgbClr val="007D00"/>
+                                        <a:schemeClr val="tx1"/>
                                       </a:solidFill>
                                       <a:latin typeface="Cambria Math" panose="02040503050406030204" pitchFamily="18" charset="0"/>
                                     </a:rPr>
@@ -14406,7 +12903,7 @@
                                   <m:r>
                                     <a:rPr kumimoji="1" lang="en-US" altLang="ja-JP" sz="350" i="1">
                                       <a:solidFill>
-                                        <a:srgbClr val="007D00"/>
+                                        <a:schemeClr val="tx1"/>
                                       </a:solidFill>
                                       <a:latin typeface="Cambria Math" panose="02040503050406030204" pitchFamily="18" charset="0"/>
                                     </a:rPr>
@@ -14419,7 +12916,7 @@
                                   <m:ctrlPr>
                                     <a:rPr kumimoji="1" lang="en-US" altLang="ja-JP" sz="350" i="1">
                                       <a:solidFill>
-                                        <a:srgbClr val="007D00"/>
+                                        <a:schemeClr val="tx1"/>
                                       </a:solidFill>
                                       <a:latin typeface="Cambria Math" panose="02040503050406030204" pitchFamily="18" charset="0"/>
                                     </a:rPr>
@@ -14429,7 +12926,7 @@
                                   <m:r>
                                     <a:rPr kumimoji="1" lang="en-US" altLang="ja-JP" sz="350" i="1">
                                       <a:solidFill>
-                                        <a:srgbClr val="007D00"/>
+                                        <a:schemeClr val="tx1"/>
                                       </a:solidFill>
                                       <a:latin typeface="Cambria Math" panose="02040503050406030204" pitchFamily="18" charset="0"/>
                                     </a:rPr>
@@ -14440,7 +12937,7 @@
                                   <m:r>
                                     <a:rPr kumimoji="1" lang="en-US" altLang="ja-JP" sz="350" i="1">
                                       <a:solidFill>
-                                        <a:srgbClr val="007D00"/>
+                                        <a:schemeClr val="tx1"/>
                                       </a:solidFill>
                                       <a:latin typeface="Cambria Math" panose="02040503050406030204" pitchFamily="18" charset="0"/>
                                     </a:rPr>
@@ -14451,7 +12948,7 @@
                                   <m:r>
                                     <a:rPr kumimoji="1" lang="en-US" altLang="ja-JP" sz="350" i="1">
                                       <a:solidFill>
-                                        <a:srgbClr val="007D00"/>
+                                        <a:schemeClr val="tx1"/>
                                       </a:solidFill>
                                       <a:latin typeface="Cambria Math" panose="02040503050406030204" pitchFamily="18" charset="0"/>
                                     </a:rPr>
@@ -14464,7 +12961,7 @@
                                   <m:ctrlPr>
                                     <a:rPr kumimoji="1" lang="en-US" altLang="ja-JP" sz="350" i="1">
                                       <a:solidFill>
-                                        <a:srgbClr val="007D00"/>
+                                        <a:schemeClr val="tx1"/>
                                       </a:solidFill>
                                       <a:latin typeface="Cambria Math" panose="02040503050406030204" pitchFamily="18" charset="0"/>
                                     </a:rPr>
@@ -14474,7 +12971,7 @@
                                   <m:r>
                                     <a:rPr kumimoji="1" lang="en-US" altLang="ja-JP" sz="350" i="1">
                                       <a:solidFill>
-                                        <a:srgbClr val="007D00"/>
+                                        <a:schemeClr val="tx1"/>
                                       </a:solidFill>
                                       <a:latin typeface="Cambria Math" panose="02040503050406030204" pitchFamily="18" charset="0"/>
                                     </a:rPr>
@@ -14485,7 +12982,7 @@
                                   <m:r>
                                     <a:rPr kumimoji="1" lang="en-US" altLang="ja-JP" sz="350" i="1">
                                       <a:solidFill>
-                                        <a:srgbClr val="007D00"/>
+                                        <a:schemeClr val="tx1"/>
                                       </a:solidFill>
                                       <a:latin typeface="Cambria Math" panose="02040503050406030204" pitchFamily="18" charset="0"/>
                                     </a:rPr>
@@ -14502,7 +12999,7 @@
                 </a14:m>
                 <a:endParaRPr lang="ja-JP" altLang="en-US" sz="350" i="1" dirty="0">
                   <a:solidFill>
-                    <a:srgbClr val="007D00"/>
+                    <a:schemeClr val="tx1"/>
                   </a:solidFill>
                 </a:endParaRPr>
               </a:p>
@@ -14526,640 +13023,16 @@
             </p:nvSpPr>
             <p:spPr>
               <a:xfrm>
-                <a:off x="3088158" y="1672926"/>
+                <a:off x="3065682" y="1603844"/>
                 <a:ext cx="488211" cy="53861"/>
               </a:xfrm>
               <a:prstGeom prst="rect">
                 <a:avLst/>
               </a:prstGeom>
               <a:blipFill>
-                <a:blip r:embed="rId12"/>
+                <a:blip r:embed="rId11"/>
                 <a:stretch>
                   <a:fillRect l="-3750" t="-11111" b="-44444"/>
-                </a:stretch>
-              </a:blipFill>
-            </p:spPr>
-            <p:txBody>
-              <a:bodyPr/>
-              <a:lstStyle/>
-              <a:p>
-                <a:r>
-                  <a:rPr lang="ja-JP" altLang="en-US">
-                    <a:noFill/>
-                  </a:rPr>
-                  <a:t> </a:t>
-                </a:r>
-              </a:p>
-            </p:txBody>
-          </p:sp>
-        </mc:Fallback>
-      </mc:AlternateContent>
-      <mc:AlternateContent xmlns:mc="http://schemas.openxmlformats.org/markup-compatibility/2006">
-        <mc:Choice xmlns:a14="http://schemas.microsoft.com/office/drawing/2010/main" Requires="a14">
-          <p:sp>
-            <p:nvSpPr>
-              <p:cNvPr id="33" name="正方形/長方形 32">
-                <a:extLst>
-                  <a:ext uri="{FF2B5EF4-FFF2-40B4-BE49-F238E27FC236}">
-                    <a16:creationId xmlns:a16="http://schemas.microsoft.com/office/drawing/2014/main" id="{B8E469F1-487F-363D-8754-0FA2EFFE961D}"/>
-                  </a:ext>
-                </a:extLst>
-              </p:cNvPr>
-              <p:cNvSpPr/>
-              <p:nvPr/>
-            </p:nvSpPr>
-            <p:spPr>
-              <a:xfrm>
-                <a:off x="493199" y="3127341"/>
-                <a:ext cx="833946" cy="157800"/>
-              </a:xfrm>
-              <a:prstGeom prst="rect">
-                <a:avLst/>
-              </a:prstGeom>
-            </p:spPr>
-            <p:txBody>
-              <a:bodyPr wrap="none" lIns="0" tIns="0" rIns="0" bIns="0">
-                <a:spAutoFit/>
-              </a:bodyPr>
-              <a:lstStyle/>
-              <a:p>
-                <a:pPr/>
-                <a14:m>
-                  <m:oMathPara xmlns:m="http://schemas.openxmlformats.org/officeDocument/2006/math">
-                    <m:oMathParaPr>
-                      <m:jc m:val="left"/>
-                    </m:oMathParaPr>
-                    <m:oMath xmlns:m="http://schemas.openxmlformats.org/officeDocument/2006/math">
-                      <m:r>
-                        <a:rPr lang="en-US" altLang="ja-JP" sz="350" b="0" i="1" smtClean="0">
-                          <a:solidFill>
-                            <a:schemeClr val="tx1"/>
-                          </a:solidFill>
-                          <a:latin typeface="Cambria Math" panose="02040503050406030204" pitchFamily="18" charset="0"/>
-                        </a:rPr>
-                        <m:t>𝑇</m:t>
-                      </m:r>
-                      <m:d>
-                        <m:dPr>
-                          <m:ctrlPr>
-                            <a:rPr lang="en-US" altLang="ja-JP" sz="350" b="0" i="1" smtClean="0">
-                              <a:solidFill>
-                                <a:schemeClr val="tx1"/>
-                              </a:solidFill>
-                              <a:latin typeface="Cambria Math" panose="02040503050406030204" pitchFamily="18" charset="0"/>
-                            </a:rPr>
-                          </m:ctrlPr>
-                        </m:dPr>
-                        <m:e>
-                          <m:r>
-                            <a:rPr lang="en-US" altLang="ja-JP" sz="350" b="1" i="1" smtClean="0">
-                              <a:solidFill>
-                                <a:schemeClr val="tx1"/>
-                              </a:solidFill>
-                              <a:latin typeface="Cambria Math" panose="02040503050406030204" pitchFamily="18" charset="0"/>
-                            </a:rPr>
-                            <m:t>𝒖</m:t>
-                          </m:r>
-                        </m:e>
-                      </m:d>
-                      <m:r>
-                        <a:rPr lang="en-US" altLang="ja-JP" sz="350" b="0" i="1" smtClean="0">
-                          <a:solidFill>
-                            <a:schemeClr val="tx1"/>
-                          </a:solidFill>
-                          <a:latin typeface="Cambria Math" panose="02040503050406030204" pitchFamily="18" charset="0"/>
-                        </a:rPr>
-                        <m:t>=</m:t>
-                      </m:r>
-                      <m:func>
-                        <m:funcPr>
-                          <m:ctrlPr>
-                            <a:rPr lang="en-US" altLang="ja-JP" sz="350" i="1" smtClean="0">
-                              <a:solidFill>
-                                <a:srgbClr val="0000FF"/>
-                              </a:solidFill>
-                              <a:latin typeface="Cambria Math" panose="02040503050406030204" pitchFamily="18" charset="0"/>
-                            </a:rPr>
-                          </m:ctrlPr>
-                        </m:funcPr>
-                        <m:fName>
-                          <m:r>
-                            <a:rPr lang="en-US" altLang="ja-JP" sz="350" b="0" i="1" smtClean="0">
-                              <a:solidFill>
-                                <a:schemeClr val="tx1"/>
-                              </a:solidFill>
-                              <a:latin typeface="Cambria Math" panose="02040503050406030204" pitchFamily="18" charset="0"/>
-                            </a:rPr>
-                            <m:t>𝐴</m:t>
-                          </m:r>
-                          <m:d>
-                            <m:dPr>
-                              <m:ctrlPr>
-                                <a:rPr lang="en-US" altLang="ja-JP" sz="350" i="1" smtClean="0">
-                                  <a:solidFill>
-                                    <a:schemeClr val="tx1"/>
-                                  </a:solidFill>
-                                  <a:latin typeface="Cambria Math" panose="02040503050406030204" pitchFamily="18" charset="0"/>
-                                </a:rPr>
-                              </m:ctrlPr>
-                            </m:dPr>
-                            <m:e>
-                              <m:r>
-                                <a:rPr lang="en-US" altLang="ja-JP" sz="350" b="1" i="1" smtClean="0">
-                                  <a:solidFill>
-                                    <a:schemeClr val="tx1"/>
-                                  </a:solidFill>
-                                  <a:latin typeface="Cambria Math" panose="02040503050406030204" pitchFamily="18" charset="0"/>
-                                </a:rPr>
-                                <m:t>𝒖</m:t>
-                              </m:r>
-                            </m:e>
-                          </m:d>
-                          <m:r>
-                            <a:rPr lang="en-US" altLang="ja-JP" sz="350" b="1" i="1">
-                              <a:latin typeface="Cambria Math" panose="02040503050406030204" pitchFamily="18" charset="0"/>
-                              <a:ea typeface="Cambria Math" panose="02040503050406030204" pitchFamily="18" charset="0"/>
-                            </a:rPr>
-                            <m:t>×</m:t>
-                          </m:r>
-                          <m:r>
-                            <m:rPr>
-                              <m:sty m:val="p"/>
-                            </m:rPr>
-                            <a:rPr lang="en-US" altLang="ja-JP" sz="350">
-                              <a:solidFill>
-                                <a:srgbClr val="0000FF"/>
-                              </a:solidFill>
-                              <a:latin typeface="Cambria Math" panose="02040503050406030204" pitchFamily="18" charset="0"/>
-                            </a:rPr>
-                            <m:t>sin</m:t>
-                          </m:r>
-                        </m:fName>
-                        <m:e>
-                          <m:d>
-                            <m:dPr>
-                              <m:begChr m:val="["/>
-                              <m:endChr m:val="]"/>
-                              <m:ctrlPr>
-                                <a:rPr lang="en-US" altLang="ja-JP" sz="350" i="1">
-                                  <a:solidFill>
-                                    <a:srgbClr val="0000FF"/>
-                                  </a:solidFill>
-                                  <a:latin typeface="Cambria Math" panose="02040503050406030204" pitchFamily="18" charset="0"/>
-                                </a:rPr>
-                              </m:ctrlPr>
-                            </m:dPr>
-                            <m:e>
-                              <m:r>
-                                <a:rPr lang="en-US" altLang="ja-JP" sz="350" b="0" i="1" smtClean="0">
-                                  <a:solidFill>
-                                    <a:srgbClr val="0000FF"/>
-                                  </a:solidFill>
-                                  <a:latin typeface="Cambria Math" panose="02040503050406030204" pitchFamily="18" charset="0"/>
-                                </a:rPr>
-                                <m:t>𝑊</m:t>
-                              </m:r>
-                              <m:d>
-                                <m:dPr>
-                                  <m:ctrlPr>
-                                    <a:rPr lang="en-US" altLang="ja-JP" sz="350" i="1">
-                                      <a:solidFill>
-                                        <a:srgbClr val="0000FF"/>
-                                      </a:solidFill>
-                                      <a:latin typeface="Cambria Math" panose="02040503050406030204" pitchFamily="18" charset="0"/>
-                                    </a:rPr>
-                                  </m:ctrlPr>
-                                </m:dPr>
-                                <m:e>
-                                  <m:r>
-                                    <a:rPr lang="en-US" altLang="ja-JP" sz="350" b="1" i="1">
-                                      <a:solidFill>
-                                        <a:srgbClr val="0000FF"/>
-                                      </a:solidFill>
-                                      <a:latin typeface="Cambria Math" panose="02040503050406030204" pitchFamily="18" charset="0"/>
-                                    </a:rPr>
-                                    <m:t>𝒖</m:t>
-                                  </m:r>
-                                </m:e>
-                              </m:d>
-                            </m:e>
-                          </m:d>
-                        </m:e>
-                      </m:func>
-                      <m:r>
-                        <a:rPr lang="en-US" altLang="ja-JP" sz="350" b="1" i="1" smtClean="0">
-                          <a:solidFill>
-                            <a:schemeClr val="tx1"/>
-                          </a:solidFill>
-                          <a:latin typeface="Cambria Math" panose="02040503050406030204" pitchFamily="18" charset="0"/>
-                          <a:ea typeface="Cambria Math" panose="02040503050406030204" pitchFamily="18" charset="0"/>
-                        </a:rPr>
-                        <m:t>×</m:t>
-                      </m:r>
-                      <m:sSub>
-                        <m:sSubPr>
-                          <m:ctrlPr>
-                            <a:rPr lang="en-US" altLang="ja-JP" sz="350" i="1">
-                              <a:solidFill>
-                                <a:srgbClr val="007D00"/>
-                              </a:solidFill>
-                              <a:latin typeface="Cambria Math" panose="02040503050406030204" pitchFamily="18" charset="0"/>
-                            </a:rPr>
-                          </m:ctrlPr>
-                        </m:sSubPr>
-                        <m:e>
-                          <m:r>
-                            <a:rPr lang="en-US" altLang="ja-JP" sz="350" i="1">
-                              <a:solidFill>
-                                <a:srgbClr val="007D00"/>
-                              </a:solidFill>
-                              <a:latin typeface="Cambria Math" panose="02040503050406030204" pitchFamily="18" charset="0"/>
-                            </a:rPr>
-                            <m:t>𝐸</m:t>
-                          </m:r>
-                        </m:e>
-                        <m:sub>
-                          <m:r>
-                            <a:rPr lang="en-US" altLang="ja-JP" sz="350" i="1">
-                              <a:solidFill>
-                                <a:srgbClr val="007D00"/>
-                              </a:solidFill>
-                              <a:latin typeface="Cambria Math" panose="02040503050406030204" pitchFamily="18" charset="0"/>
-                            </a:rPr>
-                            <m:t>𝑠</m:t>
-                          </m:r>
-                        </m:sub>
-                      </m:sSub>
-                      <m:d>
-                        <m:dPr>
-                          <m:ctrlPr>
-                            <a:rPr lang="en-US" altLang="ja-JP" sz="350" i="1">
-                              <a:solidFill>
-                                <a:srgbClr val="007D00"/>
-                              </a:solidFill>
-                              <a:latin typeface="Cambria Math" panose="02040503050406030204" pitchFamily="18" charset="0"/>
-                            </a:rPr>
-                          </m:ctrlPr>
-                        </m:dPr>
-                        <m:e>
-                          <m:r>
-                            <a:rPr lang="en-US" altLang="ja-JP" sz="350" b="1" i="1">
-                              <a:solidFill>
-                                <a:srgbClr val="007D00"/>
-                              </a:solidFill>
-                              <a:latin typeface="Cambria Math" panose="02040503050406030204" pitchFamily="18" charset="0"/>
-                            </a:rPr>
-                            <m:t>𝒖</m:t>
-                          </m:r>
-                        </m:e>
-                      </m:d>
-                      <m:r>
-                        <a:rPr lang="en-US" altLang="ja-JP" sz="350" b="1" i="1" smtClean="0">
-                          <a:solidFill>
-                            <a:schemeClr val="tx1"/>
-                          </a:solidFill>
-                          <a:latin typeface="Cambria Math" panose="02040503050406030204" pitchFamily="18" charset="0"/>
-                          <a:ea typeface="Cambria Math" panose="02040503050406030204" pitchFamily="18" charset="0"/>
-                        </a:rPr>
-                        <m:t>×</m:t>
-                      </m:r>
-                      <m:sSub>
-                        <m:sSubPr>
-                          <m:ctrlPr>
-                            <a:rPr lang="en-US" altLang="ja-JP" sz="350" i="1">
-                              <a:solidFill>
-                                <a:srgbClr val="FF0000"/>
-                              </a:solidFill>
-                              <a:latin typeface="Cambria Math" panose="02040503050406030204" pitchFamily="18" charset="0"/>
-                            </a:rPr>
-                          </m:ctrlPr>
-                        </m:sSubPr>
-                        <m:e>
-                          <m:r>
-                            <a:rPr lang="en-US" altLang="ja-JP" sz="350" i="1">
-                              <a:solidFill>
-                                <a:srgbClr val="FF0000"/>
-                              </a:solidFill>
-                              <a:latin typeface="Cambria Math" panose="02040503050406030204" pitchFamily="18" charset="0"/>
-                            </a:rPr>
-                            <m:t>𝐸</m:t>
-                          </m:r>
-                        </m:e>
-                        <m:sub>
-                          <m:r>
-                            <a:rPr lang="en-US" altLang="ja-JP" sz="350" i="1">
-                              <a:solidFill>
-                                <a:srgbClr val="FF0000"/>
-                              </a:solidFill>
-                              <a:latin typeface="Cambria Math" panose="02040503050406030204" pitchFamily="18" charset="0"/>
-                            </a:rPr>
-                            <m:t>𝑐</m:t>
-                          </m:r>
-                        </m:sub>
-                      </m:sSub>
-                      <m:d>
-                        <m:dPr>
-                          <m:ctrlPr>
-                            <a:rPr lang="en-US" altLang="ja-JP" sz="350" i="1">
-                              <a:solidFill>
-                                <a:srgbClr val="FF0000"/>
-                              </a:solidFill>
-                              <a:latin typeface="Cambria Math" panose="02040503050406030204" pitchFamily="18" charset="0"/>
-                            </a:rPr>
-                          </m:ctrlPr>
-                        </m:dPr>
-                        <m:e>
-                          <m:r>
-                            <a:rPr lang="en-US" altLang="ja-JP" sz="350" b="1" i="1">
-                              <a:solidFill>
-                                <a:srgbClr val="FF0000"/>
-                              </a:solidFill>
-                              <a:latin typeface="Cambria Math" panose="02040503050406030204" pitchFamily="18" charset="0"/>
-                            </a:rPr>
-                            <m:t>𝒖</m:t>
-                          </m:r>
-                        </m:e>
-                      </m:d>
-                    </m:oMath>
-                  </m:oMathPara>
-                </a14:m>
-                <a:endParaRPr lang="en-US" altLang="ja-JP" sz="350" i="1" dirty="0">
-                  <a:solidFill>
-                    <a:srgbClr val="FF0000"/>
-                  </a:solidFill>
-                </a:endParaRPr>
-              </a:p>
-              <a:p>
-                <a:pPr/>
-                <a14:m>
-                  <m:oMathPara xmlns:m="http://schemas.openxmlformats.org/officeDocument/2006/math">
-                    <m:oMathParaPr>
-                      <m:jc m:val="left"/>
-                    </m:oMathParaPr>
-                    <m:oMath xmlns:m="http://schemas.openxmlformats.org/officeDocument/2006/math">
-                      <m:r>
-                        <a:rPr lang="ja-JP" altLang="en-US" sz="350" b="0" i="1" dirty="0">
-                          <a:solidFill>
-                            <a:srgbClr val="FF0000"/>
-                          </a:solidFill>
-                          <a:latin typeface="Cambria Math" panose="02040503050406030204" pitchFamily="18" charset="0"/>
-                        </a:rPr>
-                        <m:t>　</m:t>
-                      </m:r>
-                      <m:r>
-                        <a:rPr lang="ja-JP" altLang="en-US" sz="350" i="1" dirty="0" smtClean="0">
-                          <a:solidFill>
-                            <a:srgbClr val="FF0000"/>
-                          </a:solidFill>
-                          <a:latin typeface="Cambria Math" panose="02040503050406030204" pitchFamily="18" charset="0"/>
-                        </a:rPr>
-                        <m:t>　</m:t>
-                      </m:r>
-                      <m:r>
-                        <m:rPr>
-                          <m:sty m:val="p"/>
-                        </m:rPr>
-                        <a:rPr lang="en-US" altLang="ja-JP" sz="300" b="0" i="0" smtClean="0">
-                          <a:latin typeface="Cambria Math" panose="02040503050406030204" pitchFamily="18" charset="0"/>
-                        </a:rPr>
-                        <m:t>where</m:t>
-                      </m:r>
-                      <m:r>
-                        <a:rPr lang="en-US" altLang="ja-JP" sz="300" b="0" i="0" smtClean="0">
-                          <a:latin typeface="Cambria Math" panose="02040503050406030204" pitchFamily="18" charset="0"/>
-                        </a:rPr>
-                        <m:t> </m:t>
-                      </m:r>
-                      <m:r>
-                        <a:rPr lang="en-US" altLang="ja-JP" sz="300" i="1" smtClean="0">
-                          <a:latin typeface="Cambria Math" panose="02040503050406030204" pitchFamily="18" charset="0"/>
-                        </a:rPr>
-                        <m:t>𝐴</m:t>
-                      </m:r>
-                      <m:d>
-                        <m:dPr>
-                          <m:ctrlPr>
-                            <a:rPr lang="en-US" altLang="ja-JP" sz="300" i="1">
-                              <a:latin typeface="Cambria Math" panose="02040503050406030204" pitchFamily="18" charset="0"/>
-                            </a:rPr>
-                          </m:ctrlPr>
-                        </m:dPr>
-                        <m:e>
-                          <m:r>
-                            <a:rPr lang="en-US" altLang="ja-JP" sz="300" b="1" i="1">
-                              <a:latin typeface="Cambria Math" panose="02040503050406030204" pitchFamily="18" charset="0"/>
-                            </a:rPr>
-                            <m:t>𝒖</m:t>
-                          </m:r>
-                        </m:e>
-                      </m:d>
-                      <m:r>
-                        <a:rPr lang="en-US" altLang="ja-JP" sz="300" b="1" i="1">
-                          <a:latin typeface="Cambria Math" panose="02040503050406030204" pitchFamily="18" charset="0"/>
-                        </a:rPr>
-                        <m:t>= </m:t>
-                      </m:r>
-                      <m:d>
-                        <m:dPr>
-                          <m:begChr m:val="{"/>
-                          <m:endChr m:val=""/>
-                          <m:ctrlPr>
-                            <a:rPr lang="en-US" altLang="ja-JP" sz="300" b="0" i="1" smtClean="0">
-                              <a:solidFill>
-                                <a:schemeClr val="tx1"/>
-                              </a:solidFill>
-                              <a:latin typeface="Cambria Math" panose="02040503050406030204" pitchFamily="18" charset="0"/>
-                            </a:rPr>
-                          </m:ctrlPr>
-                        </m:dPr>
-                        <m:e>
-                          <m:eqArr>
-                            <m:eqArrPr>
-                              <m:ctrlPr>
-                                <a:rPr lang="en-US" altLang="ja-JP" sz="300" b="0" i="1" smtClean="0">
-                                  <a:solidFill>
-                                    <a:schemeClr val="tx1"/>
-                                  </a:solidFill>
-                                  <a:latin typeface="Cambria Math" panose="02040503050406030204" pitchFamily="18" charset="0"/>
-                                </a:rPr>
-                              </m:ctrlPr>
-                            </m:eqArrPr>
-                            <m:e>
-                              <m:r>
-                                <a:rPr lang="en-US" altLang="ja-JP" sz="300" b="0" i="1" smtClean="0">
-                                  <a:solidFill>
-                                    <a:schemeClr val="tx1"/>
-                                  </a:solidFill>
-                                  <a:latin typeface="Cambria Math" panose="02040503050406030204" pitchFamily="18" charset="0"/>
-                                </a:rPr>
-                                <m:t>1 (</m:t>
-                              </m:r>
-                              <m:r>
-                                <a:rPr lang="en-US" altLang="ja-JP" sz="300" b="0" i="1" smtClean="0">
-                                  <a:solidFill>
-                                    <a:schemeClr val="tx1"/>
-                                  </a:solidFill>
-                                  <a:latin typeface="Cambria Math" panose="02040503050406030204" pitchFamily="18" charset="0"/>
-                                </a:rPr>
-                                <m:t>𝑢</m:t>
-                              </m:r>
-                              <m:r>
-                                <a:rPr lang="en-US" altLang="ja-JP" sz="300" i="1">
-                                  <a:latin typeface="Cambria Math" panose="02040503050406030204" pitchFamily="18" charset="0"/>
-                                  <a:ea typeface="Cambria Math" panose="02040503050406030204" pitchFamily="18" charset="0"/>
-                                </a:rPr>
-                                <m:t>≤</m:t>
-                              </m:r>
-                              <m:r>
-                                <m:rPr>
-                                  <m:sty m:val="p"/>
-                                </m:rPr>
-                                <a:rPr lang="en-US" altLang="ja-JP" sz="300" b="0" i="0" smtClean="0">
-                                  <a:solidFill>
-                                    <a:schemeClr val="tx1"/>
-                                  </a:solidFill>
-                                  <a:latin typeface="Cambria Math" panose="02040503050406030204" pitchFamily="18" charset="0"/>
-                                </a:rPr>
-                                <m:t>objective</m:t>
-                              </m:r>
-                              <m:r>
-                                <a:rPr lang="en-US" altLang="ja-JP" sz="300" b="0" i="0" smtClean="0">
-                                  <a:solidFill>
-                                    <a:schemeClr val="tx1"/>
-                                  </a:solidFill>
-                                  <a:latin typeface="Cambria Math" panose="02040503050406030204" pitchFamily="18" charset="0"/>
-                                </a:rPr>
-                                <m:t> </m:t>
-                              </m:r>
-                              <m:r>
-                                <m:rPr>
-                                  <m:sty m:val="p"/>
-                                </m:rPr>
-                                <a:rPr lang="en-US" altLang="ja-JP" sz="300" b="0" i="0" smtClean="0">
-                                  <a:solidFill>
-                                    <a:schemeClr val="tx1"/>
-                                  </a:solidFill>
-                                  <a:latin typeface="Cambria Math" panose="02040503050406030204" pitchFamily="18" charset="0"/>
-                                </a:rPr>
-                                <m:t>aperture</m:t>
-                              </m:r>
-                              <m:r>
-                                <a:rPr lang="en-US" altLang="ja-JP" sz="300" b="0" i="1" smtClean="0">
-                                  <a:solidFill>
-                                    <a:schemeClr val="tx1"/>
-                                  </a:solidFill>
-                                  <a:latin typeface="Cambria Math" panose="02040503050406030204" pitchFamily="18" charset="0"/>
-                                </a:rPr>
-                                <m:t>)</m:t>
-                              </m:r>
-                            </m:e>
-                            <m:e>
-                              <m:r>
-                                <a:rPr lang="en-US" altLang="ja-JP" sz="300" b="0" i="1" smtClean="0">
-                                  <a:latin typeface="Cambria Math" panose="02040503050406030204" pitchFamily="18" charset="0"/>
-                                </a:rPr>
-                                <m:t>0</m:t>
-                              </m:r>
-                              <m:r>
-                                <a:rPr lang="en-US" altLang="ja-JP" sz="300" i="1">
-                                  <a:latin typeface="Cambria Math" panose="02040503050406030204" pitchFamily="18" charset="0"/>
-                                </a:rPr>
-                                <m:t> (</m:t>
-                              </m:r>
-                              <m:r>
-                                <a:rPr lang="en-US" altLang="ja-JP" sz="300" i="1">
-                                  <a:latin typeface="Cambria Math" panose="02040503050406030204" pitchFamily="18" charset="0"/>
-                                </a:rPr>
-                                <m:t>𝑢</m:t>
-                              </m:r>
-                              <m:r>
-                                <a:rPr lang="en-US" altLang="ja-JP" sz="300" i="1" smtClean="0">
-                                  <a:latin typeface="Cambria Math" panose="02040503050406030204" pitchFamily="18" charset="0"/>
-                                </a:rPr>
-                                <m:t>&gt;</m:t>
-                              </m:r>
-                              <m:r>
-                                <m:rPr>
-                                  <m:sty m:val="p"/>
-                                </m:rPr>
-                                <a:rPr lang="en-US" altLang="ja-JP" sz="300" b="0" i="0" smtClean="0">
-                                  <a:latin typeface="Cambria Math" panose="02040503050406030204" pitchFamily="18" charset="0"/>
-                                </a:rPr>
-                                <m:t>o</m:t>
-                              </m:r>
-                              <m:r>
-                                <m:rPr>
-                                  <m:sty m:val="p"/>
-                                </m:rPr>
-                                <a:rPr lang="en-US" altLang="ja-JP" sz="300" i="0">
-                                  <a:latin typeface="Cambria Math" panose="02040503050406030204" pitchFamily="18" charset="0"/>
-                                </a:rPr>
-                                <m:t>bjective</m:t>
-                              </m:r>
-                              <m:r>
-                                <a:rPr lang="en-US" altLang="ja-JP" sz="300" i="0">
-                                  <a:latin typeface="Cambria Math" panose="02040503050406030204" pitchFamily="18" charset="0"/>
-                                </a:rPr>
-                                <m:t> </m:t>
-                              </m:r>
-                              <m:r>
-                                <m:rPr>
-                                  <m:sty m:val="p"/>
-                                </m:rPr>
-                                <a:rPr lang="en-US" altLang="ja-JP" sz="300" i="0">
-                                  <a:latin typeface="Cambria Math" panose="02040503050406030204" pitchFamily="18" charset="0"/>
-                                </a:rPr>
-                                <m:t>aperture</m:t>
-                              </m:r>
-                              <m:r>
-                                <a:rPr lang="en-US" altLang="ja-JP" sz="300" i="1">
-                                  <a:latin typeface="Cambria Math" panose="02040503050406030204" pitchFamily="18" charset="0"/>
-                                </a:rPr>
-                                <m:t>)</m:t>
-                              </m:r>
-                            </m:e>
-                          </m:eqArr>
-                        </m:e>
-                      </m:d>
-                    </m:oMath>
-                  </m:oMathPara>
-                </a14:m>
-                <a:endParaRPr lang="ja-JP" altLang="en-US" sz="300" i="1" dirty="0">
-                  <a:solidFill>
-                    <a:srgbClr val="0000FF"/>
-                  </a:solidFill>
-                </a:endParaRPr>
-              </a:p>
-            </p:txBody>
-          </p:sp>
-        </mc:Choice>
-        <mc:Fallback>
-          <p:sp>
-            <p:nvSpPr>
-              <p:cNvPr id="33" name="正方形/長方形 32">
-                <a:extLst>
-                  <a:ext uri="{FF2B5EF4-FFF2-40B4-BE49-F238E27FC236}">
-                    <a16:creationId xmlns:a16="http://schemas.microsoft.com/office/drawing/2014/main" id="{B8E469F1-487F-363D-8754-0FA2EFFE961D}"/>
-                  </a:ext>
-                </a:extLst>
-              </p:cNvPr>
-              <p:cNvSpPr>
-                <a:spLocks noRot="1" noChangeAspect="1" noMove="1" noResize="1" noEditPoints="1" noAdjustHandles="1" noChangeArrowheads="1" noChangeShapeType="1" noTextEdit="1"/>
-              </p:cNvSpPr>
-              <p:nvPr/>
-            </p:nvSpPr>
-            <p:spPr>
-              <a:xfrm>
-                <a:off x="493199" y="3127341"/>
-                <a:ext cx="833946" cy="157800"/>
-              </a:xfrm>
-              <a:prstGeom prst="rect">
-                <a:avLst/>
-              </a:prstGeom>
-              <a:blipFill>
-                <a:blip r:embed="rId13"/>
-                <a:stretch>
-                  <a:fillRect l="-2190" t="-115385" b="-219231"/>
                 </a:stretch>
               </a:blipFill>
             </p:spPr>
@@ -15194,7 +13067,7 @@
             </p:nvSpPr>
             <p:spPr>
               <a:xfrm>
-                <a:off x="284163" y="3677567"/>
+                <a:off x="5186791" y="1932334"/>
                 <a:ext cx="2589212" cy="435632"/>
               </a:xfrm>
               <a:prstGeom prst="rect">
@@ -15446,16 +13319,16 @@
             </p:nvSpPr>
             <p:spPr>
               <a:xfrm>
-                <a:off x="284163" y="3677567"/>
+                <a:off x="5186791" y="1932334"/>
                 <a:ext cx="2589212" cy="435632"/>
               </a:xfrm>
               <a:prstGeom prst="rect">
                 <a:avLst/>
               </a:prstGeom>
               <a:blipFill>
-                <a:blip r:embed="rId14"/>
+                <a:blip r:embed="rId12"/>
                 <a:stretch>
-                  <a:fillRect t="-175000" b="-251389"/>
+                  <a:fillRect t="-177465" b="-256338"/>
                 </a:stretch>
               </a:blipFill>
             </p:spPr>
@@ -15474,8 +13347,8 @@
           </p:sp>
         </mc:Fallback>
       </mc:AlternateContent>
-      <mc:AlternateContent xmlns:mc="http://schemas.openxmlformats.org/markup-compatibility/2006">
-        <mc:Choice xmlns:a14="http://schemas.microsoft.com/office/drawing/2010/main" Requires="a14">
+      <mc:AlternateContent xmlns:mc="http://schemas.openxmlformats.org/markup-compatibility/2006" xmlns:a14="http://schemas.microsoft.com/office/drawing/2010/main">
+        <mc:Choice Requires="a14">
           <p:sp>
             <p:nvSpPr>
               <p:cNvPr id="38" name="テキスト ボックス 37">
@@ -15685,7 +13558,7 @@
             </p:txBody>
           </p:sp>
         </mc:Choice>
-        <mc:Fallback>
+        <mc:Fallback xmlns="">
           <p:sp>
             <p:nvSpPr>
               <p:cNvPr id="38" name="テキスト ボックス 37">
@@ -15734,389 +13607,6 @@
         <mc:Choice xmlns:a14="http://schemas.microsoft.com/office/drawing/2010/main" Requires="a14">
           <p:sp>
             <p:nvSpPr>
-              <p:cNvPr id="39" name="正方形/長方形 38">
-                <a:extLst>
-                  <a:ext uri="{FF2B5EF4-FFF2-40B4-BE49-F238E27FC236}">
-                    <a16:creationId xmlns:a16="http://schemas.microsoft.com/office/drawing/2014/main" id="{C83B9329-72C1-8177-0E3F-9F1243B832F0}"/>
-                  </a:ext>
-                </a:extLst>
-              </p:cNvPr>
-              <p:cNvSpPr/>
-              <p:nvPr/>
-            </p:nvSpPr>
-            <p:spPr>
-              <a:xfrm>
-                <a:off x="346330" y="2838200"/>
-                <a:ext cx="833946" cy="53861"/>
-              </a:xfrm>
-              <a:prstGeom prst="rect">
-                <a:avLst/>
-              </a:prstGeom>
-            </p:spPr>
-            <p:txBody>
-              <a:bodyPr wrap="none" lIns="0" tIns="0" rIns="0" bIns="0">
-                <a:spAutoFit/>
-              </a:bodyPr>
-              <a:lstStyle/>
-              <a:p>
-                <a:pPr/>
-                <a14:m>
-                  <m:oMathPara xmlns:m="http://schemas.openxmlformats.org/officeDocument/2006/math">
-                    <m:oMathParaPr>
-                      <m:jc m:val="left"/>
-                    </m:oMathParaPr>
-                    <m:oMath xmlns:m="http://schemas.openxmlformats.org/officeDocument/2006/math">
-                      <m:r>
-                        <a:rPr lang="en-US" altLang="ja-JP" sz="350" b="0" i="1" smtClean="0">
-                          <a:solidFill>
-                            <a:schemeClr val="tx1"/>
-                          </a:solidFill>
-                          <a:latin typeface="Cambria Math" panose="02040503050406030204" pitchFamily="18" charset="0"/>
-                        </a:rPr>
-                        <m:t>𝑇</m:t>
-                      </m:r>
-                      <m:d>
-                        <m:dPr>
-                          <m:ctrlPr>
-                            <a:rPr lang="en-US" altLang="ja-JP" sz="350" b="0" i="1" smtClean="0">
-                              <a:solidFill>
-                                <a:schemeClr val="tx1"/>
-                              </a:solidFill>
-                              <a:latin typeface="Cambria Math" panose="02040503050406030204" pitchFamily="18" charset="0"/>
-                            </a:rPr>
-                          </m:ctrlPr>
-                        </m:dPr>
-                        <m:e>
-                          <m:r>
-                            <a:rPr lang="en-US" altLang="ja-JP" sz="350" b="1" i="1" smtClean="0">
-                              <a:solidFill>
-                                <a:schemeClr val="tx1"/>
-                              </a:solidFill>
-                              <a:latin typeface="Cambria Math" panose="02040503050406030204" pitchFamily="18" charset="0"/>
-                            </a:rPr>
-                            <m:t>𝒖</m:t>
-                          </m:r>
-                        </m:e>
-                      </m:d>
-                      <m:r>
-                        <a:rPr lang="en-US" altLang="ja-JP" sz="350" b="0" i="1" smtClean="0">
-                          <a:solidFill>
-                            <a:schemeClr val="tx1"/>
-                          </a:solidFill>
-                          <a:latin typeface="Cambria Math" panose="02040503050406030204" pitchFamily="18" charset="0"/>
-                        </a:rPr>
-                        <m:t>=</m:t>
-                      </m:r>
-                      <m:func>
-                        <m:funcPr>
-                          <m:ctrlPr>
-                            <a:rPr lang="en-US" altLang="ja-JP" sz="350" i="1" smtClean="0">
-                              <a:solidFill>
-                                <a:srgbClr val="0000FF"/>
-                              </a:solidFill>
-                              <a:latin typeface="Cambria Math" panose="02040503050406030204" pitchFamily="18" charset="0"/>
-                            </a:rPr>
-                          </m:ctrlPr>
-                        </m:funcPr>
-                        <m:fName>
-                          <m:r>
-                            <a:rPr lang="en-US" altLang="ja-JP" sz="350" b="0" i="1" smtClean="0">
-                              <a:solidFill>
-                                <a:schemeClr val="tx1"/>
-                              </a:solidFill>
-                              <a:latin typeface="Cambria Math" panose="02040503050406030204" pitchFamily="18" charset="0"/>
-                            </a:rPr>
-                            <m:t>𝐴</m:t>
-                          </m:r>
-                          <m:d>
-                            <m:dPr>
-                              <m:ctrlPr>
-                                <a:rPr lang="en-US" altLang="ja-JP" sz="350" i="1" smtClean="0">
-                                  <a:solidFill>
-                                    <a:schemeClr val="tx1"/>
-                                  </a:solidFill>
-                                  <a:latin typeface="Cambria Math" panose="02040503050406030204" pitchFamily="18" charset="0"/>
-                                </a:rPr>
-                              </m:ctrlPr>
-                            </m:dPr>
-                            <m:e>
-                              <m:r>
-                                <a:rPr lang="en-US" altLang="ja-JP" sz="350" b="1" i="1" smtClean="0">
-                                  <a:solidFill>
-                                    <a:schemeClr val="tx1"/>
-                                  </a:solidFill>
-                                  <a:latin typeface="Cambria Math" panose="02040503050406030204" pitchFamily="18" charset="0"/>
-                                </a:rPr>
-                                <m:t>𝒖</m:t>
-                              </m:r>
-                            </m:e>
-                          </m:d>
-                          <m:r>
-                            <a:rPr lang="en-US" altLang="ja-JP" sz="350" b="1" i="1">
-                              <a:latin typeface="Cambria Math" panose="02040503050406030204" pitchFamily="18" charset="0"/>
-                              <a:ea typeface="Cambria Math" panose="02040503050406030204" pitchFamily="18" charset="0"/>
-                            </a:rPr>
-                            <m:t>×</m:t>
-                          </m:r>
-                          <m:r>
-                            <m:rPr>
-                              <m:sty m:val="p"/>
-                            </m:rPr>
-                            <a:rPr lang="en-US" altLang="ja-JP" sz="350">
-                              <a:solidFill>
-                                <a:srgbClr val="0000FF"/>
-                              </a:solidFill>
-                              <a:latin typeface="Cambria Math" panose="02040503050406030204" pitchFamily="18" charset="0"/>
-                            </a:rPr>
-                            <m:t>sin</m:t>
-                          </m:r>
-                        </m:fName>
-                        <m:e>
-                          <m:d>
-                            <m:dPr>
-                              <m:begChr m:val="["/>
-                              <m:endChr m:val="]"/>
-                              <m:ctrlPr>
-                                <a:rPr lang="en-US" altLang="ja-JP" sz="350" i="1">
-                                  <a:solidFill>
-                                    <a:srgbClr val="0000FF"/>
-                                  </a:solidFill>
-                                  <a:latin typeface="Cambria Math" panose="02040503050406030204" pitchFamily="18" charset="0"/>
-                                </a:rPr>
-                              </m:ctrlPr>
-                            </m:dPr>
-                            <m:e>
-                              <m:r>
-                                <a:rPr lang="en-US" altLang="ja-JP" sz="350" b="0" i="1" smtClean="0">
-                                  <a:solidFill>
-                                    <a:srgbClr val="0000FF"/>
-                                  </a:solidFill>
-                                  <a:latin typeface="Cambria Math" panose="02040503050406030204" pitchFamily="18" charset="0"/>
-                                </a:rPr>
-                                <m:t>𝑊</m:t>
-                              </m:r>
-                              <m:d>
-                                <m:dPr>
-                                  <m:ctrlPr>
-                                    <a:rPr lang="en-US" altLang="ja-JP" sz="350" i="1">
-                                      <a:solidFill>
-                                        <a:srgbClr val="0000FF"/>
-                                      </a:solidFill>
-                                      <a:latin typeface="Cambria Math" panose="02040503050406030204" pitchFamily="18" charset="0"/>
-                                    </a:rPr>
-                                  </m:ctrlPr>
-                                </m:dPr>
-                                <m:e>
-                                  <m:r>
-                                    <a:rPr lang="en-US" altLang="ja-JP" sz="350" b="1" i="1">
-                                      <a:solidFill>
-                                        <a:srgbClr val="0000FF"/>
-                                      </a:solidFill>
-                                      <a:latin typeface="Cambria Math" panose="02040503050406030204" pitchFamily="18" charset="0"/>
-                                    </a:rPr>
-                                    <m:t>𝒖</m:t>
-                                  </m:r>
-                                </m:e>
-                              </m:d>
-                            </m:e>
-                          </m:d>
-                        </m:e>
-                      </m:func>
-                      <m:r>
-                        <a:rPr lang="en-US" altLang="ja-JP" sz="350" b="1" i="1" smtClean="0">
-                          <a:solidFill>
-                            <a:schemeClr val="tx1"/>
-                          </a:solidFill>
-                          <a:latin typeface="Cambria Math" panose="02040503050406030204" pitchFamily="18" charset="0"/>
-                          <a:ea typeface="Cambria Math" panose="02040503050406030204" pitchFamily="18" charset="0"/>
-                        </a:rPr>
-                        <m:t>×</m:t>
-                      </m:r>
-                      <m:sSub>
-                        <m:sSubPr>
-                          <m:ctrlPr>
-                            <a:rPr lang="en-US" altLang="ja-JP" sz="350" i="1">
-                              <a:solidFill>
-                                <a:srgbClr val="007D00"/>
-                              </a:solidFill>
-                              <a:latin typeface="Cambria Math" panose="02040503050406030204" pitchFamily="18" charset="0"/>
-                            </a:rPr>
-                          </m:ctrlPr>
-                        </m:sSubPr>
-                        <m:e>
-                          <m:r>
-                            <a:rPr lang="en-US" altLang="ja-JP" sz="350" i="1">
-                              <a:solidFill>
-                                <a:srgbClr val="007D00"/>
-                              </a:solidFill>
-                              <a:latin typeface="Cambria Math" panose="02040503050406030204" pitchFamily="18" charset="0"/>
-                            </a:rPr>
-                            <m:t>𝐸</m:t>
-                          </m:r>
-                        </m:e>
-                        <m:sub>
-                          <m:r>
-                            <a:rPr lang="en-US" altLang="ja-JP" sz="350" i="1">
-                              <a:solidFill>
-                                <a:srgbClr val="007D00"/>
-                              </a:solidFill>
-                              <a:latin typeface="Cambria Math" panose="02040503050406030204" pitchFamily="18" charset="0"/>
-                            </a:rPr>
-                            <m:t>𝑠</m:t>
-                          </m:r>
-                        </m:sub>
-                      </m:sSub>
-                      <m:d>
-                        <m:dPr>
-                          <m:ctrlPr>
-                            <a:rPr lang="en-US" altLang="ja-JP" sz="350" i="1">
-                              <a:solidFill>
-                                <a:srgbClr val="007D00"/>
-                              </a:solidFill>
-                              <a:latin typeface="Cambria Math" panose="02040503050406030204" pitchFamily="18" charset="0"/>
-                            </a:rPr>
-                          </m:ctrlPr>
-                        </m:dPr>
-                        <m:e>
-                          <m:r>
-                            <a:rPr lang="en-US" altLang="ja-JP" sz="350" b="1" i="1">
-                              <a:solidFill>
-                                <a:srgbClr val="007D00"/>
-                              </a:solidFill>
-                              <a:latin typeface="Cambria Math" panose="02040503050406030204" pitchFamily="18" charset="0"/>
-                            </a:rPr>
-                            <m:t>𝒖</m:t>
-                          </m:r>
-                        </m:e>
-                      </m:d>
-                      <m:r>
-                        <a:rPr lang="en-US" altLang="ja-JP" sz="350" b="1" i="1" smtClean="0">
-                          <a:solidFill>
-                            <a:schemeClr val="tx1"/>
-                          </a:solidFill>
-                          <a:latin typeface="Cambria Math" panose="02040503050406030204" pitchFamily="18" charset="0"/>
-                          <a:ea typeface="Cambria Math" panose="02040503050406030204" pitchFamily="18" charset="0"/>
-                        </a:rPr>
-                        <m:t>×</m:t>
-                      </m:r>
-                      <m:sSub>
-                        <m:sSubPr>
-                          <m:ctrlPr>
-                            <a:rPr lang="en-US" altLang="ja-JP" sz="350" i="1">
-                              <a:solidFill>
-                                <a:srgbClr val="FF0000"/>
-                              </a:solidFill>
-                              <a:latin typeface="Cambria Math" panose="02040503050406030204" pitchFamily="18" charset="0"/>
-                            </a:rPr>
-                          </m:ctrlPr>
-                        </m:sSubPr>
-                        <m:e>
-                          <m:r>
-                            <a:rPr lang="en-US" altLang="ja-JP" sz="350" i="1">
-                              <a:solidFill>
-                                <a:srgbClr val="FF0000"/>
-                              </a:solidFill>
-                              <a:latin typeface="Cambria Math" panose="02040503050406030204" pitchFamily="18" charset="0"/>
-                            </a:rPr>
-                            <m:t>𝐸</m:t>
-                          </m:r>
-                        </m:e>
-                        <m:sub>
-                          <m:r>
-                            <a:rPr lang="en-US" altLang="ja-JP" sz="350" i="1">
-                              <a:solidFill>
-                                <a:srgbClr val="FF0000"/>
-                              </a:solidFill>
-                              <a:latin typeface="Cambria Math" panose="02040503050406030204" pitchFamily="18" charset="0"/>
-                            </a:rPr>
-                            <m:t>𝑐</m:t>
-                          </m:r>
-                        </m:sub>
-                      </m:sSub>
-                      <m:d>
-                        <m:dPr>
-                          <m:ctrlPr>
-                            <a:rPr lang="en-US" altLang="ja-JP" sz="350" i="1">
-                              <a:solidFill>
-                                <a:srgbClr val="FF0000"/>
-                              </a:solidFill>
-                              <a:latin typeface="Cambria Math" panose="02040503050406030204" pitchFamily="18" charset="0"/>
-                            </a:rPr>
-                          </m:ctrlPr>
-                        </m:dPr>
-                        <m:e>
-                          <m:r>
-                            <a:rPr lang="en-US" altLang="ja-JP" sz="350" b="1" i="1">
-                              <a:solidFill>
-                                <a:srgbClr val="FF0000"/>
-                              </a:solidFill>
-                              <a:latin typeface="Cambria Math" panose="02040503050406030204" pitchFamily="18" charset="0"/>
-                            </a:rPr>
-                            <m:t>𝒖</m:t>
-                          </m:r>
-                        </m:e>
-                      </m:d>
-                    </m:oMath>
-                  </m:oMathPara>
-                </a14:m>
-                <a:endParaRPr lang="en-US" altLang="ja-JP" sz="350" i="1" dirty="0">
-                  <a:solidFill>
-                    <a:srgbClr val="FF0000"/>
-                  </a:solidFill>
-                </a:endParaRPr>
-              </a:p>
-            </p:txBody>
-          </p:sp>
-        </mc:Choice>
-        <mc:Fallback>
-          <p:sp>
-            <p:nvSpPr>
-              <p:cNvPr id="39" name="正方形/長方形 38">
-                <a:extLst>
-                  <a:ext uri="{FF2B5EF4-FFF2-40B4-BE49-F238E27FC236}">
-                    <a16:creationId xmlns:a16="http://schemas.microsoft.com/office/drawing/2014/main" id="{C83B9329-72C1-8177-0E3F-9F1243B832F0}"/>
-                  </a:ext>
-                </a:extLst>
-              </p:cNvPr>
-              <p:cNvSpPr>
-                <a:spLocks noRot="1" noChangeAspect="1" noMove="1" noResize="1" noEditPoints="1" noAdjustHandles="1" noChangeArrowheads="1" noChangeShapeType="1" noTextEdit="1"/>
-              </p:cNvSpPr>
-              <p:nvPr/>
-            </p:nvSpPr>
-            <p:spPr>
-              <a:xfrm>
-                <a:off x="346330" y="2838200"/>
-                <a:ext cx="833946" cy="53861"/>
-              </a:xfrm>
-              <a:prstGeom prst="rect">
-                <a:avLst/>
-              </a:prstGeom>
-              <a:blipFill>
-                <a:blip r:embed="rId16"/>
-                <a:stretch>
-                  <a:fillRect l="-2190" b="-25000"/>
-                </a:stretch>
-              </a:blipFill>
-            </p:spPr>
-            <p:txBody>
-              <a:bodyPr/>
-              <a:lstStyle/>
-              <a:p>
-                <a:r>
-                  <a:rPr lang="ja-JP" altLang="en-US">
-                    <a:noFill/>
-                  </a:rPr>
-                  <a:t> </a:t>
-                </a:r>
-              </a:p>
-            </p:txBody>
-          </p:sp>
-        </mc:Fallback>
-      </mc:AlternateContent>
-      <mc:AlternateContent xmlns:mc="http://schemas.openxmlformats.org/markup-compatibility/2006">
-        <mc:Choice xmlns:a14="http://schemas.microsoft.com/office/drawing/2010/main" Requires="a14">
-          <p:sp>
-            <p:nvSpPr>
               <p:cNvPr id="40" name="テキスト ボックス 39">
                 <a:extLst>
                   <a:ext uri="{FF2B5EF4-FFF2-40B4-BE49-F238E27FC236}">
@@ -16129,7 +13619,7 @@
             </p:nvSpPr>
             <p:spPr>
               <a:xfrm>
-                <a:off x="284163" y="4200662"/>
+                <a:off x="5186791" y="2455429"/>
                 <a:ext cx="1074737" cy="195310"/>
               </a:xfrm>
               <a:prstGeom prst="rect">
@@ -16381,14 +13871,14 @@
             </p:nvSpPr>
             <p:spPr>
               <a:xfrm>
-                <a:off x="284163" y="4200662"/>
+                <a:off x="5186791" y="2455429"/>
                 <a:ext cx="1074737" cy="195310"/>
               </a:xfrm>
               <a:prstGeom prst="rect">
                 <a:avLst/>
               </a:prstGeom>
               <a:blipFill>
-                <a:blip r:embed="rId17"/>
+                <a:blip r:embed="rId16"/>
                 <a:stretch>
                   <a:fillRect t="-100000" b="-153125"/>
                 </a:stretch>
@@ -16409,8 +13899,8 @@
           </p:sp>
         </mc:Fallback>
       </mc:AlternateContent>
-      <mc:AlternateContent xmlns:mc="http://schemas.openxmlformats.org/markup-compatibility/2006">
-        <mc:Choice xmlns:a14="http://schemas.microsoft.com/office/drawing/2010/main" Requires="a14">
+      <mc:AlternateContent xmlns:mc="http://schemas.openxmlformats.org/markup-compatibility/2006" xmlns:a14="http://schemas.microsoft.com/office/drawing/2010/main">
+        <mc:Choice Requires="a14">
           <p:sp>
             <p:nvSpPr>
               <p:cNvPr id="42" name="テキスト ボックス 41">
@@ -16620,7 +14110,7 @@
             </p:txBody>
           </p:sp>
         </mc:Choice>
-        <mc:Fallback>
+        <mc:Fallback xmlns="">
           <p:sp>
             <p:nvSpPr>
               <p:cNvPr id="42" name="テキスト ボックス 41">
@@ -16665,8 +14155,8 @@
           </p:sp>
         </mc:Fallback>
       </mc:AlternateContent>
-      <mc:AlternateContent xmlns:mc="http://schemas.openxmlformats.org/markup-compatibility/2006">
-        <mc:Choice xmlns:a14="http://schemas.microsoft.com/office/drawing/2010/main" Requires="a14">
+      <mc:AlternateContent xmlns:mc="http://schemas.openxmlformats.org/markup-compatibility/2006" xmlns:a14="http://schemas.microsoft.com/office/drawing/2010/main">
+        <mc:Choice Requires="a14">
           <p:sp>
             <p:nvSpPr>
               <p:cNvPr id="43" name="テキスト ボックス 42">
@@ -16695,7 +14185,6 @@
               </a:bodyPr>
               <a:lstStyle/>
               <a:p>
-                <a:pPr/>
                 <a14:m>
                   <m:oMath xmlns:m="http://schemas.openxmlformats.org/officeDocument/2006/math">
                     <m:r>
@@ -18056,7 +15545,6 @@
                 </a:endParaRPr>
               </a:p>
               <a:p>
-                <a:pPr/>
                 <a:endParaRPr kumimoji="1" lang="ja-JP" altLang="en-US" sz="350" b="1" i="1" dirty="0">
                   <a:solidFill>
                     <a:schemeClr val="tx1"/>
@@ -18066,7 +15554,7 @@
             </p:txBody>
           </p:sp>
         </mc:Choice>
-        <mc:Fallback>
+        <mc:Fallback xmlns="">
           <p:sp>
             <p:nvSpPr>
               <p:cNvPr id="43" name="テキスト ボックス 42">
@@ -18093,6 +15581,3609 @@
                 <a:blip r:embed="rId19"/>
                 <a:stretch>
                   <a:fillRect l="-888" t="-65000" b="-117500"/>
+                </a:stretch>
+              </a:blipFill>
+            </p:spPr>
+            <p:txBody>
+              <a:bodyPr/>
+              <a:lstStyle/>
+              <a:p>
+                <a:r>
+                  <a:rPr lang="ja-JP" altLang="en-US">
+                    <a:noFill/>
+                  </a:rPr>
+                  <a:t> </a:t>
+                </a:r>
+              </a:p>
+            </p:txBody>
+          </p:sp>
+        </mc:Fallback>
+      </mc:AlternateContent>
+      <mc:AlternateContent xmlns:mc="http://schemas.openxmlformats.org/markup-compatibility/2006">
+        <mc:Choice xmlns:a14="http://schemas.microsoft.com/office/drawing/2010/main" Requires="a14">
+          <p:sp>
+            <p:nvSpPr>
+              <p:cNvPr id="3" name="正方形/長方形 2">
+                <a:extLst>
+                  <a:ext uri="{FF2B5EF4-FFF2-40B4-BE49-F238E27FC236}">
+                    <a16:creationId xmlns:a16="http://schemas.microsoft.com/office/drawing/2014/main" id="{227B95E7-4A7D-B372-53EE-8DA643E9B6E5}"/>
+                  </a:ext>
+                </a:extLst>
+              </p:cNvPr>
+              <p:cNvSpPr/>
+              <p:nvPr/>
+            </p:nvSpPr>
+            <p:spPr>
+              <a:xfrm>
+                <a:off x="346330" y="1340097"/>
+                <a:ext cx="2327240" cy="153888"/>
+              </a:xfrm>
+              <a:prstGeom prst="rect">
+                <a:avLst/>
+              </a:prstGeom>
+            </p:spPr>
+            <p:txBody>
+              <a:bodyPr wrap="none" lIns="0" tIns="0" rIns="0" bIns="0">
+                <a:spAutoFit/>
+              </a:bodyPr>
+              <a:lstStyle/>
+              <a:p>
+                <a:pPr/>
+                <a14:m>
+                  <m:oMathPara xmlns:m="http://schemas.openxmlformats.org/officeDocument/2006/math">
+                    <m:oMathParaPr>
+                      <m:jc m:val="left"/>
+                    </m:oMathParaPr>
+                    <m:oMath xmlns:m="http://schemas.openxmlformats.org/officeDocument/2006/math">
+                      <m:func>
+                        <m:funcPr>
+                          <m:ctrlPr>
+                            <a:rPr lang="en-US" altLang="ja-JP" sz="1000" i="1" smtClean="0">
+                              <a:solidFill>
+                                <a:srgbClr val="8000FF"/>
+                              </a:solidFill>
+                              <a:latin typeface="Cambria Math" panose="02040503050406030204" pitchFamily="18" charset="0"/>
+                            </a:rPr>
+                          </m:ctrlPr>
+                        </m:funcPr>
+                        <m:fName>
+                          <m:r>
+                            <m:rPr>
+                              <m:sty m:val="p"/>
+                            </m:rPr>
+                            <a:rPr lang="en-US" altLang="ja-JP" sz="1000" b="0" i="0" smtClean="0">
+                              <a:solidFill>
+                                <a:srgbClr val="8000FF"/>
+                              </a:solidFill>
+                              <a:latin typeface="Cambria Math" panose="02040503050406030204" pitchFamily="18" charset="0"/>
+                            </a:rPr>
+                            <m:t>cos</m:t>
+                          </m:r>
+                        </m:fName>
+                        <m:e>
+                          <m:d>
+                            <m:dPr>
+                              <m:begChr m:val="["/>
+                              <m:endChr m:val="]"/>
+                              <m:ctrlPr>
+                                <a:rPr lang="en-US" altLang="ja-JP" sz="1000" i="1">
+                                  <a:solidFill>
+                                    <a:srgbClr val="8000FF"/>
+                                  </a:solidFill>
+                                  <a:latin typeface="Cambria Math" panose="02040503050406030204" pitchFamily="18" charset="0"/>
+                                </a:rPr>
+                              </m:ctrlPr>
+                            </m:dPr>
+                            <m:e>
+                              <m:r>
+                                <a:rPr lang="en-US" altLang="ja-JP" sz="1000" b="0" i="1" smtClean="0">
+                                  <a:solidFill>
+                                    <a:srgbClr val="8000FF"/>
+                                  </a:solidFill>
+                                  <a:latin typeface="Cambria Math" panose="02040503050406030204" pitchFamily="18" charset="0"/>
+                                </a:rPr>
+                                <m:t>𝑊</m:t>
+                              </m:r>
+                              <m:d>
+                                <m:dPr>
+                                  <m:ctrlPr>
+                                    <a:rPr lang="en-US" altLang="ja-JP" sz="1000" i="1">
+                                      <a:solidFill>
+                                        <a:srgbClr val="8000FF"/>
+                                      </a:solidFill>
+                                      <a:latin typeface="Cambria Math" panose="02040503050406030204" pitchFamily="18" charset="0"/>
+                                    </a:rPr>
+                                  </m:ctrlPr>
+                                </m:dPr>
+                                <m:e>
+                                  <m:r>
+                                    <a:rPr lang="en-US" altLang="ja-JP" sz="1000" b="1" i="1">
+                                      <a:solidFill>
+                                        <a:srgbClr val="8000FF"/>
+                                      </a:solidFill>
+                                      <a:latin typeface="Cambria Math" panose="02040503050406030204" pitchFamily="18" charset="0"/>
+                                    </a:rPr>
+                                    <m:t>𝒖</m:t>
+                                  </m:r>
+                                </m:e>
+                              </m:d>
+                            </m:e>
+                          </m:d>
+                        </m:e>
+                      </m:func>
+                      <m:r>
+                        <a:rPr lang="en-US" altLang="ja-JP" sz="1000" i="1" smtClean="0">
+                          <a:solidFill>
+                            <a:schemeClr val="tx1"/>
+                          </a:solidFill>
+                          <a:latin typeface="Cambria Math" panose="02040503050406030204" pitchFamily="18" charset="0"/>
+                        </a:rPr>
+                        <m:t>=</m:t>
+                      </m:r>
+                      <m:func>
+                        <m:funcPr>
+                          <m:ctrlPr>
+                            <a:rPr lang="en-US" altLang="ja-JP" sz="1000" i="1">
+                              <a:solidFill>
+                                <a:schemeClr val="tx1"/>
+                              </a:solidFill>
+                              <a:latin typeface="Cambria Math" panose="02040503050406030204" pitchFamily="18" charset="0"/>
+                            </a:rPr>
+                          </m:ctrlPr>
+                        </m:funcPr>
+                        <m:fName>
+                          <m:r>
+                            <m:rPr>
+                              <m:sty m:val="p"/>
+                            </m:rPr>
+                            <a:rPr lang="en-US" altLang="ja-JP" sz="1000" b="0" i="0" smtClean="0">
+                              <a:solidFill>
+                                <a:schemeClr val="tx1"/>
+                              </a:solidFill>
+                              <a:latin typeface="Cambria Math" panose="02040503050406030204" pitchFamily="18" charset="0"/>
+                            </a:rPr>
+                            <m:t>cos</m:t>
+                          </m:r>
+                        </m:fName>
+                        <m:e>
+                          <m:d>
+                            <m:dPr>
+                              <m:begChr m:val="["/>
+                              <m:endChr m:val="]"/>
+                              <m:ctrlPr>
+                                <a:rPr lang="en-US" altLang="ja-JP" sz="1000" i="1">
+                                  <a:solidFill>
+                                    <a:schemeClr val="tx1"/>
+                                  </a:solidFill>
+                                  <a:latin typeface="Cambria Math" panose="02040503050406030204" pitchFamily="18" charset="0"/>
+                                </a:rPr>
+                              </m:ctrlPr>
+                            </m:dPr>
+                            <m:e>
+                              <m:r>
+                                <a:rPr lang="el-GR" altLang="ja-JP" sz="1000" i="1">
+                                  <a:solidFill>
+                                    <a:schemeClr val="tx1"/>
+                                  </a:solidFill>
+                                  <a:latin typeface="Cambria Math" panose="02040503050406030204" pitchFamily="18" charset="0"/>
+                                  <a:ea typeface="Cambria Math" panose="02040503050406030204" pitchFamily="18" charset="0"/>
+                                </a:rPr>
+                                <m:t>𝜋</m:t>
+                              </m:r>
+                              <m:r>
+                                <a:rPr lang="en-US" altLang="ja-JP" sz="1000" i="1">
+                                  <a:solidFill>
+                                    <a:schemeClr val="tx1"/>
+                                  </a:solidFill>
+                                  <a:latin typeface="Cambria Math" panose="02040503050406030204" pitchFamily="18" charset="0"/>
+                                  <a:ea typeface="Cambria Math" panose="02040503050406030204" pitchFamily="18" charset="0"/>
+                                </a:rPr>
+                                <m:t> </m:t>
+                              </m:r>
+                              <m:r>
+                                <a:rPr lang="ja-JP" altLang="el-GR" sz="1000" i="1">
+                                  <a:solidFill>
+                                    <a:schemeClr val="tx1"/>
+                                  </a:solidFill>
+                                  <a:latin typeface="Cambria Math" panose="02040503050406030204" pitchFamily="18" charset="0"/>
+                                  <a:ea typeface="Cambria Math" panose="02040503050406030204" pitchFamily="18" charset="0"/>
+                                </a:rPr>
+                                <m:t>𝜆</m:t>
+                              </m:r>
+                              <m:r>
+                                <a:rPr lang="en-US" altLang="ja-JP" sz="1000" i="1">
+                                  <a:solidFill>
+                                    <a:schemeClr val="tx1"/>
+                                  </a:solidFill>
+                                  <a:latin typeface="Cambria Math" panose="02040503050406030204" pitchFamily="18" charset="0"/>
+                                  <a:ea typeface="Cambria Math" panose="02040503050406030204" pitchFamily="18" charset="0"/>
+                                </a:rPr>
+                                <m:t> </m:t>
+                              </m:r>
+                              <m:sSup>
+                                <m:sSupPr>
+                                  <m:ctrlPr>
+                                    <a:rPr lang="en-US" altLang="ja-JP" sz="1000" i="1">
+                                      <a:solidFill>
+                                        <a:schemeClr val="tx1"/>
+                                      </a:solidFill>
+                                      <a:latin typeface="Cambria Math" panose="02040503050406030204" pitchFamily="18" charset="0"/>
+                                      <a:ea typeface="Cambria Math" panose="02040503050406030204" pitchFamily="18" charset="0"/>
+                                    </a:rPr>
+                                  </m:ctrlPr>
+                                </m:sSupPr>
+                                <m:e>
+                                  <m:r>
+                                    <a:rPr lang="en-US" altLang="ja-JP" sz="1000" b="1" i="1">
+                                      <a:solidFill>
+                                        <a:schemeClr val="tx1"/>
+                                      </a:solidFill>
+                                      <a:latin typeface="Cambria Math" panose="02040503050406030204" pitchFamily="18" charset="0"/>
+                                      <a:ea typeface="Cambria Math" panose="02040503050406030204" pitchFamily="18" charset="0"/>
+                                    </a:rPr>
+                                    <m:t>𝒖</m:t>
+                                  </m:r>
+                                </m:e>
+                                <m:sup>
+                                  <m:r>
+                                    <a:rPr lang="en-US" altLang="ja-JP" sz="1000" i="1">
+                                      <a:solidFill>
+                                        <a:schemeClr val="tx1"/>
+                                      </a:solidFill>
+                                      <a:latin typeface="Cambria Math" panose="02040503050406030204" pitchFamily="18" charset="0"/>
+                                      <a:ea typeface="Cambria Math" panose="02040503050406030204" pitchFamily="18" charset="0"/>
+                                    </a:rPr>
+                                    <m:t>2</m:t>
+                                  </m:r>
+                                </m:sup>
+                              </m:sSup>
+                              <m:d>
+                                <m:dPr>
+                                  <m:ctrlPr>
+                                    <a:rPr lang="en-US" altLang="ja-JP" sz="1000" i="1">
+                                      <a:solidFill>
+                                        <a:schemeClr val="tx1"/>
+                                      </a:solidFill>
+                                      <a:latin typeface="Cambria Math" panose="02040503050406030204" pitchFamily="18" charset="0"/>
+                                      <a:ea typeface="Cambria Math" panose="02040503050406030204" pitchFamily="18" charset="0"/>
+                                    </a:rPr>
+                                  </m:ctrlPr>
+                                </m:dPr>
+                                <m:e>
+                                  <m:r>
+                                    <m:rPr>
+                                      <m:sty m:val="p"/>
+                                    </m:rPr>
+                                    <a:rPr lang="el-GR" altLang="ja-JP" sz="1000" i="1">
+                                      <a:solidFill>
+                                        <a:schemeClr val="tx1"/>
+                                      </a:solidFill>
+                                      <a:latin typeface="Cambria Math" panose="02040503050406030204" pitchFamily="18" charset="0"/>
+                                      <a:ea typeface="Cambria Math" panose="02040503050406030204" pitchFamily="18" charset="0"/>
+                                    </a:rPr>
+                                    <m:t>Δ</m:t>
+                                  </m:r>
+                                  <m:r>
+                                    <a:rPr lang="en-US" altLang="ja-JP" sz="1000" i="1">
+                                      <a:solidFill>
+                                        <a:schemeClr val="tx1"/>
+                                      </a:solidFill>
+                                      <a:latin typeface="Cambria Math" panose="02040503050406030204" pitchFamily="18" charset="0"/>
+                                      <a:ea typeface="Cambria Math" panose="02040503050406030204" pitchFamily="18" charset="0"/>
+                                    </a:rPr>
+                                    <m:t>𝑓</m:t>
+                                  </m:r>
+                                  <m:r>
+                                    <a:rPr lang="en-US" altLang="ja-JP" sz="1000" i="1">
+                                      <a:solidFill>
+                                        <a:schemeClr val="tx1"/>
+                                      </a:solidFill>
+                                      <a:latin typeface="Cambria Math" panose="02040503050406030204" pitchFamily="18" charset="0"/>
+                                      <a:ea typeface="Cambria Math" panose="02040503050406030204" pitchFamily="18" charset="0"/>
+                                    </a:rPr>
+                                    <m:t>+</m:t>
+                                  </m:r>
+                                  <m:sSub>
+                                    <m:sSubPr>
+                                      <m:ctrlPr>
+                                        <a:rPr lang="en-US" altLang="ja-JP" sz="1000" i="1">
+                                          <a:solidFill>
+                                            <a:schemeClr val="tx1"/>
+                                          </a:solidFill>
+                                          <a:latin typeface="Cambria Math" panose="02040503050406030204" pitchFamily="18" charset="0"/>
+                                          <a:ea typeface="Cambria Math" panose="02040503050406030204" pitchFamily="18" charset="0"/>
+                                        </a:rPr>
+                                      </m:ctrlPr>
+                                    </m:sSubPr>
+                                    <m:e>
+                                      <m:r>
+                                        <a:rPr lang="en-US" altLang="ja-JP" sz="1000" i="1">
+                                          <a:solidFill>
+                                            <a:schemeClr val="tx1"/>
+                                          </a:solidFill>
+                                          <a:latin typeface="Cambria Math" panose="02040503050406030204" pitchFamily="18" charset="0"/>
+                                          <a:ea typeface="Cambria Math" panose="02040503050406030204" pitchFamily="18" charset="0"/>
+                                        </a:rPr>
+                                        <m:t>𝐶</m:t>
+                                      </m:r>
+                                    </m:e>
+                                    <m:sub>
+                                      <m:r>
+                                        <m:rPr>
+                                          <m:sty m:val="p"/>
+                                        </m:rPr>
+                                        <a:rPr lang="en-US" altLang="ja-JP" sz="1000">
+                                          <a:solidFill>
+                                            <a:schemeClr val="tx1"/>
+                                          </a:solidFill>
+                                          <a:latin typeface="Cambria Math" panose="02040503050406030204" pitchFamily="18" charset="0"/>
+                                          <a:ea typeface="Cambria Math" panose="02040503050406030204" pitchFamily="18" charset="0"/>
+                                        </a:rPr>
+                                        <m:t>s</m:t>
+                                      </m:r>
+                                    </m:sub>
+                                  </m:sSub>
+                                  <m:sSup>
+                                    <m:sSupPr>
+                                      <m:ctrlPr>
+                                        <a:rPr lang="en-US" altLang="ja-JP" sz="1000" i="1">
+                                          <a:solidFill>
+                                            <a:schemeClr val="tx1"/>
+                                          </a:solidFill>
+                                          <a:latin typeface="Cambria Math" panose="02040503050406030204" pitchFamily="18" charset="0"/>
+                                          <a:ea typeface="Cambria Math" panose="02040503050406030204" pitchFamily="18" charset="0"/>
+                                        </a:rPr>
+                                      </m:ctrlPr>
+                                    </m:sSupPr>
+                                    <m:e>
+                                      <m:r>
+                                        <a:rPr lang="en-US" altLang="ja-JP" sz="1000" b="1" i="1">
+                                          <a:solidFill>
+                                            <a:schemeClr val="tx1"/>
+                                          </a:solidFill>
+                                          <a:latin typeface="Cambria Math" panose="02040503050406030204" pitchFamily="18" charset="0"/>
+                                          <a:ea typeface="Cambria Math" panose="02040503050406030204" pitchFamily="18" charset="0"/>
+                                        </a:rPr>
+                                        <m:t>𝒖</m:t>
+                                      </m:r>
+                                    </m:e>
+                                    <m:sup>
+                                      <m:r>
+                                        <a:rPr lang="en-US" altLang="ja-JP" sz="1000" i="1">
+                                          <a:solidFill>
+                                            <a:schemeClr val="tx1"/>
+                                          </a:solidFill>
+                                          <a:latin typeface="Cambria Math" panose="02040503050406030204" pitchFamily="18" charset="0"/>
+                                          <a:ea typeface="Cambria Math" panose="02040503050406030204" pitchFamily="18" charset="0"/>
+                                        </a:rPr>
+                                        <m:t>2</m:t>
+                                      </m:r>
+                                    </m:sup>
+                                  </m:sSup>
+                                  <m:sSup>
+                                    <m:sSupPr>
+                                      <m:ctrlPr>
+                                        <a:rPr lang="en-US" altLang="ja-JP" sz="1000" i="1">
+                                          <a:solidFill>
+                                            <a:schemeClr val="tx1"/>
+                                          </a:solidFill>
+                                          <a:latin typeface="Cambria Math" panose="02040503050406030204" pitchFamily="18" charset="0"/>
+                                          <a:ea typeface="Cambria Math" panose="02040503050406030204" pitchFamily="18" charset="0"/>
+                                        </a:rPr>
+                                      </m:ctrlPr>
+                                    </m:sSupPr>
+                                    <m:e>
+                                      <m:r>
+                                        <a:rPr lang="ja-JP" altLang="en-US" sz="1000" i="1">
+                                          <a:solidFill>
+                                            <a:schemeClr val="tx1"/>
+                                          </a:solidFill>
+                                          <a:latin typeface="Cambria Math" panose="02040503050406030204" pitchFamily="18" charset="0"/>
+                                          <a:ea typeface="Cambria Math" panose="02040503050406030204" pitchFamily="18" charset="0"/>
+                                        </a:rPr>
+                                        <m:t>𝜆</m:t>
+                                      </m:r>
+                                    </m:e>
+                                    <m:sup>
+                                      <m:r>
+                                        <a:rPr lang="en-US" altLang="ja-JP" sz="1000" i="1">
+                                          <a:solidFill>
+                                            <a:schemeClr val="tx1"/>
+                                          </a:solidFill>
+                                          <a:latin typeface="Cambria Math" panose="02040503050406030204" pitchFamily="18" charset="0"/>
+                                          <a:ea typeface="Cambria Math" panose="02040503050406030204" pitchFamily="18" charset="0"/>
+                                        </a:rPr>
+                                        <m:t>2</m:t>
+                                      </m:r>
+                                    </m:sup>
+                                  </m:sSup>
+                                </m:e>
+                              </m:d>
+                              <m:r>
+                                <a:rPr lang="en-US" altLang="ja-JP" sz="1000" i="1">
+                                  <a:solidFill>
+                                    <a:schemeClr val="tx1"/>
+                                  </a:solidFill>
+                                  <a:latin typeface="Cambria Math" panose="02040503050406030204" pitchFamily="18" charset="0"/>
+                                  <a:ea typeface="Cambria Math" panose="02040503050406030204" pitchFamily="18" charset="0"/>
+                                </a:rPr>
+                                <m:t>/2</m:t>
+                              </m:r>
+                            </m:e>
+                          </m:d>
+                        </m:e>
+                      </m:func>
+                    </m:oMath>
+                  </m:oMathPara>
+                </a14:m>
+                <a:endParaRPr lang="ja-JP" altLang="en-US" sz="1000" i="1" dirty="0">
+                  <a:solidFill>
+                    <a:srgbClr val="800080"/>
+                  </a:solidFill>
+                </a:endParaRPr>
+              </a:p>
+            </p:txBody>
+          </p:sp>
+        </mc:Choice>
+        <mc:Fallback>
+          <p:sp>
+            <p:nvSpPr>
+              <p:cNvPr id="3" name="正方形/長方形 2">
+                <a:extLst>
+                  <a:ext uri="{FF2B5EF4-FFF2-40B4-BE49-F238E27FC236}">
+                    <a16:creationId xmlns:a16="http://schemas.microsoft.com/office/drawing/2014/main" id="{227B95E7-4A7D-B372-53EE-8DA643E9B6E5}"/>
+                  </a:ext>
+                </a:extLst>
+              </p:cNvPr>
+              <p:cNvSpPr>
+                <a:spLocks noRot="1" noChangeAspect="1" noMove="1" noResize="1" noEditPoints="1" noAdjustHandles="1" noChangeArrowheads="1" noChangeShapeType="1" noTextEdit="1"/>
+              </p:cNvSpPr>
+              <p:nvPr/>
+            </p:nvSpPr>
+            <p:spPr>
+              <a:xfrm>
+                <a:off x="346330" y="1340097"/>
+                <a:ext cx="2327240" cy="153888"/>
+              </a:xfrm>
+              <a:prstGeom prst="rect">
+                <a:avLst/>
+              </a:prstGeom>
+              <a:blipFill>
+                <a:blip r:embed="rId20"/>
+                <a:stretch>
+                  <a:fillRect l="-1571" b="-36000"/>
+                </a:stretch>
+              </a:blipFill>
+            </p:spPr>
+            <p:txBody>
+              <a:bodyPr/>
+              <a:lstStyle/>
+              <a:p>
+                <a:r>
+                  <a:rPr lang="ja-JP" altLang="en-US">
+                    <a:noFill/>
+                  </a:rPr>
+                  <a:t> </a:t>
+                </a:r>
+              </a:p>
+            </p:txBody>
+          </p:sp>
+        </mc:Fallback>
+      </mc:AlternateContent>
+      <p:sp>
+        <p:nvSpPr>
+          <p:cNvPr id="14" name="テキスト ボックス 13">
+            <a:extLst>
+              <a:ext uri="{FF2B5EF4-FFF2-40B4-BE49-F238E27FC236}">
+                <a16:creationId xmlns:a16="http://schemas.microsoft.com/office/drawing/2014/main" id="{3D6CF520-F95D-5B42-18E3-DB4FF0A8C5F0}"/>
+              </a:ext>
+            </a:extLst>
+          </p:cNvPr>
+          <p:cNvSpPr txBox="1"/>
+          <p:nvPr/>
+        </p:nvSpPr>
+        <p:spPr>
+          <a:xfrm>
+            <a:off x="222050" y="1203407"/>
+            <a:ext cx="992259" cy="153888"/>
+          </a:xfrm>
+          <a:prstGeom prst="rect">
+            <a:avLst/>
+          </a:prstGeom>
+          <a:noFill/>
+        </p:spPr>
+        <p:txBody>
+          <a:bodyPr wrap="none" lIns="0" tIns="0" rIns="0" bIns="0" rtlCol="0">
+            <a:spAutoFit/>
+          </a:bodyPr>
+          <a:lstStyle/>
+          <a:p>
+            <a:r>
+              <a:rPr lang="en-US" altLang="ja-JP" sz="1000" dirty="0"/>
+              <a:t>EquationCosW.png</a:t>
+            </a:r>
+            <a:endParaRPr lang="ja-JP" altLang="en-US" sz="1000" dirty="0"/>
+          </a:p>
+        </p:txBody>
+      </p:sp>
+      <mc:AlternateContent xmlns:mc="http://schemas.openxmlformats.org/markup-compatibility/2006">
+        <mc:Choice xmlns:a14="http://schemas.microsoft.com/office/drawing/2010/main" Requires="a14">
+          <p:sp>
+            <p:nvSpPr>
+              <p:cNvPr id="19" name="正方形/長方形 18">
+                <a:extLst>
+                  <a:ext uri="{FF2B5EF4-FFF2-40B4-BE49-F238E27FC236}">
+                    <a16:creationId xmlns:a16="http://schemas.microsoft.com/office/drawing/2014/main" id="{B4FD6AFE-1F6E-9D37-C11F-B178854A8205}"/>
+                  </a:ext>
+                </a:extLst>
+              </p:cNvPr>
+              <p:cNvSpPr/>
+              <p:nvPr/>
+            </p:nvSpPr>
+            <p:spPr>
+              <a:xfrm>
+                <a:off x="346330" y="3558084"/>
+                <a:ext cx="2617833" cy="153888"/>
+              </a:xfrm>
+              <a:prstGeom prst="rect">
+                <a:avLst/>
+              </a:prstGeom>
+            </p:spPr>
+            <p:txBody>
+              <a:bodyPr wrap="none" lIns="0" tIns="0" rIns="0" bIns="0">
+                <a:spAutoFit/>
+              </a:bodyPr>
+              <a:lstStyle/>
+              <a:p>
+                <a:pPr/>
+                <a14:m>
+                  <m:oMathPara xmlns:m="http://schemas.openxmlformats.org/officeDocument/2006/math">
+                    <m:oMathParaPr>
+                      <m:jc m:val="left"/>
+                    </m:oMathParaPr>
+                    <m:oMath xmlns:m="http://schemas.openxmlformats.org/officeDocument/2006/math">
+                      <m:r>
+                        <m:rPr>
+                          <m:sty m:val="p"/>
+                        </m:rPr>
+                        <a:rPr lang="en-US" altLang="ja-JP" sz="1000" b="0" i="0" smtClean="0">
+                          <a:solidFill>
+                            <a:srgbClr val="400040"/>
+                          </a:solidFill>
+                          <a:latin typeface="Cambria Math" panose="02040503050406030204" pitchFamily="18" charset="0"/>
+                        </a:rPr>
+                        <m:t>ACTF</m:t>
+                      </m:r>
+                      <m:d>
+                        <m:dPr>
+                          <m:ctrlPr>
+                            <a:rPr lang="en-US" altLang="ja-JP" sz="1000" b="0" i="1" smtClean="0">
+                              <a:solidFill>
+                                <a:srgbClr val="400040"/>
+                              </a:solidFill>
+                              <a:latin typeface="Cambria Math" panose="02040503050406030204" pitchFamily="18" charset="0"/>
+                            </a:rPr>
+                          </m:ctrlPr>
+                        </m:dPr>
+                        <m:e>
+                          <m:r>
+                            <a:rPr lang="en-US" altLang="ja-JP" sz="1000" b="1" i="1" smtClean="0">
+                              <a:solidFill>
+                                <a:srgbClr val="400040"/>
+                              </a:solidFill>
+                              <a:latin typeface="Cambria Math" panose="02040503050406030204" pitchFamily="18" charset="0"/>
+                            </a:rPr>
+                            <m:t>𝒖</m:t>
+                          </m:r>
+                        </m:e>
+                      </m:d>
+                      <m:r>
+                        <a:rPr lang="en-US" altLang="ja-JP" sz="1000" b="0" i="1" smtClean="0">
+                          <a:solidFill>
+                            <a:schemeClr val="tx1"/>
+                          </a:solidFill>
+                          <a:latin typeface="Cambria Math" panose="02040503050406030204" pitchFamily="18" charset="0"/>
+                        </a:rPr>
+                        <m:t>=</m:t>
+                      </m:r>
+                      <m:r>
+                        <a:rPr lang="en-US" altLang="ja-JP" sz="1000" i="1">
+                          <a:latin typeface="Cambria Math" panose="02040503050406030204" pitchFamily="18" charset="0"/>
+                        </a:rPr>
+                        <m:t>𝐴</m:t>
+                      </m:r>
+                      <m:d>
+                        <m:dPr>
+                          <m:ctrlPr>
+                            <a:rPr lang="en-US" altLang="ja-JP" sz="1000" i="1">
+                              <a:latin typeface="Cambria Math" panose="02040503050406030204" pitchFamily="18" charset="0"/>
+                            </a:rPr>
+                          </m:ctrlPr>
+                        </m:dPr>
+                        <m:e>
+                          <m:r>
+                            <a:rPr lang="en-US" altLang="ja-JP" sz="1000" b="1" i="1">
+                              <a:latin typeface="Cambria Math" panose="02040503050406030204" pitchFamily="18" charset="0"/>
+                            </a:rPr>
+                            <m:t>𝒖</m:t>
+                          </m:r>
+                        </m:e>
+                      </m:d>
+                      <m:r>
+                        <a:rPr lang="en-US" altLang="ja-JP" sz="1000" b="1" i="1">
+                          <a:latin typeface="Cambria Math" panose="02040503050406030204" pitchFamily="18" charset="0"/>
+                          <a:ea typeface="Cambria Math" panose="02040503050406030204" pitchFamily="18" charset="0"/>
+                        </a:rPr>
+                        <m:t>×</m:t>
+                      </m:r>
+                      <m:func>
+                        <m:funcPr>
+                          <m:ctrlPr>
+                            <a:rPr lang="en-US" altLang="ja-JP" sz="1000" i="1">
+                              <a:solidFill>
+                                <a:srgbClr val="8000FF"/>
+                              </a:solidFill>
+                              <a:latin typeface="Cambria Math" panose="02040503050406030204" pitchFamily="18" charset="0"/>
+                            </a:rPr>
+                          </m:ctrlPr>
+                        </m:funcPr>
+                        <m:fName>
+                          <m:r>
+                            <m:rPr>
+                              <m:sty m:val="p"/>
+                            </m:rPr>
+                            <a:rPr lang="en-US" altLang="ja-JP" sz="1000">
+                              <a:solidFill>
+                                <a:srgbClr val="8000FF"/>
+                              </a:solidFill>
+                              <a:latin typeface="Cambria Math" panose="02040503050406030204" pitchFamily="18" charset="0"/>
+                            </a:rPr>
+                            <m:t>cos</m:t>
+                          </m:r>
+                        </m:fName>
+                        <m:e>
+                          <m:d>
+                            <m:dPr>
+                              <m:begChr m:val="["/>
+                              <m:endChr m:val="]"/>
+                              <m:ctrlPr>
+                                <a:rPr lang="en-US" altLang="ja-JP" sz="1000" i="1">
+                                  <a:solidFill>
+                                    <a:srgbClr val="8000FF"/>
+                                  </a:solidFill>
+                                  <a:latin typeface="Cambria Math" panose="02040503050406030204" pitchFamily="18" charset="0"/>
+                                </a:rPr>
+                              </m:ctrlPr>
+                            </m:dPr>
+                            <m:e>
+                              <m:r>
+                                <a:rPr lang="en-US" altLang="ja-JP" sz="1000" i="1">
+                                  <a:solidFill>
+                                    <a:srgbClr val="8000FF"/>
+                                  </a:solidFill>
+                                  <a:latin typeface="Cambria Math" panose="02040503050406030204" pitchFamily="18" charset="0"/>
+                                </a:rPr>
+                                <m:t>𝑊</m:t>
+                              </m:r>
+                              <m:d>
+                                <m:dPr>
+                                  <m:ctrlPr>
+                                    <a:rPr lang="en-US" altLang="ja-JP" sz="1000" i="1">
+                                      <a:solidFill>
+                                        <a:srgbClr val="8000FF"/>
+                                      </a:solidFill>
+                                      <a:latin typeface="Cambria Math" panose="02040503050406030204" pitchFamily="18" charset="0"/>
+                                    </a:rPr>
+                                  </m:ctrlPr>
+                                </m:dPr>
+                                <m:e>
+                                  <m:r>
+                                    <a:rPr lang="en-US" altLang="ja-JP" sz="1000" b="1" i="1">
+                                      <a:solidFill>
+                                        <a:srgbClr val="8000FF"/>
+                                      </a:solidFill>
+                                      <a:latin typeface="Cambria Math" panose="02040503050406030204" pitchFamily="18" charset="0"/>
+                                    </a:rPr>
+                                    <m:t>𝒖</m:t>
+                                  </m:r>
+                                </m:e>
+                              </m:d>
+                            </m:e>
+                          </m:d>
+                        </m:e>
+                      </m:func>
+                      <m:r>
+                        <a:rPr lang="en-US" altLang="ja-JP" sz="1000" b="1" i="1" smtClean="0">
+                          <a:solidFill>
+                            <a:schemeClr val="tx1"/>
+                          </a:solidFill>
+                          <a:latin typeface="Cambria Math" panose="02040503050406030204" pitchFamily="18" charset="0"/>
+                          <a:ea typeface="Cambria Math" panose="02040503050406030204" pitchFamily="18" charset="0"/>
+                        </a:rPr>
+                        <m:t>×</m:t>
+                      </m:r>
+                      <m:sSub>
+                        <m:sSubPr>
+                          <m:ctrlPr>
+                            <a:rPr lang="en-US" altLang="ja-JP" sz="1000" i="1">
+                              <a:solidFill>
+                                <a:srgbClr val="007D00"/>
+                              </a:solidFill>
+                              <a:latin typeface="Cambria Math" panose="02040503050406030204" pitchFamily="18" charset="0"/>
+                            </a:rPr>
+                          </m:ctrlPr>
+                        </m:sSubPr>
+                        <m:e>
+                          <m:r>
+                            <a:rPr lang="en-US" altLang="ja-JP" sz="1000" i="1">
+                              <a:solidFill>
+                                <a:srgbClr val="007D00"/>
+                              </a:solidFill>
+                              <a:latin typeface="Cambria Math" panose="02040503050406030204" pitchFamily="18" charset="0"/>
+                            </a:rPr>
+                            <m:t>𝐸</m:t>
+                          </m:r>
+                        </m:e>
+                        <m:sub>
+                          <m:r>
+                            <a:rPr lang="en-US" altLang="ja-JP" sz="1000" i="1">
+                              <a:solidFill>
+                                <a:srgbClr val="007D00"/>
+                              </a:solidFill>
+                              <a:latin typeface="Cambria Math" panose="02040503050406030204" pitchFamily="18" charset="0"/>
+                            </a:rPr>
+                            <m:t>𝑠</m:t>
+                          </m:r>
+                        </m:sub>
+                      </m:sSub>
+                      <m:d>
+                        <m:dPr>
+                          <m:ctrlPr>
+                            <a:rPr lang="en-US" altLang="ja-JP" sz="1000" i="1">
+                              <a:solidFill>
+                                <a:srgbClr val="007D00"/>
+                              </a:solidFill>
+                              <a:latin typeface="Cambria Math" panose="02040503050406030204" pitchFamily="18" charset="0"/>
+                            </a:rPr>
+                          </m:ctrlPr>
+                        </m:dPr>
+                        <m:e>
+                          <m:r>
+                            <a:rPr lang="en-US" altLang="ja-JP" sz="1000" b="1" i="1">
+                              <a:solidFill>
+                                <a:srgbClr val="007D00"/>
+                              </a:solidFill>
+                              <a:latin typeface="Cambria Math" panose="02040503050406030204" pitchFamily="18" charset="0"/>
+                            </a:rPr>
+                            <m:t>𝒖</m:t>
+                          </m:r>
+                        </m:e>
+                      </m:d>
+                      <m:r>
+                        <a:rPr lang="en-US" altLang="ja-JP" sz="1000" b="1" i="1" smtClean="0">
+                          <a:solidFill>
+                            <a:schemeClr val="tx1"/>
+                          </a:solidFill>
+                          <a:latin typeface="Cambria Math" panose="02040503050406030204" pitchFamily="18" charset="0"/>
+                          <a:ea typeface="Cambria Math" panose="02040503050406030204" pitchFamily="18" charset="0"/>
+                        </a:rPr>
+                        <m:t>×</m:t>
+                      </m:r>
+                      <m:sSub>
+                        <m:sSubPr>
+                          <m:ctrlPr>
+                            <a:rPr lang="en-US" altLang="ja-JP" sz="1000" i="1">
+                              <a:solidFill>
+                                <a:srgbClr val="FF0000"/>
+                              </a:solidFill>
+                              <a:latin typeface="Cambria Math" panose="02040503050406030204" pitchFamily="18" charset="0"/>
+                            </a:rPr>
+                          </m:ctrlPr>
+                        </m:sSubPr>
+                        <m:e>
+                          <m:r>
+                            <a:rPr lang="en-US" altLang="ja-JP" sz="1000" i="1">
+                              <a:solidFill>
+                                <a:srgbClr val="FF0000"/>
+                              </a:solidFill>
+                              <a:latin typeface="Cambria Math" panose="02040503050406030204" pitchFamily="18" charset="0"/>
+                            </a:rPr>
+                            <m:t>𝐸</m:t>
+                          </m:r>
+                        </m:e>
+                        <m:sub>
+                          <m:r>
+                            <a:rPr lang="en-US" altLang="ja-JP" sz="1000" i="1">
+                              <a:solidFill>
+                                <a:srgbClr val="FF0000"/>
+                              </a:solidFill>
+                              <a:latin typeface="Cambria Math" panose="02040503050406030204" pitchFamily="18" charset="0"/>
+                            </a:rPr>
+                            <m:t>𝑐</m:t>
+                          </m:r>
+                        </m:sub>
+                      </m:sSub>
+                      <m:d>
+                        <m:dPr>
+                          <m:ctrlPr>
+                            <a:rPr lang="en-US" altLang="ja-JP" sz="1000" i="1">
+                              <a:solidFill>
+                                <a:srgbClr val="FF0000"/>
+                              </a:solidFill>
+                              <a:latin typeface="Cambria Math" panose="02040503050406030204" pitchFamily="18" charset="0"/>
+                            </a:rPr>
+                          </m:ctrlPr>
+                        </m:dPr>
+                        <m:e>
+                          <m:r>
+                            <a:rPr lang="en-US" altLang="ja-JP" sz="1000" b="1" i="1">
+                              <a:solidFill>
+                                <a:srgbClr val="FF0000"/>
+                              </a:solidFill>
+                              <a:latin typeface="Cambria Math" panose="02040503050406030204" pitchFamily="18" charset="0"/>
+                            </a:rPr>
+                            <m:t>𝒖</m:t>
+                          </m:r>
+                        </m:e>
+                      </m:d>
+                    </m:oMath>
+                  </m:oMathPara>
+                </a14:m>
+                <a:endParaRPr lang="en-US" altLang="ja-JP" sz="1000" i="1" dirty="0">
+                  <a:solidFill>
+                    <a:srgbClr val="FF0000"/>
+                  </a:solidFill>
+                </a:endParaRPr>
+              </a:p>
+            </p:txBody>
+          </p:sp>
+        </mc:Choice>
+        <mc:Fallback>
+          <p:sp>
+            <p:nvSpPr>
+              <p:cNvPr id="19" name="正方形/長方形 18">
+                <a:extLst>
+                  <a:ext uri="{FF2B5EF4-FFF2-40B4-BE49-F238E27FC236}">
+                    <a16:creationId xmlns:a16="http://schemas.microsoft.com/office/drawing/2014/main" id="{B4FD6AFE-1F6E-9D37-C11F-B178854A8205}"/>
+                  </a:ext>
+                </a:extLst>
+              </p:cNvPr>
+              <p:cNvSpPr>
+                <a:spLocks noRot="1" noChangeAspect="1" noMove="1" noResize="1" noEditPoints="1" noAdjustHandles="1" noChangeArrowheads="1" noChangeShapeType="1" noTextEdit="1"/>
+              </p:cNvSpPr>
+              <p:nvPr/>
+            </p:nvSpPr>
+            <p:spPr>
+              <a:xfrm>
+                <a:off x="346330" y="3558084"/>
+                <a:ext cx="2617833" cy="153888"/>
+              </a:xfrm>
+              <a:prstGeom prst="rect">
+                <a:avLst/>
+              </a:prstGeom>
+              <a:blipFill>
+                <a:blip r:embed="rId21"/>
+                <a:stretch>
+                  <a:fillRect l="-1865" b="-12000"/>
+                </a:stretch>
+              </a:blipFill>
+            </p:spPr>
+            <p:txBody>
+              <a:bodyPr/>
+              <a:lstStyle/>
+              <a:p>
+                <a:r>
+                  <a:rPr lang="ja-JP" altLang="en-US">
+                    <a:noFill/>
+                  </a:rPr>
+                  <a:t> </a:t>
+                </a:r>
+              </a:p>
+            </p:txBody>
+          </p:sp>
+        </mc:Fallback>
+      </mc:AlternateContent>
+      <mc:AlternateContent xmlns:mc="http://schemas.openxmlformats.org/markup-compatibility/2006">
+        <mc:Choice xmlns:a14="http://schemas.microsoft.com/office/drawing/2010/main" Requires="a14">
+          <p:sp>
+            <p:nvSpPr>
+              <p:cNvPr id="23" name="正方形/長方形 22">
+                <a:extLst>
+                  <a:ext uri="{FF2B5EF4-FFF2-40B4-BE49-F238E27FC236}">
+                    <a16:creationId xmlns:a16="http://schemas.microsoft.com/office/drawing/2014/main" id="{AB798F70-C95A-59ED-124A-7B143FF21C42}"/>
+                  </a:ext>
+                </a:extLst>
+              </p:cNvPr>
+              <p:cNvSpPr/>
+              <p:nvPr/>
+            </p:nvSpPr>
+            <p:spPr>
+              <a:xfrm>
+                <a:off x="346330" y="1101601"/>
+                <a:ext cx="805285" cy="53861"/>
+              </a:xfrm>
+              <a:prstGeom prst="rect">
+                <a:avLst/>
+              </a:prstGeom>
+            </p:spPr>
+            <p:txBody>
+              <a:bodyPr wrap="none" lIns="0" tIns="0" rIns="0" bIns="0">
+                <a:spAutoFit/>
+              </a:bodyPr>
+              <a:lstStyle/>
+              <a:p>
+                <a:pPr/>
+                <a14:m>
+                  <m:oMathPara xmlns:m="http://schemas.openxmlformats.org/officeDocument/2006/math">
+                    <m:oMathParaPr>
+                      <m:jc m:val="left"/>
+                    </m:oMathParaPr>
+                    <m:oMath xmlns:m="http://schemas.openxmlformats.org/officeDocument/2006/math">
+                      <m:func>
+                        <m:funcPr>
+                          <m:ctrlPr>
+                            <a:rPr lang="en-US" altLang="ja-JP" sz="350" i="1" smtClean="0">
+                              <a:solidFill>
+                                <a:srgbClr val="0000FF"/>
+                              </a:solidFill>
+                              <a:latin typeface="Cambria Math" panose="02040503050406030204" pitchFamily="18" charset="0"/>
+                            </a:rPr>
+                          </m:ctrlPr>
+                        </m:funcPr>
+                        <m:fName>
+                          <m:r>
+                            <m:rPr>
+                              <m:sty m:val="p"/>
+                            </m:rPr>
+                            <a:rPr lang="en-US" altLang="ja-JP" sz="350">
+                              <a:solidFill>
+                                <a:srgbClr val="0000FF"/>
+                              </a:solidFill>
+                              <a:latin typeface="Cambria Math" panose="02040503050406030204" pitchFamily="18" charset="0"/>
+                            </a:rPr>
+                            <m:t>sin</m:t>
+                          </m:r>
+                        </m:fName>
+                        <m:e>
+                          <m:d>
+                            <m:dPr>
+                              <m:begChr m:val="["/>
+                              <m:endChr m:val="]"/>
+                              <m:ctrlPr>
+                                <a:rPr lang="en-US" altLang="ja-JP" sz="350" i="1">
+                                  <a:solidFill>
+                                    <a:srgbClr val="0000FF"/>
+                                  </a:solidFill>
+                                  <a:latin typeface="Cambria Math" panose="02040503050406030204" pitchFamily="18" charset="0"/>
+                                </a:rPr>
+                              </m:ctrlPr>
+                            </m:dPr>
+                            <m:e>
+                              <m:r>
+                                <a:rPr lang="en-US" altLang="ja-JP" sz="350" b="0" i="1" smtClean="0">
+                                  <a:solidFill>
+                                    <a:srgbClr val="0000FF"/>
+                                  </a:solidFill>
+                                  <a:latin typeface="Cambria Math" panose="02040503050406030204" pitchFamily="18" charset="0"/>
+                                </a:rPr>
+                                <m:t>𝑊</m:t>
+                              </m:r>
+                              <m:d>
+                                <m:dPr>
+                                  <m:ctrlPr>
+                                    <a:rPr lang="en-US" altLang="ja-JP" sz="350" i="1">
+                                      <a:solidFill>
+                                        <a:srgbClr val="0000FF"/>
+                                      </a:solidFill>
+                                      <a:latin typeface="Cambria Math" panose="02040503050406030204" pitchFamily="18" charset="0"/>
+                                    </a:rPr>
+                                  </m:ctrlPr>
+                                </m:dPr>
+                                <m:e>
+                                  <m:r>
+                                    <a:rPr lang="en-US" altLang="ja-JP" sz="350" b="1" i="1">
+                                      <a:solidFill>
+                                        <a:srgbClr val="0000FF"/>
+                                      </a:solidFill>
+                                      <a:latin typeface="Cambria Math" panose="02040503050406030204" pitchFamily="18" charset="0"/>
+                                    </a:rPr>
+                                    <m:t>𝒖</m:t>
+                                  </m:r>
+                                </m:e>
+                              </m:d>
+                            </m:e>
+                          </m:d>
+                        </m:e>
+                      </m:func>
+                      <m:r>
+                        <a:rPr lang="en-US" altLang="ja-JP" sz="350" i="1" smtClean="0">
+                          <a:solidFill>
+                            <a:schemeClr val="tx1"/>
+                          </a:solidFill>
+                          <a:latin typeface="Cambria Math" panose="02040503050406030204" pitchFamily="18" charset="0"/>
+                        </a:rPr>
+                        <m:t>=</m:t>
+                      </m:r>
+                      <m:func>
+                        <m:funcPr>
+                          <m:ctrlPr>
+                            <a:rPr lang="en-US" altLang="ja-JP" sz="350" i="1">
+                              <a:solidFill>
+                                <a:schemeClr val="tx1"/>
+                              </a:solidFill>
+                              <a:latin typeface="Cambria Math" panose="02040503050406030204" pitchFamily="18" charset="0"/>
+                            </a:rPr>
+                          </m:ctrlPr>
+                        </m:funcPr>
+                        <m:fName>
+                          <m:r>
+                            <m:rPr>
+                              <m:sty m:val="p"/>
+                            </m:rPr>
+                            <a:rPr lang="en-US" altLang="ja-JP" sz="350">
+                              <a:solidFill>
+                                <a:schemeClr val="tx1"/>
+                              </a:solidFill>
+                              <a:latin typeface="Cambria Math" panose="02040503050406030204" pitchFamily="18" charset="0"/>
+                            </a:rPr>
+                            <m:t>sin</m:t>
+                          </m:r>
+                        </m:fName>
+                        <m:e>
+                          <m:d>
+                            <m:dPr>
+                              <m:begChr m:val="["/>
+                              <m:endChr m:val="]"/>
+                              <m:ctrlPr>
+                                <a:rPr lang="en-US" altLang="ja-JP" sz="350" i="1">
+                                  <a:solidFill>
+                                    <a:schemeClr val="tx1"/>
+                                  </a:solidFill>
+                                  <a:latin typeface="Cambria Math" panose="02040503050406030204" pitchFamily="18" charset="0"/>
+                                </a:rPr>
+                              </m:ctrlPr>
+                            </m:dPr>
+                            <m:e>
+                              <m:r>
+                                <a:rPr lang="el-GR" altLang="ja-JP" sz="350" i="1">
+                                  <a:solidFill>
+                                    <a:schemeClr val="tx1"/>
+                                  </a:solidFill>
+                                  <a:latin typeface="Cambria Math" panose="02040503050406030204" pitchFamily="18" charset="0"/>
+                                  <a:ea typeface="Cambria Math" panose="02040503050406030204" pitchFamily="18" charset="0"/>
+                                </a:rPr>
+                                <m:t>𝜋</m:t>
+                              </m:r>
+                              <m:r>
+                                <a:rPr lang="en-US" altLang="ja-JP" sz="350" i="1">
+                                  <a:solidFill>
+                                    <a:schemeClr val="tx1"/>
+                                  </a:solidFill>
+                                  <a:latin typeface="Cambria Math" panose="02040503050406030204" pitchFamily="18" charset="0"/>
+                                  <a:ea typeface="Cambria Math" panose="02040503050406030204" pitchFamily="18" charset="0"/>
+                                </a:rPr>
+                                <m:t> </m:t>
+                              </m:r>
+                              <m:r>
+                                <a:rPr lang="ja-JP" altLang="el-GR" sz="350" i="1">
+                                  <a:solidFill>
+                                    <a:schemeClr val="tx1"/>
+                                  </a:solidFill>
+                                  <a:latin typeface="Cambria Math" panose="02040503050406030204" pitchFamily="18" charset="0"/>
+                                  <a:ea typeface="Cambria Math" panose="02040503050406030204" pitchFamily="18" charset="0"/>
+                                </a:rPr>
+                                <m:t>𝜆</m:t>
+                              </m:r>
+                              <m:r>
+                                <a:rPr lang="en-US" altLang="ja-JP" sz="350" i="1">
+                                  <a:solidFill>
+                                    <a:schemeClr val="tx1"/>
+                                  </a:solidFill>
+                                  <a:latin typeface="Cambria Math" panose="02040503050406030204" pitchFamily="18" charset="0"/>
+                                  <a:ea typeface="Cambria Math" panose="02040503050406030204" pitchFamily="18" charset="0"/>
+                                </a:rPr>
+                                <m:t> </m:t>
+                              </m:r>
+                              <m:sSup>
+                                <m:sSupPr>
+                                  <m:ctrlPr>
+                                    <a:rPr lang="en-US" altLang="ja-JP" sz="350" i="1">
+                                      <a:solidFill>
+                                        <a:schemeClr val="tx1"/>
+                                      </a:solidFill>
+                                      <a:latin typeface="Cambria Math" panose="02040503050406030204" pitchFamily="18" charset="0"/>
+                                      <a:ea typeface="Cambria Math" panose="02040503050406030204" pitchFamily="18" charset="0"/>
+                                    </a:rPr>
+                                  </m:ctrlPr>
+                                </m:sSupPr>
+                                <m:e>
+                                  <m:r>
+                                    <a:rPr lang="en-US" altLang="ja-JP" sz="350" b="1" i="1">
+                                      <a:solidFill>
+                                        <a:schemeClr val="tx1"/>
+                                      </a:solidFill>
+                                      <a:latin typeface="Cambria Math" panose="02040503050406030204" pitchFamily="18" charset="0"/>
+                                      <a:ea typeface="Cambria Math" panose="02040503050406030204" pitchFamily="18" charset="0"/>
+                                    </a:rPr>
+                                    <m:t>𝒖</m:t>
+                                  </m:r>
+                                </m:e>
+                                <m:sup>
+                                  <m:r>
+                                    <a:rPr lang="en-US" altLang="ja-JP" sz="350" i="1">
+                                      <a:solidFill>
+                                        <a:schemeClr val="tx1"/>
+                                      </a:solidFill>
+                                      <a:latin typeface="Cambria Math" panose="02040503050406030204" pitchFamily="18" charset="0"/>
+                                      <a:ea typeface="Cambria Math" panose="02040503050406030204" pitchFamily="18" charset="0"/>
+                                    </a:rPr>
+                                    <m:t>2</m:t>
+                                  </m:r>
+                                </m:sup>
+                              </m:sSup>
+                              <m:d>
+                                <m:dPr>
+                                  <m:ctrlPr>
+                                    <a:rPr lang="en-US" altLang="ja-JP" sz="350" i="1">
+                                      <a:solidFill>
+                                        <a:schemeClr val="tx1"/>
+                                      </a:solidFill>
+                                      <a:latin typeface="Cambria Math" panose="02040503050406030204" pitchFamily="18" charset="0"/>
+                                      <a:ea typeface="Cambria Math" panose="02040503050406030204" pitchFamily="18" charset="0"/>
+                                    </a:rPr>
+                                  </m:ctrlPr>
+                                </m:dPr>
+                                <m:e>
+                                  <m:r>
+                                    <m:rPr>
+                                      <m:sty m:val="p"/>
+                                    </m:rPr>
+                                    <a:rPr lang="el-GR" altLang="ja-JP" sz="350" i="1">
+                                      <a:solidFill>
+                                        <a:schemeClr val="tx1"/>
+                                      </a:solidFill>
+                                      <a:latin typeface="Cambria Math" panose="02040503050406030204" pitchFamily="18" charset="0"/>
+                                      <a:ea typeface="Cambria Math" panose="02040503050406030204" pitchFamily="18" charset="0"/>
+                                    </a:rPr>
+                                    <m:t>Δ</m:t>
+                                  </m:r>
+                                  <m:r>
+                                    <a:rPr lang="en-US" altLang="ja-JP" sz="350" i="1">
+                                      <a:solidFill>
+                                        <a:schemeClr val="tx1"/>
+                                      </a:solidFill>
+                                      <a:latin typeface="Cambria Math" panose="02040503050406030204" pitchFamily="18" charset="0"/>
+                                      <a:ea typeface="Cambria Math" panose="02040503050406030204" pitchFamily="18" charset="0"/>
+                                    </a:rPr>
+                                    <m:t>𝑓</m:t>
+                                  </m:r>
+                                  <m:r>
+                                    <a:rPr lang="en-US" altLang="ja-JP" sz="350" i="1">
+                                      <a:solidFill>
+                                        <a:schemeClr val="tx1"/>
+                                      </a:solidFill>
+                                      <a:latin typeface="Cambria Math" panose="02040503050406030204" pitchFamily="18" charset="0"/>
+                                      <a:ea typeface="Cambria Math" panose="02040503050406030204" pitchFamily="18" charset="0"/>
+                                    </a:rPr>
+                                    <m:t>+</m:t>
+                                  </m:r>
+                                  <m:sSub>
+                                    <m:sSubPr>
+                                      <m:ctrlPr>
+                                        <a:rPr lang="en-US" altLang="ja-JP" sz="350" i="1">
+                                          <a:solidFill>
+                                            <a:schemeClr val="tx1"/>
+                                          </a:solidFill>
+                                          <a:latin typeface="Cambria Math" panose="02040503050406030204" pitchFamily="18" charset="0"/>
+                                          <a:ea typeface="Cambria Math" panose="02040503050406030204" pitchFamily="18" charset="0"/>
+                                        </a:rPr>
+                                      </m:ctrlPr>
+                                    </m:sSubPr>
+                                    <m:e>
+                                      <m:r>
+                                        <a:rPr lang="en-US" altLang="ja-JP" sz="350" i="1">
+                                          <a:solidFill>
+                                            <a:schemeClr val="tx1"/>
+                                          </a:solidFill>
+                                          <a:latin typeface="Cambria Math" panose="02040503050406030204" pitchFamily="18" charset="0"/>
+                                          <a:ea typeface="Cambria Math" panose="02040503050406030204" pitchFamily="18" charset="0"/>
+                                        </a:rPr>
+                                        <m:t>𝐶</m:t>
+                                      </m:r>
+                                    </m:e>
+                                    <m:sub>
+                                      <m:r>
+                                        <m:rPr>
+                                          <m:sty m:val="p"/>
+                                        </m:rPr>
+                                        <a:rPr lang="en-US" altLang="ja-JP" sz="350">
+                                          <a:solidFill>
+                                            <a:schemeClr val="tx1"/>
+                                          </a:solidFill>
+                                          <a:latin typeface="Cambria Math" panose="02040503050406030204" pitchFamily="18" charset="0"/>
+                                          <a:ea typeface="Cambria Math" panose="02040503050406030204" pitchFamily="18" charset="0"/>
+                                        </a:rPr>
+                                        <m:t>s</m:t>
+                                      </m:r>
+                                    </m:sub>
+                                  </m:sSub>
+                                  <m:sSup>
+                                    <m:sSupPr>
+                                      <m:ctrlPr>
+                                        <a:rPr lang="en-US" altLang="ja-JP" sz="350" i="1">
+                                          <a:solidFill>
+                                            <a:schemeClr val="tx1"/>
+                                          </a:solidFill>
+                                          <a:latin typeface="Cambria Math" panose="02040503050406030204" pitchFamily="18" charset="0"/>
+                                          <a:ea typeface="Cambria Math" panose="02040503050406030204" pitchFamily="18" charset="0"/>
+                                        </a:rPr>
+                                      </m:ctrlPr>
+                                    </m:sSupPr>
+                                    <m:e>
+                                      <m:r>
+                                        <a:rPr lang="en-US" altLang="ja-JP" sz="350" b="1" i="1">
+                                          <a:solidFill>
+                                            <a:schemeClr val="tx1"/>
+                                          </a:solidFill>
+                                          <a:latin typeface="Cambria Math" panose="02040503050406030204" pitchFamily="18" charset="0"/>
+                                          <a:ea typeface="Cambria Math" panose="02040503050406030204" pitchFamily="18" charset="0"/>
+                                        </a:rPr>
+                                        <m:t>𝒖</m:t>
+                                      </m:r>
+                                    </m:e>
+                                    <m:sup>
+                                      <m:r>
+                                        <a:rPr lang="en-US" altLang="ja-JP" sz="350" i="1">
+                                          <a:solidFill>
+                                            <a:schemeClr val="tx1"/>
+                                          </a:solidFill>
+                                          <a:latin typeface="Cambria Math" panose="02040503050406030204" pitchFamily="18" charset="0"/>
+                                          <a:ea typeface="Cambria Math" panose="02040503050406030204" pitchFamily="18" charset="0"/>
+                                        </a:rPr>
+                                        <m:t>2</m:t>
+                                      </m:r>
+                                    </m:sup>
+                                  </m:sSup>
+                                  <m:sSup>
+                                    <m:sSupPr>
+                                      <m:ctrlPr>
+                                        <a:rPr lang="en-US" altLang="ja-JP" sz="350" i="1">
+                                          <a:solidFill>
+                                            <a:schemeClr val="tx1"/>
+                                          </a:solidFill>
+                                          <a:latin typeface="Cambria Math" panose="02040503050406030204" pitchFamily="18" charset="0"/>
+                                          <a:ea typeface="Cambria Math" panose="02040503050406030204" pitchFamily="18" charset="0"/>
+                                        </a:rPr>
+                                      </m:ctrlPr>
+                                    </m:sSupPr>
+                                    <m:e>
+                                      <m:r>
+                                        <a:rPr lang="ja-JP" altLang="en-US" sz="350" i="1">
+                                          <a:solidFill>
+                                            <a:schemeClr val="tx1"/>
+                                          </a:solidFill>
+                                          <a:latin typeface="Cambria Math" panose="02040503050406030204" pitchFamily="18" charset="0"/>
+                                          <a:ea typeface="Cambria Math" panose="02040503050406030204" pitchFamily="18" charset="0"/>
+                                        </a:rPr>
+                                        <m:t>𝜆</m:t>
+                                      </m:r>
+                                    </m:e>
+                                    <m:sup>
+                                      <m:r>
+                                        <a:rPr lang="en-US" altLang="ja-JP" sz="350" i="1">
+                                          <a:solidFill>
+                                            <a:schemeClr val="tx1"/>
+                                          </a:solidFill>
+                                          <a:latin typeface="Cambria Math" panose="02040503050406030204" pitchFamily="18" charset="0"/>
+                                          <a:ea typeface="Cambria Math" panose="02040503050406030204" pitchFamily="18" charset="0"/>
+                                        </a:rPr>
+                                        <m:t>2</m:t>
+                                      </m:r>
+                                    </m:sup>
+                                  </m:sSup>
+                                </m:e>
+                              </m:d>
+                              <m:r>
+                                <a:rPr lang="en-US" altLang="ja-JP" sz="350" i="1">
+                                  <a:solidFill>
+                                    <a:schemeClr val="tx1"/>
+                                  </a:solidFill>
+                                  <a:latin typeface="Cambria Math" panose="02040503050406030204" pitchFamily="18" charset="0"/>
+                                  <a:ea typeface="Cambria Math" panose="02040503050406030204" pitchFamily="18" charset="0"/>
+                                </a:rPr>
+                                <m:t>/2</m:t>
+                              </m:r>
+                            </m:e>
+                          </m:d>
+                        </m:e>
+                      </m:func>
+                    </m:oMath>
+                  </m:oMathPara>
+                </a14:m>
+                <a:endParaRPr lang="ja-JP" altLang="en-US" sz="350" i="1" dirty="0">
+                  <a:solidFill>
+                    <a:srgbClr val="0000FF"/>
+                  </a:solidFill>
+                </a:endParaRPr>
+              </a:p>
+            </p:txBody>
+          </p:sp>
+        </mc:Choice>
+        <mc:Fallback>
+          <p:sp>
+            <p:nvSpPr>
+              <p:cNvPr id="23" name="正方形/長方形 22">
+                <a:extLst>
+                  <a:ext uri="{FF2B5EF4-FFF2-40B4-BE49-F238E27FC236}">
+                    <a16:creationId xmlns:a16="http://schemas.microsoft.com/office/drawing/2014/main" id="{AB798F70-C95A-59ED-124A-7B143FF21C42}"/>
+                  </a:ext>
+                </a:extLst>
+              </p:cNvPr>
+              <p:cNvSpPr>
+                <a:spLocks noRot="1" noChangeAspect="1" noMove="1" noResize="1" noEditPoints="1" noAdjustHandles="1" noChangeArrowheads="1" noChangeShapeType="1" noTextEdit="1"/>
+              </p:cNvSpPr>
+              <p:nvPr/>
+            </p:nvSpPr>
+            <p:spPr>
+              <a:xfrm>
+                <a:off x="346330" y="1101601"/>
+                <a:ext cx="805285" cy="53861"/>
+              </a:xfrm>
+              <a:prstGeom prst="rect">
+                <a:avLst/>
+              </a:prstGeom>
+              <a:blipFill>
+                <a:blip r:embed="rId22"/>
+                <a:stretch>
+                  <a:fillRect l="-2273" t="-22222" b="-44444"/>
+                </a:stretch>
+              </a:blipFill>
+            </p:spPr>
+            <p:txBody>
+              <a:bodyPr/>
+              <a:lstStyle/>
+              <a:p>
+                <a:r>
+                  <a:rPr lang="ja-JP" altLang="en-US">
+                    <a:noFill/>
+                  </a:rPr>
+                  <a:t> </a:t>
+                </a:r>
+              </a:p>
+            </p:txBody>
+          </p:sp>
+        </mc:Fallback>
+      </mc:AlternateContent>
+      <mc:AlternateContent xmlns:mc="http://schemas.openxmlformats.org/markup-compatibility/2006">
+        <mc:Choice xmlns:a14="http://schemas.microsoft.com/office/drawing/2010/main" Requires="a14">
+          <p:sp>
+            <p:nvSpPr>
+              <p:cNvPr id="24" name="正方形/長方形 23">
+                <a:extLst>
+                  <a:ext uri="{FF2B5EF4-FFF2-40B4-BE49-F238E27FC236}">
+                    <a16:creationId xmlns:a16="http://schemas.microsoft.com/office/drawing/2014/main" id="{702C1912-16B6-A9CE-15E8-618EEA0F0C24}"/>
+                  </a:ext>
+                </a:extLst>
+              </p:cNvPr>
+              <p:cNvSpPr/>
+              <p:nvPr/>
+            </p:nvSpPr>
+            <p:spPr>
+              <a:xfrm>
+                <a:off x="346330" y="1535002"/>
+                <a:ext cx="814903" cy="53861"/>
+              </a:xfrm>
+              <a:prstGeom prst="rect">
+                <a:avLst/>
+              </a:prstGeom>
+            </p:spPr>
+            <p:txBody>
+              <a:bodyPr wrap="none" lIns="0" tIns="0" rIns="0" bIns="0">
+                <a:spAutoFit/>
+              </a:bodyPr>
+              <a:lstStyle/>
+              <a:p>
+                <a:pPr/>
+                <a14:m>
+                  <m:oMathPara xmlns:m="http://schemas.openxmlformats.org/officeDocument/2006/math">
+                    <m:oMathParaPr>
+                      <m:jc m:val="left"/>
+                    </m:oMathParaPr>
+                    <m:oMath xmlns:m="http://schemas.openxmlformats.org/officeDocument/2006/math">
+                      <m:func>
+                        <m:funcPr>
+                          <m:ctrlPr>
+                            <a:rPr lang="en-US" altLang="ja-JP" sz="350" i="1" smtClean="0">
+                              <a:solidFill>
+                                <a:srgbClr val="8000FF"/>
+                              </a:solidFill>
+                              <a:latin typeface="Cambria Math" panose="02040503050406030204" pitchFamily="18" charset="0"/>
+                            </a:rPr>
+                          </m:ctrlPr>
+                        </m:funcPr>
+                        <m:fName>
+                          <m:r>
+                            <m:rPr>
+                              <m:sty m:val="p"/>
+                            </m:rPr>
+                            <a:rPr lang="en-US" altLang="ja-JP" sz="350" b="0" i="0" smtClean="0">
+                              <a:solidFill>
+                                <a:srgbClr val="8000FF"/>
+                              </a:solidFill>
+                              <a:latin typeface="Cambria Math" panose="02040503050406030204" pitchFamily="18" charset="0"/>
+                            </a:rPr>
+                            <m:t>cos</m:t>
+                          </m:r>
+                        </m:fName>
+                        <m:e>
+                          <m:d>
+                            <m:dPr>
+                              <m:begChr m:val="["/>
+                              <m:endChr m:val="]"/>
+                              <m:ctrlPr>
+                                <a:rPr lang="en-US" altLang="ja-JP" sz="350" i="1">
+                                  <a:solidFill>
+                                    <a:srgbClr val="8000FF"/>
+                                  </a:solidFill>
+                                  <a:latin typeface="Cambria Math" panose="02040503050406030204" pitchFamily="18" charset="0"/>
+                                </a:rPr>
+                              </m:ctrlPr>
+                            </m:dPr>
+                            <m:e>
+                              <m:r>
+                                <a:rPr lang="en-US" altLang="ja-JP" sz="350" b="0" i="1" smtClean="0">
+                                  <a:solidFill>
+                                    <a:srgbClr val="8000FF"/>
+                                  </a:solidFill>
+                                  <a:latin typeface="Cambria Math" panose="02040503050406030204" pitchFamily="18" charset="0"/>
+                                </a:rPr>
+                                <m:t>𝑊</m:t>
+                              </m:r>
+                              <m:d>
+                                <m:dPr>
+                                  <m:ctrlPr>
+                                    <a:rPr lang="en-US" altLang="ja-JP" sz="350" i="1">
+                                      <a:solidFill>
+                                        <a:srgbClr val="8000FF"/>
+                                      </a:solidFill>
+                                      <a:latin typeface="Cambria Math" panose="02040503050406030204" pitchFamily="18" charset="0"/>
+                                    </a:rPr>
+                                  </m:ctrlPr>
+                                </m:dPr>
+                                <m:e>
+                                  <m:r>
+                                    <a:rPr lang="en-US" altLang="ja-JP" sz="350" b="1" i="1">
+                                      <a:solidFill>
+                                        <a:srgbClr val="8000FF"/>
+                                      </a:solidFill>
+                                      <a:latin typeface="Cambria Math" panose="02040503050406030204" pitchFamily="18" charset="0"/>
+                                    </a:rPr>
+                                    <m:t>𝒖</m:t>
+                                  </m:r>
+                                </m:e>
+                              </m:d>
+                            </m:e>
+                          </m:d>
+                        </m:e>
+                      </m:func>
+                      <m:r>
+                        <a:rPr lang="en-US" altLang="ja-JP" sz="350" i="1" smtClean="0">
+                          <a:solidFill>
+                            <a:schemeClr val="tx1"/>
+                          </a:solidFill>
+                          <a:latin typeface="Cambria Math" panose="02040503050406030204" pitchFamily="18" charset="0"/>
+                        </a:rPr>
+                        <m:t>=</m:t>
+                      </m:r>
+                      <m:func>
+                        <m:funcPr>
+                          <m:ctrlPr>
+                            <a:rPr lang="en-US" altLang="ja-JP" sz="350" i="1">
+                              <a:solidFill>
+                                <a:schemeClr val="tx1"/>
+                              </a:solidFill>
+                              <a:latin typeface="Cambria Math" panose="02040503050406030204" pitchFamily="18" charset="0"/>
+                            </a:rPr>
+                          </m:ctrlPr>
+                        </m:funcPr>
+                        <m:fName>
+                          <m:r>
+                            <m:rPr>
+                              <m:sty m:val="p"/>
+                            </m:rPr>
+                            <a:rPr lang="en-US" altLang="ja-JP" sz="350" b="0" i="0" smtClean="0">
+                              <a:solidFill>
+                                <a:schemeClr val="tx1"/>
+                              </a:solidFill>
+                              <a:latin typeface="Cambria Math" panose="02040503050406030204" pitchFamily="18" charset="0"/>
+                            </a:rPr>
+                            <m:t>cos</m:t>
+                          </m:r>
+                        </m:fName>
+                        <m:e>
+                          <m:d>
+                            <m:dPr>
+                              <m:begChr m:val="["/>
+                              <m:endChr m:val="]"/>
+                              <m:ctrlPr>
+                                <a:rPr lang="en-US" altLang="ja-JP" sz="350" i="1">
+                                  <a:solidFill>
+                                    <a:schemeClr val="tx1"/>
+                                  </a:solidFill>
+                                  <a:latin typeface="Cambria Math" panose="02040503050406030204" pitchFamily="18" charset="0"/>
+                                </a:rPr>
+                              </m:ctrlPr>
+                            </m:dPr>
+                            <m:e>
+                              <m:r>
+                                <a:rPr lang="el-GR" altLang="ja-JP" sz="350" i="1">
+                                  <a:solidFill>
+                                    <a:schemeClr val="tx1"/>
+                                  </a:solidFill>
+                                  <a:latin typeface="Cambria Math" panose="02040503050406030204" pitchFamily="18" charset="0"/>
+                                  <a:ea typeface="Cambria Math" panose="02040503050406030204" pitchFamily="18" charset="0"/>
+                                </a:rPr>
+                                <m:t>𝜋</m:t>
+                              </m:r>
+                              <m:r>
+                                <a:rPr lang="en-US" altLang="ja-JP" sz="350" i="1">
+                                  <a:solidFill>
+                                    <a:schemeClr val="tx1"/>
+                                  </a:solidFill>
+                                  <a:latin typeface="Cambria Math" panose="02040503050406030204" pitchFamily="18" charset="0"/>
+                                  <a:ea typeface="Cambria Math" panose="02040503050406030204" pitchFamily="18" charset="0"/>
+                                </a:rPr>
+                                <m:t> </m:t>
+                              </m:r>
+                              <m:r>
+                                <a:rPr lang="ja-JP" altLang="el-GR" sz="350" i="1">
+                                  <a:solidFill>
+                                    <a:schemeClr val="tx1"/>
+                                  </a:solidFill>
+                                  <a:latin typeface="Cambria Math" panose="02040503050406030204" pitchFamily="18" charset="0"/>
+                                  <a:ea typeface="Cambria Math" panose="02040503050406030204" pitchFamily="18" charset="0"/>
+                                </a:rPr>
+                                <m:t>𝜆</m:t>
+                              </m:r>
+                              <m:r>
+                                <a:rPr lang="en-US" altLang="ja-JP" sz="350" i="1">
+                                  <a:solidFill>
+                                    <a:schemeClr val="tx1"/>
+                                  </a:solidFill>
+                                  <a:latin typeface="Cambria Math" panose="02040503050406030204" pitchFamily="18" charset="0"/>
+                                  <a:ea typeface="Cambria Math" panose="02040503050406030204" pitchFamily="18" charset="0"/>
+                                </a:rPr>
+                                <m:t> </m:t>
+                              </m:r>
+                              <m:sSup>
+                                <m:sSupPr>
+                                  <m:ctrlPr>
+                                    <a:rPr lang="en-US" altLang="ja-JP" sz="350" i="1">
+                                      <a:solidFill>
+                                        <a:schemeClr val="tx1"/>
+                                      </a:solidFill>
+                                      <a:latin typeface="Cambria Math" panose="02040503050406030204" pitchFamily="18" charset="0"/>
+                                      <a:ea typeface="Cambria Math" panose="02040503050406030204" pitchFamily="18" charset="0"/>
+                                    </a:rPr>
+                                  </m:ctrlPr>
+                                </m:sSupPr>
+                                <m:e>
+                                  <m:r>
+                                    <a:rPr lang="en-US" altLang="ja-JP" sz="350" b="1" i="1">
+                                      <a:solidFill>
+                                        <a:schemeClr val="tx1"/>
+                                      </a:solidFill>
+                                      <a:latin typeface="Cambria Math" panose="02040503050406030204" pitchFamily="18" charset="0"/>
+                                      <a:ea typeface="Cambria Math" panose="02040503050406030204" pitchFamily="18" charset="0"/>
+                                    </a:rPr>
+                                    <m:t>𝒖</m:t>
+                                  </m:r>
+                                </m:e>
+                                <m:sup>
+                                  <m:r>
+                                    <a:rPr lang="en-US" altLang="ja-JP" sz="350" i="1">
+                                      <a:solidFill>
+                                        <a:schemeClr val="tx1"/>
+                                      </a:solidFill>
+                                      <a:latin typeface="Cambria Math" panose="02040503050406030204" pitchFamily="18" charset="0"/>
+                                      <a:ea typeface="Cambria Math" panose="02040503050406030204" pitchFamily="18" charset="0"/>
+                                    </a:rPr>
+                                    <m:t>2</m:t>
+                                  </m:r>
+                                </m:sup>
+                              </m:sSup>
+                              <m:d>
+                                <m:dPr>
+                                  <m:ctrlPr>
+                                    <a:rPr lang="en-US" altLang="ja-JP" sz="350" i="1">
+                                      <a:solidFill>
+                                        <a:schemeClr val="tx1"/>
+                                      </a:solidFill>
+                                      <a:latin typeface="Cambria Math" panose="02040503050406030204" pitchFamily="18" charset="0"/>
+                                      <a:ea typeface="Cambria Math" panose="02040503050406030204" pitchFamily="18" charset="0"/>
+                                    </a:rPr>
+                                  </m:ctrlPr>
+                                </m:dPr>
+                                <m:e>
+                                  <m:r>
+                                    <m:rPr>
+                                      <m:sty m:val="p"/>
+                                    </m:rPr>
+                                    <a:rPr lang="el-GR" altLang="ja-JP" sz="350" i="1">
+                                      <a:solidFill>
+                                        <a:schemeClr val="tx1"/>
+                                      </a:solidFill>
+                                      <a:latin typeface="Cambria Math" panose="02040503050406030204" pitchFamily="18" charset="0"/>
+                                      <a:ea typeface="Cambria Math" panose="02040503050406030204" pitchFamily="18" charset="0"/>
+                                    </a:rPr>
+                                    <m:t>Δ</m:t>
+                                  </m:r>
+                                  <m:r>
+                                    <a:rPr lang="en-US" altLang="ja-JP" sz="350" i="1">
+                                      <a:solidFill>
+                                        <a:schemeClr val="tx1"/>
+                                      </a:solidFill>
+                                      <a:latin typeface="Cambria Math" panose="02040503050406030204" pitchFamily="18" charset="0"/>
+                                      <a:ea typeface="Cambria Math" panose="02040503050406030204" pitchFamily="18" charset="0"/>
+                                    </a:rPr>
+                                    <m:t>𝑓</m:t>
+                                  </m:r>
+                                  <m:r>
+                                    <a:rPr lang="en-US" altLang="ja-JP" sz="350" i="1">
+                                      <a:solidFill>
+                                        <a:schemeClr val="tx1"/>
+                                      </a:solidFill>
+                                      <a:latin typeface="Cambria Math" panose="02040503050406030204" pitchFamily="18" charset="0"/>
+                                      <a:ea typeface="Cambria Math" panose="02040503050406030204" pitchFamily="18" charset="0"/>
+                                    </a:rPr>
+                                    <m:t>+</m:t>
+                                  </m:r>
+                                  <m:sSub>
+                                    <m:sSubPr>
+                                      <m:ctrlPr>
+                                        <a:rPr lang="en-US" altLang="ja-JP" sz="350" i="1">
+                                          <a:solidFill>
+                                            <a:schemeClr val="tx1"/>
+                                          </a:solidFill>
+                                          <a:latin typeface="Cambria Math" panose="02040503050406030204" pitchFamily="18" charset="0"/>
+                                          <a:ea typeface="Cambria Math" panose="02040503050406030204" pitchFamily="18" charset="0"/>
+                                        </a:rPr>
+                                      </m:ctrlPr>
+                                    </m:sSubPr>
+                                    <m:e>
+                                      <m:r>
+                                        <a:rPr lang="en-US" altLang="ja-JP" sz="350" i="1">
+                                          <a:solidFill>
+                                            <a:schemeClr val="tx1"/>
+                                          </a:solidFill>
+                                          <a:latin typeface="Cambria Math" panose="02040503050406030204" pitchFamily="18" charset="0"/>
+                                          <a:ea typeface="Cambria Math" panose="02040503050406030204" pitchFamily="18" charset="0"/>
+                                        </a:rPr>
+                                        <m:t>𝐶</m:t>
+                                      </m:r>
+                                    </m:e>
+                                    <m:sub>
+                                      <m:r>
+                                        <m:rPr>
+                                          <m:sty m:val="p"/>
+                                        </m:rPr>
+                                        <a:rPr lang="en-US" altLang="ja-JP" sz="350">
+                                          <a:solidFill>
+                                            <a:schemeClr val="tx1"/>
+                                          </a:solidFill>
+                                          <a:latin typeface="Cambria Math" panose="02040503050406030204" pitchFamily="18" charset="0"/>
+                                          <a:ea typeface="Cambria Math" panose="02040503050406030204" pitchFamily="18" charset="0"/>
+                                        </a:rPr>
+                                        <m:t>s</m:t>
+                                      </m:r>
+                                    </m:sub>
+                                  </m:sSub>
+                                  <m:sSup>
+                                    <m:sSupPr>
+                                      <m:ctrlPr>
+                                        <a:rPr lang="en-US" altLang="ja-JP" sz="350" i="1">
+                                          <a:solidFill>
+                                            <a:schemeClr val="tx1"/>
+                                          </a:solidFill>
+                                          <a:latin typeface="Cambria Math" panose="02040503050406030204" pitchFamily="18" charset="0"/>
+                                          <a:ea typeface="Cambria Math" panose="02040503050406030204" pitchFamily="18" charset="0"/>
+                                        </a:rPr>
+                                      </m:ctrlPr>
+                                    </m:sSupPr>
+                                    <m:e>
+                                      <m:r>
+                                        <a:rPr lang="en-US" altLang="ja-JP" sz="350" b="1" i="1">
+                                          <a:solidFill>
+                                            <a:schemeClr val="tx1"/>
+                                          </a:solidFill>
+                                          <a:latin typeface="Cambria Math" panose="02040503050406030204" pitchFamily="18" charset="0"/>
+                                          <a:ea typeface="Cambria Math" panose="02040503050406030204" pitchFamily="18" charset="0"/>
+                                        </a:rPr>
+                                        <m:t>𝒖</m:t>
+                                      </m:r>
+                                    </m:e>
+                                    <m:sup>
+                                      <m:r>
+                                        <a:rPr lang="en-US" altLang="ja-JP" sz="350" i="1">
+                                          <a:solidFill>
+                                            <a:schemeClr val="tx1"/>
+                                          </a:solidFill>
+                                          <a:latin typeface="Cambria Math" panose="02040503050406030204" pitchFamily="18" charset="0"/>
+                                          <a:ea typeface="Cambria Math" panose="02040503050406030204" pitchFamily="18" charset="0"/>
+                                        </a:rPr>
+                                        <m:t>2</m:t>
+                                      </m:r>
+                                    </m:sup>
+                                  </m:sSup>
+                                  <m:sSup>
+                                    <m:sSupPr>
+                                      <m:ctrlPr>
+                                        <a:rPr lang="en-US" altLang="ja-JP" sz="350" i="1">
+                                          <a:solidFill>
+                                            <a:schemeClr val="tx1"/>
+                                          </a:solidFill>
+                                          <a:latin typeface="Cambria Math" panose="02040503050406030204" pitchFamily="18" charset="0"/>
+                                          <a:ea typeface="Cambria Math" panose="02040503050406030204" pitchFamily="18" charset="0"/>
+                                        </a:rPr>
+                                      </m:ctrlPr>
+                                    </m:sSupPr>
+                                    <m:e>
+                                      <m:r>
+                                        <a:rPr lang="ja-JP" altLang="en-US" sz="350" i="1">
+                                          <a:solidFill>
+                                            <a:schemeClr val="tx1"/>
+                                          </a:solidFill>
+                                          <a:latin typeface="Cambria Math" panose="02040503050406030204" pitchFamily="18" charset="0"/>
+                                          <a:ea typeface="Cambria Math" panose="02040503050406030204" pitchFamily="18" charset="0"/>
+                                        </a:rPr>
+                                        <m:t>𝜆</m:t>
+                                      </m:r>
+                                    </m:e>
+                                    <m:sup>
+                                      <m:r>
+                                        <a:rPr lang="en-US" altLang="ja-JP" sz="350" i="1">
+                                          <a:solidFill>
+                                            <a:schemeClr val="tx1"/>
+                                          </a:solidFill>
+                                          <a:latin typeface="Cambria Math" panose="02040503050406030204" pitchFamily="18" charset="0"/>
+                                          <a:ea typeface="Cambria Math" panose="02040503050406030204" pitchFamily="18" charset="0"/>
+                                        </a:rPr>
+                                        <m:t>2</m:t>
+                                      </m:r>
+                                    </m:sup>
+                                  </m:sSup>
+                                </m:e>
+                              </m:d>
+                              <m:r>
+                                <a:rPr lang="en-US" altLang="ja-JP" sz="350" i="1">
+                                  <a:solidFill>
+                                    <a:schemeClr val="tx1"/>
+                                  </a:solidFill>
+                                  <a:latin typeface="Cambria Math" panose="02040503050406030204" pitchFamily="18" charset="0"/>
+                                  <a:ea typeface="Cambria Math" panose="02040503050406030204" pitchFamily="18" charset="0"/>
+                                </a:rPr>
+                                <m:t>/2</m:t>
+                              </m:r>
+                            </m:e>
+                          </m:d>
+                        </m:e>
+                      </m:func>
+                    </m:oMath>
+                  </m:oMathPara>
+                </a14:m>
+                <a:endParaRPr lang="ja-JP" altLang="en-US" sz="350" i="1" dirty="0">
+                  <a:solidFill>
+                    <a:srgbClr val="800080"/>
+                  </a:solidFill>
+                </a:endParaRPr>
+              </a:p>
+            </p:txBody>
+          </p:sp>
+        </mc:Choice>
+        <mc:Fallback>
+          <p:sp>
+            <p:nvSpPr>
+              <p:cNvPr id="24" name="正方形/長方形 23">
+                <a:extLst>
+                  <a:ext uri="{FF2B5EF4-FFF2-40B4-BE49-F238E27FC236}">
+                    <a16:creationId xmlns:a16="http://schemas.microsoft.com/office/drawing/2014/main" id="{702C1912-16B6-A9CE-15E8-618EEA0F0C24}"/>
+                  </a:ext>
+                </a:extLst>
+              </p:cNvPr>
+              <p:cNvSpPr>
+                <a:spLocks noRot="1" noChangeAspect="1" noMove="1" noResize="1" noEditPoints="1" noAdjustHandles="1" noChangeArrowheads="1" noChangeShapeType="1" noTextEdit="1"/>
+              </p:cNvSpPr>
+              <p:nvPr/>
+            </p:nvSpPr>
+            <p:spPr>
+              <a:xfrm>
+                <a:off x="346330" y="1535002"/>
+                <a:ext cx="814903" cy="53861"/>
+              </a:xfrm>
+              <a:prstGeom prst="rect">
+                <a:avLst/>
+              </a:prstGeom>
+              <a:blipFill>
+                <a:blip r:embed="rId23"/>
+                <a:stretch>
+                  <a:fillRect l="-2256" t="-22222" b="-44444"/>
+                </a:stretch>
+              </a:blipFill>
+            </p:spPr>
+            <p:txBody>
+              <a:bodyPr/>
+              <a:lstStyle/>
+              <a:p>
+                <a:r>
+                  <a:rPr lang="ja-JP" altLang="en-US">
+                    <a:noFill/>
+                  </a:rPr>
+                  <a:t> </a:t>
+                </a:r>
+              </a:p>
+            </p:txBody>
+          </p:sp>
+        </mc:Fallback>
+      </mc:AlternateContent>
+      <mc:AlternateContent xmlns:mc="http://schemas.openxmlformats.org/markup-compatibility/2006">
+        <mc:Choice xmlns:a14="http://schemas.microsoft.com/office/drawing/2010/main" Requires="a14">
+          <p:sp>
+            <p:nvSpPr>
+              <p:cNvPr id="27" name="正方形/長方形 26">
+                <a:extLst>
+                  <a:ext uri="{FF2B5EF4-FFF2-40B4-BE49-F238E27FC236}">
+                    <a16:creationId xmlns:a16="http://schemas.microsoft.com/office/drawing/2014/main" id="{469A9B80-0F98-4476-B1C5-232486056699}"/>
+                  </a:ext>
+                </a:extLst>
+              </p:cNvPr>
+              <p:cNvSpPr/>
+              <p:nvPr/>
+            </p:nvSpPr>
+            <p:spPr>
+              <a:xfrm>
+                <a:off x="346330" y="2087941"/>
+                <a:ext cx="784254" cy="53861"/>
+              </a:xfrm>
+              <a:prstGeom prst="rect">
+                <a:avLst/>
+              </a:prstGeom>
+            </p:spPr>
+            <p:txBody>
+              <a:bodyPr wrap="none" lIns="0" tIns="0" rIns="0" bIns="0">
+                <a:spAutoFit/>
+              </a:bodyPr>
+              <a:lstStyle/>
+              <a:p>
+                <a:pPr/>
+                <a14:m>
+                  <m:oMathPara xmlns:m="http://schemas.openxmlformats.org/officeDocument/2006/math">
+                    <m:oMathParaPr>
+                      <m:jc m:val="left"/>
+                    </m:oMathParaPr>
+                    <m:oMath xmlns:m="http://schemas.openxmlformats.org/officeDocument/2006/math">
+                      <m:sSub>
+                        <m:sSubPr>
+                          <m:ctrlPr>
+                            <a:rPr lang="en-US" altLang="ja-JP" sz="350" b="0" i="1" smtClean="0">
+                              <a:solidFill>
+                                <a:srgbClr val="007D00"/>
+                              </a:solidFill>
+                              <a:latin typeface="Cambria Math" panose="02040503050406030204" pitchFamily="18" charset="0"/>
+                            </a:rPr>
+                          </m:ctrlPr>
+                        </m:sSubPr>
+                        <m:e>
+                          <m:r>
+                            <a:rPr lang="en-US" altLang="ja-JP" sz="350" i="1" smtClean="0">
+                              <a:solidFill>
+                                <a:srgbClr val="007D00"/>
+                              </a:solidFill>
+                              <a:latin typeface="Cambria Math" panose="02040503050406030204" pitchFamily="18" charset="0"/>
+                            </a:rPr>
+                            <m:t>𝐸</m:t>
+                          </m:r>
+                        </m:e>
+                        <m:sub>
+                          <m:r>
+                            <a:rPr lang="en-US" altLang="ja-JP" sz="350" b="0" i="1" smtClean="0">
+                              <a:solidFill>
+                                <a:srgbClr val="007D00"/>
+                              </a:solidFill>
+                              <a:latin typeface="Cambria Math" panose="02040503050406030204" pitchFamily="18" charset="0"/>
+                            </a:rPr>
+                            <m:t>𝑠</m:t>
+                          </m:r>
+                        </m:sub>
+                      </m:sSub>
+                      <m:r>
+                        <a:rPr lang="en-US" altLang="ja-JP" sz="350" b="0" i="0" smtClean="0">
+                          <a:solidFill>
+                            <a:srgbClr val="007D00"/>
+                          </a:solidFill>
+                          <a:latin typeface="Cambria Math" panose="02040503050406030204" pitchFamily="18" charset="0"/>
+                        </a:rPr>
+                        <m:t>(</m:t>
+                      </m:r>
+                      <m:r>
+                        <a:rPr lang="en-US" altLang="ja-JP" sz="350" b="1" i="1" smtClean="0">
+                          <a:solidFill>
+                            <a:srgbClr val="007D00"/>
+                          </a:solidFill>
+                          <a:latin typeface="Cambria Math" panose="02040503050406030204" pitchFamily="18" charset="0"/>
+                        </a:rPr>
+                        <m:t>𝒖</m:t>
+                      </m:r>
+                      <m:r>
+                        <a:rPr lang="en-US" altLang="ja-JP" sz="350" b="0" i="1" smtClean="0">
+                          <a:solidFill>
+                            <a:srgbClr val="007D00"/>
+                          </a:solidFill>
+                          <a:latin typeface="Cambria Math" panose="02040503050406030204" pitchFamily="18" charset="0"/>
+                        </a:rPr>
+                        <m:t>)</m:t>
+                      </m:r>
+                      <m:r>
+                        <a:rPr lang="en-US" altLang="ja-JP" sz="350" i="1" smtClean="0">
+                          <a:solidFill>
+                            <a:schemeClr val="tx1"/>
+                          </a:solidFill>
+                          <a:latin typeface="Cambria Math" panose="02040503050406030204" pitchFamily="18" charset="0"/>
+                        </a:rPr>
+                        <m:t>=</m:t>
+                      </m:r>
+                      <m:func>
+                        <m:funcPr>
+                          <m:ctrlPr>
+                            <a:rPr lang="en-US" altLang="ja-JP" sz="350" i="1">
+                              <a:solidFill>
+                                <a:schemeClr val="tx1"/>
+                              </a:solidFill>
+                              <a:latin typeface="Cambria Math" panose="02040503050406030204" pitchFamily="18" charset="0"/>
+                            </a:rPr>
+                          </m:ctrlPr>
+                        </m:funcPr>
+                        <m:fName>
+                          <m:r>
+                            <m:rPr>
+                              <m:sty m:val="p"/>
+                            </m:rPr>
+                            <a:rPr lang="en-US" altLang="ja-JP" sz="350" b="0" i="0" smtClean="0">
+                              <a:solidFill>
+                                <a:schemeClr val="tx1"/>
+                              </a:solidFill>
+                              <a:latin typeface="Cambria Math" panose="02040503050406030204" pitchFamily="18" charset="0"/>
+                            </a:rPr>
+                            <m:t>exp</m:t>
+                          </m:r>
+                        </m:fName>
+                        <m:e>
+                          <m:d>
+                            <m:dPr>
+                              <m:begChr m:val="["/>
+                              <m:endChr m:val="]"/>
+                              <m:ctrlPr>
+                                <a:rPr lang="en-US" altLang="ja-JP" sz="350" i="1">
+                                  <a:solidFill>
+                                    <a:schemeClr val="tx1"/>
+                                  </a:solidFill>
+                                  <a:latin typeface="Cambria Math" panose="02040503050406030204" pitchFamily="18" charset="0"/>
+                                </a:rPr>
+                              </m:ctrlPr>
+                            </m:dPr>
+                            <m:e>
+                              <m:r>
+                                <a:rPr lang="en-US" altLang="ja-JP" sz="350" b="0" i="1" smtClean="0">
+                                  <a:solidFill>
+                                    <a:schemeClr val="tx1"/>
+                                  </a:solidFill>
+                                  <a:latin typeface="Cambria Math" panose="02040503050406030204" pitchFamily="18" charset="0"/>
+                                </a:rPr>
+                                <m:t>−</m:t>
+                              </m:r>
+                              <m:sSup>
+                                <m:sSupPr>
+                                  <m:ctrlPr>
+                                    <a:rPr lang="en-US" altLang="ja-JP" sz="350" b="0" i="1" smtClean="0">
+                                      <a:solidFill>
+                                        <a:schemeClr val="tx1"/>
+                                      </a:solidFill>
+                                      <a:latin typeface="Cambria Math" panose="02040503050406030204" pitchFamily="18" charset="0"/>
+                                      <a:ea typeface="Cambria Math" panose="02040503050406030204" pitchFamily="18" charset="0"/>
+                                    </a:rPr>
+                                  </m:ctrlPr>
+                                </m:sSupPr>
+                                <m:e>
+                                  <m:r>
+                                    <a:rPr lang="el-GR" altLang="ja-JP" sz="350" i="1">
+                                      <a:solidFill>
+                                        <a:schemeClr val="tx1"/>
+                                      </a:solidFill>
+                                      <a:latin typeface="Cambria Math" panose="02040503050406030204" pitchFamily="18" charset="0"/>
+                                      <a:ea typeface="Cambria Math" panose="02040503050406030204" pitchFamily="18" charset="0"/>
+                                    </a:rPr>
+                                    <m:t>𝜋</m:t>
+                                  </m:r>
+                                </m:e>
+                                <m:sup>
+                                  <m:r>
+                                    <a:rPr lang="en-US" altLang="ja-JP" sz="350" b="0" i="1" smtClean="0">
+                                      <a:solidFill>
+                                        <a:schemeClr val="tx1"/>
+                                      </a:solidFill>
+                                      <a:latin typeface="Cambria Math" panose="02040503050406030204" pitchFamily="18" charset="0"/>
+                                      <a:ea typeface="Cambria Math" panose="02040503050406030204" pitchFamily="18" charset="0"/>
+                                    </a:rPr>
+                                    <m:t>2</m:t>
+                                  </m:r>
+                                </m:sup>
+                              </m:sSup>
+                              <m:r>
+                                <a:rPr lang="en-US" altLang="ja-JP" sz="350" i="1">
+                                  <a:solidFill>
+                                    <a:schemeClr val="tx1"/>
+                                  </a:solidFill>
+                                  <a:latin typeface="Cambria Math" panose="02040503050406030204" pitchFamily="18" charset="0"/>
+                                  <a:ea typeface="Cambria Math" panose="02040503050406030204" pitchFamily="18" charset="0"/>
+                                </a:rPr>
+                                <m:t> </m:t>
+                              </m:r>
+                              <m:sSup>
+                                <m:sSupPr>
+                                  <m:ctrlPr>
+                                    <a:rPr lang="en-US" altLang="ja-JP" sz="350" b="0" i="1" smtClean="0">
+                                      <a:solidFill>
+                                        <a:schemeClr val="tx1"/>
+                                      </a:solidFill>
+                                      <a:latin typeface="Cambria Math" panose="02040503050406030204" pitchFamily="18" charset="0"/>
+                                      <a:ea typeface="Cambria Math" panose="02040503050406030204" pitchFamily="18" charset="0"/>
+                                    </a:rPr>
+                                  </m:ctrlPr>
+                                </m:sSupPr>
+                                <m:e>
+                                  <m:r>
+                                    <a:rPr lang="ja-JP" altLang="en-US" sz="350" i="1" smtClean="0">
+                                      <a:solidFill>
+                                        <a:schemeClr val="tx1"/>
+                                      </a:solidFill>
+                                      <a:latin typeface="Cambria Math" panose="02040503050406030204" pitchFamily="18" charset="0"/>
+                                      <a:ea typeface="Cambria Math" panose="02040503050406030204" pitchFamily="18" charset="0"/>
+                                    </a:rPr>
+                                    <m:t>𝛽</m:t>
+                                  </m:r>
+                                </m:e>
+                                <m:sup>
+                                  <m:r>
+                                    <a:rPr lang="en-US" altLang="ja-JP" sz="350" b="0" i="1" smtClean="0">
+                                      <a:solidFill>
+                                        <a:schemeClr val="tx1"/>
+                                      </a:solidFill>
+                                      <a:latin typeface="Cambria Math" panose="02040503050406030204" pitchFamily="18" charset="0"/>
+                                      <a:ea typeface="Cambria Math" panose="02040503050406030204" pitchFamily="18" charset="0"/>
+                                    </a:rPr>
+                                    <m:t>2</m:t>
+                                  </m:r>
+                                </m:sup>
+                              </m:sSup>
+                              <m:r>
+                                <a:rPr lang="en-US" altLang="ja-JP" sz="350" i="1">
+                                  <a:solidFill>
+                                    <a:schemeClr val="tx1"/>
+                                  </a:solidFill>
+                                  <a:latin typeface="Cambria Math" panose="02040503050406030204" pitchFamily="18" charset="0"/>
+                                  <a:ea typeface="Cambria Math" panose="02040503050406030204" pitchFamily="18" charset="0"/>
+                                </a:rPr>
+                                <m:t> </m:t>
+                              </m:r>
+                              <m:sSup>
+                                <m:sSupPr>
+                                  <m:ctrlPr>
+                                    <a:rPr lang="en-US" altLang="ja-JP" sz="350" i="1">
+                                      <a:solidFill>
+                                        <a:schemeClr val="tx1"/>
+                                      </a:solidFill>
+                                      <a:latin typeface="Cambria Math" panose="02040503050406030204" pitchFamily="18" charset="0"/>
+                                      <a:ea typeface="Cambria Math" panose="02040503050406030204" pitchFamily="18" charset="0"/>
+                                    </a:rPr>
+                                  </m:ctrlPr>
+                                </m:sSupPr>
+                                <m:e>
+                                  <m:r>
+                                    <a:rPr lang="en-US" altLang="ja-JP" sz="350" b="1" i="1">
+                                      <a:solidFill>
+                                        <a:schemeClr val="tx1"/>
+                                      </a:solidFill>
+                                      <a:latin typeface="Cambria Math" panose="02040503050406030204" pitchFamily="18" charset="0"/>
+                                      <a:ea typeface="Cambria Math" panose="02040503050406030204" pitchFamily="18" charset="0"/>
+                                    </a:rPr>
+                                    <m:t>𝒖</m:t>
+                                  </m:r>
+                                </m:e>
+                                <m:sup>
+                                  <m:r>
+                                    <a:rPr lang="en-US" altLang="ja-JP" sz="350" i="1">
+                                      <a:solidFill>
+                                        <a:schemeClr val="tx1"/>
+                                      </a:solidFill>
+                                      <a:latin typeface="Cambria Math" panose="02040503050406030204" pitchFamily="18" charset="0"/>
+                                      <a:ea typeface="Cambria Math" panose="02040503050406030204" pitchFamily="18" charset="0"/>
+                                    </a:rPr>
+                                    <m:t>2</m:t>
+                                  </m:r>
+                                </m:sup>
+                              </m:sSup>
+                              <m:sSup>
+                                <m:sSupPr>
+                                  <m:ctrlPr>
+                                    <a:rPr lang="en-US" altLang="ja-JP" sz="350" b="0" i="1" smtClean="0">
+                                      <a:solidFill>
+                                        <a:schemeClr val="tx1"/>
+                                      </a:solidFill>
+                                      <a:latin typeface="Cambria Math" panose="02040503050406030204" pitchFamily="18" charset="0"/>
+                                      <a:ea typeface="Cambria Math" panose="02040503050406030204" pitchFamily="18" charset="0"/>
+                                    </a:rPr>
+                                  </m:ctrlPr>
+                                </m:sSupPr>
+                                <m:e>
+                                  <m:d>
+                                    <m:dPr>
+                                      <m:ctrlPr>
+                                        <a:rPr lang="en-US" altLang="ja-JP" sz="350" i="1">
+                                          <a:solidFill>
+                                            <a:schemeClr val="tx1"/>
+                                          </a:solidFill>
+                                          <a:latin typeface="Cambria Math" panose="02040503050406030204" pitchFamily="18" charset="0"/>
+                                          <a:ea typeface="Cambria Math" panose="02040503050406030204" pitchFamily="18" charset="0"/>
+                                        </a:rPr>
+                                      </m:ctrlPr>
+                                    </m:dPr>
+                                    <m:e>
+                                      <m:r>
+                                        <m:rPr>
+                                          <m:sty m:val="p"/>
+                                        </m:rPr>
+                                        <a:rPr lang="el-GR" altLang="ja-JP" sz="350" i="1">
+                                          <a:solidFill>
+                                            <a:schemeClr val="tx1"/>
+                                          </a:solidFill>
+                                          <a:latin typeface="Cambria Math" panose="02040503050406030204" pitchFamily="18" charset="0"/>
+                                          <a:ea typeface="Cambria Math" panose="02040503050406030204" pitchFamily="18" charset="0"/>
+                                        </a:rPr>
+                                        <m:t>Δ</m:t>
+                                      </m:r>
+                                      <m:r>
+                                        <a:rPr lang="en-US" altLang="ja-JP" sz="350" i="1">
+                                          <a:solidFill>
+                                            <a:schemeClr val="tx1"/>
+                                          </a:solidFill>
+                                          <a:latin typeface="Cambria Math" panose="02040503050406030204" pitchFamily="18" charset="0"/>
+                                          <a:ea typeface="Cambria Math" panose="02040503050406030204" pitchFamily="18" charset="0"/>
+                                        </a:rPr>
+                                        <m:t>𝑓</m:t>
+                                      </m:r>
+                                      <m:r>
+                                        <a:rPr lang="en-US" altLang="ja-JP" sz="350" i="1">
+                                          <a:solidFill>
+                                            <a:schemeClr val="tx1"/>
+                                          </a:solidFill>
+                                          <a:latin typeface="Cambria Math" panose="02040503050406030204" pitchFamily="18" charset="0"/>
+                                          <a:ea typeface="Cambria Math" panose="02040503050406030204" pitchFamily="18" charset="0"/>
+                                        </a:rPr>
+                                        <m:t>+</m:t>
+                                      </m:r>
+                                      <m:sSub>
+                                        <m:sSubPr>
+                                          <m:ctrlPr>
+                                            <a:rPr lang="en-US" altLang="ja-JP" sz="350" i="1">
+                                              <a:solidFill>
+                                                <a:schemeClr val="tx1"/>
+                                              </a:solidFill>
+                                              <a:latin typeface="Cambria Math" panose="02040503050406030204" pitchFamily="18" charset="0"/>
+                                              <a:ea typeface="Cambria Math" panose="02040503050406030204" pitchFamily="18" charset="0"/>
+                                            </a:rPr>
+                                          </m:ctrlPr>
+                                        </m:sSubPr>
+                                        <m:e>
+                                          <m:r>
+                                            <a:rPr lang="en-US" altLang="ja-JP" sz="350" i="1">
+                                              <a:solidFill>
+                                                <a:schemeClr val="tx1"/>
+                                              </a:solidFill>
+                                              <a:latin typeface="Cambria Math" panose="02040503050406030204" pitchFamily="18" charset="0"/>
+                                              <a:ea typeface="Cambria Math" panose="02040503050406030204" pitchFamily="18" charset="0"/>
+                                            </a:rPr>
+                                            <m:t>𝐶</m:t>
+                                          </m:r>
+                                        </m:e>
+                                        <m:sub>
+                                          <m:r>
+                                            <m:rPr>
+                                              <m:sty m:val="p"/>
+                                            </m:rPr>
+                                            <a:rPr lang="en-US" altLang="ja-JP" sz="350">
+                                              <a:solidFill>
+                                                <a:schemeClr val="tx1"/>
+                                              </a:solidFill>
+                                              <a:latin typeface="Cambria Math" panose="02040503050406030204" pitchFamily="18" charset="0"/>
+                                              <a:ea typeface="Cambria Math" panose="02040503050406030204" pitchFamily="18" charset="0"/>
+                                            </a:rPr>
+                                            <m:t>s</m:t>
+                                          </m:r>
+                                        </m:sub>
+                                      </m:sSub>
+                                      <m:sSup>
+                                        <m:sSupPr>
+                                          <m:ctrlPr>
+                                            <a:rPr lang="en-US" altLang="ja-JP" sz="350" i="1">
+                                              <a:solidFill>
+                                                <a:schemeClr val="tx1"/>
+                                              </a:solidFill>
+                                              <a:latin typeface="Cambria Math" panose="02040503050406030204" pitchFamily="18" charset="0"/>
+                                              <a:ea typeface="Cambria Math" panose="02040503050406030204" pitchFamily="18" charset="0"/>
+                                            </a:rPr>
+                                          </m:ctrlPr>
+                                        </m:sSupPr>
+                                        <m:e>
+                                          <m:r>
+                                            <a:rPr lang="en-US" altLang="ja-JP" sz="350" b="1" i="1">
+                                              <a:solidFill>
+                                                <a:schemeClr val="tx1"/>
+                                              </a:solidFill>
+                                              <a:latin typeface="Cambria Math" panose="02040503050406030204" pitchFamily="18" charset="0"/>
+                                              <a:ea typeface="Cambria Math" panose="02040503050406030204" pitchFamily="18" charset="0"/>
+                                            </a:rPr>
+                                            <m:t>𝒖</m:t>
+                                          </m:r>
+                                        </m:e>
+                                        <m:sup>
+                                          <m:r>
+                                            <a:rPr lang="en-US" altLang="ja-JP" sz="350" i="1">
+                                              <a:solidFill>
+                                                <a:schemeClr val="tx1"/>
+                                              </a:solidFill>
+                                              <a:latin typeface="Cambria Math" panose="02040503050406030204" pitchFamily="18" charset="0"/>
+                                              <a:ea typeface="Cambria Math" panose="02040503050406030204" pitchFamily="18" charset="0"/>
+                                            </a:rPr>
+                                            <m:t>2</m:t>
+                                          </m:r>
+                                        </m:sup>
+                                      </m:sSup>
+                                      <m:sSup>
+                                        <m:sSupPr>
+                                          <m:ctrlPr>
+                                            <a:rPr lang="en-US" altLang="ja-JP" sz="350" i="1">
+                                              <a:solidFill>
+                                                <a:schemeClr val="tx1"/>
+                                              </a:solidFill>
+                                              <a:latin typeface="Cambria Math" panose="02040503050406030204" pitchFamily="18" charset="0"/>
+                                              <a:ea typeface="Cambria Math" panose="02040503050406030204" pitchFamily="18" charset="0"/>
+                                            </a:rPr>
+                                          </m:ctrlPr>
+                                        </m:sSupPr>
+                                        <m:e>
+                                          <m:r>
+                                            <a:rPr lang="ja-JP" altLang="en-US" sz="350" i="1">
+                                              <a:solidFill>
+                                                <a:schemeClr val="tx1"/>
+                                              </a:solidFill>
+                                              <a:latin typeface="Cambria Math" panose="02040503050406030204" pitchFamily="18" charset="0"/>
+                                              <a:ea typeface="Cambria Math" panose="02040503050406030204" pitchFamily="18" charset="0"/>
+                                            </a:rPr>
+                                            <m:t>𝜆</m:t>
+                                          </m:r>
+                                        </m:e>
+                                        <m:sup>
+                                          <m:r>
+                                            <a:rPr lang="en-US" altLang="ja-JP" sz="350" i="1">
+                                              <a:solidFill>
+                                                <a:schemeClr val="tx1"/>
+                                              </a:solidFill>
+                                              <a:latin typeface="Cambria Math" panose="02040503050406030204" pitchFamily="18" charset="0"/>
+                                              <a:ea typeface="Cambria Math" panose="02040503050406030204" pitchFamily="18" charset="0"/>
+                                            </a:rPr>
+                                            <m:t>2</m:t>
+                                          </m:r>
+                                        </m:sup>
+                                      </m:sSup>
+                                    </m:e>
+                                  </m:d>
+                                </m:e>
+                                <m:sup>
+                                  <m:r>
+                                    <a:rPr lang="en-US" altLang="ja-JP" sz="350" b="0" i="1" smtClean="0">
+                                      <a:solidFill>
+                                        <a:schemeClr val="tx1"/>
+                                      </a:solidFill>
+                                      <a:latin typeface="Cambria Math" panose="02040503050406030204" pitchFamily="18" charset="0"/>
+                                      <a:ea typeface="Cambria Math" panose="02040503050406030204" pitchFamily="18" charset="0"/>
+                                    </a:rPr>
+                                    <m:t>2</m:t>
+                                  </m:r>
+                                </m:sup>
+                              </m:sSup>
+                            </m:e>
+                          </m:d>
+                        </m:e>
+                      </m:func>
+                    </m:oMath>
+                  </m:oMathPara>
+                </a14:m>
+                <a:endParaRPr lang="ja-JP" altLang="en-US" sz="350" i="1" dirty="0">
+                  <a:solidFill>
+                    <a:srgbClr val="007D00"/>
+                  </a:solidFill>
+                </a:endParaRPr>
+              </a:p>
+            </p:txBody>
+          </p:sp>
+        </mc:Choice>
+        <mc:Fallback>
+          <p:sp>
+            <p:nvSpPr>
+              <p:cNvPr id="27" name="正方形/長方形 26">
+                <a:extLst>
+                  <a:ext uri="{FF2B5EF4-FFF2-40B4-BE49-F238E27FC236}">
+                    <a16:creationId xmlns:a16="http://schemas.microsoft.com/office/drawing/2014/main" id="{469A9B80-0F98-4476-B1C5-232486056699}"/>
+                  </a:ext>
+                </a:extLst>
+              </p:cNvPr>
+              <p:cNvSpPr>
+                <a:spLocks noRot="1" noChangeAspect="1" noMove="1" noResize="1" noEditPoints="1" noAdjustHandles="1" noChangeArrowheads="1" noChangeShapeType="1" noTextEdit="1"/>
+              </p:cNvSpPr>
+              <p:nvPr/>
+            </p:nvSpPr>
+            <p:spPr>
+              <a:xfrm>
+                <a:off x="346330" y="2087941"/>
+                <a:ext cx="784254" cy="53861"/>
+              </a:xfrm>
+              <a:prstGeom prst="rect">
+                <a:avLst/>
+              </a:prstGeom>
+              <a:blipFill>
+                <a:blip r:embed="rId24"/>
+                <a:stretch>
+                  <a:fillRect l="-2344" t="-25000" b="-62500"/>
+                </a:stretch>
+              </a:blipFill>
+            </p:spPr>
+            <p:txBody>
+              <a:bodyPr/>
+              <a:lstStyle/>
+              <a:p>
+                <a:r>
+                  <a:rPr lang="ja-JP" altLang="en-US">
+                    <a:noFill/>
+                  </a:rPr>
+                  <a:t> </a:t>
+                </a:r>
+              </a:p>
+            </p:txBody>
+          </p:sp>
+        </mc:Fallback>
+      </mc:AlternateContent>
+      <mc:AlternateContent xmlns:mc="http://schemas.openxmlformats.org/markup-compatibility/2006">
+        <mc:Choice xmlns:a14="http://schemas.microsoft.com/office/drawing/2010/main" Requires="a14">
+          <p:sp>
+            <p:nvSpPr>
+              <p:cNvPr id="28" name="正方形/長方形 27">
+                <a:extLst>
+                  <a:ext uri="{FF2B5EF4-FFF2-40B4-BE49-F238E27FC236}">
+                    <a16:creationId xmlns:a16="http://schemas.microsoft.com/office/drawing/2014/main" id="{73DEFCE5-2AB4-2EBB-9B5F-3A8FBDE0500B}"/>
+                  </a:ext>
+                </a:extLst>
+              </p:cNvPr>
+              <p:cNvSpPr/>
+              <p:nvPr/>
+            </p:nvSpPr>
+            <p:spPr>
+              <a:xfrm>
+                <a:off x="346330" y="2617677"/>
+                <a:ext cx="740459" cy="53861"/>
+              </a:xfrm>
+              <a:prstGeom prst="rect">
+                <a:avLst/>
+              </a:prstGeom>
+            </p:spPr>
+            <p:txBody>
+              <a:bodyPr wrap="none" lIns="0" tIns="0" rIns="0" bIns="0">
+                <a:spAutoFit/>
+              </a:bodyPr>
+              <a:lstStyle/>
+              <a:p>
+                <a:pPr/>
+                <a14:m>
+                  <m:oMathPara xmlns:m="http://schemas.openxmlformats.org/officeDocument/2006/math">
+                    <m:oMathParaPr>
+                      <m:jc m:val="left"/>
+                    </m:oMathParaPr>
+                    <m:oMath xmlns:m="http://schemas.openxmlformats.org/officeDocument/2006/math">
+                      <m:sSub>
+                        <m:sSubPr>
+                          <m:ctrlPr>
+                            <a:rPr lang="en-US" altLang="ja-JP" sz="350" b="0" i="1" smtClean="0">
+                              <a:solidFill>
+                                <a:srgbClr val="FF0000"/>
+                              </a:solidFill>
+                              <a:latin typeface="Cambria Math" panose="02040503050406030204" pitchFamily="18" charset="0"/>
+                            </a:rPr>
+                          </m:ctrlPr>
+                        </m:sSubPr>
+                        <m:e>
+                          <m:r>
+                            <a:rPr lang="en-US" altLang="ja-JP" sz="350" i="1" smtClean="0">
+                              <a:solidFill>
+                                <a:srgbClr val="FF0000"/>
+                              </a:solidFill>
+                              <a:latin typeface="Cambria Math" panose="02040503050406030204" pitchFamily="18" charset="0"/>
+                            </a:rPr>
+                            <m:t>𝐸</m:t>
+                          </m:r>
+                        </m:e>
+                        <m:sub>
+                          <m:r>
+                            <a:rPr lang="en-US" altLang="ja-JP" sz="350" b="0" i="1" smtClean="0">
+                              <a:solidFill>
+                                <a:srgbClr val="FF0000"/>
+                              </a:solidFill>
+                              <a:latin typeface="Cambria Math" panose="02040503050406030204" pitchFamily="18" charset="0"/>
+                            </a:rPr>
+                            <m:t>𝑐</m:t>
+                          </m:r>
+                        </m:sub>
+                      </m:sSub>
+                      <m:r>
+                        <a:rPr lang="en-US" altLang="ja-JP" sz="350" b="0" i="0" smtClean="0">
+                          <a:solidFill>
+                            <a:srgbClr val="FF0000"/>
+                          </a:solidFill>
+                          <a:latin typeface="Cambria Math" panose="02040503050406030204" pitchFamily="18" charset="0"/>
+                        </a:rPr>
+                        <m:t>(</m:t>
+                      </m:r>
+                      <m:r>
+                        <a:rPr lang="en-US" altLang="ja-JP" sz="350" b="1" i="1" smtClean="0">
+                          <a:solidFill>
+                            <a:srgbClr val="FF0000"/>
+                          </a:solidFill>
+                          <a:latin typeface="Cambria Math" panose="02040503050406030204" pitchFamily="18" charset="0"/>
+                        </a:rPr>
+                        <m:t>𝒖</m:t>
+                      </m:r>
+                      <m:r>
+                        <a:rPr lang="en-US" altLang="ja-JP" sz="350" b="0" i="1" smtClean="0">
+                          <a:solidFill>
+                            <a:srgbClr val="FF0000"/>
+                          </a:solidFill>
+                          <a:latin typeface="Cambria Math" panose="02040503050406030204" pitchFamily="18" charset="0"/>
+                        </a:rPr>
+                        <m:t>)</m:t>
+                      </m:r>
+                      <m:r>
+                        <a:rPr lang="en-US" altLang="ja-JP" sz="350" i="1" smtClean="0">
+                          <a:solidFill>
+                            <a:schemeClr val="tx1"/>
+                          </a:solidFill>
+                          <a:latin typeface="Cambria Math" panose="02040503050406030204" pitchFamily="18" charset="0"/>
+                        </a:rPr>
+                        <m:t>=</m:t>
+                      </m:r>
+                      <m:func>
+                        <m:funcPr>
+                          <m:ctrlPr>
+                            <a:rPr lang="en-US" altLang="ja-JP" sz="350" i="1">
+                              <a:solidFill>
+                                <a:schemeClr val="tx1"/>
+                              </a:solidFill>
+                              <a:latin typeface="Cambria Math" panose="02040503050406030204" pitchFamily="18" charset="0"/>
+                            </a:rPr>
+                          </m:ctrlPr>
+                        </m:funcPr>
+                        <m:fName>
+                          <m:r>
+                            <m:rPr>
+                              <m:sty m:val="p"/>
+                            </m:rPr>
+                            <a:rPr lang="en-US" altLang="ja-JP" sz="350" b="0" i="0" smtClean="0">
+                              <a:solidFill>
+                                <a:schemeClr val="tx1"/>
+                              </a:solidFill>
+                              <a:latin typeface="Cambria Math" panose="02040503050406030204" pitchFamily="18" charset="0"/>
+                            </a:rPr>
+                            <m:t>exp</m:t>
+                          </m:r>
+                        </m:fName>
+                        <m:e>
+                          <m:d>
+                            <m:dPr>
+                              <m:begChr m:val="["/>
+                              <m:endChr m:val="]"/>
+                              <m:ctrlPr>
+                                <a:rPr lang="en-US" altLang="ja-JP" sz="350" i="1">
+                                  <a:solidFill>
+                                    <a:schemeClr val="tx1"/>
+                                  </a:solidFill>
+                                  <a:latin typeface="Cambria Math" panose="02040503050406030204" pitchFamily="18" charset="0"/>
+                                </a:rPr>
+                              </m:ctrlPr>
+                            </m:dPr>
+                            <m:e>
+                              <m:r>
+                                <a:rPr lang="en-US" altLang="ja-JP" sz="350" b="0" i="1" smtClean="0">
+                                  <a:solidFill>
+                                    <a:schemeClr val="tx1"/>
+                                  </a:solidFill>
+                                  <a:latin typeface="Cambria Math" panose="02040503050406030204" pitchFamily="18" charset="0"/>
+                                </a:rPr>
+                                <m:t>−</m:t>
+                              </m:r>
+                              <m:sSup>
+                                <m:sSupPr>
+                                  <m:ctrlPr>
+                                    <a:rPr lang="en-US" altLang="ja-JP" sz="350" b="0" i="1" smtClean="0">
+                                      <a:solidFill>
+                                        <a:schemeClr val="tx1"/>
+                                      </a:solidFill>
+                                      <a:latin typeface="Cambria Math" panose="02040503050406030204" pitchFamily="18" charset="0"/>
+                                      <a:ea typeface="Cambria Math" panose="02040503050406030204" pitchFamily="18" charset="0"/>
+                                    </a:rPr>
+                                  </m:ctrlPr>
+                                </m:sSupPr>
+                                <m:e>
+                                  <m:r>
+                                    <a:rPr lang="el-GR" altLang="ja-JP" sz="350" i="1">
+                                      <a:solidFill>
+                                        <a:schemeClr val="tx1"/>
+                                      </a:solidFill>
+                                      <a:latin typeface="Cambria Math" panose="02040503050406030204" pitchFamily="18" charset="0"/>
+                                      <a:ea typeface="Cambria Math" panose="02040503050406030204" pitchFamily="18" charset="0"/>
+                                    </a:rPr>
+                                    <m:t>𝜋</m:t>
+                                  </m:r>
+                                </m:e>
+                                <m:sup>
+                                  <m:r>
+                                    <a:rPr lang="en-US" altLang="ja-JP" sz="350" b="0" i="1" smtClean="0">
+                                      <a:solidFill>
+                                        <a:schemeClr val="tx1"/>
+                                      </a:solidFill>
+                                      <a:latin typeface="Cambria Math" panose="02040503050406030204" pitchFamily="18" charset="0"/>
+                                      <a:ea typeface="Cambria Math" panose="02040503050406030204" pitchFamily="18" charset="0"/>
+                                    </a:rPr>
+                                    <m:t>2</m:t>
+                                  </m:r>
+                                </m:sup>
+                              </m:sSup>
+                              <m:r>
+                                <a:rPr lang="en-US" altLang="ja-JP" sz="350" i="1">
+                                  <a:solidFill>
+                                    <a:schemeClr val="tx1"/>
+                                  </a:solidFill>
+                                  <a:latin typeface="Cambria Math" panose="02040503050406030204" pitchFamily="18" charset="0"/>
+                                  <a:ea typeface="Cambria Math" panose="02040503050406030204" pitchFamily="18" charset="0"/>
+                                </a:rPr>
+                                <m:t> </m:t>
+                              </m:r>
+                              <m:sSup>
+                                <m:sSupPr>
+                                  <m:ctrlPr>
+                                    <a:rPr lang="en-US" altLang="ja-JP" sz="350" b="0" i="1" smtClean="0">
+                                      <a:solidFill>
+                                        <a:schemeClr val="tx1"/>
+                                      </a:solidFill>
+                                      <a:latin typeface="Cambria Math" panose="02040503050406030204" pitchFamily="18" charset="0"/>
+                                      <a:ea typeface="Cambria Math" panose="02040503050406030204" pitchFamily="18" charset="0"/>
+                                    </a:rPr>
+                                  </m:ctrlPr>
+                                </m:sSupPr>
+                                <m:e>
+                                  <m:r>
+                                    <a:rPr lang="ja-JP" altLang="el-GR" sz="350" i="1">
+                                      <a:solidFill>
+                                        <a:schemeClr val="tx1"/>
+                                      </a:solidFill>
+                                      <a:latin typeface="Cambria Math" panose="02040503050406030204" pitchFamily="18" charset="0"/>
+                                      <a:ea typeface="Cambria Math" panose="02040503050406030204" pitchFamily="18" charset="0"/>
+                                    </a:rPr>
+                                    <m:t>𝜆</m:t>
+                                  </m:r>
+                                </m:e>
+                                <m:sup>
+                                  <m:r>
+                                    <a:rPr lang="en-US" altLang="ja-JP" sz="350" b="0" i="1" smtClean="0">
+                                      <a:solidFill>
+                                        <a:schemeClr val="tx1"/>
+                                      </a:solidFill>
+                                      <a:latin typeface="Cambria Math" panose="02040503050406030204" pitchFamily="18" charset="0"/>
+                                      <a:ea typeface="Cambria Math" panose="02040503050406030204" pitchFamily="18" charset="0"/>
+                                    </a:rPr>
+                                    <m:t>2</m:t>
+                                  </m:r>
+                                </m:sup>
+                              </m:sSup>
+                              <m:r>
+                                <a:rPr lang="en-US" altLang="ja-JP" sz="350" i="1">
+                                  <a:solidFill>
+                                    <a:schemeClr val="tx1"/>
+                                  </a:solidFill>
+                                  <a:latin typeface="Cambria Math" panose="02040503050406030204" pitchFamily="18" charset="0"/>
+                                  <a:ea typeface="Cambria Math" panose="02040503050406030204" pitchFamily="18" charset="0"/>
+                                </a:rPr>
+                                <m:t> </m:t>
+                              </m:r>
+                              <m:sSup>
+                                <m:sSupPr>
+                                  <m:ctrlPr>
+                                    <a:rPr lang="en-US" altLang="ja-JP" sz="350" i="1">
+                                      <a:solidFill>
+                                        <a:schemeClr val="tx1"/>
+                                      </a:solidFill>
+                                      <a:latin typeface="Cambria Math" panose="02040503050406030204" pitchFamily="18" charset="0"/>
+                                      <a:ea typeface="Cambria Math" panose="02040503050406030204" pitchFamily="18" charset="0"/>
+                                    </a:rPr>
+                                  </m:ctrlPr>
+                                </m:sSupPr>
+                                <m:e>
+                                  <m:d>
+                                    <m:dPr>
+                                      <m:ctrlPr>
+                                        <a:rPr lang="en-US" altLang="ja-JP" sz="350" i="1">
+                                          <a:solidFill>
+                                            <a:schemeClr val="tx1"/>
+                                          </a:solidFill>
+                                          <a:latin typeface="Cambria Math" panose="02040503050406030204" pitchFamily="18" charset="0"/>
+                                          <a:ea typeface="Cambria Math" panose="02040503050406030204" pitchFamily="18" charset="0"/>
+                                        </a:rPr>
+                                      </m:ctrlPr>
+                                    </m:dPr>
+                                    <m:e>
+                                      <m:f>
+                                        <m:fPr>
+                                          <m:type m:val="lin"/>
+                                          <m:ctrlPr>
+                                            <a:rPr lang="en-US" altLang="ja-JP" sz="350" i="1">
+                                              <a:solidFill>
+                                                <a:schemeClr val="tx1"/>
+                                              </a:solidFill>
+                                              <a:latin typeface="Cambria Math" panose="02040503050406030204" pitchFamily="18" charset="0"/>
+                                              <a:ea typeface="Cambria Math" panose="02040503050406030204" pitchFamily="18" charset="0"/>
+                                            </a:rPr>
+                                          </m:ctrlPr>
+                                        </m:fPr>
+                                        <m:num>
+                                          <m:sSub>
+                                            <m:sSubPr>
+                                              <m:ctrlPr>
+                                                <a:rPr lang="en-US" altLang="ja-JP" sz="350" i="1">
+                                                  <a:solidFill>
+                                                    <a:schemeClr val="tx1"/>
+                                                  </a:solidFill>
+                                                  <a:latin typeface="Cambria Math" panose="02040503050406030204" pitchFamily="18" charset="0"/>
+                                                  <a:ea typeface="Cambria Math" panose="02040503050406030204" pitchFamily="18" charset="0"/>
+                                                </a:rPr>
+                                              </m:ctrlPr>
+                                            </m:sSubPr>
+                                            <m:e>
+                                              <m:r>
+                                                <a:rPr lang="en-US" altLang="ja-JP" sz="350" i="1">
+                                                  <a:solidFill>
+                                                    <a:schemeClr val="tx1"/>
+                                                  </a:solidFill>
+                                                  <a:latin typeface="Cambria Math" panose="02040503050406030204" pitchFamily="18" charset="0"/>
+                                                  <a:ea typeface="Cambria Math" panose="02040503050406030204" pitchFamily="18" charset="0"/>
+                                                </a:rPr>
+                                                <m:t>𝐶</m:t>
+                                              </m:r>
+                                            </m:e>
+                                            <m:sub>
+                                              <m:r>
+                                                <a:rPr lang="en-US" altLang="ja-JP" sz="350" i="1">
+                                                  <a:solidFill>
+                                                    <a:schemeClr val="tx1"/>
+                                                  </a:solidFill>
+                                                  <a:latin typeface="Cambria Math" panose="02040503050406030204" pitchFamily="18" charset="0"/>
+                                                  <a:ea typeface="Cambria Math" panose="02040503050406030204" pitchFamily="18" charset="0"/>
+                                                </a:rPr>
+                                                <m:t>𝑐</m:t>
+                                              </m:r>
+                                            </m:sub>
+                                          </m:sSub>
+                                          <m:r>
+                                            <m:rPr>
+                                              <m:sty m:val="p"/>
+                                            </m:rPr>
+                                            <a:rPr lang="el-GR" altLang="ja-JP" sz="350" i="1">
+                                              <a:solidFill>
+                                                <a:schemeClr val="tx1"/>
+                                              </a:solidFill>
+                                              <a:latin typeface="Cambria Math" panose="02040503050406030204" pitchFamily="18" charset="0"/>
+                                              <a:ea typeface="Cambria Math" panose="02040503050406030204" pitchFamily="18" charset="0"/>
+                                            </a:rPr>
+                                            <m:t>Δ</m:t>
+                                          </m:r>
+                                          <m:r>
+                                            <a:rPr lang="en-US" altLang="ja-JP" sz="350" i="1">
+                                              <a:solidFill>
+                                                <a:schemeClr val="tx1"/>
+                                              </a:solidFill>
+                                              <a:latin typeface="Cambria Math" panose="02040503050406030204" pitchFamily="18" charset="0"/>
+                                              <a:ea typeface="Cambria Math" panose="02040503050406030204" pitchFamily="18" charset="0"/>
+                                            </a:rPr>
+                                            <m:t>𝑉</m:t>
+                                          </m:r>
+                                        </m:num>
+                                        <m:den>
+                                          <m:r>
+                                            <a:rPr lang="en-US" altLang="ja-JP" sz="350" i="1">
+                                              <a:solidFill>
+                                                <a:schemeClr val="tx1"/>
+                                              </a:solidFill>
+                                              <a:latin typeface="Cambria Math" panose="02040503050406030204" pitchFamily="18" charset="0"/>
+                                              <a:ea typeface="Cambria Math" panose="02040503050406030204" pitchFamily="18" charset="0"/>
+                                            </a:rPr>
+                                            <m:t>𝑉</m:t>
+                                          </m:r>
+                                        </m:den>
+                                      </m:f>
+                                    </m:e>
+                                  </m:d>
+                                </m:e>
+                                <m:sup>
+                                  <m:r>
+                                    <a:rPr lang="en-US" altLang="ja-JP" sz="350" i="1">
+                                      <a:solidFill>
+                                        <a:schemeClr val="tx1"/>
+                                      </a:solidFill>
+                                      <a:latin typeface="Cambria Math" panose="02040503050406030204" pitchFamily="18" charset="0"/>
+                                      <a:ea typeface="Cambria Math" panose="02040503050406030204" pitchFamily="18" charset="0"/>
+                                    </a:rPr>
+                                    <m:t>2</m:t>
+                                  </m:r>
+                                </m:sup>
+                              </m:sSup>
+                              <m:sSup>
+                                <m:sSupPr>
+                                  <m:ctrlPr>
+                                    <a:rPr lang="en-US" altLang="ja-JP" sz="350" i="1">
+                                      <a:solidFill>
+                                        <a:schemeClr val="tx1"/>
+                                      </a:solidFill>
+                                      <a:latin typeface="Cambria Math" panose="02040503050406030204" pitchFamily="18" charset="0"/>
+                                      <a:ea typeface="Cambria Math" panose="02040503050406030204" pitchFamily="18" charset="0"/>
+                                    </a:rPr>
+                                  </m:ctrlPr>
+                                </m:sSupPr>
+                                <m:e>
+                                  <m:r>
+                                    <a:rPr lang="en-US" altLang="ja-JP" sz="350" b="1" i="1">
+                                      <a:solidFill>
+                                        <a:schemeClr val="tx1"/>
+                                      </a:solidFill>
+                                      <a:latin typeface="Cambria Math" panose="02040503050406030204" pitchFamily="18" charset="0"/>
+                                      <a:ea typeface="Cambria Math" panose="02040503050406030204" pitchFamily="18" charset="0"/>
+                                    </a:rPr>
+                                    <m:t>𝒖</m:t>
+                                  </m:r>
+                                </m:e>
+                                <m:sup>
+                                  <m:r>
+                                    <a:rPr lang="en-US" altLang="ja-JP" sz="350" i="1">
+                                      <a:solidFill>
+                                        <a:schemeClr val="tx1"/>
+                                      </a:solidFill>
+                                      <a:latin typeface="Cambria Math" panose="02040503050406030204" pitchFamily="18" charset="0"/>
+                                      <a:ea typeface="Cambria Math" panose="02040503050406030204" pitchFamily="18" charset="0"/>
+                                    </a:rPr>
+                                    <m:t>4</m:t>
+                                  </m:r>
+                                </m:sup>
+                              </m:sSup>
+                              <m:r>
+                                <a:rPr lang="en-US" altLang="ja-JP" sz="350" b="0" i="1" smtClean="0">
+                                  <a:solidFill>
+                                    <a:schemeClr val="tx1"/>
+                                  </a:solidFill>
+                                  <a:latin typeface="Cambria Math" panose="02040503050406030204" pitchFamily="18" charset="0"/>
+                                  <a:ea typeface="Cambria Math" panose="02040503050406030204" pitchFamily="18" charset="0"/>
+                                </a:rPr>
+                                <m:t>/2</m:t>
+                              </m:r>
+                            </m:e>
+                          </m:d>
+                        </m:e>
+                      </m:func>
+                    </m:oMath>
+                  </m:oMathPara>
+                </a14:m>
+                <a:endParaRPr lang="ja-JP" altLang="en-US" sz="350" i="1" dirty="0">
+                  <a:solidFill>
+                    <a:srgbClr val="FF0000"/>
+                  </a:solidFill>
+                </a:endParaRPr>
+              </a:p>
+            </p:txBody>
+          </p:sp>
+        </mc:Choice>
+        <mc:Fallback>
+          <p:sp>
+            <p:nvSpPr>
+              <p:cNvPr id="28" name="正方形/長方形 27">
+                <a:extLst>
+                  <a:ext uri="{FF2B5EF4-FFF2-40B4-BE49-F238E27FC236}">
+                    <a16:creationId xmlns:a16="http://schemas.microsoft.com/office/drawing/2014/main" id="{73DEFCE5-2AB4-2EBB-9B5F-3A8FBDE0500B}"/>
+                  </a:ext>
+                </a:extLst>
+              </p:cNvPr>
+              <p:cNvSpPr>
+                <a:spLocks noRot="1" noChangeAspect="1" noMove="1" noResize="1" noEditPoints="1" noAdjustHandles="1" noChangeArrowheads="1" noChangeShapeType="1" noTextEdit="1"/>
+              </p:cNvSpPr>
+              <p:nvPr/>
+            </p:nvSpPr>
+            <p:spPr>
+              <a:xfrm>
+                <a:off x="346330" y="2617677"/>
+                <a:ext cx="740459" cy="53861"/>
+              </a:xfrm>
+              <a:prstGeom prst="rect">
+                <a:avLst/>
+              </a:prstGeom>
+              <a:blipFill>
+                <a:blip r:embed="rId25"/>
+                <a:stretch>
+                  <a:fillRect l="-2479" t="-166667" b="-288889"/>
+                </a:stretch>
+              </a:blipFill>
+            </p:spPr>
+            <p:txBody>
+              <a:bodyPr/>
+              <a:lstStyle/>
+              <a:p>
+                <a:r>
+                  <a:rPr lang="ja-JP" altLang="en-US">
+                    <a:noFill/>
+                  </a:rPr>
+                  <a:t> </a:t>
+                </a:r>
+              </a:p>
+            </p:txBody>
+          </p:sp>
+        </mc:Fallback>
+      </mc:AlternateContent>
+      <mc:AlternateContent xmlns:mc="http://schemas.openxmlformats.org/markup-compatibility/2006">
+        <mc:Choice xmlns:a14="http://schemas.microsoft.com/office/drawing/2010/main" Requires="a14">
+          <p:sp>
+            <p:nvSpPr>
+              <p:cNvPr id="31" name="正方形/長方形 30">
+                <a:extLst>
+                  <a:ext uri="{FF2B5EF4-FFF2-40B4-BE49-F238E27FC236}">
+                    <a16:creationId xmlns:a16="http://schemas.microsoft.com/office/drawing/2014/main" id="{DA264225-E371-64C4-27B1-A34F00CA644E}"/>
+                  </a:ext>
+                </a:extLst>
+              </p:cNvPr>
+              <p:cNvSpPr/>
+              <p:nvPr/>
+            </p:nvSpPr>
+            <p:spPr>
+              <a:xfrm>
+                <a:off x="346330" y="3202900"/>
+                <a:ext cx="908326" cy="53861"/>
+              </a:xfrm>
+              <a:prstGeom prst="rect">
+                <a:avLst/>
+              </a:prstGeom>
+            </p:spPr>
+            <p:txBody>
+              <a:bodyPr wrap="none" lIns="0" tIns="0" rIns="0" bIns="0">
+                <a:spAutoFit/>
+              </a:bodyPr>
+              <a:lstStyle/>
+              <a:p>
+                <a:pPr/>
+                <a14:m>
+                  <m:oMathPara xmlns:m="http://schemas.openxmlformats.org/officeDocument/2006/math">
+                    <m:oMathParaPr>
+                      <m:jc m:val="left"/>
+                    </m:oMathParaPr>
+                    <m:oMath xmlns:m="http://schemas.openxmlformats.org/officeDocument/2006/math">
+                      <m:r>
+                        <m:rPr>
+                          <m:sty m:val="p"/>
+                        </m:rPr>
+                        <a:rPr lang="en-US" altLang="ja-JP" sz="350" b="0" i="0" smtClean="0">
+                          <a:solidFill>
+                            <a:srgbClr val="004080"/>
+                          </a:solidFill>
+                          <a:latin typeface="Cambria Math" panose="02040503050406030204" pitchFamily="18" charset="0"/>
+                        </a:rPr>
+                        <m:t>PCTF</m:t>
+                      </m:r>
+                      <m:d>
+                        <m:dPr>
+                          <m:ctrlPr>
+                            <a:rPr lang="en-US" altLang="ja-JP" sz="350" b="0" i="1" smtClean="0">
+                              <a:solidFill>
+                                <a:srgbClr val="004080"/>
+                              </a:solidFill>
+                              <a:latin typeface="Cambria Math" panose="02040503050406030204" pitchFamily="18" charset="0"/>
+                            </a:rPr>
+                          </m:ctrlPr>
+                        </m:dPr>
+                        <m:e>
+                          <m:r>
+                            <a:rPr lang="en-US" altLang="ja-JP" sz="350" b="1" i="1" smtClean="0">
+                              <a:solidFill>
+                                <a:srgbClr val="004080"/>
+                              </a:solidFill>
+                              <a:latin typeface="Cambria Math" panose="02040503050406030204" pitchFamily="18" charset="0"/>
+                            </a:rPr>
+                            <m:t>𝒖</m:t>
+                          </m:r>
+                        </m:e>
+                      </m:d>
+                      <m:r>
+                        <a:rPr lang="en-US" altLang="ja-JP" sz="350" b="0" i="1" smtClean="0">
+                          <a:solidFill>
+                            <a:schemeClr val="tx1"/>
+                          </a:solidFill>
+                          <a:latin typeface="Cambria Math" panose="02040503050406030204" pitchFamily="18" charset="0"/>
+                        </a:rPr>
+                        <m:t>=</m:t>
+                      </m:r>
+                      <m:r>
+                        <a:rPr lang="en-US" altLang="ja-JP" sz="350" i="1">
+                          <a:latin typeface="Cambria Math" panose="02040503050406030204" pitchFamily="18" charset="0"/>
+                        </a:rPr>
+                        <m:t>𝐴</m:t>
+                      </m:r>
+                      <m:d>
+                        <m:dPr>
+                          <m:ctrlPr>
+                            <a:rPr lang="en-US" altLang="ja-JP" sz="350" i="1">
+                              <a:latin typeface="Cambria Math" panose="02040503050406030204" pitchFamily="18" charset="0"/>
+                            </a:rPr>
+                          </m:ctrlPr>
+                        </m:dPr>
+                        <m:e>
+                          <m:r>
+                            <a:rPr lang="en-US" altLang="ja-JP" sz="350" b="1" i="1">
+                              <a:latin typeface="Cambria Math" panose="02040503050406030204" pitchFamily="18" charset="0"/>
+                            </a:rPr>
+                            <m:t>𝒖</m:t>
+                          </m:r>
+                        </m:e>
+                      </m:d>
+                      <m:r>
+                        <a:rPr lang="en-US" altLang="ja-JP" sz="350" b="1" i="1">
+                          <a:latin typeface="Cambria Math" panose="02040503050406030204" pitchFamily="18" charset="0"/>
+                          <a:ea typeface="Cambria Math" panose="02040503050406030204" pitchFamily="18" charset="0"/>
+                        </a:rPr>
+                        <m:t>×</m:t>
+                      </m:r>
+                      <m:func>
+                        <m:funcPr>
+                          <m:ctrlPr>
+                            <a:rPr lang="en-US" altLang="ja-JP" sz="350" i="1" smtClean="0">
+                              <a:solidFill>
+                                <a:srgbClr val="0000FF"/>
+                              </a:solidFill>
+                              <a:latin typeface="Cambria Math" panose="02040503050406030204" pitchFamily="18" charset="0"/>
+                            </a:rPr>
+                          </m:ctrlPr>
+                        </m:funcPr>
+                        <m:fName>
+                          <m:r>
+                            <m:rPr>
+                              <m:sty m:val="p"/>
+                            </m:rPr>
+                            <a:rPr lang="en-US" altLang="ja-JP" sz="350">
+                              <a:solidFill>
+                                <a:srgbClr val="0000FF"/>
+                              </a:solidFill>
+                              <a:latin typeface="Cambria Math" panose="02040503050406030204" pitchFamily="18" charset="0"/>
+                            </a:rPr>
+                            <m:t>sin</m:t>
+                          </m:r>
+                        </m:fName>
+                        <m:e>
+                          <m:d>
+                            <m:dPr>
+                              <m:begChr m:val="["/>
+                              <m:endChr m:val="]"/>
+                              <m:ctrlPr>
+                                <a:rPr lang="en-US" altLang="ja-JP" sz="350" i="1">
+                                  <a:solidFill>
+                                    <a:srgbClr val="0000FF"/>
+                                  </a:solidFill>
+                                  <a:latin typeface="Cambria Math" panose="02040503050406030204" pitchFamily="18" charset="0"/>
+                                </a:rPr>
+                              </m:ctrlPr>
+                            </m:dPr>
+                            <m:e>
+                              <m:r>
+                                <a:rPr lang="en-US" altLang="ja-JP" sz="350" b="0" i="1" smtClean="0">
+                                  <a:solidFill>
+                                    <a:srgbClr val="0000FF"/>
+                                  </a:solidFill>
+                                  <a:latin typeface="Cambria Math" panose="02040503050406030204" pitchFamily="18" charset="0"/>
+                                </a:rPr>
+                                <m:t>𝑊</m:t>
+                              </m:r>
+                              <m:d>
+                                <m:dPr>
+                                  <m:ctrlPr>
+                                    <a:rPr lang="en-US" altLang="ja-JP" sz="350" i="1">
+                                      <a:solidFill>
+                                        <a:srgbClr val="0000FF"/>
+                                      </a:solidFill>
+                                      <a:latin typeface="Cambria Math" panose="02040503050406030204" pitchFamily="18" charset="0"/>
+                                    </a:rPr>
+                                  </m:ctrlPr>
+                                </m:dPr>
+                                <m:e>
+                                  <m:r>
+                                    <a:rPr lang="en-US" altLang="ja-JP" sz="350" b="1" i="1">
+                                      <a:solidFill>
+                                        <a:srgbClr val="0000FF"/>
+                                      </a:solidFill>
+                                      <a:latin typeface="Cambria Math" panose="02040503050406030204" pitchFamily="18" charset="0"/>
+                                    </a:rPr>
+                                    <m:t>𝒖</m:t>
+                                  </m:r>
+                                </m:e>
+                              </m:d>
+                            </m:e>
+                          </m:d>
+                        </m:e>
+                      </m:func>
+                      <m:r>
+                        <a:rPr lang="en-US" altLang="ja-JP" sz="350" b="1" i="1" smtClean="0">
+                          <a:solidFill>
+                            <a:schemeClr val="tx1"/>
+                          </a:solidFill>
+                          <a:latin typeface="Cambria Math" panose="02040503050406030204" pitchFamily="18" charset="0"/>
+                          <a:ea typeface="Cambria Math" panose="02040503050406030204" pitchFamily="18" charset="0"/>
+                        </a:rPr>
+                        <m:t>×</m:t>
+                      </m:r>
+                      <m:sSub>
+                        <m:sSubPr>
+                          <m:ctrlPr>
+                            <a:rPr lang="en-US" altLang="ja-JP" sz="350" i="1">
+                              <a:solidFill>
+                                <a:srgbClr val="007D00"/>
+                              </a:solidFill>
+                              <a:latin typeface="Cambria Math" panose="02040503050406030204" pitchFamily="18" charset="0"/>
+                            </a:rPr>
+                          </m:ctrlPr>
+                        </m:sSubPr>
+                        <m:e>
+                          <m:r>
+                            <a:rPr lang="en-US" altLang="ja-JP" sz="350" i="1">
+                              <a:solidFill>
+                                <a:srgbClr val="007D00"/>
+                              </a:solidFill>
+                              <a:latin typeface="Cambria Math" panose="02040503050406030204" pitchFamily="18" charset="0"/>
+                            </a:rPr>
+                            <m:t>𝐸</m:t>
+                          </m:r>
+                        </m:e>
+                        <m:sub>
+                          <m:r>
+                            <a:rPr lang="en-US" altLang="ja-JP" sz="350" i="1">
+                              <a:solidFill>
+                                <a:srgbClr val="007D00"/>
+                              </a:solidFill>
+                              <a:latin typeface="Cambria Math" panose="02040503050406030204" pitchFamily="18" charset="0"/>
+                            </a:rPr>
+                            <m:t>𝑠</m:t>
+                          </m:r>
+                        </m:sub>
+                      </m:sSub>
+                      <m:d>
+                        <m:dPr>
+                          <m:ctrlPr>
+                            <a:rPr lang="en-US" altLang="ja-JP" sz="350" i="1">
+                              <a:solidFill>
+                                <a:srgbClr val="007D00"/>
+                              </a:solidFill>
+                              <a:latin typeface="Cambria Math" panose="02040503050406030204" pitchFamily="18" charset="0"/>
+                            </a:rPr>
+                          </m:ctrlPr>
+                        </m:dPr>
+                        <m:e>
+                          <m:r>
+                            <a:rPr lang="en-US" altLang="ja-JP" sz="350" b="1" i="1">
+                              <a:solidFill>
+                                <a:srgbClr val="007D00"/>
+                              </a:solidFill>
+                              <a:latin typeface="Cambria Math" panose="02040503050406030204" pitchFamily="18" charset="0"/>
+                            </a:rPr>
+                            <m:t>𝒖</m:t>
+                          </m:r>
+                        </m:e>
+                      </m:d>
+                      <m:r>
+                        <a:rPr lang="en-US" altLang="ja-JP" sz="350" b="1" i="1" smtClean="0">
+                          <a:solidFill>
+                            <a:schemeClr val="tx1"/>
+                          </a:solidFill>
+                          <a:latin typeface="Cambria Math" panose="02040503050406030204" pitchFamily="18" charset="0"/>
+                          <a:ea typeface="Cambria Math" panose="02040503050406030204" pitchFamily="18" charset="0"/>
+                        </a:rPr>
+                        <m:t>×</m:t>
+                      </m:r>
+                      <m:sSub>
+                        <m:sSubPr>
+                          <m:ctrlPr>
+                            <a:rPr lang="en-US" altLang="ja-JP" sz="350" i="1">
+                              <a:solidFill>
+                                <a:srgbClr val="FF0000"/>
+                              </a:solidFill>
+                              <a:latin typeface="Cambria Math" panose="02040503050406030204" pitchFamily="18" charset="0"/>
+                            </a:rPr>
+                          </m:ctrlPr>
+                        </m:sSubPr>
+                        <m:e>
+                          <m:r>
+                            <a:rPr lang="en-US" altLang="ja-JP" sz="350" i="1">
+                              <a:solidFill>
+                                <a:srgbClr val="FF0000"/>
+                              </a:solidFill>
+                              <a:latin typeface="Cambria Math" panose="02040503050406030204" pitchFamily="18" charset="0"/>
+                            </a:rPr>
+                            <m:t>𝐸</m:t>
+                          </m:r>
+                        </m:e>
+                        <m:sub>
+                          <m:r>
+                            <a:rPr lang="en-US" altLang="ja-JP" sz="350" i="1">
+                              <a:solidFill>
+                                <a:srgbClr val="FF0000"/>
+                              </a:solidFill>
+                              <a:latin typeface="Cambria Math" panose="02040503050406030204" pitchFamily="18" charset="0"/>
+                            </a:rPr>
+                            <m:t>𝑐</m:t>
+                          </m:r>
+                        </m:sub>
+                      </m:sSub>
+                      <m:d>
+                        <m:dPr>
+                          <m:ctrlPr>
+                            <a:rPr lang="en-US" altLang="ja-JP" sz="350" i="1">
+                              <a:solidFill>
+                                <a:srgbClr val="FF0000"/>
+                              </a:solidFill>
+                              <a:latin typeface="Cambria Math" panose="02040503050406030204" pitchFamily="18" charset="0"/>
+                            </a:rPr>
+                          </m:ctrlPr>
+                        </m:dPr>
+                        <m:e>
+                          <m:r>
+                            <a:rPr lang="en-US" altLang="ja-JP" sz="350" b="1" i="1">
+                              <a:solidFill>
+                                <a:srgbClr val="FF0000"/>
+                              </a:solidFill>
+                              <a:latin typeface="Cambria Math" panose="02040503050406030204" pitchFamily="18" charset="0"/>
+                            </a:rPr>
+                            <m:t>𝒖</m:t>
+                          </m:r>
+                        </m:e>
+                      </m:d>
+                    </m:oMath>
+                  </m:oMathPara>
+                </a14:m>
+                <a:endParaRPr lang="en-US" altLang="ja-JP" sz="350" i="1" dirty="0">
+                  <a:solidFill>
+                    <a:srgbClr val="FF0000"/>
+                  </a:solidFill>
+                </a:endParaRPr>
+              </a:p>
+            </p:txBody>
+          </p:sp>
+        </mc:Choice>
+        <mc:Fallback>
+          <p:sp>
+            <p:nvSpPr>
+              <p:cNvPr id="31" name="正方形/長方形 30">
+                <a:extLst>
+                  <a:ext uri="{FF2B5EF4-FFF2-40B4-BE49-F238E27FC236}">
+                    <a16:creationId xmlns:a16="http://schemas.microsoft.com/office/drawing/2014/main" id="{DA264225-E371-64C4-27B1-A34F00CA644E}"/>
+                  </a:ext>
+                </a:extLst>
+              </p:cNvPr>
+              <p:cNvSpPr>
+                <a:spLocks noRot="1" noChangeAspect="1" noMove="1" noResize="1" noEditPoints="1" noAdjustHandles="1" noChangeArrowheads="1" noChangeShapeType="1" noTextEdit="1"/>
+              </p:cNvSpPr>
+              <p:nvPr/>
+            </p:nvSpPr>
+            <p:spPr>
+              <a:xfrm>
+                <a:off x="346330" y="3202900"/>
+                <a:ext cx="908326" cy="53861"/>
+              </a:xfrm>
+              <a:prstGeom prst="rect">
+                <a:avLst/>
+              </a:prstGeom>
+              <a:blipFill>
+                <a:blip r:embed="rId26"/>
+                <a:stretch>
+                  <a:fillRect l="-2013" b="-11111"/>
+                </a:stretch>
+              </a:blipFill>
+            </p:spPr>
+            <p:txBody>
+              <a:bodyPr/>
+              <a:lstStyle/>
+              <a:p>
+                <a:r>
+                  <a:rPr lang="ja-JP" altLang="en-US">
+                    <a:noFill/>
+                  </a:rPr>
+                  <a:t> </a:t>
+                </a:r>
+              </a:p>
+            </p:txBody>
+          </p:sp>
+        </mc:Fallback>
+      </mc:AlternateContent>
+      <mc:AlternateContent xmlns:mc="http://schemas.openxmlformats.org/markup-compatibility/2006">
+        <mc:Choice xmlns:a14="http://schemas.microsoft.com/office/drawing/2010/main" Requires="a14">
+          <p:sp>
+            <p:nvSpPr>
+              <p:cNvPr id="34" name="正方形/長方形 33">
+                <a:extLst>
+                  <a:ext uri="{FF2B5EF4-FFF2-40B4-BE49-F238E27FC236}">
+                    <a16:creationId xmlns:a16="http://schemas.microsoft.com/office/drawing/2014/main" id="{C603ED9C-CB3C-9D4D-4ED2-9A929A0BF97A}"/>
+                  </a:ext>
+                </a:extLst>
+              </p:cNvPr>
+              <p:cNvSpPr/>
+              <p:nvPr/>
+            </p:nvSpPr>
+            <p:spPr>
+              <a:xfrm>
+                <a:off x="346330" y="3759255"/>
+                <a:ext cx="914738" cy="53861"/>
+              </a:xfrm>
+              <a:prstGeom prst="rect">
+                <a:avLst/>
+              </a:prstGeom>
+            </p:spPr>
+            <p:txBody>
+              <a:bodyPr wrap="none" lIns="0" tIns="0" rIns="0" bIns="0">
+                <a:spAutoFit/>
+              </a:bodyPr>
+              <a:lstStyle/>
+              <a:p>
+                <a:pPr/>
+                <a14:m>
+                  <m:oMathPara xmlns:m="http://schemas.openxmlformats.org/officeDocument/2006/math">
+                    <m:oMathParaPr>
+                      <m:jc m:val="left"/>
+                    </m:oMathParaPr>
+                    <m:oMath xmlns:m="http://schemas.openxmlformats.org/officeDocument/2006/math">
+                      <m:r>
+                        <m:rPr>
+                          <m:sty m:val="p"/>
+                        </m:rPr>
+                        <a:rPr lang="en-US" altLang="ja-JP" sz="350" b="0" i="0" smtClean="0">
+                          <a:solidFill>
+                            <a:srgbClr val="400040"/>
+                          </a:solidFill>
+                          <a:latin typeface="Cambria Math" panose="02040503050406030204" pitchFamily="18" charset="0"/>
+                        </a:rPr>
+                        <m:t>ACTF</m:t>
+                      </m:r>
+                      <m:d>
+                        <m:dPr>
+                          <m:ctrlPr>
+                            <a:rPr lang="en-US" altLang="ja-JP" sz="350" b="0" i="1" smtClean="0">
+                              <a:solidFill>
+                                <a:srgbClr val="400040"/>
+                              </a:solidFill>
+                              <a:latin typeface="Cambria Math" panose="02040503050406030204" pitchFamily="18" charset="0"/>
+                            </a:rPr>
+                          </m:ctrlPr>
+                        </m:dPr>
+                        <m:e>
+                          <m:r>
+                            <a:rPr lang="en-US" altLang="ja-JP" sz="350" b="1" i="1" smtClean="0">
+                              <a:solidFill>
+                                <a:srgbClr val="400040"/>
+                              </a:solidFill>
+                              <a:latin typeface="Cambria Math" panose="02040503050406030204" pitchFamily="18" charset="0"/>
+                            </a:rPr>
+                            <m:t>𝒖</m:t>
+                          </m:r>
+                        </m:e>
+                      </m:d>
+                      <m:r>
+                        <a:rPr lang="en-US" altLang="ja-JP" sz="350" b="0" i="1" smtClean="0">
+                          <a:solidFill>
+                            <a:schemeClr val="tx1"/>
+                          </a:solidFill>
+                          <a:latin typeface="Cambria Math" panose="02040503050406030204" pitchFamily="18" charset="0"/>
+                        </a:rPr>
+                        <m:t>=</m:t>
+                      </m:r>
+                      <m:r>
+                        <a:rPr lang="en-US" altLang="ja-JP" sz="350" i="1">
+                          <a:latin typeface="Cambria Math" panose="02040503050406030204" pitchFamily="18" charset="0"/>
+                        </a:rPr>
+                        <m:t>𝐴</m:t>
+                      </m:r>
+                      <m:d>
+                        <m:dPr>
+                          <m:ctrlPr>
+                            <a:rPr lang="en-US" altLang="ja-JP" sz="350" i="1">
+                              <a:latin typeface="Cambria Math" panose="02040503050406030204" pitchFamily="18" charset="0"/>
+                            </a:rPr>
+                          </m:ctrlPr>
+                        </m:dPr>
+                        <m:e>
+                          <m:r>
+                            <a:rPr lang="en-US" altLang="ja-JP" sz="350" b="1" i="1">
+                              <a:latin typeface="Cambria Math" panose="02040503050406030204" pitchFamily="18" charset="0"/>
+                            </a:rPr>
+                            <m:t>𝒖</m:t>
+                          </m:r>
+                        </m:e>
+                      </m:d>
+                      <m:r>
+                        <a:rPr lang="en-US" altLang="ja-JP" sz="350" b="1" i="1">
+                          <a:latin typeface="Cambria Math" panose="02040503050406030204" pitchFamily="18" charset="0"/>
+                          <a:ea typeface="Cambria Math" panose="02040503050406030204" pitchFamily="18" charset="0"/>
+                        </a:rPr>
+                        <m:t>×</m:t>
+                      </m:r>
+                      <m:func>
+                        <m:funcPr>
+                          <m:ctrlPr>
+                            <a:rPr lang="en-US" altLang="ja-JP" sz="350" i="1">
+                              <a:solidFill>
+                                <a:srgbClr val="8000FF"/>
+                              </a:solidFill>
+                              <a:latin typeface="Cambria Math" panose="02040503050406030204" pitchFamily="18" charset="0"/>
+                            </a:rPr>
+                          </m:ctrlPr>
+                        </m:funcPr>
+                        <m:fName>
+                          <m:r>
+                            <m:rPr>
+                              <m:sty m:val="p"/>
+                            </m:rPr>
+                            <a:rPr lang="en-US" altLang="ja-JP" sz="350">
+                              <a:solidFill>
+                                <a:srgbClr val="8000FF"/>
+                              </a:solidFill>
+                              <a:latin typeface="Cambria Math" panose="02040503050406030204" pitchFamily="18" charset="0"/>
+                            </a:rPr>
+                            <m:t>cos</m:t>
+                          </m:r>
+                        </m:fName>
+                        <m:e>
+                          <m:d>
+                            <m:dPr>
+                              <m:begChr m:val="["/>
+                              <m:endChr m:val="]"/>
+                              <m:ctrlPr>
+                                <a:rPr lang="en-US" altLang="ja-JP" sz="350" i="1">
+                                  <a:solidFill>
+                                    <a:srgbClr val="8000FF"/>
+                                  </a:solidFill>
+                                  <a:latin typeface="Cambria Math" panose="02040503050406030204" pitchFamily="18" charset="0"/>
+                                </a:rPr>
+                              </m:ctrlPr>
+                            </m:dPr>
+                            <m:e>
+                              <m:r>
+                                <a:rPr lang="en-US" altLang="ja-JP" sz="350" i="1">
+                                  <a:solidFill>
+                                    <a:srgbClr val="8000FF"/>
+                                  </a:solidFill>
+                                  <a:latin typeface="Cambria Math" panose="02040503050406030204" pitchFamily="18" charset="0"/>
+                                </a:rPr>
+                                <m:t>𝑊</m:t>
+                              </m:r>
+                              <m:d>
+                                <m:dPr>
+                                  <m:ctrlPr>
+                                    <a:rPr lang="en-US" altLang="ja-JP" sz="350" i="1">
+                                      <a:solidFill>
+                                        <a:srgbClr val="8000FF"/>
+                                      </a:solidFill>
+                                      <a:latin typeface="Cambria Math" panose="02040503050406030204" pitchFamily="18" charset="0"/>
+                                    </a:rPr>
+                                  </m:ctrlPr>
+                                </m:dPr>
+                                <m:e>
+                                  <m:r>
+                                    <a:rPr lang="en-US" altLang="ja-JP" sz="350" b="1" i="1">
+                                      <a:solidFill>
+                                        <a:srgbClr val="8000FF"/>
+                                      </a:solidFill>
+                                      <a:latin typeface="Cambria Math" panose="02040503050406030204" pitchFamily="18" charset="0"/>
+                                    </a:rPr>
+                                    <m:t>𝒖</m:t>
+                                  </m:r>
+                                </m:e>
+                              </m:d>
+                            </m:e>
+                          </m:d>
+                        </m:e>
+                      </m:func>
+                      <m:r>
+                        <a:rPr lang="en-US" altLang="ja-JP" sz="350" b="1" i="1" smtClean="0">
+                          <a:solidFill>
+                            <a:schemeClr val="tx1"/>
+                          </a:solidFill>
+                          <a:latin typeface="Cambria Math" panose="02040503050406030204" pitchFamily="18" charset="0"/>
+                          <a:ea typeface="Cambria Math" panose="02040503050406030204" pitchFamily="18" charset="0"/>
+                        </a:rPr>
+                        <m:t>×</m:t>
+                      </m:r>
+                      <m:sSub>
+                        <m:sSubPr>
+                          <m:ctrlPr>
+                            <a:rPr lang="en-US" altLang="ja-JP" sz="350" i="1">
+                              <a:solidFill>
+                                <a:srgbClr val="007D00"/>
+                              </a:solidFill>
+                              <a:latin typeface="Cambria Math" panose="02040503050406030204" pitchFamily="18" charset="0"/>
+                            </a:rPr>
+                          </m:ctrlPr>
+                        </m:sSubPr>
+                        <m:e>
+                          <m:r>
+                            <a:rPr lang="en-US" altLang="ja-JP" sz="350" i="1">
+                              <a:solidFill>
+                                <a:srgbClr val="007D00"/>
+                              </a:solidFill>
+                              <a:latin typeface="Cambria Math" panose="02040503050406030204" pitchFamily="18" charset="0"/>
+                            </a:rPr>
+                            <m:t>𝐸</m:t>
+                          </m:r>
+                        </m:e>
+                        <m:sub>
+                          <m:r>
+                            <a:rPr lang="en-US" altLang="ja-JP" sz="350" i="1">
+                              <a:solidFill>
+                                <a:srgbClr val="007D00"/>
+                              </a:solidFill>
+                              <a:latin typeface="Cambria Math" panose="02040503050406030204" pitchFamily="18" charset="0"/>
+                            </a:rPr>
+                            <m:t>𝑠</m:t>
+                          </m:r>
+                        </m:sub>
+                      </m:sSub>
+                      <m:d>
+                        <m:dPr>
+                          <m:ctrlPr>
+                            <a:rPr lang="en-US" altLang="ja-JP" sz="350" i="1">
+                              <a:solidFill>
+                                <a:srgbClr val="007D00"/>
+                              </a:solidFill>
+                              <a:latin typeface="Cambria Math" panose="02040503050406030204" pitchFamily="18" charset="0"/>
+                            </a:rPr>
+                          </m:ctrlPr>
+                        </m:dPr>
+                        <m:e>
+                          <m:r>
+                            <a:rPr lang="en-US" altLang="ja-JP" sz="350" b="1" i="1">
+                              <a:solidFill>
+                                <a:srgbClr val="007D00"/>
+                              </a:solidFill>
+                              <a:latin typeface="Cambria Math" panose="02040503050406030204" pitchFamily="18" charset="0"/>
+                            </a:rPr>
+                            <m:t>𝒖</m:t>
+                          </m:r>
+                        </m:e>
+                      </m:d>
+                      <m:r>
+                        <a:rPr lang="en-US" altLang="ja-JP" sz="350" b="1" i="1" smtClean="0">
+                          <a:solidFill>
+                            <a:schemeClr val="tx1"/>
+                          </a:solidFill>
+                          <a:latin typeface="Cambria Math" panose="02040503050406030204" pitchFamily="18" charset="0"/>
+                          <a:ea typeface="Cambria Math" panose="02040503050406030204" pitchFamily="18" charset="0"/>
+                        </a:rPr>
+                        <m:t>×</m:t>
+                      </m:r>
+                      <m:sSub>
+                        <m:sSubPr>
+                          <m:ctrlPr>
+                            <a:rPr lang="en-US" altLang="ja-JP" sz="350" i="1">
+                              <a:solidFill>
+                                <a:srgbClr val="FF0000"/>
+                              </a:solidFill>
+                              <a:latin typeface="Cambria Math" panose="02040503050406030204" pitchFamily="18" charset="0"/>
+                            </a:rPr>
+                          </m:ctrlPr>
+                        </m:sSubPr>
+                        <m:e>
+                          <m:r>
+                            <a:rPr lang="en-US" altLang="ja-JP" sz="350" i="1">
+                              <a:solidFill>
+                                <a:srgbClr val="FF0000"/>
+                              </a:solidFill>
+                              <a:latin typeface="Cambria Math" panose="02040503050406030204" pitchFamily="18" charset="0"/>
+                            </a:rPr>
+                            <m:t>𝐸</m:t>
+                          </m:r>
+                        </m:e>
+                        <m:sub>
+                          <m:r>
+                            <a:rPr lang="en-US" altLang="ja-JP" sz="350" i="1">
+                              <a:solidFill>
+                                <a:srgbClr val="FF0000"/>
+                              </a:solidFill>
+                              <a:latin typeface="Cambria Math" panose="02040503050406030204" pitchFamily="18" charset="0"/>
+                            </a:rPr>
+                            <m:t>𝑐</m:t>
+                          </m:r>
+                        </m:sub>
+                      </m:sSub>
+                      <m:d>
+                        <m:dPr>
+                          <m:ctrlPr>
+                            <a:rPr lang="en-US" altLang="ja-JP" sz="350" i="1">
+                              <a:solidFill>
+                                <a:srgbClr val="FF0000"/>
+                              </a:solidFill>
+                              <a:latin typeface="Cambria Math" panose="02040503050406030204" pitchFamily="18" charset="0"/>
+                            </a:rPr>
+                          </m:ctrlPr>
+                        </m:dPr>
+                        <m:e>
+                          <m:r>
+                            <a:rPr lang="en-US" altLang="ja-JP" sz="350" b="1" i="1">
+                              <a:solidFill>
+                                <a:srgbClr val="FF0000"/>
+                              </a:solidFill>
+                              <a:latin typeface="Cambria Math" panose="02040503050406030204" pitchFamily="18" charset="0"/>
+                            </a:rPr>
+                            <m:t>𝒖</m:t>
+                          </m:r>
+                        </m:e>
+                      </m:d>
+                    </m:oMath>
+                  </m:oMathPara>
+                </a14:m>
+                <a:endParaRPr lang="en-US" altLang="ja-JP" sz="350" i="1" dirty="0">
+                  <a:solidFill>
+                    <a:srgbClr val="FF0000"/>
+                  </a:solidFill>
+                </a:endParaRPr>
+              </a:p>
+            </p:txBody>
+          </p:sp>
+        </mc:Choice>
+        <mc:Fallback>
+          <p:sp>
+            <p:nvSpPr>
+              <p:cNvPr id="34" name="正方形/長方形 33">
+                <a:extLst>
+                  <a:ext uri="{FF2B5EF4-FFF2-40B4-BE49-F238E27FC236}">
+                    <a16:creationId xmlns:a16="http://schemas.microsoft.com/office/drawing/2014/main" id="{C603ED9C-CB3C-9D4D-4ED2-9A929A0BF97A}"/>
+                  </a:ext>
+                </a:extLst>
+              </p:cNvPr>
+              <p:cNvSpPr>
+                <a:spLocks noRot="1" noChangeAspect="1" noMove="1" noResize="1" noEditPoints="1" noAdjustHandles="1" noChangeArrowheads="1" noChangeShapeType="1" noTextEdit="1"/>
+              </p:cNvSpPr>
+              <p:nvPr/>
+            </p:nvSpPr>
+            <p:spPr>
+              <a:xfrm>
+                <a:off x="346330" y="3759255"/>
+                <a:ext cx="914738" cy="53861"/>
+              </a:xfrm>
+              <a:prstGeom prst="rect">
+                <a:avLst/>
+              </a:prstGeom>
+              <a:blipFill>
+                <a:blip r:embed="rId27"/>
+                <a:stretch>
+                  <a:fillRect l="-2000" b="-11111"/>
                 </a:stretch>
               </a:blipFill>
             </p:spPr>

--- a/ReciPro/image/Equations.pptx
+++ b/ReciPro/image/Equations.pptx
@@ -6365,8 +6365,8 @@
           </a:ln>
         </p:spPr>
       </p:pic>
-      <mc:AlternateContent xmlns:mc="http://schemas.openxmlformats.org/markup-compatibility/2006" xmlns:a14="http://schemas.microsoft.com/office/drawing/2010/main">
-        <mc:Choice Requires="a14">
+      <mc:AlternateContent xmlns:mc="http://schemas.openxmlformats.org/markup-compatibility/2006">
+        <mc:Choice xmlns:a14="http://schemas.microsoft.com/office/drawing/2010/main" Requires="a14">
           <p:sp>
             <p:nvSpPr>
               <p:cNvPr id="33" name="テキスト ボックス 32">
@@ -6403,13 +6403,13 @@
                     </m:oMathParaPr>
                     <m:oMath xmlns:m="http://schemas.openxmlformats.org/officeDocument/2006/math">
                       <m:r>
-                        <a:rPr kumimoji="1" lang="en-US" altLang="ja-JP" sz="1000" b="0" i="1" smtClean="0">
-                          <a:solidFill>
-                            <a:schemeClr val="tx1"/>
-                          </a:solidFill>
+                        <m:rPr>
+                          <m:sty m:val="p"/>
+                        </m:rPr>
+                        <a:rPr kumimoji="1" lang="en-US" altLang="ja-JP" sz="1000" i="1">
                           <a:latin typeface="Cambria Math" panose="02040503050406030204" pitchFamily="18" charset="0"/>
                         </a:rPr>
-                        <m:t>𝑇</m:t>
+                        <m:t>CTFI</m:t>
                       </m:r>
                       <m:d>
                         <m:dPr>
@@ -7130,7 +7130,7 @@
             </p:txBody>
           </p:sp>
         </mc:Choice>
-        <mc:Fallback xmlns="">
+        <mc:Fallback>
           <p:sp>
             <p:nvSpPr>
               <p:cNvPr id="33" name="テキスト ボックス 32">
@@ -7156,7 +7156,7 @@
               <a:blipFill>
                 <a:blip r:embed="rId11"/>
                 <a:stretch>
-                  <a:fillRect l="-2532" t="-179661" b="-267797"/>
+                  <a:fillRect l="-806" t="-179661" b="-267797"/>
                 </a:stretch>
               </a:blipFill>
             </p:spPr>
@@ -8843,8 +8843,8 @@
           </a:p>
         </p:txBody>
       </p:sp>
-      <mc:AlternateContent xmlns:mc="http://schemas.openxmlformats.org/markup-compatibility/2006">
-        <mc:Choice xmlns:a14="http://schemas.microsoft.com/office/drawing/2010/main" Requires="a14">
+      <mc:AlternateContent xmlns:mc="http://schemas.openxmlformats.org/markup-compatibility/2006" xmlns:a14="http://schemas.microsoft.com/office/drawing/2010/main">
+        <mc:Choice Requires="a14">
           <p:sp>
             <p:nvSpPr>
               <p:cNvPr id="6" name="正方形/長方形 5">
@@ -9269,7 +9269,7 @@
             </p:txBody>
           </p:sp>
         </mc:Choice>
-        <mc:Fallback>
+        <mc:Fallback xmlns="">
           <p:sp>
             <p:nvSpPr>
               <p:cNvPr id="6" name="正方形/長方形 5">
@@ -9314,8 +9314,8 @@
           </p:sp>
         </mc:Fallback>
       </mc:AlternateContent>
-      <mc:AlternateContent xmlns:mc="http://schemas.openxmlformats.org/markup-compatibility/2006">
-        <mc:Choice xmlns:a14="http://schemas.microsoft.com/office/drawing/2010/main" Requires="a14">
+      <mc:AlternateContent xmlns:mc="http://schemas.openxmlformats.org/markup-compatibility/2006" xmlns:a14="http://schemas.microsoft.com/office/drawing/2010/main">
+        <mc:Choice Requires="a14">
           <p:sp>
             <p:nvSpPr>
               <p:cNvPr id="7" name="正方形/長方形 6">
@@ -9805,7 +9805,7 @@
             </p:txBody>
           </p:sp>
         </mc:Choice>
-        <mc:Fallback>
+        <mc:Fallback xmlns="">
           <p:sp>
             <p:nvSpPr>
               <p:cNvPr id="7" name="正方形/長方形 6">
@@ -9922,8 +9922,8 @@
           </a:p>
         </p:txBody>
       </p:sp>
-      <mc:AlternateContent xmlns:mc="http://schemas.openxmlformats.org/markup-compatibility/2006">
-        <mc:Choice xmlns:a14="http://schemas.microsoft.com/office/drawing/2010/main" Requires="a14">
+      <mc:AlternateContent xmlns:mc="http://schemas.openxmlformats.org/markup-compatibility/2006" xmlns:a14="http://schemas.microsoft.com/office/drawing/2010/main">
+        <mc:Choice Requires="a14">
           <p:sp>
             <p:nvSpPr>
               <p:cNvPr id="11" name="正方形/長方形 10">
@@ -10364,7 +10364,7 @@
             </p:txBody>
           </p:sp>
         </mc:Choice>
-        <mc:Fallback>
+        <mc:Fallback xmlns="">
           <p:sp>
             <p:nvSpPr>
               <p:cNvPr id="11" name="正方形/長方形 10">
@@ -10409,8 +10409,8 @@
           </p:sp>
         </mc:Fallback>
       </mc:AlternateContent>
-      <mc:AlternateContent xmlns:mc="http://schemas.openxmlformats.org/markup-compatibility/2006">
-        <mc:Choice xmlns:a14="http://schemas.microsoft.com/office/drawing/2010/main" Requires="a14">
+      <mc:AlternateContent xmlns:mc="http://schemas.openxmlformats.org/markup-compatibility/2006" xmlns:a14="http://schemas.microsoft.com/office/drawing/2010/main">
+        <mc:Choice Requires="a14">
           <p:sp>
             <p:nvSpPr>
               <p:cNvPr id="13" name="正方形/長方形 12">
@@ -10741,7 +10741,7 @@
             </p:txBody>
           </p:sp>
         </mc:Choice>
-        <mc:Fallback>
+        <mc:Fallback xmlns="">
           <p:sp>
             <p:nvSpPr>
               <p:cNvPr id="13" name="正方形/長方形 12">
@@ -10902,8 +10902,8 @@
           </a:p>
         </p:txBody>
       </p:sp>
-      <mc:AlternateContent xmlns:mc="http://schemas.openxmlformats.org/markup-compatibility/2006" xmlns:a14="http://schemas.microsoft.com/office/drawing/2010/main">
-        <mc:Choice Requires="a14">
+      <mc:AlternateContent xmlns:mc="http://schemas.openxmlformats.org/markup-compatibility/2006">
+        <mc:Choice xmlns:a14="http://schemas.microsoft.com/office/drawing/2010/main" Requires="a14">
           <p:sp>
             <p:nvSpPr>
               <p:cNvPr id="17" name="テキスト ボックス 16">
@@ -10919,7 +10919,7 @@
             <p:spPr>
               <a:xfrm>
                 <a:off x="3245678" y="3029460"/>
-                <a:ext cx="5405123" cy="732573"/>
+                <a:ext cx="5707618" cy="575157"/>
               </a:xfrm>
               <a:prstGeom prst="rect">
                 <a:avLst/>
@@ -10935,13 +10935,16 @@
                 <a14:m>
                   <m:oMath xmlns:m="http://schemas.openxmlformats.org/officeDocument/2006/math">
                     <m:r>
-                      <a:rPr kumimoji="1" lang="en-US" altLang="ja-JP" sz="1000" b="0" i="1" smtClean="0">
+                      <m:rPr>
+                        <m:sty m:val="p"/>
+                      </m:rPr>
+                      <a:rPr kumimoji="1" lang="en-US" altLang="ja-JP" sz="1000" b="0" i="0" smtClean="0">
                         <a:solidFill>
                           <a:schemeClr val="tx1"/>
                         </a:solidFill>
                         <a:latin typeface="Cambria Math" panose="02040503050406030204" pitchFamily="18" charset="0"/>
                       </a:rPr>
-                      <m:t>𝑇</m:t>
+                      <m:t>CTFI</m:t>
                     </m:r>
                     <m:d>
                       <m:dPr>
@@ -10992,6 +10995,7 @@
                   <m:oMath xmlns:m="http://schemas.openxmlformats.org/officeDocument/2006/math">
                     <m:nary>
                       <m:naryPr>
+                        <m:grow m:val="on"/>
                         <m:subHide m:val="on"/>
                         <m:supHide m:val="on"/>
                         <m:ctrlPr>
@@ -11116,8 +11120,10 @@
                           <m:e>
                             <m:d>
                               <m:dPr>
+                                <m:begChr m:val="["/>
+                                <m:endChr m:val="]"/>
                                 <m:ctrlPr>
-                                  <a:rPr kumimoji="1" lang="en-US" altLang="ja-JP" sz="1000" i="1">
+                                  <a:rPr kumimoji="1" lang="en-US" altLang="ja-JP" sz="1000" i="1" smtClean="0">
                                     <a:solidFill>
                                       <a:schemeClr val="tx1"/>
                                     </a:solidFill>
@@ -11128,18 +11134,12 @@
                               <m:e>
                                 <m:r>
                                   <a:rPr kumimoji="1" lang="en-US" altLang="ja-JP" sz="1000" i="1">
-                                    <a:solidFill>
-                                      <a:schemeClr val="tx1"/>
-                                    </a:solidFill>
                                     <a:latin typeface="Cambria Math" panose="02040503050406030204" pitchFamily="18" charset="0"/>
                                   </a:rPr>
                                   <m:t>−</m:t>
                                 </m:r>
                                 <m:r>
                                   <a:rPr kumimoji="1" lang="en-US" altLang="ja-JP" sz="1000" i="1">
-                                    <a:solidFill>
-                                      <a:schemeClr val="tx1"/>
-                                    </a:solidFill>
                                     <a:latin typeface="Cambria Math" panose="02040503050406030204" pitchFamily="18" charset="0"/>
                                   </a:rPr>
                                   <m:t>𝑖𝑊</m:t>
@@ -11148,19 +11148,13 @@
                                   <m:dPr>
                                     <m:ctrlPr>
                                       <a:rPr kumimoji="1" lang="en-US" altLang="ja-JP" sz="1000" i="1">
-                                        <a:solidFill>
-                                          <a:schemeClr val="tx1"/>
-                                        </a:solidFill>
                                         <a:latin typeface="Cambria Math" panose="02040503050406030204" pitchFamily="18" charset="0"/>
                                       </a:rPr>
                                     </m:ctrlPr>
                                   </m:dPr>
                                   <m:e>
                                     <m:r>
-                                      <a:rPr kumimoji="1" lang="en-US" altLang="ja-JP" sz="1000" b="1" i="0">
-                                        <a:solidFill>
-                                          <a:schemeClr val="tx1"/>
-                                        </a:solidFill>
+                                      <a:rPr kumimoji="1" lang="en-US" altLang="ja-JP" sz="1000" b="1">
                                         <a:latin typeface="Cambria Math" panose="02040503050406030204" pitchFamily="18" charset="0"/>
                                       </a:rPr>
                                       <m:t>𝐊</m:t>
@@ -11169,18 +11163,12 @@
                                 </m:d>
                                 <m:r>
                                   <a:rPr kumimoji="1" lang="en-US" altLang="ja-JP" sz="1000" i="1">
-                                    <a:solidFill>
-                                      <a:schemeClr val="tx1"/>
-                                    </a:solidFill>
                                     <a:latin typeface="Cambria Math" panose="02040503050406030204" pitchFamily="18" charset="0"/>
                                   </a:rPr>
                                   <m:t>+</m:t>
                                 </m:r>
                                 <m:r>
                                   <a:rPr kumimoji="1" lang="en-US" altLang="ja-JP" sz="1000" i="1">
-                                    <a:solidFill>
-                                      <a:schemeClr val="tx1"/>
-                                    </a:solidFill>
                                     <a:latin typeface="Cambria Math" panose="02040503050406030204" pitchFamily="18" charset="0"/>
                                   </a:rPr>
                                   <m:t>𝑖𝑊</m:t>
@@ -11189,37 +11177,25 @@
                                   <m:dPr>
                                     <m:ctrlPr>
                                       <a:rPr kumimoji="1" lang="en-US" altLang="ja-JP" sz="1000" i="1">
-                                        <a:solidFill>
-                                          <a:schemeClr val="tx1"/>
-                                        </a:solidFill>
                                         <a:latin typeface="Cambria Math" panose="02040503050406030204" pitchFamily="18" charset="0"/>
                                       </a:rPr>
                                     </m:ctrlPr>
                                   </m:dPr>
                                   <m:e>
                                     <m:r>
-                                      <a:rPr kumimoji="1" lang="en-US" altLang="ja-JP" sz="1000" b="1" i="0">
-                                        <a:solidFill>
-                                          <a:schemeClr val="tx1"/>
-                                        </a:solidFill>
+                                      <a:rPr kumimoji="1" lang="en-US" altLang="ja-JP" sz="1000" b="1">
                                         <a:latin typeface="Cambria Math" panose="02040503050406030204" pitchFamily="18" charset="0"/>
                                       </a:rPr>
                                       <m:t>𝐊</m:t>
                                     </m:r>
                                     <m:r>
                                       <a:rPr kumimoji="1" lang="en-US" altLang="ja-JP" sz="1000" b="1">
-                                        <a:solidFill>
-                                          <a:schemeClr val="tx1"/>
-                                        </a:solidFill>
                                         <a:latin typeface="Cambria Math" panose="02040503050406030204" pitchFamily="18" charset="0"/>
                                       </a:rPr>
                                       <m:t>−</m:t>
                                     </m:r>
                                     <m:r>
                                       <a:rPr kumimoji="1" lang="en-US" altLang="ja-JP" sz="1000" b="1" i="1">
-                                        <a:solidFill>
-                                          <a:schemeClr val="tx1"/>
-                                        </a:solidFill>
                                         <a:latin typeface="Cambria Math" panose="02040503050406030204" pitchFamily="18" charset="0"/>
                                       </a:rPr>
                                       <m:t>𝒖</m:t>
@@ -11803,8 +11779,10 @@
                       </a:rPr>
                       <m:t>=</m:t>
                     </m:r>
-                    <m:f>
-                      <m:fPr>
+                    <m:d>
+                      <m:dPr>
+                        <m:begChr m:val="["/>
+                        <m:endChr m:val="]"/>
                         <m:ctrlPr>
                           <a:rPr lang="en-US" altLang="ja-JP" sz="1000" b="0" i="1" smtClean="0">
                             <a:solidFill>
@@ -11813,8 +11791,8 @@
                             <a:latin typeface="Cambria Math" panose="02040503050406030204" pitchFamily="18" charset="0"/>
                           </a:rPr>
                         </m:ctrlPr>
-                      </m:fPr>
-                      <m:num>
+                      </m:dPr>
+                      <m:e>
                         <m:r>
                           <a:rPr lang="el-GR" altLang="ja-JP" sz="1000" i="1">
                             <a:latin typeface="Cambria Math" panose="02040503050406030204" pitchFamily="18" charset="0"/>
@@ -11871,142 +11849,149 @@
                             </m:r>
                           </m:sup>
                         </m:sSup>
-                        <m:d>
-                          <m:dPr>
+                        <m:r>
+                          <a:rPr lang="en-US" altLang="ja-JP" sz="1000" b="0" i="1" smtClean="0">
+                            <a:latin typeface="Cambria Math" panose="02040503050406030204" pitchFamily="18" charset="0"/>
+                            <a:ea typeface="Cambria Math" panose="02040503050406030204" pitchFamily="18" charset="0"/>
+                          </a:rPr>
+                          <m:t>(</m:t>
+                        </m:r>
+                        <m:r>
+                          <m:rPr>
+                            <m:sty m:val="p"/>
+                          </m:rPr>
+                          <a:rPr lang="el-GR" altLang="ja-JP" sz="1000" i="1">
+                            <a:latin typeface="Cambria Math" panose="02040503050406030204" pitchFamily="18" charset="0"/>
+                            <a:ea typeface="Cambria Math" panose="02040503050406030204" pitchFamily="18" charset="0"/>
+                          </a:rPr>
+                          <m:t>Δ</m:t>
+                        </m:r>
+                        <m:r>
+                          <a:rPr lang="en-US" altLang="ja-JP" sz="1000" i="1">
+                            <a:latin typeface="Cambria Math" panose="02040503050406030204" pitchFamily="18" charset="0"/>
+                            <a:ea typeface="Cambria Math" panose="02040503050406030204" pitchFamily="18" charset="0"/>
+                          </a:rPr>
+                          <m:t>𝑓</m:t>
+                        </m:r>
+                        <m:r>
+                          <a:rPr lang="en-US" altLang="ja-JP" sz="1000" i="1">
+                            <a:latin typeface="Cambria Math" panose="02040503050406030204" pitchFamily="18" charset="0"/>
+                            <a:ea typeface="Cambria Math" panose="02040503050406030204" pitchFamily="18" charset="0"/>
+                          </a:rPr>
+                          <m:t>+</m:t>
+                        </m:r>
+                        <m:sSub>
+                          <m:sSubPr>
                             <m:ctrlPr>
                               <a:rPr lang="en-US" altLang="ja-JP" sz="1000" i="1">
                                 <a:latin typeface="Cambria Math" panose="02040503050406030204" pitchFamily="18" charset="0"/>
                                 <a:ea typeface="Cambria Math" panose="02040503050406030204" pitchFamily="18" charset="0"/>
                               </a:rPr>
                             </m:ctrlPr>
-                          </m:dPr>
+                          </m:sSubPr>
                           <m:e>
-                            <m:r>
-                              <m:rPr>
-                                <m:sty m:val="p"/>
-                              </m:rPr>
-                              <a:rPr lang="el-GR" altLang="ja-JP" sz="1000" i="1">
-                                <a:latin typeface="Cambria Math" panose="02040503050406030204" pitchFamily="18" charset="0"/>
-                                <a:ea typeface="Cambria Math" panose="02040503050406030204" pitchFamily="18" charset="0"/>
-                              </a:rPr>
-                              <m:t>Δ</m:t>
-                            </m:r>
                             <m:r>
                               <a:rPr lang="en-US" altLang="ja-JP" sz="1000" i="1">
                                 <a:latin typeface="Cambria Math" panose="02040503050406030204" pitchFamily="18" charset="0"/>
                                 <a:ea typeface="Cambria Math" panose="02040503050406030204" pitchFamily="18" charset="0"/>
                               </a:rPr>
-                              <m:t>𝑓</m:t>
+                              <m:t>𝐶</m:t>
                             </m:r>
+                          </m:e>
+                          <m:sub>
+                            <m:r>
+                              <m:rPr>
+                                <m:sty m:val="p"/>
+                              </m:rPr>
+                              <a:rPr lang="en-US" altLang="ja-JP" sz="1000">
+                                <a:latin typeface="Cambria Math" panose="02040503050406030204" pitchFamily="18" charset="0"/>
+                                <a:ea typeface="Cambria Math" panose="02040503050406030204" pitchFamily="18" charset="0"/>
+                              </a:rPr>
+                              <m:t>s</m:t>
+                            </m:r>
+                          </m:sub>
+                        </m:sSub>
+                        <m:sSup>
+                          <m:sSupPr>
+                            <m:ctrlPr>
+                              <a:rPr lang="en-US" altLang="ja-JP" sz="1000" i="1">
+                                <a:latin typeface="Cambria Math" panose="02040503050406030204" pitchFamily="18" charset="0"/>
+                                <a:ea typeface="Cambria Math" panose="02040503050406030204" pitchFamily="18" charset="0"/>
+                              </a:rPr>
+                            </m:ctrlPr>
+                          </m:sSupPr>
+                          <m:e>
+                            <m:r>
+                              <a:rPr lang="en-US" altLang="ja-JP" sz="1000" b="1" i="1">
+                                <a:latin typeface="Cambria Math" panose="02040503050406030204" pitchFamily="18" charset="0"/>
+                                <a:ea typeface="Cambria Math" panose="02040503050406030204" pitchFamily="18" charset="0"/>
+                              </a:rPr>
+                              <m:t>𝒖</m:t>
+                            </m:r>
+                          </m:e>
+                          <m:sup>
                             <m:r>
                               <a:rPr lang="en-US" altLang="ja-JP" sz="1000" i="1">
                                 <a:latin typeface="Cambria Math" panose="02040503050406030204" pitchFamily="18" charset="0"/>
                                 <a:ea typeface="Cambria Math" panose="02040503050406030204" pitchFamily="18" charset="0"/>
                               </a:rPr>
-                              <m:t>+</m:t>
+                              <m:t>2</m:t>
                             </m:r>
-                            <m:sSub>
-                              <m:sSubPr>
-                                <m:ctrlPr>
-                                  <a:rPr lang="en-US" altLang="ja-JP" sz="1000" i="1">
-                                    <a:latin typeface="Cambria Math" panose="02040503050406030204" pitchFamily="18" charset="0"/>
-                                    <a:ea typeface="Cambria Math" panose="02040503050406030204" pitchFamily="18" charset="0"/>
-                                  </a:rPr>
-                                </m:ctrlPr>
-                              </m:sSubPr>
-                              <m:e>
-                                <m:r>
-                                  <a:rPr lang="en-US" altLang="ja-JP" sz="1000" i="1">
-                                    <a:latin typeface="Cambria Math" panose="02040503050406030204" pitchFamily="18" charset="0"/>
-                                    <a:ea typeface="Cambria Math" panose="02040503050406030204" pitchFamily="18" charset="0"/>
-                                  </a:rPr>
-                                  <m:t>𝐶</m:t>
-                                </m:r>
-                              </m:e>
-                              <m:sub>
-                                <m:r>
-                                  <m:rPr>
-                                    <m:sty m:val="p"/>
-                                  </m:rPr>
-                                  <a:rPr lang="en-US" altLang="ja-JP" sz="1000">
-                                    <a:latin typeface="Cambria Math" panose="02040503050406030204" pitchFamily="18" charset="0"/>
-                                    <a:ea typeface="Cambria Math" panose="02040503050406030204" pitchFamily="18" charset="0"/>
-                                  </a:rPr>
-                                  <m:t>s</m:t>
-                                </m:r>
-                              </m:sub>
-                            </m:sSub>
-                            <m:sSup>
-                              <m:sSupPr>
-                                <m:ctrlPr>
-                                  <a:rPr lang="en-US" altLang="ja-JP" sz="1000" i="1">
-                                    <a:latin typeface="Cambria Math" panose="02040503050406030204" pitchFamily="18" charset="0"/>
-                                    <a:ea typeface="Cambria Math" panose="02040503050406030204" pitchFamily="18" charset="0"/>
-                                  </a:rPr>
-                                </m:ctrlPr>
-                              </m:sSupPr>
-                              <m:e>
-                                <m:r>
-                                  <a:rPr lang="en-US" altLang="ja-JP" sz="1000" b="1" i="1">
-                                    <a:latin typeface="Cambria Math" panose="02040503050406030204" pitchFamily="18" charset="0"/>
-                                    <a:ea typeface="Cambria Math" panose="02040503050406030204" pitchFamily="18" charset="0"/>
-                                  </a:rPr>
-                                  <m:t>𝒖</m:t>
-                                </m:r>
-                              </m:e>
-                              <m:sup>
-                                <m:r>
-                                  <a:rPr lang="en-US" altLang="ja-JP" sz="1000" i="1">
-                                    <a:latin typeface="Cambria Math" panose="02040503050406030204" pitchFamily="18" charset="0"/>
-                                    <a:ea typeface="Cambria Math" panose="02040503050406030204" pitchFamily="18" charset="0"/>
-                                  </a:rPr>
-                                  <m:t>2</m:t>
-                                </m:r>
-                              </m:sup>
-                            </m:sSup>
-                            <m:sSup>
-                              <m:sSupPr>
-                                <m:ctrlPr>
-                                  <a:rPr lang="en-US" altLang="ja-JP" sz="1000" i="1">
-                                    <a:latin typeface="Cambria Math" panose="02040503050406030204" pitchFamily="18" charset="0"/>
-                                    <a:ea typeface="Cambria Math" panose="02040503050406030204" pitchFamily="18" charset="0"/>
-                                  </a:rPr>
-                                </m:ctrlPr>
-                              </m:sSupPr>
-                              <m:e>
-                                <m:r>
-                                  <a:rPr lang="ja-JP" altLang="en-US" sz="1000" i="1">
-                                    <a:latin typeface="Cambria Math" panose="02040503050406030204" pitchFamily="18" charset="0"/>
-                                    <a:ea typeface="Cambria Math" panose="02040503050406030204" pitchFamily="18" charset="0"/>
-                                  </a:rPr>
-                                  <m:t>𝜆</m:t>
-                                </m:r>
-                              </m:e>
-                              <m:sup>
-                                <m:r>
-                                  <a:rPr lang="en-US" altLang="ja-JP" sz="1000" i="1">
-                                    <a:latin typeface="Cambria Math" panose="02040503050406030204" pitchFamily="18" charset="0"/>
-                                    <a:ea typeface="Cambria Math" panose="02040503050406030204" pitchFamily="18" charset="0"/>
-                                  </a:rPr>
-                                  <m:t>2</m:t>
-                                </m:r>
-                              </m:sup>
-                            </m:sSup>
+                          </m:sup>
+                        </m:sSup>
+                        <m:sSup>
+                          <m:sSupPr>
+                            <m:ctrlPr>
+                              <a:rPr lang="en-US" altLang="ja-JP" sz="1000" i="1">
+                                <a:latin typeface="Cambria Math" panose="02040503050406030204" pitchFamily="18" charset="0"/>
+                                <a:ea typeface="Cambria Math" panose="02040503050406030204" pitchFamily="18" charset="0"/>
+                              </a:rPr>
+                            </m:ctrlPr>
+                          </m:sSupPr>
+                          <m:e>
+                            <m:r>
+                              <a:rPr lang="ja-JP" altLang="en-US" sz="1000" i="1">
+                                <a:latin typeface="Cambria Math" panose="02040503050406030204" pitchFamily="18" charset="0"/>
+                                <a:ea typeface="Cambria Math" panose="02040503050406030204" pitchFamily="18" charset="0"/>
+                              </a:rPr>
+                              <m:t>𝜆</m:t>
+                            </m:r>
                           </m:e>
-                        </m:d>
-                      </m:num>
-                      <m:den>
+                          <m:sup>
+                            <m:r>
+                              <a:rPr lang="en-US" altLang="ja-JP" sz="1000" i="1">
+                                <a:latin typeface="Cambria Math" panose="02040503050406030204" pitchFamily="18" charset="0"/>
+                                <a:ea typeface="Cambria Math" panose="02040503050406030204" pitchFamily="18" charset="0"/>
+                              </a:rPr>
+                              <m:t>2</m:t>
+                            </m:r>
+                          </m:sup>
+                        </m:sSup>
                         <m:r>
                           <a:rPr lang="en-US" altLang="ja-JP" sz="1000" b="0" i="1" smtClean="0">
-                            <a:solidFill>
-                              <a:schemeClr val="tx1"/>
-                            </a:solidFill>
                             <a:latin typeface="Cambria Math" panose="02040503050406030204" pitchFamily="18" charset="0"/>
+                            <a:ea typeface="Cambria Math" panose="02040503050406030204" pitchFamily="18" charset="0"/>
                           </a:rPr>
-                          <m:t>2</m:t>
+                          <m:t>)</m:t>
                         </m:r>
-                      </m:den>
-                    </m:f>
+                        <m:r>
+                          <a:rPr lang="en-US" altLang="ja-JP" sz="1000" i="1" smtClean="0">
+                            <a:latin typeface="Cambria Math" panose="02040503050406030204" pitchFamily="18" charset="0"/>
+                            <a:ea typeface="Cambria Math" panose="02040503050406030204" pitchFamily="18" charset="0"/>
+                          </a:rPr>
+                          <m:t> </m:t>
+                        </m:r>
+                      </m:e>
+                    </m:d>
+                    <m:r>
+                      <a:rPr lang="en-US" altLang="ja-JP" sz="1000" b="0" i="1" smtClean="0">
+                        <a:solidFill>
+                          <a:schemeClr val="tx1"/>
+                        </a:solidFill>
+                        <a:latin typeface="Cambria Math" panose="02040503050406030204" pitchFamily="18" charset="0"/>
+                      </a:rPr>
+                      <m:t>/2</m:t>
+                    </m:r>
                     <m:r>
                       <a:rPr lang="en-US" altLang="ja-JP" sz="1000" b="0" i="1" smtClean="0">
                         <a:solidFill>
@@ -12284,17 +12269,10 @@
                   </a:solidFill>
                 </a:endParaRPr>
               </a:p>
-              <a:p>
-                <a:endParaRPr kumimoji="1" lang="ja-JP" altLang="en-US" sz="1000" b="1" i="1" dirty="0">
-                  <a:solidFill>
-                    <a:schemeClr val="tx1"/>
-                  </a:solidFill>
-                </a:endParaRPr>
-              </a:p>
             </p:txBody>
           </p:sp>
         </mc:Choice>
-        <mc:Fallback xmlns="">
+        <mc:Fallback>
           <p:sp>
             <p:nvSpPr>
               <p:cNvPr id="17" name="テキスト ボックス 16">
@@ -12312,15 +12290,15 @@
             <p:spPr>
               <a:xfrm>
                 <a:off x="3245678" y="3029460"/>
-                <a:ext cx="5405123" cy="732573"/>
+                <a:ext cx="5707618" cy="575157"/>
               </a:xfrm>
               <a:prstGeom prst="rect">
                 <a:avLst/>
               </a:prstGeom>
               <a:blipFill>
-                <a:blip r:embed="rId9"/>
+                <a:blip r:embed="rId6"/>
                 <a:stretch>
-                  <a:fillRect l="-789" t="-80000" b="-135833"/>
+                  <a:fillRect l="-747" t="-102128" b="-201064"/>
                 </a:stretch>
               </a:blipFill>
             </p:spPr>
@@ -12339,8 +12317,8 @@
           </p:sp>
         </mc:Fallback>
       </mc:AlternateContent>
-      <mc:AlternateContent xmlns:mc="http://schemas.openxmlformats.org/markup-compatibility/2006">
-        <mc:Choice xmlns:a14="http://schemas.microsoft.com/office/drawing/2010/main" Requires="a14">
+      <mc:AlternateContent xmlns:mc="http://schemas.openxmlformats.org/markup-compatibility/2006" xmlns:a14="http://schemas.microsoft.com/office/drawing/2010/main">
+        <mc:Choice Requires="a14">
           <p:sp>
             <p:nvSpPr>
               <p:cNvPr id="20" name="正方形/長方形 19">
@@ -12632,7 +12610,7 @@
             </p:txBody>
           </p:sp>
         </mc:Choice>
-        <mc:Fallback>
+        <mc:Fallback xmlns="">
           <p:sp>
             <p:nvSpPr>
               <p:cNvPr id="20" name="正方形/長方形 19">
@@ -12713,8 +12691,8 @@
           </a:p>
         </p:txBody>
       </p:sp>
-      <mc:AlternateContent xmlns:mc="http://schemas.openxmlformats.org/markup-compatibility/2006">
-        <mc:Choice xmlns:a14="http://schemas.microsoft.com/office/drawing/2010/main" Requires="a14">
+      <mc:AlternateContent xmlns:mc="http://schemas.openxmlformats.org/markup-compatibility/2006" xmlns:a14="http://schemas.microsoft.com/office/drawing/2010/main">
+        <mc:Choice Requires="a14">
           <p:sp>
             <p:nvSpPr>
               <p:cNvPr id="26" name="正方形/長方形 25">
@@ -13006,7 +12984,7 @@
             </p:txBody>
           </p:sp>
         </mc:Choice>
-        <mc:Fallback>
+        <mc:Fallback xmlns="">
           <p:sp>
             <p:nvSpPr>
               <p:cNvPr id="26" name="正方形/長方形 25">
@@ -13051,8 +13029,8 @@
           </p:sp>
         </mc:Fallback>
       </mc:AlternateContent>
-      <mc:AlternateContent xmlns:mc="http://schemas.openxmlformats.org/markup-compatibility/2006">
-        <mc:Choice xmlns:a14="http://schemas.microsoft.com/office/drawing/2010/main" Requires="a14">
+      <mc:AlternateContent xmlns:mc="http://schemas.openxmlformats.org/markup-compatibility/2006" xmlns:a14="http://schemas.microsoft.com/office/drawing/2010/main">
+        <mc:Choice Requires="a14">
           <p:sp>
             <p:nvSpPr>
               <p:cNvPr id="36" name="テキスト ボックス 35">
@@ -13302,7 +13280,7 @@
             </p:txBody>
           </p:sp>
         </mc:Choice>
-        <mc:Fallback>
+        <mc:Fallback xmlns="">
           <p:sp>
             <p:nvSpPr>
               <p:cNvPr id="36" name="テキスト ボックス 35">
@@ -13603,8 +13581,8 @@
           </p:sp>
         </mc:Fallback>
       </mc:AlternateContent>
-      <mc:AlternateContent xmlns:mc="http://schemas.openxmlformats.org/markup-compatibility/2006">
-        <mc:Choice xmlns:a14="http://schemas.microsoft.com/office/drawing/2010/main" Requires="a14">
+      <mc:AlternateContent xmlns:mc="http://schemas.openxmlformats.org/markup-compatibility/2006" xmlns:a14="http://schemas.microsoft.com/office/drawing/2010/main">
+        <mc:Choice Requires="a14">
           <p:sp>
             <p:nvSpPr>
               <p:cNvPr id="40" name="テキスト ボックス 39">
@@ -13854,7 +13832,7 @@
             </p:txBody>
           </p:sp>
         </mc:Choice>
-        <mc:Fallback>
+        <mc:Fallback xmlns="">
           <p:sp>
             <p:nvSpPr>
               <p:cNvPr id="40" name="テキスト ボックス 39">
@@ -14157,1450 +14135,6 @@
       </mc:AlternateContent>
       <mc:AlternateContent xmlns:mc="http://schemas.openxmlformats.org/markup-compatibility/2006" xmlns:a14="http://schemas.microsoft.com/office/drawing/2010/main">
         <mc:Choice Requires="a14">
-          <p:sp>
-            <p:nvSpPr>
-              <p:cNvPr id="43" name="テキスト ボックス 42">
-                <a:extLst>
-                  <a:ext uri="{FF2B5EF4-FFF2-40B4-BE49-F238E27FC236}">
-                    <a16:creationId xmlns:a16="http://schemas.microsoft.com/office/drawing/2014/main" id="{B63045FA-1A38-6963-7DC5-72FB58922A9F}"/>
-                  </a:ext>
-                </a:extLst>
-              </p:cNvPr>
-              <p:cNvSpPr txBox="1"/>
-              <p:nvPr/>
-            </p:nvSpPr>
-            <p:spPr>
-              <a:xfrm>
-                <a:off x="3891296" y="3873838"/>
-                <a:ext cx="2056943" cy="239361"/>
-              </a:xfrm>
-              <a:prstGeom prst="rect">
-                <a:avLst/>
-              </a:prstGeom>
-              <a:noFill/>
-            </p:spPr>
-            <p:txBody>
-              <a:bodyPr wrap="square" lIns="0" tIns="0" rIns="0" bIns="0" rtlCol="0">
-                <a:spAutoFit/>
-              </a:bodyPr>
-              <a:lstStyle/>
-              <a:p>
-                <a14:m>
-                  <m:oMath xmlns:m="http://schemas.openxmlformats.org/officeDocument/2006/math">
-                    <m:r>
-                      <a:rPr kumimoji="1" lang="en-US" altLang="ja-JP" sz="350" b="0" i="1" smtClean="0">
-                        <a:solidFill>
-                          <a:schemeClr val="tx1"/>
-                        </a:solidFill>
-                        <a:latin typeface="Cambria Math" panose="02040503050406030204" pitchFamily="18" charset="0"/>
-                      </a:rPr>
-                      <m:t>𝑇</m:t>
-                    </m:r>
-                    <m:d>
-                      <m:dPr>
-                        <m:ctrlPr>
-                          <a:rPr kumimoji="1" lang="en-US" altLang="ja-JP" sz="350" b="0" i="1" smtClean="0">
-                            <a:solidFill>
-                              <a:schemeClr val="tx1"/>
-                            </a:solidFill>
-                            <a:latin typeface="Cambria Math" panose="02040503050406030204" pitchFamily="18" charset="0"/>
-                          </a:rPr>
-                        </m:ctrlPr>
-                      </m:dPr>
-                      <m:e>
-                        <m:r>
-                          <a:rPr kumimoji="1" lang="en-US" altLang="ja-JP" sz="350" b="1" i="1" smtClean="0">
-                            <a:solidFill>
-                              <a:schemeClr val="tx1"/>
-                            </a:solidFill>
-                            <a:latin typeface="Cambria Math" panose="02040503050406030204" pitchFamily="18" charset="0"/>
-                          </a:rPr>
-                          <m:t>𝒖</m:t>
-                        </m:r>
-                      </m:e>
-                    </m:d>
-                    <m:r>
-                      <m:rPr>
-                        <m:aln/>
-                      </m:rPr>
-                      <a:rPr kumimoji="1" lang="en-US" altLang="ja-JP" sz="350" b="0" i="1" smtClean="0">
-                        <a:solidFill>
-                          <a:schemeClr val="tx1"/>
-                        </a:solidFill>
-                        <a:latin typeface="Cambria Math" panose="02040503050406030204" pitchFamily="18" charset="0"/>
-                      </a:rPr>
-                      <m:t>=</m:t>
-                    </m:r>
-                  </m:oMath>
-                </a14:m>
-                <a:r>
-                  <a:rPr kumimoji="1" lang="en-US" altLang="ja-JP" sz="350" dirty="0">
-                    <a:solidFill>
-                      <a:schemeClr val="tx1"/>
-                    </a:solidFill>
-                  </a:rPr>
-                  <a:t> </a:t>
-                </a:r>
-                <a14:m>
-                  <m:oMath xmlns:m="http://schemas.openxmlformats.org/officeDocument/2006/math">
-                    <m:nary>
-                      <m:naryPr>
-                        <m:subHide m:val="on"/>
-                        <m:supHide m:val="on"/>
-                        <m:ctrlPr>
-                          <a:rPr kumimoji="1" lang="en-US" altLang="ja-JP" sz="350" i="1">
-                            <a:solidFill>
-                              <a:schemeClr val="tx1"/>
-                            </a:solidFill>
-                            <a:latin typeface="Cambria Math" panose="02040503050406030204" pitchFamily="18" charset="0"/>
-                          </a:rPr>
-                        </m:ctrlPr>
-                      </m:naryPr>
-                      <m:sub/>
-                      <m:sup/>
-                      <m:e>
-                        <m:r>
-                          <a:rPr kumimoji="1" lang="en-US" altLang="ja-JP" sz="350" i="1">
-                            <a:solidFill>
-                              <a:schemeClr val="tx1"/>
-                            </a:solidFill>
-                            <a:latin typeface="Cambria Math" panose="02040503050406030204" pitchFamily="18" charset="0"/>
-                          </a:rPr>
-                          <m:t>𝐴</m:t>
-                        </m:r>
-                        <m:d>
-                          <m:dPr>
-                            <m:ctrlPr>
-                              <a:rPr kumimoji="1" lang="en-US" altLang="ja-JP" sz="350" i="1">
-                                <a:solidFill>
-                                  <a:schemeClr val="tx1"/>
-                                </a:solidFill>
-                                <a:latin typeface="Cambria Math" panose="02040503050406030204" pitchFamily="18" charset="0"/>
-                              </a:rPr>
-                            </m:ctrlPr>
-                          </m:dPr>
-                          <m:e>
-                            <m:r>
-                              <a:rPr kumimoji="1" lang="en-US" altLang="ja-JP" sz="350" b="1">
-                                <a:solidFill>
-                                  <a:schemeClr val="tx1"/>
-                                </a:solidFill>
-                                <a:latin typeface="Cambria Math" panose="02040503050406030204" pitchFamily="18" charset="0"/>
-                              </a:rPr>
-                              <m:t>𝐊</m:t>
-                            </m:r>
-                          </m:e>
-                        </m:d>
-                        <m:r>
-                          <a:rPr kumimoji="1" lang="en-US" altLang="ja-JP" sz="350" i="1">
-                            <a:solidFill>
-                              <a:schemeClr val="tx1"/>
-                            </a:solidFill>
-                            <a:latin typeface="Cambria Math" panose="02040503050406030204" pitchFamily="18" charset="0"/>
-                          </a:rPr>
-                          <m:t>𝐴</m:t>
-                        </m:r>
-                        <m:d>
-                          <m:dPr>
-                            <m:ctrlPr>
-                              <a:rPr kumimoji="1" lang="en-US" altLang="ja-JP" sz="350" i="1">
-                                <a:solidFill>
-                                  <a:schemeClr val="tx1"/>
-                                </a:solidFill>
-                                <a:latin typeface="Cambria Math" panose="02040503050406030204" pitchFamily="18" charset="0"/>
-                              </a:rPr>
-                            </m:ctrlPr>
-                          </m:dPr>
-                          <m:e>
-                            <m:r>
-                              <a:rPr kumimoji="1" lang="en-US" altLang="ja-JP" sz="350" b="1">
-                                <a:solidFill>
-                                  <a:schemeClr val="tx1"/>
-                                </a:solidFill>
-                                <a:latin typeface="Cambria Math" panose="02040503050406030204" pitchFamily="18" charset="0"/>
-                              </a:rPr>
-                              <m:t>𝐊</m:t>
-                            </m:r>
-                            <m:r>
-                              <a:rPr kumimoji="1" lang="en-US" altLang="ja-JP" sz="350" i="1">
-                                <a:solidFill>
-                                  <a:schemeClr val="tx1"/>
-                                </a:solidFill>
-                                <a:latin typeface="Cambria Math" panose="02040503050406030204" pitchFamily="18" charset="0"/>
-                              </a:rPr>
-                              <m:t>−</m:t>
-                            </m:r>
-                            <m:r>
-                              <a:rPr kumimoji="1" lang="en-US" altLang="ja-JP" sz="350" b="1" i="1">
-                                <a:solidFill>
-                                  <a:schemeClr val="tx1"/>
-                                </a:solidFill>
-                                <a:latin typeface="Cambria Math" panose="02040503050406030204" pitchFamily="18" charset="0"/>
-                              </a:rPr>
-                              <m:t>𝒖</m:t>
-                            </m:r>
-                          </m:e>
-                        </m:d>
-                        <m:func>
-                          <m:funcPr>
-                            <m:ctrlPr>
-                              <a:rPr kumimoji="1" lang="en-US" altLang="ja-JP" sz="350" i="1">
-                                <a:solidFill>
-                                  <a:schemeClr val="tx1"/>
-                                </a:solidFill>
-                                <a:latin typeface="Cambria Math" panose="02040503050406030204" pitchFamily="18" charset="0"/>
-                              </a:rPr>
-                            </m:ctrlPr>
-                          </m:funcPr>
-                          <m:fName>
-                            <m:r>
-                              <m:rPr>
-                                <m:sty m:val="p"/>
-                              </m:rPr>
-                              <a:rPr kumimoji="1" lang="en-US" altLang="ja-JP" sz="350">
-                                <a:solidFill>
-                                  <a:schemeClr val="tx1"/>
-                                </a:solidFill>
-                                <a:latin typeface="Cambria Math" panose="02040503050406030204" pitchFamily="18" charset="0"/>
-                              </a:rPr>
-                              <m:t>exp</m:t>
-                            </m:r>
-                          </m:fName>
-                          <m:e>
-                            <m:d>
-                              <m:dPr>
-                                <m:ctrlPr>
-                                  <a:rPr kumimoji="1" lang="en-US" altLang="ja-JP" sz="350" i="1">
-                                    <a:solidFill>
-                                      <a:schemeClr val="tx1"/>
-                                    </a:solidFill>
-                                    <a:latin typeface="Cambria Math" panose="02040503050406030204" pitchFamily="18" charset="0"/>
-                                  </a:rPr>
-                                </m:ctrlPr>
-                              </m:dPr>
-                              <m:e>
-                                <m:r>
-                                  <a:rPr kumimoji="1" lang="en-US" altLang="ja-JP" sz="350" i="1">
-                                    <a:solidFill>
-                                      <a:schemeClr val="tx1"/>
-                                    </a:solidFill>
-                                    <a:latin typeface="Cambria Math" panose="02040503050406030204" pitchFamily="18" charset="0"/>
-                                  </a:rPr>
-                                  <m:t>−</m:t>
-                                </m:r>
-                                <m:r>
-                                  <a:rPr kumimoji="1" lang="en-US" altLang="ja-JP" sz="350" i="1">
-                                    <a:solidFill>
-                                      <a:schemeClr val="tx1"/>
-                                    </a:solidFill>
-                                    <a:latin typeface="Cambria Math" panose="02040503050406030204" pitchFamily="18" charset="0"/>
-                                  </a:rPr>
-                                  <m:t>𝑖𝑊</m:t>
-                                </m:r>
-                                <m:d>
-                                  <m:dPr>
-                                    <m:ctrlPr>
-                                      <a:rPr kumimoji="1" lang="en-US" altLang="ja-JP" sz="350" i="1">
-                                        <a:solidFill>
-                                          <a:schemeClr val="tx1"/>
-                                        </a:solidFill>
-                                        <a:latin typeface="Cambria Math" panose="02040503050406030204" pitchFamily="18" charset="0"/>
-                                      </a:rPr>
-                                    </m:ctrlPr>
-                                  </m:dPr>
-                                  <m:e>
-                                    <m:r>
-                                      <a:rPr kumimoji="1" lang="en-US" altLang="ja-JP" sz="350" b="1" i="0">
-                                        <a:solidFill>
-                                          <a:schemeClr val="tx1"/>
-                                        </a:solidFill>
-                                        <a:latin typeface="Cambria Math" panose="02040503050406030204" pitchFamily="18" charset="0"/>
-                                      </a:rPr>
-                                      <m:t>𝐊</m:t>
-                                    </m:r>
-                                  </m:e>
-                                </m:d>
-                                <m:r>
-                                  <a:rPr kumimoji="1" lang="en-US" altLang="ja-JP" sz="350" i="1">
-                                    <a:solidFill>
-                                      <a:schemeClr val="tx1"/>
-                                    </a:solidFill>
-                                    <a:latin typeface="Cambria Math" panose="02040503050406030204" pitchFamily="18" charset="0"/>
-                                  </a:rPr>
-                                  <m:t>+</m:t>
-                                </m:r>
-                                <m:r>
-                                  <a:rPr kumimoji="1" lang="en-US" altLang="ja-JP" sz="350" i="1">
-                                    <a:solidFill>
-                                      <a:schemeClr val="tx1"/>
-                                    </a:solidFill>
-                                    <a:latin typeface="Cambria Math" panose="02040503050406030204" pitchFamily="18" charset="0"/>
-                                  </a:rPr>
-                                  <m:t>𝑖𝑊</m:t>
-                                </m:r>
-                                <m:d>
-                                  <m:dPr>
-                                    <m:ctrlPr>
-                                      <a:rPr kumimoji="1" lang="en-US" altLang="ja-JP" sz="350" i="1">
-                                        <a:solidFill>
-                                          <a:schemeClr val="tx1"/>
-                                        </a:solidFill>
-                                        <a:latin typeface="Cambria Math" panose="02040503050406030204" pitchFamily="18" charset="0"/>
-                                      </a:rPr>
-                                    </m:ctrlPr>
-                                  </m:dPr>
-                                  <m:e>
-                                    <m:r>
-                                      <a:rPr kumimoji="1" lang="en-US" altLang="ja-JP" sz="350" b="1" i="0">
-                                        <a:solidFill>
-                                          <a:schemeClr val="tx1"/>
-                                        </a:solidFill>
-                                        <a:latin typeface="Cambria Math" panose="02040503050406030204" pitchFamily="18" charset="0"/>
-                                      </a:rPr>
-                                      <m:t>𝐊</m:t>
-                                    </m:r>
-                                    <m:r>
-                                      <a:rPr kumimoji="1" lang="en-US" altLang="ja-JP" sz="350" b="1">
-                                        <a:solidFill>
-                                          <a:schemeClr val="tx1"/>
-                                        </a:solidFill>
-                                        <a:latin typeface="Cambria Math" panose="02040503050406030204" pitchFamily="18" charset="0"/>
-                                      </a:rPr>
-                                      <m:t>−</m:t>
-                                    </m:r>
-                                    <m:r>
-                                      <a:rPr kumimoji="1" lang="en-US" altLang="ja-JP" sz="350" b="1" i="1">
-                                        <a:solidFill>
-                                          <a:schemeClr val="tx1"/>
-                                        </a:solidFill>
-                                        <a:latin typeface="Cambria Math" panose="02040503050406030204" pitchFamily="18" charset="0"/>
-                                      </a:rPr>
-                                      <m:t>𝒖</m:t>
-                                    </m:r>
-                                  </m:e>
-                                </m:d>
-                              </m:e>
-                            </m:d>
-                          </m:e>
-                        </m:func>
-                      </m:e>
-                    </m:nary>
-                    <m:func>
-                      <m:funcPr>
-                        <m:ctrlPr>
-                          <a:rPr kumimoji="1" lang="en-US" altLang="ja-JP" sz="350" i="1">
-                            <a:solidFill>
-                              <a:schemeClr val="tx1"/>
-                            </a:solidFill>
-                            <a:latin typeface="Cambria Math" panose="02040503050406030204" pitchFamily="18" charset="0"/>
-                          </a:rPr>
-                        </m:ctrlPr>
-                      </m:funcPr>
-                      <m:fName>
-                        <m:r>
-                          <m:rPr>
-                            <m:sty m:val="p"/>
-                          </m:rPr>
-                          <a:rPr kumimoji="1" lang="en-US" altLang="ja-JP" sz="350">
-                            <a:solidFill>
-                              <a:schemeClr val="tx1"/>
-                            </a:solidFill>
-                            <a:latin typeface="Cambria Math" panose="02040503050406030204" pitchFamily="18" charset="0"/>
-                          </a:rPr>
-                          <m:t>exp</m:t>
-                        </m:r>
-                      </m:fName>
-                      <m:e>
-                        <m:d>
-                          <m:dPr>
-                            <m:begChr m:val="["/>
-                            <m:endChr m:val="]"/>
-                            <m:ctrlPr>
-                              <a:rPr kumimoji="1" lang="en-US" altLang="ja-JP" sz="350" i="1">
-                                <a:solidFill>
-                                  <a:schemeClr val="tx1"/>
-                                </a:solidFill>
-                                <a:latin typeface="Cambria Math" panose="02040503050406030204" pitchFamily="18" charset="0"/>
-                              </a:rPr>
-                            </m:ctrlPr>
-                          </m:dPr>
-                          <m:e>
-                            <m:r>
-                              <a:rPr kumimoji="1" lang="en-US" altLang="ja-JP" sz="350" i="1">
-                                <a:solidFill>
-                                  <a:schemeClr val="tx1"/>
-                                </a:solidFill>
-                                <a:latin typeface="Cambria Math" panose="02040503050406030204" pitchFamily="18" charset="0"/>
-                              </a:rPr>
-                              <m:t>−</m:t>
-                            </m:r>
-                            <m:sSup>
-                              <m:sSupPr>
-                                <m:ctrlPr>
-                                  <a:rPr kumimoji="1" lang="en-US" altLang="ja-JP" sz="350" i="1">
-                                    <a:latin typeface="Cambria Math" panose="02040503050406030204" pitchFamily="18" charset="0"/>
-                                  </a:rPr>
-                                </m:ctrlPr>
-                              </m:sSupPr>
-                              <m:e>
-                                <m:d>
-                                  <m:dPr>
-                                    <m:ctrlPr>
-                                      <a:rPr kumimoji="1" lang="en-US" altLang="ja-JP" sz="350" i="1">
-                                        <a:latin typeface="Cambria Math" panose="02040503050406030204" pitchFamily="18" charset="0"/>
-                                      </a:rPr>
-                                    </m:ctrlPr>
-                                  </m:dPr>
-                                  <m:e>
-                                    <m:r>
-                                      <a:rPr kumimoji="1" lang="en-US" altLang="ja-JP" sz="350" i="1">
-                                        <a:latin typeface="Cambria Math" panose="02040503050406030204" pitchFamily="18" charset="0"/>
-                                      </a:rPr>
-                                      <m:t>𝜋𝜆</m:t>
-                                    </m:r>
-                                    <m:sSub>
-                                      <m:sSubPr>
-                                        <m:ctrlPr>
-                                          <a:rPr kumimoji="1" lang="en-US" altLang="ja-JP" sz="350" i="1">
-                                            <a:latin typeface="Cambria Math" panose="02040503050406030204" pitchFamily="18" charset="0"/>
-                                          </a:rPr>
-                                        </m:ctrlPr>
-                                      </m:sSubPr>
-                                      <m:e>
-                                        <m:r>
-                                          <a:rPr kumimoji="1" lang="en-US" altLang="ja-JP" sz="350" i="1">
-                                            <a:latin typeface="Cambria Math" panose="02040503050406030204" pitchFamily="18" charset="0"/>
-                                          </a:rPr>
-                                          <m:t>𝜎</m:t>
-                                        </m:r>
-                                      </m:e>
-                                      <m:sub>
-                                        <m:r>
-                                          <a:rPr kumimoji="1" lang="en-US" altLang="ja-JP" sz="350" i="1">
-                                            <a:latin typeface="Cambria Math" panose="02040503050406030204" pitchFamily="18" charset="0"/>
-                                          </a:rPr>
-                                          <m:t>𝑓</m:t>
-                                        </m:r>
-                                      </m:sub>
-                                    </m:sSub>
-                                  </m:e>
-                                </m:d>
-                              </m:e>
-                              <m:sup>
-                                <m:r>
-                                  <a:rPr kumimoji="1" lang="en-US" altLang="ja-JP" sz="350" i="1">
-                                    <a:latin typeface="Cambria Math" panose="02040503050406030204" pitchFamily="18" charset="0"/>
-                                  </a:rPr>
-                                  <m:t>2</m:t>
-                                </m:r>
-                              </m:sup>
-                            </m:sSup>
-                            <m:sSup>
-                              <m:sSupPr>
-                                <m:ctrlPr>
-                                  <a:rPr kumimoji="1" lang="en-US" altLang="ja-JP" sz="350" i="1">
-                                    <a:latin typeface="Cambria Math" panose="02040503050406030204" pitchFamily="18" charset="0"/>
-                                  </a:rPr>
-                                </m:ctrlPr>
-                              </m:sSupPr>
-                              <m:e>
-                                <m:d>
-                                  <m:dPr>
-                                    <m:begChr m:val="{"/>
-                                    <m:endChr m:val="}"/>
-                                    <m:ctrlPr>
-                                      <a:rPr kumimoji="1" lang="en-US" altLang="ja-JP" sz="350" i="1">
-                                        <a:latin typeface="Cambria Math" panose="02040503050406030204" pitchFamily="18" charset="0"/>
-                                      </a:rPr>
-                                    </m:ctrlPr>
-                                  </m:dPr>
-                                  <m:e>
-                                    <m:sSup>
-                                      <m:sSupPr>
-                                        <m:ctrlPr>
-                                          <a:rPr kumimoji="1" lang="en-US" altLang="ja-JP" sz="350" i="1">
-                                            <a:latin typeface="Cambria Math" panose="02040503050406030204" pitchFamily="18" charset="0"/>
-                                          </a:rPr>
-                                        </m:ctrlPr>
-                                      </m:sSupPr>
-                                      <m:e>
-                                        <m:sSup>
-                                          <m:sSupPr>
-                                            <m:ctrlPr>
-                                              <a:rPr kumimoji="1" lang="en-US" altLang="ja-JP" sz="350" i="1">
-                                                <a:latin typeface="Cambria Math" panose="02040503050406030204" pitchFamily="18" charset="0"/>
-                                              </a:rPr>
-                                            </m:ctrlPr>
-                                          </m:sSupPr>
-                                          <m:e>
-                                            <m:r>
-                                              <a:rPr kumimoji="1" lang="en-US" altLang="ja-JP" sz="350" b="1">
-                                                <a:latin typeface="Cambria Math" panose="02040503050406030204" pitchFamily="18" charset="0"/>
-                                              </a:rPr>
-                                              <m:t>𝐊</m:t>
-                                            </m:r>
-                                          </m:e>
-                                          <m:sup>
-                                            <m:r>
-                                              <a:rPr kumimoji="1" lang="en-US" altLang="ja-JP" sz="350" i="1">
-                                                <a:latin typeface="Cambria Math" panose="02040503050406030204" pitchFamily="18" charset="0"/>
-                                              </a:rPr>
-                                              <m:t>2</m:t>
-                                            </m:r>
-                                          </m:sup>
-                                        </m:sSup>
-                                        <m:r>
-                                          <a:rPr kumimoji="1" lang="en-US" altLang="ja-JP" sz="350" i="1">
-                                            <a:latin typeface="Cambria Math" panose="02040503050406030204" pitchFamily="18" charset="0"/>
-                                          </a:rPr>
-                                          <m:t>−</m:t>
-                                        </m:r>
-                                        <m:d>
-                                          <m:dPr>
-                                            <m:ctrlPr>
-                                              <a:rPr kumimoji="1" lang="en-US" altLang="ja-JP" sz="350" i="1">
-                                                <a:latin typeface="Cambria Math" panose="02040503050406030204" pitchFamily="18" charset="0"/>
-                                              </a:rPr>
-                                            </m:ctrlPr>
-                                          </m:dPr>
-                                          <m:e>
-                                            <m:r>
-                                              <a:rPr kumimoji="1" lang="en-US" altLang="ja-JP" sz="350" b="1">
-                                                <a:latin typeface="Cambria Math" panose="02040503050406030204" pitchFamily="18" charset="0"/>
-                                              </a:rPr>
-                                              <m:t>𝐊</m:t>
-                                            </m:r>
-                                            <m:r>
-                                              <a:rPr kumimoji="1" lang="en-US" altLang="ja-JP" sz="350" b="1">
-                                                <a:latin typeface="Cambria Math" panose="02040503050406030204" pitchFamily="18" charset="0"/>
-                                              </a:rPr>
-                                              <m:t>−</m:t>
-                                            </m:r>
-                                            <m:r>
-                                              <a:rPr kumimoji="1" lang="en-US" altLang="ja-JP" sz="350" b="1" i="1">
-                                                <a:latin typeface="Cambria Math" panose="02040503050406030204" pitchFamily="18" charset="0"/>
-                                              </a:rPr>
-                                              <m:t>𝒖</m:t>
-                                            </m:r>
-                                          </m:e>
-                                        </m:d>
-                                      </m:e>
-                                      <m:sup>
-                                        <m:r>
-                                          <a:rPr kumimoji="1" lang="en-US" altLang="ja-JP" sz="350" i="1">
-                                            <a:latin typeface="Cambria Math" panose="02040503050406030204" pitchFamily="18" charset="0"/>
-                                          </a:rPr>
-                                          <m:t>2</m:t>
-                                        </m:r>
-                                      </m:sup>
-                                    </m:sSup>
-                                  </m:e>
-                                </m:d>
-                              </m:e>
-                              <m:sup>
-                                <m:r>
-                                  <a:rPr kumimoji="1" lang="en-US" altLang="ja-JP" sz="350" i="1">
-                                    <a:latin typeface="Cambria Math" panose="02040503050406030204" pitchFamily="18" charset="0"/>
-                                  </a:rPr>
-                                  <m:t>2</m:t>
-                                </m:r>
-                              </m:sup>
-                            </m:sSup>
-                            <m:r>
-                              <a:rPr kumimoji="1" lang="en-US" altLang="ja-JP" sz="350" b="0" i="1" smtClean="0">
-                                <a:latin typeface="Cambria Math" panose="02040503050406030204" pitchFamily="18" charset="0"/>
-                              </a:rPr>
-                              <m:t>/2</m:t>
-                            </m:r>
-                          </m:e>
-                        </m:d>
-                      </m:e>
-                    </m:func>
-                    <m:sSub>
-                      <m:sSubPr>
-                        <m:ctrlPr>
-                          <a:rPr lang="en-US" altLang="ja-JP" sz="350" i="1">
-                            <a:solidFill>
-                              <a:schemeClr val="tx1"/>
-                            </a:solidFill>
-                            <a:latin typeface="Cambria Math" panose="02040503050406030204" pitchFamily="18" charset="0"/>
-                          </a:rPr>
-                        </m:ctrlPr>
-                      </m:sSubPr>
-                      <m:e>
-                        <m:r>
-                          <a:rPr lang="en-US" altLang="ja-JP" sz="350" i="1">
-                            <a:solidFill>
-                              <a:schemeClr val="tx1"/>
-                            </a:solidFill>
-                            <a:latin typeface="Cambria Math" panose="02040503050406030204" pitchFamily="18" charset="0"/>
-                          </a:rPr>
-                          <m:t>𝐸</m:t>
-                        </m:r>
-                      </m:e>
-                      <m:sub>
-                        <m:r>
-                          <a:rPr lang="en-US" altLang="ja-JP" sz="350" i="1">
-                            <a:solidFill>
-                              <a:schemeClr val="tx1"/>
-                            </a:solidFill>
-                            <a:latin typeface="Cambria Math" panose="02040503050406030204" pitchFamily="18" charset="0"/>
-                          </a:rPr>
-                          <m:t>𝑠</m:t>
-                        </m:r>
-                      </m:sub>
-                    </m:sSub>
-                    <m:d>
-                      <m:dPr>
-                        <m:ctrlPr>
-                          <a:rPr lang="en-US" altLang="ja-JP" sz="350" i="1">
-                            <a:solidFill>
-                              <a:schemeClr val="tx1"/>
-                            </a:solidFill>
-                            <a:latin typeface="Cambria Math" panose="02040503050406030204" pitchFamily="18" charset="0"/>
-                          </a:rPr>
-                        </m:ctrlPr>
-                      </m:dPr>
-                      <m:e>
-                        <m:r>
-                          <a:rPr lang="en-US" altLang="ja-JP" sz="350" b="1" i="1">
-                            <a:solidFill>
-                              <a:schemeClr val="tx1"/>
-                            </a:solidFill>
-                            <a:latin typeface="Cambria Math" panose="02040503050406030204" pitchFamily="18" charset="0"/>
-                          </a:rPr>
-                          <m:t>𝒖</m:t>
-                        </m:r>
-                      </m:e>
-                    </m:d>
-                    <m:r>
-                      <a:rPr kumimoji="1" lang="en-US" altLang="ja-JP" sz="350" i="1">
-                        <a:solidFill>
-                          <a:schemeClr val="tx1"/>
-                        </a:solidFill>
-                        <a:latin typeface="Cambria Math" panose="02040503050406030204" pitchFamily="18" charset="0"/>
-                      </a:rPr>
-                      <m:t>𝑑</m:t>
-                    </m:r>
-                    <m:r>
-                      <a:rPr kumimoji="1" lang="en-US" altLang="ja-JP" sz="350" b="1" i="0">
-                        <a:solidFill>
-                          <a:schemeClr val="tx1"/>
-                        </a:solidFill>
-                        <a:latin typeface="Cambria Math" panose="02040503050406030204" pitchFamily="18" charset="0"/>
-                      </a:rPr>
-                      <m:t>𝐊</m:t>
-                    </m:r>
-                  </m:oMath>
-                </a14:m>
-                <a:endParaRPr kumimoji="1" lang="en-US" altLang="ja-JP" sz="350" b="1" dirty="0">
-                  <a:solidFill>
-                    <a:schemeClr val="tx1"/>
-                  </a:solidFill>
-                </a:endParaRPr>
-              </a:p>
-              <a:p>
-                <a:pPr/>
-                <a14:m>
-                  <m:oMathPara xmlns:m="http://schemas.openxmlformats.org/officeDocument/2006/math">
-                    <m:oMathParaPr>
-                      <m:jc m:val="left"/>
-                    </m:oMathParaPr>
-                    <m:oMath xmlns:m="http://schemas.openxmlformats.org/officeDocument/2006/math">
-                      <m:r>
-                        <a:rPr lang="en-US" altLang="ja-JP" sz="300" b="0" i="0" smtClean="0">
-                          <a:solidFill>
-                            <a:schemeClr val="tx1"/>
-                          </a:solidFill>
-                          <a:latin typeface="Cambria Math" panose="02040503050406030204" pitchFamily="18" charset="0"/>
-                        </a:rPr>
-                        <m:t>      </m:t>
-                      </m:r>
-                      <m:r>
-                        <m:rPr>
-                          <m:sty m:val="p"/>
-                        </m:rPr>
-                        <a:rPr lang="en-US" altLang="ja-JP" sz="300" b="0" i="0" smtClean="0">
-                          <a:solidFill>
-                            <a:schemeClr val="tx1"/>
-                          </a:solidFill>
-                          <a:latin typeface="Cambria Math" panose="02040503050406030204" pitchFamily="18" charset="0"/>
-                        </a:rPr>
-                        <m:t>where</m:t>
-                      </m:r>
-                      <m:r>
-                        <a:rPr lang="en-US" altLang="ja-JP" sz="300" b="0" i="0" smtClean="0">
-                          <a:solidFill>
-                            <a:schemeClr val="tx1"/>
-                          </a:solidFill>
-                          <a:latin typeface="Cambria Math" panose="02040503050406030204" pitchFamily="18" charset="0"/>
-                        </a:rPr>
-                        <m:t> </m:t>
-                      </m:r>
-                      <m:r>
-                        <a:rPr lang="en-US" altLang="ja-JP" sz="300" i="1" smtClean="0">
-                          <a:solidFill>
-                            <a:schemeClr val="tx1"/>
-                          </a:solidFill>
-                          <a:latin typeface="Cambria Math" panose="02040503050406030204" pitchFamily="18" charset="0"/>
-                        </a:rPr>
-                        <m:t>𝐴</m:t>
-                      </m:r>
-                      <m:d>
-                        <m:dPr>
-                          <m:ctrlPr>
-                            <a:rPr lang="en-US" altLang="ja-JP" sz="300" i="1">
-                              <a:solidFill>
-                                <a:schemeClr val="tx1"/>
-                              </a:solidFill>
-                              <a:latin typeface="Cambria Math" panose="02040503050406030204" pitchFamily="18" charset="0"/>
-                            </a:rPr>
-                          </m:ctrlPr>
-                        </m:dPr>
-                        <m:e>
-                          <m:r>
-                            <a:rPr lang="en-US" altLang="ja-JP" sz="300" b="1" i="1" smtClean="0">
-                              <a:solidFill>
-                                <a:schemeClr val="tx1"/>
-                              </a:solidFill>
-                              <a:latin typeface="Cambria Math" panose="02040503050406030204" pitchFamily="18" charset="0"/>
-                            </a:rPr>
-                            <m:t>𝒖</m:t>
-                          </m:r>
-                        </m:e>
-                      </m:d>
-                      <m:r>
-                        <a:rPr lang="en-US" altLang="ja-JP" sz="300" b="1" i="1">
-                          <a:solidFill>
-                            <a:schemeClr val="tx1"/>
-                          </a:solidFill>
-                          <a:latin typeface="Cambria Math" panose="02040503050406030204" pitchFamily="18" charset="0"/>
-                        </a:rPr>
-                        <m:t>= </m:t>
-                      </m:r>
-                      <m:d>
-                        <m:dPr>
-                          <m:begChr m:val="{"/>
-                          <m:endChr m:val=""/>
-                          <m:ctrlPr>
-                            <a:rPr lang="en-US" altLang="ja-JP" sz="300" b="0" i="1" smtClean="0">
-                              <a:solidFill>
-                                <a:schemeClr val="tx1"/>
-                              </a:solidFill>
-                              <a:latin typeface="Cambria Math" panose="02040503050406030204" pitchFamily="18" charset="0"/>
-                            </a:rPr>
-                          </m:ctrlPr>
-                        </m:dPr>
-                        <m:e>
-                          <m:eqArr>
-                            <m:eqArrPr>
-                              <m:ctrlPr>
-                                <a:rPr lang="en-US" altLang="ja-JP" sz="300" b="0" i="1" smtClean="0">
-                                  <a:solidFill>
-                                    <a:schemeClr val="tx1"/>
-                                  </a:solidFill>
-                                  <a:latin typeface="Cambria Math" panose="02040503050406030204" pitchFamily="18" charset="0"/>
-                                </a:rPr>
-                              </m:ctrlPr>
-                            </m:eqArrPr>
-                            <m:e>
-                              <m:r>
-                                <a:rPr lang="en-US" altLang="ja-JP" sz="300" b="0" i="1" smtClean="0">
-                                  <a:solidFill>
-                                    <a:schemeClr val="tx1"/>
-                                  </a:solidFill>
-                                  <a:latin typeface="Cambria Math" panose="02040503050406030204" pitchFamily="18" charset="0"/>
-                                </a:rPr>
-                                <m:t>1 (</m:t>
-                              </m:r>
-                              <m:r>
-                                <a:rPr lang="en-US" altLang="ja-JP" sz="300" b="0" i="1" smtClean="0">
-                                  <a:solidFill>
-                                    <a:schemeClr val="tx1"/>
-                                  </a:solidFill>
-                                  <a:latin typeface="Cambria Math" panose="02040503050406030204" pitchFamily="18" charset="0"/>
-                                </a:rPr>
-                                <m:t>𝑢</m:t>
-                              </m:r>
-                              <m:r>
-                                <a:rPr lang="en-US" altLang="ja-JP" sz="300" b="0" i="1" smtClean="0">
-                                  <a:solidFill>
-                                    <a:schemeClr val="tx1"/>
-                                  </a:solidFill>
-                                  <a:latin typeface="Cambria Math" panose="02040503050406030204" pitchFamily="18" charset="0"/>
-                                  <a:ea typeface="Cambria Math" panose="02040503050406030204" pitchFamily="18" charset="0"/>
-                                </a:rPr>
-                                <m:t>≤</m:t>
-                              </m:r>
-                              <m:r>
-                                <a:rPr lang="ja-JP" altLang="en-US" sz="300" b="0" i="1" smtClean="0">
-                                  <a:solidFill>
-                                    <a:schemeClr val="tx1"/>
-                                  </a:solidFill>
-                                  <a:latin typeface="Cambria Math" panose="02040503050406030204" pitchFamily="18" charset="0"/>
-                                  <a:ea typeface="Cambria Math" panose="02040503050406030204" pitchFamily="18" charset="0"/>
-                                </a:rPr>
-                                <m:t>𝛼</m:t>
-                              </m:r>
-                              <m:r>
-                                <a:rPr lang="en-US" altLang="ja-JP" sz="300" b="0" i="1" smtClean="0">
-                                  <a:solidFill>
-                                    <a:schemeClr val="tx1"/>
-                                  </a:solidFill>
-                                  <a:latin typeface="Cambria Math" panose="02040503050406030204" pitchFamily="18" charset="0"/>
-                                </a:rPr>
-                                <m:t>)</m:t>
-                              </m:r>
-                            </m:e>
-                            <m:e>
-                              <m:r>
-                                <a:rPr lang="en-US" altLang="ja-JP" sz="300" b="0" i="1" smtClean="0">
-                                  <a:solidFill>
-                                    <a:schemeClr val="tx1"/>
-                                  </a:solidFill>
-                                  <a:latin typeface="Cambria Math" panose="02040503050406030204" pitchFamily="18" charset="0"/>
-                                </a:rPr>
-                                <m:t>0</m:t>
-                              </m:r>
-                              <m:r>
-                                <a:rPr lang="en-US" altLang="ja-JP" sz="300" i="1">
-                                  <a:solidFill>
-                                    <a:schemeClr val="tx1"/>
-                                  </a:solidFill>
-                                  <a:latin typeface="Cambria Math" panose="02040503050406030204" pitchFamily="18" charset="0"/>
-                                </a:rPr>
-                                <m:t> (</m:t>
-                              </m:r>
-                              <m:r>
-                                <a:rPr lang="en-US" altLang="ja-JP" sz="300" i="1">
-                                  <a:solidFill>
-                                    <a:schemeClr val="tx1"/>
-                                  </a:solidFill>
-                                  <a:latin typeface="Cambria Math" panose="02040503050406030204" pitchFamily="18" charset="0"/>
-                                </a:rPr>
-                                <m:t>𝑢</m:t>
-                              </m:r>
-                              <m:r>
-                                <a:rPr lang="en-US" altLang="ja-JP" sz="300" i="1" smtClean="0">
-                                  <a:solidFill>
-                                    <a:schemeClr val="tx1"/>
-                                  </a:solidFill>
-                                  <a:latin typeface="Cambria Math" panose="02040503050406030204" pitchFamily="18" charset="0"/>
-                                </a:rPr>
-                                <m:t>&gt;</m:t>
-                              </m:r>
-                              <m:r>
-                                <a:rPr lang="ja-JP" altLang="en-US" sz="300" i="1">
-                                  <a:solidFill>
-                                    <a:schemeClr val="tx1"/>
-                                  </a:solidFill>
-                                  <a:latin typeface="Cambria Math" panose="02040503050406030204" pitchFamily="18" charset="0"/>
-                                  <a:ea typeface="Cambria Math" panose="02040503050406030204" pitchFamily="18" charset="0"/>
-                                </a:rPr>
-                                <m:t>𝛼</m:t>
-                              </m:r>
-                              <m:r>
-                                <a:rPr lang="en-US" altLang="ja-JP" sz="300" i="1">
-                                  <a:solidFill>
-                                    <a:schemeClr val="tx1"/>
-                                  </a:solidFill>
-                                  <a:latin typeface="Cambria Math" panose="02040503050406030204" pitchFamily="18" charset="0"/>
-                                </a:rPr>
-                                <m:t>)</m:t>
-                              </m:r>
-                            </m:e>
-                          </m:eqArr>
-                        </m:e>
-                      </m:d>
-                      <m:r>
-                        <a:rPr lang="en-US" altLang="ja-JP" sz="300" b="0" i="1" smtClean="0">
-                          <a:solidFill>
-                            <a:schemeClr val="tx1"/>
-                          </a:solidFill>
-                          <a:latin typeface="Cambria Math" panose="02040503050406030204" pitchFamily="18" charset="0"/>
-                        </a:rPr>
-                        <m:t> ,</m:t>
-                      </m:r>
-                      <m:r>
-                        <a:rPr lang="en-US" altLang="ja-JP" sz="300" i="1">
-                          <a:solidFill>
-                            <a:schemeClr val="tx1"/>
-                          </a:solidFill>
-                          <a:latin typeface="Cambria Math" panose="02040503050406030204" pitchFamily="18" charset="0"/>
-                        </a:rPr>
-                        <m:t>𝑊</m:t>
-                      </m:r>
-                      <m:d>
-                        <m:dPr>
-                          <m:ctrlPr>
-                            <a:rPr lang="en-US" altLang="ja-JP" sz="300" i="1">
-                              <a:solidFill>
-                                <a:schemeClr val="tx1"/>
-                              </a:solidFill>
-                              <a:latin typeface="Cambria Math" panose="02040503050406030204" pitchFamily="18" charset="0"/>
-                            </a:rPr>
-                          </m:ctrlPr>
-                        </m:dPr>
-                        <m:e>
-                          <m:r>
-                            <a:rPr lang="en-US" altLang="ja-JP" sz="300" b="1" i="1">
-                              <a:solidFill>
-                                <a:schemeClr val="tx1"/>
-                              </a:solidFill>
-                              <a:latin typeface="Cambria Math" panose="02040503050406030204" pitchFamily="18" charset="0"/>
-                            </a:rPr>
-                            <m:t>𝒖</m:t>
-                          </m:r>
-                        </m:e>
-                      </m:d>
-                      <m:r>
-                        <a:rPr lang="en-US" altLang="ja-JP" sz="300" b="0" i="1" smtClean="0">
-                          <a:solidFill>
-                            <a:schemeClr val="tx1"/>
-                          </a:solidFill>
-                          <a:latin typeface="Cambria Math" panose="02040503050406030204" pitchFamily="18" charset="0"/>
-                        </a:rPr>
-                        <m:t>=</m:t>
-                      </m:r>
-                      <m:f>
-                        <m:fPr>
-                          <m:ctrlPr>
-                            <a:rPr lang="en-US" altLang="ja-JP" sz="300" b="0" i="1" smtClean="0">
-                              <a:solidFill>
-                                <a:schemeClr val="tx1"/>
-                              </a:solidFill>
-                              <a:latin typeface="Cambria Math" panose="02040503050406030204" pitchFamily="18" charset="0"/>
-                            </a:rPr>
-                          </m:ctrlPr>
-                        </m:fPr>
-                        <m:num>
-                          <m:r>
-                            <a:rPr lang="el-GR" altLang="ja-JP" sz="300" i="1">
-                              <a:latin typeface="Cambria Math" panose="02040503050406030204" pitchFamily="18" charset="0"/>
-                              <a:ea typeface="Cambria Math" panose="02040503050406030204" pitchFamily="18" charset="0"/>
-                            </a:rPr>
-                            <m:t>𝜋</m:t>
-                          </m:r>
-                          <m:r>
-                            <a:rPr lang="en-US" altLang="ja-JP" sz="300" i="1">
-                              <a:latin typeface="Cambria Math" panose="02040503050406030204" pitchFamily="18" charset="0"/>
-                              <a:ea typeface="Cambria Math" panose="02040503050406030204" pitchFamily="18" charset="0"/>
-                            </a:rPr>
-                            <m:t> </m:t>
-                          </m:r>
-                          <m:r>
-                            <a:rPr lang="ja-JP" altLang="el-GR" sz="300" i="1">
-                              <a:latin typeface="Cambria Math" panose="02040503050406030204" pitchFamily="18" charset="0"/>
-                              <a:ea typeface="Cambria Math" panose="02040503050406030204" pitchFamily="18" charset="0"/>
-                            </a:rPr>
-                            <m:t>𝜆</m:t>
-                          </m:r>
-                          <m:r>
-                            <a:rPr lang="en-US" altLang="ja-JP" sz="300" i="1">
-                              <a:latin typeface="Cambria Math" panose="02040503050406030204" pitchFamily="18" charset="0"/>
-                              <a:ea typeface="Cambria Math" panose="02040503050406030204" pitchFamily="18" charset="0"/>
-                            </a:rPr>
-                            <m:t> </m:t>
-                          </m:r>
-                          <m:sSup>
-                            <m:sSupPr>
-                              <m:ctrlPr>
-                                <a:rPr lang="en-US" altLang="ja-JP" sz="300" i="1">
-                                  <a:latin typeface="Cambria Math" panose="02040503050406030204" pitchFamily="18" charset="0"/>
-                                  <a:ea typeface="Cambria Math" panose="02040503050406030204" pitchFamily="18" charset="0"/>
-                                </a:rPr>
-                              </m:ctrlPr>
-                            </m:sSupPr>
-                            <m:e>
-                              <m:r>
-                                <a:rPr lang="en-US" altLang="ja-JP" sz="300" b="1" i="1">
-                                  <a:latin typeface="Cambria Math" panose="02040503050406030204" pitchFamily="18" charset="0"/>
-                                  <a:ea typeface="Cambria Math" panose="02040503050406030204" pitchFamily="18" charset="0"/>
-                                </a:rPr>
-                                <m:t>𝒖</m:t>
-                              </m:r>
-                            </m:e>
-                            <m:sup>
-                              <m:r>
-                                <a:rPr lang="en-US" altLang="ja-JP" sz="300" i="1">
-                                  <a:latin typeface="Cambria Math" panose="02040503050406030204" pitchFamily="18" charset="0"/>
-                                  <a:ea typeface="Cambria Math" panose="02040503050406030204" pitchFamily="18" charset="0"/>
-                                </a:rPr>
-                                <m:t>2</m:t>
-                              </m:r>
-                            </m:sup>
-                          </m:sSup>
-                          <m:d>
-                            <m:dPr>
-                              <m:ctrlPr>
-                                <a:rPr lang="en-US" altLang="ja-JP" sz="300" i="1">
-                                  <a:latin typeface="Cambria Math" panose="02040503050406030204" pitchFamily="18" charset="0"/>
-                                  <a:ea typeface="Cambria Math" panose="02040503050406030204" pitchFamily="18" charset="0"/>
-                                </a:rPr>
-                              </m:ctrlPr>
-                            </m:dPr>
-                            <m:e>
-                              <m:r>
-                                <m:rPr>
-                                  <m:sty m:val="p"/>
-                                </m:rPr>
-                                <a:rPr lang="el-GR" altLang="ja-JP" sz="300" i="1">
-                                  <a:latin typeface="Cambria Math" panose="02040503050406030204" pitchFamily="18" charset="0"/>
-                                  <a:ea typeface="Cambria Math" panose="02040503050406030204" pitchFamily="18" charset="0"/>
-                                </a:rPr>
-                                <m:t>Δ</m:t>
-                              </m:r>
-                              <m:r>
-                                <a:rPr lang="en-US" altLang="ja-JP" sz="300" i="1">
-                                  <a:latin typeface="Cambria Math" panose="02040503050406030204" pitchFamily="18" charset="0"/>
-                                  <a:ea typeface="Cambria Math" panose="02040503050406030204" pitchFamily="18" charset="0"/>
-                                </a:rPr>
-                                <m:t>𝑓</m:t>
-                              </m:r>
-                              <m:r>
-                                <a:rPr lang="en-US" altLang="ja-JP" sz="300" i="1">
-                                  <a:latin typeface="Cambria Math" panose="02040503050406030204" pitchFamily="18" charset="0"/>
-                                  <a:ea typeface="Cambria Math" panose="02040503050406030204" pitchFamily="18" charset="0"/>
-                                </a:rPr>
-                                <m:t>+</m:t>
-                              </m:r>
-                              <m:sSub>
-                                <m:sSubPr>
-                                  <m:ctrlPr>
-                                    <a:rPr lang="en-US" altLang="ja-JP" sz="300" i="1">
-                                      <a:latin typeface="Cambria Math" panose="02040503050406030204" pitchFamily="18" charset="0"/>
-                                      <a:ea typeface="Cambria Math" panose="02040503050406030204" pitchFamily="18" charset="0"/>
-                                    </a:rPr>
-                                  </m:ctrlPr>
-                                </m:sSubPr>
-                                <m:e>
-                                  <m:r>
-                                    <a:rPr lang="en-US" altLang="ja-JP" sz="300" i="1">
-                                      <a:latin typeface="Cambria Math" panose="02040503050406030204" pitchFamily="18" charset="0"/>
-                                      <a:ea typeface="Cambria Math" panose="02040503050406030204" pitchFamily="18" charset="0"/>
-                                    </a:rPr>
-                                    <m:t>𝐶</m:t>
-                                  </m:r>
-                                </m:e>
-                                <m:sub>
-                                  <m:r>
-                                    <m:rPr>
-                                      <m:sty m:val="p"/>
-                                    </m:rPr>
-                                    <a:rPr lang="en-US" altLang="ja-JP" sz="300">
-                                      <a:latin typeface="Cambria Math" panose="02040503050406030204" pitchFamily="18" charset="0"/>
-                                      <a:ea typeface="Cambria Math" panose="02040503050406030204" pitchFamily="18" charset="0"/>
-                                    </a:rPr>
-                                    <m:t>s</m:t>
-                                  </m:r>
-                                </m:sub>
-                              </m:sSub>
-                              <m:sSup>
-                                <m:sSupPr>
-                                  <m:ctrlPr>
-                                    <a:rPr lang="en-US" altLang="ja-JP" sz="300" i="1">
-                                      <a:latin typeface="Cambria Math" panose="02040503050406030204" pitchFamily="18" charset="0"/>
-                                      <a:ea typeface="Cambria Math" panose="02040503050406030204" pitchFamily="18" charset="0"/>
-                                    </a:rPr>
-                                  </m:ctrlPr>
-                                </m:sSupPr>
-                                <m:e>
-                                  <m:r>
-                                    <a:rPr lang="en-US" altLang="ja-JP" sz="300" b="1" i="1">
-                                      <a:latin typeface="Cambria Math" panose="02040503050406030204" pitchFamily="18" charset="0"/>
-                                      <a:ea typeface="Cambria Math" panose="02040503050406030204" pitchFamily="18" charset="0"/>
-                                    </a:rPr>
-                                    <m:t>𝒖</m:t>
-                                  </m:r>
-                                </m:e>
-                                <m:sup>
-                                  <m:r>
-                                    <a:rPr lang="en-US" altLang="ja-JP" sz="300" i="1">
-                                      <a:latin typeface="Cambria Math" panose="02040503050406030204" pitchFamily="18" charset="0"/>
-                                      <a:ea typeface="Cambria Math" panose="02040503050406030204" pitchFamily="18" charset="0"/>
-                                    </a:rPr>
-                                    <m:t>2</m:t>
-                                  </m:r>
-                                </m:sup>
-                              </m:sSup>
-                              <m:sSup>
-                                <m:sSupPr>
-                                  <m:ctrlPr>
-                                    <a:rPr lang="en-US" altLang="ja-JP" sz="300" i="1">
-                                      <a:latin typeface="Cambria Math" panose="02040503050406030204" pitchFamily="18" charset="0"/>
-                                      <a:ea typeface="Cambria Math" panose="02040503050406030204" pitchFamily="18" charset="0"/>
-                                    </a:rPr>
-                                  </m:ctrlPr>
-                                </m:sSupPr>
-                                <m:e>
-                                  <m:r>
-                                    <a:rPr lang="ja-JP" altLang="en-US" sz="300" i="1">
-                                      <a:latin typeface="Cambria Math" panose="02040503050406030204" pitchFamily="18" charset="0"/>
-                                      <a:ea typeface="Cambria Math" panose="02040503050406030204" pitchFamily="18" charset="0"/>
-                                    </a:rPr>
-                                    <m:t>𝜆</m:t>
-                                  </m:r>
-                                </m:e>
-                                <m:sup>
-                                  <m:r>
-                                    <a:rPr lang="en-US" altLang="ja-JP" sz="300" i="1">
-                                      <a:latin typeface="Cambria Math" panose="02040503050406030204" pitchFamily="18" charset="0"/>
-                                      <a:ea typeface="Cambria Math" panose="02040503050406030204" pitchFamily="18" charset="0"/>
-                                    </a:rPr>
-                                    <m:t>2</m:t>
-                                  </m:r>
-                                </m:sup>
-                              </m:sSup>
-                            </m:e>
-                          </m:d>
-                        </m:num>
-                        <m:den>
-                          <m:r>
-                            <a:rPr lang="en-US" altLang="ja-JP" sz="300" b="0" i="1" smtClean="0">
-                              <a:solidFill>
-                                <a:schemeClr val="tx1"/>
-                              </a:solidFill>
-                              <a:latin typeface="Cambria Math" panose="02040503050406030204" pitchFamily="18" charset="0"/>
-                            </a:rPr>
-                            <m:t>2</m:t>
-                          </m:r>
-                        </m:den>
-                      </m:f>
-                      <m:r>
-                        <a:rPr lang="en-US" altLang="ja-JP" sz="300" b="0" i="1" smtClean="0">
-                          <a:solidFill>
-                            <a:schemeClr val="tx1"/>
-                          </a:solidFill>
-                          <a:latin typeface="Cambria Math" panose="02040503050406030204" pitchFamily="18" charset="0"/>
-                          <a:ea typeface="Cambria Math" panose="02040503050406030204" pitchFamily="18" charset="0"/>
-                        </a:rPr>
-                        <m:t>,</m:t>
-                      </m:r>
-                      <m:r>
-                        <a:rPr lang="ja-JP" altLang="en-US" sz="300" i="1">
-                          <a:solidFill>
-                            <a:schemeClr val="tx1"/>
-                          </a:solidFill>
-                          <a:latin typeface="Cambria Math" panose="02040503050406030204" pitchFamily="18" charset="0"/>
-                        </a:rPr>
-                        <m:t>　</m:t>
-                      </m:r>
-                      <m:sSub>
-                        <m:sSubPr>
-                          <m:ctrlPr>
-                            <a:rPr lang="en-US" altLang="ja-JP" sz="300" i="1">
-                              <a:solidFill>
-                                <a:schemeClr val="tx1"/>
-                              </a:solidFill>
-                              <a:latin typeface="Cambria Math" panose="02040503050406030204" pitchFamily="18" charset="0"/>
-                            </a:rPr>
-                          </m:ctrlPr>
-                        </m:sSubPr>
-                        <m:e>
-                          <m:r>
-                            <a:rPr lang="en-US" altLang="ja-JP" sz="300" i="1">
-                              <a:solidFill>
-                                <a:schemeClr val="tx1"/>
-                              </a:solidFill>
-                              <a:latin typeface="Cambria Math" panose="02040503050406030204" pitchFamily="18" charset="0"/>
-                            </a:rPr>
-                            <m:t>𝐸</m:t>
-                          </m:r>
-                        </m:e>
-                        <m:sub>
-                          <m:r>
-                            <a:rPr lang="en-US" altLang="ja-JP" sz="300" i="1">
-                              <a:solidFill>
-                                <a:schemeClr val="tx1"/>
-                              </a:solidFill>
-                              <a:latin typeface="Cambria Math" panose="02040503050406030204" pitchFamily="18" charset="0"/>
-                            </a:rPr>
-                            <m:t>𝑠</m:t>
-                          </m:r>
-                        </m:sub>
-                      </m:sSub>
-                      <m:d>
-                        <m:dPr>
-                          <m:ctrlPr>
-                            <a:rPr lang="en-US" altLang="ja-JP" sz="300" i="1">
-                              <a:solidFill>
-                                <a:schemeClr val="tx1"/>
-                              </a:solidFill>
-                              <a:latin typeface="Cambria Math" panose="02040503050406030204" pitchFamily="18" charset="0"/>
-                            </a:rPr>
-                          </m:ctrlPr>
-                        </m:dPr>
-                        <m:e>
-                          <m:r>
-                            <a:rPr lang="en-US" altLang="ja-JP" sz="300" b="1" i="1">
-                              <a:solidFill>
-                                <a:schemeClr val="tx1"/>
-                              </a:solidFill>
-                              <a:latin typeface="Cambria Math" panose="02040503050406030204" pitchFamily="18" charset="0"/>
-                            </a:rPr>
-                            <m:t>𝒖</m:t>
-                          </m:r>
-                        </m:e>
-                      </m:d>
-                      <m:r>
-                        <a:rPr lang="en-US" altLang="ja-JP" sz="300" i="1">
-                          <a:solidFill>
-                            <a:schemeClr val="tx1"/>
-                          </a:solidFill>
-                          <a:latin typeface="Cambria Math" panose="02040503050406030204" pitchFamily="18" charset="0"/>
-                        </a:rPr>
-                        <m:t>=</m:t>
-                      </m:r>
-                      <m:func>
-                        <m:funcPr>
-                          <m:ctrlPr>
-                            <a:rPr lang="en-US" altLang="ja-JP" sz="300" i="1">
-                              <a:solidFill>
-                                <a:schemeClr val="tx1"/>
-                              </a:solidFill>
-                              <a:latin typeface="Cambria Math" panose="02040503050406030204" pitchFamily="18" charset="0"/>
-                            </a:rPr>
-                          </m:ctrlPr>
-                        </m:funcPr>
-                        <m:fName>
-                          <m:r>
-                            <m:rPr>
-                              <m:sty m:val="p"/>
-                            </m:rPr>
-                            <a:rPr lang="en-US" altLang="ja-JP" sz="300">
-                              <a:solidFill>
-                                <a:schemeClr val="tx1"/>
-                              </a:solidFill>
-                              <a:latin typeface="Cambria Math" panose="02040503050406030204" pitchFamily="18" charset="0"/>
-                            </a:rPr>
-                            <m:t>exp</m:t>
-                          </m:r>
-                        </m:fName>
-                        <m:e>
-                          <m:d>
-                            <m:dPr>
-                              <m:begChr m:val="["/>
-                              <m:endChr m:val="]"/>
-                              <m:ctrlPr>
-                                <a:rPr lang="en-US" altLang="ja-JP" sz="300" i="1">
-                                  <a:solidFill>
-                                    <a:schemeClr val="tx1"/>
-                                  </a:solidFill>
-                                  <a:latin typeface="Cambria Math" panose="02040503050406030204" pitchFamily="18" charset="0"/>
-                                </a:rPr>
-                              </m:ctrlPr>
-                            </m:dPr>
-                            <m:e>
-                              <m:r>
-                                <a:rPr kumimoji="1" lang="en-US" altLang="ja-JP" sz="300" i="1">
-                                  <a:solidFill>
-                                    <a:schemeClr val="tx1"/>
-                                  </a:solidFill>
-                                  <a:latin typeface="Cambria Math" panose="02040503050406030204" pitchFamily="18" charset="0"/>
-                                </a:rPr>
-                                <m:t>−</m:t>
-                              </m:r>
-                              <m:sSup>
-                                <m:sSupPr>
-                                  <m:ctrlPr>
-                                    <a:rPr kumimoji="1" lang="en-US" altLang="ja-JP" sz="300" i="1">
-                                      <a:solidFill>
-                                        <a:schemeClr val="tx1"/>
-                                      </a:solidFill>
-                                      <a:latin typeface="Cambria Math" panose="02040503050406030204" pitchFamily="18" charset="0"/>
-                                    </a:rPr>
-                                  </m:ctrlPr>
-                                </m:sSupPr>
-                                <m:e>
-                                  <m:r>
-                                    <a:rPr kumimoji="1" lang="en-US" altLang="ja-JP" sz="300" i="1">
-                                      <a:solidFill>
-                                        <a:schemeClr val="tx1"/>
-                                      </a:solidFill>
-                                      <a:latin typeface="Cambria Math" panose="02040503050406030204" pitchFamily="18" charset="0"/>
-                                    </a:rPr>
-                                    <m:t>2</m:t>
-                                  </m:r>
-                                  <m:r>
-                                    <a:rPr kumimoji="1" lang="en-US" altLang="ja-JP" sz="300" i="1">
-                                      <a:solidFill>
-                                        <a:schemeClr val="tx1"/>
-                                      </a:solidFill>
-                                      <a:latin typeface="Cambria Math" panose="02040503050406030204" pitchFamily="18" charset="0"/>
-                                    </a:rPr>
-                                    <m:t>𝜋</m:t>
-                                  </m:r>
-                                </m:e>
-                                <m:sup>
-                                  <m:r>
-                                    <a:rPr kumimoji="1" lang="en-US" altLang="ja-JP" sz="300" i="1">
-                                      <a:solidFill>
-                                        <a:schemeClr val="tx1"/>
-                                      </a:solidFill>
-                                      <a:latin typeface="Cambria Math" panose="02040503050406030204" pitchFamily="18" charset="0"/>
-                                    </a:rPr>
-                                    <m:t>2</m:t>
-                                  </m:r>
-                                </m:sup>
-                              </m:sSup>
-                              <m:sSubSup>
-                                <m:sSubSupPr>
-                                  <m:ctrlPr>
-                                    <a:rPr kumimoji="1" lang="en-US" altLang="ja-JP" sz="300" i="1">
-                                      <a:solidFill>
-                                        <a:schemeClr val="tx1"/>
-                                      </a:solidFill>
-                                      <a:latin typeface="Cambria Math" panose="02040503050406030204" pitchFamily="18" charset="0"/>
-                                    </a:rPr>
-                                  </m:ctrlPr>
-                                </m:sSubSupPr>
-                                <m:e>
-                                  <m:r>
-                                    <a:rPr kumimoji="1" lang="en-US" altLang="ja-JP" sz="300" i="1">
-                                      <a:solidFill>
-                                        <a:schemeClr val="tx1"/>
-                                      </a:solidFill>
-                                      <a:latin typeface="Cambria Math" panose="02040503050406030204" pitchFamily="18" charset="0"/>
-                                    </a:rPr>
-                                    <m:t>𝜎</m:t>
-                                  </m:r>
-                                </m:e>
-                                <m:sub>
-                                  <m:r>
-                                    <a:rPr kumimoji="1" lang="en-US" altLang="ja-JP" sz="300" i="1">
-                                      <a:solidFill>
-                                        <a:schemeClr val="tx1"/>
-                                      </a:solidFill>
-                                      <a:latin typeface="Cambria Math" panose="02040503050406030204" pitchFamily="18" charset="0"/>
-                                    </a:rPr>
-                                    <m:t>𝑠</m:t>
-                                  </m:r>
-                                </m:sub>
-                                <m:sup>
-                                  <m:r>
-                                    <a:rPr kumimoji="1" lang="en-US" altLang="ja-JP" sz="300" i="1">
-                                      <a:solidFill>
-                                        <a:schemeClr val="tx1"/>
-                                      </a:solidFill>
-                                      <a:latin typeface="Cambria Math" panose="02040503050406030204" pitchFamily="18" charset="0"/>
-                                    </a:rPr>
-                                    <m:t>2</m:t>
-                                  </m:r>
-                                </m:sup>
-                              </m:sSubSup>
-                              <m:sSup>
-                                <m:sSupPr>
-                                  <m:ctrlPr>
-                                    <a:rPr kumimoji="1" lang="en-US" altLang="ja-JP" sz="300" i="1">
-                                      <a:solidFill>
-                                        <a:schemeClr val="tx1"/>
-                                      </a:solidFill>
-                                      <a:latin typeface="Cambria Math" panose="02040503050406030204" pitchFamily="18" charset="0"/>
-                                    </a:rPr>
-                                  </m:ctrlPr>
-                                </m:sSupPr>
-                                <m:e>
-                                  <m:r>
-                                    <a:rPr kumimoji="1" lang="en-US" altLang="ja-JP" sz="300" b="1" i="1">
-                                      <a:solidFill>
-                                        <a:schemeClr val="tx1"/>
-                                      </a:solidFill>
-                                      <a:latin typeface="Cambria Math" panose="02040503050406030204" pitchFamily="18" charset="0"/>
-                                    </a:rPr>
-                                    <m:t>𝒖</m:t>
-                                  </m:r>
-                                </m:e>
-                                <m:sup>
-                                  <m:r>
-                                    <a:rPr kumimoji="1" lang="en-US" altLang="ja-JP" sz="300" i="1">
-                                      <a:solidFill>
-                                        <a:schemeClr val="tx1"/>
-                                      </a:solidFill>
-                                      <a:latin typeface="Cambria Math" panose="02040503050406030204" pitchFamily="18" charset="0"/>
-                                    </a:rPr>
-                                    <m:t>2</m:t>
-                                  </m:r>
-                                </m:sup>
-                              </m:sSup>
-                            </m:e>
-                          </m:d>
-                        </m:e>
-                      </m:func>
-                      <m:r>
-                        <a:rPr kumimoji="1" lang="en-US" altLang="ja-JP" sz="300" b="0" i="1" smtClean="0">
-                          <a:solidFill>
-                            <a:schemeClr val="tx1"/>
-                          </a:solidFill>
-                          <a:latin typeface="Cambria Math" panose="02040503050406030204" pitchFamily="18" charset="0"/>
-                        </a:rPr>
-                        <m:t>  </m:t>
-                      </m:r>
-                    </m:oMath>
-                  </m:oMathPara>
-                </a14:m>
-                <a:endParaRPr lang="ja-JP" altLang="en-US" sz="300" dirty="0">
-                  <a:solidFill>
-                    <a:schemeClr val="tx1"/>
-                  </a:solidFill>
-                </a:endParaRPr>
-              </a:p>
-              <a:p>
-                <a:endParaRPr kumimoji="1" lang="ja-JP" altLang="en-US" sz="350" b="1" i="1" dirty="0">
-                  <a:solidFill>
-                    <a:schemeClr val="tx1"/>
-                  </a:solidFill>
-                </a:endParaRPr>
-              </a:p>
-            </p:txBody>
-          </p:sp>
-        </mc:Choice>
-        <mc:Fallback xmlns="">
-          <p:sp>
-            <p:nvSpPr>
-              <p:cNvPr id="43" name="テキスト ボックス 42">
-                <a:extLst>
-                  <a:ext uri="{FF2B5EF4-FFF2-40B4-BE49-F238E27FC236}">
-                    <a16:creationId xmlns:a16="http://schemas.microsoft.com/office/drawing/2014/main" id="{B63045FA-1A38-6963-7DC5-72FB58922A9F}"/>
-                  </a:ext>
-                </a:extLst>
-              </p:cNvPr>
-              <p:cNvSpPr txBox="1">
-                <a:spLocks noRot="1" noChangeAspect="1" noMove="1" noResize="1" noEditPoints="1" noAdjustHandles="1" noChangeArrowheads="1" noChangeShapeType="1" noTextEdit="1"/>
-              </p:cNvSpPr>
-              <p:nvPr/>
-            </p:nvSpPr>
-            <p:spPr>
-              <a:xfrm>
-                <a:off x="3891296" y="3873838"/>
-                <a:ext cx="2056943" cy="239361"/>
-              </a:xfrm>
-              <a:prstGeom prst="rect">
-                <a:avLst/>
-              </a:prstGeom>
-              <a:blipFill>
-                <a:blip r:embed="rId19"/>
-                <a:stretch>
-                  <a:fillRect l="-888" t="-65000" b="-117500"/>
-                </a:stretch>
-              </a:blipFill>
-            </p:spPr>
-            <p:txBody>
-              <a:bodyPr/>
-              <a:lstStyle/>
-              <a:p>
-                <a:r>
-                  <a:rPr lang="ja-JP" altLang="en-US">
-                    <a:noFill/>
-                  </a:rPr>
-                  <a:t> </a:t>
-                </a:r>
-              </a:p>
-            </p:txBody>
-          </p:sp>
-        </mc:Fallback>
-      </mc:AlternateContent>
-      <mc:AlternateContent xmlns:mc="http://schemas.openxmlformats.org/markup-compatibility/2006">
-        <mc:Choice xmlns:a14="http://schemas.microsoft.com/office/drawing/2010/main" Requires="a14">
           <p:sp>
             <p:nvSpPr>
               <p:cNvPr id="3" name="正方形/長方形 2">
@@ -16025,7 +14559,7 @@
             </p:txBody>
           </p:sp>
         </mc:Choice>
-        <mc:Fallback>
+        <mc:Fallback xmlns="">
           <p:sp>
             <p:nvSpPr>
               <p:cNvPr id="3" name="正方形/長方形 2">
@@ -16106,8 +14640,8 @@
           </a:p>
         </p:txBody>
       </p:sp>
-      <mc:AlternateContent xmlns:mc="http://schemas.openxmlformats.org/markup-compatibility/2006">
-        <mc:Choice xmlns:a14="http://schemas.microsoft.com/office/drawing/2010/main" Requires="a14">
+      <mc:AlternateContent xmlns:mc="http://schemas.openxmlformats.org/markup-compatibility/2006" xmlns:a14="http://schemas.microsoft.com/office/drawing/2010/main">
+        <mc:Choice Requires="a14">
           <p:sp>
             <p:nvSpPr>
               <p:cNvPr id="19" name="正方形/長方形 18">
@@ -16438,7 +14972,7 @@
             </p:txBody>
           </p:sp>
         </mc:Choice>
-        <mc:Fallback>
+        <mc:Fallback xmlns="">
           <p:sp>
             <p:nvSpPr>
               <p:cNvPr id="19" name="正方形/長方形 18">
@@ -16483,8 +15017,8 @@
           </p:sp>
         </mc:Fallback>
       </mc:AlternateContent>
-      <mc:AlternateContent xmlns:mc="http://schemas.openxmlformats.org/markup-compatibility/2006">
-        <mc:Choice xmlns:a14="http://schemas.microsoft.com/office/drawing/2010/main" Requires="a14">
+      <mc:AlternateContent xmlns:mc="http://schemas.openxmlformats.org/markup-compatibility/2006" xmlns:a14="http://schemas.microsoft.com/office/drawing/2010/main">
+        <mc:Choice Requires="a14">
           <p:sp>
             <p:nvSpPr>
               <p:cNvPr id="23" name="正方形/長方形 22">
@@ -16909,7 +15443,7 @@
             </p:txBody>
           </p:sp>
         </mc:Choice>
-        <mc:Fallback>
+        <mc:Fallback xmlns="">
           <p:sp>
             <p:nvSpPr>
               <p:cNvPr id="23" name="正方形/長方形 22">
@@ -16954,8 +15488,8 @@
           </p:sp>
         </mc:Fallback>
       </mc:AlternateContent>
-      <mc:AlternateContent xmlns:mc="http://schemas.openxmlformats.org/markup-compatibility/2006">
-        <mc:Choice xmlns:a14="http://schemas.microsoft.com/office/drawing/2010/main" Requires="a14">
+      <mc:AlternateContent xmlns:mc="http://schemas.openxmlformats.org/markup-compatibility/2006" xmlns:a14="http://schemas.microsoft.com/office/drawing/2010/main">
+        <mc:Choice Requires="a14">
           <p:sp>
             <p:nvSpPr>
               <p:cNvPr id="24" name="正方形/長方形 23">
@@ -17380,7 +15914,7 @@
             </p:txBody>
           </p:sp>
         </mc:Choice>
-        <mc:Fallback>
+        <mc:Fallback xmlns="">
           <p:sp>
             <p:nvSpPr>
               <p:cNvPr id="24" name="正方形/長方形 23">
@@ -17425,8 +15959,8 @@
           </p:sp>
         </mc:Fallback>
       </mc:AlternateContent>
-      <mc:AlternateContent xmlns:mc="http://schemas.openxmlformats.org/markup-compatibility/2006">
-        <mc:Choice xmlns:a14="http://schemas.microsoft.com/office/drawing/2010/main" Requires="a14">
+      <mc:AlternateContent xmlns:mc="http://schemas.openxmlformats.org/markup-compatibility/2006" xmlns:a14="http://schemas.microsoft.com/office/drawing/2010/main">
+        <mc:Choice Requires="a14">
           <p:sp>
             <p:nvSpPr>
               <p:cNvPr id="27" name="正方形/長方形 26">
@@ -17916,7 +16450,7 @@
             </p:txBody>
           </p:sp>
         </mc:Choice>
-        <mc:Fallback>
+        <mc:Fallback xmlns="">
           <p:sp>
             <p:nvSpPr>
               <p:cNvPr id="27" name="正方形/長方形 26">
@@ -17961,8 +16495,8 @@
           </p:sp>
         </mc:Fallback>
       </mc:AlternateContent>
-      <mc:AlternateContent xmlns:mc="http://schemas.openxmlformats.org/markup-compatibility/2006">
-        <mc:Choice xmlns:a14="http://schemas.microsoft.com/office/drawing/2010/main" Requires="a14">
+      <mc:AlternateContent xmlns:mc="http://schemas.openxmlformats.org/markup-compatibility/2006" xmlns:a14="http://schemas.microsoft.com/office/drawing/2010/main">
+        <mc:Choice Requires="a14">
           <p:sp>
             <p:nvSpPr>
               <p:cNvPr id="28" name="正方形/長方形 27">
@@ -18403,7 +16937,7 @@
             </p:txBody>
           </p:sp>
         </mc:Choice>
-        <mc:Fallback>
+        <mc:Fallback xmlns="">
           <p:sp>
             <p:nvSpPr>
               <p:cNvPr id="28" name="正方形/長方形 27">
@@ -18448,8 +16982,8 @@
           </p:sp>
         </mc:Fallback>
       </mc:AlternateContent>
-      <mc:AlternateContent xmlns:mc="http://schemas.openxmlformats.org/markup-compatibility/2006">
-        <mc:Choice xmlns:a14="http://schemas.microsoft.com/office/drawing/2010/main" Requires="a14">
+      <mc:AlternateContent xmlns:mc="http://schemas.openxmlformats.org/markup-compatibility/2006" xmlns:a14="http://schemas.microsoft.com/office/drawing/2010/main">
+        <mc:Choice Requires="a14">
           <p:sp>
             <p:nvSpPr>
               <p:cNvPr id="31" name="正方形/長方形 30">
@@ -18780,7 +17314,7 @@
             </p:txBody>
           </p:sp>
         </mc:Choice>
-        <mc:Fallback>
+        <mc:Fallback xmlns="">
           <p:sp>
             <p:nvSpPr>
               <p:cNvPr id="31" name="正方形/長方形 30">
@@ -18825,8 +17359,8 @@
           </p:sp>
         </mc:Fallback>
       </mc:AlternateContent>
-      <mc:AlternateContent xmlns:mc="http://schemas.openxmlformats.org/markup-compatibility/2006">
-        <mc:Choice xmlns:a14="http://schemas.microsoft.com/office/drawing/2010/main" Requires="a14">
+      <mc:AlternateContent xmlns:mc="http://schemas.openxmlformats.org/markup-compatibility/2006" xmlns:a14="http://schemas.microsoft.com/office/drawing/2010/main">
+        <mc:Choice Requires="a14">
           <p:sp>
             <p:nvSpPr>
               <p:cNvPr id="34" name="正方形/長方形 33">
@@ -19157,7 +17691,7 @@
             </p:txBody>
           </p:sp>
         </mc:Choice>
-        <mc:Fallback>
+        <mc:Fallback xmlns="">
           <p:sp>
             <p:nvSpPr>
               <p:cNvPr id="34" name="正方形/長方形 33">
@@ -19184,6 +17718,1428 @@
                 <a:blip r:embed="rId27"/>
                 <a:stretch>
                   <a:fillRect l="-2000" b="-11111"/>
+                </a:stretch>
+              </a:blipFill>
+            </p:spPr>
+            <p:txBody>
+              <a:bodyPr/>
+              <a:lstStyle/>
+              <a:p>
+                <a:r>
+                  <a:rPr lang="ja-JP" altLang="en-US">
+                    <a:noFill/>
+                  </a:rPr>
+                  <a:t> </a:t>
+                </a:r>
+              </a:p>
+            </p:txBody>
+          </p:sp>
+        </mc:Fallback>
+      </mc:AlternateContent>
+      <mc:AlternateContent xmlns:mc="http://schemas.openxmlformats.org/markup-compatibility/2006">
+        <mc:Choice xmlns:a14="http://schemas.microsoft.com/office/drawing/2010/main" Requires="a14">
+          <p:sp>
+            <p:nvSpPr>
+              <p:cNvPr id="12" name="テキスト ボックス 11">
+                <a:extLst>
+                  <a:ext uri="{FF2B5EF4-FFF2-40B4-BE49-F238E27FC236}">
+                    <a16:creationId xmlns:a16="http://schemas.microsoft.com/office/drawing/2014/main" id="{E01F93C7-77A0-6EAC-EACF-0A2B77B793E9}"/>
+                  </a:ext>
+                </a:extLst>
+              </p:cNvPr>
+              <p:cNvSpPr txBox="1"/>
+              <p:nvPr/>
+            </p:nvSpPr>
+            <p:spPr>
+              <a:xfrm>
+                <a:off x="3326030" y="3759255"/>
+                <a:ext cx="2008785" cy="201337"/>
+              </a:xfrm>
+              <a:prstGeom prst="rect">
+                <a:avLst/>
+              </a:prstGeom>
+              <a:noFill/>
+            </p:spPr>
+            <p:txBody>
+              <a:bodyPr wrap="square" lIns="0" tIns="0" rIns="0" bIns="0" rtlCol="0">
+                <a:spAutoFit/>
+              </a:bodyPr>
+              <a:lstStyle/>
+              <a:p>
+                <a14:m>
+                  <m:oMath xmlns:m="http://schemas.openxmlformats.org/officeDocument/2006/math">
+                    <m:r>
+                      <m:rPr>
+                        <m:sty m:val="p"/>
+                      </m:rPr>
+                      <a:rPr kumimoji="1" lang="en-US" altLang="ja-JP" sz="350" b="0" i="0" smtClean="0">
+                        <a:solidFill>
+                          <a:schemeClr val="tx1"/>
+                        </a:solidFill>
+                        <a:latin typeface="Cambria Math" panose="02040503050406030204" pitchFamily="18" charset="0"/>
+                      </a:rPr>
+                      <m:t>CTFI</m:t>
+                    </m:r>
+                    <m:d>
+                      <m:dPr>
+                        <m:ctrlPr>
+                          <a:rPr kumimoji="1" lang="en-US" altLang="ja-JP" sz="350" b="0" i="1" smtClean="0">
+                            <a:solidFill>
+                              <a:schemeClr val="tx1"/>
+                            </a:solidFill>
+                            <a:latin typeface="Cambria Math" panose="02040503050406030204" pitchFamily="18" charset="0"/>
+                          </a:rPr>
+                        </m:ctrlPr>
+                      </m:dPr>
+                      <m:e>
+                        <m:r>
+                          <a:rPr kumimoji="1" lang="en-US" altLang="ja-JP" sz="350" b="1" i="1" smtClean="0">
+                            <a:solidFill>
+                              <a:schemeClr val="tx1"/>
+                            </a:solidFill>
+                            <a:latin typeface="Cambria Math" panose="02040503050406030204" pitchFamily="18" charset="0"/>
+                          </a:rPr>
+                          <m:t>𝒖</m:t>
+                        </m:r>
+                      </m:e>
+                    </m:d>
+                    <m:r>
+                      <m:rPr>
+                        <m:aln/>
+                      </m:rPr>
+                      <a:rPr kumimoji="1" lang="en-US" altLang="ja-JP" sz="350" b="0" i="1" smtClean="0">
+                        <a:solidFill>
+                          <a:schemeClr val="tx1"/>
+                        </a:solidFill>
+                        <a:latin typeface="Cambria Math" panose="02040503050406030204" pitchFamily="18" charset="0"/>
+                      </a:rPr>
+                      <m:t>=</m:t>
+                    </m:r>
+                  </m:oMath>
+                </a14:m>
+                <a:r>
+                  <a:rPr kumimoji="1" lang="en-US" altLang="ja-JP" sz="350" dirty="0">
+                    <a:solidFill>
+                      <a:schemeClr val="tx1"/>
+                    </a:solidFill>
+                  </a:rPr>
+                  <a:t> </a:t>
+                </a:r>
+                <a14:m>
+                  <m:oMath xmlns:m="http://schemas.openxmlformats.org/officeDocument/2006/math">
+                    <m:nary>
+                      <m:naryPr>
+                        <m:grow m:val="on"/>
+                        <m:subHide m:val="on"/>
+                        <m:supHide m:val="on"/>
+                        <m:ctrlPr>
+                          <a:rPr kumimoji="1" lang="en-US" altLang="ja-JP" sz="350" i="1">
+                            <a:solidFill>
+                              <a:schemeClr val="tx1"/>
+                            </a:solidFill>
+                            <a:latin typeface="Cambria Math" panose="02040503050406030204" pitchFamily="18" charset="0"/>
+                          </a:rPr>
+                        </m:ctrlPr>
+                      </m:naryPr>
+                      <m:sub/>
+                      <m:sup/>
+                      <m:e>
+                        <m:r>
+                          <a:rPr kumimoji="1" lang="en-US" altLang="ja-JP" sz="350" i="1">
+                            <a:solidFill>
+                              <a:schemeClr val="tx1"/>
+                            </a:solidFill>
+                            <a:latin typeface="Cambria Math" panose="02040503050406030204" pitchFamily="18" charset="0"/>
+                          </a:rPr>
+                          <m:t>𝐴</m:t>
+                        </m:r>
+                        <m:d>
+                          <m:dPr>
+                            <m:ctrlPr>
+                              <a:rPr kumimoji="1" lang="en-US" altLang="ja-JP" sz="350" i="1">
+                                <a:solidFill>
+                                  <a:schemeClr val="tx1"/>
+                                </a:solidFill>
+                                <a:latin typeface="Cambria Math" panose="02040503050406030204" pitchFamily="18" charset="0"/>
+                              </a:rPr>
+                            </m:ctrlPr>
+                          </m:dPr>
+                          <m:e>
+                            <m:r>
+                              <a:rPr kumimoji="1" lang="en-US" altLang="ja-JP" sz="350" b="1">
+                                <a:solidFill>
+                                  <a:schemeClr val="tx1"/>
+                                </a:solidFill>
+                                <a:latin typeface="Cambria Math" panose="02040503050406030204" pitchFamily="18" charset="0"/>
+                              </a:rPr>
+                              <m:t>𝐊</m:t>
+                            </m:r>
+                          </m:e>
+                        </m:d>
+                        <m:r>
+                          <a:rPr kumimoji="1" lang="en-US" altLang="ja-JP" sz="350" i="1">
+                            <a:solidFill>
+                              <a:schemeClr val="tx1"/>
+                            </a:solidFill>
+                            <a:latin typeface="Cambria Math" panose="02040503050406030204" pitchFamily="18" charset="0"/>
+                          </a:rPr>
+                          <m:t>𝐴</m:t>
+                        </m:r>
+                        <m:d>
+                          <m:dPr>
+                            <m:ctrlPr>
+                              <a:rPr kumimoji="1" lang="en-US" altLang="ja-JP" sz="350" i="1">
+                                <a:solidFill>
+                                  <a:schemeClr val="tx1"/>
+                                </a:solidFill>
+                                <a:latin typeface="Cambria Math" panose="02040503050406030204" pitchFamily="18" charset="0"/>
+                              </a:rPr>
+                            </m:ctrlPr>
+                          </m:dPr>
+                          <m:e>
+                            <m:r>
+                              <a:rPr kumimoji="1" lang="en-US" altLang="ja-JP" sz="350" b="1">
+                                <a:solidFill>
+                                  <a:schemeClr val="tx1"/>
+                                </a:solidFill>
+                                <a:latin typeface="Cambria Math" panose="02040503050406030204" pitchFamily="18" charset="0"/>
+                              </a:rPr>
+                              <m:t>𝐊</m:t>
+                            </m:r>
+                            <m:r>
+                              <a:rPr kumimoji="1" lang="en-US" altLang="ja-JP" sz="350" i="1">
+                                <a:solidFill>
+                                  <a:schemeClr val="tx1"/>
+                                </a:solidFill>
+                                <a:latin typeface="Cambria Math" panose="02040503050406030204" pitchFamily="18" charset="0"/>
+                              </a:rPr>
+                              <m:t>−</m:t>
+                            </m:r>
+                            <m:r>
+                              <a:rPr kumimoji="1" lang="en-US" altLang="ja-JP" sz="350" b="1" i="1">
+                                <a:solidFill>
+                                  <a:schemeClr val="tx1"/>
+                                </a:solidFill>
+                                <a:latin typeface="Cambria Math" panose="02040503050406030204" pitchFamily="18" charset="0"/>
+                              </a:rPr>
+                              <m:t>𝒖</m:t>
+                            </m:r>
+                          </m:e>
+                        </m:d>
+                        <m:func>
+                          <m:funcPr>
+                            <m:ctrlPr>
+                              <a:rPr kumimoji="1" lang="en-US" altLang="ja-JP" sz="350" i="1">
+                                <a:solidFill>
+                                  <a:schemeClr val="tx1"/>
+                                </a:solidFill>
+                                <a:latin typeface="Cambria Math" panose="02040503050406030204" pitchFamily="18" charset="0"/>
+                              </a:rPr>
+                            </m:ctrlPr>
+                          </m:funcPr>
+                          <m:fName>
+                            <m:r>
+                              <m:rPr>
+                                <m:sty m:val="p"/>
+                              </m:rPr>
+                              <a:rPr kumimoji="1" lang="en-US" altLang="ja-JP" sz="350">
+                                <a:solidFill>
+                                  <a:schemeClr val="tx1"/>
+                                </a:solidFill>
+                                <a:latin typeface="Cambria Math" panose="02040503050406030204" pitchFamily="18" charset="0"/>
+                              </a:rPr>
+                              <m:t>exp</m:t>
+                            </m:r>
+                          </m:fName>
+                          <m:e>
+                            <m:d>
+                              <m:dPr>
+                                <m:begChr m:val="["/>
+                                <m:endChr m:val="]"/>
+                                <m:ctrlPr>
+                                  <a:rPr kumimoji="1" lang="en-US" altLang="ja-JP" sz="350" i="1" smtClean="0">
+                                    <a:solidFill>
+                                      <a:schemeClr val="tx1"/>
+                                    </a:solidFill>
+                                    <a:latin typeface="Cambria Math" panose="02040503050406030204" pitchFamily="18" charset="0"/>
+                                  </a:rPr>
+                                </m:ctrlPr>
+                              </m:dPr>
+                              <m:e>
+                                <m:r>
+                                  <a:rPr kumimoji="1" lang="en-US" altLang="ja-JP" sz="350" i="1">
+                                    <a:latin typeface="Cambria Math" panose="02040503050406030204" pitchFamily="18" charset="0"/>
+                                  </a:rPr>
+                                  <m:t>−</m:t>
+                                </m:r>
+                                <m:r>
+                                  <a:rPr kumimoji="1" lang="en-US" altLang="ja-JP" sz="350" i="1">
+                                    <a:latin typeface="Cambria Math" panose="02040503050406030204" pitchFamily="18" charset="0"/>
+                                  </a:rPr>
+                                  <m:t>𝑖𝑊</m:t>
+                                </m:r>
+                                <m:d>
+                                  <m:dPr>
+                                    <m:ctrlPr>
+                                      <a:rPr kumimoji="1" lang="en-US" altLang="ja-JP" sz="350" i="1">
+                                        <a:latin typeface="Cambria Math" panose="02040503050406030204" pitchFamily="18" charset="0"/>
+                                      </a:rPr>
+                                    </m:ctrlPr>
+                                  </m:dPr>
+                                  <m:e>
+                                    <m:r>
+                                      <a:rPr kumimoji="1" lang="en-US" altLang="ja-JP" sz="350" b="1">
+                                        <a:latin typeface="Cambria Math" panose="02040503050406030204" pitchFamily="18" charset="0"/>
+                                      </a:rPr>
+                                      <m:t>𝐊</m:t>
+                                    </m:r>
+                                  </m:e>
+                                </m:d>
+                                <m:r>
+                                  <a:rPr kumimoji="1" lang="en-US" altLang="ja-JP" sz="350" i="1">
+                                    <a:latin typeface="Cambria Math" panose="02040503050406030204" pitchFamily="18" charset="0"/>
+                                  </a:rPr>
+                                  <m:t>+</m:t>
+                                </m:r>
+                                <m:r>
+                                  <a:rPr kumimoji="1" lang="en-US" altLang="ja-JP" sz="350" i="1">
+                                    <a:latin typeface="Cambria Math" panose="02040503050406030204" pitchFamily="18" charset="0"/>
+                                  </a:rPr>
+                                  <m:t>𝑖𝑊</m:t>
+                                </m:r>
+                                <m:d>
+                                  <m:dPr>
+                                    <m:ctrlPr>
+                                      <a:rPr kumimoji="1" lang="en-US" altLang="ja-JP" sz="350" i="1">
+                                        <a:latin typeface="Cambria Math" panose="02040503050406030204" pitchFamily="18" charset="0"/>
+                                      </a:rPr>
+                                    </m:ctrlPr>
+                                  </m:dPr>
+                                  <m:e>
+                                    <m:r>
+                                      <a:rPr kumimoji="1" lang="en-US" altLang="ja-JP" sz="350" b="1">
+                                        <a:latin typeface="Cambria Math" panose="02040503050406030204" pitchFamily="18" charset="0"/>
+                                      </a:rPr>
+                                      <m:t>𝐊</m:t>
+                                    </m:r>
+                                    <m:r>
+                                      <a:rPr kumimoji="1" lang="en-US" altLang="ja-JP" sz="350" b="1">
+                                        <a:latin typeface="Cambria Math" panose="02040503050406030204" pitchFamily="18" charset="0"/>
+                                      </a:rPr>
+                                      <m:t>−</m:t>
+                                    </m:r>
+                                    <m:r>
+                                      <a:rPr kumimoji="1" lang="en-US" altLang="ja-JP" sz="350" b="1" i="1">
+                                        <a:latin typeface="Cambria Math" panose="02040503050406030204" pitchFamily="18" charset="0"/>
+                                      </a:rPr>
+                                      <m:t>𝒖</m:t>
+                                    </m:r>
+                                  </m:e>
+                                </m:d>
+                              </m:e>
+                            </m:d>
+                          </m:e>
+                        </m:func>
+                      </m:e>
+                    </m:nary>
+                    <m:func>
+                      <m:funcPr>
+                        <m:ctrlPr>
+                          <a:rPr kumimoji="1" lang="en-US" altLang="ja-JP" sz="350" i="1">
+                            <a:solidFill>
+                              <a:schemeClr val="tx1"/>
+                            </a:solidFill>
+                            <a:latin typeface="Cambria Math" panose="02040503050406030204" pitchFamily="18" charset="0"/>
+                          </a:rPr>
+                        </m:ctrlPr>
+                      </m:funcPr>
+                      <m:fName>
+                        <m:r>
+                          <m:rPr>
+                            <m:sty m:val="p"/>
+                          </m:rPr>
+                          <a:rPr kumimoji="1" lang="en-US" altLang="ja-JP" sz="350">
+                            <a:solidFill>
+                              <a:schemeClr val="tx1"/>
+                            </a:solidFill>
+                            <a:latin typeface="Cambria Math" panose="02040503050406030204" pitchFamily="18" charset="0"/>
+                          </a:rPr>
+                          <m:t>exp</m:t>
+                        </m:r>
+                      </m:fName>
+                      <m:e>
+                        <m:d>
+                          <m:dPr>
+                            <m:begChr m:val="["/>
+                            <m:endChr m:val="]"/>
+                            <m:ctrlPr>
+                              <a:rPr kumimoji="1" lang="en-US" altLang="ja-JP" sz="350" i="1">
+                                <a:solidFill>
+                                  <a:schemeClr val="tx1"/>
+                                </a:solidFill>
+                                <a:latin typeface="Cambria Math" panose="02040503050406030204" pitchFamily="18" charset="0"/>
+                              </a:rPr>
+                            </m:ctrlPr>
+                          </m:dPr>
+                          <m:e>
+                            <m:r>
+                              <a:rPr kumimoji="1" lang="en-US" altLang="ja-JP" sz="350" i="1">
+                                <a:solidFill>
+                                  <a:schemeClr val="tx1"/>
+                                </a:solidFill>
+                                <a:latin typeface="Cambria Math" panose="02040503050406030204" pitchFamily="18" charset="0"/>
+                              </a:rPr>
+                              <m:t>−</m:t>
+                            </m:r>
+                            <m:sSup>
+                              <m:sSupPr>
+                                <m:ctrlPr>
+                                  <a:rPr kumimoji="1" lang="en-US" altLang="ja-JP" sz="350" i="1">
+                                    <a:latin typeface="Cambria Math" panose="02040503050406030204" pitchFamily="18" charset="0"/>
+                                  </a:rPr>
+                                </m:ctrlPr>
+                              </m:sSupPr>
+                              <m:e>
+                                <m:d>
+                                  <m:dPr>
+                                    <m:ctrlPr>
+                                      <a:rPr kumimoji="1" lang="en-US" altLang="ja-JP" sz="350" i="1">
+                                        <a:latin typeface="Cambria Math" panose="02040503050406030204" pitchFamily="18" charset="0"/>
+                                      </a:rPr>
+                                    </m:ctrlPr>
+                                  </m:dPr>
+                                  <m:e>
+                                    <m:r>
+                                      <a:rPr kumimoji="1" lang="en-US" altLang="ja-JP" sz="350" i="1">
+                                        <a:latin typeface="Cambria Math" panose="02040503050406030204" pitchFamily="18" charset="0"/>
+                                      </a:rPr>
+                                      <m:t>𝜋𝜆</m:t>
+                                    </m:r>
+                                    <m:sSub>
+                                      <m:sSubPr>
+                                        <m:ctrlPr>
+                                          <a:rPr kumimoji="1" lang="en-US" altLang="ja-JP" sz="350" i="1">
+                                            <a:latin typeface="Cambria Math" panose="02040503050406030204" pitchFamily="18" charset="0"/>
+                                          </a:rPr>
+                                        </m:ctrlPr>
+                                      </m:sSubPr>
+                                      <m:e>
+                                        <m:r>
+                                          <a:rPr kumimoji="1" lang="en-US" altLang="ja-JP" sz="350" i="1">
+                                            <a:latin typeface="Cambria Math" panose="02040503050406030204" pitchFamily="18" charset="0"/>
+                                          </a:rPr>
+                                          <m:t>𝜎</m:t>
+                                        </m:r>
+                                      </m:e>
+                                      <m:sub>
+                                        <m:r>
+                                          <a:rPr kumimoji="1" lang="en-US" altLang="ja-JP" sz="350" i="1">
+                                            <a:latin typeface="Cambria Math" panose="02040503050406030204" pitchFamily="18" charset="0"/>
+                                          </a:rPr>
+                                          <m:t>𝑓</m:t>
+                                        </m:r>
+                                      </m:sub>
+                                    </m:sSub>
+                                  </m:e>
+                                </m:d>
+                              </m:e>
+                              <m:sup>
+                                <m:r>
+                                  <a:rPr kumimoji="1" lang="en-US" altLang="ja-JP" sz="350" i="1">
+                                    <a:latin typeface="Cambria Math" panose="02040503050406030204" pitchFamily="18" charset="0"/>
+                                  </a:rPr>
+                                  <m:t>2</m:t>
+                                </m:r>
+                              </m:sup>
+                            </m:sSup>
+                            <m:sSup>
+                              <m:sSupPr>
+                                <m:ctrlPr>
+                                  <a:rPr kumimoji="1" lang="en-US" altLang="ja-JP" sz="350" i="1">
+                                    <a:latin typeface="Cambria Math" panose="02040503050406030204" pitchFamily="18" charset="0"/>
+                                  </a:rPr>
+                                </m:ctrlPr>
+                              </m:sSupPr>
+                              <m:e>
+                                <m:d>
+                                  <m:dPr>
+                                    <m:begChr m:val="{"/>
+                                    <m:endChr m:val="}"/>
+                                    <m:ctrlPr>
+                                      <a:rPr kumimoji="1" lang="en-US" altLang="ja-JP" sz="350" i="1">
+                                        <a:latin typeface="Cambria Math" panose="02040503050406030204" pitchFamily="18" charset="0"/>
+                                      </a:rPr>
+                                    </m:ctrlPr>
+                                  </m:dPr>
+                                  <m:e>
+                                    <m:sSup>
+                                      <m:sSupPr>
+                                        <m:ctrlPr>
+                                          <a:rPr kumimoji="1" lang="en-US" altLang="ja-JP" sz="350" i="1">
+                                            <a:latin typeface="Cambria Math" panose="02040503050406030204" pitchFamily="18" charset="0"/>
+                                          </a:rPr>
+                                        </m:ctrlPr>
+                                      </m:sSupPr>
+                                      <m:e>
+                                        <m:sSup>
+                                          <m:sSupPr>
+                                            <m:ctrlPr>
+                                              <a:rPr kumimoji="1" lang="en-US" altLang="ja-JP" sz="350" i="1">
+                                                <a:latin typeface="Cambria Math" panose="02040503050406030204" pitchFamily="18" charset="0"/>
+                                              </a:rPr>
+                                            </m:ctrlPr>
+                                          </m:sSupPr>
+                                          <m:e>
+                                            <m:r>
+                                              <a:rPr kumimoji="1" lang="en-US" altLang="ja-JP" sz="350" b="1">
+                                                <a:latin typeface="Cambria Math" panose="02040503050406030204" pitchFamily="18" charset="0"/>
+                                              </a:rPr>
+                                              <m:t>𝐊</m:t>
+                                            </m:r>
+                                          </m:e>
+                                          <m:sup>
+                                            <m:r>
+                                              <a:rPr kumimoji="1" lang="en-US" altLang="ja-JP" sz="350" i="1">
+                                                <a:latin typeface="Cambria Math" panose="02040503050406030204" pitchFamily="18" charset="0"/>
+                                              </a:rPr>
+                                              <m:t>2</m:t>
+                                            </m:r>
+                                          </m:sup>
+                                        </m:sSup>
+                                        <m:r>
+                                          <a:rPr kumimoji="1" lang="en-US" altLang="ja-JP" sz="350" i="1">
+                                            <a:latin typeface="Cambria Math" panose="02040503050406030204" pitchFamily="18" charset="0"/>
+                                          </a:rPr>
+                                          <m:t>−</m:t>
+                                        </m:r>
+                                        <m:d>
+                                          <m:dPr>
+                                            <m:ctrlPr>
+                                              <a:rPr kumimoji="1" lang="en-US" altLang="ja-JP" sz="350" i="1">
+                                                <a:latin typeface="Cambria Math" panose="02040503050406030204" pitchFamily="18" charset="0"/>
+                                              </a:rPr>
+                                            </m:ctrlPr>
+                                          </m:dPr>
+                                          <m:e>
+                                            <m:r>
+                                              <a:rPr kumimoji="1" lang="en-US" altLang="ja-JP" sz="350" b="1">
+                                                <a:latin typeface="Cambria Math" panose="02040503050406030204" pitchFamily="18" charset="0"/>
+                                              </a:rPr>
+                                              <m:t>𝐊</m:t>
+                                            </m:r>
+                                            <m:r>
+                                              <a:rPr kumimoji="1" lang="en-US" altLang="ja-JP" sz="350" b="1">
+                                                <a:latin typeface="Cambria Math" panose="02040503050406030204" pitchFamily="18" charset="0"/>
+                                              </a:rPr>
+                                              <m:t>−</m:t>
+                                            </m:r>
+                                            <m:r>
+                                              <a:rPr kumimoji="1" lang="en-US" altLang="ja-JP" sz="350" b="1" i="1">
+                                                <a:latin typeface="Cambria Math" panose="02040503050406030204" pitchFamily="18" charset="0"/>
+                                              </a:rPr>
+                                              <m:t>𝒖</m:t>
+                                            </m:r>
+                                          </m:e>
+                                        </m:d>
+                                      </m:e>
+                                      <m:sup>
+                                        <m:r>
+                                          <a:rPr kumimoji="1" lang="en-US" altLang="ja-JP" sz="350" i="1">
+                                            <a:latin typeface="Cambria Math" panose="02040503050406030204" pitchFamily="18" charset="0"/>
+                                          </a:rPr>
+                                          <m:t>2</m:t>
+                                        </m:r>
+                                      </m:sup>
+                                    </m:sSup>
+                                  </m:e>
+                                </m:d>
+                              </m:e>
+                              <m:sup>
+                                <m:r>
+                                  <a:rPr kumimoji="1" lang="en-US" altLang="ja-JP" sz="350" i="1">
+                                    <a:latin typeface="Cambria Math" panose="02040503050406030204" pitchFamily="18" charset="0"/>
+                                  </a:rPr>
+                                  <m:t>2</m:t>
+                                </m:r>
+                              </m:sup>
+                            </m:sSup>
+                            <m:r>
+                              <a:rPr kumimoji="1" lang="en-US" altLang="ja-JP" sz="350" b="0" i="1" smtClean="0">
+                                <a:latin typeface="Cambria Math" panose="02040503050406030204" pitchFamily="18" charset="0"/>
+                              </a:rPr>
+                              <m:t>/2</m:t>
+                            </m:r>
+                          </m:e>
+                        </m:d>
+                      </m:e>
+                    </m:func>
+                    <m:sSub>
+                      <m:sSubPr>
+                        <m:ctrlPr>
+                          <a:rPr lang="en-US" altLang="ja-JP" sz="350" i="1">
+                            <a:solidFill>
+                              <a:schemeClr val="tx1"/>
+                            </a:solidFill>
+                            <a:latin typeface="Cambria Math" panose="02040503050406030204" pitchFamily="18" charset="0"/>
+                          </a:rPr>
+                        </m:ctrlPr>
+                      </m:sSubPr>
+                      <m:e>
+                        <m:r>
+                          <a:rPr lang="en-US" altLang="ja-JP" sz="350" i="1">
+                            <a:solidFill>
+                              <a:schemeClr val="tx1"/>
+                            </a:solidFill>
+                            <a:latin typeface="Cambria Math" panose="02040503050406030204" pitchFamily="18" charset="0"/>
+                          </a:rPr>
+                          <m:t>𝐸</m:t>
+                        </m:r>
+                      </m:e>
+                      <m:sub>
+                        <m:r>
+                          <a:rPr lang="en-US" altLang="ja-JP" sz="350" i="1">
+                            <a:solidFill>
+                              <a:schemeClr val="tx1"/>
+                            </a:solidFill>
+                            <a:latin typeface="Cambria Math" panose="02040503050406030204" pitchFamily="18" charset="0"/>
+                          </a:rPr>
+                          <m:t>𝑠</m:t>
+                        </m:r>
+                      </m:sub>
+                    </m:sSub>
+                    <m:d>
+                      <m:dPr>
+                        <m:ctrlPr>
+                          <a:rPr lang="en-US" altLang="ja-JP" sz="350" i="1">
+                            <a:solidFill>
+                              <a:schemeClr val="tx1"/>
+                            </a:solidFill>
+                            <a:latin typeface="Cambria Math" panose="02040503050406030204" pitchFamily="18" charset="0"/>
+                          </a:rPr>
+                        </m:ctrlPr>
+                      </m:dPr>
+                      <m:e>
+                        <m:r>
+                          <a:rPr lang="en-US" altLang="ja-JP" sz="350" b="1" i="1">
+                            <a:solidFill>
+                              <a:schemeClr val="tx1"/>
+                            </a:solidFill>
+                            <a:latin typeface="Cambria Math" panose="02040503050406030204" pitchFamily="18" charset="0"/>
+                          </a:rPr>
+                          <m:t>𝒖</m:t>
+                        </m:r>
+                      </m:e>
+                    </m:d>
+                    <m:r>
+                      <a:rPr kumimoji="1" lang="en-US" altLang="ja-JP" sz="350" i="1">
+                        <a:solidFill>
+                          <a:schemeClr val="tx1"/>
+                        </a:solidFill>
+                        <a:latin typeface="Cambria Math" panose="02040503050406030204" pitchFamily="18" charset="0"/>
+                      </a:rPr>
+                      <m:t>𝑑</m:t>
+                    </m:r>
+                    <m:r>
+                      <a:rPr kumimoji="1" lang="en-US" altLang="ja-JP" sz="350" b="1" i="0">
+                        <a:solidFill>
+                          <a:schemeClr val="tx1"/>
+                        </a:solidFill>
+                        <a:latin typeface="Cambria Math" panose="02040503050406030204" pitchFamily="18" charset="0"/>
+                      </a:rPr>
+                      <m:t>𝐊</m:t>
+                    </m:r>
+                  </m:oMath>
+                </a14:m>
+                <a:endParaRPr kumimoji="1" lang="en-US" altLang="ja-JP" sz="350" b="1" dirty="0">
+                  <a:solidFill>
+                    <a:schemeClr val="tx1"/>
+                  </a:solidFill>
+                </a:endParaRPr>
+              </a:p>
+              <a:p>
+                <a:pPr/>
+                <a14:m>
+                  <m:oMathPara xmlns:m="http://schemas.openxmlformats.org/officeDocument/2006/math">
+                    <m:oMathParaPr>
+                      <m:jc m:val="left"/>
+                    </m:oMathParaPr>
+                    <m:oMath xmlns:m="http://schemas.openxmlformats.org/officeDocument/2006/math">
+                      <m:r>
+                        <a:rPr lang="en-US" altLang="ja-JP" sz="350" b="0" i="0" smtClean="0">
+                          <a:solidFill>
+                            <a:schemeClr val="tx1"/>
+                          </a:solidFill>
+                          <a:latin typeface="Cambria Math" panose="02040503050406030204" pitchFamily="18" charset="0"/>
+                        </a:rPr>
+                        <m:t>          </m:t>
+                      </m:r>
+                      <m:r>
+                        <m:rPr>
+                          <m:sty m:val="p"/>
+                        </m:rPr>
+                        <a:rPr lang="en-US" altLang="ja-JP" sz="350" b="0" i="0" smtClean="0">
+                          <a:solidFill>
+                            <a:schemeClr val="tx1"/>
+                          </a:solidFill>
+                          <a:latin typeface="Cambria Math" panose="02040503050406030204" pitchFamily="18" charset="0"/>
+                        </a:rPr>
+                        <m:t>where</m:t>
+                      </m:r>
+                      <m:r>
+                        <a:rPr lang="en-US" altLang="ja-JP" sz="350" b="0" i="0" smtClean="0">
+                          <a:solidFill>
+                            <a:schemeClr val="tx1"/>
+                          </a:solidFill>
+                          <a:latin typeface="Cambria Math" panose="02040503050406030204" pitchFamily="18" charset="0"/>
+                        </a:rPr>
+                        <m:t> </m:t>
+                      </m:r>
+                      <m:r>
+                        <a:rPr lang="en-US" altLang="ja-JP" sz="350" i="1" smtClean="0">
+                          <a:solidFill>
+                            <a:schemeClr val="tx1"/>
+                          </a:solidFill>
+                          <a:latin typeface="Cambria Math" panose="02040503050406030204" pitchFamily="18" charset="0"/>
+                        </a:rPr>
+                        <m:t>𝐴</m:t>
+                      </m:r>
+                      <m:d>
+                        <m:dPr>
+                          <m:ctrlPr>
+                            <a:rPr lang="en-US" altLang="ja-JP" sz="350" i="1">
+                              <a:solidFill>
+                                <a:schemeClr val="tx1"/>
+                              </a:solidFill>
+                              <a:latin typeface="Cambria Math" panose="02040503050406030204" pitchFamily="18" charset="0"/>
+                            </a:rPr>
+                          </m:ctrlPr>
+                        </m:dPr>
+                        <m:e>
+                          <m:r>
+                            <a:rPr lang="en-US" altLang="ja-JP" sz="350" b="1" i="1" smtClean="0">
+                              <a:solidFill>
+                                <a:schemeClr val="tx1"/>
+                              </a:solidFill>
+                              <a:latin typeface="Cambria Math" panose="02040503050406030204" pitchFamily="18" charset="0"/>
+                            </a:rPr>
+                            <m:t>𝒖</m:t>
+                          </m:r>
+                        </m:e>
+                      </m:d>
+                      <m:r>
+                        <a:rPr lang="en-US" altLang="ja-JP" sz="350" b="1" i="1">
+                          <a:solidFill>
+                            <a:schemeClr val="tx1"/>
+                          </a:solidFill>
+                          <a:latin typeface="Cambria Math" panose="02040503050406030204" pitchFamily="18" charset="0"/>
+                        </a:rPr>
+                        <m:t>= </m:t>
+                      </m:r>
+                      <m:d>
+                        <m:dPr>
+                          <m:begChr m:val="{"/>
+                          <m:endChr m:val=""/>
+                          <m:ctrlPr>
+                            <a:rPr lang="en-US" altLang="ja-JP" sz="350" b="0" i="1" smtClean="0">
+                              <a:solidFill>
+                                <a:schemeClr val="tx1"/>
+                              </a:solidFill>
+                              <a:latin typeface="Cambria Math" panose="02040503050406030204" pitchFamily="18" charset="0"/>
+                            </a:rPr>
+                          </m:ctrlPr>
+                        </m:dPr>
+                        <m:e>
+                          <m:eqArr>
+                            <m:eqArrPr>
+                              <m:ctrlPr>
+                                <a:rPr lang="en-US" altLang="ja-JP" sz="350" b="0" i="1" smtClean="0">
+                                  <a:solidFill>
+                                    <a:schemeClr val="tx1"/>
+                                  </a:solidFill>
+                                  <a:latin typeface="Cambria Math" panose="02040503050406030204" pitchFamily="18" charset="0"/>
+                                </a:rPr>
+                              </m:ctrlPr>
+                            </m:eqArrPr>
+                            <m:e>
+                              <m:r>
+                                <a:rPr lang="en-US" altLang="ja-JP" sz="350" b="0" i="1" smtClean="0">
+                                  <a:solidFill>
+                                    <a:schemeClr val="tx1"/>
+                                  </a:solidFill>
+                                  <a:latin typeface="Cambria Math" panose="02040503050406030204" pitchFamily="18" charset="0"/>
+                                </a:rPr>
+                                <m:t>1 (</m:t>
+                              </m:r>
+                              <m:r>
+                                <a:rPr lang="en-US" altLang="ja-JP" sz="350" b="0" i="1" smtClean="0">
+                                  <a:solidFill>
+                                    <a:schemeClr val="tx1"/>
+                                  </a:solidFill>
+                                  <a:latin typeface="Cambria Math" panose="02040503050406030204" pitchFamily="18" charset="0"/>
+                                </a:rPr>
+                                <m:t>𝑢</m:t>
+                              </m:r>
+                              <m:r>
+                                <a:rPr lang="en-US" altLang="ja-JP" sz="350" b="0" i="1" smtClean="0">
+                                  <a:solidFill>
+                                    <a:schemeClr val="tx1"/>
+                                  </a:solidFill>
+                                  <a:latin typeface="Cambria Math" panose="02040503050406030204" pitchFamily="18" charset="0"/>
+                                  <a:ea typeface="Cambria Math" panose="02040503050406030204" pitchFamily="18" charset="0"/>
+                                </a:rPr>
+                                <m:t>≤</m:t>
+                              </m:r>
+                              <m:r>
+                                <a:rPr lang="ja-JP" altLang="en-US" sz="350" b="0" i="1" smtClean="0">
+                                  <a:solidFill>
+                                    <a:schemeClr val="tx1"/>
+                                  </a:solidFill>
+                                  <a:latin typeface="Cambria Math" panose="02040503050406030204" pitchFamily="18" charset="0"/>
+                                  <a:ea typeface="Cambria Math" panose="02040503050406030204" pitchFamily="18" charset="0"/>
+                                </a:rPr>
+                                <m:t>𝛼</m:t>
+                              </m:r>
+                              <m:r>
+                                <a:rPr lang="en-US" altLang="ja-JP" sz="350" b="0" i="1" smtClean="0">
+                                  <a:solidFill>
+                                    <a:schemeClr val="tx1"/>
+                                  </a:solidFill>
+                                  <a:latin typeface="Cambria Math" panose="02040503050406030204" pitchFamily="18" charset="0"/>
+                                </a:rPr>
+                                <m:t>)</m:t>
+                              </m:r>
+                            </m:e>
+                            <m:e>
+                              <m:r>
+                                <a:rPr lang="en-US" altLang="ja-JP" sz="350" b="0" i="1" smtClean="0">
+                                  <a:solidFill>
+                                    <a:schemeClr val="tx1"/>
+                                  </a:solidFill>
+                                  <a:latin typeface="Cambria Math" panose="02040503050406030204" pitchFamily="18" charset="0"/>
+                                </a:rPr>
+                                <m:t>0</m:t>
+                              </m:r>
+                              <m:r>
+                                <a:rPr lang="en-US" altLang="ja-JP" sz="350" i="1">
+                                  <a:solidFill>
+                                    <a:schemeClr val="tx1"/>
+                                  </a:solidFill>
+                                  <a:latin typeface="Cambria Math" panose="02040503050406030204" pitchFamily="18" charset="0"/>
+                                </a:rPr>
+                                <m:t> (</m:t>
+                              </m:r>
+                              <m:r>
+                                <a:rPr lang="en-US" altLang="ja-JP" sz="350" i="1">
+                                  <a:solidFill>
+                                    <a:schemeClr val="tx1"/>
+                                  </a:solidFill>
+                                  <a:latin typeface="Cambria Math" panose="02040503050406030204" pitchFamily="18" charset="0"/>
+                                </a:rPr>
+                                <m:t>𝑢</m:t>
+                              </m:r>
+                              <m:r>
+                                <a:rPr lang="en-US" altLang="ja-JP" sz="350" i="1" smtClean="0">
+                                  <a:solidFill>
+                                    <a:schemeClr val="tx1"/>
+                                  </a:solidFill>
+                                  <a:latin typeface="Cambria Math" panose="02040503050406030204" pitchFamily="18" charset="0"/>
+                                </a:rPr>
+                                <m:t>&gt;</m:t>
+                              </m:r>
+                              <m:r>
+                                <a:rPr lang="ja-JP" altLang="en-US" sz="350" i="1">
+                                  <a:solidFill>
+                                    <a:schemeClr val="tx1"/>
+                                  </a:solidFill>
+                                  <a:latin typeface="Cambria Math" panose="02040503050406030204" pitchFamily="18" charset="0"/>
+                                  <a:ea typeface="Cambria Math" panose="02040503050406030204" pitchFamily="18" charset="0"/>
+                                </a:rPr>
+                                <m:t>𝛼</m:t>
+                              </m:r>
+                              <m:r>
+                                <a:rPr lang="en-US" altLang="ja-JP" sz="350" i="1">
+                                  <a:solidFill>
+                                    <a:schemeClr val="tx1"/>
+                                  </a:solidFill>
+                                  <a:latin typeface="Cambria Math" panose="02040503050406030204" pitchFamily="18" charset="0"/>
+                                </a:rPr>
+                                <m:t>)</m:t>
+                              </m:r>
+                            </m:e>
+                          </m:eqArr>
+                        </m:e>
+                      </m:d>
+                      <m:r>
+                        <a:rPr lang="en-US" altLang="ja-JP" sz="350" b="0" i="1" smtClean="0">
+                          <a:solidFill>
+                            <a:schemeClr val="tx1"/>
+                          </a:solidFill>
+                          <a:latin typeface="Cambria Math" panose="02040503050406030204" pitchFamily="18" charset="0"/>
+                        </a:rPr>
+                        <m:t> ,</m:t>
+                      </m:r>
+                      <m:r>
+                        <a:rPr lang="en-US" altLang="ja-JP" sz="350" i="1">
+                          <a:solidFill>
+                            <a:schemeClr val="tx1"/>
+                          </a:solidFill>
+                          <a:latin typeface="Cambria Math" panose="02040503050406030204" pitchFamily="18" charset="0"/>
+                        </a:rPr>
+                        <m:t>𝑊</m:t>
+                      </m:r>
+                      <m:d>
+                        <m:dPr>
+                          <m:ctrlPr>
+                            <a:rPr lang="en-US" altLang="ja-JP" sz="350" i="1">
+                              <a:solidFill>
+                                <a:schemeClr val="tx1"/>
+                              </a:solidFill>
+                              <a:latin typeface="Cambria Math" panose="02040503050406030204" pitchFamily="18" charset="0"/>
+                            </a:rPr>
+                          </m:ctrlPr>
+                        </m:dPr>
+                        <m:e>
+                          <m:r>
+                            <a:rPr lang="en-US" altLang="ja-JP" sz="350" b="1" i="1">
+                              <a:solidFill>
+                                <a:schemeClr val="tx1"/>
+                              </a:solidFill>
+                              <a:latin typeface="Cambria Math" panose="02040503050406030204" pitchFamily="18" charset="0"/>
+                            </a:rPr>
+                            <m:t>𝒖</m:t>
+                          </m:r>
+                        </m:e>
+                      </m:d>
+                      <m:r>
+                        <a:rPr lang="en-US" altLang="ja-JP" sz="350" b="0" i="1" smtClean="0">
+                          <a:solidFill>
+                            <a:schemeClr val="tx1"/>
+                          </a:solidFill>
+                          <a:latin typeface="Cambria Math" panose="02040503050406030204" pitchFamily="18" charset="0"/>
+                        </a:rPr>
+                        <m:t>=</m:t>
+                      </m:r>
+                      <m:d>
+                        <m:dPr>
+                          <m:begChr m:val="["/>
+                          <m:endChr m:val="]"/>
+                          <m:ctrlPr>
+                            <a:rPr lang="en-US" altLang="ja-JP" sz="350" b="0" i="1" smtClean="0">
+                              <a:solidFill>
+                                <a:schemeClr val="tx1"/>
+                              </a:solidFill>
+                              <a:latin typeface="Cambria Math" panose="02040503050406030204" pitchFamily="18" charset="0"/>
+                            </a:rPr>
+                          </m:ctrlPr>
+                        </m:dPr>
+                        <m:e>
+                          <m:r>
+                            <a:rPr lang="el-GR" altLang="ja-JP" sz="350" i="1">
+                              <a:latin typeface="Cambria Math" panose="02040503050406030204" pitchFamily="18" charset="0"/>
+                              <a:ea typeface="Cambria Math" panose="02040503050406030204" pitchFamily="18" charset="0"/>
+                            </a:rPr>
+                            <m:t>𝜋</m:t>
+                          </m:r>
+                          <m:r>
+                            <a:rPr lang="en-US" altLang="ja-JP" sz="350" i="1">
+                              <a:latin typeface="Cambria Math" panose="02040503050406030204" pitchFamily="18" charset="0"/>
+                              <a:ea typeface="Cambria Math" panose="02040503050406030204" pitchFamily="18" charset="0"/>
+                            </a:rPr>
+                            <m:t> </m:t>
+                          </m:r>
+                          <m:r>
+                            <a:rPr lang="ja-JP" altLang="el-GR" sz="350" i="1">
+                              <a:latin typeface="Cambria Math" panose="02040503050406030204" pitchFamily="18" charset="0"/>
+                              <a:ea typeface="Cambria Math" panose="02040503050406030204" pitchFamily="18" charset="0"/>
+                            </a:rPr>
+                            <m:t>𝜆</m:t>
+                          </m:r>
+                          <m:r>
+                            <a:rPr lang="en-US" altLang="ja-JP" sz="350" i="1">
+                              <a:latin typeface="Cambria Math" panose="02040503050406030204" pitchFamily="18" charset="0"/>
+                              <a:ea typeface="Cambria Math" panose="02040503050406030204" pitchFamily="18" charset="0"/>
+                            </a:rPr>
+                            <m:t> </m:t>
+                          </m:r>
+                          <m:sSup>
+                            <m:sSupPr>
+                              <m:ctrlPr>
+                                <a:rPr lang="en-US" altLang="ja-JP" sz="350" i="1">
+                                  <a:latin typeface="Cambria Math" panose="02040503050406030204" pitchFamily="18" charset="0"/>
+                                  <a:ea typeface="Cambria Math" panose="02040503050406030204" pitchFamily="18" charset="0"/>
+                                </a:rPr>
+                              </m:ctrlPr>
+                            </m:sSupPr>
+                            <m:e>
+                              <m:r>
+                                <a:rPr lang="en-US" altLang="ja-JP" sz="350" b="1" i="1">
+                                  <a:latin typeface="Cambria Math" panose="02040503050406030204" pitchFamily="18" charset="0"/>
+                                  <a:ea typeface="Cambria Math" panose="02040503050406030204" pitchFamily="18" charset="0"/>
+                                </a:rPr>
+                                <m:t>𝒖</m:t>
+                              </m:r>
+                            </m:e>
+                            <m:sup>
+                              <m:r>
+                                <a:rPr lang="en-US" altLang="ja-JP" sz="350" i="1">
+                                  <a:latin typeface="Cambria Math" panose="02040503050406030204" pitchFamily="18" charset="0"/>
+                                  <a:ea typeface="Cambria Math" panose="02040503050406030204" pitchFamily="18" charset="0"/>
+                                </a:rPr>
+                                <m:t>2</m:t>
+                              </m:r>
+                            </m:sup>
+                          </m:sSup>
+                          <m:r>
+                            <a:rPr lang="en-US" altLang="ja-JP" sz="350" b="0" i="1" smtClean="0">
+                              <a:latin typeface="Cambria Math" panose="02040503050406030204" pitchFamily="18" charset="0"/>
+                              <a:ea typeface="Cambria Math" panose="02040503050406030204" pitchFamily="18" charset="0"/>
+                            </a:rPr>
+                            <m:t>(</m:t>
+                          </m:r>
+                          <m:r>
+                            <m:rPr>
+                              <m:sty m:val="p"/>
+                            </m:rPr>
+                            <a:rPr lang="el-GR" altLang="ja-JP" sz="350" i="1">
+                              <a:latin typeface="Cambria Math" panose="02040503050406030204" pitchFamily="18" charset="0"/>
+                              <a:ea typeface="Cambria Math" panose="02040503050406030204" pitchFamily="18" charset="0"/>
+                            </a:rPr>
+                            <m:t>Δ</m:t>
+                          </m:r>
+                          <m:r>
+                            <a:rPr lang="en-US" altLang="ja-JP" sz="350" i="1">
+                              <a:latin typeface="Cambria Math" panose="02040503050406030204" pitchFamily="18" charset="0"/>
+                              <a:ea typeface="Cambria Math" panose="02040503050406030204" pitchFamily="18" charset="0"/>
+                            </a:rPr>
+                            <m:t>𝑓</m:t>
+                          </m:r>
+                          <m:r>
+                            <a:rPr lang="en-US" altLang="ja-JP" sz="350" i="1">
+                              <a:latin typeface="Cambria Math" panose="02040503050406030204" pitchFamily="18" charset="0"/>
+                              <a:ea typeface="Cambria Math" panose="02040503050406030204" pitchFamily="18" charset="0"/>
+                            </a:rPr>
+                            <m:t>+</m:t>
+                          </m:r>
+                          <m:sSub>
+                            <m:sSubPr>
+                              <m:ctrlPr>
+                                <a:rPr lang="en-US" altLang="ja-JP" sz="350" i="1">
+                                  <a:latin typeface="Cambria Math" panose="02040503050406030204" pitchFamily="18" charset="0"/>
+                                  <a:ea typeface="Cambria Math" panose="02040503050406030204" pitchFamily="18" charset="0"/>
+                                </a:rPr>
+                              </m:ctrlPr>
+                            </m:sSubPr>
+                            <m:e>
+                              <m:r>
+                                <a:rPr lang="en-US" altLang="ja-JP" sz="350" i="1">
+                                  <a:latin typeface="Cambria Math" panose="02040503050406030204" pitchFamily="18" charset="0"/>
+                                  <a:ea typeface="Cambria Math" panose="02040503050406030204" pitchFamily="18" charset="0"/>
+                                </a:rPr>
+                                <m:t>𝐶</m:t>
+                              </m:r>
+                            </m:e>
+                            <m:sub>
+                              <m:r>
+                                <m:rPr>
+                                  <m:sty m:val="p"/>
+                                </m:rPr>
+                                <a:rPr lang="en-US" altLang="ja-JP" sz="350">
+                                  <a:latin typeface="Cambria Math" panose="02040503050406030204" pitchFamily="18" charset="0"/>
+                                  <a:ea typeface="Cambria Math" panose="02040503050406030204" pitchFamily="18" charset="0"/>
+                                </a:rPr>
+                                <m:t>s</m:t>
+                              </m:r>
+                            </m:sub>
+                          </m:sSub>
+                          <m:sSup>
+                            <m:sSupPr>
+                              <m:ctrlPr>
+                                <a:rPr lang="en-US" altLang="ja-JP" sz="350" i="1">
+                                  <a:latin typeface="Cambria Math" panose="02040503050406030204" pitchFamily="18" charset="0"/>
+                                  <a:ea typeface="Cambria Math" panose="02040503050406030204" pitchFamily="18" charset="0"/>
+                                </a:rPr>
+                              </m:ctrlPr>
+                            </m:sSupPr>
+                            <m:e>
+                              <m:r>
+                                <a:rPr lang="en-US" altLang="ja-JP" sz="350" b="1" i="1">
+                                  <a:latin typeface="Cambria Math" panose="02040503050406030204" pitchFamily="18" charset="0"/>
+                                  <a:ea typeface="Cambria Math" panose="02040503050406030204" pitchFamily="18" charset="0"/>
+                                </a:rPr>
+                                <m:t>𝒖</m:t>
+                              </m:r>
+                            </m:e>
+                            <m:sup>
+                              <m:r>
+                                <a:rPr lang="en-US" altLang="ja-JP" sz="350" i="1">
+                                  <a:latin typeface="Cambria Math" panose="02040503050406030204" pitchFamily="18" charset="0"/>
+                                  <a:ea typeface="Cambria Math" panose="02040503050406030204" pitchFamily="18" charset="0"/>
+                                </a:rPr>
+                                <m:t>2</m:t>
+                              </m:r>
+                            </m:sup>
+                          </m:sSup>
+                          <m:sSup>
+                            <m:sSupPr>
+                              <m:ctrlPr>
+                                <a:rPr lang="en-US" altLang="ja-JP" sz="350" i="1">
+                                  <a:latin typeface="Cambria Math" panose="02040503050406030204" pitchFamily="18" charset="0"/>
+                                  <a:ea typeface="Cambria Math" panose="02040503050406030204" pitchFamily="18" charset="0"/>
+                                </a:rPr>
+                              </m:ctrlPr>
+                            </m:sSupPr>
+                            <m:e>
+                              <m:r>
+                                <a:rPr lang="ja-JP" altLang="en-US" sz="350" i="1">
+                                  <a:latin typeface="Cambria Math" panose="02040503050406030204" pitchFamily="18" charset="0"/>
+                                  <a:ea typeface="Cambria Math" panose="02040503050406030204" pitchFamily="18" charset="0"/>
+                                </a:rPr>
+                                <m:t>𝜆</m:t>
+                              </m:r>
+                            </m:e>
+                            <m:sup>
+                              <m:r>
+                                <a:rPr lang="en-US" altLang="ja-JP" sz="350" i="1">
+                                  <a:latin typeface="Cambria Math" panose="02040503050406030204" pitchFamily="18" charset="0"/>
+                                  <a:ea typeface="Cambria Math" panose="02040503050406030204" pitchFamily="18" charset="0"/>
+                                </a:rPr>
+                                <m:t>2</m:t>
+                              </m:r>
+                            </m:sup>
+                          </m:sSup>
+                          <m:r>
+                            <a:rPr lang="en-US" altLang="ja-JP" sz="350" b="0" i="1" smtClean="0">
+                              <a:latin typeface="Cambria Math" panose="02040503050406030204" pitchFamily="18" charset="0"/>
+                              <a:ea typeface="Cambria Math" panose="02040503050406030204" pitchFamily="18" charset="0"/>
+                            </a:rPr>
+                            <m:t>)</m:t>
+                          </m:r>
+                          <m:r>
+                            <a:rPr lang="en-US" altLang="ja-JP" sz="350" i="1" smtClean="0">
+                              <a:latin typeface="Cambria Math" panose="02040503050406030204" pitchFamily="18" charset="0"/>
+                              <a:ea typeface="Cambria Math" panose="02040503050406030204" pitchFamily="18" charset="0"/>
+                            </a:rPr>
+                            <m:t> </m:t>
+                          </m:r>
+                        </m:e>
+                      </m:d>
+                      <m:r>
+                        <a:rPr lang="en-US" altLang="ja-JP" sz="350" b="0" i="1" smtClean="0">
+                          <a:solidFill>
+                            <a:schemeClr val="tx1"/>
+                          </a:solidFill>
+                          <a:latin typeface="Cambria Math" panose="02040503050406030204" pitchFamily="18" charset="0"/>
+                        </a:rPr>
+                        <m:t>/2</m:t>
+                      </m:r>
+                      <m:r>
+                        <a:rPr lang="en-US" altLang="ja-JP" sz="350" b="0" i="1" smtClean="0">
+                          <a:solidFill>
+                            <a:schemeClr val="tx1"/>
+                          </a:solidFill>
+                          <a:latin typeface="Cambria Math" panose="02040503050406030204" pitchFamily="18" charset="0"/>
+                          <a:ea typeface="Cambria Math" panose="02040503050406030204" pitchFamily="18" charset="0"/>
+                        </a:rPr>
+                        <m:t>,</m:t>
+                      </m:r>
+                      <m:r>
+                        <a:rPr lang="ja-JP" altLang="en-US" sz="350" i="1">
+                          <a:solidFill>
+                            <a:schemeClr val="tx1"/>
+                          </a:solidFill>
+                          <a:latin typeface="Cambria Math" panose="02040503050406030204" pitchFamily="18" charset="0"/>
+                        </a:rPr>
+                        <m:t>　</m:t>
+                      </m:r>
+                      <m:sSub>
+                        <m:sSubPr>
+                          <m:ctrlPr>
+                            <a:rPr lang="en-US" altLang="ja-JP" sz="350" i="1">
+                              <a:solidFill>
+                                <a:schemeClr val="tx1"/>
+                              </a:solidFill>
+                              <a:latin typeface="Cambria Math" panose="02040503050406030204" pitchFamily="18" charset="0"/>
+                            </a:rPr>
+                          </m:ctrlPr>
+                        </m:sSubPr>
+                        <m:e>
+                          <m:r>
+                            <a:rPr lang="en-US" altLang="ja-JP" sz="350" i="1">
+                              <a:solidFill>
+                                <a:schemeClr val="tx1"/>
+                              </a:solidFill>
+                              <a:latin typeface="Cambria Math" panose="02040503050406030204" pitchFamily="18" charset="0"/>
+                            </a:rPr>
+                            <m:t>𝐸</m:t>
+                          </m:r>
+                        </m:e>
+                        <m:sub>
+                          <m:r>
+                            <a:rPr lang="en-US" altLang="ja-JP" sz="350" i="1">
+                              <a:solidFill>
+                                <a:schemeClr val="tx1"/>
+                              </a:solidFill>
+                              <a:latin typeface="Cambria Math" panose="02040503050406030204" pitchFamily="18" charset="0"/>
+                            </a:rPr>
+                            <m:t>𝑠</m:t>
+                          </m:r>
+                        </m:sub>
+                      </m:sSub>
+                      <m:d>
+                        <m:dPr>
+                          <m:ctrlPr>
+                            <a:rPr lang="en-US" altLang="ja-JP" sz="350" i="1">
+                              <a:solidFill>
+                                <a:schemeClr val="tx1"/>
+                              </a:solidFill>
+                              <a:latin typeface="Cambria Math" panose="02040503050406030204" pitchFamily="18" charset="0"/>
+                            </a:rPr>
+                          </m:ctrlPr>
+                        </m:dPr>
+                        <m:e>
+                          <m:r>
+                            <a:rPr lang="en-US" altLang="ja-JP" sz="350" b="1" i="1">
+                              <a:solidFill>
+                                <a:schemeClr val="tx1"/>
+                              </a:solidFill>
+                              <a:latin typeface="Cambria Math" panose="02040503050406030204" pitchFamily="18" charset="0"/>
+                            </a:rPr>
+                            <m:t>𝒖</m:t>
+                          </m:r>
+                        </m:e>
+                      </m:d>
+                      <m:r>
+                        <a:rPr lang="en-US" altLang="ja-JP" sz="350" i="1">
+                          <a:solidFill>
+                            <a:schemeClr val="tx1"/>
+                          </a:solidFill>
+                          <a:latin typeface="Cambria Math" panose="02040503050406030204" pitchFamily="18" charset="0"/>
+                        </a:rPr>
+                        <m:t>=</m:t>
+                      </m:r>
+                      <m:func>
+                        <m:funcPr>
+                          <m:ctrlPr>
+                            <a:rPr lang="en-US" altLang="ja-JP" sz="350" i="1">
+                              <a:solidFill>
+                                <a:schemeClr val="tx1"/>
+                              </a:solidFill>
+                              <a:latin typeface="Cambria Math" panose="02040503050406030204" pitchFamily="18" charset="0"/>
+                            </a:rPr>
+                          </m:ctrlPr>
+                        </m:funcPr>
+                        <m:fName>
+                          <m:r>
+                            <m:rPr>
+                              <m:sty m:val="p"/>
+                            </m:rPr>
+                            <a:rPr lang="en-US" altLang="ja-JP" sz="350">
+                              <a:solidFill>
+                                <a:schemeClr val="tx1"/>
+                              </a:solidFill>
+                              <a:latin typeface="Cambria Math" panose="02040503050406030204" pitchFamily="18" charset="0"/>
+                            </a:rPr>
+                            <m:t>exp</m:t>
+                          </m:r>
+                        </m:fName>
+                        <m:e>
+                          <m:d>
+                            <m:dPr>
+                              <m:begChr m:val="["/>
+                              <m:endChr m:val="]"/>
+                              <m:ctrlPr>
+                                <a:rPr lang="en-US" altLang="ja-JP" sz="350" i="1">
+                                  <a:solidFill>
+                                    <a:schemeClr val="tx1"/>
+                                  </a:solidFill>
+                                  <a:latin typeface="Cambria Math" panose="02040503050406030204" pitchFamily="18" charset="0"/>
+                                </a:rPr>
+                              </m:ctrlPr>
+                            </m:dPr>
+                            <m:e>
+                              <m:r>
+                                <a:rPr kumimoji="1" lang="en-US" altLang="ja-JP" sz="350" i="1">
+                                  <a:solidFill>
+                                    <a:schemeClr val="tx1"/>
+                                  </a:solidFill>
+                                  <a:latin typeface="Cambria Math" panose="02040503050406030204" pitchFamily="18" charset="0"/>
+                                </a:rPr>
+                                <m:t>−</m:t>
+                              </m:r>
+                              <m:sSup>
+                                <m:sSupPr>
+                                  <m:ctrlPr>
+                                    <a:rPr kumimoji="1" lang="en-US" altLang="ja-JP" sz="350" i="1">
+                                      <a:solidFill>
+                                        <a:schemeClr val="tx1"/>
+                                      </a:solidFill>
+                                      <a:latin typeface="Cambria Math" panose="02040503050406030204" pitchFamily="18" charset="0"/>
+                                    </a:rPr>
+                                  </m:ctrlPr>
+                                </m:sSupPr>
+                                <m:e>
+                                  <m:r>
+                                    <a:rPr kumimoji="1" lang="en-US" altLang="ja-JP" sz="350" i="1">
+                                      <a:solidFill>
+                                        <a:schemeClr val="tx1"/>
+                                      </a:solidFill>
+                                      <a:latin typeface="Cambria Math" panose="02040503050406030204" pitchFamily="18" charset="0"/>
+                                    </a:rPr>
+                                    <m:t>2</m:t>
+                                  </m:r>
+                                  <m:r>
+                                    <a:rPr kumimoji="1" lang="en-US" altLang="ja-JP" sz="350" i="1">
+                                      <a:solidFill>
+                                        <a:schemeClr val="tx1"/>
+                                      </a:solidFill>
+                                      <a:latin typeface="Cambria Math" panose="02040503050406030204" pitchFamily="18" charset="0"/>
+                                    </a:rPr>
+                                    <m:t>𝜋</m:t>
+                                  </m:r>
+                                </m:e>
+                                <m:sup>
+                                  <m:r>
+                                    <a:rPr kumimoji="1" lang="en-US" altLang="ja-JP" sz="350" i="1">
+                                      <a:solidFill>
+                                        <a:schemeClr val="tx1"/>
+                                      </a:solidFill>
+                                      <a:latin typeface="Cambria Math" panose="02040503050406030204" pitchFamily="18" charset="0"/>
+                                    </a:rPr>
+                                    <m:t>2</m:t>
+                                  </m:r>
+                                </m:sup>
+                              </m:sSup>
+                              <m:sSubSup>
+                                <m:sSubSupPr>
+                                  <m:ctrlPr>
+                                    <a:rPr kumimoji="1" lang="en-US" altLang="ja-JP" sz="350" i="1">
+                                      <a:solidFill>
+                                        <a:schemeClr val="tx1"/>
+                                      </a:solidFill>
+                                      <a:latin typeface="Cambria Math" panose="02040503050406030204" pitchFamily="18" charset="0"/>
+                                    </a:rPr>
+                                  </m:ctrlPr>
+                                </m:sSubSupPr>
+                                <m:e>
+                                  <m:r>
+                                    <a:rPr kumimoji="1" lang="en-US" altLang="ja-JP" sz="350" i="1">
+                                      <a:solidFill>
+                                        <a:schemeClr val="tx1"/>
+                                      </a:solidFill>
+                                      <a:latin typeface="Cambria Math" panose="02040503050406030204" pitchFamily="18" charset="0"/>
+                                    </a:rPr>
+                                    <m:t>𝜎</m:t>
+                                  </m:r>
+                                </m:e>
+                                <m:sub>
+                                  <m:r>
+                                    <a:rPr kumimoji="1" lang="en-US" altLang="ja-JP" sz="350" i="1">
+                                      <a:solidFill>
+                                        <a:schemeClr val="tx1"/>
+                                      </a:solidFill>
+                                      <a:latin typeface="Cambria Math" panose="02040503050406030204" pitchFamily="18" charset="0"/>
+                                    </a:rPr>
+                                    <m:t>𝑠</m:t>
+                                  </m:r>
+                                </m:sub>
+                                <m:sup>
+                                  <m:r>
+                                    <a:rPr kumimoji="1" lang="en-US" altLang="ja-JP" sz="350" i="1">
+                                      <a:solidFill>
+                                        <a:schemeClr val="tx1"/>
+                                      </a:solidFill>
+                                      <a:latin typeface="Cambria Math" panose="02040503050406030204" pitchFamily="18" charset="0"/>
+                                    </a:rPr>
+                                    <m:t>2</m:t>
+                                  </m:r>
+                                </m:sup>
+                              </m:sSubSup>
+                              <m:sSup>
+                                <m:sSupPr>
+                                  <m:ctrlPr>
+                                    <a:rPr kumimoji="1" lang="en-US" altLang="ja-JP" sz="350" i="1">
+                                      <a:solidFill>
+                                        <a:schemeClr val="tx1"/>
+                                      </a:solidFill>
+                                      <a:latin typeface="Cambria Math" panose="02040503050406030204" pitchFamily="18" charset="0"/>
+                                    </a:rPr>
+                                  </m:ctrlPr>
+                                </m:sSupPr>
+                                <m:e>
+                                  <m:r>
+                                    <a:rPr kumimoji="1" lang="en-US" altLang="ja-JP" sz="350" b="1" i="1">
+                                      <a:solidFill>
+                                        <a:schemeClr val="tx1"/>
+                                      </a:solidFill>
+                                      <a:latin typeface="Cambria Math" panose="02040503050406030204" pitchFamily="18" charset="0"/>
+                                    </a:rPr>
+                                    <m:t>𝒖</m:t>
+                                  </m:r>
+                                </m:e>
+                                <m:sup>
+                                  <m:r>
+                                    <a:rPr kumimoji="1" lang="en-US" altLang="ja-JP" sz="350" i="1">
+                                      <a:solidFill>
+                                        <a:schemeClr val="tx1"/>
+                                      </a:solidFill>
+                                      <a:latin typeface="Cambria Math" panose="02040503050406030204" pitchFamily="18" charset="0"/>
+                                    </a:rPr>
+                                    <m:t>2</m:t>
+                                  </m:r>
+                                </m:sup>
+                              </m:sSup>
+                            </m:e>
+                          </m:d>
+                        </m:e>
+                      </m:func>
+                      <m:r>
+                        <a:rPr kumimoji="1" lang="en-US" altLang="ja-JP" sz="350" b="0" i="1" smtClean="0">
+                          <a:solidFill>
+                            <a:schemeClr val="tx1"/>
+                          </a:solidFill>
+                          <a:latin typeface="Cambria Math" panose="02040503050406030204" pitchFamily="18" charset="0"/>
+                        </a:rPr>
+                        <m:t>  </m:t>
+                      </m:r>
+                    </m:oMath>
+                  </m:oMathPara>
+                </a14:m>
+                <a:endParaRPr lang="ja-JP" altLang="en-US" sz="350" dirty="0">
+                  <a:solidFill>
+                    <a:schemeClr val="tx1"/>
+                  </a:solidFill>
+                </a:endParaRPr>
+              </a:p>
+            </p:txBody>
+          </p:sp>
+        </mc:Choice>
+        <mc:Fallback>
+          <p:sp>
+            <p:nvSpPr>
+              <p:cNvPr id="12" name="テキスト ボックス 11">
+                <a:extLst>
+                  <a:ext uri="{FF2B5EF4-FFF2-40B4-BE49-F238E27FC236}">
+                    <a16:creationId xmlns:a16="http://schemas.microsoft.com/office/drawing/2014/main" id="{E01F93C7-77A0-6EAC-EACF-0A2B77B793E9}"/>
+                  </a:ext>
+                </a:extLst>
+              </p:cNvPr>
+              <p:cNvSpPr txBox="1">
+                <a:spLocks noRot="1" noChangeAspect="1" noMove="1" noResize="1" noEditPoints="1" noAdjustHandles="1" noChangeArrowheads="1" noChangeShapeType="1" noTextEdit="1"/>
+              </p:cNvSpPr>
+              <p:nvPr/>
+            </p:nvSpPr>
+            <p:spPr>
+              <a:xfrm>
+                <a:off x="3326030" y="3759255"/>
+                <a:ext cx="2008785" cy="201337"/>
+              </a:xfrm>
+              <a:prstGeom prst="rect">
+                <a:avLst/>
+              </a:prstGeom>
+              <a:blipFill>
+                <a:blip r:embed="rId28"/>
+                <a:stretch>
+                  <a:fillRect l="-912" t="-93939" b="-190909"/>
                 </a:stretch>
               </a:blipFill>
             </p:spPr>
